--- a/Documents/MicroServices.pptx
+++ b/Documents/MicroServices.pptx
@@ -5,10 +5,10 @@
     <p:sldMasterId id="2147483660" r:id="rId1"/>
   </p:sldMasterIdLst>
   <p:notesMasterIdLst>
-    <p:notesMasterId r:id="rId24"/>
+    <p:notesMasterId r:id="rId25"/>
   </p:notesMasterIdLst>
   <p:handoutMasterIdLst>
-    <p:handoutMasterId r:id="rId25"/>
+    <p:handoutMasterId r:id="rId26"/>
   </p:handoutMasterIdLst>
   <p:sldIdLst>
     <p:sldId id="256" r:id="rId2"/>
@@ -27,12 +27,13 @@
     <p:sldId id="298" r:id="rId15"/>
     <p:sldId id="288" r:id="rId16"/>
     <p:sldId id="289" r:id="rId17"/>
-    <p:sldId id="299" r:id="rId18"/>
-    <p:sldId id="291" r:id="rId19"/>
-    <p:sldId id="292" r:id="rId20"/>
-    <p:sldId id="293" r:id="rId21"/>
-    <p:sldId id="294" r:id="rId22"/>
-    <p:sldId id="295" r:id="rId23"/>
+    <p:sldId id="293" r:id="rId18"/>
+    <p:sldId id="294" r:id="rId19"/>
+    <p:sldId id="302" r:id="rId20"/>
+    <p:sldId id="303" r:id="rId21"/>
+    <p:sldId id="304" r:id="rId22"/>
+    <p:sldId id="305" r:id="rId23"/>
+    <p:sldId id="295" r:id="rId24"/>
   </p:sldIdLst>
   <p:sldSz cx="12192000" cy="6858000"/>
   <p:notesSz cx="6858000" cy="9144000"/>
@@ -156,11 +157,12 @@
             <p14:sldId id="298"/>
             <p14:sldId id="288"/>
             <p14:sldId id="289"/>
-            <p14:sldId id="299"/>
-            <p14:sldId id="291"/>
-            <p14:sldId id="292"/>
             <p14:sldId id="293"/>
             <p14:sldId id="294"/>
+            <p14:sldId id="302"/>
+            <p14:sldId id="303"/>
+            <p14:sldId id="304"/>
+            <p14:sldId id="305"/>
             <p14:sldId id="295"/>
           </p14:sldIdLst>
         </p14:section>
@@ -3582,7 +3584,7 @@
           <a:p>
             <a:fld id="{80680FBE-A8DF-4758-9AC4-3A9E1039168F}" type="datetimeFigureOut">
               <a:rPr lang="en-US" smtClean="0"/>
-              <a:t>11/22/2016</a:t>
+              <a:t>11/25/2016</a:t>
             </a:fld>
             <a:endParaRPr lang="en-US"/>
           </a:p>
@@ -3747,7 +3749,7 @@
           <a:p>
             <a:fld id="{EC13577B-6902-467D-A26C-08A0DD5E4E03}" type="datetimeFigureOut">
               <a:rPr lang="en-US" smtClean="0"/>
-              <a:t>11/22/2016</a:t>
+              <a:t>11/25/2016</a:t>
             </a:fld>
             <a:endParaRPr lang="en-US"/>
           </a:p>
@@ -4351,7 +4353,7 @@
           <a:p>
             <a:fld id="{DF61EA0F-A667-4B49-8422-0062BC55E249}" type="slidenum">
               <a:rPr lang="en-US" smtClean="0"/>
-              <a:t>21</a:t>
+              <a:t>18</a:t>
             </a:fld>
             <a:endParaRPr lang="en-US"/>
           </a:p>
@@ -4440,7 +4442,7 @@
           <a:p>
             <a:fld id="{DF61EA0F-A667-4B49-8422-0062BC55E249}" type="slidenum">
               <a:rPr lang="en-US" smtClean="0"/>
-              <a:t>22</a:t>
+              <a:t>23</a:t>
             </a:fld>
             <a:endParaRPr lang="en-US"/>
           </a:p>
@@ -4539,7 +4541,7 @@
           <a:p>
             <a:fld id="{8BEEBAAA-29B5-4AF5-BC5F-7E580C29002D}" type="datetimeFigureOut">
               <a:rPr lang="en-US" smtClean="0"/>
-              <a:t>11/22/2016</a:t>
+              <a:t>11/25/2016</a:t>
             </a:fld>
             <a:endParaRPr lang="en-US"/>
           </a:p>
@@ -5321,7 +5323,7 @@
           <a:p>
             <a:fld id="{8BEEBAAA-29B5-4AF5-BC5F-7E580C29002D}" type="datetimeFigureOut">
               <a:rPr lang="en-US" smtClean="0"/>
-              <a:t>11/22/2016</a:t>
+              <a:t>11/25/2016</a:t>
             </a:fld>
             <a:endParaRPr lang="en-US"/>
           </a:p>
@@ -5833,7 +5835,7 @@
           <a:p>
             <a:fld id="{8BEEBAAA-29B5-4AF5-BC5F-7E580C29002D}" type="datetimeFigureOut">
               <a:rPr lang="en-US" smtClean="0"/>
-              <a:t>11/22/2016</a:t>
+              <a:t>11/25/2016</a:t>
             </a:fld>
             <a:endParaRPr lang="en-US"/>
           </a:p>
@@ -7004,7 +7006,7 @@
         </p:blipFill>
         <p:spPr bwMode="auto">
           <a:xfrm>
-            <a:off x="4800187" y="5598285"/>
+            <a:off x="4800187" y="4083704"/>
             <a:ext cx="3128799" cy="798842"/>
           </a:xfrm>
           <a:prstGeom prst="rect">
@@ -7214,30 +7216,6 @@
           </p:spPr>
         </p:pic>
       </p:grpSp>
-      <p:pic>
-        <p:nvPicPr>
-          <p:cNvPr id="10" name="Picture 9"/>
-          <p:cNvPicPr>
-            <a:picLocks noChangeAspect="1"/>
-          </p:cNvPicPr>
-          <p:nvPr/>
-        </p:nvPicPr>
-        <p:blipFill>
-          <a:blip r:embed="rId8"/>
-          <a:stretch>
-            <a:fillRect/>
-          </a:stretch>
-        </p:blipFill>
-        <p:spPr>
-          <a:xfrm>
-            <a:off x="5081210" y="3587870"/>
-            <a:ext cx="2259973" cy="1588479"/>
-          </a:xfrm>
-          <a:prstGeom prst="rect">
-            <a:avLst/>
-          </a:prstGeom>
-        </p:spPr>
-      </p:pic>
     </p:spTree>
     <p:extLst>
       <p:ext uri="{BB962C8B-B14F-4D97-AF65-F5344CB8AC3E}">
@@ -9737,487 +9715,6 @@
       </p:grpSpPr>
       <p:sp>
         <p:nvSpPr>
-          <p:cNvPr id="38" name="Content Placeholder 17"/>
-          <p:cNvSpPr txBox="1">
-            <a:spLocks/>
-          </p:cNvSpPr>
-          <p:nvPr/>
-        </p:nvSpPr>
-        <p:spPr>
-          <a:xfrm>
-            <a:off x="541610" y="1296100"/>
-            <a:ext cx="10875690" cy="5320600"/>
-          </a:xfrm>
-          <a:prstGeom prst="rect">
-            <a:avLst/>
-          </a:prstGeom>
-        </p:spPr>
-        <p:txBody>
-          <a:bodyPr vert="horz" lIns="91440" tIns="45720" rIns="91440" bIns="45720" rtlCol="0">
-            <a:noAutofit/>
-          </a:bodyPr>
-          <a:lstStyle>
-            <a:lvl1pPr marL="228600" indent="-228600" algn="l" defTabSz="914400" rtl="0" eaLnBrk="1" latinLnBrk="0" hangingPunct="1">
-              <a:lnSpc>
-                <a:spcPts val="1800"/>
-              </a:lnSpc>
-              <a:spcBef>
-                <a:spcPts val="1000"/>
-              </a:spcBef>
-              <a:spcAft>
-                <a:spcPts val="1000"/>
-              </a:spcAft>
-              <a:buFont typeface="Arial" panose="020B0604020202020204" pitchFamily="34" charset="0"/>
-              <a:buChar char="•"/>
-              <a:defRPr lang="en-US" sz="1200" kern="1200" smtClean="0">
-                <a:solidFill>
-                  <a:schemeClr val="tx1">
-                    <a:lumMod val="75000"/>
-                    <a:lumOff val="25000"/>
-                  </a:schemeClr>
-                </a:solidFill>
-                <a:latin typeface="+mn-lt"/>
-                <a:ea typeface="+mn-ea"/>
-                <a:cs typeface="+mn-cs"/>
-              </a:defRPr>
-            </a:lvl1pPr>
-            <a:lvl2pPr marL="685800" indent="-228600" algn="l" defTabSz="914400" rtl="0" eaLnBrk="1" latinLnBrk="0" hangingPunct="1">
-              <a:lnSpc>
-                <a:spcPts val="1800"/>
-              </a:lnSpc>
-              <a:spcBef>
-                <a:spcPts val="1000"/>
-              </a:spcBef>
-              <a:spcAft>
-                <a:spcPts val="1000"/>
-              </a:spcAft>
-              <a:buFont typeface="Arial" panose="020B0604020202020204" pitchFamily="34" charset="0"/>
-              <a:buChar char="•"/>
-              <a:defRPr lang="en-US" sz="1200" kern="1200" smtClean="0">
-                <a:solidFill>
-                  <a:schemeClr val="tx1">
-                    <a:lumMod val="75000"/>
-                    <a:lumOff val="25000"/>
-                  </a:schemeClr>
-                </a:solidFill>
-                <a:latin typeface="+mn-lt"/>
-                <a:ea typeface="+mn-ea"/>
-                <a:cs typeface="+mn-cs"/>
-              </a:defRPr>
-            </a:lvl2pPr>
-            <a:lvl3pPr marL="1143000" indent="-228600" algn="l" defTabSz="914400" rtl="0" eaLnBrk="1" latinLnBrk="0" hangingPunct="1">
-              <a:lnSpc>
-                <a:spcPts val="1800"/>
-              </a:lnSpc>
-              <a:spcBef>
-                <a:spcPts val="1000"/>
-              </a:spcBef>
-              <a:spcAft>
-                <a:spcPts val="1000"/>
-              </a:spcAft>
-              <a:buFont typeface="Arial" panose="020B0604020202020204" pitchFamily="34" charset="0"/>
-              <a:buChar char="•"/>
-              <a:defRPr lang="en-US" sz="1200" kern="1200" smtClean="0">
-                <a:solidFill>
-                  <a:schemeClr val="tx1">
-                    <a:lumMod val="75000"/>
-                    <a:lumOff val="25000"/>
-                  </a:schemeClr>
-                </a:solidFill>
-                <a:latin typeface="+mn-lt"/>
-                <a:ea typeface="+mn-ea"/>
-                <a:cs typeface="+mn-cs"/>
-              </a:defRPr>
-            </a:lvl3pPr>
-            <a:lvl4pPr marL="1600200" indent="-228600" algn="l" defTabSz="914400" rtl="0" eaLnBrk="1" latinLnBrk="0" hangingPunct="1">
-              <a:lnSpc>
-                <a:spcPts val="1800"/>
-              </a:lnSpc>
-              <a:spcBef>
-                <a:spcPts val="1000"/>
-              </a:spcBef>
-              <a:spcAft>
-                <a:spcPts val="1000"/>
-              </a:spcAft>
-              <a:buFont typeface="Arial" panose="020B0604020202020204" pitchFamily="34" charset="0"/>
-              <a:buChar char="•"/>
-              <a:defRPr lang="en-US" sz="1200" kern="1200" smtClean="0">
-                <a:solidFill>
-                  <a:schemeClr val="tx1">
-                    <a:lumMod val="75000"/>
-                    <a:lumOff val="25000"/>
-                  </a:schemeClr>
-                </a:solidFill>
-                <a:latin typeface="+mn-lt"/>
-                <a:ea typeface="+mn-ea"/>
-                <a:cs typeface="+mn-cs"/>
-              </a:defRPr>
-            </a:lvl4pPr>
-            <a:lvl5pPr marL="2057400" indent="-228600" algn="l" defTabSz="914400" rtl="0" eaLnBrk="1" latinLnBrk="0" hangingPunct="1">
-              <a:lnSpc>
-                <a:spcPts val="1800"/>
-              </a:lnSpc>
-              <a:spcBef>
-                <a:spcPts val="1000"/>
-              </a:spcBef>
-              <a:spcAft>
-                <a:spcPts val="1000"/>
-              </a:spcAft>
-              <a:buFont typeface="Arial" panose="020B0604020202020204" pitchFamily="34" charset="0"/>
-              <a:buChar char="•"/>
-              <a:defRPr lang="en-US" sz="1200" kern="1200">
-                <a:solidFill>
-                  <a:schemeClr val="tx1">
-                    <a:lumMod val="75000"/>
-                    <a:lumOff val="25000"/>
-                  </a:schemeClr>
-                </a:solidFill>
-                <a:latin typeface="+mn-lt"/>
-                <a:ea typeface="+mn-ea"/>
-                <a:cs typeface="+mn-cs"/>
-              </a:defRPr>
-            </a:lvl5pPr>
-            <a:lvl6pPr marL="2514600" indent="-228600" algn="l" defTabSz="914400" rtl="0" eaLnBrk="1" latinLnBrk="0" hangingPunct="1">
-              <a:lnSpc>
-                <a:spcPct val="90000"/>
-              </a:lnSpc>
-              <a:spcBef>
-                <a:spcPct val="30000"/>
-              </a:spcBef>
-              <a:buFont typeface="Arial" panose="020B0604020202020204" pitchFamily="34" charset="0"/>
-              <a:buChar char="•"/>
-              <a:defRPr sz="1800" kern="1200">
-                <a:solidFill>
-                  <a:schemeClr val="tx1"/>
-                </a:solidFill>
-                <a:latin typeface="+mn-lt"/>
-                <a:ea typeface="+mn-ea"/>
-                <a:cs typeface="+mn-cs"/>
-              </a:defRPr>
-            </a:lvl6pPr>
-            <a:lvl7pPr marL="2971800" indent="-228600" algn="l" defTabSz="914400" rtl="0" eaLnBrk="1" latinLnBrk="0" hangingPunct="1">
-              <a:lnSpc>
-                <a:spcPct val="90000"/>
-              </a:lnSpc>
-              <a:spcBef>
-                <a:spcPct val="30000"/>
-              </a:spcBef>
-              <a:buFont typeface="Arial" panose="020B0604020202020204" pitchFamily="34" charset="0"/>
-              <a:buChar char="•"/>
-              <a:defRPr sz="1800" kern="1200">
-                <a:solidFill>
-                  <a:schemeClr val="tx1"/>
-                </a:solidFill>
-                <a:latin typeface="+mn-lt"/>
-                <a:ea typeface="+mn-ea"/>
-                <a:cs typeface="+mn-cs"/>
-              </a:defRPr>
-            </a:lvl7pPr>
-            <a:lvl8pPr marL="3429000" indent="-228600" algn="l" defTabSz="914400" rtl="0" eaLnBrk="1" latinLnBrk="0" hangingPunct="1">
-              <a:lnSpc>
-                <a:spcPct val="90000"/>
-              </a:lnSpc>
-              <a:spcBef>
-                <a:spcPct val="30000"/>
-              </a:spcBef>
-              <a:buFont typeface="Arial" panose="020B0604020202020204" pitchFamily="34" charset="0"/>
-              <a:buChar char="•"/>
-              <a:defRPr sz="1800" kern="1200">
-                <a:solidFill>
-                  <a:schemeClr val="tx1"/>
-                </a:solidFill>
-                <a:latin typeface="+mn-lt"/>
-                <a:ea typeface="+mn-ea"/>
-                <a:cs typeface="+mn-cs"/>
-              </a:defRPr>
-            </a:lvl8pPr>
-            <a:lvl9pPr marL="3886200" indent="-228600" algn="l" defTabSz="914400" rtl="0" eaLnBrk="1" latinLnBrk="0" hangingPunct="1">
-              <a:lnSpc>
-                <a:spcPct val="90000"/>
-              </a:lnSpc>
-              <a:spcBef>
-                <a:spcPct val="30000"/>
-              </a:spcBef>
-              <a:buFont typeface="Arial" panose="020B0604020202020204" pitchFamily="34" charset="0"/>
-              <a:buChar char="•"/>
-              <a:defRPr sz="1800" kern="1200">
-                <a:solidFill>
-                  <a:schemeClr val="tx1"/>
-                </a:solidFill>
-                <a:latin typeface="+mn-lt"/>
-                <a:ea typeface="+mn-ea"/>
-                <a:cs typeface="+mn-cs"/>
-              </a:defRPr>
-            </a:lvl9pPr>
-          </a:lstStyle>
-          <a:p>
-            <a:pPr marL="0" indent="0">
-              <a:lnSpc>
-                <a:spcPct val="150000"/>
-              </a:lnSpc>
-              <a:spcBef>
-                <a:spcPts val="0"/>
-              </a:spcBef>
-              <a:spcAft>
-                <a:spcPts val="0"/>
-              </a:spcAft>
-              <a:buNone/>
-              <a:defRPr/>
-            </a:pPr>
-            <a:r>
-              <a:rPr lang="en-US" sz="2400" dirty="0">
-                <a:solidFill>
-                  <a:srgbClr val="D24726"/>
-                </a:solidFill>
-                <a:latin typeface="Segoe UI" panose="020B0502040204020203" pitchFamily="34" charset="0"/>
-                <a:cs typeface="Segoe UI" panose="020B0502040204020203" pitchFamily="34" charset="0"/>
-              </a:rPr>
-              <a:t>What is .NET Core?</a:t>
-            </a:r>
-          </a:p>
-          <a:p>
-            <a:pPr>
-              <a:lnSpc>
-                <a:spcPct val="150000"/>
-              </a:lnSpc>
-              <a:spcBef>
-                <a:spcPts val="0"/>
-              </a:spcBef>
-              <a:spcAft>
-                <a:spcPts val="0"/>
-              </a:spcAft>
-              <a:defRPr/>
-            </a:pPr>
-            <a:r>
-              <a:rPr lang="en-US" sz="1800" dirty="0">
-                <a:latin typeface="Segoe UI" panose="020B0502040204020203" pitchFamily="34" charset="0"/>
-                <a:cs typeface="Segoe UI" panose="020B0502040204020203" pitchFamily="34" charset="0"/>
-              </a:rPr>
-              <a:t>.NET Core is the latest </a:t>
-            </a:r>
-            <a:r>
-              <a:rPr lang="en-US" sz="1800" dirty="0" err="1">
-                <a:latin typeface="Segoe UI" panose="020B0502040204020203" pitchFamily="34" charset="0"/>
-                <a:cs typeface="Segoe UI" panose="020B0502040204020203" pitchFamily="34" charset="0"/>
-              </a:rPr>
-              <a:t>moduler</a:t>
-            </a:r>
-            <a:r>
-              <a:rPr lang="en-US" sz="1800" dirty="0">
-                <a:latin typeface="Segoe UI" panose="020B0502040204020203" pitchFamily="34" charset="0"/>
-                <a:cs typeface="Segoe UI" panose="020B0502040204020203" pitchFamily="34" charset="0"/>
-              </a:rPr>
-              <a:t> version of .NET.</a:t>
-            </a:r>
-          </a:p>
-          <a:p>
-            <a:pPr>
-              <a:lnSpc>
-                <a:spcPct val="150000"/>
-              </a:lnSpc>
-              <a:spcBef>
-                <a:spcPts val="0"/>
-              </a:spcBef>
-              <a:spcAft>
-                <a:spcPts val="0"/>
-              </a:spcAft>
-              <a:defRPr/>
-            </a:pPr>
-            <a:r>
-              <a:rPr lang="en-US" sz="1800" dirty="0">
-                <a:latin typeface="Segoe UI" panose="020B0502040204020203" pitchFamily="34" charset="0"/>
-                <a:cs typeface="Segoe UI" panose="020B0502040204020203" pitchFamily="34" charset="0"/>
-              </a:rPr>
-              <a:t>It is  a new open-source and cross-platform framework for building modern cloud based internet connected applications, such as web apps, </a:t>
-            </a:r>
-            <a:r>
-              <a:rPr lang="en-US" sz="1800" dirty="0" err="1">
-                <a:latin typeface="Segoe UI" panose="020B0502040204020203" pitchFamily="34" charset="0"/>
-                <a:cs typeface="Segoe UI" panose="020B0502040204020203" pitchFamily="34" charset="0"/>
-              </a:rPr>
-              <a:t>IoT</a:t>
-            </a:r>
-            <a:r>
-              <a:rPr lang="en-US" sz="1800" dirty="0">
-                <a:latin typeface="Segoe UI" panose="020B0502040204020203" pitchFamily="34" charset="0"/>
-                <a:cs typeface="Segoe UI" panose="020B0502040204020203" pitchFamily="34" charset="0"/>
-              </a:rPr>
-              <a:t> and mobile </a:t>
-            </a:r>
-            <a:r>
-              <a:rPr lang="en-US" sz="1800" dirty="0" err="1">
-                <a:latin typeface="Segoe UI" panose="020B0502040204020203" pitchFamily="34" charset="0"/>
-                <a:cs typeface="Segoe UI" panose="020B0502040204020203" pitchFamily="34" charset="0"/>
-              </a:rPr>
-              <a:t>backends</a:t>
-            </a:r>
-            <a:r>
-              <a:rPr lang="en-US" sz="1800" dirty="0">
-                <a:latin typeface="Segoe UI" panose="020B0502040204020203" pitchFamily="34" charset="0"/>
-                <a:cs typeface="Segoe UI" panose="020B0502040204020203" pitchFamily="34" charset="0"/>
-              </a:rPr>
-              <a:t>.</a:t>
-            </a:r>
-          </a:p>
-          <a:p>
-            <a:pPr>
-              <a:lnSpc>
-                <a:spcPct val="150000"/>
-              </a:lnSpc>
-              <a:spcBef>
-                <a:spcPts val="0"/>
-              </a:spcBef>
-              <a:spcAft>
-                <a:spcPts val="0"/>
-              </a:spcAft>
-              <a:defRPr/>
-            </a:pPr>
-            <a:r>
-              <a:rPr lang="en-US" sz="1800" dirty="0">
-                <a:latin typeface="Segoe UI" panose="020B0502040204020203" pitchFamily="34" charset="0"/>
-                <a:cs typeface="Segoe UI" panose="020B0502040204020203" pitchFamily="34" charset="0"/>
-              </a:rPr>
-              <a:t>Allows you to separate out your host from the application</a:t>
-            </a:r>
-            <a:r>
-              <a:rPr lang="en-US" sz="1800" dirty="0" smtClean="0">
-                <a:latin typeface="Segoe UI" panose="020B0502040204020203" pitchFamily="34" charset="0"/>
-                <a:cs typeface="Segoe UI" panose="020B0502040204020203" pitchFamily="34" charset="0"/>
-              </a:rPr>
-              <a:t>.</a:t>
-            </a:r>
-            <a:endParaRPr lang="en-US" sz="1800" dirty="0">
-              <a:latin typeface="Segoe UI" panose="020B0502040204020203" pitchFamily="34" charset="0"/>
-              <a:cs typeface="Segoe UI" panose="020B0502040204020203" pitchFamily="34" charset="0"/>
-            </a:endParaRPr>
-          </a:p>
-          <a:p>
-            <a:pPr marL="0" indent="0">
-              <a:lnSpc>
-                <a:spcPct val="150000"/>
-              </a:lnSpc>
-              <a:spcBef>
-                <a:spcPts val="0"/>
-              </a:spcBef>
-              <a:spcAft>
-                <a:spcPts val="0"/>
-              </a:spcAft>
-              <a:buNone/>
-              <a:defRPr/>
-            </a:pPr>
-            <a:r>
-              <a:rPr lang="en-US" sz="2400" dirty="0">
-                <a:solidFill>
-                  <a:srgbClr val="D24726"/>
-                </a:solidFill>
-                <a:latin typeface="Segoe UI" panose="020B0502040204020203" pitchFamily="34" charset="0"/>
-                <a:cs typeface="Segoe UI" panose="020B0502040204020203" pitchFamily="34" charset="0"/>
-              </a:rPr>
-              <a:t>Why use .NET Core?</a:t>
-            </a:r>
-          </a:p>
-          <a:p>
-            <a:pPr>
-              <a:lnSpc>
-                <a:spcPct val="150000"/>
-              </a:lnSpc>
-              <a:spcBef>
-                <a:spcPts val="0"/>
-              </a:spcBef>
-              <a:spcAft>
-                <a:spcPts val="0"/>
-              </a:spcAft>
-              <a:defRPr/>
-            </a:pPr>
-            <a:r>
-              <a:rPr lang="en-US" sz="1800" dirty="0">
-                <a:latin typeface="Segoe UI" panose="020B0502040204020203" pitchFamily="34" charset="0"/>
-                <a:cs typeface="Segoe UI" panose="020B0502040204020203" pitchFamily="34" charset="0"/>
-              </a:rPr>
-              <a:t>.NET Core is cross platform, so you can run it on Windows, Linux, Docker and Mac</a:t>
-            </a:r>
-          </a:p>
-          <a:p>
-            <a:pPr>
-              <a:lnSpc>
-                <a:spcPct val="150000"/>
-              </a:lnSpc>
-              <a:spcBef>
-                <a:spcPts val="0"/>
-              </a:spcBef>
-              <a:spcAft>
-                <a:spcPts val="0"/>
-              </a:spcAft>
-              <a:defRPr/>
-            </a:pPr>
-            <a:r>
-              <a:rPr lang="en-US" sz="1800" dirty="0">
-                <a:latin typeface="Segoe UI" panose="020B0502040204020203" pitchFamily="34" charset="0"/>
-                <a:cs typeface="Segoe UI" panose="020B0502040204020203" pitchFamily="34" charset="0"/>
-              </a:rPr>
-              <a:t>You don't need to install the .NET Framework to run it. Instead, you ship all the required </a:t>
-            </a:r>
-            <a:r>
-              <a:rPr lang="en-US" sz="1800" dirty="0" err="1">
-                <a:latin typeface="Segoe UI" panose="020B0502040204020203" pitchFamily="34" charset="0"/>
-                <a:cs typeface="Segoe UI" panose="020B0502040204020203" pitchFamily="34" charset="0"/>
-              </a:rPr>
-              <a:t>dlls</a:t>
-            </a:r>
-            <a:r>
-              <a:rPr lang="en-US" sz="1800" dirty="0">
-                <a:latin typeface="Segoe UI" panose="020B0502040204020203" pitchFamily="34" charset="0"/>
-                <a:cs typeface="Segoe UI" panose="020B0502040204020203" pitchFamily="34" charset="0"/>
-              </a:rPr>
-              <a:t> with your application.</a:t>
-            </a:r>
-          </a:p>
-          <a:p>
-            <a:pPr>
-              <a:lnSpc>
-                <a:spcPct val="150000"/>
-              </a:lnSpc>
-              <a:spcBef>
-                <a:spcPts val="0"/>
-              </a:spcBef>
-              <a:spcAft>
-                <a:spcPts val="0"/>
-              </a:spcAft>
-              <a:defRPr/>
-            </a:pPr>
-            <a:r>
-              <a:rPr lang="en-US" sz="1800" dirty="0">
-                <a:latin typeface="Segoe UI" panose="020B0502040204020203" pitchFamily="34" charset="0"/>
-                <a:cs typeface="Segoe UI" panose="020B0502040204020203" pitchFamily="34" charset="0"/>
-              </a:rPr>
-              <a:t>You can use Visual Studio Code to develop your application, which is free and lightweight in comparison to Visual Studio. And you can use it on different platforms as well.</a:t>
-            </a:r>
-          </a:p>
-          <a:p>
-            <a:pPr>
-              <a:lnSpc>
-                <a:spcPct val="150000"/>
-              </a:lnSpc>
-              <a:spcBef>
-                <a:spcPts val="0"/>
-              </a:spcBef>
-              <a:spcAft>
-                <a:spcPts val="0"/>
-              </a:spcAft>
-              <a:defRPr/>
-            </a:pPr>
-            <a:r>
-              <a:rPr lang="en-US" sz="1800" dirty="0">
-                <a:latin typeface="Segoe UI" panose="020B0502040204020203" pitchFamily="34" charset="0"/>
-                <a:cs typeface="Segoe UI" panose="020B0502040204020203" pitchFamily="34" charset="0"/>
-              </a:rPr>
-              <a:t>.`NET Core has a number of architectural changes that result in a much leaner and modular framework.</a:t>
-            </a:r>
-          </a:p>
-        </p:txBody>
-      </p:sp>
-      <p:sp>
-        <p:nvSpPr>
           <p:cNvPr id="8" name="Title 7"/>
           <p:cNvSpPr>
             <a:spLocks noGrp="1"/>
@@ -10232,11 +9729,11 @@
           <a:lstStyle/>
           <a:p>
             <a:r>
-              <a:rPr lang="en-US" dirty="0">
+              <a:rPr lang="en-US" dirty="0" smtClean="0">
                 <a:latin typeface="Segoe UI Light" panose="020B0502040204020203" pitchFamily="34" charset="0"/>
                 <a:cs typeface="Segoe UI Light" panose="020B0502040204020203" pitchFamily="34" charset="0"/>
               </a:rPr>
-              <a:t>.NET Core</a:t>
+              <a:t>Proof of Concept</a:t>
             </a:r>
             <a:endParaRPr lang="en-US" dirty="0">
               <a:latin typeface="Segoe UI Light" panose="020B0502040204020203" pitchFamily="34" charset="0"/>
@@ -10245,10 +9742,64 @@
           </a:p>
         </p:txBody>
       </p:sp>
+      <p:pic>
+        <p:nvPicPr>
+          <p:cNvPr id="4" name="Picture 3" descr="image007"/>
+          <p:cNvPicPr>
+            <a:picLocks noChangeAspect="1" noChangeArrowheads="1"/>
+          </p:cNvPicPr>
+          <p:nvPr/>
+        </p:nvPicPr>
+        <p:blipFill>
+          <a:blip r:embed="rId2">
+            <a:extLst>
+              <a:ext uri="{28A0092B-C50C-407E-A947-70E740481C1C}">
+                <a14:useLocalDpi xmlns:a14="http://schemas.microsoft.com/office/drawing/2010/main" val="0"/>
+              </a:ext>
+            </a:extLst>
+          </a:blip>
+          <a:srcRect/>
+          <a:stretch>
+            <a:fillRect/>
+          </a:stretch>
+        </p:blipFill>
+        <p:spPr bwMode="auto">
+          <a:xfrm>
+            <a:off x="2019300" y="1271921"/>
+            <a:ext cx="8140700" cy="5213924"/>
+          </a:xfrm>
+          <a:prstGeom prst="rect">
+            <a:avLst/>
+          </a:prstGeom>
+          <a:noFill/>
+          <a:ln>
+            <a:noFill/>
+          </a:ln>
+          <a:extLst>
+            <a:ext uri="{909E8E84-426E-40DD-AFC4-6F175D3DCCD1}">
+              <a14:hiddenFill xmlns:a14="http://schemas.microsoft.com/office/drawing/2010/main">
+                <a:solidFill>
+                  <a:srgbClr val="FFFFFF"/>
+                </a:solidFill>
+              </a14:hiddenFill>
+            </a:ext>
+            <a:ext uri="{91240B29-F687-4F45-9708-019B960494DF}">
+              <a14:hiddenLine xmlns:a14="http://schemas.microsoft.com/office/drawing/2010/main" w="9525">
+                <a:solidFill>
+                  <a:srgbClr val="000000"/>
+                </a:solidFill>
+                <a:miter lim="800000"/>
+                <a:headEnd/>
+                <a:tailEnd/>
+              </a14:hiddenLine>
+            </a:ext>
+          </a:extLst>
+        </p:spPr>
+      </p:pic>
     </p:spTree>
     <p:extLst>
       <p:ext uri="{BB962C8B-B14F-4D97-AF65-F5344CB8AC3E}">
-        <p14:creationId xmlns:p14="http://schemas.microsoft.com/office/powerpoint/2010/main" val="1329070258"/>
+        <p14:creationId xmlns:p14="http://schemas.microsoft.com/office/powerpoint/2010/main" val="2864899081"/>
       </p:ext>
     </p:extLst>
   </p:cSld>
@@ -10292,389 +9843,53 @@
       </p:grpSpPr>
       <p:sp>
         <p:nvSpPr>
-          <p:cNvPr id="38" name="Content Placeholder 17"/>
-          <p:cNvSpPr txBox="1">
-            <a:spLocks/>
-          </p:cNvSpPr>
-          <p:nvPr/>
-        </p:nvSpPr>
-        <p:spPr>
-          <a:xfrm>
-            <a:off x="541610" y="1296100"/>
-            <a:ext cx="11129690" cy="2437700"/>
-          </a:xfrm>
-          <a:prstGeom prst="rect">
-            <a:avLst/>
-          </a:prstGeom>
-        </p:spPr>
-        <p:txBody>
-          <a:bodyPr vert="horz" lIns="91440" tIns="45720" rIns="91440" bIns="45720" rtlCol="0">
-            <a:normAutofit/>
-          </a:bodyPr>
-          <a:lstStyle>
-            <a:lvl1pPr marL="228600" indent="-228600" algn="l" defTabSz="914400" rtl="0" eaLnBrk="1" latinLnBrk="0" hangingPunct="1">
-              <a:lnSpc>
-                <a:spcPts val="1800"/>
-              </a:lnSpc>
-              <a:spcBef>
-                <a:spcPts val="1000"/>
-              </a:spcBef>
-              <a:spcAft>
-                <a:spcPts val="1000"/>
-              </a:spcAft>
-              <a:buFont typeface="Arial" panose="020B0604020202020204" pitchFamily="34" charset="0"/>
-              <a:buChar char="•"/>
-              <a:defRPr lang="en-US" sz="1200" kern="1200" smtClean="0">
-                <a:solidFill>
-                  <a:schemeClr val="tx1">
-                    <a:lumMod val="75000"/>
-                    <a:lumOff val="25000"/>
-                  </a:schemeClr>
-                </a:solidFill>
-                <a:latin typeface="+mn-lt"/>
-                <a:ea typeface="+mn-ea"/>
-                <a:cs typeface="+mn-cs"/>
-              </a:defRPr>
-            </a:lvl1pPr>
-            <a:lvl2pPr marL="685800" indent="-228600" algn="l" defTabSz="914400" rtl="0" eaLnBrk="1" latinLnBrk="0" hangingPunct="1">
-              <a:lnSpc>
-                <a:spcPts val="1800"/>
-              </a:lnSpc>
-              <a:spcBef>
-                <a:spcPts val="1000"/>
-              </a:spcBef>
-              <a:spcAft>
-                <a:spcPts val="1000"/>
-              </a:spcAft>
-              <a:buFont typeface="Arial" panose="020B0604020202020204" pitchFamily="34" charset="0"/>
-              <a:buChar char="•"/>
-              <a:defRPr lang="en-US" sz="1200" kern="1200" smtClean="0">
-                <a:solidFill>
-                  <a:schemeClr val="tx1">
-                    <a:lumMod val="75000"/>
-                    <a:lumOff val="25000"/>
-                  </a:schemeClr>
-                </a:solidFill>
-                <a:latin typeface="+mn-lt"/>
-                <a:ea typeface="+mn-ea"/>
-                <a:cs typeface="+mn-cs"/>
-              </a:defRPr>
-            </a:lvl2pPr>
-            <a:lvl3pPr marL="1143000" indent="-228600" algn="l" defTabSz="914400" rtl="0" eaLnBrk="1" latinLnBrk="0" hangingPunct="1">
-              <a:lnSpc>
-                <a:spcPts val="1800"/>
-              </a:lnSpc>
-              <a:spcBef>
-                <a:spcPts val="1000"/>
-              </a:spcBef>
-              <a:spcAft>
-                <a:spcPts val="1000"/>
-              </a:spcAft>
-              <a:buFont typeface="Arial" panose="020B0604020202020204" pitchFamily="34" charset="0"/>
-              <a:buChar char="•"/>
-              <a:defRPr lang="en-US" sz="1200" kern="1200" smtClean="0">
-                <a:solidFill>
-                  <a:schemeClr val="tx1">
-                    <a:lumMod val="75000"/>
-                    <a:lumOff val="25000"/>
-                  </a:schemeClr>
-                </a:solidFill>
-                <a:latin typeface="+mn-lt"/>
-                <a:ea typeface="+mn-ea"/>
-                <a:cs typeface="+mn-cs"/>
-              </a:defRPr>
-            </a:lvl3pPr>
-            <a:lvl4pPr marL="1600200" indent="-228600" algn="l" defTabSz="914400" rtl="0" eaLnBrk="1" latinLnBrk="0" hangingPunct="1">
-              <a:lnSpc>
-                <a:spcPts val="1800"/>
-              </a:lnSpc>
-              <a:spcBef>
-                <a:spcPts val="1000"/>
-              </a:spcBef>
-              <a:spcAft>
-                <a:spcPts val="1000"/>
-              </a:spcAft>
-              <a:buFont typeface="Arial" panose="020B0604020202020204" pitchFamily="34" charset="0"/>
-              <a:buChar char="•"/>
-              <a:defRPr lang="en-US" sz="1200" kern="1200" smtClean="0">
-                <a:solidFill>
-                  <a:schemeClr val="tx1">
-                    <a:lumMod val="75000"/>
-                    <a:lumOff val="25000"/>
-                  </a:schemeClr>
-                </a:solidFill>
-                <a:latin typeface="+mn-lt"/>
-                <a:ea typeface="+mn-ea"/>
-                <a:cs typeface="+mn-cs"/>
-              </a:defRPr>
-            </a:lvl4pPr>
-            <a:lvl5pPr marL="2057400" indent="-228600" algn="l" defTabSz="914400" rtl="0" eaLnBrk="1" latinLnBrk="0" hangingPunct="1">
-              <a:lnSpc>
-                <a:spcPts val="1800"/>
-              </a:lnSpc>
-              <a:spcBef>
-                <a:spcPts val="1000"/>
-              </a:spcBef>
-              <a:spcAft>
-                <a:spcPts val="1000"/>
-              </a:spcAft>
-              <a:buFont typeface="Arial" panose="020B0604020202020204" pitchFamily="34" charset="0"/>
-              <a:buChar char="•"/>
-              <a:defRPr lang="en-US" sz="1200" kern="1200">
-                <a:solidFill>
-                  <a:schemeClr val="tx1">
-                    <a:lumMod val="75000"/>
-                    <a:lumOff val="25000"/>
-                  </a:schemeClr>
-                </a:solidFill>
-                <a:latin typeface="+mn-lt"/>
-                <a:ea typeface="+mn-ea"/>
-                <a:cs typeface="+mn-cs"/>
-              </a:defRPr>
-            </a:lvl5pPr>
-            <a:lvl6pPr marL="2514600" indent="-228600" algn="l" defTabSz="914400" rtl="0" eaLnBrk="1" latinLnBrk="0" hangingPunct="1">
-              <a:lnSpc>
-                <a:spcPct val="90000"/>
-              </a:lnSpc>
-              <a:spcBef>
-                <a:spcPct val="30000"/>
-              </a:spcBef>
-              <a:buFont typeface="Arial" panose="020B0604020202020204" pitchFamily="34" charset="0"/>
-              <a:buChar char="•"/>
-              <a:defRPr sz="1800" kern="1200">
-                <a:solidFill>
-                  <a:schemeClr val="tx1"/>
-                </a:solidFill>
-                <a:latin typeface="+mn-lt"/>
-                <a:ea typeface="+mn-ea"/>
-                <a:cs typeface="+mn-cs"/>
-              </a:defRPr>
-            </a:lvl6pPr>
-            <a:lvl7pPr marL="2971800" indent="-228600" algn="l" defTabSz="914400" rtl="0" eaLnBrk="1" latinLnBrk="0" hangingPunct="1">
-              <a:lnSpc>
-                <a:spcPct val="90000"/>
-              </a:lnSpc>
-              <a:spcBef>
-                <a:spcPct val="30000"/>
-              </a:spcBef>
-              <a:buFont typeface="Arial" panose="020B0604020202020204" pitchFamily="34" charset="0"/>
-              <a:buChar char="•"/>
-              <a:defRPr sz="1800" kern="1200">
-                <a:solidFill>
-                  <a:schemeClr val="tx1"/>
-                </a:solidFill>
-                <a:latin typeface="+mn-lt"/>
-                <a:ea typeface="+mn-ea"/>
-                <a:cs typeface="+mn-cs"/>
-              </a:defRPr>
-            </a:lvl7pPr>
-            <a:lvl8pPr marL="3429000" indent="-228600" algn="l" defTabSz="914400" rtl="0" eaLnBrk="1" latinLnBrk="0" hangingPunct="1">
-              <a:lnSpc>
-                <a:spcPct val="90000"/>
-              </a:lnSpc>
-              <a:spcBef>
-                <a:spcPct val="30000"/>
-              </a:spcBef>
-              <a:buFont typeface="Arial" panose="020B0604020202020204" pitchFamily="34" charset="0"/>
-              <a:buChar char="•"/>
-              <a:defRPr sz="1800" kern="1200">
-                <a:solidFill>
-                  <a:schemeClr val="tx1"/>
-                </a:solidFill>
-                <a:latin typeface="+mn-lt"/>
-                <a:ea typeface="+mn-ea"/>
-                <a:cs typeface="+mn-cs"/>
-              </a:defRPr>
-            </a:lvl8pPr>
-            <a:lvl9pPr marL="3886200" indent="-228600" algn="l" defTabSz="914400" rtl="0" eaLnBrk="1" latinLnBrk="0" hangingPunct="1">
-              <a:lnSpc>
-                <a:spcPct val="90000"/>
-              </a:lnSpc>
-              <a:spcBef>
-                <a:spcPct val="30000"/>
-              </a:spcBef>
-              <a:buFont typeface="Arial" panose="020B0604020202020204" pitchFamily="34" charset="0"/>
-              <a:buChar char="•"/>
-              <a:defRPr sz="1800" kern="1200">
-                <a:solidFill>
-                  <a:schemeClr val="tx1"/>
-                </a:solidFill>
-                <a:latin typeface="+mn-lt"/>
-                <a:ea typeface="+mn-ea"/>
-                <a:cs typeface="+mn-cs"/>
-              </a:defRPr>
-            </a:lvl9pPr>
-          </a:lstStyle>
-          <a:p>
-            <a:pPr marL="0" lvl="0" indent="0">
-              <a:lnSpc>
-                <a:spcPct val="150000"/>
-              </a:lnSpc>
-              <a:spcBef>
-                <a:spcPts val="0"/>
-              </a:spcBef>
-              <a:spcAft>
-                <a:spcPts val="0"/>
-              </a:spcAft>
-              <a:buNone/>
-              <a:defRPr/>
-            </a:pPr>
-            <a:r>
-              <a:rPr lang="en-US" sz="2400" dirty="0">
-                <a:solidFill>
-                  <a:srgbClr val="D24726"/>
-                </a:solidFill>
-                <a:latin typeface="Segoe UI" panose="020B0502040204020203" pitchFamily="34" charset="0"/>
-                <a:cs typeface="Segoe UI" panose="020B0502040204020203" pitchFamily="34" charset="0"/>
-              </a:rPr>
-              <a:t>What is Kestrel?</a:t>
-            </a:r>
-          </a:p>
-          <a:p>
-            <a:pPr marL="0" lvl="0" indent="0">
-              <a:lnSpc>
-                <a:spcPct val="150000"/>
-              </a:lnSpc>
-              <a:spcBef>
-                <a:spcPts val="0"/>
-              </a:spcBef>
-              <a:spcAft>
-                <a:spcPts val="0"/>
-              </a:spcAft>
-              <a:buNone/>
-              <a:defRPr/>
-            </a:pPr>
-            <a:r>
-              <a:rPr lang="en-US" sz="1800" dirty="0">
-                <a:latin typeface="Segoe UI" panose="020B0502040204020203" pitchFamily="34" charset="0"/>
-                <a:cs typeface="Segoe UI" panose="020B0502040204020203" pitchFamily="34" charset="0"/>
-              </a:rPr>
-              <a:t>.NET Core includes a managed cross-platform web server, called Kestrel.</a:t>
-            </a:r>
-          </a:p>
-          <a:p>
-            <a:pPr marL="0" lvl="0" indent="0">
-              <a:lnSpc>
-                <a:spcPct val="150000"/>
-              </a:lnSpc>
-              <a:spcBef>
-                <a:spcPts val="0"/>
-              </a:spcBef>
-              <a:spcAft>
-                <a:spcPts val="0"/>
-              </a:spcAft>
-              <a:buNone/>
-              <a:defRPr/>
-            </a:pPr>
-            <a:r>
-              <a:rPr lang="en-US" sz="1800" dirty="0">
-                <a:latin typeface="Segoe UI" panose="020B0502040204020203" pitchFamily="34" charset="0"/>
-                <a:cs typeface="Segoe UI" panose="020B0502040204020203" pitchFamily="34" charset="0"/>
-              </a:rPr>
-              <a:t>Kestrel is the new cross platform .NET web server which runs on Linux, Mac and Windows 10 and will, eventually, run on Raspberry Pi.</a:t>
-            </a:r>
-          </a:p>
-          <a:p>
-            <a:pPr marL="0" lvl="0" indent="0">
-              <a:lnSpc>
-                <a:spcPct val="150000"/>
-              </a:lnSpc>
-              <a:spcBef>
-                <a:spcPts val="0"/>
-              </a:spcBef>
-              <a:spcAft>
-                <a:spcPts val="0"/>
-              </a:spcAft>
-              <a:buNone/>
-              <a:defRPr/>
-            </a:pPr>
-            <a:r>
-              <a:rPr lang="en-US" sz="1800" dirty="0">
-                <a:latin typeface="Segoe UI" panose="020B0502040204020203" pitchFamily="34" charset="0"/>
-                <a:cs typeface="Segoe UI" panose="020B0502040204020203" pitchFamily="34" charset="0"/>
-              </a:rPr>
-              <a:t>Kestrel is way faster when compared to IIS. According to some measure it is about 20 times faster than IIS.</a:t>
-            </a:r>
-          </a:p>
-        </p:txBody>
-      </p:sp>
-      <p:sp>
-        <p:nvSpPr>
-          <p:cNvPr id="8" name="Title 7"/>
+          <p:cNvPr id="2" name="Title 1"/>
           <p:cNvSpPr>
             <a:spLocks noGrp="1"/>
           </p:cNvSpPr>
           <p:nvPr>
-            <p:ph type="title"/>
+            <p:ph type="ctrTitle"/>
           </p:nvPr>
         </p:nvSpPr>
-        <p:spPr/>
+        <p:spPr>
+          <a:xfrm>
+            <a:off x="838200" y="1164323"/>
+            <a:ext cx="10515600" cy="4609459"/>
+          </a:xfrm>
+        </p:spPr>
         <p:txBody>
-          <a:bodyPr/>
+          <a:bodyPr>
+            <a:normAutofit/>
+          </a:bodyPr>
           <a:lstStyle/>
           <a:p>
-            <a:r>
-              <a:rPr lang="en-US" dirty="0" smtClean="0">
-                <a:latin typeface="Segoe UI Light" panose="020B0502040204020203" pitchFamily="34" charset="0"/>
-                <a:cs typeface="Segoe UI Light" panose="020B0502040204020203" pitchFamily="34" charset="0"/>
+            <a:pPr algn="ctr"/>
+            <a:r>
+              <a:rPr lang="en-US" sz="4800" dirty="0" smtClean="0">
+                <a:solidFill>
+                  <a:schemeClr val="bg1"/>
+                </a:solidFill>
               </a:rPr>
-              <a:t>Kestrel</a:t>
-            </a:r>
-            <a:endParaRPr lang="en-US" dirty="0">
-              <a:latin typeface="Segoe UI Light" panose="020B0502040204020203" pitchFamily="34" charset="0"/>
-              <a:cs typeface="Segoe UI Light" panose="020B0502040204020203" pitchFamily="34" charset="0"/>
+              <a:t>Questions?</a:t>
+            </a:r>
+            <a:endParaRPr lang="en-US" sz="4800" dirty="0">
+              <a:solidFill>
+                <a:schemeClr val="bg1"/>
+              </a:solidFill>
             </a:endParaRPr>
           </a:p>
         </p:txBody>
       </p:sp>
-      <p:pic>
-        <p:nvPicPr>
-          <p:cNvPr id="4" name="Picture 3"/>
-          <p:cNvPicPr>
-            <a:picLocks noChangeAspect="1"/>
-          </p:cNvPicPr>
-          <p:nvPr/>
-        </p:nvPicPr>
-        <p:blipFill>
-          <a:blip r:embed="rId2">
-            <a:extLst>
-              <a:ext uri="{28A0092B-C50C-407E-A947-70E740481C1C}">
-                <a14:useLocalDpi xmlns:a14="http://schemas.microsoft.com/office/drawing/2010/main" val="0"/>
-              </a:ext>
-            </a:extLst>
-          </a:blip>
-          <a:stretch>
-            <a:fillRect/>
-          </a:stretch>
-        </p:blipFill>
-        <p:spPr>
-          <a:xfrm>
-            <a:off x="634772" y="3733800"/>
-            <a:ext cx="4900085" cy="2568163"/>
-          </a:xfrm>
-          <a:prstGeom prst="rect">
-            <a:avLst/>
-          </a:prstGeom>
-        </p:spPr>
-      </p:pic>
     </p:spTree>
     <p:extLst>
       <p:ext uri="{BB962C8B-B14F-4D97-AF65-F5344CB8AC3E}">
-        <p14:creationId xmlns:p14="http://schemas.microsoft.com/office/powerpoint/2010/main" val="2768975634"/>
+        <p14:creationId xmlns:p14="http://schemas.microsoft.com/office/powerpoint/2010/main" val="195265147"/>
       </p:ext>
     </p:extLst>
   </p:cSld>
   <p:clrMapOvr>
     <a:masterClrMapping/>
   </p:clrMapOvr>
-  <mc:AlternateContent xmlns:mc="http://schemas.openxmlformats.org/markup-compatibility/2006" xmlns:p14="http://schemas.microsoft.com/office/powerpoint/2010/main">
-    <mc:Choice Requires="p14">
-      <p:transition p14:dur="10"/>
-    </mc:Choice>
-    <mc:Fallback xmlns="">
-      <p:transition/>
-    </mc:Fallback>
-  </mc:AlternateContent>
   <p:timing>
     <p:tnLst>
       <p:par>
@@ -10713,7 +9928,7 @@
         <p:spPr>
           <a:xfrm>
             <a:off x="541610" y="1296100"/>
-            <a:ext cx="6539811" cy="5003100"/>
+            <a:ext cx="8659540" cy="1942400"/>
           </a:xfrm>
           <a:prstGeom prst="rect">
             <a:avLst/>
@@ -10721,7 +9936,7 @@
         </p:spPr>
         <p:txBody>
           <a:bodyPr vert="horz" lIns="91440" tIns="45720" rIns="91440" bIns="45720" rtlCol="0">
-            <a:noAutofit/>
+            <a:normAutofit fontScale="92500" lnSpcReduction="20000"/>
           </a:bodyPr>
           <a:lstStyle>
             <a:lvl1pPr marL="228600" indent="-228600" algn="l" defTabSz="914400" rtl="0" eaLnBrk="1" latinLnBrk="0" hangingPunct="1">
@@ -10932,14 +10147,14 @@
               <a:defRPr/>
             </a:pPr>
             <a:r>
-              <a:rPr lang="en-US" sz="2400" dirty="0">
+              <a:rPr lang="en-US" sz="2600" dirty="0" smtClean="0">
                 <a:solidFill>
                   <a:srgbClr val="D24726"/>
                 </a:solidFill>
                 <a:latin typeface="Segoe UI" panose="020B0502040204020203" pitchFamily="34" charset="0"/>
                 <a:cs typeface="Segoe UI" panose="020B0502040204020203" pitchFamily="34" charset="0"/>
               </a:rPr>
-              <a:t>What is NGINX?</a:t>
+              <a:t>Containers</a:t>
             </a:r>
           </a:p>
           <a:p>
@@ -10957,10 +10172,29 @@
             </a:pPr>
             <a:r>
               <a:rPr lang="en-US" sz="1800" dirty="0">
+                <a:solidFill>
+                  <a:prstClr val="black">
+                    <a:lumMod val="75000"/>
+                    <a:lumOff val="25000"/>
+                  </a:prstClr>
+                </a:solidFill>
                 <a:latin typeface="Segoe UI" panose="020B0502040204020203" pitchFamily="34" charset="0"/>
                 <a:cs typeface="Segoe UI" panose="020B0502040204020203" pitchFamily="34" charset="0"/>
               </a:rPr>
-              <a:t>NGINX (Pronounced as Engine-X) is an open source, lightweight, high-performance web server or proxy server.</a:t>
+              <a:t>C</a:t>
+            </a:r>
+            <a:r>
+              <a:rPr lang="en-US" sz="1800" dirty="0" smtClean="0">
+                <a:solidFill>
+                  <a:prstClr val="black">
+                    <a:lumMod val="75000"/>
+                    <a:lumOff val="25000"/>
+                  </a:prstClr>
+                </a:solidFill>
+                <a:latin typeface="Segoe UI" panose="020B0502040204020203" pitchFamily="34" charset="0"/>
+                <a:cs typeface="Segoe UI" panose="020B0502040204020203" pitchFamily="34" charset="0"/>
+              </a:rPr>
+              <a:t>ontainers wrap a piece of software in a complete file system that contains everything needed to run: code, runtime, system tools, system libraries – anything that can be installed on a server. </a:t>
             </a:r>
           </a:p>
           <a:p>
@@ -10977,98 +10211,28 @@
               <a:defRPr/>
             </a:pPr>
             <a:r>
-              <a:rPr lang="en-US" sz="1800" dirty="0">
+              <a:rPr lang="en-US" sz="1800" dirty="0" smtClean="0">
+                <a:solidFill>
+                  <a:prstClr val="black">
+                    <a:lumMod val="75000"/>
+                    <a:lumOff val="25000"/>
+                  </a:prstClr>
+                </a:solidFill>
                 <a:latin typeface="Segoe UI" panose="020B0502040204020203" pitchFamily="34" charset="0"/>
                 <a:cs typeface="Segoe UI" panose="020B0502040204020203" pitchFamily="34" charset="0"/>
               </a:rPr>
-              <a:t>Nginx can be used as a reverse proxy server for HTTP, HTTPS, SMTP, IMAP, POP3 protocols, on the other hand, it is also used for servers load balancing and HTTP Cache.</a:t>
-            </a:r>
-          </a:p>
-          <a:p>
-            <a:pPr marL="0" lvl="0" indent="0">
-              <a:lnSpc>
-                <a:spcPct val="150000"/>
-              </a:lnSpc>
-              <a:spcBef>
-                <a:spcPts val="0"/>
-              </a:spcBef>
-              <a:spcAft>
-                <a:spcPts val="0"/>
-              </a:spcAft>
-              <a:buNone/>
-              <a:defRPr/>
-            </a:pPr>
-            <a:endParaRPr lang="en-US" sz="1800" dirty="0">
+              <a:t>Guarantees that the software will always run the same, regardless of its environment.</a:t>
+            </a:r>
+            <a:endParaRPr lang="en-US" sz="1800" dirty="0" smtClean="0">
+              <a:solidFill>
+                <a:prstClr val="black">
+                  <a:lumMod val="75000"/>
+                  <a:lumOff val="25000"/>
+                </a:prstClr>
+              </a:solidFill>
               <a:latin typeface="Segoe UI" panose="020B0502040204020203" pitchFamily="34" charset="0"/>
               <a:cs typeface="Segoe UI" panose="020B0502040204020203" pitchFamily="34" charset="0"/>
             </a:endParaRPr>
-          </a:p>
-          <a:p>
-            <a:pPr marL="0" lvl="0" indent="0">
-              <a:lnSpc>
-                <a:spcPct val="150000"/>
-              </a:lnSpc>
-              <a:spcBef>
-                <a:spcPts val="0"/>
-              </a:spcBef>
-              <a:spcAft>
-                <a:spcPts val="0"/>
-              </a:spcAft>
-              <a:buNone/>
-              <a:defRPr/>
-            </a:pPr>
-            <a:r>
-              <a:rPr lang="en-US" sz="2400" dirty="0">
-                <a:solidFill>
-                  <a:srgbClr val="D24726"/>
-                </a:solidFill>
-                <a:latin typeface="Segoe UI" panose="020B0502040204020203" pitchFamily="34" charset="0"/>
-                <a:cs typeface="Segoe UI" panose="020B0502040204020203" pitchFamily="34" charset="0"/>
-              </a:rPr>
-              <a:t>Why use NGINX?</a:t>
-            </a:r>
-          </a:p>
-          <a:p>
-            <a:pPr>
-              <a:lnSpc>
-                <a:spcPct val="150000"/>
-              </a:lnSpc>
-              <a:spcBef>
-                <a:spcPts val="0"/>
-              </a:spcBef>
-              <a:spcAft>
-                <a:spcPts val="0"/>
-              </a:spcAft>
-              <a:defRPr/>
-            </a:pPr>
-            <a:r>
-              <a:rPr lang="en-US" sz="1800" dirty="0">
-                <a:latin typeface="Segoe UI" panose="020B0502040204020203" pitchFamily="34" charset="0"/>
-                <a:cs typeface="Segoe UI" panose="020B0502040204020203" pitchFamily="34" charset="0"/>
-              </a:rPr>
-              <a:t>Can be used as a proxy or a load balancer</a:t>
-            </a:r>
-          </a:p>
-          <a:p>
-            <a:pPr>
-              <a:lnSpc>
-                <a:spcPct val="150000"/>
-              </a:lnSpc>
-              <a:spcBef>
-                <a:spcPts val="0"/>
-              </a:spcBef>
-              <a:spcAft>
-                <a:spcPts val="0"/>
-              </a:spcAft>
-              <a:defRPr/>
-            </a:pPr>
-            <a:r>
-              <a:rPr lang="en-US" sz="1800" dirty="0">
-                <a:latin typeface="Segoe UI" panose="020B0502040204020203" pitchFamily="34" charset="0"/>
-                <a:cs typeface="Segoe UI" panose="020B0502040204020203" pitchFamily="34" charset="0"/>
-              </a:rPr>
-              <a:t>Its super fast, light weight and more platform independent.</a:t>
-            </a:r>
           </a:p>
         </p:txBody>
       </p:sp>
@@ -11092,7 +10256,7 @@
                 <a:latin typeface="Segoe UI Light" panose="020B0502040204020203" pitchFamily="34" charset="0"/>
                 <a:cs typeface="Segoe UI Light" panose="020B0502040204020203" pitchFamily="34" charset="0"/>
               </a:rPr>
-              <a:t>NGINX</a:t>
+              <a:t>Appendix</a:t>
             </a:r>
             <a:endParaRPr lang="en-US" dirty="0">
               <a:latin typeface="Segoe UI Light" panose="020B0502040204020203" pitchFamily="34" charset="0"/>
@@ -11103,14 +10267,98 @@
       </p:sp>
       <p:pic>
         <p:nvPicPr>
-          <p:cNvPr id="3074" name="Picture 2" descr="Image result for nginx"/>
+          <p:cNvPr id="5" name="Picture 4"/>
+          <p:cNvPicPr>
+            <a:picLocks noChangeAspect="1"/>
+          </p:cNvPicPr>
+          <p:nvPr/>
+        </p:nvPicPr>
+        <p:blipFill>
+          <a:blip r:embed="rId2" cstate="print">
+            <a:extLst>
+              <a:ext uri="{28A0092B-C50C-407E-A947-70E740481C1C}">
+                <a14:useLocalDpi xmlns:a14="http://schemas.microsoft.com/office/drawing/2010/main" val="0"/>
+              </a:ext>
+            </a:extLst>
+          </a:blip>
+          <a:stretch>
+            <a:fillRect/>
+          </a:stretch>
+        </p:blipFill>
+        <p:spPr>
+          <a:xfrm>
+            <a:off x="857295" y="3429000"/>
+            <a:ext cx="1952219" cy="1741714"/>
+          </a:xfrm>
+          <a:prstGeom prst="rect">
+            <a:avLst/>
+          </a:prstGeom>
+        </p:spPr>
+      </p:pic>
+      <p:pic>
+        <p:nvPicPr>
+          <p:cNvPr id="7" name="Picture 6"/>
+          <p:cNvPicPr>
+            <a:picLocks noChangeAspect="1"/>
+          </p:cNvPicPr>
+          <p:nvPr/>
+        </p:nvPicPr>
+        <p:blipFill>
+          <a:blip r:embed="rId3">
+            <a:extLst>
+              <a:ext uri="{28A0092B-C50C-407E-A947-70E740481C1C}">
+                <a14:useLocalDpi xmlns:a14="http://schemas.microsoft.com/office/drawing/2010/main" val="0"/>
+              </a:ext>
+            </a:extLst>
+          </a:blip>
+          <a:stretch>
+            <a:fillRect/>
+          </a:stretch>
+        </p:blipFill>
+        <p:spPr>
+          <a:xfrm>
+            <a:off x="3395662" y="3901167"/>
+            <a:ext cx="2994253" cy="665390"/>
+          </a:xfrm>
+          <a:prstGeom prst="rect">
+            <a:avLst/>
+          </a:prstGeom>
+        </p:spPr>
+      </p:pic>
+      <p:pic>
+        <p:nvPicPr>
+          <p:cNvPr id="13" name="Picture 12"/>
+          <p:cNvPicPr>
+            <a:picLocks noChangeAspect="1"/>
+          </p:cNvPicPr>
+          <p:nvPr/>
+        </p:nvPicPr>
+        <p:blipFill>
+          <a:blip r:embed="rId4"/>
+          <a:stretch>
+            <a:fillRect/>
+          </a:stretch>
+        </p:blipFill>
+        <p:spPr>
+          <a:xfrm>
+            <a:off x="6976063" y="3600537"/>
+            <a:ext cx="1626842" cy="1398642"/>
+          </a:xfrm>
+          <a:prstGeom prst="rect">
+            <a:avLst/>
+          </a:prstGeom>
+        </p:spPr>
+      </p:pic>
+      <p:pic>
+        <p:nvPicPr>
+          <p:cNvPr id="1034" name="Picture 10" descr="Image result for windows server container"/>
           <p:cNvPicPr>
             <a:picLocks noChangeAspect="1" noChangeArrowheads="1"/>
           </p:cNvPicPr>
           <p:nvPr/>
         </p:nvPicPr>
         <p:blipFill>
-          <a:blip r:embed="rId2">
+          <a:blip r:embed="rId5" cstate="print">
             <a:extLst>
               <a:ext uri="{28A0092B-C50C-407E-A947-70E740481C1C}">
                 <a14:useLocalDpi xmlns:a14="http://schemas.microsoft.com/office/drawing/2010/main" val="0"/>
@@ -11124,8 +10372,8 @@
         </p:blipFill>
         <p:spPr bwMode="auto">
           <a:xfrm>
-            <a:off x="7081421" y="2430018"/>
-            <a:ext cx="4699514" cy="2735264"/>
+            <a:off x="9430204" y="3684644"/>
+            <a:ext cx="1640568" cy="1230426"/>
           </a:xfrm>
           <a:prstGeom prst="rect">
             <a:avLst/>
@@ -11142,21 +10390,75 @@
           </a:extLst>
         </p:spPr>
       </p:pic>
+      <p:pic>
+        <p:nvPicPr>
+          <p:cNvPr id="14" name="Picture 13"/>
+          <p:cNvPicPr>
+            <a:picLocks noChangeAspect="1"/>
+          </p:cNvPicPr>
+          <p:nvPr/>
+        </p:nvPicPr>
+        <p:blipFill>
+          <a:blip r:embed="rId6"/>
+          <a:stretch>
+            <a:fillRect/>
+          </a:stretch>
+        </p:blipFill>
+        <p:spPr>
+          <a:xfrm>
+            <a:off x="541609" y="5477554"/>
+            <a:ext cx="3086100" cy="790575"/>
+          </a:xfrm>
+          <a:prstGeom prst="rect">
+            <a:avLst/>
+          </a:prstGeom>
+        </p:spPr>
+      </p:pic>
+      <p:pic>
+        <p:nvPicPr>
+          <p:cNvPr id="17" name="Picture 16"/>
+          <p:cNvPicPr>
+            <a:picLocks noChangeAspect="1"/>
+          </p:cNvPicPr>
+          <p:nvPr/>
+        </p:nvPicPr>
+        <p:blipFill>
+          <a:blip r:embed="rId7" cstate="print">
+            <a:extLst>
+              <a:ext uri="{28A0092B-C50C-407E-A947-70E740481C1C}">
+                <a14:useLocalDpi xmlns:a14="http://schemas.microsoft.com/office/drawing/2010/main" val="0"/>
+              </a:ext>
+            </a:extLst>
+          </a:blip>
+          <a:stretch>
+            <a:fillRect/>
+          </a:stretch>
+        </p:blipFill>
+        <p:spPr>
+          <a:xfrm>
+            <a:off x="9201149" y="1562424"/>
+            <a:ext cx="2409825" cy="1676076"/>
+          </a:xfrm>
+          <a:prstGeom prst="rect">
+            <a:avLst/>
+          </a:prstGeom>
+        </p:spPr>
+      </p:pic>
     </p:spTree>
     <p:extLst>
       <p:ext uri="{BB962C8B-B14F-4D97-AF65-F5344CB8AC3E}">
-        <p14:creationId xmlns:p14="http://schemas.microsoft.com/office/powerpoint/2010/main" val="3417258229"/>
+        <p14:creationId xmlns:p14="http://schemas.microsoft.com/office/powerpoint/2010/main" val="1214795947"/>
       </p:ext>
     </p:extLst>
   </p:cSld>
   <p:clrMapOvr>
     <a:masterClrMapping/>
   </p:clrMapOvr>
-  <mc:AlternateContent xmlns:mc="http://schemas.openxmlformats.org/markup-compatibility/2006" xmlns:p14="http://schemas.microsoft.com/office/powerpoint/2010/main">
-    <mc:Choice Requires="p14">
+  <mc:AlternateContent xmlns:mc="http://schemas.openxmlformats.org/markup-compatibility/2006">
+    <mc:Choice xmlns:p14="http://schemas.microsoft.com/office/powerpoint/2010/main" Requires="p14">
       <p:transition p14:dur="10"/>
     </mc:Choice>
-    <mc:Fallback xmlns="">
+    <mc:Fallback>
       <p:transition/>
     </mc:Fallback>
   </mc:AlternateContent>
@@ -11549,20 +10851,7 @@
                 <a:latin typeface="Segoe UI Light" panose="020B0502040204020203" pitchFamily="34" charset="0"/>
                 <a:cs typeface="Segoe UI Light" panose="020B0502040204020203" pitchFamily="34" charset="0"/>
               </a:rPr>
-              <a:t>Monolithic vs SOA vs </a:t>
-            </a:r>
-            <a:r>
-              <a:rPr lang="en-US" sz="1600" dirty="0" smtClean="0">
-                <a:solidFill>
-                  <a:prstClr val="black">
-                    <a:lumMod val="75000"/>
-                    <a:lumOff val="25000"/>
-                  </a:prstClr>
-                </a:solidFill>
-                <a:latin typeface="Segoe UI Light" panose="020B0502040204020203" pitchFamily="34" charset="0"/>
-                <a:cs typeface="Segoe UI Light" panose="020B0502040204020203" pitchFamily="34" charset="0"/>
-              </a:rPr>
-              <a:t>Microservices</a:t>
+              <a:t>Monolithic vs SOA vs Microservices</a:t>
             </a:r>
             <a:endParaRPr lang="en-US" sz="1600" dirty="0">
               <a:solidFill>
@@ -11598,20 +10887,7 @@
                 <a:latin typeface="Segoe UI Light" panose="020B0502040204020203" pitchFamily="34" charset="0"/>
                 <a:cs typeface="Segoe UI Light" panose="020B0502040204020203" pitchFamily="34" charset="0"/>
               </a:rPr>
-              <a:t>Microservice </a:t>
-            </a:r>
-            <a:r>
-              <a:rPr lang="en-US" sz="1600" dirty="0" smtClean="0">
-                <a:solidFill>
-                  <a:prstClr val="black">
-                    <a:lumMod val="75000"/>
-                    <a:lumOff val="25000"/>
-                  </a:prstClr>
-                </a:solidFill>
-                <a:latin typeface="Segoe UI Light" panose="020B0502040204020203" pitchFamily="34" charset="0"/>
-                <a:cs typeface="Segoe UI Light" panose="020B0502040204020203" pitchFamily="34" charset="0"/>
-              </a:rPr>
-              <a:t>Architecture</a:t>
+              <a:t>Microservice Architecture</a:t>
             </a:r>
           </a:p>
           <a:p>
@@ -12409,6 +11685,487 @@
       </p:grpSpPr>
       <p:sp>
         <p:nvSpPr>
+          <p:cNvPr id="38" name="Content Placeholder 17"/>
+          <p:cNvSpPr txBox="1">
+            <a:spLocks/>
+          </p:cNvSpPr>
+          <p:nvPr/>
+        </p:nvSpPr>
+        <p:spPr>
+          <a:xfrm>
+            <a:off x="541610" y="1296100"/>
+            <a:ext cx="10875690" cy="5320600"/>
+          </a:xfrm>
+          <a:prstGeom prst="rect">
+            <a:avLst/>
+          </a:prstGeom>
+        </p:spPr>
+        <p:txBody>
+          <a:bodyPr vert="horz" lIns="91440" tIns="45720" rIns="91440" bIns="45720" rtlCol="0">
+            <a:noAutofit/>
+          </a:bodyPr>
+          <a:lstStyle>
+            <a:lvl1pPr marL="228600" indent="-228600" algn="l" defTabSz="914400" rtl="0" eaLnBrk="1" latinLnBrk="0" hangingPunct="1">
+              <a:lnSpc>
+                <a:spcPts val="1800"/>
+              </a:lnSpc>
+              <a:spcBef>
+                <a:spcPts val="1000"/>
+              </a:spcBef>
+              <a:spcAft>
+                <a:spcPts val="1000"/>
+              </a:spcAft>
+              <a:buFont typeface="Arial" panose="020B0604020202020204" pitchFamily="34" charset="0"/>
+              <a:buChar char="•"/>
+              <a:defRPr lang="en-US" sz="1200" kern="1200" smtClean="0">
+                <a:solidFill>
+                  <a:schemeClr val="tx1">
+                    <a:lumMod val="75000"/>
+                    <a:lumOff val="25000"/>
+                  </a:schemeClr>
+                </a:solidFill>
+                <a:latin typeface="+mn-lt"/>
+                <a:ea typeface="+mn-ea"/>
+                <a:cs typeface="+mn-cs"/>
+              </a:defRPr>
+            </a:lvl1pPr>
+            <a:lvl2pPr marL="685800" indent="-228600" algn="l" defTabSz="914400" rtl="0" eaLnBrk="1" latinLnBrk="0" hangingPunct="1">
+              <a:lnSpc>
+                <a:spcPts val="1800"/>
+              </a:lnSpc>
+              <a:spcBef>
+                <a:spcPts val="1000"/>
+              </a:spcBef>
+              <a:spcAft>
+                <a:spcPts val="1000"/>
+              </a:spcAft>
+              <a:buFont typeface="Arial" panose="020B0604020202020204" pitchFamily="34" charset="0"/>
+              <a:buChar char="•"/>
+              <a:defRPr lang="en-US" sz="1200" kern="1200" smtClean="0">
+                <a:solidFill>
+                  <a:schemeClr val="tx1">
+                    <a:lumMod val="75000"/>
+                    <a:lumOff val="25000"/>
+                  </a:schemeClr>
+                </a:solidFill>
+                <a:latin typeface="+mn-lt"/>
+                <a:ea typeface="+mn-ea"/>
+                <a:cs typeface="+mn-cs"/>
+              </a:defRPr>
+            </a:lvl2pPr>
+            <a:lvl3pPr marL="1143000" indent="-228600" algn="l" defTabSz="914400" rtl="0" eaLnBrk="1" latinLnBrk="0" hangingPunct="1">
+              <a:lnSpc>
+                <a:spcPts val="1800"/>
+              </a:lnSpc>
+              <a:spcBef>
+                <a:spcPts val="1000"/>
+              </a:spcBef>
+              <a:spcAft>
+                <a:spcPts val="1000"/>
+              </a:spcAft>
+              <a:buFont typeface="Arial" panose="020B0604020202020204" pitchFamily="34" charset="0"/>
+              <a:buChar char="•"/>
+              <a:defRPr lang="en-US" sz="1200" kern="1200" smtClean="0">
+                <a:solidFill>
+                  <a:schemeClr val="tx1">
+                    <a:lumMod val="75000"/>
+                    <a:lumOff val="25000"/>
+                  </a:schemeClr>
+                </a:solidFill>
+                <a:latin typeface="+mn-lt"/>
+                <a:ea typeface="+mn-ea"/>
+                <a:cs typeface="+mn-cs"/>
+              </a:defRPr>
+            </a:lvl3pPr>
+            <a:lvl4pPr marL="1600200" indent="-228600" algn="l" defTabSz="914400" rtl="0" eaLnBrk="1" latinLnBrk="0" hangingPunct="1">
+              <a:lnSpc>
+                <a:spcPts val="1800"/>
+              </a:lnSpc>
+              <a:spcBef>
+                <a:spcPts val="1000"/>
+              </a:spcBef>
+              <a:spcAft>
+                <a:spcPts val="1000"/>
+              </a:spcAft>
+              <a:buFont typeface="Arial" panose="020B0604020202020204" pitchFamily="34" charset="0"/>
+              <a:buChar char="•"/>
+              <a:defRPr lang="en-US" sz="1200" kern="1200" smtClean="0">
+                <a:solidFill>
+                  <a:schemeClr val="tx1">
+                    <a:lumMod val="75000"/>
+                    <a:lumOff val="25000"/>
+                  </a:schemeClr>
+                </a:solidFill>
+                <a:latin typeface="+mn-lt"/>
+                <a:ea typeface="+mn-ea"/>
+                <a:cs typeface="+mn-cs"/>
+              </a:defRPr>
+            </a:lvl4pPr>
+            <a:lvl5pPr marL="2057400" indent="-228600" algn="l" defTabSz="914400" rtl="0" eaLnBrk="1" latinLnBrk="0" hangingPunct="1">
+              <a:lnSpc>
+                <a:spcPts val="1800"/>
+              </a:lnSpc>
+              <a:spcBef>
+                <a:spcPts val="1000"/>
+              </a:spcBef>
+              <a:spcAft>
+                <a:spcPts val="1000"/>
+              </a:spcAft>
+              <a:buFont typeface="Arial" panose="020B0604020202020204" pitchFamily="34" charset="0"/>
+              <a:buChar char="•"/>
+              <a:defRPr lang="en-US" sz="1200" kern="1200">
+                <a:solidFill>
+                  <a:schemeClr val="tx1">
+                    <a:lumMod val="75000"/>
+                    <a:lumOff val="25000"/>
+                  </a:schemeClr>
+                </a:solidFill>
+                <a:latin typeface="+mn-lt"/>
+                <a:ea typeface="+mn-ea"/>
+                <a:cs typeface="+mn-cs"/>
+              </a:defRPr>
+            </a:lvl5pPr>
+            <a:lvl6pPr marL="2514600" indent="-228600" algn="l" defTabSz="914400" rtl="0" eaLnBrk="1" latinLnBrk="0" hangingPunct="1">
+              <a:lnSpc>
+                <a:spcPct val="90000"/>
+              </a:lnSpc>
+              <a:spcBef>
+                <a:spcPct val="30000"/>
+              </a:spcBef>
+              <a:buFont typeface="Arial" panose="020B0604020202020204" pitchFamily="34" charset="0"/>
+              <a:buChar char="•"/>
+              <a:defRPr sz="1800" kern="1200">
+                <a:solidFill>
+                  <a:schemeClr val="tx1"/>
+                </a:solidFill>
+                <a:latin typeface="+mn-lt"/>
+                <a:ea typeface="+mn-ea"/>
+                <a:cs typeface="+mn-cs"/>
+              </a:defRPr>
+            </a:lvl6pPr>
+            <a:lvl7pPr marL="2971800" indent="-228600" algn="l" defTabSz="914400" rtl="0" eaLnBrk="1" latinLnBrk="0" hangingPunct="1">
+              <a:lnSpc>
+                <a:spcPct val="90000"/>
+              </a:lnSpc>
+              <a:spcBef>
+                <a:spcPct val="30000"/>
+              </a:spcBef>
+              <a:buFont typeface="Arial" panose="020B0604020202020204" pitchFamily="34" charset="0"/>
+              <a:buChar char="•"/>
+              <a:defRPr sz="1800" kern="1200">
+                <a:solidFill>
+                  <a:schemeClr val="tx1"/>
+                </a:solidFill>
+                <a:latin typeface="+mn-lt"/>
+                <a:ea typeface="+mn-ea"/>
+                <a:cs typeface="+mn-cs"/>
+              </a:defRPr>
+            </a:lvl7pPr>
+            <a:lvl8pPr marL="3429000" indent="-228600" algn="l" defTabSz="914400" rtl="0" eaLnBrk="1" latinLnBrk="0" hangingPunct="1">
+              <a:lnSpc>
+                <a:spcPct val="90000"/>
+              </a:lnSpc>
+              <a:spcBef>
+                <a:spcPct val="30000"/>
+              </a:spcBef>
+              <a:buFont typeface="Arial" panose="020B0604020202020204" pitchFamily="34" charset="0"/>
+              <a:buChar char="•"/>
+              <a:defRPr sz="1800" kern="1200">
+                <a:solidFill>
+                  <a:schemeClr val="tx1"/>
+                </a:solidFill>
+                <a:latin typeface="+mn-lt"/>
+                <a:ea typeface="+mn-ea"/>
+                <a:cs typeface="+mn-cs"/>
+              </a:defRPr>
+            </a:lvl8pPr>
+            <a:lvl9pPr marL="3886200" indent="-228600" algn="l" defTabSz="914400" rtl="0" eaLnBrk="1" latinLnBrk="0" hangingPunct="1">
+              <a:lnSpc>
+                <a:spcPct val="90000"/>
+              </a:lnSpc>
+              <a:spcBef>
+                <a:spcPct val="30000"/>
+              </a:spcBef>
+              <a:buFont typeface="Arial" panose="020B0604020202020204" pitchFamily="34" charset="0"/>
+              <a:buChar char="•"/>
+              <a:defRPr sz="1800" kern="1200">
+                <a:solidFill>
+                  <a:schemeClr val="tx1"/>
+                </a:solidFill>
+                <a:latin typeface="+mn-lt"/>
+                <a:ea typeface="+mn-ea"/>
+                <a:cs typeface="+mn-cs"/>
+              </a:defRPr>
+            </a:lvl9pPr>
+          </a:lstStyle>
+          <a:p>
+            <a:pPr marL="0" indent="0">
+              <a:lnSpc>
+                <a:spcPct val="150000"/>
+              </a:lnSpc>
+              <a:spcBef>
+                <a:spcPts val="0"/>
+              </a:spcBef>
+              <a:spcAft>
+                <a:spcPts val="0"/>
+              </a:spcAft>
+              <a:buNone/>
+              <a:defRPr/>
+            </a:pPr>
+            <a:r>
+              <a:rPr lang="en-US" sz="2400" dirty="0">
+                <a:solidFill>
+                  <a:srgbClr val="D24726"/>
+                </a:solidFill>
+                <a:latin typeface="Segoe UI" panose="020B0502040204020203" pitchFamily="34" charset="0"/>
+                <a:cs typeface="Segoe UI" panose="020B0502040204020203" pitchFamily="34" charset="0"/>
+              </a:rPr>
+              <a:t>What is .NET Core?</a:t>
+            </a:r>
+          </a:p>
+          <a:p>
+            <a:pPr>
+              <a:lnSpc>
+                <a:spcPct val="150000"/>
+              </a:lnSpc>
+              <a:spcBef>
+                <a:spcPts val="0"/>
+              </a:spcBef>
+              <a:spcAft>
+                <a:spcPts val="0"/>
+              </a:spcAft>
+              <a:defRPr/>
+            </a:pPr>
+            <a:r>
+              <a:rPr lang="en-US" sz="1800" dirty="0">
+                <a:latin typeface="Segoe UI" panose="020B0502040204020203" pitchFamily="34" charset="0"/>
+                <a:cs typeface="Segoe UI" panose="020B0502040204020203" pitchFamily="34" charset="0"/>
+              </a:rPr>
+              <a:t>.NET Core is the latest </a:t>
+            </a:r>
+            <a:r>
+              <a:rPr lang="en-US" sz="1800" dirty="0" smtClean="0">
+                <a:latin typeface="Segoe UI" panose="020B0502040204020203" pitchFamily="34" charset="0"/>
+                <a:cs typeface="Segoe UI" panose="020B0502040204020203" pitchFamily="34" charset="0"/>
+              </a:rPr>
+              <a:t>modular </a:t>
+            </a:r>
+            <a:r>
+              <a:rPr lang="en-US" sz="1800" dirty="0">
+                <a:latin typeface="Segoe UI" panose="020B0502040204020203" pitchFamily="34" charset="0"/>
+                <a:cs typeface="Segoe UI" panose="020B0502040204020203" pitchFamily="34" charset="0"/>
+              </a:rPr>
+              <a:t>version of .NET.</a:t>
+            </a:r>
+          </a:p>
+          <a:p>
+            <a:pPr>
+              <a:lnSpc>
+                <a:spcPct val="150000"/>
+              </a:lnSpc>
+              <a:spcBef>
+                <a:spcPts val="0"/>
+              </a:spcBef>
+              <a:spcAft>
+                <a:spcPts val="0"/>
+              </a:spcAft>
+              <a:defRPr/>
+            </a:pPr>
+            <a:r>
+              <a:rPr lang="en-US" sz="1800" dirty="0">
+                <a:latin typeface="Segoe UI" panose="020B0502040204020203" pitchFamily="34" charset="0"/>
+                <a:cs typeface="Segoe UI" panose="020B0502040204020203" pitchFamily="34" charset="0"/>
+              </a:rPr>
+              <a:t>It is  a new open-source and cross-platform framework for building modern cloud based internet connected applications, such as web apps, </a:t>
+            </a:r>
+            <a:r>
+              <a:rPr lang="en-US" sz="1800" dirty="0" err="1">
+                <a:latin typeface="Segoe UI" panose="020B0502040204020203" pitchFamily="34" charset="0"/>
+                <a:cs typeface="Segoe UI" panose="020B0502040204020203" pitchFamily="34" charset="0"/>
+              </a:rPr>
+              <a:t>IoT</a:t>
+            </a:r>
+            <a:r>
+              <a:rPr lang="en-US" sz="1800" dirty="0">
+                <a:latin typeface="Segoe UI" panose="020B0502040204020203" pitchFamily="34" charset="0"/>
+                <a:cs typeface="Segoe UI" panose="020B0502040204020203" pitchFamily="34" charset="0"/>
+              </a:rPr>
+              <a:t> and mobile </a:t>
+            </a:r>
+            <a:r>
+              <a:rPr lang="en-US" sz="1800" dirty="0" err="1" smtClean="0">
+                <a:latin typeface="Segoe UI" panose="020B0502040204020203" pitchFamily="34" charset="0"/>
+                <a:cs typeface="Segoe UI" panose="020B0502040204020203" pitchFamily="34" charset="0"/>
+              </a:rPr>
+              <a:t>backends</a:t>
+            </a:r>
+            <a:r>
+              <a:rPr lang="en-US" sz="1800" dirty="0">
+                <a:latin typeface="Segoe UI" panose="020B0502040204020203" pitchFamily="34" charset="0"/>
+                <a:cs typeface="Segoe UI" panose="020B0502040204020203" pitchFamily="34" charset="0"/>
+              </a:rPr>
+              <a:t>.</a:t>
+            </a:r>
+          </a:p>
+          <a:p>
+            <a:pPr>
+              <a:lnSpc>
+                <a:spcPct val="150000"/>
+              </a:lnSpc>
+              <a:spcBef>
+                <a:spcPts val="0"/>
+              </a:spcBef>
+              <a:spcAft>
+                <a:spcPts val="0"/>
+              </a:spcAft>
+              <a:defRPr/>
+            </a:pPr>
+            <a:r>
+              <a:rPr lang="en-US" sz="1800" dirty="0">
+                <a:latin typeface="Segoe UI" panose="020B0502040204020203" pitchFamily="34" charset="0"/>
+                <a:cs typeface="Segoe UI" panose="020B0502040204020203" pitchFamily="34" charset="0"/>
+              </a:rPr>
+              <a:t>Allows you to separate out your host from the application</a:t>
+            </a:r>
+            <a:r>
+              <a:rPr lang="en-US" sz="1800" dirty="0" smtClean="0">
+                <a:latin typeface="Segoe UI" panose="020B0502040204020203" pitchFamily="34" charset="0"/>
+                <a:cs typeface="Segoe UI" panose="020B0502040204020203" pitchFamily="34" charset="0"/>
+              </a:rPr>
+              <a:t>.</a:t>
+            </a:r>
+            <a:endParaRPr lang="en-US" sz="1800" dirty="0">
+              <a:latin typeface="Segoe UI" panose="020B0502040204020203" pitchFamily="34" charset="0"/>
+              <a:cs typeface="Segoe UI" panose="020B0502040204020203" pitchFamily="34" charset="0"/>
+            </a:endParaRPr>
+          </a:p>
+          <a:p>
+            <a:pPr marL="0" indent="0">
+              <a:lnSpc>
+                <a:spcPct val="150000"/>
+              </a:lnSpc>
+              <a:spcBef>
+                <a:spcPts val="0"/>
+              </a:spcBef>
+              <a:spcAft>
+                <a:spcPts val="0"/>
+              </a:spcAft>
+              <a:buNone/>
+              <a:defRPr/>
+            </a:pPr>
+            <a:r>
+              <a:rPr lang="en-US" sz="2400" dirty="0">
+                <a:solidFill>
+                  <a:srgbClr val="D24726"/>
+                </a:solidFill>
+                <a:latin typeface="Segoe UI" panose="020B0502040204020203" pitchFamily="34" charset="0"/>
+                <a:cs typeface="Segoe UI" panose="020B0502040204020203" pitchFamily="34" charset="0"/>
+              </a:rPr>
+              <a:t>Why use .NET Core?</a:t>
+            </a:r>
+          </a:p>
+          <a:p>
+            <a:pPr>
+              <a:lnSpc>
+                <a:spcPct val="150000"/>
+              </a:lnSpc>
+              <a:spcBef>
+                <a:spcPts val="0"/>
+              </a:spcBef>
+              <a:spcAft>
+                <a:spcPts val="0"/>
+              </a:spcAft>
+              <a:defRPr/>
+            </a:pPr>
+            <a:r>
+              <a:rPr lang="en-US" sz="1800" dirty="0">
+                <a:latin typeface="Segoe UI" panose="020B0502040204020203" pitchFamily="34" charset="0"/>
+                <a:cs typeface="Segoe UI" panose="020B0502040204020203" pitchFamily="34" charset="0"/>
+              </a:rPr>
+              <a:t>.NET Core is cross platform, so you can run it on Windows, Linux, Docker and Mac</a:t>
+            </a:r>
+          </a:p>
+          <a:p>
+            <a:pPr>
+              <a:lnSpc>
+                <a:spcPct val="150000"/>
+              </a:lnSpc>
+              <a:spcBef>
+                <a:spcPts val="0"/>
+              </a:spcBef>
+              <a:spcAft>
+                <a:spcPts val="0"/>
+              </a:spcAft>
+              <a:defRPr/>
+            </a:pPr>
+            <a:r>
+              <a:rPr lang="en-US" sz="1800" dirty="0">
+                <a:latin typeface="Segoe UI" panose="020B0502040204020203" pitchFamily="34" charset="0"/>
+                <a:cs typeface="Segoe UI" panose="020B0502040204020203" pitchFamily="34" charset="0"/>
+              </a:rPr>
+              <a:t>You don't need to install the .NET Framework to run it. Instead, you ship all the required </a:t>
+            </a:r>
+            <a:r>
+              <a:rPr lang="en-US" sz="1800" dirty="0" err="1">
+                <a:latin typeface="Segoe UI" panose="020B0502040204020203" pitchFamily="34" charset="0"/>
+                <a:cs typeface="Segoe UI" panose="020B0502040204020203" pitchFamily="34" charset="0"/>
+              </a:rPr>
+              <a:t>dlls</a:t>
+            </a:r>
+            <a:r>
+              <a:rPr lang="en-US" sz="1800" dirty="0">
+                <a:latin typeface="Segoe UI" panose="020B0502040204020203" pitchFamily="34" charset="0"/>
+                <a:cs typeface="Segoe UI" panose="020B0502040204020203" pitchFamily="34" charset="0"/>
+              </a:rPr>
+              <a:t> with your application.</a:t>
+            </a:r>
+          </a:p>
+          <a:p>
+            <a:pPr>
+              <a:lnSpc>
+                <a:spcPct val="150000"/>
+              </a:lnSpc>
+              <a:spcBef>
+                <a:spcPts val="0"/>
+              </a:spcBef>
+              <a:spcAft>
+                <a:spcPts val="0"/>
+              </a:spcAft>
+              <a:defRPr/>
+            </a:pPr>
+            <a:r>
+              <a:rPr lang="en-US" sz="1800" dirty="0">
+                <a:latin typeface="Segoe UI" panose="020B0502040204020203" pitchFamily="34" charset="0"/>
+                <a:cs typeface="Segoe UI" panose="020B0502040204020203" pitchFamily="34" charset="0"/>
+              </a:rPr>
+              <a:t>You can use Visual Studio Code to develop your application, which is free and lightweight in comparison to Visual Studio. And you can use it on different platforms as well.</a:t>
+            </a:r>
+          </a:p>
+          <a:p>
+            <a:pPr>
+              <a:lnSpc>
+                <a:spcPct val="150000"/>
+              </a:lnSpc>
+              <a:spcBef>
+                <a:spcPts val="0"/>
+              </a:spcBef>
+              <a:spcAft>
+                <a:spcPts val="0"/>
+              </a:spcAft>
+              <a:defRPr/>
+            </a:pPr>
+            <a:r>
+              <a:rPr lang="en-US" sz="1800" dirty="0">
+                <a:latin typeface="Segoe UI" panose="020B0502040204020203" pitchFamily="34" charset="0"/>
+                <a:cs typeface="Segoe UI" panose="020B0502040204020203" pitchFamily="34" charset="0"/>
+              </a:rPr>
+              <a:t>.`NET Core has a number of architectural changes that result in a much leaner and modular framework.</a:t>
+            </a:r>
+          </a:p>
+        </p:txBody>
+      </p:sp>
+      <p:sp>
+        <p:nvSpPr>
           <p:cNvPr id="8" name="Title 7"/>
           <p:cNvSpPr>
             <a:spLocks noGrp="1"/>
@@ -12423,11 +12180,11 @@
           <a:lstStyle/>
           <a:p>
             <a:r>
-              <a:rPr lang="en-US" dirty="0" smtClean="0">
+              <a:rPr lang="en-US" dirty="0">
                 <a:latin typeface="Segoe UI Light" panose="020B0502040204020203" pitchFamily="34" charset="0"/>
                 <a:cs typeface="Segoe UI Light" panose="020B0502040204020203" pitchFamily="34" charset="0"/>
               </a:rPr>
-              <a:t>Proof of Concept</a:t>
+              <a:t>Appendix</a:t>
             </a:r>
             <a:endParaRPr lang="en-US" dirty="0">
               <a:latin typeface="Segoe UI Light" panose="020B0502040204020203" pitchFamily="34" charset="0"/>
@@ -12436,75 +12193,21 @@
           </a:p>
         </p:txBody>
       </p:sp>
-      <p:pic>
-        <p:nvPicPr>
-          <p:cNvPr id="4" name="Picture 3" descr="image007"/>
-          <p:cNvPicPr>
-            <a:picLocks noChangeAspect="1" noChangeArrowheads="1"/>
-          </p:cNvPicPr>
-          <p:nvPr/>
-        </p:nvPicPr>
-        <p:blipFill>
-          <a:blip r:embed="rId2">
-            <a:extLst>
-              <a:ext uri="{28A0092B-C50C-407E-A947-70E740481C1C}">
-                <a14:useLocalDpi xmlns:a14="http://schemas.microsoft.com/office/drawing/2010/main" val="0"/>
-              </a:ext>
-            </a:extLst>
-          </a:blip>
-          <a:srcRect/>
-          <a:stretch>
-            <a:fillRect/>
-          </a:stretch>
-        </p:blipFill>
-        <p:spPr bwMode="auto">
-          <a:xfrm>
-            <a:off x="2019300" y="1271921"/>
-            <a:ext cx="8140700" cy="5213924"/>
-          </a:xfrm>
-          <a:prstGeom prst="rect">
-            <a:avLst/>
-          </a:prstGeom>
-          <a:noFill/>
-          <a:ln>
-            <a:noFill/>
-          </a:ln>
-          <a:extLst>
-            <a:ext uri="{909E8E84-426E-40DD-AFC4-6F175D3DCCD1}">
-              <a14:hiddenFill xmlns:a14="http://schemas.microsoft.com/office/drawing/2010/main">
-                <a:solidFill>
-                  <a:srgbClr val="FFFFFF"/>
-                </a:solidFill>
-              </a14:hiddenFill>
-            </a:ext>
-            <a:ext uri="{91240B29-F687-4F45-9708-019B960494DF}">
-              <a14:hiddenLine xmlns:a14="http://schemas.microsoft.com/office/drawing/2010/main" w="9525">
-                <a:solidFill>
-                  <a:srgbClr val="000000"/>
-                </a:solidFill>
-                <a:miter lim="800000"/>
-                <a:headEnd/>
-                <a:tailEnd/>
-              </a14:hiddenLine>
-            </a:ext>
-          </a:extLst>
-        </p:spPr>
-      </p:pic>
     </p:spTree>
     <p:extLst>
       <p:ext uri="{BB962C8B-B14F-4D97-AF65-F5344CB8AC3E}">
-        <p14:creationId xmlns:p14="http://schemas.microsoft.com/office/powerpoint/2010/main" val="2864899081"/>
+        <p14:creationId xmlns:p14="http://schemas.microsoft.com/office/powerpoint/2010/main" val="2314883714"/>
       </p:ext>
     </p:extLst>
   </p:cSld>
   <p:clrMapOvr>
     <a:masterClrMapping/>
   </p:clrMapOvr>
-  <mc:AlternateContent xmlns:mc="http://schemas.openxmlformats.org/markup-compatibility/2006" xmlns:p14="http://schemas.microsoft.com/office/powerpoint/2010/main">
-    <mc:Choice Requires="p14">
+  <mc:AlternateContent xmlns:mc="http://schemas.openxmlformats.org/markup-compatibility/2006">
+    <mc:Choice xmlns:p14="http://schemas.microsoft.com/office/powerpoint/2010/main" Requires="p14">
       <p:transition p14:dur="10"/>
     </mc:Choice>
-    <mc:Fallback xmlns="">
+    <mc:Fallback>
       <p:transition/>
     </mc:Fallback>
   </mc:AlternateContent>
@@ -12537,53 +12240,389 @@
       </p:grpSpPr>
       <p:sp>
         <p:nvSpPr>
-          <p:cNvPr id="2" name="Title 1"/>
+          <p:cNvPr id="38" name="Content Placeholder 17"/>
+          <p:cNvSpPr txBox="1">
+            <a:spLocks/>
+          </p:cNvSpPr>
+          <p:nvPr/>
+        </p:nvSpPr>
+        <p:spPr>
+          <a:xfrm>
+            <a:off x="541610" y="1296100"/>
+            <a:ext cx="11129690" cy="2437700"/>
+          </a:xfrm>
+          <a:prstGeom prst="rect">
+            <a:avLst/>
+          </a:prstGeom>
+        </p:spPr>
+        <p:txBody>
+          <a:bodyPr vert="horz" lIns="91440" tIns="45720" rIns="91440" bIns="45720" rtlCol="0">
+            <a:normAutofit/>
+          </a:bodyPr>
+          <a:lstStyle>
+            <a:lvl1pPr marL="228600" indent="-228600" algn="l" defTabSz="914400" rtl="0" eaLnBrk="1" latinLnBrk="0" hangingPunct="1">
+              <a:lnSpc>
+                <a:spcPts val="1800"/>
+              </a:lnSpc>
+              <a:spcBef>
+                <a:spcPts val="1000"/>
+              </a:spcBef>
+              <a:spcAft>
+                <a:spcPts val="1000"/>
+              </a:spcAft>
+              <a:buFont typeface="Arial" panose="020B0604020202020204" pitchFamily="34" charset="0"/>
+              <a:buChar char="•"/>
+              <a:defRPr lang="en-US" sz="1200" kern="1200" smtClean="0">
+                <a:solidFill>
+                  <a:schemeClr val="tx1">
+                    <a:lumMod val="75000"/>
+                    <a:lumOff val="25000"/>
+                  </a:schemeClr>
+                </a:solidFill>
+                <a:latin typeface="+mn-lt"/>
+                <a:ea typeface="+mn-ea"/>
+                <a:cs typeface="+mn-cs"/>
+              </a:defRPr>
+            </a:lvl1pPr>
+            <a:lvl2pPr marL="685800" indent="-228600" algn="l" defTabSz="914400" rtl="0" eaLnBrk="1" latinLnBrk="0" hangingPunct="1">
+              <a:lnSpc>
+                <a:spcPts val="1800"/>
+              </a:lnSpc>
+              <a:spcBef>
+                <a:spcPts val="1000"/>
+              </a:spcBef>
+              <a:spcAft>
+                <a:spcPts val="1000"/>
+              </a:spcAft>
+              <a:buFont typeface="Arial" panose="020B0604020202020204" pitchFamily="34" charset="0"/>
+              <a:buChar char="•"/>
+              <a:defRPr lang="en-US" sz="1200" kern="1200" smtClean="0">
+                <a:solidFill>
+                  <a:schemeClr val="tx1">
+                    <a:lumMod val="75000"/>
+                    <a:lumOff val="25000"/>
+                  </a:schemeClr>
+                </a:solidFill>
+                <a:latin typeface="+mn-lt"/>
+                <a:ea typeface="+mn-ea"/>
+                <a:cs typeface="+mn-cs"/>
+              </a:defRPr>
+            </a:lvl2pPr>
+            <a:lvl3pPr marL="1143000" indent="-228600" algn="l" defTabSz="914400" rtl="0" eaLnBrk="1" latinLnBrk="0" hangingPunct="1">
+              <a:lnSpc>
+                <a:spcPts val="1800"/>
+              </a:lnSpc>
+              <a:spcBef>
+                <a:spcPts val="1000"/>
+              </a:spcBef>
+              <a:spcAft>
+                <a:spcPts val="1000"/>
+              </a:spcAft>
+              <a:buFont typeface="Arial" panose="020B0604020202020204" pitchFamily="34" charset="0"/>
+              <a:buChar char="•"/>
+              <a:defRPr lang="en-US" sz="1200" kern="1200" smtClean="0">
+                <a:solidFill>
+                  <a:schemeClr val="tx1">
+                    <a:lumMod val="75000"/>
+                    <a:lumOff val="25000"/>
+                  </a:schemeClr>
+                </a:solidFill>
+                <a:latin typeface="+mn-lt"/>
+                <a:ea typeface="+mn-ea"/>
+                <a:cs typeface="+mn-cs"/>
+              </a:defRPr>
+            </a:lvl3pPr>
+            <a:lvl4pPr marL="1600200" indent="-228600" algn="l" defTabSz="914400" rtl="0" eaLnBrk="1" latinLnBrk="0" hangingPunct="1">
+              <a:lnSpc>
+                <a:spcPts val="1800"/>
+              </a:lnSpc>
+              <a:spcBef>
+                <a:spcPts val="1000"/>
+              </a:spcBef>
+              <a:spcAft>
+                <a:spcPts val="1000"/>
+              </a:spcAft>
+              <a:buFont typeface="Arial" panose="020B0604020202020204" pitchFamily="34" charset="0"/>
+              <a:buChar char="•"/>
+              <a:defRPr lang="en-US" sz="1200" kern="1200" smtClean="0">
+                <a:solidFill>
+                  <a:schemeClr val="tx1">
+                    <a:lumMod val="75000"/>
+                    <a:lumOff val="25000"/>
+                  </a:schemeClr>
+                </a:solidFill>
+                <a:latin typeface="+mn-lt"/>
+                <a:ea typeface="+mn-ea"/>
+                <a:cs typeface="+mn-cs"/>
+              </a:defRPr>
+            </a:lvl4pPr>
+            <a:lvl5pPr marL="2057400" indent="-228600" algn="l" defTabSz="914400" rtl="0" eaLnBrk="1" latinLnBrk="0" hangingPunct="1">
+              <a:lnSpc>
+                <a:spcPts val="1800"/>
+              </a:lnSpc>
+              <a:spcBef>
+                <a:spcPts val="1000"/>
+              </a:spcBef>
+              <a:spcAft>
+                <a:spcPts val="1000"/>
+              </a:spcAft>
+              <a:buFont typeface="Arial" panose="020B0604020202020204" pitchFamily="34" charset="0"/>
+              <a:buChar char="•"/>
+              <a:defRPr lang="en-US" sz="1200" kern="1200">
+                <a:solidFill>
+                  <a:schemeClr val="tx1">
+                    <a:lumMod val="75000"/>
+                    <a:lumOff val="25000"/>
+                  </a:schemeClr>
+                </a:solidFill>
+                <a:latin typeface="+mn-lt"/>
+                <a:ea typeface="+mn-ea"/>
+                <a:cs typeface="+mn-cs"/>
+              </a:defRPr>
+            </a:lvl5pPr>
+            <a:lvl6pPr marL="2514600" indent="-228600" algn="l" defTabSz="914400" rtl="0" eaLnBrk="1" latinLnBrk="0" hangingPunct="1">
+              <a:lnSpc>
+                <a:spcPct val="90000"/>
+              </a:lnSpc>
+              <a:spcBef>
+                <a:spcPct val="30000"/>
+              </a:spcBef>
+              <a:buFont typeface="Arial" panose="020B0604020202020204" pitchFamily="34" charset="0"/>
+              <a:buChar char="•"/>
+              <a:defRPr sz="1800" kern="1200">
+                <a:solidFill>
+                  <a:schemeClr val="tx1"/>
+                </a:solidFill>
+                <a:latin typeface="+mn-lt"/>
+                <a:ea typeface="+mn-ea"/>
+                <a:cs typeface="+mn-cs"/>
+              </a:defRPr>
+            </a:lvl6pPr>
+            <a:lvl7pPr marL="2971800" indent="-228600" algn="l" defTabSz="914400" rtl="0" eaLnBrk="1" latinLnBrk="0" hangingPunct="1">
+              <a:lnSpc>
+                <a:spcPct val="90000"/>
+              </a:lnSpc>
+              <a:spcBef>
+                <a:spcPct val="30000"/>
+              </a:spcBef>
+              <a:buFont typeface="Arial" panose="020B0604020202020204" pitchFamily="34" charset="0"/>
+              <a:buChar char="•"/>
+              <a:defRPr sz="1800" kern="1200">
+                <a:solidFill>
+                  <a:schemeClr val="tx1"/>
+                </a:solidFill>
+                <a:latin typeface="+mn-lt"/>
+                <a:ea typeface="+mn-ea"/>
+                <a:cs typeface="+mn-cs"/>
+              </a:defRPr>
+            </a:lvl7pPr>
+            <a:lvl8pPr marL="3429000" indent="-228600" algn="l" defTabSz="914400" rtl="0" eaLnBrk="1" latinLnBrk="0" hangingPunct="1">
+              <a:lnSpc>
+                <a:spcPct val="90000"/>
+              </a:lnSpc>
+              <a:spcBef>
+                <a:spcPct val="30000"/>
+              </a:spcBef>
+              <a:buFont typeface="Arial" panose="020B0604020202020204" pitchFamily="34" charset="0"/>
+              <a:buChar char="•"/>
+              <a:defRPr sz="1800" kern="1200">
+                <a:solidFill>
+                  <a:schemeClr val="tx1"/>
+                </a:solidFill>
+                <a:latin typeface="+mn-lt"/>
+                <a:ea typeface="+mn-ea"/>
+                <a:cs typeface="+mn-cs"/>
+              </a:defRPr>
+            </a:lvl8pPr>
+            <a:lvl9pPr marL="3886200" indent="-228600" algn="l" defTabSz="914400" rtl="0" eaLnBrk="1" latinLnBrk="0" hangingPunct="1">
+              <a:lnSpc>
+                <a:spcPct val="90000"/>
+              </a:lnSpc>
+              <a:spcBef>
+                <a:spcPct val="30000"/>
+              </a:spcBef>
+              <a:buFont typeface="Arial" panose="020B0604020202020204" pitchFamily="34" charset="0"/>
+              <a:buChar char="•"/>
+              <a:defRPr sz="1800" kern="1200">
+                <a:solidFill>
+                  <a:schemeClr val="tx1"/>
+                </a:solidFill>
+                <a:latin typeface="+mn-lt"/>
+                <a:ea typeface="+mn-ea"/>
+                <a:cs typeface="+mn-cs"/>
+              </a:defRPr>
+            </a:lvl9pPr>
+          </a:lstStyle>
+          <a:p>
+            <a:pPr marL="0" lvl="0" indent="0">
+              <a:lnSpc>
+                <a:spcPct val="150000"/>
+              </a:lnSpc>
+              <a:spcBef>
+                <a:spcPts val="0"/>
+              </a:spcBef>
+              <a:spcAft>
+                <a:spcPts val="0"/>
+              </a:spcAft>
+              <a:buNone/>
+              <a:defRPr/>
+            </a:pPr>
+            <a:r>
+              <a:rPr lang="en-US" sz="2400" dirty="0">
+                <a:solidFill>
+                  <a:srgbClr val="D24726"/>
+                </a:solidFill>
+                <a:latin typeface="Segoe UI" panose="020B0502040204020203" pitchFamily="34" charset="0"/>
+                <a:cs typeface="Segoe UI" panose="020B0502040204020203" pitchFamily="34" charset="0"/>
+              </a:rPr>
+              <a:t>What is Kestrel?</a:t>
+            </a:r>
+          </a:p>
+          <a:p>
+            <a:pPr marL="0" lvl="0" indent="0">
+              <a:lnSpc>
+                <a:spcPct val="150000"/>
+              </a:lnSpc>
+              <a:spcBef>
+                <a:spcPts val="0"/>
+              </a:spcBef>
+              <a:spcAft>
+                <a:spcPts val="0"/>
+              </a:spcAft>
+              <a:buNone/>
+              <a:defRPr/>
+            </a:pPr>
+            <a:r>
+              <a:rPr lang="en-US" sz="1800" dirty="0">
+                <a:latin typeface="Segoe UI" panose="020B0502040204020203" pitchFamily="34" charset="0"/>
+                <a:cs typeface="Segoe UI" panose="020B0502040204020203" pitchFamily="34" charset="0"/>
+              </a:rPr>
+              <a:t>.NET Core includes a managed cross-platform web server, called Kestrel.</a:t>
+            </a:r>
+          </a:p>
+          <a:p>
+            <a:pPr marL="0" lvl="0" indent="0">
+              <a:lnSpc>
+                <a:spcPct val="150000"/>
+              </a:lnSpc>
+              <a:spcBef>
+                <a:spcPts val="0"/>
+              </a:spcBef>
+              <a:spcAft>
+                <a:spcPts val="0"/>
+              </a:spcAft>
+              <a:buNone/>
+              <a:defRPr/>
+            </a:pPr>
+            <a:r>
+              <a:rPr lang="en-US" sz="1800" dirty="0">
+                <a:latin typeface="Segoe UI" panose="020B0502040204020203" pitchFamily="34" charset="0"/>
+                <a:cs typeface="Segoe UI" panose="020B0502040204020203" pitchFamily="34" charset="0"/>
+              </a:rPr>
+              <a:t>Kestrel is the new cross platform .NET web server which runs on Linux, Mac and Windows 10 and will, eventually, run on Raspberry Pi.</a:t>
+            </a:r>
+          </a:p>
+          <a:p>
+            <a:pPr marL="0" lvl="0" indent="0">
+              <a:lnSpc>
+                <a:spcPct val="150000"/>
+              </a:lnSpc>
+              <a:spcBef>
+                <a:spcPts val="0"/>
+              </a:spcBef>
+              <a:spcAft>
+                <a:spcPts val="0"/>
+              </a:spcAft>
+              <a:buNone/>
+              <a:defRPr/>
+            </a:pPr>
+            <a:r>
+              <a:rPr lang="en-US" sz="1800" dirty="0">
+                <a:latin typeface="Segoe UI" panose="020B0502040204020203" pitchFamily="34" charset="0"/>
+                <a:cs typeface="Segoe UI" panose="020B0502040204020203" pitchFamily="34" charset="0"/>
+              </a:rPr>
+              <a:t>Kestrel is way faster when compared to IIS. According to some measure it is about 20 times faster than IIS.</a:t>
+            </a:r>
+          </a:p>
+        </p:txBody>
+      </p:sp>
+      <p:sp>
+        <p:nvSpPr>
+          <p:cNvPr id="8" name="Title 7"/>
           <p:cNvSpPr>
             <a:spLocks noGrp="1"/>
           </p:cNvSpPr>
           <p:nvPr>
-            <p:ph type="ctrTitle"/>
+            <p:ph type="title"/>
           </p:nvPr>
         </p:nvSpPr>
+        <p:spPr/>
+        <p:txBody>
+          <a:bodyPr/>
+          <a:lstStyle/>
+          <a:p>
+            <a:r>
+              <a:rPr lang="en-US" dirty="0">
+                <a:latin typeface="Segoe UI Light" panose="020B0502040204020203" pitchFamily="34" charset="0"/>
+                <a:cs typeface="Segoe UI Light" panose="020B0502040204020203" pitchFamily="34" charset="0"/>
+              </a:rPr>
+              <a:t>Appendix</a:t>
+            </a:r>
+            <a:endParaRPr lang="en-US" dirty="0">
+              <a:latin typeface="Segoe UI Light" panose="020B0502040204020203" pitchFamily="34" charset="0"/>
+              <a:cs typeface="Segoe UI Light" panose="020B0502040204020203" pitchFamily="34" charset="0"/>
+            </a:endParaRPr>
+          </a:p>
+        </p:txBody>
+      </p:sp>
+      <p:pic>
+        <p:nvPicPr>
+          <p:cNvPr id="4" name="Picture 3"/>
+          <p:cNvPicPr>
+            <a:picLocks noChangeAspect="1"/>
+          </p:cNvPicPr>
+          <p:nvPr/>
+        </p:nvPicPr>
+        <p:blipFill>
+          <a:blip r:embed="rId2">
+            <a:extLst>
+              <a:ext uri="{28A0092B-C50C-407E-A947-70E740481C1C}">
+                <a14:useLocalDpi xmlns:a14="http://schemas.microsoft.com/office/drawing/2010/main" val="0"/>
+              </a:ext>
+            </a:extLst>
+          </a:blip>
+          <a:stretch>
+            <a:fillRect/>
+          </a:stretch>
+        </p:blipFill>
         <p:spPr>
           <a:xfrm>
-            <a:off x="838200" y="1164323"/>
-            <a:ext cx="10515600" cy="4609459"/>
+            <a:off x="634772" y="3733800"/>
+            <a:ext cx="4900085" cy="2568163"/>
           </a:xfrm>
+          <a:prstGeom prst="rect">
+            <a:avLst/>
+          </a:prstGeom>
         </p:spPr>
-        <p:txBody>
-          <a:bodyPr>
-            <a:normAutofit/>
-          </a:bodyPr>
-          <a:lstStyle/>
-          <a:p>
-            <a:pPr algn="ctr"/>
-            <a:r>
-              <a:rPr lang="en-US" sz="4800" dirty="0" smtClean="0">
-                <a:solidFill>
-                  <a:schemeClr val="bg1"/>
-                </a:solidFill>
-              </a:rPr>
-              <a:t>Questions?</a:t>
-            </a:r>
-            <a:endParaRPr lang="en-US" sz="4800" dirty="0">
-              <a:solidFill>
-                <a:schemeClr val="bg1"/>
-              </a:solidFill>
-            </a:endParaRPr>
-          </a:p>
-        </p:txBody>
-      </p:sp>
+      </p:pic>
     </p:spTree>
     <p:extLst>
       <p:ext uri="{BB962C8B-B14F-4D97-AF65-F5344CB8AC3E}">
-        <p14:creationId xmlns:p14="http://schemas.microsoft.com/office/powerpoint/2010/main" val="195265147"/>
+        <p14:creationId xmlns:p14="http://schemas.microsoft.com/office/powerpoint/2010/main" val="1368768010"/>
       </p:ext>
     </p:extLst>
   </p:cSld>
   <p:clrMapOvr>
     <a:masterClrMapping/>
   </p:clrMapOvr>
+  <mc:AlternateContent xmlns:mc="http://schemas.openxmlformats.org/markup-compatibility/2006">
+    <mc:Choice xmlns:p14="http://schemas.microsoft.com/office/powerpoint/2010/main" Requires="p14">
+      <p:transition p14:dur="10"/>
+    </mc:Choice>
+    <mc:Fallback>
+      <p:transition/>
+    </mc:Fallback>
+  </mc:AlternateContent>
   <p:timing>
     <p:tnLst>
       <p:par>
@@ -12595,6 +12634,491 @@
 </file>
 
 <file path=ppt/slides/slide22.xml><?xml version="1.0" encoding="utf-8"?>
+<p:sld xmlns:a="http://schemas.openxmlformats.org/drawingml/2006/main" xmlns:r="http://schemas.openxmlformats.org/officeDocument/2006/relationships" xmlns:p="http://schemas.openxmlformats.org/presentationml/2006/main">
+  <p:cSld>
+    <p:spTree>
+      <p:nvGrpSpPr>
+        <p:cNvPr id="1" name=""/>
+        <p:cNvGrpSpPr/>
+        <p:nvPr/>
+      </p:nvGrpSpPr>
+      <p:grpSpPr>
+        <a:xfrm>
+          <a:off x="0" y="0"/>
+          <a:ext cx="0" cy="0"/>
+          <a:chOff x="0" y="0"/>
+          <a:chExt cx="0" cy="0"/>
+        </a:xfrm>
+      </p:grpSpPr>
+      <p:sp>
+        <p:nvSpPr>
+          <p:cNvPr id="38" name="Content Placeholder 17"/>
+          <p:cNvSpPr txBox="1">
+            <a:spLocks/>
+          </p:cNvSpPr>
+          <p:nvPr/>
+        </p:nvSpPr>
+        <p:spPr>
+          <a:xfrm>
+            <a:off x="541610" y="1296100"/>
+            <a:ext cx="6539811" cy="5003100"/>
+          </a:xfrm>
+          <a:prstGeom prst="rect">
+            <a:avLst/>
+          </a:prstGeom>
+        </p:spPr>
+        <p:txBody>
+          <a:bodyPr vert="horz" lIns="91440" tIns="45720" rIns="91440" bIns="45720" rtlCol="0">
+            <a:noAutofit/>
+          </a:bodyPr>
+          <a:lstStyle>
+            <a:lvl1pPr marL="228600" indent="-228600" algn="l" defTabSz="914400" rtl="0" eaLnBrk="1" latinLnBrk="0" hangingPunct="1">
+              <a:lnSpc>
+                <a:spcPts val="1800"/>
+              </a:lnSpc>
+              <a:spcBef>
+                <a:spcPts val="1000"/>
+              </a:spcBef>
+              <a:spcAft>
+                <a:spcPts val="1000"/>
+              </a:spcAft>
+              <a:buFont typeface="Arial" panose="020B0604020202020204" pitchFamily="34" charset="0"/>
+              <a:buChar char="•"/>
+              <a:defRPr lang="en-US" sz="1200" kern="1200" smtClean="0">
+                <a:solidFill>
+                  <a:schemeClr val="tx1">
+                    <a:lumMod val="75000"/>
+                    <a:lumOff val="25000"/>
+                  </a:schemeClr>
+                </a:solidFill>
+                <a:latin typeface="+mn-lt"/>
+                <a:ea typeface="+mn-ea"/>
+                <a:cs typeface="+mn-cs"/>
+              </a:defRPr>
+            </a:lvl1pPr>
+            <a:lvl2pPr marL="685800" indent="-228600" algn="l" defTabSz="914400" rtl="0" eaLnBrk="1" latinLnBrk="0" hangingPunct="1">
+              <a:lnSpc>
+                <a:spcPts val="1800"/>
+              </a:lnSpc>
+              <a:spcBef>
+                <a:spcPts val="1000"/>
+              </a:spcBef>
+              <a:spcAft>
+                <a:spcPts val="1000"/>
+              </a:spcAft>
+              <a:buFont typeface="Arial" panose="020B0604020202020204" pitchFamily="34" charset="0"/>
+              <a:buChar char="•"/>
+              <a:defRPr lang="en-US" sz="1200" kern="1200" smtClean="0">
+                <a:solidFill>
+                  <a:schemeClr val="tx1">
+                    <a:lumMod val="75000"/>
+                    <a:lumOff val="25000"/>
+                  </a:schemeClr>
+                </a:solidFill>
+                <a:latin typeface="+mn-lt"/>
+                <a:ea typeface="+mn-ea"/>
+                <a:cs typeface="+mn-cs"/>
+              </a:defRPr>
+            </a:lvl2pPr>
+            <a:lvl3pPr marL="1143000" indent="-228600" algn="l" defTabSz="914400" rtl="0" eaLnBrk="1" latinLnBrk="0" hangingPunct="1">
+              <a:lnSpc>
+                <a:spcPts val="1800"/>
+              </a:lnSpc>
+              <a:spcBef>
+                <a:spcPts val="1000"/>
+              </a:spcBef>
+              <a:spcAft>
+                <a:spcPts val="1000"/>
+              </a:spcAft>
+              <a:buFont typeface="Arial" panose="020B0604020202020204" pitchFamily="34" charset="0"/>
+              <a:buChar char="•"/>
+              <a:defRPr lang="en-US" sz="1200" kern="1200" smtClean="0">
+                <a:solidFill>
+                  <a:schemeClr val="tx1">
+                    <a:lumMod val="75000"/>
+                    <a:lumOff val="25000"/>
+                  </a:schemeClr>
+                </a:solidFill>
+                <a:latin typeface="+mn-lt"/>
+                <a:ea typeface="+mn-ea"/>
+                <a:cs typeface="+mn-cs"/>
+              </a:defRPr>
+            </a:lvl3pPr>
+            <a:lvl4pPr marL="1600200" indent="-228600" algn="l" defTabSz="914400" rtl="0" eaLnBrk="1" latinLnBrk="0" hangingPunct="1">
+              <a:lnSpc>
+                <a:spcPts val="1800"/>
+              </a:lnSpc>
+              <a:spcBef>
+                <a:spcPts val="1000"/>
+              </a:spcBef>
+              <a:spcAft>
+                <a:spcPts val="1000"/>
+              </a:spcAft>
+              <a:buFont typeface="Arial" panose="020B0604020202020204" pitchFamily="34" charset="0"/>
+              <a:buChar char="•"/>
+              <a:defRPr lang="en-US" sz="1200" kern="1200" smtClean="0">
+                <a:solidFill>
+                  <a:schemeClr val="tx1">
+                    <a:lumMod val="75000"/>
+                    <a:lumOff val="25000"/>
+                  </a:schemeClr>
+                </a:solidFill>
+                <a:latin typeface="+mn-lt"/>
+                <a:ea typeface="+mn-ea"/>
+                <a:cs typeface="+mn-cs"/>
+              </a:defRPr>
+            </a:lvl4pPr>
+            <a:lvl5pPr marL="2057400" indent="-228600" algn="l" defTabSz="914400" rtl="0" eaLnBrk="1" latinLnBrk="0" hangingPunct="1">
+              <a:lnSpc>
+                <a:spcPts val="1800"/>
+              </a:lnSpc>
+              <a:spcBef>
+                <a:spcPts val="1000"/>
+              </a:spcBef>
+              <a:spcAft>
+                <a:spcPts val="1000"/>
+              </a:spcAft>
+              <a:buFont typeface="Arial" panose="020B0604020202020204" pitchFamily="34" charset="0"/>
+              <a:buChar char="•"/>
+              <a:defRPr lang="en-US" sz="1200" kern="1200">
+                <a:solidFill>
+                  <a:schemeClr val="tx1">
+                    <a:lumMod val="75000"/>
+                    <a:lumOff val="25000"/>
+                  </a:schemeClr>
+                </a:solidFill>
+                <a:latin typeface="+mn-lt"/>
+                <a:ea typeface="+mn-ea"/>
+                <a:cs typeface="+mn-cs"/>
+              </a:defRPr>
+            </a:lvl5pPr>
+            <a:lvl6pPr marL="2514600" indent="-228600" algn="l" defTabSz="914400" rtl="0" eaLnBrk="1" latinLnBrk="0" hangingPunct="1">
+              <a:lnSpc>
+                <a:spcPct val="90000"/>
+              </a:lnSpc>
+              <a:spcBef>
+                <a:spcPct val="30000"/>
+              </a:spcBef>
+              <a:buFont typeface="Arial" panose="020B0604020202020204" pitchFamily="34" charset="0"/>
+              <a:buChar char="•"/>
+              <a:defRPr sz="1800" kern="1200">
+                <a:solidFill>
+                  <a:schemeClr val="tx1"/>
+                </a:solidFill>
+                <a:latin typeface="+mn-lt"/>
+                <a:ea typeface="+mn-ea"/>
+                <a:cs typeface="+mn-cs"/>
+              </a:defRPr>
+            </a:lvl6pPr>
+            <a:lvl7pPr marL="2971800" indent="-228600" algn="l" defTabSz="914400" rtl="0" eaLnBrk="1" latinLnBrk="0" hangingPunct="1">
+              <a:lnSpc>
+                <a:spcPct val="90000"/>
+              </a:lnSpc>
+              <a:spcBef>
+                <a:spcPct val="30000"/>
+              </a:spcBef>
+              <a:buFont typeface="Arial" panose="020B0604020202020204" pitchFamily="34" charset="0"/>
+              <a:buChar char="•"/>
+              <a:defRPr sz="1800" kern="1200">
+                <a:solidFill>
+                  <a:schemeClr val="tx1"/>
+                </a:solidFill>
+                <a:latin typeface="+mn-lt"/>
+                <a:ea typeface="+mn-ea"/>
+                <a:cs typeface="+mn-cs"/>
+              </a:defRPr>
+            </a:lvl7pPr>
+            <a:lvl8pPr marL="3429000" indent="-228600" algn="l" defTabSz="914400" rtl="0" eaLnBrk="1" latinLnBrk="0" hangingPunct="1">
+              <a:lnSpc>
+                <a:spcPct val="90000"/>
+              </a:lnSpc>
+              <a:spcBef>
+                <a:spcPct val="30000"/>
+              </a:spcBef>
+              <a:buFont typeface="Arial" panose="020B0604020202020204" pitchFamily="34" charset="0"/>
+              <a:buChar char="•"/>
+              <a:defRPr sz="1800" kern="1200">
+                <a:solidFill>
+                  <a:schemeClr val="tx1"/>
+                </a:solidFill>
+                <a:latin typeface="+mn-lt"/>
+                <a:ea typeface="+mn-ea"/>
+                <a:cs typeface="+mn-cs"/>
+              </a:defRPr>
+            </a:lvl8pPr>
+            <a:lvl9pPr marL="3886200" indent="-228600" algn="l" defTabSz="914400" rtl="0" eaLnBrk="1" latinLnBrk="0" hangingPunct="1">
+              <a:lnSpc>
+                <a:spcPct val="90000"/>
+              </a:lnSpc>
+              <a:spcBef>
+                <a:spcPct val="30000"/>
+              </a:spcBef>
+              <a:buFont typeface="Arial" panose="020B0604020202020204" pitchFamily="34" charset="0"/>
+              <a:buChar char="•"/>
+              <a:defRPr sz="1800" kern="1200">
+                <a:solidFill>
+                  <a:schemeClr val="tx1"/>
+                </a:solidFill>
+                <a:latin typeface="+mn-lt"/>
+                <a:ea typeface="+mn-ea"/>
+                <a:cs typeface="+mn-cs"/>
+              </a:defRPr>
+            </a:lvl9pPr>
+          </a:lstStyle>
+          <a:p>
+            <a:pPr marL="0" lvl="0" indent="0">
+              <a:lnSpc>
+                <a:spcPct val="150000"/>
+              </a:lnSpc>
+              <a:spcBef>
+                <a:spcPts val="0"/>
+              </a:spcBef>
+              <a:spcAft>
+                <a:spcPts val="0"/>
+              </a:spcAft>
+              <a:buNone/>
+              <a:defRPr/>
+            </a:pPr>
+            <a:r>
+              <a:rPr lang="en-US" sz="2400" dirty="0">
+                <a:solidFill>
+                  <a:srgbClr val="D24726"/>
+                </a:solidFill>
+                <a:latin typeface="Segoe UI" panose="020B0502040204020203" pitchFamily="34" charset="0"/>
+                <a:cs typeface="Segoe UI" panose="020B0502040204020203" pitchFamily="34" charset="0"/>
+              </a:rPr>
+              <a:t>What is NGINX?</a:t>
+            </a:r>
+          </a:p>
+          <a:p>
+            <a:pPr>
+              <a:lnSpc>
+                <a:spcPct val="150000"/>
+              </a:lnSpc>
+              <a:spcBef>
+                <a:spcPts val="0"/>
+              </a:spcBef>
+              <a:spcAft>
+                <a:spcPts val="0"/>
+              </a:spcAft>
+              <a:defRPr/>
+            </a:pPr>
+            <a:r>
+              <a:rPr lang="en-US" sz="1800" dirty="0">
+                <a:latin typeface="Segoe UI" panose="020B0502040204020203" pitchFamily="34" charset="0"/>
+                <a:cs typeface="Segoe UI" panose="020B0502040204020203" pitchFamily="34" charset="0"/>
+              </a:rPr>
+              <a:t>NGINX (Pronounced as Engine-X) is an open source, lightweight, high-performance web server or proxy server.</a:t>
+            </a:r>
+          </a:p>
+          <a:p>
+            <a:pPr>
+              <a:lnSpc>
+                <a:spcPct val="150000"/>
+              </a:lnSpc>
+              <a:spcBef>
+                <a:spcPts val="0"/>
+              </a:spcBef>
+              <a:spcAft>
+                <a:spcPts val="0"/>
+              </a:spcAft>
+              <a:defRPr/>
+            </a:pPr>
+            <a:r>
+              <a:rPr lang="en-US" sz="1800" dirty="0">
+                <a:latin typeface="Segoe UI" panose="020B0502040204020203" pitchFamily="34" charset="0"/>
+                <a:cs typeface="Segoe UI" panose="020B0502040204020203" pitchFamily="34" charset="0"/>
+              </a:rPr>
+              <a:t>Nginx can be used as a reverse proxy server for HTTP, HTTPS, SMTP, IMAP, POP3 protocols, on the other hand, it is also used for servers load balancing and HTTP Cache.</a:t>
+            </a:r>
+          </a:p>
+          <a:p>
+            <a:pPr marL="0" lvl="0" indent="0">
+              <a:lnSpc>
+                <a:spcPct val="150000"/>
+              </a:lnSpc>
+              <a:spcBef>
+                <a:spcPts val="0"/>
+              </a:spcBef>
+              <a:spcAft>
+                <a:spcPts val="0"/>
+              </a:spcAft>
+              <a:buNone/>
+              <a:defRPr/>
+            </a:pPr>
+            <a:endParaRPr lang="en-US" sz="1800" dirty="0">
+              <a:latin typeface="Segoe UI" panose="020B0502040204020203" pitchFamily="34" charset="0"/>
+              <a:cs typeface="Segoe UI" panose="020B0502040204020203" pitchFamily="34" charset="0"/>
+            </a:endParaRPr>
+          </a:p>
+          <a:p>
+            <a:pPr marL="0" lvl="0" indent="0">
+              <a:lnSpc>
+                <a:spcPct val="150000"/>
+              </a:lnSpc>
+              <a:spcBef>
+                <a:spcPts val="0"/>
+              </a:spcBef>
+              <a:spcAft>
+                <a:spcPts val="0"/>
+              </a:spcAft>
+              <a:buNone/>
+              <a:defRPr/>
+            </a:pPr>
+            <a:r>
+              <a:rPr lang="en-US" sz="2400" dirty="0">
+                <a:solidFill>
+                  <a:srgbClr val="D24726"/>
+                </a:solidFill>
+                <a:latin typeface="Segoe UI" panose="020B0502040204020203" pitchFamily="34" charset="0"/>
+                <a:cs typeface="Segoe UI" panose="020B0502040204020203" pitchFamily="34" charset="0"/>
+              </a:rPr>
+              <a:t>Why use NGINX?</a:t>
+            </a:r>
+          </a:p>
+          <a:p>
+            <a:pPr>
+              <a:lnSpc>
+                <a:spcPct val="150000"/>
+              </a:lnSpc>
+              <a:spcBef>
+                <a:spcPts val="0"/>
+              </a:spcBef>
+              <a:spcAft>
+                <a:spcPts val="0"/>
+              </a:spcAft>
+              <a:defRPr/>
+            </a:pPr>
+            <a:r>
+              <a:rPr lang="en-US" sz="1800" dirty="0">
+                <a:latin typeface="Segoe UI" panose="020B0502040204020203" pitchFamily="34" charset="0"/>
+                <a:cs typeface="Segoe UI" panose="020B0502040204020203" pitchFamily="34" charset="0"/>
+              </a:rPr>
+              <a:t>Can be used as a proxy or a load balancer</a:t>
+            </a:r>
+          </a:p>
+          <a:p>
+            <a:pPr>
+              <a:lnSpc>
+                <a:spcPct val="150000"/>
+              </a:lnSpc>
+              <a:spcBef>
+                <a:spcPts val="0"/>
+              </a:spcBef>
+              <a:spcAft>
+                <a:spcPts val="0"/>
+              </a:spcAft>
+              <a:defRPr/>
+            </a:pPr>
+            <a:r>
+              <a:rPr lang="en-US" sz="1800" dirty="0">
+                <a:latin typeface="Segoe UI" panose="020B0502040204020203" pitchFamily="34" charset="0"/>
+                <a:cs typeface="Segoe UI" panose="020B0502040204020203" pitchFamily="34" charset="0"/>
+              </a:rPr>
+              <a:t>Its super fast, light weight and more platform independent.</a:t>
+            </a:r>
+          </a:p>
+        </p:txBody>
+      </p:sp>
+      <p:sp>
+        <p:nvSpPr>
+          <p:cNvPr id="8" name="Title 7"/>
+          <p:cNvSpPr>
+            <a:spLocks noGrp="1"/>
+          </p:cNvSpPr>
+          <p:nvPr>
+            <p:ph type="title"/>
+          </p:nvPr>
+        </p:nvSpPr>
+        <p:spPr/>
+        <p:txBody>
+          <a:bodyPr/>
+          <a:lstStyle/>
+          <a:p>
+            <a:r>
+              <a:rPr lang="en-US" dirty="0">
+                <a:latin typeface="Segoe UI Light" panose="020B0502040204020203" pitchFamily="34" charset="0"/>
+                <a:cs typeface="Segoe UI Light" panose="020B0502040204020203" pitchFamily="34" charset="0"/>
+              </a:rPr>
+              <a:t>Appendix</a:t>
+            </a:r>
+            <a:endParaRPr lang="en-US" dirty="0">
+              <a:latin typeface="Segoe UI Light" panose="020B0502040204020203" pitchFamily="34" charset="0"/>
+              <a:cs typeface="Segoe UI Light" panose="020B0502040204020203" pitchFamily="34" charset="0"/>
+            </a:endParaRPr>
+          </a:p>
+        </p:txBody>
+      </p:sp>
+      <p:pic>
+        <p:nvPicPr>
+          <p:cNvPr id="3074" name="Picture 2" descr="Image result for nginx"/>
+          <p:cNvPicPr>
+            <a:picLocks noChangeAspect="1" noChangeArrowheads="1"/>
+          </p:cNvPicPr>
+          <p:nvPr/>
+        </p:nvPicPr>
+        <p:blipFill>
+          <a:blip r:embed="rId2">
+            <a:extLst>
+              <a:ext uri="{28A0092B-C50C-407E-A947-70E740481C1C}">
+                <a14:useLocalDpi xmlns:a14="http://schemas.microsoft.com/office/drawing/2010/main" val="0"/>
+              </a:ext>
+            </a:extLst>
+          </a:blip>
+          <a:srcRect/>
+          <a:stretch>
+            <a:fillRect/>
+          </a:stretch>
+        </p:blipFill>
+        <p:spPr bwMode="auto">
+          <a:xfrm>
+            <a:off x="7081421" y="2430018"/>
+            <a:ext cx="4699514" cy="2735264"/>
+          </a:xfrm>
+          <a:prstGeom prst="rect">
+            <a:avLst/>
+          </a:prstGeom>
+          <a:noFill/>
+          <a:extLst>
+            <a:ext uri="{909E8E84-426E-40DD-AFC4-6F175D3DCCD1}">
+              <a14:hiddenFill xmlns:a14="http://schemas.microsoft.com/office/drawing/2010/main">
+                <a:solidFill>
+                  <a:srgbClr val="FFFFFF"/>
+                </a:solidFill>
+              </a14:hiddenFill>
+            </a:ext>
+          </a:extLst>
+        </p:spPr>
+      </p:pic>
+    </p:spTree>
+    <p:extLst>
+      <p:ext uri="{BB962C8B-B14F-4D97-AF65-F5344CB8AC3E}">
+        <p14:creationId xmlns:p14="http://schemas.microsoft.com/office/powerpoint/2010/main" val="1388473733"/>
+      </p:ext>
+    </p:extLst>
+  </p:cSld>
+  <p:clrMapOvr>
+    <a:masterClrMapping/>
+  </p:clrMapOvr>
+  <mc:AlternateContent xmlns:mc="http://schemas.openxmlformats.org/markup-compatibility/2006">
+    <mc:Choice xmlns:p14="http://schemas.microsoft.com/office/powerpoint/2010/main" Requires="p14">
+      <p:transition p14:dur="10"/>
+    </mc:Choice>
+    <mc:Fallback>
+      <p:transition/>
+    </mc:Fallback>
+  </mc:AlternateContent>
+  <p:timing>
+    <p:tnLst>
+      <p:par>
+        <p:cTn id="1" dur="indefinite" restart="never" nodeType="tmRoot"/>
+      </p:par>
+    </p:tnLst>
+  </p:timing>
+</p:sld>
+</file>
+
+<file path=ppt/slides/slide23.xml><?xml version="1.0" encoding="utf-8"?>
 <p:sld xmlns:a="http://schemas.openxmlformats.org/drawingml/2006/main" xmlns:r="http://schemas.openxmlformats.org/officeDocument/2006/relationships" xmlns:p="http://schemas.openxmlformats.org/presentationml/2006/main">
   <p:cSld>
     <p:spTree>
@@ -14318,6 +14842,31 @@
                 <a:latin typeface="Segoe UI" panose="020B0502040204020203" pitchFamily="34" charset="0"/>
                 <a:cs typeface="Segoe UI" panose="020B0502040204020203" pitchFamily="34" charset="0"/>
               </a:rPr>
+              <a:t>Service isolation is achieved using containers.</a:t>
+            </a:r>
+            <a:endParaRPr lang="en-US" sz="1800" dirty="0" smtClean="0">
+              <a:latin typeface="Segoe UI" panose="020B0502040204020203" pitchFamily="34" charset="0"/>
+              <a:cs typeface="Segoe UI" panose="020B0502040204020203" pitchFamily="34" charset="0"/>
+            </a:endParaRPr>
+          </a:p>
+          <a:p>
+            <a:pPr>
+              <a:lnSpc>
+                <a:spcPct val="150000"/>
+              </a:lnSpc>
+              <a:spcBef>
+                <a:spcPts val="0"/>
+              </a:spcBef>
+              <a:spcAft>
+                <a:spcPts val="0"/>
+              </a:spcAft>
+              <a:defRPr/>
+            </a:pPr>
+            <a:r>
+              <a:rPr lang="en-US" sz="1800" dirty="0" smtClean="0">
+                <a:latin typeface="Segoe UI" panose="020B0502040204020203" pitchFamily="34" charset="0"/>
+                <a:cs typeface="Segoe UI" panose="020B0502040204020203" pitchFamily="34" charset="0"/>
+              </a:rPr>
               <a:t>Communicates </a:t>
             </a:r>
             <a:r>
@@ -14708,10 +15257,6 @@
               </a:rPr>
               <a:t>Microservices Architecture</a:t>
             </a:r>
-            <a:endParaRPr lang="en-US" dirty="0">
-              <a:latin typeface="Segoe UI Light" panose="020B0502040204020203" pitchFamily="34" charset="0"/>
-              <a:cs typeface="Segoe UI Light" panose="020B0502040204020203" pitchFamily="34" charset="0"/>
-            </a:endParaRPr>
           </a:p>
         </p:txBody>
       </p:sp>
@@ -15083,673 +15628,1027 @@
           </a:p>
         </p:txBody>
       </p:sp>
-      <p:grpSp>
-        <p:nvGrpSpPr>
-          <p:cNvPr id="1025" name="Group 1024"/>
-          <p:cNvGrpSpPr/>
+      <p:sp>
+        <p:nvSpPr>
+          <p:cNvPr id="14" name="Rectangle 13"/>
+          <p:cNvSpPr/>
           <p:nvPr/>
-        </p:nvGrpSpPr>
-        <p:grpSpPr>
+        </p:nvSpPr>
+        <p:spPr>
           <a:xfrm>
-            <a:off x="5600700" y="2223937"/>
-            <a:ext cx="6011088" cy="3863315"/>
-            <a:chOff x="5600700" y="2223937"/>
-            <a:chExt cx="6011088" cy="3863315"/>
+            <a:off x="5600700" y="3748831"/>
+            <a:ext cx="1752600" cy="789563"/>
           </a:xfrm>
-        </p:grpSpPr>
-        <p:sp>
-          <p:nvSpPr>
-            <p:cNvPr id="14" name="Rectangle 13"/>
-            <p:cNvSpPr/>
-            <p:nvPr/>
-          </p:nvSpPr>
-          <p:spPr>
-            <a:xfrm>
-              <a:off x="5600700" y="3644926"/>
-              <a:ext cx="1752600" cy="789563"/>
-            </a:xfrm>
-            <a:prstGeom prst="rect">
-              <a:avLst/>
-            </a:prstGeom>
+          <a:prstGeom prst="rect">
+            <a:avLst/>
+          </a:prstGeom>
+          <a:solidFill>
+            <a:srgbClr val="92D050"/>
+          </a:solidFill>
+          <a:ln w="12700">
             <a:solidFill>
-              <a:srgbClr val="92D050"/>
+              <a:srgbClr val="00B050"/>
             </a:solidFill>
-            <a:ln>
-              <a:noFill/>
-            </a:ln>
-          </p:spPr>
-          <p:style>
-            <a:lnRef idx="2">
-              <a:schemeClr val="accent2">
-                <a:shade val="50000"/>
+          </a:ln>
+        </p:spPr>
+        <p:style>
+          <a:lnRef idx="2">
+            <a:schemeClr val="accent2">
+              <a:shade val="50000"/>
+            </a:schemeClr>
+          </a:lnRef>
+          <a:fillRef idx="1">
+            <a:schemeClr val="accent2"/>
+          </a:fillRef>
+          <a:effectRef idx="0">
+            <a:schemeClr val="accent2"/>
+          </a:effectRef>
+          <a:fontRef idx="minor">
+            <a:schemeClr val="lt1"/>
+          </a:fontRef>
+        </p:style>
+        <p:txBody>
+          <a:bodyPr rtlCol="0" anchor="ctr"/>
+          <a:lstStyle/>
+          <a:p>
+            <a:pPr algn="ctr"/>
+            <a:r>
+              <a:rPr lang="en-US" dirty="0" smtClean="0"/>
+              <a:t>.NET</a:t>
+            </a:r>
+          </a:p>
+          <a:p>
+            <a:pPr algn="ctr"/>
+            <a:r>
+              <a:rPr lang="en-US" dirty="0" smtClean="0"/>
+              <a:t>Microservice</a:t>
+            </a:r>
+            <a:endParaRPr lang="en-US" b="1" dirty="0"/>
+          </a:p>
+        </p:txBody>
+      </p:sp>
+      <p:sp>
+        <p:nvSpPr>
+          <p:cNvPr id="15" name="Rectangle 14"/>
+          <p:cNvSpPr/>
+          <p:nvPr/>
+        </p:nvSpPr>
+        <p:spPr>
+          <a:xfrm>
+            <a:off x="7874595" y="3755695"/>
+            <a:ext cx="1752600" cy="789563"/>
+          </a:xfrm>
+          <a:prstGeom prst="rect">
+            <a:avLst/>
+          </a:prstGeom>
+          <a:solidFill>
+            <a:srgbClr val="0070C0"/>
+          </a:solidFill>
+          <a:ln>
+            <a:solidFill>
+              <a:schemeClr val="accent1">
+                <a:lumMod val="60000"/>
+                <a:lumOff val="40000"/>
               </a:schemeClr>
-            </a:lnRef>
-            <a:fillRef idx="1">
-              <a:schemeClr val="accent2"/>
-            </a:fillRef>
-            <a:effectRef idx="0">
-              <a:schemeClr val="accent2"/>
-            </a:effectRef>
-            <a:fontRef idx="minor">
-              <a:schemeClr val="lt1"/>
-            </a:fontRef>
-          </p:style>
-          <p:txBody>
-            <a:bodyPr rtlCol="0" anchor="ctr"/>
-            <a:lstStyle/>
-            <a:p>
-              <a:pPr algn="ctr"/>
-              <a:r>
-                <a:rPr lang="en-US" dirty="0" smtClean="0"/>
-                <a:t>.NET</a:t>
-              </a:r>
-            </a:p>
-            <a:p>
-              <a:pPr algn="ctr"/>
-              <a:r>
-                <a:rPr lang="en-US" dirty="0" smtClean="0"/>
-                <a:t>Microservice</a:t>
-              </a:r>
-              <a:endParaRPr lang="en-US" b="1" dirty="0"/>
-            </a:p>
-          </p:txBody>
-        </p:sp>
-        <p:sp>
-          <p:nvSpPr>
-            <p:cNvPr id="15" name="Rectangle 14"/>
-            <p:cNvSpPr/>
-            <p:nvPr/>
-          </p:nvSpPr>
-          <p:spPr>
-            <a:xfrm>
-              <a:off x="7739411" y="3644926"/>
-              <a:ext cx="1752600" cy="789563"/>
-            </a:xfrm>
-            <a:prstGeom prst="rect">
-              <a:avLst/>
-            </a:prstGeom>
+            </a:solidFill>
+          </a:ln>
+        </p:spPr>
+        <p:style>
+          <a:lnRef idx="2">
+            <a:schemeClr val="accent2">
+              <a:shade val="50000"/>
+            </a:schemeClr>
+          </a:lnRef>
+          <a:fillRef idx="1">
+            <a:schemeClr val="accent2"/>
+          </a:fillRef>
+          <a:effectRef idx="0">
+            <a:schemeClr val="accent2"/>
+          </a:effectRef>
+          <a:fontRef idx="minor">
+            <a:schemeClr val="lt1"/>
+          </a:fontRef>
+        </p:style>
+        <p:txBody>
+          <a:bodyPr rtlCol="0" anchor="ctr"/>
+          <a:lstStyle/>
+          <a:p>
+            <a:pPr algn="ctr"/>
+            <a:r>
+              <a:rPr lang="en-US" dirty="0" smtClean="0"/>
+              <a:t>NodeJs</a:t>
+            </a:r>
+          </a:p>
+          <a:p>
+            <a:pPr algn="ctr"/>
+            <a:r>
+              <a:rPr lang="en-US" dirty="0" smtClean="0"/>
+              <a:t>Microservice</a:t>
+            </a:r>
+            <a:endParaRPr lang="en-US" b="1" dirty="0"/>
+          </a:p>
+        </p:txBody>
+      </p:sp>
+      <p:sp>
+        <p:nvSpPr>
+          <p:cNvPr id="16" name="Rectangle 15"/>
+          <p:cNvSpPr/>
+          <p:nvPr/>
+        </p:nvSpPr>
+        <p:spPr>
+          <a:xfrm>
+            <a:off x="10006097" y="3748831"/>
+            <a:ext cx="1752600" cy="789563"/>
+          </a:xfrm>
+          <a:prstGeom prst="rect">
+            <a:avLst/>
+          </a:prstGeom>
+          <a:solidFill>
+            <a:srgbClr val="00B0F0"/>
+          </a:solidFill>
+          <a:ln>
             <a:solidFill>
               <a:srgbClr val="0070C0"/>
             </a:solidFill>
-            <a:ln>
-              <a:noFill/>
-            </a:ln>
-          </p:spPr>
-          <p:style>
-            <a:lnRef idx="2">
-              <a:schemeClr val="accent2">
-                <a:shade val="50000"/>
+          </a:ln>
+        </p:spPr>
+        <p:style>
+          <a:lnRef idx="2">
+            <a:schemeClr val="accent2">
+              <a:shade val="50000"/>
+            </a:schemeClr>
+          </a:lnRef>
+          <a:fillRef idx="1">
+            <a:schemeClr val="accent2"/>
+          </a:fillRef>
+          <a:effectRef idx="0">
+            <a:schemeClr val="accent2"/>
+          </a:effectRef>
+          <a:fontRef idx="minor">
+            <a:schemeClr val="lt1"/>
+          </a:fontRef>
+        </p:style>
+        <p:txBody>
+          <a:bodyPr rtlCol="0" anchor="ctr"/>
+          <a:lstStyle/>
+          <a:p>
+            <a:pPr algn="ctr"/>
+            <a:r>
+              <a:rPr lang="en-US" dirty="0" smtClean="0"/>
+              <a:t>Java</a:t>
+            </a:r>
+          </a:p>
+          <a:p>
+            <a:pPr algn="ctr"/>
+            <a:r>
+              <a:rPr lang="en-US" dirty="0" smtClean="0"/>
+              <a:t>Microservice</a:t>
+            </a:r>
+            <a:endParaRPr lang="en-US" b="1" dirty="0"/>
+          </a:p>
+        </p:txBody>
+      </p:sp>
+      <p:sp>
+        <p:nvSpPr>
+          <p:cNvPr id="17" name="Rectangle 16"/>
+          <p:cNvSpPr/>
+          <p:nvPr/>
+        </p:nvSpPr>
+        <p:spPr>
+          <a:xfrm>
+            <a:off x="5600700" y="2223937"/>
+            <a:ext cx="6011088" cy="623744"/>
+          </a:xfrm>
+          <a:prstGeom prst="rect">
+            <a:avLst/>
+          </a:prstGeom>
+          <a:solidFill>
+            <a:srgbClr val="FF9B45"/>
+          </a:solidFill>
+          <a:ln>
+            <a:noFill/>
+          </a:ln>
+        </p:spPr>
+        <p:style>
+          <a:lnRef idx="2">
+            <a:schemeClr val="accent2">
+              <a:shade val="50000"/>
+            </a:schemeClr>
+          </a:lnRef>
+          <a:fillRef idx="1">
+            <a:schemeClr val="accent2"/>
+          </a:fillRef>
+          <a:effectRef idx="0">
+            <a:schemeClr val="accent2"/>
+          </a:effectRef>
+          <a:fontRef idx="minor">
+            <a:schemeClr val="lt1"/>
+          </a:fontRef>
+        </p:style>
+        <p:txBody>
+          <a:bodyPr rtlCol="0" anchor="ctr"/>
+          <a:lstStyle/>
+          <a:p>
+            <a:pPr algn="ctr"/>
+            <a:r>
+              <a:rPr lang="en-US" dirty="0" smtClean="0"/>
+              <a:t>User Interface</a:t>
+            </a:r>
+            <a:endParaRPr lang="en-US" b="1" dirty="0"/>
+          </a:p>
+        </p:txBody>
+      </p:sp>
+      <p:sp>
+        <p:nvSpPr>
+          <p:cNvPr id="18" name="Flowchart: Magnetic Disk 17"/>
+          <p:cNvSpPr/>
+          <p:nvPr/>
+        </p:nvSpPr>
+        <p:spPr>
+          <a:xfrm>
+            <a:off x="5973207" y="5270501"/>
+            <a:ext cx="1007586" cy="816751"/>
+          </a:xfrm>
+          <a:prstGeom prst="flowChartMagneticDisk">
+            <a:avLst/>
+          </a:prstGeom>
+          <a:solidFill>
+            <a:srgbClr val="DD462F"/>
+          </a:solidFill>
+          <a:ln w="19050">
+            <a:solidFill>
+              <a:schemeClr val="bg1"/>
+            </a:solidFill>
+          </a:ln>
+        </p:spPr>
+        <p:style>
+          <a:lnRef idx="2">
+            <a:schemeClr val="accent1">
+              <a:shade val="50000"/>
+            </a:schemeClr>
+          </a:lnRef>
+          <a:fillRef idx="1">
+            <a:schemeClr val="accent1"/>
+          </a:fillRef>
+          <a:effectRef idx="0">
+            <a:schemeClr val="accent1"/>
+          </a:effectRef>
+          <a:fontRef idx="minor">
+            <a:schemeClr val="lt1"/>
+          </a:fontRef>
+        </p:style>
+        <p:txBody>
+          <a:bodyPr rtlCol="0" anchor="ctr"/>
+          <a:lstStyle/>
+          <a:p>
+            <a:pPr algn="ctr"/>
+            <a:r>
+              <a:rPr lang="en-US" sz="1200" dirty="0"/>
+              <a:t>SQL Server</a:t>
+            </a:r>
+          </a:p>
+        </p:txBody>
+      </p:sp>
+      <p:sp>
+        <p:nvSpPr>
+          <p:cNvPr id="19" name="Flowchart: Magnetic Disk 18"/>
+          <p:cNvSpPr/>
+          <p:nvPr/>
+        </p:nvSpPr>
+        <p:spPr>
+          <a:xfrm>
+            <a:off x="8111918" y="5270501"/>
+            <a:ext cx="1007586" cy="816751"/>
+          </a:xfrm>
+          <a:prstGeom prst="flowChartMagneticDisk">
+            <a:avLst/>
+          </a:prstGeom>
+          <a:solidFill>
+            <a:srgbClr val="DD462F"/>
+          </a:solidFill>
+          <a:ln w="19050">
+            <a:solidFill>
+              <a:schemeClr val="bg1"/>
+            </a:solidFill>
+          </a:ln>
+        </p:spPr>
+        <p:style>
+          <a:lnRef idx="2">
+            <a:schemeClr val="accent1">
+              <a:shade val="50000"/>
+            </a:schemeClr>
+          </a:lnRef>
+          <a:fillRef idx="1">
+            <a:schemeClr val="accent1"/>
+          </a:fillRef>
+          <a:effectRef idx="0">
+            <a:schemeClr val="accent1"/>
+          </a:effectRef>
+          <a:fontRef idx="minor">
+            <a:schemeClr val="lt1"/>
+          </a:fontRef>
+        </p:style>
+        <p:txBody>
+          <a:bodyPr rtlCol="0" anchor="ctr"/>
+          <a:lstStyle/>
+          <a:p>
+            <a:pPr algn="ctr"/>
+            <a:r>
+              <a:rPr lang="en-US" sz="1200" dirty="0" smtClean="0"/>
+              <a:t>MongoDB</a:t>
+            </a:r>
+            <a:endParaRPr lang="en-US" sz="1200" dirty="0"/>
+          </a:p>
+        </p:txBody>
+      </p:sp>
+      <p:sp>
+        <p:nvSpPr>
+          <p:cNvPr id="20" name="Flowchart: Magnetic Disk 19"/>
+          <p:cNvSpPr/>
+          <p:nvPr/>
+        </p:nvSpPr>
+        <p:spPr>
+          <a:xfrm>
+            <a:off x="10231695" y="5270500"/>
+            <a:ext cx="1007586" cy="816751"/>
+          </a:xfrm>
+          <a:prstGeom prst="flowChartMagneticDisk">
+            <a:avLst/>
+          </a:prstGeom>
+          <a:solidFill>
+            <a:srgbClr val="DD462F"/>
+          </a:solidFill>
+          <a:ln w="19050">
+            <a:solidFill>
+              <a:schemeClr val="bg1"/>
+            </a:solidFill>
+          </a:ln>
+        </p:spPr>
+        <p:style>
+          <a:lnRef idx="2">
+            <a:schemeClr val="accent1">
+              <a:shade val="50000"/>
+            </a:schemeClr>
+          </a:lnRef>
+          <a:fillRef idx="1">
+            <a:schemeClr val="accent1"/>
+          </a:fillRef>
+          <a:effectRef idx="0">
+            <a:schemeClr val="accent1"/>
+          </a:effectRef>
+          <a:fontRef idx="minor">
+            <a:schemeClr val="lt1"/>
+          </a:fontRef>
+        </p:style>
+        <p:txBody>
+          <a:bodyPr rtlCol="0" anchor="ctr"/>
+          <a:lstStyle/>
+          <a:p>
+            <a:pPr algn="ctr"/>
+            <a:r>
+              <a:rPr lang="en-US" sz="1200" dirty="0" smtClean="0"/>
+              <a:t>Oracle</a:t>
+            </a:r>
+            <a:endParaRPr lang="en-US" sz="1200" dirty="0"/>
+          </a:p>
+        </p:txBody>
+      </p:sp>
+      <p:sp>
+        <p:nvSpPr>
+          <p:cNvPr id="45" name="Down Arrow 44"/>
+          <p:cNvSpPr/>
+          <p:nvPr/>
+        </p:nvSpPr>
+        <p:spPr>
+          <a:xfrm>
+            <a:off x="6376988" y="4692939"/>
+            <a:ext cx="200025" cy="403824"/>
+          </a:xfrm>
+          <a:prstGeom prst="downArrow">
+            <a:avLst/>
+          </a:prstGeom>
+          <a:solidFill>
+            <a:srgbClr val="D24726"/>
+          </a:solidFill>
+          <a:ln>
+            <a:noFill/>
+          </a:ln>
+        </p:spPr>
+        <p:style>
+          <a:lnRef idx="2">
+            <a:schemeClr val="accent1">
+              <a:shade val="50000"/>
+            </a:schemeClr>
+          </a:lnRef>
+          <a:fillRef idx="1">
+            <a:schemeClr val="accent1"/>
+          </a:fillRef>
+          <a:effectRef idx="0">
+            <a:schemeClr val="accent1"/>
+          </a:effectRef>
+          <a:fontRef idx="minor">
+            <a:schemeClr val="lt1"/>
+          </a:fontRef>
+        </p:style>
+        <p:txBody>
+          <a:bodyPr rtlCol="0" anchor="ctr"/>
+          <a:lstStyle/>
+          <a:p>
+            <a:pPr algn="ctr"/>
+            <a:endParaRPr lang="en-US"/>
+          </a:p>
+        </p:txBody>
+      </p:sp>
+      <p:sp>
+        <p:nvSpPr>
+          <p:cNvPr id="46" name="Down Arrow 45"/>
+          <p:cNvSpPr/>
+          <p:nvPr/>
+        </p:nvSpPr>
+        <p:spPr>
+          <a:xfrm>
+            <a:off x="8515699" y="4648506"/>
+            <a:ext cx="200025" cy="403824"/>
+          </a:xfrm>
+          <a:prstGeom prst="downArrow">
+            <a:avLst/>
+          </a:prstGeom>
+          <a:solidFill>
+            <a:srgbClr val="D24726"/>
+          </a:solidFill>
+          <a:ln>
+            <a:noFill/>
+          </a:ln>
+        </p:spPr>
+        <p:style>
+          <a:lnRef idx="2">
+            <a:schemeClr val="accent1">
+              <a:shade val="50000"/>
+            </a:schemeClr>
+          </a:lnRef>
+          <a:fillRef idx="1">
+            <a:schemeClr val="accent1"/>
+          </a:fillRef>
+          <a:effectRef idx="0">
+            <a:schemeClr val="accent1"/>
+          </a:effectRef>
+          <a:fontRef idx="minor">
+            <a:schemeClr val="lt1"/>
+          </a:fontRef>
+        </p:style>
+        <p:txBody>
+          <a:bodyPr rtlCol="0" anchor="ctr"/>
+          <a:lstStyle/>
+          <a:p>
+            <a:pPr algn="ctr"/>
+            <a:endParaRPr lang="en-US"/>
+          </a:p>
+        </p:txBody>
+      </p:sp>
+      <p:sp>
+        <p:nvSpPr>
+          <p:cNvPr id="47" name="Down Arrow 46"/>
+          <p:cNvSpPr/>
+          <p:nvPr/>
+        </p:nvSpPr>
+        <p:spPr>
+          <a:xfrm>
+            <a:off x="10635476" y="4648506"/>
+            <a:ext cx="200025" cy="403824"/>
+          </a:xfrm>
+          <a:prstGeom prst="downArrow">
+            <a:avLst/>
+          </a:prstGeom>
+          <a:solidFill>
+            <a:srgbClr val="D24726"/>
+          </a:solidFill>
+          <a:ln>
+            <a:noFill/>
+          </a:ln>
+        </p:spPr>
+        <p:style>
+          <a:lnRef idx="2">
+            <a:schemeClr val="accent1">
+              <a:shade val="50000"/>
+            </a:schemeClr>
+          </a:lnRef>
+          <a:fillRef idx="1">
+            <a:schemeClr val="accent1"/>
+          </a:fillRef>
+          <a:effectRef idx="0">
+            <a:schemeClr val="accent1"/>
+          </a:effectRef>
+          <a:fontRef idx="minor">
+            <a:schemeClr val="lt1"/>
+          </a:fontRef>
+        </p:style>
+        <p:txBody>
+          <a:bodyPr rtlCol="0" anchor="ctr"/>
+          <a:lstStyle/>
+          <a:p>
+            <a:pPr algn="ctr"/>
+            <a:endParaRPr lang="en-US"/>
+          </a:p>
+        </p:txBody>
+      </p:sp>
+      <p:sp>
+        <p:nvSpPr>
+          <p:cNvPr id="66" name="Down Arrow 65"/>
+          <p:cNvSpPr/>
+          <p:nvPr/>
+        </p:nvSpPr>
+        <p:spPr>
+          <a:xfrm>
+            <a:off x="6376988" y="3057214"/>
+            <a:ext cx="200025" cy="403824"/>
+          </a:xfrm>
+          <a:prstGeom prst="downArrow">
+            <a:avLst/>
+          </a:prstGeom>
+          <a:solidFill>
+            <a:srgbClr val="D24726"/>
+          </a:solidFill>
+          <a:ln>
+            <a:noFill/>
+          </a:ln>
+        </p:spPr>
+        <p:style>
+          <a:lnRef idx="2">
+            <a:schemeClr val="accent1">
+              <a:shade val="50000"/>
+            </a:schemeClr>
+          </a:lnRef>
+          <a:fillRef idx="1">
+            <a:schemeClr val="accent1"/>
+          </a:fillRef>
+          <a:effectRef idx="0">
+            <a:schemeClr val="accent1"/>
+          </a:effectRef>
+          <a:fontRef idx="minor">
+            <a:schemeClr val="lt1"/>
+          </a:fontRef>
+        </p:style>
+        <p:txBody>
+          <a:bodyPr rtlCol="0" anchor="ctr"/>
+          <a:lstStyle/>
+          <a:p>
+            <a:pPr algn="ctr"/>
+            <a:endParaRPr lang="en-US"/>
+          </a:p>
+        </p:txBody>
+      </p:sp>
+      <p:sp>
+        <p:nvSpPr>
+          <p:cNvPr id="67" name="Down Arrow 66"/>
+          <p:cNvSpPr/>
+          <p:nvPr/>
+        </p:nvSpPr>
+        <p:spPr>
+          <a:xfrm>
+            <a:off x="8515699" y="3012781"/>
+            <a:ext cx="200025" cy="403824"/>
+          </a:xfrm>
+          <a:prstGeom prst="downArrow">
+            <a:avLst/>
+          </a:prstGeom>
+          <a:solidFill>
+            <a:srgbClr val="D24726"/>
+          </a:solidFill>
+          <a:ln>
+            <a:noFill/>
+          </a:ln>
+        </p:spPr>
+        <p:style>
+          <a:lnRef idx="2">
+            <a:schemeClr val="accent1">
+              <a:shade val="50000"/>
+            </a:schemeClr>
+          </a:lnRef>
+          <a:fillRef idx="1">
+            <a:schemeClr val="accent1"/>
+          </a:fillRef>
+          <a:effectRef idx="0">
+            <a:schemeClr val="accent1"/>
+          </a:effectRef>
+          <a:fontRef idx="minor">
+            <a:schemeClr val="lt1"/>
+          </a:fontRef>
+        </p:style>
+        <p:txBody>
+          <a:bodyPr rtlCol="0" anchor="ctr"/>
+          <a:lstStyle/>
+          <a:p>
+            <a:pPr algn="ctr"/>
+            <a:endParaRPr lang="en-US"/>
+          </a:p>
+        </p:txBody>
+      </p:sp>
+      <p:sp>
+        <p:nvSpPr>
+          <p:cNvPr id="68" name="Down Arrow 67"/>
+          <p:cNvSpPr/>
+          <p:nvPr/>
+        </p:nvSpPr>
+        <p:spPr>
+          <a:xfrm>
+            <a:off x="10635476" y="3012781"/>
+            <a:ext cx="200025" cy="403824"/>
+          </a:xfrm>
+          <a:prstGeom prst="downArrow">
+            <a:avLst/>
+          </a:prstGeom>
+          <a:solidFill>
+            <a:srgbClr val="D24726"/>
+          </a:solidFill>
+          <a:ln>
+            <a:noFill/>
+          </a:ln>
+        </p:spPr>
+        <p:style>
+          <a:lnRef idx="2">
+            <a:schemeClr val="accent1">
+              <a:shade val="50000"/>
+            </a:schemeClr>
+          </a:lnRef>
+          <a:fillRef idx="1">
+            <a:schemeClr val="accent1"/>
+          </a:fillRef>
+          <a:effectRef idx="0">
+            <a:schemeClr val="accent1"/>
+          </a:effectRef>
+          <a:fontRef idx="minor">
+            <a:schemeClr val="lt1"/>
+          </a:fontRef>
+        </p:style>
+        <p:txBody>
+          <a:bodyPr rtlCol="0" anchor="ctr"/>
+          <a:lstStyle/>
+          <a:p>
+            <a:pPr algn="ctr"/>
+            <a:endParaRPr lang="en-US"/>
+          </a:p>
+        </p:txBody>
+      </p:sp>
+      <p:sp>
+        <p:nvSpPr>
+          <p:cNvPr id="24" name="Rectangle 23"/>
+          <p:cNvSpPr/>
+          <p:nvPr/>
+        </p:nvSpPr>
+        <p:spPr>
+          <a:xfrm>
+            <a:off x="5511078" y="3656816"/>
+            <a:ext cx="1752600" cy="789563"/>
+          </a:xfrm>
+          <a:prstGeom prst="rect">
+            <a:avLst/>
+          </a:prstGeom>
+          <a:solidFill>
+            <a:srgbClr val="92D050"/>
+          </a:solidFill>
+          <a:ln w="12700">
+            <a:solidFill>
+              <a:srgbClr val="00B050"/>
+            </a:solidFill>
+          </a:ln>
+        </p:spPr>
+        <p:style>
+          <a:lnRef idx="2">
+            <a:schemeClr val="accent2">
+              <a:shade val="50000"/>
+            </a:schemeClr>
+          </a:lnRef>
+          <a:fillRef idx="1">
+            <a:schemeClr val="accent2"/>
+          </a:fillRef>
+          <a:effectRef idx="0">
+            <a:schemeClr val="accent2"/>
+          </a:effectRef>
+          <a:fontRef idx="minor">
+            <a:schemeClr val="lt1"/>
+          </a:fontRef>
+        </p:style>
+        <p:txBody>
+          <a:bodyPr rtlCol="0" anchor="ctr"/>
+          <a:lstStyle/>
+          <a:p>
+            <a:pPr algn="ctr"/>
+            <a:r>
+              <a:rPr lang="en-US" dirty="0" smtClean="0"/>
+              <a:t>.NET</a:t>
+            </a:r>
+          </a:p>
+          <a:p>
+            <a:pPr algn="ctr"/>
+            <a:r>
+              <a:rPr lang="en-US" dirty="0" smtClean="0"/>
+              <a:t>Microservice</a:t>
+            </a:r>
+            <a:endParaRPr lang="en-US" b="1" dirty="0"/>
+          </a:p>
+        </p:txBody>
+      </p:sp>
+      <p:sp>
+        <p:nvSpPr>
+          <p:cNvPr id="25" name="Rectangle 24"/>
+          <p:cNvSpPr/>
+          <p:nvPr/>
+        </p:nvSpPr>
+        <p:spPr>
+          <a:xfrm>
+            <a:off x="5411066" y="3555639"/>
+            <a:ext cx="1752600" cy="789563"/>
+          </a:xfrm>
+          <a:prstGeom prst="rect">
+            <a:avLst/>
+          </a:prstGeom>
+          <a:solidFill>
+            <a:srgbClr val="92D050"/>
+          </a:solidFill>
+          <a:ln w="12700">
+            <a:solidFill>
+              <a:srgbClr val="00B050"/>
+            </a:solidFill>
+          </a:ln>
+        </p:spPr>
+        <p:style>
+          <a:lnRef idx="2">
+            <a:schemeClr val="accent2">
+              <a:shade val="50000"/>
+            </a:schemeClr>
+          </a:lnRef>
+          <a:fillRef idx="1">
+            <a:schemeClr val="accent2"/>
+          </a:fillRef>
+          <a:effectRef idx="0">
+            <a:schemeClr val="accent2"/>
+          </a:effectRef>
+          <a:fontRef idx="minor">
+            <a:schemeClr val="lt1"/>
+          </a:fontRef>
+        </p:style>
+        <p:txBody>
+          <a:bodyPr rtlCol="0" anchor="ctr"/>
+          <a:lstStyle/>
+          <a:p>
+            <a:pPr algn="ctr"/>
+            <a:r>
+              <a:rPr lang="en-US" dirty="0" smtClean="0"/>
+              <a:t>.NET</a:t>
+            </a:r>
+          </a:p>
+          <a:p>
+            <a:pPr algn="ctr"/>
+            <a:r>
+              <a:rPr lang="en-US" dirty="0" smtClean="0"/>
+              <a:t>Microservice</a:t>
+            </a:r>
+            <a:endParaRPr lang="en-US" b="1" dirty="0"/>
+          </a:p>
+        </p:txBody>
+      </p:sp>
+      <p:sp>
+        <p:nvSpPr>
+          <p:cNvPr id="26" name="Rectangle 25"/>
+          <p:cNvSpPr/>
+          <p:nvPr/>
+        </p:nvSpPr>
+        <p:spPr>
+          <a:xfrm>
+            <a:off x="7784973" y="3652447"/>
+            <a:ext cx="1752600" cy="789563"/>
+          </a:xfrm>
+          <a:prstGeom prst="rect">
+            <a:avLst/>
+          </a:prstGeom>
+          <a:solidFill>
+            <a:srgbClr val="0070C0"/>
+          </a:solidFill>
+          <a:ln>
+            <a:solidFill>
+              <a:schemeClr val="accent1">
+                <a:lumMod val="60000"/>
+                <a:lumOff val="40000"/>
               </a:schemeClr>
-            </a:lnRef>
-            <a:fillRef idx="1">
-              <a:schemeClr val="accent2"/>
-            </a:fillRef>
-            <a:effectRef idx="0">
-              <a:schemeClr val="accent2"/>
-            </a:effectRef>
-            <a:fontRef idx="minor">
-              <a:schemeClr val="lt1"/>
-            </a:fontRef>
-          </p:style>
-          <p:txBody>
-            <a:bodyPr rtlCol="0" anchor="ctr"/>
-            <a:lstStyle/>
-            <a:p>
-              <a:pPr algn="ctr"/>
-              <a:r>
-                <a:rPr lang="en-US" dirty="0" smtClean="0"/>
-                <a:t>NodeJs</a:t>
-              </a:r>
-            </a:p>
-            <a:p>
-              <a:pPr algn="ctr"/>
-              <a:r>
-                <a:rPr lang="en-US" dirty="0" smtClean="0"/>
-                <a:t>Microservice</a:t>
-              </a:r>
-              <a:endParaRPr lang="en-US" b="1" dirty="0"/>
-            </a:p>
-          </p:txBody>
-        </p:sp>
-        <p:sp>
-          <p:nvSpPr>
-            <p:cNvPr id="16" name="Rectangle 15"/>
-            <p:cNvSpPr/>
-            <p:nvPr/>
-          </p:nvSpPr>
-          <p:spPr>
-            <a:xfrm>
-              <a:off x="9859188" y="3644926"/>
-              <a:ext cx="1752600" cy="789563"/>
-            </a:xfrm>
-            <a:prstGeom prst="rect">
-              <a:avLst/>
-            </a:prstGeom>
+            </a:solidFill>
+          </a:ln>
+        </p:spPr>
+        <p:style>
+          <a:lnRef idx="2">
+            <a:schemeClr val="accent2">
+              <a:shade val="50000"/>
+            </a:schemeClr>
+          </a:lnRef>
+          <a:fillRef idx="1">
+            <a:schemeClr val="accent2"/>
+          </a:fillRef>
+          <a:effectRef idx="0">
+            <a:schemeClr val="accent2"/>
+          </a:effectRef>
+          <a:fontRef idx="minor">
+            <a:schemeClr val="lt1"/>
+          </a:fontRef>
+        </p:style>
+        <p:txBody>
+          <a:bodyPr rtlCol="0" anchor="ctr"/>
+          <a:lstStyle/>
+          <a:p>
+            <a:pPr algn="ctr"/>
+            <a:r>
+              <a:rPr lang="en-US" dirty="0" smtClean="0"/>
+              <a:t>NodeJs</a:t>
+            </a:r>
+          </a:p>
+          <a:p>
+            <a:pPr algn="ctr"/>
+            <a:r>
+              <a:rPr lang="en-US" dirty="0" smtClean="0"/>
+              <a:t>Microservice</a:t>
+            </a:r>
+            <a:endParaRPr lang="en-US" b="1" dirty="0"/>
+          </a:p>
+        </p:txBody>
+      </p:sp>
+      <p:sp>
+        <p:nvSpPr>
+          <p:cNvPr id="27" name="Rectangle 26"/>
+          <p:cNvSpPr/>
+          <p:nvPr/>
+        </p:nvSpPr>
+        <p:spPr>
+          <a:xfrm>
+            <a:off x="7707357" y="3560923"/>
+            <a:ext cx="1752600" cy="789563"/>
+          </a:xfrm>
+          <a:prstGeom prst="rect">
+            <a:avLst/>
+          </a:prstGeom>
+          <a:solidFill>
+            <a:srgbClr val="0070C0"/>
+          </a:solidFill>
+          <a:ln>
             <a:solidFill>
-              <a:srgbClr val="00B0F0"/>
+              <a:schemeClr val="accent1">
+                <a:lumMod val="60000"/>
+                <a:lumOff val="40000"/>
+              </a:schemeClr>
             </a:solidFill>
-            <a:ln>
-              <a:noFill/>
-            </a:ln>
-          </p:spPr>
-          <p:style>
-            <a:lnRef idx="2">
-              <a:schemeClr val="accent2">
-                <a:shade val="50000"/>
-              </a:schemeClr>
-            </a:lnRef>
-            <a:fillRef idx="1">
-              <a:schemeClr val="accent2"/>
-            </a:fillRef>
-            <a:effectRef idx="0">
-              <a:schemeClr val="accent2"/>
-            </a:effectRef>
-            <a:fontRef idx="minor">
-              <a:schemeClr val="lt1"/>
-            </a:fontRef>
-          </p:style>
-          <p:txBody>
-            <a:bodyPr rtlCol="0" anchor="ctr"/>
-            <a:lstStyle/>
-            <a:p>
-              <a:pPr algn="ctr"/>
-              <a:r>
-                <a:rPr lang="en-US" dirty="0" smtClean="0"/>
-                <a:t>Java</a:t>
-              </a:r>
-            </a:p>
-            <a:p>
-              <a:pPr algn="ctr"/>
-              <a:r>
-                <a:rPr lang="en-US" dirty="0" smtClean="0"/>
-                <a:t>Microservice</a:t>
-              </a:r>
-              <a:endParaRPr lang="en-US" b="1" dirty="0"/>
-            </a:p>
-          </p:txBody>
-        </p:sp>
-        <p:sp>
-          <p:nvSpPr>
-            <p:cNvPr id="17" name="Rectangle 16"/>
-            <p:cNvSpPr/>
-            <p:nvPr/>
-          </p:nvSpPr>
-          <p:spPr>
-            <a:xfrm>
-              <a:off x="5600700" y="2223937"/>
-              <a:ext cx="6011088" cy="623744"/>
-            </a:xfrm>
-            <a:prstGeom prst="rect">
-              <a:avLst/>
-            </a:prstGeom>
+          </a:ln>
+        </p:spPr>
+        <p:style>
+          <a:lnRef idx="2">
+            <a:schemeClr val="accent2">
+              <a:shade val="50000"/>
+            </a:schemeClr>
+          </a:lnRef>
+          <a:fillRef idx="1">
+            <a:schemeClr val="accent2"/>
+          </a:fillRef>
+          <a:effectRef idx="0">
+            <a:schemeClr val="accent2"/>
+          </a:effectRef>
+          <a:fontRef idx="minor">
+            <a:schemeClr val="lt1"/>
+          </a:fontRef>
+        </p:style>
+        <p:txBody>
+          <a:bodyPr rtlCol="0" anchor="ctr"/>
+          <a:lstStyle/>
+          <a:p>
+            <a:pPr algn="ctr"/>
+            <a:r>
+              <a:rPr lang="en-US" dirty="0" smtClean="0"/>
+              <a:t>NodeJs</a:t>
+            </a:r>
+          </a:p>
+          <a:p>
+            <a:pPr algn="ctr"/>
+            <a:r>
+              <a:rPr lang="en-US" dirty="0" smtClean="0"/>
+              <a:t>Microservice</a:t>
+            </a:r>
+            <a:endParaRPr lang="en-US" b="1" dirty="0"/>
+          </a:p>
+        </p:txBody>
+      </p:sp>
+      <p:sp>
+        <p:nvSpPr>
+          <p:cNvPr id="28" name="Rectangle 27"/>
+          <p:cNvSpPr/>
+          <p:nvPr/>
+        </p:nvSpPr>
+        <p:spPr>
+          <a:xfrm>
+            <a:off x="9930992" y="3658103"/>
+            <a:ext cx="1752600" cy="789563"/>
+          </a:xfrm>
+          <a:prstGeom prst="rect">
+            <a:avLst/>
+          </a:prstGeom>
+          <a:solidFill>
+            <a:srgbClr val="00B0F0"/>
+          </a:solidFill>
+          <a:ln>
             <a:solidFill>
-              <a:srgbClr val="FF9B45"/>
+              <a:srgbClr val="0070C0"/>
             </a:solidFill>
-            <a:ln>
-              <a:noFill/>
-            </a:ln>
-          </p:spPr>
-          <p:style>
-            <a:lnRef idx="2">
-              <a:schemeClr val="accent2">
-                <a:shade val="50000"/>
-              </a:schemeClr>
-            </a:lnRef>
-            <a:fillRef idx="1">
-              <a:schemeClr val="accent2"/>
-            </a:fillRef>
-            <a:effectRef idx="0">
-              <a:schemeClr val="accent2"/>
-            </a:effectRef>
-            <a:fontRef idx="minor">
-              <a:schemeClr val="lt1"/>
-            </a:fontRef>
-          </p:style>
-          <p:txBody>
-            <a:bodyPr rtlCol="0" anchor="ctr"/>
-            <a:lstStyle/>
-            <a:p>
-              <a:pPr algn="ctr"/>
-              <a:r>
-                <a:rPr lang="en-US" dirty="0" smtClean="0"/>
-                <a:t>User Interface</a:t>
-              </a:r>
-              <a:endParaRPr lang="en-US" b="1" dirty="0"/>
-            </a:p>
-          </p:txBody>
-        </p:sp>
-        <p:sp>
-          <p:nvSpPr>
-            <p:cNvPr id="18" name="Flowchart: Magnetic Disk 17"/>
-            <p:cNvSpPr/>
-            <p:nvPr/>
-          </p:nvSpPr>
-          <p:spPr>
-            <a:xfrm>
-              <a:off x="5973207" y="5270501"/>
-              <a:ext cx="1007586" cy="816751"/>
-            </a:xfrm>
-            <a:prstGeom prst="flowChartMagneticDisk">
-              <a:avLst/>
-            </a:prstGeom>
+          </a:ln>
+        </p:spPr>
+        <p:style>
+          <a:lnRef idx="2">
+            <a:schemeClr val="accent2">
+              <a:shade val="50000"/>
+            </a:schemeClr>
+          </a:lnRef>
+          <a:fillRef idx="1">
+            <a:schemeClr val="accent2"/>
+          </a:fillRef>
+          <a:effectRef idx="0">
+            <a:schemeClr val="accent2"/>
+          </a:effectRef>
+          <a:fontRef idx="minor">
+            <a:schemeClr val="lt1"/>
+          </a:fontRef>
+        </p:style>
+        <p:txBody>
+          <a:bodyPr rtlCol="0" anchor="ctr"/>
+          <a:lstStyle/>
+          <a:p>
+            <a:pPr algn="ctr"/>
+            <a:r>
+              <a:rPr lang="en-US" dirty="0" smtClean="0"/>
+              <a:t>Java</a:t>
+            </a:r>
+          </a:p>
+          <a:p>
+            <a:pPr algn="ctr"/>
+            <a:r>
+              <a:rPr lang="en-US" dirty="0" smtClean="0"/>
+              <a:t>Microservice</a:t>
+            </a:r>
+            <a:endParaRPr lang="en-US" b="1" dirty="0"/>
+          </a:p>
+        </p:txBody>
+      </p:sp>
+      <p:sp>
+        <p:nvSpPr>
+          <p:cNvPr id="29" name="Rectangle 28"/>
+          <p:cNvSpPr/>
+          <p:nvPr/>
+        </p:nvSpPr>
+        <p:spPr>
+          <a:xfrm>
+            <a:off x="9853376" y="3567375"/>
+            <a:ext cx="1752600" cy="789563"/>
+          </a:xfrm>
+          <a:prstGeom prst="rect">
+            <a:avLst/>
+          </a:prstGeom>
+          <a:solidFill>
+            <a:srgbClr val="00B0F0"/>
+          </a:solidFill>
+          <a:ln>
             <a:solidFill>
-              <a:srgbClr val="DD462F"/>
+              <a:srgbClr val="0070C0"/>
             </a:solidFill>
-            <a:ln w="19050">
-              <a:solidFill>
-                <a:schemeClr val="bg1"/>
-              </a:solidFill>
-            </a:ln>
-          </p:spPr>
-          <p:style>
-            <a:lnRef idx="2">
-              <a:schemeClr val="accent1">
-                <a:shade val="50000"/>
-              </a:schemeClr>
-            </a:lnRef>
-            <a:fillRef idx="1">
-              <a:schemeClr val="accent1"/>
-            </a:fillRef>
-            <a:effectRef idx="0">
-              <a:schemeClr val="accent1"/>
-            </a:effectRef>
-            <a:fontRef idx="minor">
-              <a:schemeClr val="lt1"/>
-            </a:fontRef>
-          </p:style>
-          <p:txBody>
-            <a:bodyPr rtlCol="0" anchor="ctr"/>
-            <a:lstStyle/>
-            <a:p>
-              <a:pPr algn="ctr"/>
-              <a:r>
-                <a:rPr lang="en-US" sz="1200" dirty="0"/>
-                <a:t>SQL Server</a:t>
-              </a:r>
-            </a:p>
-          </p:txBody>
-        </p:sp>
-        <p:sp>
-          <p:nvSpPr>
-            <p:cNvPr id="19" name="Flowchart: Magnetic Disk 18"/>
-            <p:cNvSpPr/>
-            <p:nvPr/>
-          </p:nvSpPr>
-          <p:spPr>
-            <a:xfrm>
-              <a:off x="8111918" y="5270501"/>
-              <a:ext cx="1007586" cy="816751"/>
-            </a:xfrm>
-            <a:prstGeom prst="flowChartMagneticDisk">
-              <a:avLst/>
-            </a:prstGeom>
-            <a:solidFill>
-              <a:srgbClr val="DD462F"/>
-            </a:solidFill>
-            <a:ln w="19050">
-              <a:solidFill>
-                <a:schemeClr val="bg1"/>
-              </a:solidFill>
-            </a:ln>
-          </p:spPr>
-          <p:style>
-            <a:lnRef idx="2">
-              <a:schemeClr val="accent1">
-                <a:shade val="50000"/>
-              </a:schemeClr>
-            </a:lnRef>
-            <a:fillRef idx="1">
-              <a:schemeClr val="accent1"/>
-            </a:fillRef>
-            <a:effectRef idx="0">
-              <a:schemeClr val="accent1"/>
-            </a:effectRef>
-            <a:fontRef idx="minor">
-              <a:schemeClr val="lt1"/>
-            </a:fontRef>
-          </p:style>
-          <p:txBody>
-            <a:bodyPr rtlCol="0" anchor="ctr"/>
-            <a:lstStyle/>
-            <a:p>
-              <a:pPr algn="ctr"/>
-              <a:r>
-                <a:rPr lang="en-US" sz="1200" dirty="0" smtClean="0"/>
-                <a:t>MongoDB</a:t>
-              </a:r>
-              <a:endParaRPr lang="en-US" sz="1200" dirty="0"/>
-            </a:p>
-          </p:txBody>
-        </p:sp>
-        <p:sp>
-          <p:nvSpPr>
-            <p:cNvPr id="20" name="Flowchart: Magnetic Disk 19"/>
-            <p:cNvSpPr/>
-            <p:nvPr/>
-          </p:nvSpPr>
-          <p:spPr>
-            <a:xfrm>
-              <a:off x="10231695" y="5270500"/>
-              <a:ext cx="1007586" cy="816751"/>
-            </a:xfrm>
-            <a:prstGeom prst="flowChartMagneticDisk">
-              <a:avLst/>
-            </a:prstGeom>
-            <a:solidFill>
-              <a:srgbClr val="DD462F"/>
-            </a:solidFill>
-            <a:ln w="19050">
-              <a:solidFill>
-                <a:schemeClr val="bg1"/>
-              </a:solidFill>
-            </a:ln>
-          </p:spPr>
-          <p:style>
-            <a:lnRef idx="2">
-              <a:schemeClr val="accent1">
-                <a:shade val="50000"/>
-              </a:schemeClr>
-            </a:lnRef>
-            <a:fillRef idx="1">
-              <a:schemeClr val="accent1"/>
-            </a:fillRef>
-            <a:effectRef idx="0">
-              <a:schemeClr val="accent1"/>
-            </a:effectRef>
-            <a:fontRef idx="minor">
-              <a:schemeClr val="lt1"/>
-            </a:fontRef>
-          </p:style>
-          <p:txBody>
-            <a:bodyPr rtlCol="0" anchor="ctr"/>
-            <a:lstStyle/>
-            <a:p>
-              <a:pPr algn="ctr"/>
-              <a:r>
-                <a:rPr lang="en-US" sz="1200" dirty="0" smtClean="0"/>
-                <a:t>Oracle</a:t>
-              </a:r>
-              <a:endParaRPr lang="en-US" sz="1200" dirty="0"/>
-            </a:p>
-          </p:txBody>
-        </p:sp>
-        <p:sp>
-          <p:nvSpPr>
-            <p:cNvPr id="45" name="Down Arrow 44"/>
-            <p:cNvSpPr/>
-            <p:nvPr/>
-          </p:nvSpPr>
-          <p:spPr>
-            <a:xfrm>
-              <a:off x="6376988" y="4692939"/>
-              <a:ext cx="200025" cy="403824"/>
-            </a:xfrm>
-            <a:prstGeom prst="downArrow">
-              <a:avLst/>
-            </a:prstGeom>
-            <a:solidFill>
-              <a:srgbClr val="D24726"/>
-            </a:solidFill>
-            <a:ln>
-              <a:noFill/>
-            </a:ln>
-          </p:spPr>
-          <p:style>
-            <a:lnRef idx="2">
-              <a:schemeClr val="accent1">
-                <a:shade val="50000"/>
-              </a:schemeClr>
-            </a:lnRef>
-            <a:fillRef idx="1">
-              <a:schemeClr val="accent1"/>
-            </a:fillRef>
-            <a:effectRef idx="0">
-              <a:schemeClr val="accent1"/>
-            </a:effectRef>
-            <a:fontRef idx="minor">
-              <a:schemeClr val="lt1"/>
-            </a:fontRef>
-          </p:style>
-          <p:txBody>
-            <a:bodyPr rtlCol="0" anchor="ctr"/>
-            <a:lstStyle/>
-            <a:p>
-              <a:pPr algn="ctr"/>
-              <a:endParaRPr lang="en-US"/>
-            </a:p>
-          </p:txBody>
-        </p:sp>
-        <p:sp>
-          <p:nvSpPr>
-            <p:cNvPr id="46" name="Down Arrow 45"/>
-            <p:cNvSpPr/>
-            <p:nvPr/>
-          </p:nvSpPr>
-          <p:spPr>
-            <a:xfrm>
-              <a:off x="8515699" y="4648506"/>
-              <a:ext cx="200025" cy="403824"/>
-            </a:xfrm>
-            <a:prstGeom prst="downArrow">
-              <a:avLst/>
-            </a:prstGeom>
-            <a:solidFill>
-              <a:srgbClr val="D24726"/>
-            </a:solidFill>
-            <a:ln>
-              <a:noFill/>
-            </a:ln>
-          </p:spPr>
-          <p:style>
-            <a:lnRef idx="2">
-              <a:schemeClr val="accent1">
-                <a:shade val="50000"/>
-              </a:schemeClr>
-            </a:lnRef>
-            <a:fillRef idx="1">
-              <a:schemeClr val="accent1"/>
-            </a:fillRef>
-            <a:effectRef idx="0">
-              <a:schemeClr val="accent1"/>
-            </a:effectRef>
-            <a:fontRef idx="minor">
-              <a:schemeClr val="lt1"/>
-            </a:fontRef>
-          </p:style>
-          <p:txBody>
-            <a:bodyPr rtlCol="0" anchor="ctr"/>
-            <a:lstStyle/>
-            <a:p>
-              <a:pPr algn="ctr"/>
-              <a:endParaRPr lang="en-US"/>
-            </a:p>
-          </p:txBody>
-        </p:sp>
-        <p:sp>
-          <p:nvSpPr>
-            <p:cNvPr id="47" name="Down Arrow 46"/>
-            <p:cNvSpPr/>
-            <p:nvPr/>
-          </p:nvSpPr>
-          <p:spPr>
-            <a:xfrm>
-              <a:off x="10635476" y="4648506"/>
-              <a:ext cx="200025" cy="403824"/>
-            </a:xfrm>
-            <a:prstGeom prst="downArrow">
-              <a:avLst/>
-            </a:prstGeom>
-            <a:solidFill>
-              <a:srgbClr val="D24726"/>
-            </a:solidFill>
-            <a:ln>
-              <a:noFill/>
-            </a:ln>
-          </p:spPr>
-          <p:style>
-            <a:lnRef idx="2">
-              <a:schemeClr val="accent1">
-                <a:shade val="50000"/>
-              </a:schemeClr>
-            </a:lnRef>
-            <a:fillRef idx="1">
-              <a:schemeClr val="accent1"/>
-            </a:fillRef>
-            <a:effectRef idx="0">
-              <a:schemeClr val="accent1"/>
-            </a:effectRef>
-            <a:fontRef idx="minor">
-              <a:schemeClr val="lt1"/>
-            </a:fontRef>
-          </p:style>
-          <p:txBody>
-            <a:bodyPr rtlCol="0" anchor="ctr"/>
-            <a:lstStyle/>
-            <a:p>
-              <a:pPr algn="ctr"/>
-              <a:endParaRPr lang="en-US"/>
-            </a:p>
-          </p:txBody>
-        </p:sp>
-        <p:sp>
-          <p:nvSpPr>
-            <p:cNvPr id="66" name="Down Arrow 65"/>
-            <p:cNvSpPr/>
-            <p:nvPr/>
-          </p:nvSpPr>
-          <p:spPr>
-            <a:xfrm>
-              <a:off x="6376988" y="3057214"/>
-              <a:ext cx="200025" cy="403824"/>
-            </a:xfrm>
-            <a:prstGeom prst="downArrow">
-              <a:avLst/>
-            </a:prstGeom>
-            <a:solidFill>
-              <a:srgbClr val="D24726"/>
-            </a:solidFill>
-            <a:ln>
-              <a:noFill/>
-            </a:ln>
-          </p:spPr>
-          <p:style>
-            <a:lnRef idx="2">
-              <a:schemeClr val="accent1">
-                <a:shade val="50000"/>
-              </a:schemeClr>
-            </a:lnRef>
-            <a:fillRef idx="1">
-              <a:schemeClr val="accent1"/>
-            </a:fillRef>
-            <a:effectRef idx="0">
-              <a:schemeClr val="accent1"/>
-            </a:effectRef>
-            <a:fontRef idx="minor">
-              <a:schemeClr val="lt1"/>
-            </a:fontRef>
-          </p:style>
-          <p:txBody>
-            <a:bodyPr rtlCol="0" anchor="ctr"/>
-            <a:lstStyle/>
-            <a:p>
-              <a:pPr algn="ctr"/>
-              <a:endParaRPr lang="en-US"/>
-            </a:p>
-          </p:txBody>
-        </p:sp>
-        <p:sp>
-          <p:nvSpPr>
-            <p:cNvPr id="67" name="Down Arrow 66"/>
-            <p:cNvSpPr/>
-            <p:nvPr/>
-          </p:nvSpPr>
-          <p:spPr>
-            <a:xfrm>
-              <a:off x="8515699" y="3012781"/>
-              <a:ext cx="200025" cy="403824"/>
-            </a:xfrm>
-            <a:prstGeom prst="downArrow">
-              <a:avLst/>
-            </a:prstGeom>
-            <a:solidFill>
-              <a:srgbClr val="D24726"/>
-            </a:solidFill>
-            <a:ln>
-              <a:noFill/>
-            </a:ln>
-          </p:spPr>
-          <p:style>
-            <a:lnRef idx="2">
-              <a:schemeClr val="accent1">
-                <a:shade val="50000"/>
-              </a:schemeClr>
-            </a:lnRef>
-            <a:fillRef idx="1">
-              <a:schemeClr val="accent1"/>
-            </a:fillRef>
-            <a:effectRef idx="0">
-              <a:schemeClr val="accent1"/>
-            </a:effectRef>
-            <a:fontRef idx="minor">
-              <a:schemeClr val="lt1"/>
-            </a:fontRef>
-          </p:style>
-          <p:txBody>
-            <a:bodyPr rtlCol="0" anchor="ctr"/>
-            <a:lstStyle/>
-            <a:p>
-              <a:pPr algn="ctr"/>
-              <a:endParaRPr lang="en-US"/>
-            </a:p>
-          </p:txBody>
-        </p:sp>
-        <p:sp>
-          <p:nvSpPr>
-            <p:cNvPr id="68" name="Down Arrow 67"/>
-            <p:cNvSpPr/>
-            <p:nvPr/>
-          </p:nvSpPr>
-          <p:spPr>
-            <a:xfrm>
-              <a:off x="10635476" y="3012781"/>
-              <a:ext cx="200025" cy="403824"/>
-            </a:xfrm>
-            <a:prstGeom prst="downArrow">
-              <a:avLst/>
-            </a:prstGeom>
-            <a:solidFill>
-              <a:srgbClr val="D24726"/>
-            </a:solidFill>
-            <a:ln>
-              <a:noFill/>
-            </a:ln>
-          </p:spPr>
-          <p:style>
-            <a:lnRef idx="2">
-              <a:schemeClr val="accent1">
-                <a:shade val="50000"/>
-              </a:schemeClr>
-            </a:lnRef>
-            <a:fillRef idx="1">
-              <a:schemeClr val="accent1"/>
-            </a:fillRef>
-            <a:effectRef idx="0">
-              <a:schemeClr val="accent1"/>
-            </a:effectRef>
-            <a:fontRef idx="minor">
-              <a:schemeClr val="lt1"/>
-            </a:fontRef>
-          </p:style>
-          <p:txBody>
-            <a:bodyPr rtlCol="0" anchor="ctr"/>
-            <a:lstStyle/>
-            <a:p>
-              <a:pPr algn="ctr"/>
-              <a:endParaRPr lang="en-US"/>
-            </a:p>
-          </p:txBody>
-        </p:sp>
-      </p:grpSp>
+          </a:ln>
+        </p:spPr>
+        <p:style>
+          <a:lnRef idx="2">
+            <a:schemeClr val="accent2">
+              <a:shade val="50000"/>
+            </a:schemeClr>
+          </a:lnRef>
+          <a:fillRef idx="1">
+            <a:schemeClr val="accent2"/>
+          </a:fillRef>
+          <a:effectRef idx="0">
+            <a:schemeClr val="accent2"/>
+          </a:effectRef>
+          <a:fontRef idx="minor">
+            <a:schemeClr val="lt1"/>
+          </a:fontRef>
+        </p:style>
+        <p:txBody>
+          <a:bodyPr rtlCol="0" anchor="ctr"/>
+          <a:lstStyle/>
+          <a:p>
+            <a:pPr algn="ctr"/>
+            <a:r>
+              <a:rPr lang="en-US" dirty="0" smtClean="0"/>
+              <a:t>Java</a:t>
+            </a:r>
+          </a:p>
+          <a:p>
+            <a:pPr algn="ctr"/>
+            <a:r>
+              <a:rPr lang="en-US" dirty="0" smtClean="0"/>
+              <a:t>Microservice</a:t>
+            </a:r>
+            <a:endParaRPr lang="en-US" b="1" dirty="0"/>
+          </a:p>
+        </p:txBody>
+      </p:sp>
     </p:spTree>
     <p:extLst>
       <p:ext uri="{BB962C8B-B14F-4D97-AF65-F5344CB8AC3E}">
@@ -17822,10 +18721,6 @@
               </a:rPr>
               <a:t>entry point for all clients.</a:t>
             </a:r>
-            <a:endParaRPr lang="en-US" sz="1800" dirty="0">
-              <a:latin typeface="Segoe UI" panose="020B0502040204020203" pitchFamily="34" charset="0"/>
-              <a:cs typeface="Segoe UI" panose="020B0502040204020203" pitchFamily="34" charset="0"/>
-            </a:endParaRPr>
           </a:p>
         </p:txBody>
       </p:sp>
@@ -18854,485 +19749,6 @@
           </a:p>
         </p:txBody>
       </p:sp>
-      <p:grpSp>
-        <p:nvGrpSpPr>
-          <p:cNvPr id="22" name="Group 21"/>
-          <p:cNvGrpSpPr/>
-          <p:nvPr/>
-        </p:nvGrpSpPr>
-        <p:grpSpPr>
-          <a:xfrm>
-            <a:off x="3474336" y="2395754"/>
-            <a:ext cx="4454549" cy="1614691"/>
-            <a:chOff x="5600700" y="3644926"/>
-            <a:chExt cx="6011088" cy="2178909"/>
-          </a:xfrm>
-        </p:grpSpPr>
-        <p:sp>
-          <p:nvSpPr>
-            <p:cNvPr id="23" name="Rectangle 22"/>
-            <p:cNvSpPr/>
-            <p:nvPr/>
-          </p:nvSpPr>
-          <p:spPr>
-            <a:xfrm>
-              <a:off x="5600700" y="3644926"/>
-              <a:ext cx="1752600" cy="789563"/>
-            </a:xfrm>
-            <a:prstGeom prst="rect">
-              <a:avLst/>
-            </a:prstGeom>
-            <a:solidFill>
-              <a:srgbClr val="92D050"/>
-            </a:solidFill>
-            <a:ln>
-              <a:noFill/>
-            </a:ln>
-          </p:spPr>
-          <p:style>
-            <a:lnRef idx="2">
-              <a:schemeClr val="accent2">
-                <a:shade val="50000"/>
-              </a:schemeClr>
-            </a:lnRef>
-            <a:fillRef idx="1">
-              <a:schemeClr val="accent2"/>
-            </a:fillRef>
-            <a:effectRef idx="0">
-              <a:schemeClr val="accent2"/>
-            </a:effectRef>
-            <a:fontRef idx="minor">
-              <a:schemeClr val="lt1"/>
-            </a:fontRef>
-          </p:style>
-          <p:txBody>
-            <a:bodyPr rtlCol="0" anchor="ctr"/>
-            <a:lstStyle/>
-            <a:p>
-              <a:pPr algn="ctr"/>
-              <a:r>
-                <a:rPr lang="en-US" sz="1100" dirty="0" smtClean="0"/>
-                <a:t>.NET</a:t>
-              </a:r>
-            </a:p>
-            <a:p>
-              <a:pPr algn="ctr"/>
-              <a:r>
-                <a:rPr lang="en-US" sz="1100" dirty="0" smtClean="0"/>
-                <a:t>Microservice</a:t>
-              </a:r>
-              <a:endParaRPr lang="en-US" sz="1100" b="1" dirty="0"/>
-            </a:p>
-          </p:txBody>
-        </p:sp>
-        <p:sp>
-          <p:nvSpPr>
-            <p:cNvPr id="24" name="Rectangle 23"/>
-            <p:cNvSpPr/>
-            <p:nvPr/>
-          </p:nvSpPr>
-          <p:spPr>
-            <a:xfrm>
-              <a:off x="7739411" y="3644926"/>
-              <a:ext cx="1752600" cy="789563"/>
-            </a:xfrm>
-            <a:prstGeom prst="rect">
-              <a:avLst/>
-            </a:prstGeom>
-            <a:solidFill>
-              <a:srgbClr val="0070C0"/>
-            </a:solidFill>
-            <a:ln>
-              <a:noFill/>
-            </a:ln>
-          </p:spPr>
-          <p:style>
-            <a:lnRef idx="2">
-              <a:schemeClr val="accent2">
-                <a:shade val="50000"/>
-              </a:schemeClr>
-            </a:lnRef>
-            <a:fillRef idx="1">
-              <a:schemeClr val="accent2"/>
-            </a:fillRef>
-            <a:effectRef idx="0">
-              <a:schemeClr val="accent2"/>
-            </a:effectRef>
-            <a:fontRef idx="minor">
-              <a:schemeClr val="lt1"/>
-            </a:fontRef>
-          </p:style>
-          <p:txBody>
-            <a:bodyPr rtlCol="0" anchor="ctr"/>
-            <a:lstStyle/>
-            <a:p>
-              <a:pPr algn="ctr"/>
-              <a:r>
-                <a:rPr lang="en-US" sz="1100" dirty="0" smtClean="0"/>
-                <a:t>NodeJs</a:t>
-              </a:r>
-            </a:p>
-            <a:p>
-              <a:pPr algn="ctr"/>
-              <a:r>
-                <a:rPr lang="en-US" sz="1100" dirty="0" smtClean="0"/>
-                <a:t>Microservice</a:t>
-              </a:r>
-              <a:endParaRPr lang="en-US" sz="1100" b="1" dirty="0"/>
-            </a:p>
-          </p:txBody>
-        </p:sp>
-        <p:sp>
-          <p:nvSpPr>
-            <p:cNvPr id="25" name="Rectangle 24"/>
-            <p:cNvSpPr/>
-            <p:nvPr/>
-          </p:nvSpPr>
-          <p:spPr>
-            <a:xfrm>
-              <a:off x="9859188" y="3644926"/>
-              <a:ext cx="1752600" cy="789563"/>
-            </a:xfrm>
-            <a:prstGeom prst="rect">
-              <a:avLst/>
-            </a:prstGeom>
-            <a:solidFill>
-              <a:srgbClr val="00B0F0"/>
-            </a:solidFill>
-            <a:ln>
-              <a:noFill/>
-            </a:ln>
-          </p:spPr>
-          <p:style>
-            <a:lnRef idx="2">
-              <a:schemeClr val="accent2">
-                <a:shade val="50000"/>
-              </a:schemeClr>
-            </a:lnRef>
-            <a:fillRef idx="1">
-              <a:schemeClr val="accent2"/>
-            </a:fillRef>
-            <a:effectRef idx="0">
-              <a:schemeClr val="accent2"/>
-            </a:effectRef>
-            <a:fontRef idx="minor">
-              <a:schemeClr val="lt1"/>
-            </a:fontRef>
-          </p:style>
-          <p:txBody>
-            <a:bodyPr rtlCol="0" anchor="ctr"/>
-            <a:lstStyle/>
-            <a:p>
-              <a:pPr algn="ctr"/>
-              <a:r>
-                <a:rPr lang="en-US" sz="1100" dirty="0" smtClean="0"/>
-                <a:t>Java</a:t>
-              </a:r>
-            </a:p>
-            <a:p>
-              <a:pPr algn="ctr"/>
-              <a:r>
-                <a:rPr lang="en-US" sz="1100" dirty="0" smtClean="0"/>
-                <a:t>Microservice</a:t>
-              </a:r>
-              <a:endParaRPr lang="en-US" sz="1100" b="1" dirty="0"/>
-            </a:p>
-          </p:txBody>
-        </p:sp>
-        <p:sp>
-          <p:nvSpPr>
-            <p:cNvPr id="27" name="Flowchart: Magnetic Disk 26"/>
-            <p:cNvSpPr/>
-            <p:nvPr/>
-          </p:nvSpPr>
-          <p:spPr>
-            <a:xfrm>
-              <a:off x="5973207" y="5007084"/>
-              <a:ext cx="1007586" cy="816751"/>
-            </a:xfrm>
-            <a:prstGeom prst="flowChartMagneticDisk">
-              <a:avLst/>
-            </a:prstGeom>
-            <a:solidFill>
-              <a:srgbClr val="DD462F"/>
-            </a:solidFill>
-            <a:ln w="19050">
-              <a:solidFill>
-                <a:schemeClr val="bg1"/>
-              </a:solidFill>
-            </a:ln>
-          </p:spPr>
-          <p:style>
-            <a:lnRef idx="2">
-              <a:schemeClr val="accent1">
-                <a:shade val="50000"/>
-              </a:schemeClr>
-            </a:lnRef>
-            <a:fillRef idx="1">
-              <a:schemeClr val="accent1"/>
-            </a:fillRef>
-            <a:effectRef idx="0">
-              <a:schemeClr val="accent1"/>
-            </a:effectRef>
-            <a:fontRef idx="minor">
-              <a:schemeClr val="lt1"/>
-            </a:fontRef>
-          </p:style>
-          <p:txBody>
-            <a:bodyPr rtlCol="0" anchor="ctr"/>
-            <a:lstStyle/>
-            <a:p>
-              <a:pPr algn="ctr"/>
-              <a:r>
-                <a:rPr lang="en-US" sz="1100" dirty="0"/>
-                <a:t>SQL Server</a:t>
-              </a:r>
-            </a:p>
-          </p:txBody>
-        </p:sp>
-        <p:sp>
-          <p:nvSpPr>
-            <p:cNvPr id="28" name="Flowchart: Magnetic Disk 27"/>
-            <p:cNvSpPr/>
-            <p:nvPr/>
-          </p:nvSpPr>
-          <p:spPr>
-            <a:xfrm>
-              <a:off x="8111919" y="5007084"/>
-              <a:ext cx="1007586" cy="816751"/>
-            </a:xfrm>
-            <a:prstGeom prst="flowChartMagneticDisk">
-              <a:avLst/>
-            </a:prstGeom>
-            <a:solidFill>
-              <a:srgbClr val="DD462F"/>
-            </a:solidFill>
-            <a:ln w="19050">
-              <a:solidFill>
-                <a:schemeClr val="bg1"/>
-              </a:solidFill>
-            </a:ln>
-          </p:spPr>
-          <p:style>
-            <a:lnRef idx="2">
-              <a:schemeClr val="accent1">
-                <a:shade val="50000"/>
-              </a:schemeClr>
-            </a:lnRef>
-            <a:fillRef idx="1">
-              <a:schemeClr val="accent1"/>
-            </a:fillRef>
-            <a:effectRef idx="0">
-              <a:schemeClr val="accent1"/>
-            </a:effectRef>
-            <a:fontRef idx="minor">
-              <a:schemeClr val="lt1"/>
-            </a:fontRef>
-          </p:style>
-          <p:txBody>
-            <a:bodyPr rtlCol="0" anchor="ctr"/>
-            <a:lstStyle/>
-            <a:p>
-              <a:pPr algn="ctr"/>
-              <a:r>
-                <a:rPr lang="en-US" sz="900" dirty="0" smtClean="0"/>
-                <a:t>MongoDB</a:t>
-              </a:r>
-              <a:endParaRPr lang="en-US" sz="900" dirty="0"/>
-            </a:p>
-          </p:txBody>
-        </p:sp>
-        <p:sp>
-          <p:nvSpPr>
-            <p:cNvPr id="29" name="Flowchart: Magnetic Disk 28"/>
-            <p:cNvSpPr/>
-            <p:nvPr/>
-          </p:nvSpPr>
-          <p:spPr>
-            <a:xfrm>
-              <a:off x="10231695" y="5007084"/>
-              <a:ext cx="1007586" cy="816751"/>
-            </a:xfrm>
-            <a:prstGeom prst="flowChartMagneticDisk">
-              <a:avLst/>
-            </a:prstGeom>
-            <a:solidFill>
-              <a:srgbClr val="DD462F"/>
-            </a:solidFill>
-            <a:ln w="19050">
-              <a:solidFill>
-                <a:schemeClr val="bg1"/>
-              </a:solidFill>
-            </a:ln>
-          </p:spPr>
-          <p:style>
-            <a:lnRef idx="2">
-              <a:schemeClr val="accent1">
-                <a:shade val="50000"/>
-              </a:schemeClr>
-            </a:lnRef>
-            <a:fillRef idx="1">
-              <a:schemeClr val="accent1"/>
-            </a:fillRef>
-            <a:effectRef idx="0">
-              <a:schemeClr val="accent1"/>
-            </a:effectRef>
-            <a:fontRef idx="minor">
-              <a:schemeClr val="lt1"/>
-            </a:fontRef>
-          </p:style>
-          <p:txBody>
-            <a:bodyPr rtlCol="0" anchor="ctr"/>
-            <a:lstStyle/>
-            <a:p>
-              <a:pPr algn="ctr"/>
-              <a:r>
-                <a:rPr lang="en-US" sz="1100" dirty="0" smtClean="0"/>
-                <a:t>Oracle</a:t>
-              </a:r>
-              <a:endParaRPr lang="en-US" sz="1100" dirty="0"/>
-            </a:p>
-          </p:txBody>
-        </p:sp>
-        <p:sp>
-          <p:nvSpPr>
-            <p:cNvPr id="30" name="Down Arrow 29"/>
-            <p:cNvSpPr/>
-            <p:nvPr/>
-          </p:nvSpPr>
-          <p:spPr>
-            <a:xfrm>
-              <a:off x="6376987" y="4540434"/>
-              <a:ext cx="200026" cy="403824"/>
-            </a:xfrm>
-            <a:prstGeom prst="downArrow">
-              <a:avLst/>
-            </a:prstGeom>
-            <a:solidFill>
-              <a:srgbClr val="D24726"/>
-            </a:solidFill>
-            <a:ln>
-              <a:noFill/>
-            </a:ln>
-          </p:spPr>
-          <p:style>
-            <a:lnRef idx="2">
-              <a:schemeClr val="accent1">
-                <a:shade val="50000"/>
-              </a:schemeClr>
-            </a:lnRef>
-            <a:fillRef idx="1">
-              <a:schemeClr val="accent1"/>
-            </a:fillRef>
-            <a:effectRef idx="0">
-              <a:schemeClr val="accent1"/>
-            </a:effectRef>
-            <a:fontRef idx="minor">
-              <a:schemeClr val="lt1"/>
-            </a:fontRef>
-          </p:style>
-          <p:txBody>
-            <a:bodyPr rtlCol="0" anchor="ctr"/>
-            <a:lstStyle/>
-            <a:p>
-              <a:pPr algn="ctr"/>
-              <a:endParaRPr lang="en-US" sz="1100"/>
-            </a:p>
-          </p:txBody>
-        </p:sp>
-        <p:sp>
-          <p:nvSpPr>
-            <p:cNvPr id="31" name="Down Arrow 30"/>
-            <p:cNvSpPr/>
-            <p:nvPr/>
-          </p:nvSpPr>
-          <p:spPr>
-            <a:xfrm>
-              <a:off x="8515699" y="4496002"/>
-              <a:ext cx="200026" cy="403824"/>
-            </a:xfrm>
-            <a:prstGeom prst="downArrow">
-              <a:avLst/>
-            </a:prstGeom>
-            <a:solidFill>
-              <a:srgbClr val="D24726"/>
-            </a:solidFill>
-            <a:ln>
-              <a:noFill/>
-            </a:ln>
-          </p:spPr>
-          <p:style>
-            <a:lnRef idx="2">
-              <a:schemeClr val="accent1">
-                <a:shade val="50000"/>
-              </a:schemeClr>
-            </a:lnRef>
-            <a:fillRef idx="1">
-              <a:schemeClr val="accent1"/>
-            </a:fillRef>
-            <a:effectRef idx="0">
-              <a:schemeClr val="accent1"/>
-            </a:effectRef>
-            <a:fontRef idx="minor">
-              <a:schemeClr val="lt1"/>
-            </a:fontRef>
-          </p:style>
-          <p:txBody>
-            <a:bodyPr rtlCol="0" anchor="ctr"/>
-            <a:lstStyle/>
-            <a:p>
-              <a:pPr algn="ctr"/>
-              <a:endParaRPr lang="en-US" sz="1100"/>
-            </a:p>
-          </p:txBody>
-        </p:sp>
-        <p:sp>
-          <p:nvSpPr>
-            <p:cNvPr id="32" name="Down Arrow 31"/>
-            <p:cNvSpPr/>
-            <p:nvPr/>
-          </p:nvSpPr>
-          <p:spPr>
-            <a:xfrm>
-              <a:off x="10635476" y="4496002"/>
-              <a:ext cx="200026" cy="403824"/>
-            </a:xfrm>
-            <a:prstGeom prst="downArrow">
-              <a:avLst/>
-            </a:prstGeom>
-            <a:solidFill>
-              <a:srgbClr val="D24726"/>
-            </a:solidFill>
-            <a:ln>
-              <a:noFill/>
-            </a:ln>
-          </p:spPr>
-          <p:style>
-            <a:lnRef idx="2">
-              <a:schemeClr val="accent1">
-                <a:shade val="50000"/>
-              </a:schemeClr>
-            </a:lnRef>
-            <a:fillRef idx="1">
-              <a:schemeClr val="accent1"/>
-            </a:fillRef>
-            <a:effectRef idx="0">
-              <a:schemeClr val="accent1"/>
-            </a:effectRef>
-            <a:fontRef idx="minor">
-              <a:schemeClr val="lt1"/>
-            </a:fontRef>
-          </p:style>
-          <p:txBody>
-            <a:bodyPr rtlCol="0" anchor="ctr"/>
-            <a:lstStyle/>
-            <a:p>
-              <a:pPr algn="ctr"/>
-              <a:endParaRPr lang="en-US" sz="1100"/>
-            </a:p>
-          </p:txBody>
-        </p:sp>
-      </p:grpSp>
       <p:sp>
         <p:nvSpPr>
           <p:cNvPr id="36" name="Content Placeholder 17"/>
@@ -20473,6 +20889,854 @@
           </a:p>
         </p:txBody>
       </p:sp>
+      <p:grpSp>
+        <p:nvGrpSpPr>
+          <p:cNvPr id="4" name="Group 3"/>
+          <p:cNvGrpSpPr/>
+          <p:nvPr/>
+        </p:nvGrpSpPr>
+        <p:grpSpPr>
+          <a:xfrm>
+            <a:off x="2839173" y="2425603"/>
+            <a:ext cx="5016439" cy="1905446"/>
+            <a:chOff x="2784536" y="2065030"/>
+            <a:chExt cx="6347631" cy="2411087"/>
+          </a:xfrm>
+        </p:grpSpPr>
+        <p:sp>
+          <p:nvSpPr>
+            <p:cNvPr id="63" name="Rectangle 62"/>
+            <p:cNvSpPr/>
+            <p:nvPr/>
+          </p:nvSpPr>
+          <p:spPr>
+            <a:xfrm>
+              <a:off x="2974170" y="2258222"/>
+              <a:ext cx="1752600" cy="789563"/>
+            </a:xfrm>
+            <a:prstGeom prst="rect">
+              <a:avLst/>
+            </a:prstGeom>
+            <a:solidFill>
+              <a:srgbClr val="92D050"/>
+            </a:solidFill>
+            <a:ln w="12700">
+              <a:solidFill>
+                <a:srgbClr val="00B050"/>
+              </a:solidFill>
+            </a:ln>
+          </p:spPr>
+          <p:style>
+            <a:lnRef idx="2">
+              <a:schemeClr val="accent2">
+                <a:shade val="50000"/>
+              </a:schemeClr>
+            </a:lnRef>
+            <a:fillRef idx="1">
+              <a:schemeClr val="accent2"/>
+            </a:fillRef>
+            <a:effectRef idx="0">
+              <a:schemeClr val="accent2"/>
+            </a:effectRef>
+            <a:fontRef idx="minor">
+              <a:schemeClr val="lt1"/>
+            </a:fontRef>
+          </p:style>
+          <p:txBody>
+            <a:bodyPr rtlCol="0" anchor="ctr"/>
+            <a:lstStyle/>
+            <a:p>
+              <a:pPr algn="ctr"/>
+              <a:r>
+                <a:rPr lang="en-US" sz="1000" dirty="0" smtClean="0"/>
+                <a:t>.NET</a:t>
+              </a:r>
+            </a:p>
+            <a:p>
+              <a:pPr algn="ctr"/>
+              <a:r>
+                <a:rPr lang="en-US" sz="1000" dirty="0" smtClean="0"/>
+                <a:t>Microservice</a:t>
+              </a:r>
+              <a:endParaRPr lang="en-US" sz="1000" b="1" dirty="0"/>
+            </a:p>
+          </p:txBody>
+        </p:sp>
+        <p:sp>
+          <p:nvSpPr>
+            <p:cNvPr id="64" name="Rectangle 63"/>
+            <p:cNvSpPr/>
+            <p:nvPr/>
+          </p:nvSpPr>
+          <p:spPr>
+            <a:xfrm>
+              <a:off x="5248065" y="2265086"/>
+              <a:ext cx="1752600" cy="789563"/>
+            </a:xfrm>
+            <a:prstGeom prst="rect">
+              <a:avLst/>
+            </a:prstGeom>
+            <a:solidFill>
+              <a:srgbClr val="0070C0"/>
+            </a:solidFill>
+            <a:ln>
+              <a:solidFill>
+                <a:schemeClr val="accent1">
+                  <a:lumMod val="60000"/>
+                  <a:lumOff val="40000"/>
+                </a:schemeClr>
+              </a:solidFill>
+            </a:ln>
+          </p:spPr>
+          <p:style>
+            <a:lnRef idx="2">
+              <a:schemeClr val="accent2">
+                <a:shade val="50000"/>
+              </a:schemeClr>
+            </a:lnRef>
+            <a:fillRef idx="1">
+              <a:schemeClr val="accent2"/>
+            </a:fillRef>
+            <a:effectRef idx="0">
+              <a:schemeClr val="accent2"/>
+            </a:effectRef>
+            <a:fontRef idx="minor">
+              <a:schemeClr val="lt1"/>
+            </a:fontRef>
+          </p:style>
+          <p:txBody>
+            <a:bodyPr rtlCol="0" anchor="ctr"/>
+            <a:lstStyle/>
+            <a:p>
+              <a:pPr algn="ctr"/>
+              <a:r>
+                <a:rPr lang="en-US" sz="1000" dirty="0" smtClean="0"/>
+                <a:t>NodeJs</a:t>
+              </a:r>
+            </a:p>
+            <a:p>
+              <a:pPr algn="ctr"/>
+              <a:r>
+                <a:rPr lang="en-US" sz="1000" dirty="0" smtClean="0"/>
+                <a:t>Microservice</a:t>
+              </a:r>
+              <a:endParaRPr lang="en-US" sz="1000" b="1" dirty="0"/>
+            </a:p>
+          </p:txBody>
+        </p:sp>
+        <p:sp>
+          <p:nvSpPr>
+            <p:cNvPr id="65" name="Rectangle 64"/>
+            <p:cNvSpPr/>
+            <p:nvPr/>
+          </p:nvSpPr>
+          <p:spPr>
+            <a:xfrm>
+              <a:off x="7379567" y="2258222"/>
+              <a:ext cx="1752600" cy="789563"/>
+            </a:xfrm>
+            <a:prstGeom prst="rect">
+              <a:avLst/>
+            </a:prstGeom>
+            <a:solidFill>
+              <a:srgbClr val="00B0F0"/>
+            </a:solidFill>
+            <a:ln>
+              <a:solidFill>
+                <a:srgbClr val="0070C0"/>
+              </a:solidFill>
+            </a:ln>
+          </p:spPr>
+          <p:style>
+            <a:lnRef idx="2">
+              <a:schemeClr val="accent2">
+                <a:shade val="50000"/>
+              </a:schemeClr>
+            </a:lnRef>
+            <a:fillRef idx="1">
+              <a:schemeClr val="accent2"/>
+            </a:fillRef>
+            <a:effectRef idx="0">
+              <a:schemeClr val="accent2"/>
+            </a:effectRef>
+            <a:fontRef idx="minor">
+              <a:schemeClr val="lt1"/>
+            </a:fontRef>
+          </p:style>
+          <p:txBody>
+            <a:bodyPr rtlCol="0" anchor="ctr"/>
+            <a:lstStyle/>
+            <a:p>
+              <a:pPr algn="ctr"/>
+              <a:r>
+                <a:rPr lang="en-US" sz="1000" dirty="0" smtClean="0"/>
+                <a:t>Java</a:t>
+              </a:r>
+            </a:p>
+            <a:p>
+              <a:pPr algn="ctr"/>
+              <a:r>
+                <a:rPr lang="en-US" sz="1000" dirty="0" smtClean="0"/>
+                <a:t>Microservice</a:t>
+              </a:r>
+              <a:endParaRPr lang="en-US" sz="1000" b="1" dirty="0"/>
+            </a:p>
+          </p:txBody>
+        </p:sp>
+        <p:sp>
+          <p:nvSpPr>
+            <p:cNvPr id="66" name="Flowchart: Magnetic Disk 65"/>
+            <p:cNvSpPr/>
+            <p:nvPr/>
+          </p:nvSpPr>
+          <p:spPr>
+            <a:xfrm>
+              <a:off x="3346677" y="3659366"/>
+              <a:ext cx="1007586" cy="816751"/>
+            </a:xfrm>
+            <a:prstGeom prst="flowChartMagneticDisk">
+              <a:avLst/>
+            </a:prstGeom>
+            <a:solidFill>
+              <a:srgbClr val="DD462F"/>
+            </a:solidFill>
+            <a:ln w="19050">
+              <a:solidFill>
+                <a:schemeClr val="bg1"/>
+              </a:solidFill>
+            </a:ln>
+          </p:spPr>
+          <p:style>
+            <a:lnRef idx="2">
+              <a:schemeClr val="accent1">
+                <a:shade val="50000"/>
+              </a:schemeClr>
+            </a:lnRef>
+            <a:fillRef idx="1">
+              <a:schemeClr val="accent1"/>
+            </a:fillRef>
+            <a:effectRef idx="0">
+              <a:schemeClr val="accent1"/>
+            </a:effectRef>
+            <a:fontRef idx="minor">
+              <a:schemeClr val="lt1"/>
+            </a:fontRef>
+          </p:style>
+          <p:txBody>
+            <a:bodyPr rtlCol="0" anchor="ctr"/>
+            <a:lstStyle/>
+            <a:p>
+              <a:pPr algn="ctr"/>
+              <a:r>
+                <a:rPr lang="en-US" sz="1000" dirty="0"/>
+                <a:t>SQL Server</a:t>
+              </a:r>
+            </a:p>
+          </p:txBody>
+        </p:sp>
+        <p:sp>
+          <p:nvSpPr>
+            <p:cNvPr id="67" name="Flowchart: Magnetic Disk 66"/>
+            <p:cNvSpPr/>
+            <p:nvPr/>
+          </p:nvSpPr>
+          <p:spPr>
+            <a:xfrm>
+              <a:off x="5485387" y="3659366"/>
+              <a:ext cx="1007586" cy="816751"/>
+            </a:xfrm>
+            <a:prstGeom prst="flowChartMagneticDisk">
+              <a:avLst/>
+            </a:prstGeom>
+            <a:solidFill>
+              <a:srgbClr val="DD462F"/>
+            </a:solidFill>
+            <a:ln w="19050">
+              <a:solidFill>
+                <a:schemeClr val="bg1"/>
+              </a:solidFill>
+            </a:ln>
+          </p:spPr>
+          <p:style>
+            <a:lnRef idx="2">
+              <a:schemeClr val="accent1">
+                <a:shade val="50000"/>
+              </a:schemeClr>
+            </a:lnRef>
+            <a:fillRef idx="1">
+              <a:schemeClr val="accent1"/>
+            </a:fillRef>
+            <a:effectRef idx="0">
+              <a:schemeClr val="accent1"/>
+            </a:effectRef>
+            <a:fontRef idx="minor">
+              <a:schemeClr val="lt1"/>
+            </a:fontRef>
+          </p:style>
+          <p:txBody>
+            <a:bodyPr rtlCol="0" anchor="ctr"/>
+            <a:lstStyle/>
+            <a:p>
+              <a:pPr algn="ctr"/>
+              <a:r>
+                <a:rPr lang="en-US" sz="1000" dirty="0" smtClean="0"/>
+                <a:t>MongoDB</a:t>
+              </a:r>
+              <a:endParaRPr lang="en-US" sz="1000" dirty="0"/>
+            </a:p>
+          </p:txBody>
+        </p:sp>
+        <p:sp>
+          <p:nvSpPr>
+            <p:cNvPr id="68" name="Flowchart: Magnetic Disk 67"/>
+            <p:cNvSpPr/>
+            <p:nvPr/>
+          </p:nvSpPr>
+          <p:spPr>
+            <a:xfrm>
+              <a:off x="7605165" y="3659364"/>
+              <a:ext cx="1007586" cy="816751"/>
+            </a:xfrm>
+            <a:prstGeom prst="flowChartMagneticDisk">
+              <a:avLst/>
+            </a:prstGeom>
+            <a:solidFill>
+              <a:srgbClr val="DD462F"/>
+            </a:solidFill>
+            <a:ln w="19050">
+              <a:solidFill>
+                <a:schemeClr val="bg1"/>
+              </a:solidFill>
+            </a:ln>
+          </p:spPr>
+          <p:style>
+            <a:lnRef idx="2">
+              <a:schemeClr val="accent1">
+                <a:shade val="50000"/>
+              </a:schemeClr>
+            </a:lnRef>
+            <a:fillRef idx="1">
+              <a:schemeClr val="accent1"/>
+            </a:fillRef>
+            <a:effectRef idx="0">
+              <a:schemeClr val="accent1"/>
+            </a:effectRef>
+            <a:fontRef idx="minor">
+              <a:schemeClr val="lt1"/>
+            </a:fontRef>
+          </p:style>
+          <p:txBody>
+            <a:bodyPr rtlCol="0" anchor="ctr"/>
+            <a:lstStyle/>
+            <a:p>
+              <a:pPr algn="ctr"/>
+              <a:r>
+                <a:rPr lang="en-US" sz="1000" dirty="0" smtClean="0"/>
+                <a:t>Oracle</a:t>
+              </a:r>
+              <a:endParaRPr lang="en-US" sz="1000" dirty="0"/>
+            </a:p>
+          </p:txBody>
+        </p:sp>
+        <p:sp>
+          <p:nvSpPr>
+            <p:cNvPr id="69" name="Down Arrow 68"/>
+            <p:cNvSpPr/>
+            <p:nvPr/>
+          </p:nvSpPr>
+          <p:spPr>
+            <a:xfrm>
+              <a:off x="3750458" y="3202330"/>
+              <a:ext cx="200025" cy="403824"/>
+            </a:xfrm>
+            <a:prstGeom prst="downArrow">
+              <a:avLst/>
+            </a:prstGeom>
+            <a:solidFill>
+              <a:srgbClr val="D24726"/>
+            </a:solidFill>
+            <a:ln>
+              <a:noFill/>
+            </a:ln>
+          </p:spPr>
+          <p:style>
+            <a:lnRef idx="2">
+              <a:schemeClr val="accent1">
+                <a:shade val="50000"/>
+              </a:schemeClr>
+            </a:lnRef>
+            <a:fillRef idx="1">
+              <a:schemeClr val="accent1"/>
+            </a:fillRef>
+            <a:effectRef idx="0">
+              <a:schemeClr val="accent1"/>
+            </a:effectRef>
+            <a:fontRef idx="minor">
+              <a:schemeClr val="lt1"/>
+            </a:fontRef>
+          </p:style>
+          <p:txBody>
+            <a:bodyPr rtlCol="0" anchor="ctr"/>
+            <a:lstStyle/>
+            <a:p>
+              <a:pPr algn="ctr"/>
+              <a:endParaRPr lang="en-US" sz="1000"/>
+            </a:p>
+          </p:txBody>
+        </p:sp>
+        <p:sp>
+          <p:nvSpPr>
+            <p:cNvPr id="70" name="Down Arrow 69"/>
+            <p:cNvSpPr/>
+            <p:nvPr/>
+          </p:nvSpPr>
+          <p:spPr>
+            <a:xfrm>
+              <a:off x="5889169" y="3157897"/>
+              <a:ext cx="200025" cy="403824"/>
+            </a:xfrm>
+            <a:prstGeom prst="downArrow">
+              <a:avLst/>
+            </a:prstGeom>
+            <a:solidFill>
+              <a:srgbClr val="D24726"/>
+            </a:solidFill>
+            <a:ln>
+              <a:noFill/>
+            </a:ln>
+          </p:spPr>
+          <p:style>
+            <a:lnRef idx="2">
+              <a:schemeClr val="accent1">
+                <a:shade val="50000"/>
+              </a:schemeClr>
+            </a:lnRef>
+            <a:fillRef idx="1">
+              <a:schemeClr val="accent1"/>
+            </a:fillRef>
+            <a:effectRef idx="0">
+              <a:schemeClr val="accent1"/>
+            </a:effectRef>
+            <a:fontRef idx="minor">
+              <a:schemeClr val="lt1"/>
+            </a:fontRef>
+          </p:style>
+          <p:txBody>
+            <a:bodyPr rtlCol="0" anchor="ctr"/>
+            <a:lstStyle/>
+            <a:p>
+              <a:pPr algn="ctr"/>
+              <a:endParaRPr lang="en-US" sz="1000"/>
+            </a:p>
+          </p:txBody>
+        </p:sp>
+        <p:sp>
+          <p:nvSpPr>
+            <p:cNvPr id="71" name="Down Arrow 70"/>
+            <p:cNvSpPr/>
+            <p:nvPr/>
+          </p:nvSpPr>
+          <p:spPr>
+            <a:xfrm>
+              <a:off x="8008946" y="3157897"/>
+              <a:ext cx="200025" cy="403824"/>
+            </a:xfrm>
+            <a:prstGeom prst="downArrow">
+              <a:avLst/>
+            </a:prstGeom>
+            <a:solidFill>
+              <a:srgbClr val="D24726"/>
+            </a:solidFill>
+            <a:ln>
+              <a:noFill/>
+            </a:ln>
+          </p:spPr>
+          <p:style>
+            <a:lnRef idx="2">
+              <a:schemeClr val="accent1">
+                <a:shade val="50000"/>
+              </a:schemeClr>
+            </a:lnRef>
+            <a:fillRef idx="1">
+              <a:schemeClr val="accent1"/>
+            </a:fillRef>
+            <a:effectRef idx="0">
+              <a:schemeClr val="accent1"/>
+            </a:effectRef>
+            <a:fontRef idx="minor">
+              <a:schemeClr val="lt1"/>
+            </a:fontRef>
+          </p:style>
+          <p:txBody>
+            <a:bodyPr rtlCol="0" anchor="ctr"/>
+            <a:lstStyle/>
+            <a:p>
+              <a:pPr algn="ctr"/>
+              <a:endParaRPr lang="en-US" sz="1000"/>
+            </a:p>
+          </p:txBody>
+        </p:sp>
+        <p:sp>
+          <p:nvSpPr>
+            <p:cNvPr id="72" name="Rectangle 71"/>
+            <p:cNvSpPr/>
+            <p:nvPr/>
+          </p:nvSpPr>
+          <p:spPr>
+            <a:xfrm>
+              <a:off x="2884548" y="2166207"/>
+              <a:ext cx="1752600" cy="789563"/>
+            </a:xfrm>
+            <a:prstGeom prst="rect">
+              <a:avLst/>
+            </a:prstGeom>
+            <a:solidFill>
+              <a:srgbClr val="92D050"/>
+            </a:solidFill>
+            <a:ln w="12700">
+              <a:solidFill>
+                <a:srgbClr val="00B050"/>
+              </a:solidFill>
+            </a:ln>
+          </p:spPr>
+          <p:style>
+            <a:lnRef idx="2">
+              <a:schemeClr val="accent2">
+                <a:shade val="50000"/>
+              </a:schemeClr>
+            </a:lnRef>
+            <a:fillRef idx="1">
+              <a:schemeClr val="accent2"/>
+            </a:fillRef>
+            <a:effectRef idx="0">
+              <a:schemeClr val="accent2"/>
+            </a:effectRef>
+            <a:fontRef idx="minor">
+              <a:schemeClr val="lt1"/>
+            </a:fontRef>
+          </p:style>
+          <p:txBody>
+            <a:bodyPr rtlCol="0" anchor="ctr"/>
+            <a:lstStyle/>
+            <a:p>
+              <a:pPr algn="ctr"/>
+              <a:r>
+                <a:rPr lang="en-US" sz="1000" dirty="0" smtClean="0"/>
+                <a:t>.NET</a:t>
+              </a:r>
+            </a:p>
+            <a:p>
+              <a:pPr algn="ctr"/>
+              <a:r>
+                <a:rPr lang="en-US" sz="1000" dirty="0" smtClean="0"/>
+                <a:t>Microservice</a:t>
+              </a:r>
+              <a:endParaRPr lang="en-US" sz="1000" b="1" dirty="0"/>
+            </a:p>
+          </p:txBody>
+        </p:sp>
+        <p:sp>
+          <p:nvSpPr>
+            <p:cNvPr id="73" name="Rectangle 72"/>
+            <p:cNvSpPr/>
+            <p:nvPr/>
+          </p:nvSpPr>
+          <p:spPr>
+            <a:xfrm>
+              <a:off x="2784536" y="2065030"/>
+              <a:ext cx="1752600" cy="789563"/>
+            </a:xfrm>
+            <a:prstGeom prst="rect">
+              <a:avLst/>
+            </a:prstGeom>
+            <a:solidFill>
+              <a:srgbClr val="92D050"/>
+            </a:solidFill>
+            <a:ln w="12700">
+              <a:solidFill>
+                <a:srgbClr val="00B050"/>
+              </a:solidFill>
+            </a:ln>
+          </p:spPr>
+          <p:style>
+            <a:lnRef idx="2">
+              <a:schemeClr val="accent2">
+                <a:shade val="50000"/>
+              </a:schemeClr>
+            </a:lnRef>
+            <a:fillRef idx="1">
+              <a:schemeClr val="accent2"/>
+            </a:fillRef>
+            <a:effectRef idx="0">
+              <a:schemeClr val="accent2"/>
+            </a:effectRef>
+            <a:fontRef idx="minor">
+              <a:schemeClr val="lt1"/>
+            </a:fontRef>
+          </p:style>
+          <p:txBody>
+            <a:bodyPr rtlCol="0" anchor="ctr"/>
+            <a:lstStyle/>
+            <a:p>
+              <a:pPr algn="ctr"/>
+              <a:r>
+                <a:rPr lang="en-US" sz="1000" dirty="0" smtClean="0"/>
+                <a:t>.NET</a:t>
+              </a:r>
+            </a:p>
+            <a:p>
+              <a:pPr algn="ctr"/>
+              <a:r>
+                <a:rPr lang="en-US" sz="1000" dirty="0" smtClean="0"/>
+                <a:t>Microservice</a:t>
+              </a:r>
+              <a:endParaRPr lang="en-US" sz="1000" b="1" dirty="0"/>
+            </a:p>
+          </p:txBody>
+        </p:sp>
+        <p:sp>
+          <p:nvSpPr>
+            <p:cNvPr id="74" name="Rectangle 73"/>
+            <p:cNvSpPr/>
+            <p:nvPr/>
+          </p:nvSpPr>
+          <p:spPr>
+            <a:xfrm>
+              <a:off x="5158443" y="2161838"/>
+              <a:ext cx="1752600" cy="789563"/>
+            </a:xfrm>
+            <a:prstGeom prst="rect">
+              <a:avLst/>
+            </a:prstGeom>
+            <a:solidFill>
+              <a:srgbClr val="0070C0"/>
+            </a:solidFill>
+            <a:ln>
+              <a:solidFill>
+                <a:schemeClr val="accent1">
+                  <a:lumMod val="60000"/>
+                  <a:lumOff val="40000"/>
+                </a:schemeClr>
+              </a:solidFill>
+            </a:ln>
+          </p:spPr>
+          <p:style>
+            <a:lnRef idx="2">
+              <a:schemeClr val="accent2">
+                <a:shade val="50000"/>
+              </a:schemeClr>
+            </a:lnRef>
+            <a:fillRef idx="1">
+              <a:schemeClr val="accent2"/>
+            </a:fillRef>
+            <a:effectRef idx="0">
+              <a:schemeClr val="accent2"/>
+            </a:effectRef>
+            <a:fontRef idx="minor">
+              <a:schemeClr val="lt1"/>
+            </a:fontRef>
+          </p:style>
+          <p:txBody>
+            <a:bodyPr rtlCol="0" anchor="ctr"/>
+            <a:lstStyle/>
+            <a:p>
+              <a:pPr algn="ctr"/>
+              <a:r>
+                <a:rPr lang="en-US" sz="1000" dirty="0" smtClean="0"/>
+                <a:t>NodeJs</a:t>
+              </a:r>
+            </a:p>
+            <a:p>
+              <a:pPr algn="ctr"/>
+              <a:r>
+                <a:rPr lang="en-US" sz="1000" dirty="0" smtClean="0"/>
+                <a:t>Microservice</a:t>
+              </a:r>
+              <a:endParaRPr lang="en-US" sz="1000" b="1" dirty="0"/>
+            </a:p>
+          </p:txBody>
+        </p:sp>
+        <p:sp>
+          <p:nvSpPr>
+            <p:cNvPr id="75" name="Rectangle 74"/>
+            <p:cNvSpPr/>
+            <p:nvPr/>
+          </p:nvSpPr>
+          <p:spPr>
+            <a:xfrm>
+              <a:off x="5080827" y="2070314"/>
+              <a:ext cx="1752600" cy="789563"/>
+            </a:xfrm>
+            <a:prstGeom prst="rect">
+              <a:avLst/>
+            </a:prstGeom>
+            <a:solidFill>
+              <a:srgbClr val="0070C0"/>
+            </a:solidFill>
+            <a:ln>
+              <a:solidFill>
+                <a:schemeClr val="accent1">
+                  <a:lumMod val="60000"/>
+                  <a:lumOff val="40000"/>
+                </a:schemeClr>
+              </a:solidFill>
+            </a:ln>
+          </p:spPr>
+          <p:style>
+            <a:lnRef idx="2">
+              <a:schemeClr val="accent2">
+                <a:shade val="50000"/>
+              </a:schemeClr>
+            </a:lnRef>
+            <a:fillRef idx="1">
+              <a:schemeClr val="accent2"/>
+            </a:fillRef>
+            <a:effectRef idx="0">
+              <a:schemeClr val="accent2"/>
+            </a:effectRef>
+            <a:fontRef idx="minor">
+              <a:schemeClr val="lt1"/>
+            </a:fontRef>
+          </p:style>
+          <p:txBody>
+            <a:bodyPr rtlCol="0" anchor="ctr"/>
+            <a:lstStyle/>
+            <a:p>
+              <a:pPr algn="ctr"/>
+              <a:r>
+                <a:rPr lang="en-US" sz="1000" dirty="0" smtClean="0"/>
+                <a:t>NodeJs</a:t>
+              </a:r>
+            </a:p>
+            <a:p>
+              <a:pPr algn="ctr"/>
+              <a:r>
+                <a:rPr lang="en-US" sz="1000" dirty="0" smtClean="0"/>
+                <a:t>Microservice</a:t>
+              </a:r>
+              <a:endParaRPr lang="en-US" sz="1000" b="1" dirty="0"/>
+            </a:p>
+          </p:txBody>
+        </p:sp>
+        <p:sp>
+          <p:nvSpPr>
+            <p:cNvPr id="76" name="Rectangle 75"/>
+            <p:cNvSpPr/>
+            <p:nvPr/>
+          </p:nvSpPr>
+          <p:spPr>
+            <a:xfrm>
+              <a:off x="7304462" y="2167494"/>
+              <a:ext cx="1752600" cy="789563"/>
+            </a:xfrm>
+            <a:prstGeom prst="rect">
+              <a:avLst/>
+            </a:prstGeom>
+            <a:solidFill>
+              <a:srgbClr val="00B0F0"/>
+            </a:solidFill>
+            <a:ln>
+              <a:solidFill>
+                <a:srgbClr val="0070C0"/>
+              </a:solidFill>
+            </a:ln>
+          </p:spPr>
+          <p:style>
+            <a:lnRef idx="2">
+              <a:schemeClr val="accent2">
+                <a:shade val="50000"/>
+              </a:schemeClr>
+            </a:lnRef>
+            <a:fillRef idx="1">
+              <a:schemeClr val="accent2"/>
+            </a:fillRef>
+            <a:effectRef idx="0">
+              <a:schemeClr val="accent2"/>
+            </a:effectRef>
+            <a:fontRef idx="minor">
+              <a:schemeClr val="lt1"/>
+            </a:fontRef>
+          </p:style>
+          <p:txBody>
+            <a:bodyPr rtlCol="0" anchor="ctr"/>
+            <a:lstStyle/>
+            <a:p>
+              <a:pPr algn="ctr"/>
+              <a:r>
+                <a:rPr lang="en-US" sz="1000" dirty="0" smtClean="0"/>
+                <a:t>Java</a:t>
+              </a:r>
+            </a:p>
+            <a:p>
+              <a:pPr algn="ctr"/>
+              <a:r>
+                <a:rPr lang="en-US" sz="1000" dirty="0" smtClean="0"/>
+                <a:t>Microservice</a:t>
+              </a:r>
+              <a:endParaRPr lang="en-US" sz="1000" b="1" dirty="0"/>
+            </a:p>
+          </p:txBody>
+        </p:sp>
+        <p:sp>
+          <p:nvSpPr>
+            <p:cNvPr id="77" name="Rectangle 76"/>
+            <p:cNvSpPr/>
+            <p:nvPr/>
+          </p:nvSpPr>
+          <p:spPr>
+            <a:xfrm>
+              <a:off x="7226846" y="2076766"/>
+              <a:ext cx="1752600" cy="789563"/>
+            </a:xfrm>
+            <a:prstGeom prst="rect">
+              <a:avLst/>
+            </a:prstGeom>
+            <a:solidFill>
+              <a:srgbClr val="00B0F0"/>
+            </a:solidFill>
+            <a:ln>
+              <a:solidFill>
+                <a:srgbClr val="0070C0"/>
+              </a:solidFill>
+            </a:ln>
+          </p:spPr>
+          <p:style>
+            <a:lnRef idx="2">
+              <a:schemeClr val="accent2">
+                <a:shade val="50000"/>
+              </a:schemeClr>
+            </a:lnRef>
+            <a:fillRef idx="1">
+              <a:schemeClr val="accent2"/>
+            </a:fillRef>
+            <a:effectRef idx="0">
+              <a:schemeClr val="accent2"/>
+            </a:effectRef>
+            <a:fontRef idx="minor">
+              <a:schemeClr val="lt1"/>
+            </a:fontRef>
+          </p:style>
+          <p:txBody>
+            <a:bodyPr rtlCol="0" anchor="ctr"/>
+            <a:lstStyle/>
+            <a:p>
+              <a:pPr algn="ctr"/>
+              <a:r>
+                <a:rPr lang="en-US" sz="1000" dirty="0" smtClean="0"/>
+                <a:t>Java</a:t>
+              </a:r>
+            </a:p>
+            <a:p>
+              <a:pPr algn="ctr"/>
+              <a:r>
+                <a:rPr lang="en-US" sz="1000" dirty="0" smtClean="0"/>
+                <a:t>Microservice</a:t>
+              </a:r>
+              <a:endParaRPr lang="en-US" sz="1000" b="1" dirty="0"/>
+            </a:p>
+          </p:txBody>
+        </p:sp>
+      </p:grpSp>
     </p:spTree>
     <p:extLst>
       <p:ext uri="{BB962C8B-B14F-4D97-AF65-F5344CB8AC3E}">

--- a/Documents/MicroServices.pptx
+++ b/Documents/MicroServices.pptx
@@ -3594,7 +3594,7 @@
           <a:p>
             <a:fld id="{80680FBE-A8DF-4758-9AC4-3A9E1039168F}" type="datetimeFigureOut">
               <a:rPr lang="en-US" smtClean="0"/>
-              <a:t>11/25/2016</a:t>
+              <a:t>11/28/2016</a:t>
             </a:fld>
             <a:endParaRPr lang="en-US"/>
           </a:p>
@@ -3759,7 +3759,7 @@
           <a:p>
             <a:fld id="{EC13577B-6902-467D-A26C-08A0DD5E4E03}" type="datetimeFigureOut">
               <a:rPr lang="en-US" smtClean="0"/>
-              <a:t>11/25/2016</a:t>
+              <a:t>11/28/2016</a:t>
             </a:fld>
             <a:endParaRPr lang="en-US"/>
           </a:p>
@@ -4551,7 +4551,7 @@
           <a:p>
             <a:fld id="{8BEEBAAA-29B5-4AF5-BC5F-7E580C29002D}" type="datetimeFigureOut">
               <a:rPr lang="en-US" smtClean="0"/>
-              <a:t>11/25/2016</a:t>
+              <a:t>11/28/2016</a:t>
             </a:fld>
             <a:endParaRPr lang="en-US"/>
           </a:p>
@@ -5333,7 +5333,7 @@
           <a:p>
             <a:fld id="{8BEEBAAA-29B5-4AF5-BC5F-7E580C29002D}" type="datetimeFigureOut">
               <a:rPr lang="en-US" smtClean="0"/>
-              <a:t>11/25/2016</a:t>
+              <a:t>11/28/2016</a:t>
             </a:fld>
             <a:endParaRPr lang="en-US"/>
           </a:p>
@@ -5845,7 +5845,7 @@
           <a:p>
             <a:fld id="{8BEEBAAA-29B5-4AF5-BC5F-7E580C29002D}" type="datetimeFigureOut">
               <a:rPr lang="en-US" smtClean="0"/>
-              <a:t>11/25/2016</a:t>
+              <a:t>11/28/2016</a:t>
             </a:fld>
             <a:endParaRPr lang="en-US"/>
           </a:p>
@@ -8606,12 +8606,83 @@
                 <a:latin typeface="Segoe UI Light" panose="020B0502040204020203" pitchFamily="34" charset="0"/>
                 <a:cs typeface="Segoe UI Light" panose="020B0502040204020203" pitchFamily="34" charset="0"/>
               </a:rPr>
-              <a:t>Multiple Service Per Node</a:t>
-            </a:r>
-            <a:endParaRPr lang="en-US" sz="2000" dirty="0">
-              <a:solidFill>
-                <a:srgbClr val="D24726"/>
-              </a:solidFill>
+              <a:t>Multiple Service Per </a:t>
+            </a:r>
+            <a:r>
+              <a:rPr lang="en-US" sz="2000" dirty="0" smtClean="0">
+                <a:solidFill>
+                  <a:srgbClr val="D24726"/>
+                </a:solidFill>
+                <a:latin typeface="Segoe UI Light" panose="020B0502040204020203" pitchFamily="34" charset="0"/>
+                <a:cs typeface="Segoe UI Light" panose="020B0502040204020203" pitchFamily="34" charset="0"/>
+              </a:rPr>
+              <a:t>Node</a:t>
+            </a:r>
+          </a:p>
+        </p:txBody>
+      </p:sp>
+      <p:sp>
+        <p:nvSpPr>
+          <p:cNvPr id="4" name="Rectangle 3"/>
+          <p:cNvSpPr/>
+          <p:nvPr/>
+        </p:nvSpPr>
+        <p:spPr>
+          <a:xfrm>
+            <a:off x="7005487" y="5257762"/>
+            <a:ext cx="4354141" cy="338554"/>
+          </a:xfrm>
+          <a:prstGeom prst="rect">
+            <a:avLst/>
+          </a:prstGeom>
+        </p:spPr>
+        <p:txBody>
+          <a:bodyPr wrap="none">
+            <a:spAutoFit/>
+          </a:bodyPr>
+          <a:lstStyle/>
+          <a:p>
+            <a:pPr marL="285750" indent="-285750">
+              <a:buFont typeface="Arial" panose="020B0604020202020204" pitchFamily="34" charset="0"/>
+              <a:buChar char="•"/>
+            </a:pPr>
+            <a:r>
+              <a:rPr lang="en-US" sz="1600" dirty="0" smtClean="0">
+                <a:latin typeface="Segoe UI Light" panose="020B0502040204020203" pitchFamily="34" charset="0"/>
+                <a:cs typeface="Segoe UI Light" panose="020B0502040204020203" pitchFamily="34" charset="0"/>
+              </a:rPr>
+              <a:t>Service </a:t>
+            </a:r>
+            <a:r>
+              <a:rPr lang="en-US" sz="1600" dirty="0">
+                <a:latin typeface="Segoe UI Light" panose="020B0502040204020203" pitchFamily="34" charset="0"/>
+                <a:cs typeface="Segoe UI Light" panose="020B0502040204020203" pitchFamily="34" charset="0"/>
+              </a:rPr>
+              <a:t>separation </a:t>
+            </a:r>
+            <a:r>
+              <a:rPr lang="en-US" sz="1600" dirty="0" smtClean="0">
+                <a:latin typeface="Segoe UI Light" panose="020B0502040204020203" pitchFamily="34" charset="0"/>
+                <a:cs typeface="Segoe UI Light" panose="020B0502040204020203" pitchFamily="34" charset="0"/>
+              </a:rPr>
+              <a:t>achieved </a:t>
+            </a:r>
+            <a:r>
+              <a:rPr lang="en-US" sz="1600" dirty="0">
+                <a:latin typeface="Segoe UI Light" panose="020B0502040204020203" pitchFamily="34" charset="0"/>
+                <a:cs typeface="Segoe UI Light" panose="020B0502040204020203" pitchFamily="34" charset="0"/>
+              </a:rPr>
+              <a:t>using </a:t>
+            </a:r>
+            <a:r>
+              <a:rPr lang="en-US" sz="1600" dirty="0">
+                <a:latin typeface="Segoe UI Light" panose="020B0502040204020203" pitchFamily="34" charset="0"/>
+                <a:cs typeface="Segoe UI Light" panose="020B0502040204020203" pitchFamily="34" charset="0"/>
+                <a:hlinkClick r:id="rId2" action="ppaction://hlinksldjump"/>
+              </a:rPr>
+              <a:t>Containers</a:t>
+            </a:r>
+            <a:endParaRPr lang="en-US" sz="1600" dirty="0">
               <a:latin typeface="Segoe UI Light" panose="020B0502040204020203" pitchFamily="34" charset="0"/>
               <a:cs typeface="Segoe UI Light" panose="020B0502040204020203" pitchFamily="34" charset="0"/>
             </a:endParaRPr>
@@ -8995,14 +9066,7 @@
                 <a:latin typeface="Segoe UI" panose="020B0502040204020203" pitchFamily="34" charset="0"/>
                 <a:cs typeface="Segoe UI" panose="020B0502040204020203" pitchFamily="34" charset="0"/>
               </a:rPr>
-              <a:t>Different ways that services can communicate</a:t>
-            </a:r>
-            <a:r>
-              <a:rPr lang="en-US" sz="1800" dirty="0">
-                <a:latin typeface="Segoe UI" panose="020B0502040204020203" pitchFamily="34" charset="0"/>
-                <a:cs typeface="Segoe UI" panose="020B0502040204020203" pitchFamily="34" charset="0"/>
-              </a:rPr>
-              <a:t>.</a:t>
+              <a:t>Different ways that services can communicate.</a:t>
             </a:r>
           </a:p>
           <a:p>
@@ -10453,7 +10517,21 @@
                 <a:latin typeface="Segoe UI Light" panose="020B0502040204020203" pitchFamily="34" charset="0"/>
                 <a:cs typeface="Segoe UI Light" panose="020B0502040204020203" pitchFamily="34" charset="0"/>
               </a:rPr>
-              <a:t>What can you build with Service Fabric?</a:t>
+              <a:t>What can you </a:t>
+            </a:r>
+            <a:r>
+              <a:rPr lang="en-US" dirty="0" smtClean="0">
+                <a:latin typeface="Segoe UI Light" panose="020B0502040204020203" pitchFamily="34" charset="0"/>
+                <a:cs typeface="Segoe UI Light" panose="020B0502040204020203" pitchFamily="34" charset="0"/>
+              </a:rPr>
+              <a:t>build/deploy </a:t>
+            </a:r>
+            <a:r>
+              <a:rPr lang="en-US" dirty="0" smtClean="0">
+                <a:latin typeface="Segoe UI Light" panose="020B0502040204020203" pitchFamily="34" charset="0"/>
+                <a:cs typeface="Segoe UI Light" panose="020B0502040204020203" pitchFamily="34" charset="0"/>
+              </a:rPr>
+              <a:t>with Service Fabric?</a:t>
             </a:r>
             <a:endParaRPr lang="en-US" dirty="0">
               <a:latin typeface="Segoe UI Light" panose="020B0502040204020203" pitchFamily="34" charset="0"/>
@@ -10720,8 +10798,40 @@
                 <a:latin typeface="Segoe UI" panose="020B0502040204020203" pitchFamily="34" charset="0"/>
                 <a:cs typeface="Segoe UI" panose="020B0502040204020203" pitchFamily="34" charset="0"/>
               </a:rPr>
-              <a:t>A service that has state where the state is persisted to external storage, such as Azure databases or Azure storage</a:t>
-            </a:r>
+              <a:t>A service that has state where the state is persisted to external storage, such as Azure databases or Azure </a:t>
+            </a:r>
+            <a:r>
+              <a:rPr lang="en-US" sz="1600" dirty="0" smtClean="0">
+                <a:latin typeface="Segoe UI" panose="020B0502040204020203" pitchFamily="34" charset="0"/>
+                <a:cs typeface="Segoe UI" panose="020B0502040204020203" pitchFamily="34" charset="0"/>
+              </a:rPr>
+              <a:t>storage</a:t>
+            </a:r>
+          </a:p>
+          <a:p>
+            <a:pPr>
+              <a:lnSpc>
+                <a:spcPct val="150000"/>
+              </a:lnSpc>
+              <a:spcBef>
+                <a:spcPts val="0"/>
+              </a:spcBef>
+              <a:spcAft>
+                <a:spcPts val="0"/>
+              </a:spcAft>
+              <a:defRPr/>
+            </a:pPr>
+            <a:r>
+              <a:rPr lang="en-US" sz="1600" dirty="0" smtClean="0">
+                <a:latin typeface="Segoe UI" panose="020B0502040204020203" pitchFamily="34" charset="0"/>
+                <a:cs typeface="Segoe UI" panose="020B0502040204020203" pitchFamily="34" charset="0"/>
+              </a:rPr>
+              <a:t>Communication through concurrent collections</a:t>
+            </a:r>
+            <a:endParaRPr lang="en-US" sz="1600" dirty="0" smtClean="0">
+              <a:latin typeface="Segoe UI" panose="020B0502040204020203" pitchFamily="34" charset="0"/>
+              <a:cs typeface="Segoe UI" panose="020B0502040204020203" pitchFamily="34" charset="0"/>
+            </a:endParaRPr>
           </a:p>
           <a:p>
             <a:pPr>
@@ -10940,16 +11050,6 @@
               </a:rPr>
               <a:t>...)</a:t>
             </a:r>
-            <a:endParaRPr lang="en-US" sz="1600" dirty="0" smtClean="0">
-              <a:solidFill>
-                <a:prstClr val="black">
-                  <a:lumMod val="75000"/>
-                  <a:lumOff val="25000"/>
-                </a:prstClr>
-              </a:solidFill>
-              <a:latin typeface="Segoe UI" panose="020B0502040204020203" pitchFamily="34" charset="0"/>
-              <a:cs typeface="Segoe UI" panose="020B0502040204020203" pitchFamily="34" charset="0"/>
-            </a:endParaRPr>
           </a:p>
         </p:txBody>
       </p:sp>
@@ -11944,10 +12044,6 @@
               </a:rPr>
               <a:t>Windows</a:t>
             </a:r>
-            <a:endParaRPr lang="en-US" sz="1600" dirty="0" smtClean="0">
-              <a:latin typeface="Segoe UI" panose="020B0502040204020203" pitchFamily="34" charset="0"/>
-              <a:cs typeface="Segoe UI" panose="020B0502040204020203" pitchFamily="34" charset="0"/>
-            </a:endParaRPr>
           </a:p>
           <a:p>
             <a:pPr>
@@ -12067,14 +12163,7 @@
                 <a:latin typeface="Segoe UI Light" panose="020B0502040204020203" pitchFamily="34" charset="0"/>
                 <a:cs typeface="Segoe UI Light" panose="020B0502040204020203" pitchFamily="34" charset="0"/>
               </a:rPr>
-              <a:t>Clusters </a:t>
-            </a:r>
-            <a:r>
-              <a:rPr lang="en-US" dirty="0" smtClean="0">
-                <a:latin typeface="Segoe UI Light" panose="020B0502040204020203" pitchFamily="34" charset="0"/>
-                <a:cs typeface="Segoe UI Light" panose="020B0502040204020203" pitchFamily="34" charset="0"/>
-              </a:rPr>
-              <a:t>and Nodes</a:t>
+              <a:t>Clusters and Nodes</a:t>
             </a:r>
             <a:endParaRPr lang="en-US" dirty="0">
               <a:latin typeface="Segoe UI Light" panose="020B0502040204020203" pitchFamily="34" charset="0"/>
@@ -13247,20 +13336,7 @@
                 <a:latin typeface="Segoe UI Light" panose="020B0502040204020203" pitchFamily="34" charset="0"/>
                 <a:cs typeface="Segoe UI Light" panose="020B0502040204020203" pitchFamily="34" charset="0"/>
               </a:rPr>
-              <a:t>Clusters </a:t>
-            </a:r>
-            <a:r>
-              <a:rPr lang="en-US" sz="1600" dirty="0" smtClean="0">
-                <a:solidFill>
-                  <a:prstClr val="black">
-                    <a:lumMod val="75000"/>
-                    <a:lumOff val="25000"/>
-                  </a:prstClr>
-                </a:solidFill>
-                <a:latin typeface="Segoe UI Light" panose="020B0502040204020203" pitchFamily="34" charset="0"/>
-                <a:cs typeface="Segoe UI Light" panose="020B0502040204020203" pitchFamily="34" charset="0"/>
-              </a:rPr>
-              <a:t>and Nodes</a:t>
+              <a:t>Clusters and Nodes</a:t>
             </a:r>
           </a:p>
           <a:p>
@@ -14717,7 +14793,6 @@
                 <a:rPr lang="en-US" sz="1200" dirty="0"/>
                 <a:t>Microservice</a:t>
               </a:r>
-              <a:endParaRPr lang="en-US" sz="1200" dirty="0"/>
             </a:p>
           </p:txBody>
         </p:sp>
@@ -16632,6 +16707,54 @@
           </a:p>
         </p:txBody>
       </p:sp>
+      <p:sp>
+        <p:nvSpPr>
+          <p:cNvPr id="4" name="Action Button: Return 3">
+            <a:hlinkClick r:id="" action="ppaction://hlinkshowjump?jump=lastslideviewed" highlightClick="1"/>
+          </p:cNvPr>
+          <p:cNvSpPr/>
+          <p:nvPr/>
+        </p:nvSpPr>
+        <p:spPr>
+          <a:xfrm rot="16200000">
+            <a:off x="11340873" y="5998028"/>
+            <a:ext cx="540202" cy="540202"/>
+          </a:xfrm>
+          <a:prstGeom prst="actionButtonReturn">
+            <a:avLst/>
+          </a:prstGeom>
+          <a:noFill/>
+          <a:ln w="19050">
+            <a:solidFill>
+              <a:srgbClr val="DD462F"/>
+            </a:solidFill>
+          </a:ln>
+        </p:spPr>
+        <p:style>
+          <a:lnRef idx="2">
+            <a:schemeClr val="accent1">
+              <a:shade val="50000"/>
+            </a:schemeClr>
+          </a:lnRef>
+          <a:fillRef idx="1">
+            <a:schemeClr val="accent1"/>
+          </a:fillRef>
+          <a:effectRef idx="0">
+            <a:schemeClr val="accent1"/>
+          </a:effectRef>
+          <a:fontRef idx="minor">
+            <a:schemeClr val="lt1"/>
+          </a:fontRef>
+        </p:style>
+        <p:txBody>
+          <a:bodyPr rtlCol="0" anchor="ctr"/>
+          <a:lstStyle/>
+          <a:p>
+            <a:pPr algn="ctr"/>
+            <a:endParaRPr lang="en-US"/>
+          </a:p>
+        </p:txBody>
+      </p:sp>
     </p:spTree>
     <p:extLst>
       <p:ext uri="{BB962C8B-B14F-4D97-AF65-F5344CB8AC3E}">
@@ -17040,6 +17163,54 @@
           </a:prstGeom>
         </p:spPr>
       </p:pic>
+      <p:sp>
+        <p:nvSpPr>
+          <p:cNvPr id="5" name="Action Button: Return 4">
+            <a:hlinkClick r:id="" action="ppaction://hlinkshowjump?jump=lastslideviewed" highlightClick="1"/>
+          </p:cNvPr>
+          <p:cNvSpPr/>
+          <p:nvPr/>
+        </p:nvSpPr>
+        <p:spPr>
+          <a:xfrm rot="16200000">
+            <a:off x="11340873" y="5998028"/>
+            <a:ext cx="540202" cy="540202"/>
+          </a:xfrm>
+          <a:prstGeom prst="actionButtonReturn">
+            <a:avLst/>
+          </a:prstGeom>
+          <a:noFill/>
+          <a:ln w="19050">
+            <a:solidFill>
+              <a:srgbClr val="DD462F"/>
+            </a:solidFill>
+          </a:ln>
+        </p:spPr>
+        <p:style>
+          <a:lnRef idx="2">
+            <a:schemeClr val="accent1">
+              <a:shade val="50000"/>
+            </a:schemeClr>
+          </a:lnRef>
+          <a:fillRef idx="1">
+            <a:schemeClr val="accent1"/>
+          </a:fillRef>
+          <a:effectRef idx="0">
+            <a:schemeClr val="accent1"/>
+          </a:effectRef>
+          <a:fontRef idx="minor">
+            <a:schemeClr val="lt1"/>
+          </a:fontRef>
+        </p:style>
+        <p:txBody>
+          <a:bodyPr rtlCol="0" anchor="ctr"/>
+          <a:lstStyle/>
+          <a:p>
+            <a:pPr algn="ctr"/>
+            <a:endParaRPr lang="en-US"/>
+          </a:p>
+        </p:txBody>
+      </p:sp>
     </p:spTree>
     <p:extLst>
       <p:ext uri="{BB962C8B-B14F-4D97-AF65-F5344CB8AC3E}">
@@ -17521,6 +17692,54 @@
           </a:extLst>
         </p:spPr>
       </p:pic>
+      <p:sp>
+        <p:nvSpPr>
+          <p:cNvPr id="5" name="Action Button: Return 4">
+            <a:hlinkClick r:id="" action="ppaction://hlinkshowjump?jump=lastslideviewed" highlightClick="1"/>
+          </p:cNvPr>
+          <p:cNvSpPr/>
+          <p:nvPr/>
+        </p:nvSpPr>
+        <p:spPr>
+          <a:xfrm rot="16200000">
+            <a:off x="11340873" y="5998028"/>
+            <a:ext cx="540202" cy="540202"/>
+          </a:xfrm>
+          <a:prstGeom prst="actionButtonReturn">
+            <a:avLst/>
+          </a:prstGeom>
+          <a:noFill/>
+          <a:ln w="19050">
+            <a:solidFill>
+              <a:srgbClr val="DD462F"/>
+            </a:solidFill>
+          </a:ln>
+        </p:spPr>
+        <p:style>
+          <a:lnRef idx="2">
+            <a:schemeClr val="accent1">
+              <a:shade val="50000"/>
+            </a:schemeClr>
+          </a:lnRef>
+          <a:fillRef idx="1">
+            <a:schemeClr val="accent1"/>
+          </a:fillRef>
+          <a:effectRef idx="0">
+            <a:schemeClr val="accent1"/>
+          </a:effectRef>
+          <a:fontRef idx="minor">
+            <a:schemeClr val="lt1"/>
+          </a:fontRef>
+        </p:style>
+        <p:txBody>
+          <a:bodyPr rtlCol="0" anchor="ctr"/>
+          <a:lstStyle/>
+          <a:p>
+            <a:pPr algn="ctr"/>
+            <a:endParaRPr lang="en-US"/>
+          </a:p>
+        </p:txBody>
+      </p:sp>
     </p:spTree>
     <p:extLst>
       <p:ext uri="{BB962C8B-B14F-4D97-AF65-F5344CB8AC3E}">
@@ -17831,14 +18050,7 @@
                 <a:latin typeface="Segoe UI" panose="020B0502040204020203" pitchFamily="34" charset="0"/>
                 <a:cs typeface="Segoe UI" panose="020B0502040204020203" pitchFamily="34" charset="0"/>
               </a:rPr>
-              <a:t>OWIN is a specification</a:t>
-            </a:r>
-            <a:r>
-              <a:rPr lang="en-US" sz="1800" dirty="0" smtClean="0">
-                <a:latin typeface="Segoe UI" panose="020B0502040204020203" pitchFamily="34" charset="0"/>
-                <a:cs typeface="Segoe UI" panose="020B0502040204020203" pitchFamily="34" charset="0"/>
-              </a:rPr>
-              <a:t> defines how we can separate the Host from the Application.</a:t>
+              <a:t>OWIN is a specification defines how we can separate the Host from the Application.</a:t>
             </a:r>
           </a:p>
           <a:p>
@@ -17903,10 +18115,6 @@
               </a:rPr>
               <a:t>the open source ecosystem of .NET web development tools</a:t>
             </a:r>
-            <a:endParaRPr lang="en-US" sz="1800" dirty="0">
-              <a:latin typeface="Segoe UI" panose="020B0502040204020203" pitchFamily="34" charset="0"/>
-              <a:cs typeface="Segoe UI" panose="020B0502040204020203" pitchFamily="34" charset="0"/>
-            </a:endParaRPr>
           </a:p>
         </p:txBody>
       </p:sp>
@@ -18498,11 +18706,6 @@
               </a:rPr>
               <a:t>(WebAPI)</a:t>
             </a:r>
-            <a:endParaRPr lang="en-US" sz="1400" dirty="0">
-              <a:solidFill>
-                <a:schemeClr val="bg1"/>
-              </a:solidFill>
-            </a:endParaRPr>
           </a:p>
         </p:txBody>
       </p:sp>
@@ -18569,18 +18772,7 @@
                 <a:ea typeface="+mn-ea"/>
                 <a:cs typeface="Segoe UI" panose="020B0502040204020203" pitchFamily="34" charset="0"/>
               </a:rPr>
-              <a:t>(Authentication</a:t>
-            </a:r>
-            <a:r>
-              <a:rPr lang="en-US" sz="1500" dirty="0">
-                <a:solidFill>
-                  <a:srgbClr val="DD462F"/>
-                </a:solidFill>
-                <a:latin typeface="Segoe UI" panose="020B0502040204020203" pitchFamily="34" charset="0"/>
-                <a:ea typeface="+mn-ea"/>
-                <a:cs typeface="Segoe UI" panose="020B0502040204020203" pitchFamily="34" charset="0"/>
-              </a:rPr>
-              <a:t>, WebAPI, </a:t>
+              <a:t>(Authentication, WebAPI, </a:t>
             </a:r>
             <a:r>
               <a:rPr lang="en-US" sz="1500" dirty="0" smtClean="0">
@@ -18610,6 +18802,54 @@
               <a:latin typeface="Segoe UI Light" panose="020B0502040204020203" pitchFamily="34" charset="0"/>
               <a:cs typeface="Segoe UI Light" panose="020B0502040204020203" pitchFamily="34" charset="0"/>
             </a:endParaRPr>
+          </a:p>
+        </p:txBody>
+      </p:sp>
+      <p:sp>
+        <p:nvSpPr>
+          <p:cNvPr id="17" name="Action Button: Return 16">
+            <a:hlinkClick r:id="" action="ppaction://hlinkshowjump?jump=lastslideviewed" highlightClick="1"/>
+          </p:cNvPr>
+          <p:cNvSpPr/>
+          <p:nvPr/>
+        </p:nvSpPr>
+        <p:spPr>
+          <a:xfrm rot="16200000">
+            <a:off x="11340873" y="5998028"/>
+            <a:ext cx="540202" cy="540202"/>
+          </a:xfrm>
+          <a:prstGeom prst="actionButtonReturn">
+            <a:avLst/>
+          </a:prstGeom>
+          <a:noFill/>
+          <a:ln w="19050">
+            <a:solidFill>
+              <a:srgbClr val="DD462F"/>
+            </a:solidFill>
+          </a:ln>
+        </p:spPr>
+        <p:style>
+          <a:lnRef idx="2">
+            <a:schemeClr val="accent1">
+              <a:shade val="50000"/>
+            </a:schemeClr>
+          </a:lnRef>
+          <a:fillRef idx="1">
+            <a:schemeClr val="accent1"/>
+          </a:fillRef>
+          <a:effectRef idx="0">
+            <a:schemeClr val="accent1"/>
+          </a:effectRef>
+          <a:fontRef idx="minor">
+            <a:schemeClr val="lt1"/>
+          </a:fontRef>
+        </p:style>
+        <p:txBody>
+          <a:bodyPr rtlCol="0" anchor="ctr"/>
+          <a:lstStyle/>
+          <a:p>
+            <a:pPr algn="ctr"/>
+            <a:endParaRPr lang="en-US"/>
           </a:p>
         </p:txBody>
       </p:sp>
@@ -19125,10 +19365,54 @@
               </a:rPr>
               <a:t>Appendix</a:t>
             </a:r>
-            <a:endParaRPr lang="en-US" dirty="0">
-              <a:latin typeface="Segoe UI Light" panose="020B0502040204020203" pitchFamily="34" charset="0"/>
-              <a:cs typeface="Segoe UI Light" panose="020B0502040204020203" pitchFamily="34" charset="0"/>
-            </a:endParaRPr>
+          </a:p>
+        </p:txBody>
+      </p:sp>
+      <p:sp>
+        <p:nvSpPr>
+          <p:cNvPr id="4" name="Action Button: Return 3">
+            <a:hlinkClick r:id="" action="ppaction://hlinkshowjump?jump=lastslideviewed" highlightClick="1"/>
+          </p:cNvPr>
+          <p:cNvSpPr/>
+          <p:nvPr/>
+        </p:nvSpPr>
+        <p:spPr>
+          <a:xfrm rot="16200000">
+            <a:off x="11340873" y="5998028"/>
+            <a:ext cx="540202" cy="540202"/>
+          </a:xfrm>
+          <a:prstGeom prst="actionButtonReturn">
+            <a:avLst/>
+          </a:prstGeom>
+          <a:noFill/>
+          <a:ln w="19050">
+            <a:solidFill>
+              <a:srgbClr val="DD462F"/>
+            </a:solidFill>
+          </a:ln>
+        </p:spPr>
+        <p:style>
+          <a:lnRef idx="2">
+            <a:schemeClr val="accent1">
+              <a:shade val="50000"/>
+            </a:schemeClr>
+          </a:lnRef>
+          <a:fillRef idx="1">
+            <a:schemeClr val="accent1"/>
+          </a:fillRef>
+          <a:effectRef idx="0">
+            <a:schemeClr val="accent1"/>
+          </a:effectRef>
+          <a:fontRef idx="minor">
+            <a:schemeClr val="lt1"/>
+          </a:fontRef>
+        </p:style>
+        <p:txBody>
+          <a:bodyPr rtlCol="0" anchor="ctr"/>
+          <a:lstStyle/>
+          <a:p>
+            <a:pPr algn="ctr"/>
+            <a:endParaRPr lang="en-US"/>
           </a:p>
         </p:txBody>
       </p:sp>
@@ -20521,7 +20805,7 @@
         </p:nvSpPr>
         <p:spPr>
           <a:xfrm>
-            <a:off x="541610" y="1296100"/>
+            <a:off x="541610" y="1285215"/>
             <a:ext cx="10926490" cy="4490746"/>
           </a:xfrm>
           <a:prstGeom prst="rect">
@@ -20761,17 +21045,7 @@
                 <a:latin typeface="Segoe UI" panose="020B0502040204020203" pitchFamily="34" charset="0"/>
                 <a:cs typeface="Segoe UI" panose="020B0502040204020203" pitchFamily="34" charset="0"/>
               </a:rPr>
-              <a:t>independently </a:t>
-            </a:r>
-            <a:r>
-              <a:rPr lang="en-US" sz="1800" b="1" dirty="0" smtClean="0">
-                <a:solidFill>
-                  <a:srgbClr val="D24726"/>
-                </a:solidFill>
-                <a:latin typeface="Segoe UI" panose="020B0502040204020203" pitchFamily="34" charset="0"/>
-                <a:cs typeface="Segoe UI" panose="020B0502040204020203" pitchFamily="34" charset="0"/>
-              </a:rPr>
-              <a:t>deployable</a:t>
+              <a:t>independently deployable</a:t>
             </a:r>
             <a:r>
               <a:rPr lang="en-US" sz="1800" dirty="0">
@@ -20951,14 +21225,7 @@
                 <a:latin typeface="Segoe UI" panose="020B0502040204020203" pitchFamily="34" charset="0"/>
                 <a:cs typeface="Segoe UI" panose="020B0502040204020203" pitchFamily="34" charset="0"/>
               </a:rPr>
-              <a:t>(API’s and Message </a:t>
-            </a:r>
-            <a:r>
-              <a:rPr lang="en-US" sz="1800" dirty="0" smtClean="0">
-                <a:latin typeface="Segoe UI" panose="020B0502040204020203" pitchFamily="34" charset="0"/>
-                <a:cs typeface="Segoe UI" panose="020B0502040204020203" pitchFamily="34" charset="0"/>
-              </a:rPr>
-              <a:t>Queues)</a:t>
+              <a:t>(API’s and Message Queues)</a:t>
             </a:r>
           </a:p>
         </p:txBody>
@@ -21056,7 +21323,7 @@
         </p:blipFill>
         <p:spPr bwMode="auto">
           <a:xfrm>
-            <a:off x="5462749" y="3500845"/>
+            <a:off x="5724006" y="3500845"/>
             <a:ext cx="1254034" cy="1254035"/>
           </a:xfrm>
           <a:prstGeom prst="rect">
@@ -21084,16 +21351,16 @@
         </p:nvSpPr>
         <p:spPr>
           <a:xfrm>
-            <a:off x="7314114" y="3807822"/>
-            <a:ext cx="4153986" cy="640080"/>
+            <a:off x="8131629" y="4171672"/>
+            <a:ext cx="2841171" cy="672472"/>
           </a:xfrm>
           <a:prstGeom prst="rect">
             <a:avLst/>
           </a:prstGeom>
         </p:spPr>
         <p:txBody>
-          <a:bodyPr vert="horz" lIns="91440" tIns="45720" rIns="91440" bIns="45720" rtlCol="0" anchor="b" anchorCtr="0">
-            <a:normAutofit/>
+          <a:bodyPr vert="horz" lIns="91440" tIns="45720" rIns="91440" bIns="45720" rtlCol="0" anchor="t" anchorCtr="0">
+            <a:normAutofit lnSpcReduction="10000"/>
           </a:bodyPr>
           <a:lstStyle>
             <a:lvl1pPr algn="l" defTabSz="914400" rtl="0" eaLnBrk="1" latinLnBrk="0" hangingPunct="1">
@@ -21114,19 +21381,33 @@
             </a:lvl1pPr>
           </a:lstStyle>
           <a:p>
-            <a:r>
-              <a:rPr lang="en-US" b="1" dirty="0" smtClean="0">
-                <a:solidFill>
-                  <a:srgbClr val="D24726"/>
+            <a:pPr algn="ctr"/>
+            <a:r>
+              <a:rPr lang="en-US" sz="2000" b="1" dirty="0" smtClean="0">
+                <a:solidFill>
+                  <a:srgbClr val="0070C0"/>
                 </a:solidFill>
                 <a:latin typeface="Segoe UI Light" panose="020B0502040204020203" pitchFamily="34" charset="0"/>
                 <a:cs typeface="Segoe UI Light" panose="020B0502040204020203" pitchFamily="34" charset="0"/>
               </a:rPr>
-              <a:t>Reliable Azure Collections</a:t>
-            </a:r>
-            <a:endParaRPr lang="en-US" b="1" dirty="0">
+              <a:t>Reliable/Concurrent</a:t>
+            </a:r>
+          </a:p>
+          <a:p>
+            <a:pPr algn="ctr"/>
+            <a:r>
+              <a:rPr lang="en-US" sz="2000" b="1" dirty="0" smtClean="0">
+                <a:solidFill>
+                  <a:srgbClr val="0070C0"/>
+                </a:solidFill>
+                <a:latin typeface="Segoe UI Light" panose="020B0502040204020203" pitchFamily="34" charset="0"/>
+                <a:cs typeface="Segoe UI Light" panose="020B0502040204020203" pitchFamily="34" charset="0"/>
+              </a:rPr>
+              <a:t>Collections</a:t>
+            </a:r>
+            <a:endParaRPr lang="en-US" sz="2000" b="1" dirty="0">
               <a:solidFill>
-                <a:srgbClr val="D24726"/>
+                <a:srgbClr val="0070C0"/>
               </a:solidFill>
               <a:latin typeface="Segoe UI Light" panose="020B0502040204020203" pitchFamily="34" charset="0"/>
               <a:cs typeface="Segoe UI Light" panose="020B0502040204020203" pitchFamily="34" charset="0"/>
@@ -21134,6 +21415,47 @@
           </a:p>
         </p:txBody>
       </p:sp>
+      <p:pic>
+        <p:nvPicPr>
+          <p:cNvPr id="2" name="Picture 2" descr="Image result for azure"/>
+          <p:cNvPicPr>
+            <a:picLocks noChangeAspect="1" noChangeArrowheads="1"/>
+          </p:cNvPicPr>
+          <p:nvPr/>
+        </p:nvPicPr>
+        <p:blipFill>
+          <a:blip r:embed="rId5" cstate="print">
+            <a:extLst>
+              <a:ext uri="{28A0092B-C50C-407E-A947-70E740481C1C}">
+                <a14:useLocalDpi xmlns:a14="http://schemas.microsoft.com/office/drawing/2010/main" val="0"/>
+              </a:ext>
+            </a:extLst>
+          </a:blip>
+          <a:srcRect/>
+          <a:stretch>
+            <a:fillRect/>
+          </a:stretch>
+        </p:blipFill>
+        <p:spPr bwMode="auto">
+          <a:xfrm>
+            <a:off x="7998977" y="3500845"/>
+            <a:ext cx="2973823" cy="856200"/>
+          </a:xfrm>
+          <a:prstGeom prst="rect">
+            <a:avLst/>
+          </a:prstGeom>
+          <a:noFill/>
+          <a:extLst>
+            <a:ext uri="{909E8E84-426E-40DD-AFC4-6F175D3DCCD1}">
+              <a14:hiddenFill xmlns:a14="http://schemas.microsoft.com/office/drawing/2010/main">
+                <a:solidFill>
+                  <a:srgbClr val="FFFFFF"/>
+                </a:solidFill>
+              </a14:hiddenFill>
+            </a:ext>
+          </a:extLst>
+        </p:spPr>
+      </p:pic>
     </p:spTree>
     <p:extLst>
       <p:ext uri="{BB962C8B-B14F-4D97-AF65-F5344CB8AC3E}">
@@ -23016,14 +23338,7 @@
                 <a:latin typeface="Segoe UI" panose="020B0502040204020203" pitchFamily="34" charset="0"/>
                 <a:cs typeface="Segoe UI" panose="020B0502040204020203" pitchFamily="34" charset="0"/>
               </a:rPr>
-              <a:t>alignment </a:t>
-            </a:r>
-            <a:r>
-              <a:rPr lang="en-US" sz="1800" dirty="0" smtClean="0">
-                <a:latin typeface="Segoe UI" panose="020B0502040204020203" pitchFamily="34" charset="0"/>
-                <a:cs typeface="Segoe UI" panose="020B0502040204020203" pitchFamily="34" charset="0"/>
-              </a:rPr>
-              <a:t>(Goes with domain driven design)</a:t>
+              <a:t>alignment (Goes with domain driven design)</a:t>
             </a:r>
             <a:endParaRPr lang="en-US" sz="1800" dirty="0">
               <a:latin typeface="Segoe UI" panose="020B0502040204020203" pitchFamily="34" charset="0"/>
@@ -23048,14 +23363,7 @@
                 <a:latin typeface="Segoe UI" panose="020B0502040204020203" pitchFamily="34" charset="0"/>
                 <a:cs typeface="Segoe UI" panose="020B0502040204020203" pitchFamily="34" charset="0"/>
               </a:rPr>
-              <a:t>Autonomous </a:t>
-            </a:r>
-            <a:r>
-              <a:rPr lang="en-US" sz="1800" dirty="0" smtClean="0">
-                <a:latin typeface="Segoe UI" panose="020B0502040204020203" pitchFamily="34" charset="0"/>
-                <a:cs typeface="Segoe UI" panose="020B0502040204020203" pitchFamily="34" charset="0"/>
-              </a:rPr>
-              <a:t>services (Self managed services)</a:t>
+              <a:t>Autonomous services (Self managed services)</a:t>
             </a:r>
           </a:p>
           <a:p>
@@ -23092,6 +23400,52 @@
               </a:rPr>
               <a:t>)</a:t>
             </a:r>
+          </a:p>
+          <a:p>
+            <a:pPr lvl="1">
+              <a:lnSpc>
+                <a:spcPct val="150000"/>
+              </a:lnSpc>
+              <a:spcBef>
+                <a:spcPts val="0"/>
+              </a:spcBef>
+              <a:spcAft>
+                <a:spcPts val="0"/>
+              </a:spcAft>
+              <a:defRPr/>
+            </a:pPr>
+            <a:r>
+              <a:rPr lang="en-US" sz="1800" dirty="0" smtClean="0">
+                <a:latin typeface="Segoe UI" panose="020B0502040204020203" pitchFamily="34" charset="0"/>
+                <a:cs typeface="Segoe UI" panose="020B0502040204020203" pitchFamily="34" charset="0"/>
+              </a:rPr>
+              <a:t>Faster developer </a:t>
+            </a:r>
+            <a:r>
+              <a:rPr lang="en-US" sz="1800" dirty="0" err="1" smtClean="0">
+                <a:latin typeface="Segoe UI" panose="020B0502040204020203" pitchFamily="34" charset="0"/>
+                <a:cs typeface="Segoe UI" panose="020B0502040204020203" pitchFamily="34" charset="0"/>
+              </a:rPr>
+              <a:t>rampup</a:t>
+            </a:r>
+            <a:endParaRPr lang="en-US" sz="1800" dirty="0" smtClean="0">
+              <a:latin typeface="Segoe UI" panose="020B0502040204020203" pitchFamily="34" charset="0"/>
+              <a:cs typeface="Segoe UI" panose="020B0502040204020203" pitchFamily="34" charset="0"/>
+            </a:endParaRPr>
+          </a:p>
+          <a:p>
+            <a:pPr lvl="1">
+              <a:lnSpc>
+                <a:spcPct val="150000"/>
+              </a:lnSpc>
+              <a:spcBef>
+                <a:spcPts val="0"/>
+              </a:spcBef>
+              <a:spcAft>
+                <a:spcPts val="0"/>
+              </a:spcAft>
+              <a:defRPr/>
+            </a:pPr>
             <a:endParaRPr lang="en-US" sz="1800" dirty="0" smtClean="0">
               <a:latin typeface="Segoe UI" panose="020B0502040204020203" pitchFamily="34" charset="0"/>
               <a:cs typeface="Segoe UI" panose="020B0502040204020203" pitchFamily="34" charset="0"/>
@@ -23526,6 +23880,55 @@
                                           <p:spTgt spid="38">
                                             <p:txEl>
                                               <p:pRg st="7" end="7"/>
+                                            </p:txEl>
+                                          </p:spTgt>
+                                        </p:tgtEl>
+                                        <p:attrNameLst>
+                                          <p:attrName>style.visibility</p:attrName>
+                                        </p:attrNameLst>
+                                      </p:cBhvr>
+                                      <p:to>
+                                        <p:strVal val="visible"/>
+                                      </p:to>
+                                    </p:set>
+                                  </p:childTnLst>
+                                </p:cTn>
+                              </p:par>
+                            </p:childTnLst>
+                          </p:cTn>
+                        </p:par>
+                      </p:childTnLst>
+                    </p:cTn>
+                  </p:par>
+                  <p:par>
+                    <p:cTn id="35" fill="hold">
+                      <p:stCondLst>
+                        <p:cond delay="indefinite"/>
+                      </p:stCondLst>
+                      <p:childTnLst>
+                        <p:par>
+                          <p:cTn id="36" fill="hold">
+                            <p:stCondLst>
+                              <p:cond delay="0"/>
+                            </p:stCondLst>
+                            <p:childTnLst>
+                              <p:par>
+                                <p:cTn id="37" presetID="1" presetClass="entr" presetSubtype="0" fill="hold" grpId="0" nodeType="clickEffect">
+                                  <p:stCondLst>
+                                    <p:cond delay="0"/>
+                                  </p:stCondLst>
+                                  <p:childTnLst>
+                                    <p:set>
+                                      <p:cBhvr>
+                                        <p:cTn id="38" dur="1" fill="hold">
+                                          <p:stCondLst>
+                                            <p:cond delay="0"/>
+                                          </p:stCondLst>
+                                        </p:cTn>
+                                        <p:tgtEl>
+                                          <p:spTgt spid="38">
+                                            <p:txEl>
+                                              <p:pRg st="8" end="8"/>
                                             </p:txEl>
                                           </p:spTgt>
                                         </p:tgtEl>

--- a/Documents/MicroServices.pptx
+++ b/Documents/MicroServices.pptx
@@ -5,10 +5,10 @@
     <p:sldMasterId id="2147483660" r:id="rId1"/>
   </p:sldMasterIdLst>
   <p:notesMasterIdLst>
-    <p:notesMasterId r:id="rId33"/>
+    <p:notesMasterId r:id="rId34"/>
   </p:notesMasterIdLst>
   <p:handoutMasterIdLst>
-    <p:handoutMasterId r:id="rId34"/>
+    <p:handoutMasterId r:id="rId35"/>
   </p:handoutMasterIdLst>
   <p:sldIdLst>
     <p:sldId id="256" r:id="rId2"/>
@@ -18,30 +18,31 @@
     <p:sldId id="296" r:id="rId6"/>
     <p:sldId id="282" r:id="rId7"/>
     <p:sldId id="306" r:id="rId8"/>
-    <p:sldId id="283" r:id="rId9"/>
-    <p:sldId id="301" r:id="rId10"/>
-    <p:sldId id="300" r:id="rId11"/>
-    <p:sldId id="311" r:id="rId12"/>
-    <p:sldId id="314" r:id="rId13"/>
-    <p:sldId id="315" r:id="rId14"/>
-    <p:sldId id="284" r:id="rId15"/>
-    <p:sldId id="286" r:id="rId16"/>
-    <p:sldId id="285" r:id="rId17"/>
-    <p:sldId id="287" r:id="rId18"/>
-    <p:sldId id="307" r:id="rId19"/>
-    <p:sldId id="308" r:id="rId20"/>
-    <p:sldId id="288" r:id="rId21"/>
-    <p:sldId id="293" r:id="rId22"/>
-    <p:sldId id="309" r:id="rId23"/>
-    <p:sldId id="312" r:id="rId24"/>
-    <p:sldId id="294" r:id="rId25"/>
-    <p:sldId id="302" r:id="rId26"/>
-    <p:sldId id="303" r:id="rId27"/>
-    <p:sldId id="304" r:id="rId28"/>
-    <p:sldId id="305" r:id="rId29"/>
-    <p:sldId id="310" r:id="rId30"/>
-    <p:sldId id="289" r:id="rId31"/>
-    <p:sldId id="295" r:id="rId32"/>
+    <p:sldId id="316" r:id="rId9"/>
+    <p:sldId id="283" r:id="rId10"/>
+    <p:sldId id="301" r:id="rId11"/>
+    <p:sldId id="300" r:id="rId12"/>
+    <p:sldId id="311" r:id="rId13"/>
+    <p:sldId id="314" r:id="rId14"/>
+    <p:sldId id="315" r:id="rId15"/>
+    <p:sldId id="284" r:id="rId16"/>
+    <p:sldId id="286" r:id="rId17"/>
+    <p:sldId id="285" r:id="rId18"/>
+    <p:sldId id="287" r:id="rId19"/>
+    <p:sldId id="307" r:id="rId20"/>
+    <p:sldId id="308" r:id="rId21"/>
+    <p:sldId id="288" r:id="rId22"/>
+    <p:sldId id="293" r:id="rId23"/>
+    <p:sldId id="309" r:id="rId24"/>
+    <p:sldId id="312" r:id="rId25"/>
+    <p:sldId id="294" r:id="rId26"/>
+    <p:sldId id="302" r:id="rId27"/>
+    <p:sldId id="303" r:id="rId28"/>
+    <p:sldId id="304" r:id="rId29"/>
+    <p:sldId id="305" r:id="rId30"/>
+    <p:sldId id="310" r:id="rId31"/>
+    <p:sldId id="289" r:id="rId32"/>
+    <p:sldId id="295" r:id="rId33"/>
   </p:sldIdLst>
   <p:sldSz cx="12192000" cy="6858000"/>
   <p:notesSz cx="6858000" cy="9144000"/>
@@ -156,6 +157,7 @@
             <p14:sldId id="296"/>
             <p14:sldId id="282"/>
             <p14:sldId id="306"/>
+            <p14:sldId id="316"/>
             <p14:sldId id="283"/>
             <p14:sldId id="301"/>
             <p14:sldId id="300"/>
@@ -4280,7 +4282,7 @@
           <a:p>
             <a:fld id="{DF61EA0F-A667-4B49-8422-0062BC55E249}" type="slidenum">
               <a:rPr lang="en-US" smtClean="0"/>
-              <a:t>16</a:t>
+              <a:t>8</a:t>
             </a:fld>
             <a:endParaRPr lang="en-US"/>
           </a:p>
@@ -4289,7 +4291,7 @@
     </p:spTree>
     <p:extLst>
       <p:ext uri="{BB962C8B-B14F-4D97-AF65-F5344CB8AC3E}">
-        <p14:creationId xmlns:p14="http://schemas.microsoft.com/office/powerpoint/2010/main" val="3561141857"/>
+        <p14:creationId xmlns:p14="http://schemas.microsoft.com/office/powerpoint/2010/main" val="1459740396"/>
       </p:ext>
     </p:extLst>
   </p:cSld>
@@ -4369,7 +4371,7 @@
           <a:p>
             <a:fld id="{DF61EA0F-A667-4B49-8422-0062BC55E249}" type="slidenum">
               <a:rPr lang="en-US" smtClean="0"/>
-              <a:t>23</a:t>
+              <a:t>17</a:t>
             </a:fld>
             <a:endParaRPr lang="en-US"/>
           </a:p>
@@ -4378,7 +4380,7 @@
     </p:spTree>
     <p:extLst>
       <p:ext uri="{BB962C8B-B14F-4D97-AF65-F5344CB8AC3E}">
-        <p14:creationId xmlns:p14="http://schemas.microsoft.com/office/powerpoint/2010/main" val="1488580982"/>
+        <p14:creationId xmlns:p14="http://schemas.microsoft.com/office/powerpoint/2010/main" val="3561141857"/>
       </p:ext>
     </p:extLst>
   </p:cSld>
@@ -4467,7 +4469,7 @@
     </p:spTree>
     <p:extLst>
       <p:ext uri="{BB962C8B-B14F-4D97-AF65-F5344CB8AC3E}">
-        <p14:creationId xmlns:p14="http://schemas.microsoft.com/office/powerpoint/2010/main" val="2973915762"/>
+        <p14:creationId xmlns:p14="http://schemas.microsoft.com/office/powerpoint/2010/main" val="1488580982"/>
       </p:ext>
     </p:extLst>
   </p:cSld>
@@ -4547,7 +4549,96 @@
           <a:p>
             <a:fld id="{DF61EA0F-A667-4B49-8422-0062BC55E249}" type="slidenum">
               <a:rPr lang="en-US" smtClean="0"/>
-              <a:t>31</a:t>
+              <a:t>25</a:t>
+            </a:fld>
+            <a:endParaRPr lang="en-US"/>
+          </a:p>
+        </p:txBody>
+      </p:sp>
+    </p:spTree>
+    <p:extLst>
+      <p:ext uri="{BB962C8B-B14F-4D97-AF65-F5344CB8AC3E}">
+        <p14:creationId xmlns:p14="http://schemas.microsoft.com/office/powerpoint/2010/main" val="2973915762"/>
+      </p:ext>
+    </p:extLst>
+  </p:cSld>
+  <p:clrMapOvr>
+    <a:masterClrMapping/>
+  </p:clrMapOvr>
+</p:notes>
+</file>
+
+<file path=ppt/notesSlides/notesSlide7.xml><?xml version="1.0" encoding="utf-8"?>
+<p:notes xmlns:a="http://schemas.openxmlformats.org/drawingml/2006/main" xmlns:r="http://schemas.openxmlformats.org/officeDocument/2006/relationships" xmlns:p="http://schemas.openxmlformats.org/presentationml/2006/main">
+  <p:cSld>
+    <p:spTree>
+      <p:nvGrpSpPr>
+        <p:cNvPr id="1" name=""/>
+        <p:cNvGrpSpPr/>
+        <p:nvPr/>
+      </p:nvGrpSpPr>
+      <p:grpSpPr>
+        <a:xfrm>
+          <a:off x="0" y="0"/>
+          <a:ext cx="0" cy="0"/>
+          <a:chOff x="0" y="0"/>
+          <a:chExt cx="0" cy="0"/>
+        </a:xfrm>
+      </p:grpSpPr>
+      <p:sp>
+        <p:nvSpPr>
+          <p:cNvPr id="2" name="Slide Image Placeholder 1"/>
+          <p:cNvSpPr>
+            <a:spLocks noGrp="1" noRot="1" noChangeAspect="1"/>
+          </p:cNvSpPr>
+          <p:nvPr>
+            <p:ph type="sldImg"/>
+          </p:nvPr>
+        </p:nvSpPr>
+        <p:spPr>
+          <a:xfrm>
+            <a:off x="685800" y="1143000"/>
+            <a:ext cx="5486400" cy="3086100"/>
+          </a:xfrm>
+        </p:spPr>
+      </p:sp>
+      <p:sp>
+        <p:nvSpPr>
+          <p:cNvPr id="3" name="Notes Placeholder 2"/>
+          <p:cNvSpPr>
+            <a:spLocks noGrp="1"/>
+          </p:cNvSpPr>
+          <p:nvPr>
+            <p:ph type="body" idx="1"/>
+          </p:nvPr>
+        </p:nvSpPr>
+        <p:spPr/>
+        <p:txBody>
+          <a:bodyPr/>
+          <a:lstStyle/>
+          <a:p>
+            <a:endParaRPr lang="en-US" dirty="0"/>
+          </a:p>
+        </p:txBody>
+      </p:sp>
+      <p:sp>
+        <p:nvSpPr>
+          <p:cNvPr id="4" name="Slide Number Placeholder 3"/>
+          <p:cNvSpPr>
+            <a:spLocks noGrp="1"/>
+          </p:cNvSpPr>
+          <p:nvPr>
+            <p:ph type="sldNum" sz="quarter" idx="10"/>
+          </p:nvPr>
+        </p:nvSpPr>
+        <p:spPr/>
+        <p:txBody>
+          <a:bodyPr/>
+          <a:lstStyle/>
+          <a:p>
+            <a:fld id="{DF61EA0F-A667-4B49-8422-0062BC55E249}" type="slidenum">
+              <a:rPr lang="en-US" smtClean="0"/>
+              <a:t>32</a:t>
             </a:fld>
             <a:endParaRPr lang="en-US"/>
           </a:p>
@@ -6437,6 +6528,890 @@
 </file>
 
 <file path=ppt/slides/slide10.xml><?xml version="1.0" encoding="utf-8"?>
+<p:sld xmlns:a="http://schemas.openxmlformats.org/drawingml/2006/main" xmlns:r="http://schemas.openxmlformats.org/officeDocument/2006/relationships" xmlns:p="http://schemas.openxmlformats.org/presentationml/2006/main">
+  <p:cSld>
+    <p:spTree>
+      <p:nvGrpSpPr>
+        <p:cNvPr id="1" name=""/>
+        <p:cNvGrpSpPr/>
+        <p:nvPr/>
+      </p:nvGrpSpPr>
+      <p:grpSpPr>
+        <a:xfrm>
+          <a:off x="0" y="0"/>
+          <a:ext cx="0" cy="0"/>
+          <a:chOff x="0" y="0"/>
+          <a:chExt cx="0" cy="0"/>
+        </a:xfrm>
+      </p:grpSpPr>
+      <p:sp>
+        <p:nvSpPr>
+          <p:cNvPr id="8" name="Title 7"/>
+          <p:cNvSpPr>
+            <a:spLocks noGrp="1"/>
+          </p:cNvSpPr>
+          <p:nvPr>
+            <p:ph type="title"/>
+          </p:nvPr>
+        </p:nvSpPr>
+        <p:spPr/>
+        <p:txBody>
+          <a:bodyPr/>
+          <a:lstStyle/>
+          <a:p>
+            <a:r>
+              <a:rPr lang="en-US" dirty="0" smtClean="0">
+                <a:latin typeface="Segoe UI Light" panose="020B0502040204020203" pitchFamily="34" charset="0"/>
+                <a:cs typeface="Segoe UI Light" panose="020B0502040204020203" pitchFamily="34" charset="0"/>
+              </a:rPr>
+              <a:t>Common Microservices Design Patterns</a:t>
+            </a:r>
+            <a:endParaRPr lang="en-US" dirty="0">
+              <a:latin typeface="Segoe UI Light" panose="020B0502040204020203" pitchFamily="34" charset="0"/>
+              <a:cs typeface="Segoe UI Light" panose="020B0502040204020203" pitchFamily="34" charset="0"/>
+            </a:endParaRPr>
+          </a:p>
+        </p:txBody>
+      </p:sp>
+      <p:sp>
+        <p:nvSpPr>
+          <p:cNvPr id="7" name="Content Placeholder 17"/>
+          <p:cNvSpPr txBox="1">
+            <a:spLocks/>
+          </p:cNvSpPr>
+          <p:nvPr/>
+        </p:nvSpPr>
+        <p:spPr>
+          <a:xfrm>
+            <a:off x="541610" y="1296100"/>
+            <a:ext cx="10062890" cy="1942400"/>
+          </a:xfrm>
+          <a:prstGeom prst="rect">
+            <a:avLst/>
+          </a:prstGeom>
+        </p:spPr>
+        <p:txBody>
+          <a:bodyPr vert="horz" lIns="91440" tIns="45720" rIns="91440" bIns="45720" rtlCol="0">
+            <a:normAutofit/>
+          </a:bodyPr>
+          <a:lstStyle>
+            <a:lvl1pPr marL="228600" indent="-228600" algn="l" defTabSz="914400" rtl="0" eaLnBrk="1" latinLnBrk="0" hangingPunct="1">
+              <a:lnSpc>
+                <a:spcPts val="1800"/>
+              </a:lnSpc>
+              <a:spcBef>
+                <a:spcPts val="1000"/>
+              </a:spcBef>
+              <a:spcAft>
+                <a:spcPts val="1000"/>
+              </a:spcAft>
+              <a:buFont typeface="Arial" panose="020B0604020202020204" pitchFamily="34" charset="0"/>
+              <a:buChar char="•"/>
+              <a:defRPr lang="en-US" sz="1200" kern="1200" smtClean="0">
+                <a:solidFill>
+                  <a:schemeClr val="tx1">
+                    <a:lumMod val="75000"/>
+                    <a:lumOff val="25000"/>
+                  </a:schemeClr>
+                </a:solidFill>
+                <a:latin typeface="+mn-lt"/>
+                <a:ea typeface="+mn-ea"/>
+                <a:cs typeface="+mn-cs"/>
+              </a:defRPr>
+            </a:lvl1pPr>
+            <a:lvl2pPr marL="685800" indent="-228600" algn="l" defTabSz="914400" rtl="0" eaLnBrk="1" latinLnBrk="0" hangingPunct="1">
+              <a:lnSpc>
+                <a:spcPts val="1800"/>
+              </a:lnSpc>
+              <a:spcBef>
+                <a:spcPts val="1000"/>
+              </a:spcBef>
+              <a:spcAft>
+                <a:spcPts val="1000"/>
+              </a:spcAft>
+              <a:buFont typeface="Arial" panose="020B0604020202020204" pitchFamily="34" charset="0"/>
+              <a:buChar char="•"/>
+              <a:defRPr lang="en-US" sz="1200" kern="1200" smtClean="0">
+                <a:solidFill>
+                  <a:schemeClr val="tx1">
+                    <a:lumMod val="75000"/>
+                    <a:lumOff val="25000"/>
+                  </a:schemeClr>
+                </a:solidFill>
+                <a:latin typeface="+mn-lt"/>
+                <a:ea typeface="+mn-ea"/>
+                <a:cs typeface="+mn-cs"/>
+              </a:defRPr>
+            </a:lvl2pPr>
+            <a:lvl3pPr marL="1143000" indent="-228600" algn="l" defTabSz="914400" rtl="0" eaLnBrk="1" latinLnBrk="0" hangingPunct="1">
+              <a:lnSpc>
+                <a:spcPts val="1800"/>
+              </a:lnSpc>
+              <a:spcBef>
+                <a:spcPts val="1000"/>
+              </a:spcBef>
+              <a:spcAft>
+                <a:spcPts val="1000"/>
+              </a:spcAft>
+              <a:buFont typeface="Arial" panose="020B0604020202020204" pitchFamily="34" charset="0"/>
+              <a:buChar char="•"/>
+              <a:defRPr lang="en-US" sz="1200" kern="1200" smtClean="0">
+                <a:solidFill>
+                  <a:schemeClr val="tx1">
+                    <a:lumMod val="75000"/>
+                    <a:lumOff val="25000"/>
+                  </a:schemeClr>
+                </a:solidFill>
+                <a:latin typeface="+mn-lt"/>
+                <a:ea typeface="+mn-ea"/>
+                <a:cs typeface="+mn-cs"/>
+              </a:defRPr>
+            </a:lvl3pPr>
+            <a:lvl4pPr marL="1600200" indent="-228600" algn="l" defTabSz="914400" rtl="0" eaLnBrk="1" latinLnBrk="0" hangingPunct="1">
+              <a:lnSpc>
+                <a:spcPts val="1800"/>
+              </a:lnSpc>
+              <a:spcBef>
+                <a:spcPts val="1000"/>
+              </a:spcBef>
+              <a:spcAft>
+                <a:spcPts val="1000"/>
+              </a:spcAft>
+              <a:buFont typeface="Arial" panose="020B0604020202020204" pitchFamily="34" charset="0"/>
+              <a:buChar char="•"/>
+              <a:defRPr lang="en-US" sz="1200" kern="1200" smtClean="0">
+                <a:solidFill>
+                  <a:schemeClr val="tx1">
+                    <a:lumMod val="75000"/>
+                    <a:lumOff val="25000"/>
+                  </a:schemeClr>
+                </a:solidFill>
+                <a:latin typeface="+mn-lt"/>
+                <a:ea typeface="+mn-ea"/>
+                <a:cs typeface="+mn-cs"/>
+              </a:defRPr>
+            </a:lvl4pPr>
+            <a:lvl5pPr marL="2057400" indent="-228600" algn="l" defTabSz="914400" rtl="0" eaLnBrk="1" latinLnBrk="0" hangingPunct="1">
+              <a:lnSpc>
+                <a:spcPts val="1800"/>
+              </a:lnSpc>
+              <a:spcBef>
+                <a:spcPts val="1000"/>
+              </a:spcBef>
+              <a:spcAft>
+                <a:spcPts val="1000"/>
+              </a:spcAft>
+              <a:buFont typeface="Arial" panose="020B0604020202020204" pitchFamily="34" charset="0"/>
+              <a:buChar char="•"/>
+              <a:defRPr lang="en-US" sz="1200" kern="1200">
+                <a:solidFill>
+                  <a:schemeClr val="tx1">
+                    <a:lumMod val="75000"/>
+                    <a:lumOff val="25000"/>
+                  </a:schemeClr>
+                </a:solidFill>
+                <a:latin typeface="+mn-lt"/>
+                <a:ea typeface="+mn-ea"/>
+                <a:cs typeface="+mn-cs"/>
+              </a:defRPr>
+            </a:lvl5pPr>
+            <a:lvl6pPr marL="2514600" indent="-228600" algn="l" defTabSz="914400" rtl="0" eaLnBrk="1" latinLnBrk="0" hangingPunct="1">
+              <a:lnSpc>
+                <a:spcPct val="90000"/>
+              </a:lnSpc>
+              <a:spcBef>
+                <a:spcPct val="30000"/>
+              </a:spcBef>
+              <a:buFont typeface="Arial" panose="020B0604020202020204" pitchFamily="34" charset="0"/>
+              <a:buChar char="•"/>
+              <a:defRPr sz="1800" kern="1200">
+                <a:solidFill>
+                  <a:schemeClr val="tx1"/>
+                </a:solidFill>
+                <a:latin typeface="+mn-lt"/>
+                <a:ea typeface="+mn-ea"/>
+                <a:cs typeface="+mn-cs"/>
+              </a:defRPr>
+            </a:lvl6pPr>
+            <a:lvl7pPr marL="2971800" indent="-228600" algn="l" defTabSz="914400" rtl="0" eaLnBrk="1" latinLnBrk="0" hangingPunct="1">
+              <a:lnSpc>
+                <a:spcPct val="90000"/>
+              </a:lnSpc>
+              <a:spcBef>
+                <a:spcPct val="30000"/>
+              </a:spcBef>
+              <a:buFont typeface="Arial" panose="020B0604020202020204" pitchFamily="34" charset="0"/>
+              <a:buChar char="•"/>
+              <a:defRPr sz="1800" kern="1200">
+                <a:solidFill>
+                  <a:schemeClr val="tx1"/>
+                </a:solidFill>
+                <a:latin typeface="+mn-lt"/>
+                <a:ea typeface="+mn-ea"/>
+                <a:cs typeface="+mn-cs"/>
+              </a:defRPr>
+            </a:lvl7pPr>
+            <a:lvl8pPr marL="3429000" indent="-228600" algn="l" defTabSz="914400" rtl="0" eaLnBrk="1" latinLnBrk="0" hangingPunct="1">
+              <a:lnSpc>
+                <a:spcPct val="90000"/>
+              </a:lnSpc>
+              <a:spcBef>
+                <a:spcPct val="30000"/>
+              </a:spcBef>
+              <a:buFont typeface="Arial" panose="020B0604020202020204" pitchFamily="34" charset="0"/>
+              <a:buChar char="•"/>
+              <a:defRPr sz="1800" kern="1200">
+                <a:solidFill>
+                  <a:schemeClr val="tx1"/>
+                </a:solidFill>
+                <a:latin typeface="+mn-lt"/>
+                <a:ea typeface="+mn-ea"/>
+                <a:cs typeface="+mn-cs"/>
+              </a:defRPr>
+            </a:lvl8pPr>
+            <a:lvl9pPr marL="3886200" indent="-228600" algn="l" defTabSz="914400" rtl="0" eaLnBrk="1" latinLnBrk="0" hangingPunct="1">
+              <a:lnSpc>
+                <a:spcPct val="90000"/>
+              </a:lnSpc>
+              <a:spcBef>
+                <a:spcPct val="30000"/>
+              </a:spcBef>
+              <a:buFont typeface="Arial" panose="020B0604020202020204" pitchFamily="34" charset="0"/>
+              <a:buChar char="•"/>
+              <a:defRPr sz="1800" kern="1200">
+                <a:solidFill>
+                  <a:schemeClr val="tx1"/>
+                </a:solidFill>
+                <a:latin typeface="+mn-lt"/>
+                <a:ea typeface="+mn-ea"/>
+                <a:cs typeface="+mn-cs"/>
+              </a:defRPr>
+            </a:lvl9pPr>
+          </a:lstStyle>
+          <a:p>
+            <a:pPr marL="0" lvl="0" indent="0">
+              <a:lnSpc>
+                <a:spcPct val="150000"/>
+              </a:lnSpc>
+              <a:spcBef>
+                <a:spcPts val="0"/>
+              </a:spcBef>
+              <a:spcAft>
+                <a:spcPts val="0"/>
+              </a:spcAft>
+              <a:buNone/>
+              <a:defRPr/>
+            </a:pPr>
+            <a:r>
+              <a:rPr lang="en-US" sz="2400" dirty="0" err="1">
+                <a:solidFill>
+                  <a:srgbClr val="D24726"/>
+                </a:solidFill>
+                <a:latin typeface="Segoe UI" panose="020B0502040204020203" pitchFamily="34" charset="0"/>
+                <a:cs typeface="Segoe UI" panose="020B0502040204020203" pitchFamily="34" charset="0"/>
+              </a:rPr>
+              <a:t>Api</a:t>
+            </a:r>
+            <a:r>
+              <a:rPr lang="en-US" sz="2400" dirty="0">
+                <a:solidFill>
+                  <a:srgbClr val="D24726"/>
+                </a:solidFill>
+                <a:latin typeface="Segoe UI" panose="020B0502040204020203" pitchFamily="34" charset="0"/>
+                <a:cs typeface="Segoe UI" panose="020B0502040204020203" pitchFamily="34" charset="0"/>
+              </a:rPr>
+              <a:t> Gateway Pattern</a:t>
+            </a:r>
+          </a:p>
+          <a:p>
+            <a:pPr marL="0" indent="0">
+              <a:lnSpc>
+                <a:spcPct val="150000"/>
+              </a:lnSpc>
+              <a:spcBef>
+                <a:spcPts val="0"/>
+              </a:spcBef>
+              <a:spcAft>
+                <a:spcPts val="0"/>
+              </a:spcAft>
+              <a:buNone/>
+              <a:defRPr/>
+            </a:pPr>
+            <a:r>
+              <a:rPr lang="en-US" sz="1800" dirty="0">
+                <a:latin typeface="Segoe UI" panose="020B0502040204020203" pitchFamily="34" charset="0"/>
+                <a:cs typeface="Segoe UI" panose="020B0502040204020203" pitchFamily="34" charset="0"/>
+              </a:rPr>
+              <a:t>The API Gateway pattern defines how clients access the services in a microservices </a:t>
+            </a:r>
+            <a:r>
+              <a:rPr lang="en-US" sz="1800" dirty="0" smtClean="0">
+                <a:latin typeface="Segoe UI" panose="020B0502040204020203" pitchFamily="34" charset="0"/>
+                <a:cs typeface="Segoe UI" panose="020B0502040204020203" pitchFamily="34" charset="0"/>
+              </a:rPr>
+              <a:t>architecture. The </a:t>
+            </a:r>
+            <a:r>
+              <a:rPr lang="en-US" sz="1800" dirty="0" err="1" smtClean="0">
+                <a:latin typeface="Segoe UI" panose="020B0502040204020203" pitchFamily="34" charset="0"/>
+                <a:cs typeface="Segoe UI" panose="020B0502040204020203" pitchFamily="34" charset="0"/>
+              </a:rPr>
+              <a:t>Api</a:t>
+            </a:r>
+            <a:r>
+              <a:rPr lang="en-US" sz="1800" dirty="0" smtClean="0">
+                <a:latin typeface="Segoe UI" panose="020B0502040204020203" pitchFamily="34" charset="0"/>
+                <a:cs typeface="Segoe UI" panose="020B0502040204020203" pitchFamily="34" charset="0"/>
+              </a:rPr>
+              <a:t>-Gateway defines a single </a:t>
+            </a:r>
+            <a:r>
+              <a:rPr lang="en-US" sz="1800" dirty="0">
+                <a:latin typeface="Segoe UI" panose="020B0502040204020203" pitchFamily="34" charset="0"/>
+                <a:cs typeface="Segoe UI" panose="020B0502040204020203" pitchFamily="34" charset="0"/>
+              </a:rPr>
+              <a:t>entry point for all clients.</a:t>
+            </a:r>
+          </a:p>
+        </p:txBody>
+      </p:sp>
+      <p:sp>
+        <p:nvSpPr>
+          <p:cNvPr id="9" name="Rectangle 8"/>
+          <p:cNvSpPr/>
+          <p:nvPr/>
+        </p:nvSpPr>
+        <p:spPr>
+          <a:xfrm rot="16200000">
+            <a:off x="4166514" y="4244163"/>
+            <a:ext cx="2743199" cy="623744"/>
+          </a:xfrm>
+          <a:prstGeom prst="rect">
+            <a:avLst/>
+          </a:prstGeom>
+          <a:ln w="28575"/>
+        </p:spPr>
+        <p:style>
+          <a:lnRef idx="2">
+            <a:schemeClr val="accent2"/>
+          </a:lnRef>
+          <a:fillRef idx="1">
+            <a:schemeClr val="lt1"/>
+          </a:fillRef>
+          <a:effectRef idx="0">
+            <a:schemeClr val="accent2"/>
+          </a:effectRef>
+          <a:fontRef idx="minor">
+            <a:schemeClr val="dk1"/>
+          </a:fontRef>
+        </p:style>
+        <p:txBody>
+          <a:bodyPr rtlCol="0" anchor="ctr"/>
+          <a:lstStyle/>
+          <a:p>
+            <a:pPr algn="ctr"/>
+            <a:r>
+              <a:rPr lang="en-US" dirty="0" smtClean="0">
+                <a:solidFill>
+                  <a:srgbClr val="DD462F"/>
+                </a:solidFill>
+              </a:rPr>
+              <a:t>API-Gateway</a:t>
+            </a:r>
+            <a:endParaRPr lang="en-US" b="1" dirty="0">
+              <a:solidFill>
+                <a:srgbClr val="DD462F"/>
+              </a:solidFill>
+            </a:endParaRPr>
+          </a:p>
+        </p:txBody>
+      </p:sp>
+      <p:sp>
+        <p:nvSpPr>
+          <p:cNvPr id="10" name="Rectangle 9"/>
+          <p:cNvSpPr/>
+          <p:nvPr/>
+        </p:nvSpPr>
+        <p:spPr>
+          <a:xfrm>
+            <a:off x="6620473" y="3184434"/>
+            <a:ext cx="1752600" cy="789563"/>
+          </a:xfrm>
+          <a:prstGeom prst="rect">
+            <a:avLst/>
+          </a:prstGeom>
+          <a:solidFill>
+            <a:srgbClr val="92D050"/>
+          </a:solidFill>
+          <a:ln>
+            <a:noFill/>
+          </a:ln>
+        </p:spPr>
+        <p:style>
+          <a:lnRef idx="2">
+            <a:schemeClr val="accent2">
+              <a:shade val="50000"/>
+            </a:schemeClr>
+          </a:lnRef>
+          <a:fillRef idx="1">
+            <a:schemeClr val="accent2"/>
+          </a:fillRef>
+          <a:effectRef idx="0">
+            <a:schemeClr val="accent2"/>
+          </a:effectRef>
+          <a:fontRef idx="minor">
+            <a:schemeClr val="lt1"/>
+          </a:fontRef>
+        </p:style>
+        <p:txBody>
+          <a:bodyPr rtlCol="0" anchor="ctr"/>
+          <a:lstStyle/>
+          <a:p>
+            <a:pPr algn="ctr"/>
+            <a:r>
+              <a:rPr lang="en-US" dirty="0" smtClean="0"/>
+              <a:t>.NET</a:t>
+            </a:r>
+          </a:p>
+          <a:p>
+            <a:pPr algn="ctr"/>
+            <a:r>
+              <a:rPr lang="en-US" dirty="0" smtClean="0"/>
+              <a:t>Microservice</a:t>
+            </a:r>
+            <a:endParaRPr lang="en-US" b="1" dirty="0"/>
+          </a:p>
+        </p:txBody>
+      </p:sp>
+      <p:sp>
+        <p:nvSpPr>
+          <p:cNvPr id="11" name="Rectangle 10"/>
+          <p:cNvSpPr/>
+          <p:nvPr/>
+        </p:nvSpPr>
+        <p:spPr>
+          <a:xfrm>
+            <a:off x="6630924" y="4141307"/>
+            <a:ext cx="1752600" cy="789563"/>
+          </a:xfrm>
+          <a:prstGeom prst="rect">
+            <a:avLst/>
+          </a:prstGeom>
+          <a:solidFill>
+            <a:srgbClr val="0070C0"/>
+          </a:solidFill>
+          <a:ln>
+            <a:noFill/>
+          </a:ln>
+        </p:spPr>
+        <p:style>
+          <a:lnRef idx="2">
+            <a:schemeClr val="accent2">
+              <a:shade val="50000"/>
+            </a:schemeClr>
+          </a:lnRef>
+          <a:fillRef idx="1">
+            <a:schemeClr val="accent2"/>
+          </a:fillRef>
+          <a:effectRef idx="0">
+            <a:schemeClr val="accent2"/>
+          </a:effectRef>
+          <a:fontRef idx="minor">
+            <a:schemeClr val="lt1"/>
+          </a:fontRef>
+        </p:style>
+        <p:txBody>
+          <a:bodyPr rtlCol="0" anchor="ctr"/>
+          <a:lstStyle/>
+          <a:p>
+            <a:pPr algn="ctr"/>
+            <a:r>
+              <a:rPr lang="en-US" dirty="0" smtClean="0"/>
+              <a:t>NodeJs</a:t>
+            </a:r>
+          </a:p>
+          <a:p>
+            <a:pPr algn="ctr"/>
+            <a:r>
+              <a:rPr lang="en-US" dirty="0" smtClean="0"/>
+              <a:t>Microservice</a:t>
+            </a:r>
+            <a:endParaRPr lang="en-US" b="1" dirty="0"/>
+          </a:p>
+        </p:txBody>
+      </p:sp>
+      <p:sp>
+        <p:nvSpPr>
+          <p:cNvPr id="12" name="Rectangle 11"/>
+          <p:cNvSpPr/>
+          <p:nvPr/>
+        </p:nvSpPr>
+        <p:spPr>
+          <a:xfrm>
+            <a:off x="6630924" y="5126834"/>
+            <a:ext cx="1752600" cy="800800"/>
+          </a:xfrm>
+          <a:prstGeom prst="rect">
+            <a:avLst/>
+          </a:prstGeom>
+          <a:solidFill>
+            <a:srgbClr val="00B0F0"/>
+          </a:solidFill>
+          <a:ln>
+            <a:noFill/>
+          </a:ln>
+        </p:spPr>
+        <p:style>
+          <a:lnRef idx="2">
+            <a:schemeClr val="accent2">
+              <a:shade val="50000"/>
+            </a:schemeClr>
+          </a:lnRef>
+          <a:fillRef idx="1">
+            <a:schemeClr val="accent2"/>
+          </a:fillRef>
+          <a:effectRef idx="0">
+            <a:schemeClr val="accent2"/>
+          </a:effectRef>
+          <a:fontRef idx="minor">
+            <a:schemeClr val="lt1"/>
+          </a:fontRef>
+        </p:style>
+        <p:txBody>
+          <a:bodyPr rtlCol="0" anchor="ctr"/>
+          <a:lstStyle/>
+          <a:p>
+            <a:pPr algn="ctr"/>
+            <a:r>
+              <a:rPr lang="en-US" dirty="0" smtClean="0"/>
+              <a:t>Java</a:t>
+            </a:r>
+          </a:p>
+          <a:p>
+            <a:pPr algn="ctr"/>
+            <a:r>
+              <a:rPr lang="en-US" dirty="0" smtClean="0"/>
+              <a:t>Microservice</a:t>
+            </a:r>
+            <a:endParaRPr lang="en-US" b="1" dirty="0"/>
+          </a:p>
+        </p:txBody>
+      </p:sp>
+      <p:sp>
+        <p:nvSpPr>
+          <p:cNvPr id="2" name="Left-Right Arrow 1"/>
+          <p:cNvSpPr/>
+          <p:nvPr/>
+        </p:nvSpPr>
+        <p:spPr>
+          <a:xfrm>
+            <a:off x="5992849" y="3474712"/>
+            <a:ext cx="524484" cy="209005"/>
+          </a:xfrm>
+          <a:prstGeom prst="leftRightArrow">
+            <a:avLst/>
+          </a:prstGeom>
+          <a:solidFill>
+            <a:srgbClr val="DD462F"/>
+          </a:solidFill>
+          <a:ln>
+            <a:noFill/>
+          </a:ln>
+        </p:spPr>
+        <p:style>
+          <a:lnRef idx="2">
+            <a:schemeClr val="accent1">
+              <a:shade val="50000"/>
+            </a:schemeClr>
+          </a:lnRef>
+          <a:fillRef idx="1">
+            <a:schemeClr val="accent1"/>
+          </a:fillRef>
+          <a:effectRef idx="0">
+            <a:schemeClr val="accent1"/>
+          </a:effectRef>
+          <a:fontRef idx="minor">
+            <a:schemeClr val="lt1"/>
+          </a:fontRef>
+        </p:style>
+        <p:txBody>
+          <a:bodyPr rtlCol="0" anchor="ctr"/>
+          <a:lstStyle/>
+          <a:p>
+            <a:pPr algn="ctr"/>
+            <a:endParaRPr lang="en-US"/>
+          </a:p>
+        </p:txBody>
+      </p:sp>
+      <p:sp>
+        <p:nvSpPr>
+          <p:cNvPr id="13" name="Left-Right Arrow 12"/>
+          <p:cNvSpPr/>
+          <p:nvPr/>
+        </p:nvSpPr>
+        <p:spPr>
+          <a:xfrm>
+            <a:off x="5985166" y="4445349"/>
+            <a:ext cx="524484" cy="209005"/>
+          </a:xfrm>
+          <a:prstGeom prst="leftRightArrow">
+            <a:avLst/>
+          </a:prstGeom>
+          <a:solidFill>
+            <a:srgbClr val="DD462F"/>
+          </a:solidFill>
+          <a:ln>
+            <a:noFill/>
+          </a:ln>
+        </p:spPr>
+        <p:style>
+          <a:lnRef idx="2">
+            <a:schemeClr val="accent1">
+              <a:shade val="50000"/>
+            </a:schemeClr>
+          </a:lnRef>
+          <a:fillRef idx="1">
+            <a:schemeClr val="accent1"/>
+          </a:fillRef>
+          <a:effectRef idx="0">
+            <a:schemeClr val="accent1"/>
+          </a:effectRef>
+          <a:fontRef idx="minor">
+            <a:schemeClr val="lt1"/>
+          </a:fontRef>
+        </p:style>
+        <p:txBody>
+          <a:bodyPr rtlCol="0" anchor="ctr"/>
+          <a:lstStyle/>
+          <a:p>
+            <a:pPr algn="ctr"/>
+            <a:endParaRPr lang="en-US"/>
+          </a:p>
+        </p:txBody>
+      </p:sp>
+      <p:sp>
+        <p:nvSpPr>
+          <p:cNvPr id="14" name="Left-Right Arrow 13"/>
+          <p:cNvSpPr/>
+          <p:nvPr/>
+        </p:nvSpPr>
+        <p:spPr>
+          <a:xfrm>
+            <a:off x="6007048" y="5415986"/>
+            <a:ext cx="524484" cy="209005"/>
+          </a:xfrm>
+          <a:prstGeom prst="leftRightArrow">
+            <a:avLst/>
+          </a:prstGeom>
+          <a:solidFill>
+            <a:srgbClr val="DD462F"/>
+          </a:solidFill>
+          <a:ln>
+            <a:noFill/>
+          </a:ln>
+        </p:spPr>
+        <p:style>
+          <a:lnRef idx="2">
+            <a:schemeClr val="accent1">
+              <a:shade val="50000"/>
+            </a:schemeClr>
+          </a:lnRef>
+          <a:fillRef idx="1">
+            <a:schemeClr val="accent1"/>
+          </a:fillRef>
+          <a:effectRef idx="0">
+            <a:schemeClr val="accent1"/>
+          </a:effectRef>
+          <a:fontRef idx="minor">
+            <a:schemeClr val="lt1"/>
+          </a:fontRef>
+        </p:style>
+        <p:txBody>
+          <a:bodyPr rtlCol="0" anchor="ctr"/>
+          <a:lstStyle/>
+          <a:p>
+            <a:pPr algn="ctr"/>
+            <a:endParaRPr lang="en-US"/>
+          </a:p>
+        </p:txBody>
+      </p:sp>
+      <p:pic>
+        <p:nvPicPr>
+          <p:cNvPr id="4098" name="Picture 2" descr="Related image"/>
+          <p:cNvPicPr>
+            <a:picLocks noChangeAspect="1" noChangeArrowheads="1"/>
+          </p:cNvPicPr>
+          <p:nvPr/>
+        </p:nvPicPr>
+        <p:blipFill>
+          <a:blip r:embed="rId2">
+            <a:extLst>
+              <a:ext uri="{28A0092B-C50C-407E-A947-70E740481C1C}">
+                <a14:useLocalDpi xmlns:a14="http://schemas.microsoft.com/office/drawing/2010/main" val="0"/>
+              </a:ext>
+            </a:extLst>
+          </a:blip>
+          <a:srcRect/>
+          <a:stretch>
+            <a:fillRect/>
+          </a:stretch>
+        </p:blipFill>
+        <p:spPr bwMode="auto">
+          <a:xfrm>
+            <a:off x="3380666" y="4004274"/>
+            <a:ext cx="945400" cy="945401"/>
+          </a:xfrm>
+          <a:prstGeom prst="rect">
+            <a:avLst/>
+          </a:prstGeom>
+          <a:noFill/>
+          <a:extLst>
+            <a:ext uri="{909E8E84-426E-40DD-AFC4-6F175D3DCCD1}">
+              <a14:hiddenFill xmlns:a14="http://schemas.microsoft.com/office/drawing/2010/main">
+                <a:solidFill>
+                  <a:srgbClr val="FFFFFF"/>
+                </a:solidFill>
+              </a14:hiddenFill>
+            </a:ext>
+          </a:extLst>
+        </p:spPr>
+      </p:pic>
+      <p:sp>
+        <p:nvSpPr>
+          <p:cNvPr id="17" name="Left-Right Arrow 16"/>
+          <p:cNvSpPr/>
+          <p:nvPr/>
+        </p:nvSpPr>
+        <p:spPr>
+          <a:xfrm>
+            <a:off x="4490400" y="4461544"/>
+            <a:ext cx="524484" cy="209005"/>
+          </a:xfrm>
+          <a:prstGeom prst="leftRightArrow">
+            <a:avLst/>
+          </a:prstGeom>
+          <a:solidFill>
+            <a:srgbClr val="DD462F"/>
+          </a:solidFill>
+          <a:ln>
+            <a:noFill/>
+          </a:ln>
+        </p:spPr>
+        <p:style>
+          <a:lnRef idx="2">
+            <a:schemeClr val="accent1">
+              <a:shade val="50000"/>
+            </a:schemeClr>
+          </a:lnRef>
+          <a:fillRef idx="1">
+            <a:schemeClr val="accent1"/>
+          </a:fillRef>
+          <a:effectRef idx="0">
+            <a:schemeClr val="accent1"/>
+          </a:effectRef>
+          <a:fontRef idx="minor">
+            <a:schemeClr val="lt1"/>
+          </a:fontRef>
+        </p:style>
+        <p:txBody>
+          <a:bodyPr rtlCol="0" anchor="ctr"/>
+          <a:lstStyle/>
+          <a:p>
+            <a:pPr algn="ctr"/>
+            <a:endParaRPr lang="en-US"/>
+          </a:p>
+        </p:txBody>
+      </p:sp>
+      <p:sp>
+        <p:nvSpPr>
+          <p:cNvPr id="19" name="Title 7"/>
+          <p:cNvSpPr txBox="1">
+            <a:spLocks/>
+          </p:cNvSpPr>
+          <p:nvPr/>
+        </p:nvSpPr>
+        <p:spPr>
+          <a:xfrm>
+            <a:off x="3473308" y="4112935"/>
+            <a:ext cx="913983" cy="368853"/>
+          </a:xfrm>
+          <a:prstGeom prst="rect">
+            <a:avLst/>
+          </a:prstGeom>
+        </p:spPr>
+        <p:txBody>
+          <a:bodyPr vert="horz" lIns="91440" tIns="45720" rIns="91440" bIns="45720" rtlCol="0" anchor="b" anchorCtr="0">
+            <a:normAutofit/>
+          </a:bodyPr>
+          <a:lstStyle>
+            <a:lvl1pPr algn="l" defTabSz="914400" rtl="0" eaLnBrk="1" latinLnBrk="0" hangingPunct="1">
+              <a:spcBef>
+                <a:spcPct val="0"/>
+              </a:spcBef>
+              <a:buNone/>
+              <a:defRPr sz="2800" kern="1200">
+                <a:solidFill>
+                  <a:schemeClr val="bg2">
+                    <a:lumMod val="25000"/>
+                  </a:schemeClr>
+                </a:solidFill>
+                <a:latin typeface="+mj-lt"/>
+                <a:ea typeface="+mj-ea"/>
+                <a:cs typeface="+mj-cs"/>
+              </a:defRPr>
+            </a:lvl1pPr>
+          </a:lstStyle>
+          <a:p>
+            <a:pPr algn="ctr"/>
+            <a:r>
+              <a:rPr lang="en-US" sz="1600" dirty="0" smtClean="0">
+                <a:solidFill>
+                  <a:srgbClr val="D24726"/>
+                </a:solidFill>
+                <a:latin typeface="Segoe UI Light" panose="020B0502040204020203" pitchFamily="34" charset="0"/>
+                <a:cs typeface="Segoe UI Light" panose="020B0502040204020203" pitchFamily="34" charset="0"/>
+              </a:rPr>
+              <a:t>Client</a:t>
+            </a:r>
+            <a:endParaRPr lang="en-US" sz="1600" dirty="0">
+              <a:solidFill>
+                <a:srgbClr val="D24726"/>
+              </a:solidFill>
+              <a:latin typeface="Segoe UI Light" panose="020B0502040204020203" pitchFamily="34" charset="0"/>
+              <a:cs typeface="Segoe UI Light" panose="020B0502040204020203" pitchFamily="34" charset="0"/>
+            </a:endParaRPr>
+          </a:p>
+        </p:txBody>
+      </p:sp>
+    </p:spTree>
+    <p:extLst>
+      <p:ext uri="{BB962C8B-B14F-4D97-AF65-F5344CB8AC3E}">
+        <p14:creationId xmlns:p14="http://schemas.microsoft.com/office/powerpoint/2010/main" val="756726748"/>
+      </p:ext>
+    </p:extLst>
+  </p:cSld>
+  <p:clrMapOvr>
+    <a:masterClrMapping/>
+  </p:clrMapOvr>
+  <mc:AlternateContent xmlns:mc="http://schemas.openxmlformats.org/markup-compatibility/2006" xmlns:p14="http://schemas.microsoft.com/office/powerpoint/2010/main">
+    <mc:Choice Requires="p14">
+      <p:transition p14:dur="10"/>
+    </mc:Choice>
+    <mc:Fallback xmlns="">
+      <p:transition/>
+    </mc:Fallback>
+  </mc:AlternateContent>
+  <p:timing>
+    <p:tnLst>
+      <p:par>
+        <p:cTn id="1" dur="indefinite" restart="never" nodeType="tmRoot"/>
+      </p:par>
+    </p:tnLst>
+  </p:timing>
+</p:sld>
+</file>
+
+<file path=ppt/slides/slide11.xml><?xml version="1.0" encoding="utf-8"?>
 <p:sld xmlns:a="http://schemas.openxmlformats.org/drawingml/2006/main" xmlns:r="http://schemas.openxmlformats.org/officeDocument/2006/relationships" xmlns:p="http://schemas.openxmlformats.org/presentationml/2006/main">
   <p:cSld>
     <p:spTree>
@@ -7653,7 +8628,7 @@
 </p:sld>
 </file>
 
-<file path=ppt/slides/slide11.xml><?xml version="1.0" encoding="utf-8"?>
+<file path=ppt/slides/slide12.xml><?xml version="1.0" encoding="utf-8"?>
 <p:sld xmlns:a="http://schemas.openxmlformats.org/drawingml/2006/main" xmlns:r="http://schemas.openxmlformats.org/officeDocument/2006/relationships" xmlns:p="http://schemas.openxmlformats.org/presentationml/2006/main">
   <p:cSld>
     <p:spTree>
@@ -8802,7 +9777,7 @@
 </p:sld>
 </file>
 
-<file path=ppt/slides/slide12.xml><?xml version="1.0" encoding="utf-8"?>
+<file path=ppt/slides/slide13.xml><?xml version="1.0" encoding="utf-8"?>
 <p:sld xmlns:a="http://schemas.openxmlformats.org/drawingml/2006/main" xmlns:r="http://schemas.openxmlformats.org/officeDocument/2006/relationships" xmlns:p="http://schemas.openxmlformats.org/presentationml/2006/main">
   <p:cSld>
     <p:spTree>
@@ -10121,7 +11096,7 @@
 </p:sld>
 </file>
 
-<file path=ppt/slides/slide13.xml><?xml version="1.0" encoding="utf-8"?>
+<file path=ppt/slides/slide14.xml><?xml version="1.0" encoding="utf-8"?>
 <p:sld xmlns:a="http://schemas.openxmlformats.org/drawingml/2006/main" xmlns:r="http://schemas.openxmlformats.org/officeDocument/2006/relationships" xmlns:p="http://schemas.openxmlformats.org/presentationml/2006/main">
   <p:cSld>
     <p:spTree>
@@ -11484,7 +12459,7 @@
 </p:sld>
 </file>
 
-<file path=ppt/slides/slide14.xml><?xml version="1.0" encoding="utf-8"?>
+<file path=ppt/slides/slide15.xml><?xml version="1.0" encoding="utf-8"?>
 <p:sld xmlns:a="http://schemas.openxmlformats.org/drawingml/2006/main" xmlns:r="http://schemas.openxmlformats.org/officeDocument/2006/relationships" xmlns:p="http://schemas.openxmlformats.org/presentationml/2006/main">
   <p:cSld>
     <p:spTree>
@@ -11717,6 +12692,145 @@
             </a:lvl9pPr>
           </a:lstStyle>
           <a:p>
+            <a:pPr>
+              <a:lnSpc>
+                <a:spcPct val="150000"/>
+              </a:lnSpc>
+              <a:spcBef>
+                <a:spcPts val="0"/>
+              </a:spcBef>
+              <a:spcAft>
+                <a:spcPts val="0"/>
+              </a:spcAft>
+              <a:defRPr/>
+            </a:pPr>
+            <a:r>
+              <a:rPr lang="en-US" sz="1800" dirty="0"/>
+              <a:t>Service registry</a:t>
+            </a:r>
+          </a:p>
+          <a:p>
+            <a:pPr>
+              <a:lnSpc>
+                <a:spcPct val="150000"/>
+              </a:lnSpc>
+              <a:spcBef>
+                <a:spcPts val="0"/>
+              </a:spcBef>
+              <a:spcAft>
+                <a:spcPts val="0"/>
+              </a:spcAft>
+              <a:defRPr/>
+            </a:pPr>
+            <a:r>
+              <a:rPr lang="en-US" sz="1800" dirty="0"/>
+              <a:t>Self registration</a:t>
+            </a:r>
+          </a:p>
+          <a:p>
+            <a:pPr>
+              <a:lnSpc>
+                <a:spcPct val="150000"/>
+              </a:lnSpc>
+              <a:spcBef>
+                <a:spcPts val="0"/>
+              </a:spcBef>
+              <a:spcAft>
+                <a:spcPts val="0"/>
+              </a:spcAft>
+              <a:defRPr/>
+            </a:pPr>
+            <a:r>
+              <a:rPr lang="en-US" sz="1800" dirty="0"/>
+              <a:t>3rd party registration</a:t>
+            </a:r>
+          </a:p>
+          <a:p>
+            <a:pPr>
+              <a:lnSpc>
+                <a:spcPct val="150000"/>
+              </a:lnSpc>
+              <a:spcBef>
+                <a:spcPts val="0"/>
+              </a:spcBef>
+              <a:spcAft>
+                <a:spcPts val="0"/>
+              </a:spcAft>
+              <a:defRPr/>
+            </a:pPr>
+            <a:r>
+              <a:rPr lang="en-US" sz="1800" dirty="0" err="1"/>
+              <a:t>Serverless</a:t>
+            </a:r>
+            <a:r>
+              <a:rPr lang="en-US" sz="1800" dirty="0"/>
+              <a:t> deployment</a:t>
+            </a:r>
+          </a:p>
+          <a:p>
+            <a:pPr>
+              <a:lnSpc>
+                <a:spcPct val="150000"/>
+              </a:lnSpc>
+              <a:spcBef>
+                <a:spcPts val="0"/>
+              </a:spcBef>
+              <a:spcAft>
+                <a:spcPts val="0"/>
+              </a:spcAft>
+              <a:defRPr/>
+            </a:pPr>
+            <a:r>
+              <a:rPr lang="en-US" sz="1800" dirty="0"/>
+              <a:t>Shared </a:t>
+            </a:r>
+            <a:r>
+              <a:rPr lang="en-US" sz="1800" dirty="0" smtClean="0"/>
+              <a:t>database</a:t>
+            </a:r>
+          </a:p>
+          <a:p>
+            <a:pPr>
+              <a:lnSpc>
+                <a:spcPct val="150000"/>
+              </a:lnSpc>
+              <a:spcBef>
+                <a:spcPts val="0"/>
+              </a:spcBef>
+              <a:spcAft>
+                <a:spcPts val="0"/>
+              </a:spcAft>
+              <a:defRPr/>
+            </a:pPr>
+            <a:r>
+              <a:rPr lang="en-US" sz="1800" dirty="0"/>
+              <a:t>Service instance per </a:t>
+            </a:r>
+            <a:r>
+              <a:rPr lang="en-US" sz="1800" dirty="0" smtClean="0"/>
+              <a:t>VM</a:t>
+            </a:r>
+          </a:p>
+          <a:p>
+            <a:pPr>
+              <a:lnSpc>
+                <a:spcPct val="150000"/>
+              </a:lnSpc>
+              <a:spcBef>
+                <a:spcPts val="0"/>
+              </a:spcBef>
+              <a:spcAft>
+                <a:spcPts val="0"/>
+              </a:spcAft>
+              <a:defRPr/>
+            </a:pPr>
+            <a:r>
+              <a:rPr lang="en-US" sz="1800" dirty="0"/>
+              <a:t>Service instance per Container</a:t>
+            </a:r>
+            <a:endParaRPr lang="en-US" sz="1800" dirty="0" smtClean="0"/>
+          </a:p>
+          <a:p>
             <a:pPr marL="0" indent="0">
               <a:lnSpc>
                 <a:spcPct val="150000"/>
@@ -11730,13 +12844,41 @@
               <a:buNone/>
               <a:defRPr/>
             </a:pPr>
-            <a:r>
-              <a:rPr lang="en-US" sz="2400" dirty="0"/>
-              <a:t>Chris </a:t>
-            </a:r>
+            <a:endParaRPr lang="en-US" sz="2400" dirty="0" smtClean="0"/>
+          </a:p>
+          <a:p>
+            <a:pPr marL="0" indent="0">
+              <a:lnSpc>
+                <a:spcPct val="150000"/>
+              </a:lnSpc>
+              <a:spcBef>
+                <a:spcPts val="0"/>
+              </a:spcBef>
+              <a:spcAft>
+                <a:spcPts val="0"/>
+              </a:spcAft>
+              <a:buNone/>
+              <a:defRPr/>
+            </a:pPr>
+            <a:endParaRPr lang="en-US" sz="2400" dirty="0"/>
+          </a:p>
+          <a:p>
+            <a:pPr marL="0" indent="0">
+              <a:lnSpc>
+                <a:spcPct val="150000"/>
+              </a:lnSpc>
+              <a:spcBef>
+                <a:spcPts val="0"/>
+              </a:spcBef>
+              <a:spcAft>
+                <a:spcPts val="0"/>
+              </a:spcAft>
+              <a:buNone/>
+              <a:defRPr/>
+            </a:pPr>
             <a:r>
               <a:rPr lang="en-US" sz="2400" dirty="0" smtClean="0"/>
-              <a:t>Richardson</a:t>
+              <a:t>Chris Richardson</a:t>
             </a:r>
           </a:p>
           <a:p>
@@ -11793,7 +12935,7 @@
                 <a:latin typeface="Segoe UI Light" panose="020B0502040204020203" pitchFamily="34" charset="0"/>
                 <a:cs typeface="Segoe UI Light" panose="020B0502040204020203" pitchFamily="34" charset="0"/>
               </a:rPr>
-              <a:t>Read more on </a:t>
+              <a:t>More </a:t>
             </a:r>
             <a:r>
               <a:rPr lang="en-US" dirty="0" err="1" smtClean="0">
@@ -11844,7 +12986,7 @@
 </p:sld>
 </file>
 
-<file path=ppt/slides/slide15.xml><?xml version="1.0" encoding="utf-8"?>
+<file path=ppt/slides/slide16.xml><?xml version="1.0" encoding="utf-8"?>
 <p:sld xmlns:a="http://schemas.openxmlformats.org/drawingml/2006/main" xmlns:r="http://schemas.openxmlformats.org/officeDocument/2006/relationships" xmlns:p="http://schemas.openxmlformats.org/presentationml/2006/main">
   <p:cSld>
     <p:spTree>
@@ -12316,7 +13458,7 @@
 </p:sld>
 </file>
 
-<file path=ppt/slides/slide16.xml><?xml version="1.0" encoding="utf-8"?>
+<file path=ppt/slides/slide17.xml><?xml version="1.0" encoding="utf-8"?>
 <p:sld xmlns:a="http://schemas.openxmlformats.org/drawingml/2006/main" xmlns:r="http://schemas.openxmlformats.org/officeDocument/2006/relationships" xmlns:p="http://schemas.openxmlformats.org/presentationml/2006/main">
   <p:cSld>
     <p:spTree>
@@ -12422,7 +13564,7 @@
 </p:sld>
 </file>
 
-<file path=ppt/slides/slide17.xml><?xml version="1.0" encoding="utf-8"?>
+<file path=ppt/slides/slide18.xml><?xml version="1.0" encoding="utf-8"?>
 <p:sld xmlns:a="http://schemas.openxmlformats.org/drawingml/2006/main" xmlns:r="http://schemas.openxmlformats.org/officeDocument/2006/relationships" xmlns:p="http://schemas.openxmlformats.org/presentationml/2006/main">
   <p:cSld>
     <p:spTree>
@@ -13125,589 +14267,6 @@
 </p:sld>
 </file>
 
-<file path=ppt/slides/slide18.xml><?xml version="1.0" encoding="utf-8"?>
-<p:sld xmlns:a="http://schemas.openxmlformats.org/drawingml/2006/main" xmlns:r="http://schemas.openxmlformats.org/officeDocument/2006/relationships" xmlns:p="http://schemas.openxmlformats.org/presentationml/2006/main">
-  <p:cSld>
-    <p:spTree>
-      <p:nvGrpSpPr>
-        <p:cNvPr id="1" name=""/>
-        <p:cNvGrpSpPr/>
-        <p:nvPr/>
-      </p:nvGrpSpPr>
-      <p:grpSpPr>
-        <a:xfrm>
-          <a:off x="0" y="0"/>
-          <a:ext cx="0" cy="0"/>
-          <a:chOff x="0" y="0"/>
-          <a:chExt cx="0" cy="0"/>
-        </a:xfrm>
-      </p:grpSpPr>
-      <p:sp>
-        <p:nvSpPr>
-          <p:cNvPr id="8" name="Title 7"/>
-          <p:cNvSpPr>
-            <a:spLocks noGrp="1"/>
-          </p:cNvSpPr>
-          <p:nvPr>
-            <p:ph type="title"/>
-          </p:nvPr>
-        </p:nvSpPr>
-        <p:spPr>
-          <a:xfrm>
-            <a:off x="521208" y="448056"/>
-            <a:ext cx="11010392" cy="640080"/>
-          </a:xfrm>
-        </p:spPr>
-        <p:txBody>
-          <a:bodyPr>
-            <a:normAutofit/>
-          </a:bodyPr>
-          <a:lstStyle/>
-          <a:p>
-            <a:r>
-              <a:rPr lang="en-US" dirty="0" smtClean="0">
-                <a:latin typeface="Segoe UI Light" panose="020B0502040204020203" pitchFamily="34" charset="0"/>
-                <a:cs typeface="Segoe UI Light" panose="020B0502040204020203" pitchFamily="34" charset="0"/>
-              </a:rPr>
-              <a:t>What can you build/deploy with Service Fabric?</a:t>
-            </a:r>
-            <a:endParaRPr lang="en-US" dirty="0">
-              <a:latin typeface="Segoe UI Light" panose="020B0502040204020203" pitchFamily="34" charset="0"/>
-              <a:cs typeface="Segoe UI Light" panose="020B0502040204020203" pitchFamily="34" charset="0"/>
-            </a:endParaRPr>
-          </a:p>
-        </p:txBody>
-      </p:sp>
-      <p:sp>
-        <p:nvSpPr>
-          <p:cNvPr id="4" name="Content Placeholder 17"/>
-          <p:cNvSpPr txBox="1">
-            <a:spLocks/>
-          </p:cNvSpPr>
-          <p:nvPr/>
-        </p:nvSpPr>
-        <p:spPr>
-          <a:xfrm>
-            <a:off x="541610" y="1296100"/>
-            <a:ext cx="10679383" cy="5130826"/>
-          </a:xfrm>
-          <a:prstGeom prst="rect">
-            <a:avLst/>
-          </a:prstGeom>
-        </p:spPr>
-        <p:txBody>
-          <a:bodyPr vert="horz" lIns="91440" tIns="45720" rIns="91440" bIns="45720" rtlCol="0">
-            <a:normAutofit/>
-          </a:bodyPr>
-          <a:lstStyle>
-            <a:lvl1pPr marL="228600" indent="-228600" algn="l" defTabSz="914400" rtl="0" eaLnBrk="1" latinLnBrk="0" hangingPunct="1">
-              <a:lnSpc>
-                <a:spcPts val="1800"/>
-              </a:lnSpc>
-              <a:spcBef>
-                <a:spcPts val="1000"/>
-              </a:spcBef>
-              <a:spcAft>
-                <a:spcPts val="1000"/>
-              </a:spcAft>
-              <a:buFont typeface="Arial" panose="020B0604020202020204" pitchFamily="34" charset="0"/>
-              <a:buChar char="•"/>
-              <a:defRPr lang="en-US" sz="1200" kern="1200" smtClean="0">
-                <a:solidFill>
-                  <a:schemeClr val="tx1">
-                    <a:lumMod val="75000"/>
-                    <a:lumOff val="25000"/>
-                  </a:schemeClr>
-                </a:solidFill>
-                <a:latin typeface="+mn-lt"/>
-                <a:ea typeface="+mn-ea"/>
-                <a:cs typeface="+mn-cs"/>
-              </a:defRPr>
-            </a:lvl1pPr>
-            <a:lvl2pPr marL="685800" indent="-228600" algn="l" defTabSz="914400" rtl="0" eaLnBrk="1" latinLnBrk="0" hangingPunct="1">
-              <a:lnSpc>
-                <a:spcPts val="1800"/>
-              </a:lnSpc>
-              <a:spcBef>
-                <a:spcPts val="1000"/>
-              </a:spcBef>
-              <a:spcAft>
-                <a:spcPts val="1000"/>
-              </a:spcAft>
-              <a:buFont typeface="Arial" panose="020B0604020202020204" pitchFamily="34" charset="0"/>
-              <a:buChar char="•"/>
-              <a:defRPr lang="en-US" sz="1200" kern="1200" smtClean="0">
-                <a:solidFill>
-                  <a:schemeClr val="tx1">
-                    <a:lumMod val="75000"/>
-                    <a:lumOff val="25000"/>
-                  </a:schemeClr>
-                </a:solidFill>
-                <a:latin typeface="+mn-lt"/>
-                <a:ea typeface="+mn-ea"/>
-                <a:cs typeface="+mn-cs"/>
-              </a:defRPr>
-            </a:lvl2pPr>
-            <a:lvl3pPr marL="1143000" indent="-228600" algn="l" defTabSz="914400" rtl="0" eaLnBrk="1" latinLnBrk="0" hangingPunct="1">
-              <a:lnSpc>
-                <a:spcPts val="1800"/>
-              </a:lnSpc>
-              <a:spcBef>
-                <a:spcPts val="1000"/>
-              </a:spcBef>
-              <a:spcAft>
-                <a:spcPts val="1000"/>
-              </a:spcAft>
-              <a:buFont typeface="Arial" panose="020B0604020202020204" pitchFamily="34" charset="0"/>
-              <a:buChar char="•"/>
-              <a:defRPr lang="en-US" sz="1200" kern="1200" smtClean="0">
-                <a:solidFill>
-                  <a:schemeClr val="tx1">
-                    <a:lumMod val="75000"/>
-                    <a:lumOff val="25000"/>
-                  </a:schemeClr>
-                </a:solidFill>
-                <a:latin typeface="+mn-lt"/>
-                <a:ea typeface="+mn-ea"/>
-                <a:cs typeface="+mn-cs"/>
-              </a:defRPr>
-            </a:lvl3pPr>
-            <a:lvl4pPr marL="1600200" indent="-228600" algn="l" defTabSz="914400" rtl="0" eaLnBrk="1" latinLnBrk="0" hangingPunct="1">
-              <a:lnSpc>
-                <a:spcPts val="1800"/>
-              </a:lnSpc>
-              <a:spcBef>
-                <a:spcPts val="1000"/>
-              </a:spcBef>
-              <a:spcAft>
-                <a:spcPts val="1000"/>
-              </a:spcAft>
-              <a:buFont typeface="Arial" panose="020B0604020202020204" pitchFamily="34" charset="0"/>
-              <a:buChar char="•"/>
-              <a:defRPr lang="en-US" sz="1200" kern="1200" smtClean="0">
-                <a:solidFill>
-                  <a:schemeClr val="tx1">
-                    <a:lumMod val="75000"/>
-                    <a:lumOff val="25000"/>
-                  </a:schemeClr>
-                </a:solidFill>
-                <a:latin typeface="+mn-lt"/>
-                <a:ea typeface="+mn-ea"/>
-                <a:cs typeface="+mn-cs"/>
-              </a:defRPr>
-            </a:lvl4pPr>
-            <a:lvl5pPr marL="2057400" indent="-228600" algn="l" defTabSz="914400" rtl="0" eaLnBrk="1" latinLnBrk="0" hangingPunct="1">
-              <a:lnSpc>
-                <a:spcPts val="1800"/>
-              </a:lnSpc>
-              <a:spcBef>
-                <a:spcPts val="1000"/>
-              </a:spcBef>
-              <a:spcAft>
-                <a:spcPts val="1000"/>
-              </a:spcAft>
-              <a:buFont typeface="Arial" panose="020B0604020202020204" pitchFamily="34" charset="0"/>
-              <a:buChar char="•"/>
-              <a:defRPr lang="en-US" sz="1200" kern="1200">
-                <a:solidFill>
-                  <a:schemeClr val="tx1">
-                    <a:lumMod val="75000"/>
-                    <a:lumOff val="25000"/>
-                  </a:schemeClr>
-                </a:solidFill>
-                <a:latin typeface="+mn-lt"/>
-                <a:ea typeface="+mn-ea"/>
-                <a:cs typeface="+mn-cs"/>
-              </a:defRPr>
-            </a:lvl5pPr>
-            <a:lvl6pPr marL="2514600" indent="-228600" algn="l" defTabSz="914400" rtl="0" eaLnBrk="1" latinLnBrk="0" hangingPunct="1">
-              <a:lnSpc>
-                <a:spcPct val="90000"/>
-              </a:lnSpc>
-              <a:spcBef>
-                <a:spcPct val="30000"/>
-              </a:spcBef>
-              <a:buFont typeface="Arial" panose="020B0604020202020204" pitchFamily="34" charset="0"/>
-              <a:buChar char="•"/>
-              <a:defRPr sz="1800" kern="1200">
-                <a:solidFill>
-                  <a:schemeClr val="tx1"/>
-                </a:solidFill>
-                <a:latin typeface="+mn-lt"/>
-                <a:ea typeface="+mn-ea"/>
-                <a:cs typeface="+mn-cs"/>
-              </a:defRPr>
-            </a:lvl6pPr>
-            <a:lvl7pPr marL="2971800" indent="-228600" algn="l" defTabSz="914400" rtl="0" eaLnBrk="1" latinLnBrk="0" hangingPunct="1">
-              <a:lnSpc>
-                <a:spcPct val="90000"/>
-              </a:lnSpc>
-              <a:spcBef>
-                <a:spcPct val="30000"/>
-              </a:spcBef>
-              <a:buFont typeface="Arial" panose="020B0604020202020204" pitchFamily="34" charset="0"/>
-              <a:buChar char="•"/>
-              <a:defRPr sz="1800" kern="1200">
-                <a:solidFill>
-                  <a:schemeClr val="tx1"/>
-                </a:solidFill>
-                <a:latin typeface="+mn-lt"/>
-                <a:ea typeface="+mn-ea"/>
-                <a:cs typeface="+mn-cs"/>
-              </a:defRPr>
-            </a:lvl7pPr>
-            <a:lvl8pPr marL="3429000" indent="-228600" algn="l" defTabSz="914400" rtl="0" eaLnBrk="1" latinLnBrk="0" hangingPunct="1">
-              <a:lnSpc>
-                <a:spcPct val="90000"/>
-              </a:lnSpc>
-              <a:spcBef>
-                <a:spcPct val="30000"/>
-              </a:spcBef>
-              <a:buFont typeface="Arial" panose="020B0604020202020204" pitchFamily="34" charset="0"/>
-              <a:buChar char="•"/>
-              <a:defRPr sz="1800" kern="1200">
-                <a:solidFill>
-                  <a:schemeClr val="tx1"/>
-                </a:solidFill>
-                <a:latin typeface="+mn-lt"/>
-                <a:ea typeface="+mn-ea"/>
-                <a:cs typeface="+mn-cs"/>
-              </a:defRPr>
-            </a:lvl8pPr>
-            <a:lvl9pPr marL="3886200" indent="-228600" algn="l" defTabSz="914400" rtl="0" eaLnBrk="1" latinLnBrk="0" hangingPunct="1">
-              <a:lnSpc>
-                <a:spcPct val="90000"/>
-              </a:lnSpc>
-              <a:spcBef>
-                <a:spcPct val="30000"/>
-              </a:spcBef>
-              <a:buFont typeface="Arial" panose="020B0604020202020204" pitchFamily="34" charset="0"/>
-              <a:buChar char="•"/>
-              <a:defRPr sz="1800" kern="1200">
-                <a:solidFill>
-                  <a:schemeClr val="tx1"/>
-                </a:solidFill>
-                <a:latin typeface="+mn-lt"/>
-                <a:ea typeface="+mn-ea"/>
-                <a:cs typeface="+mn-cs"/>
-              </a:defRPr>
-            </a:lvl9pPr>
-          </a:lstStyle>
-          <a:p>
-            <a:pPr marL="0" lvl="0" indent="0">
-              <a:lnSpc>
-                <a:spcPct val="150000"/>
-              </a:lnSpc>
-              <a:spcBef>
-                <a:spcPts val="0"/>
-              </a:spcBef>
-              <a:spcAft>
-                <a:spcPts val="0"/>
-              </a:spcAft>
-              <a:buNone/>
-              <a:defRPr/>
-            </a:pPr>
-            <a:r>
-              <a:rPr lang="en-US" sz="2400" dirty="0" smtClean="0">
-                <a:solidFill>
-                  <a:srgbClr val="D24726"/>
-                </a:solidFill>
-                <a:latin typeface="Segoe UI" panose="020B0502040204020203" pitchFamily="34" charset="0"/>
-                <a:cs typeface="Segoe UI" panose="020B0502040204020203" pitchFamily="34" charset="0"/>
-              </a:rPr>
-              <a:t>Stateless applications</a:t>
-            </a:r>
-          </a:p>
-          <a:p>
-            <a:pPr>
-              <a:lnSpc>
-                <a:spcPct val="150000"/>
-              </a:lnSpc>
-              <a:spcBef>
-                <a:spcPts val="0"/>
-              </a:spcBef>
-              <a:spcAft>
-                <a:spcPts val="0"/>
-              </a:spcAft>
-              <a:defRPr/>
-            </a:pPr>
-            <a:r>
-              <a:rPr lang="en-US" sz="1600" dirty="0" smtClean="0">
-                <a:latin typeface="Segoe UI" panose="020B0502040204020203" pitchFamily="34" charset="0"/>
-                <a:cs typeface="Segoe UI" panose="020B0502040204020203" pitchFamily="34" charset="0"/>
-              </a:rPr>
-              <a:t>A service that has state where the state is persisted to external storage, such as Azure databases or Azure storage</a:t>
-            </a:r>
-          </a:p>
-          <a:p>
-            <a:pPr>
-              <a:lnSpc>
-                <a:spcPct val="150000"/>
-              </a:lnSpc>
-              <a:spcBef>
-                <a:spcPts val="0"/>
-              </a:spcBef>
-              <a:spcAft>
-                <a:spcPts val="0"/>
-              </a:spcAft>
-              <a:defRPr/>
-            </a:pPr>
-            <a:r>
-              <a:rPr lang="en-US" sz="1600" dirty="0" smtClean="0">
-                <a:latin typeface="Segoe UI" panose="020B0502040204020203" pitchFamily="34" charset="0"/>
-                <a:cs typeface="Segoe UI" panose="020B0502040204020203" pitchFamily="34" charset="0"/>
-              </a:rPr>
-              <a:t>Communication through concurrent collections</a:t>
-            </a:r>
-          </a:p>
-          <a:p>
-            <a:pPr>
-              <a:lnSpc>
-                <a:spcPct val="150000"/>
-              </a:lnSpc>
-              <a:spcBef>
-                <a:spcPts val="0"/>
-              </a:spcBef>
-              <a:spcAft>
-                <a:spcPts val="0"/>
-              </a:spcAft>
-              <a:defRPr/>
-            </a:pPr>
-            <a:endParaRPr lang="en-US" sz="1600" dirty="0" smtClean="0">
-              <a:latin typeface="Segoe UI" panose="020B0502040204020203" pitchFamily="34" charset="0"/>
-              <a:cs typeface="Segoe UI" panose="020B0502040204020203" pitchFamily="34" charset="0"/>
-            </a:endParaRPr>
-          </a:p>
-          <a:p>
-            <a:pPr marL="0" lvl="0" indent="0">
-              <a:lnSpc>
-                <a:spcPct val="150000"/>
-              </a:lnSpc>
-              <a:spcBef>
-                <a:spcPts val="0"/>
-              </a:spcBef>
-              <a:spcAft>
-                <a:spcPts val="0"/>
-              </a:spcAft>
-              <a:buNone/>
-              <a:defRPr/>
-            </a:pPr>
-            <a:r>
-              <a:rPr lang="en-US" sz="2400" dirty="0" smtClean="0">
-                <a:solidFill>
-                  <a:srgbClr val="D24726"/>
-                </a:solidFill>
-                <a:latin typeface="Segoe UI" panose="020B0502040204020203" pitchFamily="34" charset="0"/>
-                <a:cs typeface="Segoe UI" panose="020B0502040204020203" pitchFamily="34" charset="0"/>
-              </a:rPr>
-              <a:t>Stateful applications</a:t>
-            </a:r>
-          </a:p>
-          <a:p>
-            <a:pPr>
-              <a:lnSpc>
-                <a:spcPct val="150000"/>
-              </a:lnSpc>
-              <a:spcBef>
-                <a:spcPts val="0"/>
-              </a:spcBef>
-              <a:spcAft>
-                <a:spcPts val="0"/>
-              </a:spcAft>
-              <a:defRPr/>
-            </a:pPr>
-            <a:r>
-              <a:rPr lang="en-US" sz="1600" dirty="0" smtClean="0">
-                <a:latin typeface="Segoe UI" panose="020B0502040204020203" pitchFamily="34" charset="0"/>
-                <a:cs typeface="Segoe UI" panose="020B0502040204020203" pitchFamily="34" charset="0"/>
-              </a:rPr>
-              <a:t>Reliability of state through replication and local persistence (Reliable Collections)</a:t>
-            </a:r>
-          </a:p>
-          <a:p>
-            <a:pPr>
-              <a:lnSpc>
-                <a:spcPct val="150000"/>
-              </a:lnSpc>
-              <a:spcBef>
-                <a:spcPts val="0"/>
-              </a:spcBef>
-              <a:spcAft>
-                <a:spcPts val="0"/>
-              </a:spcAft>
-              <a:defRPr/>
-            </a:pPr>
-            <a:r>
-              <a:rPr lang="en-US" sz="1600" dirty="0" smtClean="0">
-                <a:latin typeface="Segoe UI" panose="020B0502040204020203" pitchFamily="34" charset="0"/>
-                <a:cs typeface="Segoe UI" panose="020B0502040204020203" pitchFamily="34" charset="0"/>
-              </a:rPr>
-              <a:t>Reduce latency</a:t>
-            </a:r>
-          </a:p>
-          <a:p>
-            <a:pPr>
-              <a:lnSpc>
-                <a:spcPct val="150000"/>
-              </a:lnSpc>
-              <a:spcBef>
-                <a:spcPts val="0"/>
-              </a:spcBef>
-              <a:spcAft>
-                <a:spcPts val="0"/>
-              </a:spcAft>
-              <a:defRPr/>
-            </a:pPr>
-            <a:r>
-              <a:rPr lang="en-US" sz="1600" dirty="0">
-                <a:latin typeface="Segoe UI" panose="020B0502040204020203" pitchFamily="34" charset="0"/>
-                <a:cs typeface="Segoe UI" panose="020B0502040204020203" pitchFamily="34" charset="0"/>
-              </a:rPr>
-              <a:t>Reduces the complexity and number of components in traditional three tier architecture</a:t>
-            </a:r>
-          </a:p>
-          <a:p>
-            <a:pPr>
-              <a:lnSpc>
-                <a:spcPct val="150000"/>
-              </a:lnSpc>
-              <a:spcBef>
-                <a:spcPts val="0"/>
-              </a:spcBef>
-              <a:spcAft>
-                <a:spcPts val="0"/>
-              </a:spcAft>
-              <a:defRPr/>
-            </a:pPr>
-            <a:endParaRPr lang="en-US" sz="1600" dirty="0" smtClean="0">
-              <a:solidFill>
-                <a:prstClr val="black">
-                  <a:lumMod val="75000"/>
-                  <a:lumOff val="25000"/>
-                </a:prstClr>
-              </a:solidFill>
-              <a:latin typeface="Segoe UI" panose="020B0502040204020203" pitchFamily="34" charset="0"/>
-              <a:cs typeface="Segoe UI" panose="020B0502040204020203" pitchFamily="34" charset="0"/>
-            </a:endParaRPr>
-          </a:p>
-          <a:p>
-            <a:pPr marL="0" indent="0">
-              <a:lnSpc>
-                <a:spcPct val="150000"/>
-              </a:lnSpc>
-              <a:spcBef>
-                <a:spcPts val="0"/>
-              </a:spcBef>
-              <a:spcAft>
-                <a:spcPts val="0"/>
-              </a:spcAft>
-              <a:buNone/>
-              <a:defRPr/>
-            </a:pPr>
-            <a:r>
-              <a:rPr lang="en-US" sz="2400" dirty="0" smtClean="0">
-                <a:solidFill>
-                  <a:srgbClr val="D24726"/>
-                </a:solidFill>
-                <a:latin typeface="Segoe UI" panose="020B0502040204020203" pitchFamily="34" charset="0"/>
-                <a:cs typeface="Segoe UI" panose="020B0502040204020203" pitchFamily="34" charset="0"/>
-              </a:rPr>
-              <a:t>Existing </a:t>
-            </a:r>
-            <a:r>
-              <a:rPr lang="en-US" sz="2400" dirty="0">
-                <a:solidFill>
-                  <a:srgbClr val="D24726"/>
-                </a:solidFill>
-                <a:latin typeface="Segoe UI" panose="020B0502040204020203" pitchFamily="34" charset="0"/>
-                <a:cs typeface="Segoe UI" panose="020B0502040204020203" pitchFamily="34" charset="0"/>
-              </a:rPr>
-              <a:t>apps written with other frameworks</a:t>
-            </a:r>
-          </a:p>
-          <a:p>
-            <a:pPr>
-              <a:lnSpc>
-                <a:spcPct val="150000"/>
-              </a:lnSpc>
-              <a:spcBef>
-                <a:spcPts val="0"/>
-              </a:spcBef>
-              <a:spcAft>
-                <a:spcPts val="0"/>
-              </a:spcAft>
-              <a:defRPr/>
-            </a:pPr>
-            <a:r>
-              <a:rPr lang="en-US" sz="1600" dirty="0" smtClean="0">
-                <a:solidFill>
-                  <a:prstClr val="black">
-                    <a:lumMod val="75000"/>
-                    <a:lumOff val="25000"/>
-                  </a:prstClr>
-                </a:solidFill>
-                <a:latin typeface="Segoe UI" panose="020B0502040204020203" pitchFamily="34" charset="0"/>
-                <a:cs typeface="Segoe UI" panose="020B0502040204020203" pitchFamily="34" charset="0"/>
-              </a:rPr>
-              <a:t>These are called guest executables. (Node.js</a:t>
-            </a:r>
-            <a:r>
-              <a:rPr lang="en-US" sz="1600" dirty="0">
-                <a:solidFill>
-                  <a:prstClr val="black">
-                    <a:lumMod val="75000"/>
-                    <a:lumOff val="25000"/>
-                  </a:prstClr>
-                </a:solidFill>
-                <a:latin typeface="Segoe UI" panose="020B0502040204020203" pitchFamily="34" charset="0"/>
-                <a:cs typeface="Segoe UI" panose="020B0502040204020203" pitchFamily="34" charset="0"/>
-              </a:rPr>
-              <a:t>, Java etc</a:t>
-            </a:r>
-            <a:r>
-              <a:rPr lang="en-US" sz="1600" dirty="0" smtClean="0">
-                <a:solidFill>
-                  <a:prstClr val="black">
-                    <a:lumMod val="75000"/>
-                    <a:lumOff val="25000"/>
-                  </a:prstClr>
-                </a:solidFill>
-                <a:latin typeface="Segoe UI" panose="020B0502040204020203" pitchFamily="34" charset="0"/>
-                <a:cs typeface="Segoe UI" panose="020B0502040204020203" pitchFamily="34" charset="0"/>
-              </a:rPr>
-              <a:t>...)</a:t>
-            </a:r>
-          </a:p>
-        </p:txBody>
-      </p:sp>
-    </p:spTree>
-    <p:extLst>
-      <p:ext uri="{BB962C8B-B14F-4D97-AF65-F5344CB8AC3E}">
-        <p14:creationId xmlns:p14="http://schemas.microsoft.com/office/powerpoint/2010/main" val="519898470"/>
-      </p:ext>
-    </p:extLst>
-  </p:cSld>
-  <p:clrMapOvr>
-    <a:masterClrMapping/>
-  </p:clrMapOvr>
-  <mc:AlternateContent xmlns:mc="http://schemas.openxmlformats.org/markup-compatibility/2006" xmlns:p14="http://schemas.microsoft.com/office/powerpoint/2010/main">
-    <mc:Choice Requires="p14">
-      <p:transition p14:dur="10"/>
-    </mc:Choice>
-    <mc:Fallback xmlns="">
-      <p:transition/>
-    </mc:Fallback>
-  </mc:AlternateContent>
-  <p:timing>
-    <p:tnLst>
-      <p:par>
-        <p:cTn id="1" dur="indefinite" restart="never" nodeType="tmRoot"/>
-      </p:par>
-    </p:tnLst>
-  </p:timing>
-</p:sld>
-</file>
-
 <file path=ppt/slides/slide19.xml><?xml version="1.0" encoding="utf-8"?>
 <p:sld xmlns:a="http://schemas.openxmlformats.org/drawingml/2006/main" xmlns:r="http://schemas.openxmlformats.org/officeDocument/2006/relationships" xmlns:p="http://schemas.openxmlformats.org/presentationml/2006/main">
   <p:cSld>
@@ -13752,7 +14311,7 @@
                 <a:latin typeface="Segoe UI Light" panose="020B0502040204020203" pitchFamily="34" charset="0"/>
                 <a:cs typeface="Segoe UI Light" panose="020B0502040204020203" pitchFamily="34" charset="0"/>
               </a:rPr>
-              <a:t>Development</a:t>
+              <a:t>What can you build/deploy with Service Fabric?</a:t>
             </a:r>
             <a:endParaRPr lang="en-US" dirty="0">
               <a:latin typeface="Segoe UI Light" panose="020B0502040204020203" pitchFamily="34" charset="0"/>
@@ -13998,7 +14557,7 @@
                 <a:latin typeface="Segoe UI" panose="020B0502040204020203" pitchFamily="34" charset="0"/>
                 <a:cs typeface="Segoe UI" panose="020B0502040204020203" pitchFamily="34" charset="0"/>
               </a:rPr>
-              <a:t>Reliable Actor API</a:t>
+              <a:t>Stateless applications</a:t>
             </a:r>
           </a:p>
           <a:p>
@@ -14019,7 +14578,7 @@
                 <a:latin typeface="Segoe UI" panose="020B0502040204020203" pitchFamily="34" charset="0"/>
                 <a:cs typeface="Segoe UI" panose="020B0502040204020203" pitchFamily="34" charset="0"/>
               </a:rPr>
-              <a:t>Build reliable stateless and stateful objects with a virtual Actor Programming Model</a:t>
+              <a:t>A service that has state where the state is persisted to external storage, such as Azure databases or Azure storage</a:t>
             </a:r>
           </a:p>
           <a:p>
@@ -14040,28 +14599,7 @@
                 <a:latin typeface="Segoe UI" panose="020B0502040204020203" pitchFamily="34" charset="0"/>
                 <a:cs typeface="Segoe UI" panose="020B0502040204020203" pitchFamily="34" charset="0"/>
               </a:rPr>
-              <a:t>Suitable for applications with multiple independent units of state and compute</a:t>
-            </a:r>
-          </a:p>
-          <a:p>
-            <a:pPr>
-              <a:lnSpc>
-                <a:spcPct val="150000"/>
-              </a:lnSpc>
-              <a:spcBef>
-                <a:spcPts val="0"/>
-              </a:spcBef>
-              <a:spcAft>
-                <a:spcPts val="0"/>
-              </a:spcAft>
-              <a:defRPr/>
-            </a:pPr>
-            <a:r>
-              <a:rPr lang="en-US" sz="1600" dirty="0" smtClean="0">
-                <a:latin typeface="Segoe UI" panose="020B0502040204020203" pitchFamily="34" charset="0"/>
-                <a:cs typeface="Segoe UI" panose="020B0502040204020203" pitchFamily="34" charset="0"/>
-              </a:rPr>
-              <a:t>Automatic state management and turn based concurrency (Single threaded execution)</a:t>
+              <a:t>Communication through concurrent collections</a:t>
             </a:r>
           </a:p>
           <a:p>
@@ -14104,7 +14642,7 @@
                 <a:latin typeface="Segoe UI" panose="020B0502040204020203" pitchFamily="34" charset="0"/>
                 <a:cs typeface="Segoe UI" panose="020B0502040204020203" pitchFamily="34" charset="0"/>
               </a:rPr>
-              <a:t>Reliable Services API</a:t>
+              <a:t>Stateful applications</a:t>
             </a:r>
           </a:p>
           <a:p>
@@ -14121,25 +14659,11 @@
               <a:defRPr/>
             </a:pPr>
             <a:r>
-              <a:rPr lang="en-US" sz="1600" dirty="0">
-                <a:latin typeface="Segoe UI" panose="020B0502040204020203" pitchFamily="34" charset="0"/>
-                <a:cs typeface="Segoe UI" panose="020B0502040204020203" pitchFamily="34" charset="0"/>
-              </a:rPr>
-              <a:t>Build stateless services using existing </a:t>
-            </a:r>
-            <a:r>
               <a:rPr lang="en-US" sz="1600" dirty="0" smtClean="0">
                 <a:latin typeface="Segoe UI" panose="020B0502040204020203" pitchFamily="34" charset="0"/>
                 <a:cs typeface="Segoe UI" panose="020B0502040204020203" pitchFamily="34" charset="0"/>
               </a:rPr>
-              <a:t>technologies </a:t>
-            </a:r>
-            <a:r>
-              <a:rPr lang="en-US" sz="1600" dirty="0">
-                <a:latin typeface="Segoe UI" panose="020B0502040204020203" pitchFamily="34" charset="0"/>
-                <a:cs typeface="Segoe UI" panose="020B0502040204020203" pitchFamily="34" charset="0"/>
-              </a:rPr>
-              <a:t>such as ASP.NET</a:t>
+              <a:t>Reliability of state through replication and local persistence (Reliable Collections)</a:t>
             </a:r>
           </a:p>
           <a:p>
@@ -14156,11 +14680,11 @@
               <a:defRPr/>
             </a:pPr>
             <a:r>
-              <a:rPr lang="en-US" sz="1600" dirty="0">
+              <a:rPr lang="en-US" sz="1600" dirty="0" smtClean="0">
                 <a:latin typeface="Segoe UI" panose="020B0502040204020203" pitchFamily="34" charset="0"/>
                 <a:cs typeface="Segoe UI" panose="020B0502040204020203" pitchFamily="34" charset="0"/>
               </a:rPr>
-              <a:t>Build stateful services using reliable collections</a:t>
+              <a:t>Reduce latency</a:t>
             </a:r>
           </a:p>
           <a:p>
@@ -14181,7 +14705,7 @@
                 <a:latin typeface="Segoe UI" panose="020B0502040204020203" pitchFamily="34" charset="0"/>
                 <a:cs typeface="Segoe UI" panose="020B0502040204020203" pitchFamily="34" charset="0"/>
               </a:rPr>
-              <a:t>Manage the concurrency and granularity of state changes using transactions</a:t>
+              <a:t>Reduces the complexity and number of components in traditional three tier architecture</a:t>
             </a:r>
           </a:p>
           <a:p>
@@ -14197,19 +14721,103 @@
               </a:spcAft>
               <a:defRPr/>
             </a:pPr>
-            <a:r>
-              <a:rPr lang="en-US" sz="1600" dirty="0">
+            <a:endParaRPr lang="en-US" sz="1600" dirty="0" smtClean="0">
+              <a:solidFill>
+                <a:prstClr val="black">
+                  <a:lumMod val="75000"/>
+                  <a:lumOff val="25000"/>
+                </a:prstClr>
+              </a:solidFill>
+              <a:latin typeface="Segoe UI" panose="020B0502040204020203" pitchFamily="34" charset="0"/>
+              <a:cs typeface="Segoe UI" panose="020B0502040204020203" pitchFamily="34" charset="0"/>
+            </a:endParaRPr>
+          </a:p>
+          <a:p>
+            <a:pPr marL="0" indent="0">
+              <a:lnSpc>
+                <a:spcPct val="150000"/>
+              </a:lnSpc>
+              <a:spcBef>
+                <a:spcPts val="0"/>
+              </a:spcBef>
+              <a:spcAft>
+                <a:spcPts val="0"/>
+              </a:spcAft>
+              <a:buNone/>
+              <a:defRPr/>
+            </a:pPr>
+            <a:r>
+              <a:rPr lang="en-US" sz="2400" dirty="0" smtClean="0">
+                <a:solidFill>
+                  <a:srgbClr val="D24726"/>
+                </a:solidFill>
                 <a:latin typeface="Segoe UI" panose="020B0502040204020203" pitchFamily="34" charset="0"/>
                 <a:cs typeface="Segoe UI" panose="020B0502040204020203" pitchFamily="34" charset="0"/>
               </a:rPr>
-              <a:t>Communicate with services using the technology of your choice (e.g. WebAPI, </a:t>
-            </a:r>
-            <a:r>
-              <a:rPr lang="en-US" sz="1600" dirty="0" smtClean="0">
+              <a:t>Existing </a:t>
+            </a:r>
+            <a:r>
+              <a:rPr lang="en-US" sz="2400" dirty="0">
+                <a:solidFill>
+                  <a:srgbClr val="D24726"/>
+                </a:solidFill>
                 <a:latin typeface="Segoe UI" panose="020B0502040204020203" pitchFamily="34" charset="0"/>
                 <a:cs typeface="Segoe UI" panose="020B0502040204020203" pitchFamily="34" charset="0"/>
               </a:rPr>
-              <a:t>WCF)</a:t>
+              <a:t>apps written with other frameworks</a:t>
+            </a:r>
+          </a:p>
+          <a:p>
+            <a:pPr>
+              <a:lnSpc>
+                <a:spcPct val="150000"/>
+              </a:lnSpc>
+              <a:spcBef>
+                <a:spcPts val="0"/>
+              </a:spcBef>
+              <a:spcAft>
+                <a:spcPts val="0"/>
+              </a:spcAft>
+              <a:defRPr/>
+            </a:pPr>
+            <a:r>
+              <a:rPr lang="en-US" sz="1600" dirty="0" smtClean="0">
+                <a:solidFill>
+                  <a:prstClr val="black">
+                    <a:lumMod val="75000"/>
+                    <a:lumOff val="25000"/>
+                  </a:prstClr>
+                </a:solidFill>
+                <a:latin typeface="Segoe UI" panose="020B0502040204020203" pitchFamily="34" charset="0"/>
+                <a:cs typeface="Segoe UI" panose="020B0502040204020203" pitchFamily="34" charset="0"/>
+              </a:rPr>
+              <a:t>These are called guest executables. (Node.js</a:t>
+            </a:r>
+            <a:r>
+              <a:rPr lang="en-US" sz="1600" dirty="0">
+                <a:solidFill>
+                  <a:prstClr val="black">
+                    <a:lumMod val="75000"/>
+                    <a:lumOff val="25000"/>
+                  </a:prstClr>
+                </a:solidFill>
+                <a:latin typeface="Segoe UI" panose="020B0502040204020203" pitchFamily="34" charset="0"/>
+                <a:cs typeface="Segoe UI" panose="020B0502040204020203" pitchFamily="34" charset="0"/>
+              </a:rPr>
+              <a:t>, Java etc</a:t>
+            </a:r>
+            <a:r>
+              <a:rPr lang="en-US" sz="1600" dirty="0" smtClean="0">
+                <a:solidFill>
+                  <a:prstClr val="black">
+                    <a:lumMod val="75000"/>
+                    <a:lumOff val="25000"/>
+                  </a:prstClr>
+                </a:solidFill>
+                <a:latin typeface="Segoe UI" panose="020B0502040204020203" pitchFamily="34" charset="0"/>
+                <a:cs typeface="Segoe UI" panose="020B0502040204020203" pitchFamily="34" charset="0"/>
+              </a:rPr>
+              <a:t>...)</a:t>
             </a:r>
           </a:p>
         </p:txBody>
@@ -14217,7 +14825,7 @@
     </p:spTree>
     <p:extLst>
       <p:ext uri="{BB962C8B-B14F-4D97-AF65-F5344CB8AC3E}">
-        <p14:creationId xmlns:p14="http://schemas.microsoft.com/office/powerpoint/2010/main" val="1985766868"/>
+        <p14:creationId xmlns:p14="http://schemas.microsoft.com/office/powerpoint/2010/main" val="519898470"/>
       </p:ext>
     </p:extLst>
   </p:cSld>
@@ -15367,6 +15975,540 @@
       </p:grpSpPr>
       <p:sp>
         <p:nvSpPr>
+          <p:cNvPr id="8" name="Title 7"/>
+          <p:cNvSpPr>
+            <a:spLocks noGrp="1"/>
+          </p:cNvSpPr>
+          <p:nvPr>
+            <p:ph type="title"/>
+          </p:nvPr>
+        </p:nvSpPr>
+        <p:spPr>
+          <a:xfrm>
+            <a:off x="521208" y="448056"/>
+            <a:ext cx="11010392" cy="640080"/>
+          </a:xfrm>
+        </p:spPr>
+        <p:txBody>
+          <a:bodyPr>
+            <a:normAutofit/>
+          </a:bodyPr>
+          <a:lstStyle/>
+          <a:p>
+            <a:r>
+              <a:rPr lang="en-US" dirty="0" smtClean="0">
+                <a:latin typeface="Segoe UI Light" panose="020B0502040204020203" pitchFamily="34" charset="0"/>
+                <a:cs typeface="Segoe UI Light" panose="020B0502040204020203" pitchFamily="34" charset="0"/>
+              </a:rPr>
+              <a:t>Development</a:t>
+            </a:r>
+            <a:endParaRPr lang="en-US" dirty="0">
+              <a:latin typeface="Segoe UI Light" panose="020B0502040204020203" pitchFamily="34" charset="0"/>
+              <a:cs typeface="Segoe UI Light" panose="020B0502040204020203" pitchFamily="34" charset="0"/>
+            </a:endParaRPr>
+          </a:p>
+        </p:txBody>
+      </p:sp>
+      <p:sp>
+        <p:nvSpPr>
+          <p:cNvPr id="4" name="Content Placeholder 17"/>
+          <p:cNvSpPr txBox="1">
+            <a:spLocks/>
+          </p:cNvSpPr>
+          <p:nvPr/>
+        </p:nvSpPr>
+        <p:spPr>
+          <a:xfrm>
+            <a:off x="541610" y="1296100"/>
+            <a:ext cx="10679383" cy="5130826"/>
+          </a:xfrm>
+          <a:prstGeom prst="rect">
+            <a:avLst/>
+          </a:prstGeom>
+        </p:spPr>
+        <p:txBody>
+          <a:bodyPr vert="horz" lIns="91440" tIns="45720" rIns="91440" bIns="45720" rtlCol="0">
+            <a:normAutofit/>
+          </a:bodyPr>
+          <a:lstStyle>
+            <a:lvl1pPr marL="228600" indent="-228600" algn="l" defTabSz="914400" rtl="0" eaLnBrk="1" latinLnBrk="0" hangingPunct="1">
+              <a:lnSpc>
+                <a:spcPts val="1800"/>
+              </a:lnSpc>
+              <a:spcBef>
+                <a:spcPts val="1000"/>
+              </a:spcBef>
+              <a:spcAft>
+                <a:spcPts val="1000"/>
+              </a:spcAft>
+              <a:buFont typeface="Arial" panose="020B0604020202020204" pitchFamily="34" charset="0"/>
+              <a:buChar char="•"/>
+              <a:defRPr lang="en-US" sz="1200" kern="1200" smtClean="0">
+                <a:solidFill>
+                  <a:schemeClr val="tx1">
+                    <a:lumMod val="75000"/>
+                    <a:lumOff val="25000"/>
+                  </a:schemeClr>
+                </a:solidFill>
+                <a:latin typeface="+mn-lt"/>
+                <a:ea typeface="+mn-ea"/>
+                <a:cs typeface="+mn-cs"/>
+              </a:defRPr>
+            </a:lvl1pPr>
+            <a:lvl2pPr marL="685800" indent="-228600" algn="l" defTabSz="914400" rtl="0" eaLnBrk="1" latinLnBrk="0" hangingPunct="1">
+              <a:lnSpc>
+                <a:spcPts val="1800"/>
+              </a:lnSpc>
+              <a:spcBef>
+                <a:spcPts val="1000"/>
+              </a:spcBef>
+              <a:spcAft>
+                <a:spcPts val="1000"/>
+              </a:spcAft>
+              <a:buFont typeface="Arial" panose="020B0604020202020204" pitchFamily="34" charset="0"/>
+              <a:buChar char="•"/>
+              <a:defRPr lang="en-US" sz="1200" kern="1200" smtClean="0">
+                <a:solidFill>
+                  <a:schemeClr val="tx1">
+                    <a:lumMod val="75000"/>
+                    <a:lumOff val="25000"/>
+                  </a:schemeClr>
+                </a:solidFill>
+                <a:latin typeface="+mn-lt"/>
+                <a:ea typeface="+mn-ea"/>
+                <a:cs typeface="+mn-cs"/>
+              </a:defRPr>
+            </a:lvl2pPr>
+            <a:lvl3pPr marL="1143000" indent="-228600" algn="l" defTabSz="914400" rtl="0" eaLnBrk="1" latinLnBrk="0" hangingPunct="1">
+              <a:lnSpc>
+                <a:spcPts val="1800"/>
+              </a:lnSpc>
+              <a:spcBef>
+                <a:spcPts val="1000"/>
+              </a:spcBef>
+              <a:spcAft>
+                <a:spcPts val="1000"/>
+              </a:spcAft>
+              <a:buFont typeface="Arial" panose="020B0604020202020204" pitchFamily="34" charset="0"/>
+              <a:buChar char="•"/>
+              <a:defRPr lang="en-US" sz="1200" kern="1200" smtClean="0">
+                <a:solidFill>
+                  <a:schemeClr val="tx1">
+                    <a:lumMod val="75000"/>
+                    <a:lumOff val="25000"/>
+                  </a:schemeClr>
+                </a:solidFill>
+                <a:latin typeface="+mn-lt"/>
+                <a:ea typeface="+mn-ea"/>
+                <a:cs typeface="+mn-cs"/>
+              </a:defRPr>
+            </a:lvl3pPr>
+            <a:lvl4pPr marL="1600200" indent="-228600" algn="l" defTabSz="914400" rtl="0" eaLnBrk="1" latinLnBrk="0" hangingPunct="1">
+              <a:lnSpc>
+                <a:spcPts val="1800"/>
+              </a:lnSpc>
+              <a:spcBef>
+                <a:spcPts val="1000"/>
+              </a:spcBef>
+              <a:spcAft>
+                <a:spcPts val="1000"/>
+              </a:spcAft>
+              <a:buFont typeface="Arial" panose="020B0604020202020204" pitchFamily="34" charset="0"/>
+              <a:buChar char="•"/>
+              <a:defRPr lang="en-US" sz="1200" kern="1200" smtClean="0">
+                <a:solidFill>
+                  <a:schemeClr val="tx1">
+                    <a:lumMod val="75000"/>
+                    <a:lumOff val="25000"/>
+                  </a:schemeClr>
+                </a:solidFill>
+                <a:latin typeface="+mn-lt"/>
+                <a:ea typeface="+mn-ea"/>
+                <a:cs typeface="+mn-cs"/>
+              </a:defRPr>
+            </a:lvl4pPr>
+            <a:lvl5pPr marL="2057400" indent="-228600" algn="l" defTabSz="914400" rtl="0" eaLnBrk="1" latinLnBrk="0" hangingPunct="1">
+              <a:lnSpc>
+                <a:spcPts val="1800"/>
+              </a:lnSpc>
+              <a:spcBef>
+                <a:spcPts val="1000"/>
+              </a:spcBef>
+              <a:spcAft>
+                <a:spcPts val="1000"/>
+              </a:spcAft>
+              <a:buFont typeface="Arial" panose="020B0604020202020204" pitchFamily="34" charset="0"/>
+              <a:buChar char="•"/>
+              <a:defRPr lang="en-US" sz="1200" kern="1200">
+                <a:solidFill>
+                  <a:schemeClr val="tx1">
+                    <a:lumMod val="75000"/>
+                    <a:lumOff val="25000"/>
+                  </a:schemeClr>
+                </a:solidFill>
+                <a:latin typeface="+mn-lt"/>
+                <a:ea typeface="+mn-ea"/>
+                <a:cs typeface="+mn-cs"/>
+              </a:defRPr>
+            </a:lvl5pPr>
+            <a:lvl6pPr marL="2514600" indent="-228600" algn="l" defTabSz="914400" rtl="0" eaLnBrk="1" latinLnBrk="0" hangingPunct="1">
+              <a:lnSpc>
+                <a:spcPct val="90000"/>
+              </a:lnSpc>
+              <a:spcBef>
+                <a:spcPct val="30000"/>
+              </a:spcBef>
+              <a:buFont typeface="Arial" panose="020B0604020202020204" pitchFamily="34" charset="0"/>
+              <a:buChar char="•"/>
+              <a:defRPr sz="1800" kern="1200">
+                <a:solidFill>
+                  <a:schemeClr val="tx1"/>
+                </a:solidFill>
+                <a:latin typeface="+mn-lt"/>
+                <a:ea typeface="+mn-ea"/>
+                <a:cs typeface="+mn-cs"/>
+              </a:defRPr>
+            </a:lvl6pPr>
+            <a:lvl7pPr marL="2971800" indent="-228600" algn="l" defTabSz="914400" rtl="0" eaLnBrk="1" latinLnBrk="0" hangingPunct="1">
+              <a:lnSpc>
+                <a:spcPct val="90000"/>
+              </a:lnSpc>
+              <a:spcBef>
+                <a:spcPct val="30000"/>
+              </a:spcBef>
+              <a:buFont typeface="Arial" panose="020B0604020202020204" pitchFamily="34" charset="0"/>
+              <a:buChar char="•"/>
+              <a:defRPr sz="1800" kern="1200">
+                <a:solidFill>
+                  <a:schemeClr val="tx1"/>
+                </a:solidFill>
+                <a:latin typeface="+mn-lt"/>
+                <a:ea typeface="+mn-ea"/>
+                <a:cs typeface="+mn-cs"/>
+              </a:defRPr>
+            </a:lvl7pPr>
+            <a:lvl8pPr marL="3429000" indent="-228600" algn="l" defTabSz="914400" rtl="0" eaLnBrk="1" latinLnBrk="0" hangingPunct="1">
+              <a:lnSpc>
+                <a:spcPct val="90000"/>
+              </a:lnSpc>
+              <a:spcBef>
+                <a:spcPct val="30000"/>
+              </a:spcBef>
+              <a:buFont typeface="Arial" panose="020B0604020202020204" pitchFamily="34" charset="0"/>
+              <a:buChar char="•"/>
+              <a:defRPr sz="1800" kern="1200">
+                <a:solidFill>
+                  <a:schemeClr val="tx1"/>
+                </a:solidFill>
+                <a:latin typeface="+mn-lt"/>
+                <a:ea typeface="+mn-ea"/>
+                <a:cs typeface="+mn-cs"/>
+              </a:defRPr>
+            </a:lvl8pPr>
+            <a:lvl9pPr marL="3886200" indent="-228600" algn="l" defTabSz="914400" rtl="0" eaLnBrk="1" latinLnBrk="0" hangingPunct="1">
+              <a:lnSpc>
+                <a:spcPct val="90000"/>
+              </a:lnSpc>
+              <a:spcBef>
+                <a:spcPct val="30000"/>
+              </a:spcBef>
+              <a:buFont typeface="Arial" panose="020B0604020202020204" pitchFamily="34" charset="0"/>
+              <a:buChar char="•"/>
+              <a:defRPr sz="1800" kern="1200">
+                <a:solidFill>
+                  <a:schemeClr val="tx1"/>
+                </a:solidFill>
+                <a:latin typeface="+mn-lt"/>
+                <a:ea typeface="+mn-ea"/>
+                <a:cs typeface="+mn-cs"/>
+              </a:defRPr>
+            </a:lvl9pPr>
+          </a:lstStyle>
+          <a:p>
+            <a:pPr marL="0" lvl="0" indent="0">
+              <a:lnSpc>
+                <a:spcPct val="150000"/>
+              </a:lnSpc>
+              <a:spcBef>
+                <a:spcPts val="0"/>
+              </a:spcBef>
+              <a:spcAft>
+                <a:spcPts val="0"/>
+              </a:spcAft>
+              <a:buNone/>
+              <a:defRPr/>
+            </a:pPr>
+            <a:r>
+              <a:rPr lang="en-US" sz="2400" dirty="0" smtClean="0">
+                <a:solidFill>
+                  <a:srgbClr val="D24726"/>
+                </a:solidFill>
+                <a:latin typeface="Segoe UI" panose="020B0502040204020203" pitchFamily="34" charset="0"/>
+                <a:cs typeface="Segoe UI" panose="020B0502040204020203" pitchFamily="34" charset="0"/>
+              </a:rPr>
+              <a:t>Reliable Actor API</a:t>
+            </a:r>
+          </a:p>
+          <a:p>
+            <a:pPr>
+              <a:lnSpc>
+                <a:spcPct val="150000"/>
+              </a:lnSpc>
+              <a:spcBef>
+                <a:spcPts val="0"/>
+              </a:spcBef>
+              <a:spcAft>
+                <a:spcPts val="0"/>
+              </a:spcAft>
+              <a:defRPr/>
+            </a:pPr>
+            <a:r>
+              <a:rPr lang="en-US" sz="1600" dirty="0" smtClean="0">
+                <a:latin typeface="Segoe UI" panose="020B0502040204020203" pitchFamily="34" charset="0"/>
+                <a:cs typeface="Segoe UI" panose="020B0502040204020203" pitchFamily="34" charset="0"/>
+              </a:rPr>
+              <a:t>Build reliable stateless and stateful objects with a virtual Actor Programming Model</a:t>
+            </a:r>
+          </a:p>
+          <a:p>
+            <a:pPr>
+              <a:lnSpc>
+                <a:spcPct val="150000"/>
+              </a:lnSpc>
+              <a:spcBef>
+                <a:spcPts val="0"/>
+              </a:spcBef>
+              <a:spcAft>
+                <a:spcPts val="0"/>
+              </a:spcAft>
+              <a:defRPr/>
+            </a:pPr>
+            <a:r>
+              <a:rPr lang="en-US" sz="1600" dirty="0" smtClean="0">
+                <a:latin typeface="Segoe UI" panose="020B0502040204020203" pitchFamily="34" charset="0"/>
+                <a:cs typeface="Segoe UI" panose="020B0502040204020203" pitchFamily="34" charset="0"/>
+              </a:rPr>
+              <a:t>Suitable for applications with multiple independent units of state and compute</a:t>
+            </a:r>
+          </a:p>
+          <a:p>
+            <a:pPr>
+              <a:lnSpc>
+                <a:spcPct val="150000"/>
+              </a:lnSpc>
+              <a:spcBef>
+                <a:spcPts val="0"/>
+              </a:spcBef>
+              <a:spcAft>
+                <a:spcPts val="0"/>
+              </a:spcAft>
+              <a:defRPr/>
+            </a:pPr>
+            <a:r>
+              <a:rPr lang="en-US" sz="1600" dirty="0" smtClean="0">
+                <a:latin typeface="Segoe UI" panose="020B0502040204020203" pitchFamily="34" charset="0"/>
+                <a:cs typeface="Segoe UI" panose="020B0502040204020203" pitchFamily="34" charset="0"/>
+              </a:rPr>
+              <a:t>Automatic state management and turn based concurrency (Single threaded execution)</a:t>
+            </a:r>
+          </a:p>
+          <a:p>
+            <a:pPr>
+              <a:lnSpc>
+                <a:spcPct val="150000"/>
+              </a:lnSpc>
+              <a:spcBef>
+                <a:spcPts val="0"/>
+              </a:spcBef>
+              <a:spcAft>
+                <a:spcPts val="0"/>
+              </a:spcAft>
+              <a:defRPr/>
+            </a:pPr>
+            <a:endParaRPr lang="en-US" sz="1600" dirty="0" smtClean="0">
+              <a:latin typeface="Segoe UI" panose="020B0502040204020203" pitchFamily="34" charset="0"/>
+              <a:cs typeface="Segoe UI" panose="020B0502040204020203" pitchFamily="34" charset="0"/>
+            </a:endParaRPr>
+          </a:p>
+          <a:p>
+            <a:pPr marL="0" lvl="0" indent="0">
+              <a:lnSpc>
+                <a:spcPct val="150000"/>
+              </a:lnSpc>
+              <a:spcBef>
+                <a:spcPts val="0"/>
+              </a:spcBef>
+              <a:spcAft>
+                <a:spcPts val="0"/>
+              </a:spcAft>
+              <a:buNone/>
+              <a:defRPr/>
+            </a:pPr>
+            <a:r>
+              <a:rPr lang="en-US" sz="2400" dirty="0" smtClean="0">
+                <a:solidFill>
+                  <a:srgbClr val="D24726"/>
+                </a:solidFill>
+                <a:latin typeface="Segoe UI" panose="020B0502040204020203" pitchFamily="34" charset="0"/>
+                <a:cs typeface="Segoe UI" panose="020B0502040204020203" pitchFamily="34" charset="0"/>
+              </a:rPr>
+              <a:t>Reliable Services API</a:t>
+            </a:r>
+          </a:p>
+          <a:p>
+            <a:pPr>
+              <a:lnSpc>
+                <a:spcPct val="150000"/>
+              </a:lnSpc>
+              <a:spcBef>
+                <a:spcPts val="0"/>
+              </a:spcBef>
+              <a:spcAft>
+                <a:spcPts val="0"/>
+              </a:spcAft>
+              <a:defRPr/>
+            </a:pPr>
+            <a:r>
+              <a:rPr lang="en-US" sz="1600" dirty="0">
+                <a:latin typeface="Segoe UI" panose="020B0502040204020203" pitchFamily="34" charset="0"/>
+                <a:cs typeface="Segoe UI" panose="020B0502040204020203" pitchFamily="34" charset="0"/>
+              </a:rPr>
+              <a:t>Build stateless services using existing </a:t>
+            </a:r>
+            <a:r>
+              <a:rPr lang="en-US" sz="1600" dirty="0" smtClean="0">
+                <a:latin typeface="Segoe UI" panose="020B0502040204020203" pitchFamily="34" charset="0"/>
+                <a:cs typeface="Segoe UI" panose="020B0502040204020203" pitchFamily="34" charset="0"/>
+              </a:rPr>
+              <a:t>technologies </a:t>
+            </a:r>
+            <a:r>
+              <a:rPr lang="en-US" sz="1600" dirty="0">
+                <a:latin typeface="Segoe UI" panose="020B0502040204020203" pitchFamily="34" charset="0"/>
+                <a:cs typeface="Segoe UI" panose="020B0502040204020203" pitchFamily="34" charset="0"/>
+              </a:rPr>
+              <a:t>such as ASP.NET</a:t>
+            </a:r>
+          </a:p>
+          <a:p>
+            <a:pPr>
+              <a:lnSpc>
+                <a:spcPct val="150000"/>
+              </a:lnSpc>
+              <a:spcBef>
+                <a:spcPts val="0"/>
+              </a:spcBef>
+              <a:spcAft>
+                <a:spcPts val="0"/>
+              </a:spcAft>
+              <a:defRPr/>
+            </a:pPr>
+            <a:r>
+              <a:rPr lang="en-US" sz="1600" dirty="0">
+                <a:latin typeface="Segoe UI" panose="020B0502040204020203" pitchFamily="34" charset="0"/>
+                <a:cs typeface="Segoe UI" panose="020B0502040204020203" pitchFamily="34" charset="0"/>
+              </a:rPr>
+              <a:t>Build stateful services using reliable collections</a:t>
+            </a:r>
+          </a:p>
+          <a:p>
+            <a:pPr>
+              <a:lnSpc>
+                <a:spcPct val="150000"/>
+              </a:lnSpc>
+              <a:spcBef>
+                <a:spcPts val="0"/>
+              </a:spcBef>
+              <a:spcAft>
+                <a:spcPts val="0"/>
+              </a:spcAft>
+              <a:defRPr/>
+            </a:pPr>
+            <a:r>
+              <a:rPr lang="en-US" sz="1600" dirty="0">
+                <a:latin typeface="Segoe UI" panose="020B0502040204020203" pitchFamily="34" charset="0"/>
+                <a:cs typeface="Segoe UI" panose="020B0502040204020203" pitchFamily="34" charset="0"/>
+              </a:rPr>
+              <a:t>Manage the concurrency and granularity of state changes using transactions</a:t>
+            </a:r>
+          </a:p>
+          <a:p>
+            <a:pPr>
+              <a:lnSpc>
+                <a:spcPct val="150000"/>
+              </a:lnSpc>
+              <a:spcBef>
+                <a:spcPts val="0"/>
+              </a:spcBef>
+              <a:spcAft>
+                <a:spcPts val="0"/>
+              </a:spcAft>
+              <a:defRPr/>
+            </a:pPr>
+            <a:r>
+              <a:rPr lang="en-US" sz="1600" dirty="0">
+                <a:latin typeface="Segoe UI" panose="020B0502040204020203" pitchFamily="34" charset="0"/>
+                <a:cs typeface="Segoe UI" panose="020B0502040204020203" pitchFamily="34" charset="0"/>
+              </a:rPr>
+              <a:t>Communicate with services using the technology of your choice (e.g. WebAPI, </a:t>
+            </a:r>
+            <a:r>
+              <a:rPr lang="en-US" sz="1600" dirty="0" smtClean="0">
+                <a:latin typeface="Segoe UI" panose="020B0502040204020203" pitchFamily="34" charset="0"/>
+                <a:cs typeface="Segoe UI" panose="020B0502040204020203" pitchFamily="34" charset="0"/>
+              </a:rPr>
+              <a:t>WCF)</a:t>
+            </a:r>
+          </a:p>
+        </p:txBody>
+      </p:sp>
+    </p:spTree>
+    <p:extLst>
+      <p:ext uri="{BB962C8B-B14F-4D97-AF65-F5344CB8AC3E}">
+        <p14:creationId xmlns:p14="http://schemas.microsoft.com/office/powerpoint/2010/main" val="1985766868"/>
+      </p:ext>
+    </p:extLst>
+  </p:cSld>
+  <p:clrMapOvr>
+    <a:masterClrMapping/>
+  </p:clrMapOvr>
+  <mc:AlternateContent xmlns:mc="http://schemas.openxmlformats.org/markup-compatibility/2006" xmlns:p14="http://schemas.microsoft.com/office/powerpoint/2010/main">
+    <mc:Choice Requires="p14">
+      <p:transition p14:dur="10"/>
+    </mc:Choice>
+    <mc:Fallback xmlns="">
+      <p:transition/>
+    </mc:Fallback>
+  </mc:AlternateContent>
+  <p:timing>
+    <p:tnLst>
+      <p:par>
+        <p:cTn id="1" dur="indefinite" restart="never" nodeType="tmRoot"/>
+      </p:par>
+    </p:tnLst>
+  </p:timing>
+</p:sld>
+</file>
+
+<file path=ppt/slides/slide21.xml><?xml version="1.0" encoding="utf-8"?>
+<p:sld xmlns:a="http://schemas.openxmlformats.org/drawingml/2006/main" xmlns:r="http://schemas.openxmlformats.org/officeDocument/2006/relationships" xmlns:p="http://schemas.openxmlformats.org/presentationml/2006/main">
+  <p:cSld>
+    <p:spTree>
+      <p:nvGrpSpPr>
+        <p:cNvPr id="1" name=""/>
+        <p:cNvGrpSpPr/>
+        <p:nvPr/>
+      </p:nvGrpSpPr>
+      <p:grpSpPr>
+        <a:xfrm>
+          <a:off x="0" y="0"/>
+          <a:ext cx="0" cy="0"/>
+          <a:chOff x="0" y="0"/>
+          <a:chExt cx="0" cy="0"/>
+        </a:xfrm>
+      </p:grpSpPr>
+      <p:sp>
+        <p:nvSpPr>
           <p:cNvPr id="38" name="Content Placeholder 17"/>
           <p:cNvSpPr txBox="1">
             <a:spLocks/>
@@ -16015,7 +17157,7 @@
 </p:sld>
 </file>
 
-<file path=ppt/slides/slide21.xml><?xml version="1.0" encoding="utf-8"?>
+<file path=ppt/slides/slide22.xml><?xml version="1.0" encoding="utf-8"?>
 <p:sld xmlns:a="http://schemas.openxmlformats.org/drawingml/2006/main" xmlns:r="http://schemas.openxmlformats.org/officeDocument/2006/relationships" xmlns:p="http://schemas.openxmlformats.org/presentationml/2006/main">
   <p:cSld>
     <p:spTree>
@@ -16500,7 +17642,7 @@
 </p:sld>
 </file>
 
-<file path=ppt/slides/slide22.xml><?xml version="1.0" encoding="utf-8"?>
+<file path=ppt/slides/slide23.xml><?xml version="1.0" encoding="utf-8"?>
 <p:sld xmlns:a="http://schemas.openxmlformats.org/drawingml/2006/main" xmlns:r="http://schemas.openxmlformats.org/officeDocument/2006/relationships" xmlns:p="http://schemas.openxmlformats.org/presentationml/2006/main">
   <p:cSld>
     <p:spTree>
@@ -18125,82 +19267,6 @@
 </p:sld>
 </file>
 
-<file path=ppt/slides/slide23.xml><?xml version="1.0" encoding="utf-8"?>
-<p:sld xmlns:a="http://schemas.openxmlformats.org/drawingml/2006/main" xmlns:r="http://schemas.openxmlformats.org/officeDocument/2006/relationships" xmlns:p="http://schemas.openxmlformats.org/presentationml/2006/main">
-  <p:cSld>
-    <p:spTree>
-      <p:nvGrpSpPr>
-        <p:cNvPr id="1" name=""/>
-        <p:cNvGrpSpPr/>
-        <p:nvPr/>
-      </p:nvGrpSpPr>
-      <p:grpSpPr>
-        <a:xfrm>
-          <a:off x="0" y="0"/>
-          <a:ext cx="0" cy="0"/>
-          <a:chOff x="0" y="0"/>
-          <a:chExt cx="0" cy="0"/>
-        </a:xfrm>
-      </p:grpSpPr>
-      <p:sp>
-        <p:nvSpPr>
-          <p:cNvPr id="2" name="Title 1"/>
-          <p:cNvSpPr>
-            <a:spLocks noGrp="1"/>
-          </p:cNvSpPr>
-          <p:nvPr>
-            <p:ph type="ctrTitle"/>
-          </p:nvPr>
-        </p:nvSpPr>
-        <p:spPr>
-          <a:xfrm>
-            <a:off x="838200" y="1164323"/>
-            <a:ext cx="10515600" cy="4609459"/>
-          </a:xfrm>
-        </p:spPr>
-        <p:txBody>
-          <a:bodyPr>
-            <a:normAutofit/>
-          </a:bodyPr>
-          <a:lstStyle/>
-          <a:p>
-            <a:pPr algn="ctr"/>
-            <a:r>
-              <a:rPr lang="en-US" sz="4800" dirty="0" smtClean="0">
-                <a:solidFill>
-                  <a:schemeClr val="bg1"/>
-                </a:solidFill>
-              </a:rPr>
-              <a:t>Demo</a:t>
-            </a:r>
-            <a:endParaRPr lang="en-US" sz="4800" dirty="0">
-              <a:solidFill>
-                <a:schemeClr val="bg1"/>
-              </a:solidFill>
-            </a:endParaRPr>
-          </a:p>
-        </p:txBody>
-      </p:sp>
-    </p:spTree>
-    <p:extLst>
-      <p:ext uri="{BB962C8B-B14F-4D97-AF65-F5344CB8AC3E}">
-        <p14:creationId xmlns:p14="http://schemas.microsoft.com/office/powerpoint/2010/main" val="3614663473"/>
-      </p:ext>
-    </p:extLst>
-  </p:cSld>
-  <p:clrMapOvr>
-    <a:masterClrMapping/>
-  </p:clrMapOvr>
-  <p:timing>
-    <p:tnLst>
-      <p:par>
-        <p:cTn id="1" dur="indefinite" restart="never" nodeType="tmRoot"/>
-      </p:par>
-    </p:tnLst>
-  </p:timing>
-</p:sld>
-</file>
-
 <file path=ppt/slides/slide24.xml><?xml version="1.0" encoding="utf-8"?>
 <p:sld xmlns:a="http://schemas.openxmlformats.org/drawingml/2006/main" xmlns:r="http://schemas.openxmlformats.org/officeDocument/2006/relationships" xmlns:p="http://schemas.openxmlformats.org/presentationml/2006/main">
   <p:cSld>
@@ -18247,6 +19313,82 @@
                   <a:schemeClr val="bg1"/>
                 </a:solidFill>
               </a:rPr>
+              <a:t>Demo</a:t>
+            </a:r>
+            <a:endParaRPr lang="en-US" sz="4800" dirty="0">
+              <a:solidFill>
+                <a:schemeClr val="bg1"/>
+              </a:solidFill>
+            </a:endParaRPr>
+          </a:p>
+        </p:txBody>
+      </p:sp>
+    </p:spTree>
+    <p:extLst>
+      <p:ext uri="{BB962C8B-B14F-4D97-AF65-F5344CB8AC3E}">
+        <p14:creationId xmlns:p14="http://schemas.microsoft.com/office/powerpoint/2010/main" val="3614663473"/>
+      </p:ext>
+    </p:extLst>
+  </p:cSld>
+  <p:clrMapOvr>
+    <a:masterClrMapping/>
+  </p:clrMapOvr>
+  <p:timing>
+    <p:tnLst>
+      <p:par>
+        <p:cTn id="1" dur="indefinite" restart="never" nodeType="tmRoot"/>
+      </p:par>
+    </p:tnLst>
+  </p:timing>
+</p:sld>
+</file>
+
+<file path=ppt/slides/slide25.xml><?xml version="1.0" encoding="utf-8"?>
+<p:sld xmlns:a="http://schemas.openxmlformats.org/drawingml/2006/main" xmlns:r="http://schemas.openxmlformats.org/officeDocument/2006/relationships" xmlns:p="http://schemas.openxmlformats.org/presentationml/2006/main">
+  <p:cSld>
+    <p:spTree>
+      <p:nvGrpSpPr>
+        <p:cNvPr id="1" name=""/>
+        <p:cNvGrpSpPr/>
+        <p:nvPr/>
+      </p:nvGrpSpPr>
+      <p:grpSpPr>
+        <a:xfrm>
+          <a:off x="0" y="0"/>
+          <a:ext cx="0" cy="0"/>
+          <a:chOff x="0" y="0"/>
+          <a:chExt cx="0" cy="0"/>
+        </a:xfrm>
+      </p:grpSpPr>
+      <p:sp>
+        <p:nvSpPr>
+          <p:cNvPr id="2" name="Title 1"/>
+          <p:cNvSpPr>
+            <a:spLocks noGrp="1"/>
+          </p:cNvSpPr>
+          <p:nvPr>
+            <p:ph type="ctrTitle"/>
+          </p:nvPr>
+        </p:nvSpPr>
+        <p:spPr>
+          <a:xfrm>
+            <a:off x="838200" y="1164323"/>
+            <a:ext cx="10515600" cy="4609459"/>
+          </a:xfrm>
+        </p:spPr>
+        <p:txBody>
+          <a:bodyPr>
+            <a:normAutofit/>
+          </a:bodyPr>
+          <a:lstStyle/>
+          <a:p>
+            <a:pPr algn="ctr"/>
+            <a:r>
+              <a:rPr lang="en-US" sz="4800" dirty="0" smtClean="0">
+                <a:solidFill>
+                  <a:schemeClr val="bg1"/>
+                </a:solidFill>
+              </a:rPr>
               <a:t>Questions?</a:t>
             </a:r>
             <a:endParaRPr lang="en-US" sz="4800" dirty="0">
@@ -18277,7 +19419,7 @@
 </p:sld>
 </file>
 
-<file path=ppt/slides/slide25.xml><?xml version="1.0" encoding="utf-8"?>
+<file path=ppt/slides/slide26.xml><?xml version="1.0" encoding="utf-8"?>
 <p:sld xmlns:a="http://schemas.openxmlformats.org/drawingml/2006/main" xmlns:r="http://schemas.openxmlformats.org/officeDocument/2006/relationships" xmlns:p="http://schemas.openxmlformats.org/presentationml/2006/main">
   <p:cSld>
     <p:spTree>
@@ -18821,7 +19963,7 @@
         </p:nvSpPr>
         <p:spPr>
           <a:xfrm rot="16200000">
-            <a:off x="11340873" y="5998028"/>
+            <a:off x="10691163" y="5998027"/>
             <a:ext cx="540202" cy="540202"/>
           </a:xfrm>
           <a:prstGeom prst="actionButtonReturn">
@@ -18859,6 +20001,54 @@
           </a:p>
         </p:txBody>
       </p:sp>
+      <p:sp>
+        <p:nvSpPr>
+          <p:cNvPr id="11" name="Action Button: Return 10">
+            <a:hlinkClick r:id="rId9" action="ppaction://hlinksldjump" highlightClick="1"/>
+          </p:cNvPr>
+          <p:cNvSpPr/>
+          <p:nvPr/>
+        </p:nvSpPr>
+        <p:spPr>
+          <a:xfrm rot="16200000">
+            <a:off x="11340873" y="5998027"/>
+            <a:ext cx="540202" cy="540202"/>
+          </a:xfrm>
+          <a:prstGeom prst="actionButtonReturn">
+            <a:avLst/>
+          </a:prstGeom>
+          <a:noFill/>
+          <a:ln w="19050">
+            <a:solidFill>
+              <a:srgbClr val="DD462F"/>
+            </a:solidFill>
+          </a:ln>
+        </p:spPr>
+        <p:style>
+          <a:lnRef idx="2">
+            <a:schemeClr val="accent1">
+              <a:shade val="50000"/>
+            </a:schemeClr>
+          </a:lnRef>
+          <a:fillRef idx="1">
+            <a:schemeClr val="accent1"/>
+          </a:fillRef>
+          <a:effectRef idx="0">
+            <a:schemeClr val="accent1"/>
+          </a:effectRef>
+          <a:fontRef idx="minor">
+            <a:schemeClr val="lt1"/>
+          </a:fontRef>
+        </p:style>
+        <p:txBody>
+          <a:bodyPr rtlCol="0" anchor="ctr"/>
+          <a:lstStyle/>
+          <a:p>
+            <a:pPr algn="ctr"/>
+            <a:endParaRPr lang="en-US"/>
+          </a:p>
+        </p:txBody>
+      </p:sp>
     </p:spTree>
     <p:extLst>
       <p:ext uri="{BB962C8B-B14F-4D97-AF65-F5344CB8AC3E}">
@@ -18887,7 +20077,7 @@
 </p:sld>
 </file>
 
-<file path=ppt/slides/slide26.xml><?xml version="1.0" encoding="utf-8"?>
+<file path=ppt/slides/slide27.xml><?xml version="1.0" encoding="utf-8"?>
 <p:sld xmlns:a="http://schemas.openxmlformats.org/drawingml/2006/main" xmlns:r="http://schemas.openxmlformats.org/officeDocument/2006/relationships" xmlns:p="http://schemas.openxmlformats.org/presentationml/2006/main">
   <p:cSld>
     <p:spTree>
@@ -19486,7 +20676,7 @@
 </p:sld>
 </file>
 
-<file path=ppt/slides/slide27.xml><?xml version="1.0" encoding="utf-8"?>
+<file path=ppt/slides/slide28.xml><?xml version="1.0" encoding="utf-8"?>
 <p:sld xmlns:a="http://schemas.openxmlformats.org/drawingml/2006/main" xmlns:r="http://schemas.openxmlformats.org/officeDocument/2006/relationships" xmlns:p="http://schemas.openxmlformats.org/presentationml/2006/main">
   <p:cSld>
     <p:spTree>
@@ -19942,7 +21132,7 @@
 </p:sld>
 </file>
 
-<file path=ppt/slides/slide28.xml><?xml version="1.0" encoding="utf-8"?>
+<file path=ppt/slides/slide29.xml><?xml version="1.0" encoding="utf-8"?>
 <p:sld xmlns:a="http://schemas.openxmlformats.org/drawingml/2006/main" xmlns:r="http://schemas.openxmlformats.org/officeDocument/2006/relationships" xmlns:p="http://schemas.openxmlformats.org/presentationml/2006/main">
   <p:cSld>
     <p:spTree>
@@ -20447,1119 +21637,6 @@
     <p:extLst>
       <p:ext uri="{BB962C8B-B14F-4D97-AF65-F5344CB8AC3E}">
         <p14:creationId xmlns:p14="http://schemas.microsoft.com/office/powerpoint/2010/main" val="1388473733"/>
-      </p:ext>
-    </p:extLst>
-  </p:cSld>
-  <p:clrMapOvr>
-    <a:masterClrMapping/>
-  </p:clrMapOvr>
-  <mc:AlternateContent xmlns:mc="http://schemas.openxmlformats.org/markup-compatibility/2006" xmlns:p14="http://schemas.microsoft.com/office/powerpoint/2010/main">
-    <mc:Choice Requires="p14">
-      <p:transition p14:dur="10"/>
-    </mc:Choice>
-    <mc:Fallback xmlns="">
-      <p:transition/>
-    </mc:Fallback>
-  </mc:AlternateContent>
-  <p:timing>
-    <p:tnLst>
-      <p:par>
-        <p:cTn id="1" dur="indefinite" restart="never" nodeType="tmRoot"/>
-      </p:par>
-    </p:tnLst>
-  </p:timing>
-</p:sld>
-</file>
-
-<file path=ppt/slides/slide29.xml><?xml version="1.0" encoding="utf-8"?>
-<p:sld xmlns:a="http://schemas.openxmlformats.org/drawingml/2006/main" xmlns:r="http://schemas.openxmlformats.org/officeDocument/2006/relationships" xmlns:p="http://schemas.openxmlformats.org/presentationml/2006/main">
-  <p:cSld>
-    <p:spTree>
-      <p:nvGrpSpPr>
-        <p:cNvPr id="1" name=""/>
-        <p:cNvGrpSpPr/>
-        <p:nvPr/>
-      </p:nvGrpSpPr>
-      <p:grpSpPr>
-        <a:xfrm>
-          <a:off x="0" y="0"/>
-          <a:ext cx="0" cy="0"/>
-          <a:chOff x="0" y="0"/>
-          <a:chExt cx="0" cy="0"/>
-        </a:xfrm>
-      </p:grpSpPr>
-      <p:sp>
-        <p:nvSpPr>
-          <p:cNvPr id="38" name="Content Placeholder 17"/>
-          <p:cNvSpPr txBox="1">
-            <a:spLocks/>
-          </p:cNvSpPr>
-          <p:nvPr/>
-        </p:nvSpPr>
-        <p:spPr>
-          <a:xfrm>
-            <a:off x="541610" y="1296100"/>
-            <a:ext cx="11066190" cy="2024888"/>
-          </a:xfrm>
-          <a:prstGeom prst="rect">
-            <a:avLst/>
-          </a:prstGeom>
-        </p:spPr>
-        <p:txBody>
-          <a:bodyPr vert="horz" lIns="91440" tIns="45720" rIns="91440" bIns="45720" rtlCol="0">
-            <a:noAutofit/>
-          </a:bodyPr>
-          <a:lstStyle>
-            <a:lvl1pPr marL="228600" indent="-228600" algn="l" defTabSz="914400" rtl="0" eaLnBrk="1" latinLnBrk="0" hangingPunct="1">
-              <a:lnSpc>
-                <a:spcPts val="1800"/>
-              </a:lnSpc>
-              <a:spcBef>
-                <a:spcPts val="1000"/>
-              </a:spcBef>
-              <a:spcAft>
-                <a:spcPts val="1000"/>
-              </a:spcAft>
-              <a:buFont typeface="Arial" panose="020B0604020202020204" pitchFamily="34" charset="0"/>
-              <a:buChar char="•"/>
-              <a:defRPr lang="en-US" sz="1200" kern="1200" smtClean="0">
-                <a:solidFill>
-                  <a:schemeClr val="tx1">
-                    <a:lumMod val="75000"/>
-                    <a:lumOff val="25000"/>
-                  </a:schemeClr>
-                </a:solidFill>
-                <a:latin typeface="+mn-lt"/>
-                <a:ea typeface="+mn-ea"/>
-                <a:cs typeface="+mn-cs"/>
-              </a:defRPr>
-            </a:lvl1pPr>
-            <a:lvl2pPr marL="685800" indent="-228600" algn="l" defTabSz="914400" rtl="0" eaLnBrk="1" latinLnBrk="0" hangingPunct="1">
-              <a:lnSpc>
-                <a:spcPts val="1800"/>
-              </a:lnSpc>
-              <a:spcBef>
-                <a:spcPts val="1000"/>
-              </a:spcBef>
-              <a:spcAft>
-                <a:spcPts val="1000"/>
-              </a:spcAft>
-              <a:buFont typeface="Arial" panose="020B0604020202020204" pitchFamily="34" charset="0"/>
-              <a:buChar char="•"/>
-              <a:defRPr lang="en-US" sz="1200" kern="1200" smtClean="0">
-                <a:solidFill>
-                  <a:schemeClr val="tx1">
-                    <a:lumMod val="75000"/>
-                    <a:lumOff val="25000"/>
-                  </a:schemeClr>
-                </a:solidFill>
-                <a:latin typeface="+mn-lt"/>
-                <a:ea typeface="+mn-ea"/>
-                <a:cs typeface="+mn-cs"/>
-              </a:defRPr>
-            </a:lvl2pPr>
-            <a:lvl3pPr marL="1143000" indent="-228600" algn="l" defTabSz="914400" rtl="0" eaLnBrk="1" latinLnBrk="0" hangingPunct="1">
-              <a:lnSpc>
-                <a:spcPts val="1800"/>
-              </a:lnSpc>
-              <a:spcBef>
-                <a:spcPts val="1000"/>
-              </a:spcBef>
-              <a:spcAft>
-                <a:spcPts val="1000"/>
-              </a:spcAft>
-              <a:buFont typeface="Arial" panose="020B0604020202020204" pitchFamily="34" charset="0"/>
-              <a:buChar char="•"/>
-              <a:defRPr lang="en-US" sz="1200" kern="1200" smtClean="0">
-                <a:solidFill>
-                  <a:schemeClr val="tx1">
-                    <a:lumMod val="75000"/>
-                    <a:lumOff val="25000"/>
-                  </a:schemeClr>
-                </a:solidFill>
-                <a:latin typeface="+mn-lt"/>
-                <a:ea typeface="+mn-ea"/>
-                <a:cs typeface="+mn-cs"/>
-              </a:defRPr>
-            </a:lvl3pPr>
-            <a:lvl4pPr marL="1600200" indent="-228600" algn="l" defTabSz="914400" rtl="0" eaLnBrk="1" latinLnBrk="0" hangingPunct="1">
-              <a:lnSpc>
-                <a:spcPts val="1800"/>
-              </a:lnSpc>
-              <a:spcBef>
-                <a:spcPts val="1000"/>
-              </a:spcBef>
-              <a:spcAft>
-                <a:spcPts val="1000"/>
-              </a:spcAft>
-              <a:buFont typeface="Arial" panose="020B0604020202020204" pitchFamily="34" charset="0"/>
-              <a:buChar char="•"/>
-              <a:defRPr lang="en-US" sz="1200" kern="1200" smtClean="0">
-                <a:solidFill>
-                  <a:schemeClr val="tx1">
-                    <a:lumMod val="75000"/>
-                    <a:lumOff val="25000"/>
-                  </a:schemeClr>
-                </a:solidFill>
-                <a:latin typeface="+mn-lt"/>
-                <a:ea typeface="+mn-ea"/>
-                <a:cs typeface="+mn-cs"/>
-              </a:defRPr>
-            </a:lvl4pPr>
-            <a:lvl5pPr marL="2057400" indent="-228600" algn="l" defTabSz="914400" rtl="0" eaLnBrk="1" latinLnBrk="0" hangingPunct="1">
-              <a:lnSpc>
-                <a:spcPts val="1800"/>
-              </a:lnSpc>
-              <a:spcBef>
-                <a:spcPts val="1000"/>
-              </a:spcBef>
-              <a:spcAft>
-                <a:spcPts val="1000"/>
-              </a:spcAft>
-              <a:buFont typeface="Arial" panose="020B0604020202020204" pitchFamily="34" charset="0"/>
-              <a:buChar char="•"/>
-              <a:defRPr lang="en-US" sz="1200" kern="1200">
-                <a:solidFill>
-                  <a:schemeClr val="tx1">
-                    <a:lumMod val="75000"/>
-                    <a:lumOff val="25000"/>
-                  </a:schemeClr>
-                </a:solidFill>
-                <a:latin typeface="+mn-lt"/>
-                <a:ea typeface="+mn-ea"/>
-                <a:cs typeface="+mn-cs"/>
-              </a:defRPr>
-            </a:lvl5pPr>
-            <a:lvl6pPr marL="2514600" indent="-228600" algn="l" defTabSz="914400" rtl="0" eaLnBrk="1" latinLnBrk="0" hangingPunct="1">
-              <a:lnSpc>
-                <a:spcPct val="90000"/>
-              </a:lnSpc>
-              <a:spcBef>
-                <a:spcPct val="30000"/>
-              </a:spcBef>
-              <a:buFont typeface="Arial" panose="020B0604020202020204" pitchFamily="34" charset="0"/>
-              <a:buChar char="•"/>
-              <a:defRPr sz="1800" kern="1200">
-                <a:solidFill>
-                  <a:schemeClr val="tx1"/>
-                </a:solidFill>
-                <a:latin typeface="+mn-lt"/>
-                <a:ea typeface="+mn-ea"/>
-                <a:cs typeface="+mn-cs"/>
-              </a:defRPr>
-            </a:lvl6pPr>
-            <a:lvl7pPr marL="2971800" indent="-228600" algn="l" defTabSz="914400" rtl="0" eaLnBrk="1" latinLnBrk="0" hangingPunct="1">
-              <a:lnSpc>
-                <a:spcPct val="90000"/>
-              </a:lnSpc>
-              <a:spcBef>
-                <a:spcPct val="30000"/>
-              </a:spcBef>
-              <a:buFont typeface="Arial" panose="020B0604020202020204" pitchFamily="34" charset="0"/>
-              <a:buChar char="•"/>
-              <a:defRPr sz="1800" kern="1200">
-                <a:solidFill>
-                  <a:schemeClr val="tx1"/>
-                </a:solidFill>
-                <a:latin typeface="+mn-lt"/>
-                <a:ea typeface="+mn-ea"/>
-                <a:cs typeface="+mn-cs"/>
-              </a:defRPr>
-            </a:lvl7pPr>
-            <a:lvl8pPr marL="3429000" indent="-228600" algn="l" defTabSz="914400" rtl="0" eaLnBrk="1" latinLnBrk="0" hangingPunct="1">
-              <a:lnSpc>
-                <a:spcPct val="90000"/>
-              </a:lnSpc>
-              <a:spcBef>
-                <a:spcPct val="30000"/>
-              </a:spcBef>
-              <a:buFont typeface="Arial" panose="020B0604020202020204" pitchFamily="34" charset="0"/>
-              <a:buChar char="•"/>
-              <a:defRPr sz="1800" kern="1200">
-                <a:solidFill>
-                  <a:schemeClr val="tx1"/>
-                </a:solidFill>
-                <a:latin typeface="+mn-lt"/>
-                <a:ea typeface="+mn-ea"/>
-                <a:cs typeface="+mn-cs"/>
-              </a:defRPr>
-            </a:lvl8pPr>
-            <a:lvl9pPr marL="3886200" indent="-228600" algn="l" defTabSz="914400" rtl="0" eaLnBrk="1" latinLnBrk="0" hangingPunct="1">
-              <a:lnSpc>
-                <a:spcPct val="90000"/>
-              </a:lnSpc>
-              <a:spcBef>
-                <a:spcPct val="30000"/>
-              </a:spcBef>
-              <a:buFont typeface="Arial" panose="020B0604020202020204" pitchFamily="34" charset="0"/>
-              <a:buChar char="•"/>
-              <a:defRPr sz="1800" kern="1200">
-                <a:solidFill>
-                  <a:schemeClr val="tx1"/>
-                </a:solidFill>
-                <a:latin typeface="+mn-lt"/>
-                <a:ea typeface="+mn-ea"/>
-                <a:cs typeface="+mn-cs"/>
-              </a:defRPr>
-            </a:lvl9pPr>
-          </a:lstStyle>
-          <a:p>
-            <a:pPr marL="0" lvl="0" indent="0">
-              <a:lnSpc>
-                <a:spcPct val="150000"/>
-              </a:lnSpc>
-              <a:spcBef>
-                <a:spcPts val="0"/>
-              </a:spcBef>
-              <a:spcAft>
-                <a:spcPts val="0"/>
-              </a:spcAft>
-              <a:buNone/>
-              <a:defRPr/>
-            </a:pPr>
-            <a:r>
-              <a:rPr lang="en-US" sz="2400" dirty="0" smtClean="0">
-                <a:solidFill>
-                  <a:srgbClr val="D24726"/>
-                </a:solidFill>
-                <a:latin typeface="Segoe UI" panose="020B0502040204020203" pitchFamily="34" charset="0"/>
-                <a:cs typeface="Segoe UI" panose="020B0502040204020203" pitchFamily="34" charset="0"/>
-              </a:rPr>
-              <a:t>Open Web Interface for .NET</a:t>
-            </a:r>
-            <a:endParaRPr lang="en-US" sz="2400" dirty="0">
-              <a:solidFill>
-                <a:srgbClr val="D24726"/>
-              </a:solidFill>
-              <a:latin typeface="Segoe UI" panose="020B0502040204020203" pitchFamily="34" charset="0"/>
-              <a:cs typeface="Segoe UI" panose="020B0502040204020203" pitchFamily="34" charset="0"/>
-            </a:endParaRPr>
-          </a:p>
-          <a:p>
-            <a:pPr>
-              <a:lnSpc>
-                <a:spcPct val="150000"/>
-              </a:lnSpc>
-              <a:spcBef>
-                <a:spcPts val="0"/>
-              </a:spcBef>
-              <a:spcAft>
-                <a:spcPts val="0"/>
-              </a:spcAft>
-              <a:defRPr/>
-            </a:pPr>
-            <a:r>
-              <a:rPr lang="en-US" sz="1800" dirty="0" smtClean="0">
-                <a:latin typeface="Segoe UI" panose="020B0502040204020203" pitchFamily="34" charset="0"/>
-                <a:cs typeface="Segoe UI" panose="020B0502040204020203" pitchFamily="34" charset="0"/>
-              </a:rPr>
-              <a:t>OWIN is a specification defines how we can separate the Host from the Application.</a:t>
-            </a:r>
-          </a:p>
-          <a:p>
-            <a:pPr>
-              <a:lnSpc>
-                <a:spcPct val="150000"/>
-              </a:lnSpc>
-              <a:spcBef>
-                <a:spcPts val="0"/>
-              </a:spcBef>
-              <a:spcAft>
-                <a:spcPts val="0"/>
-              </a:spcAft>
-              <a:defRPr/>
-            </a:pPr>
-            <a:r>
-              <a:rPr lang="en-US" sz="1800" dirty="0" smtClean="0">
-                <a:latin typeface="Segoe UI" panose="020B0502040204020203" pitchFamily="34" charset="0"/>
-                <a:cs typeface="Segoe UI" panose="020B0502040204020203" pitchFamily="34" charset="0"/>
-              </a:rPr>
-              <a:t>Encourage </a:t>
-            </a:r>
-            <a:r>
-              <a:rPr lang="en-US" sz="1800" dirty="0">
-                <a:latin typeface="Segoe UI" panose="020B0502040204020203" pitchFamily="34" charset="0"/>
-                <a:cs typeface="Segoe UI" panose="020B0502040204020203" pitchFamily="34" charset="0"/>
-              </a:rPr>
-              <a:t>the development of simple modules for .NET web </a:t>
-            </a:r>
-            <a:r>
-              <a:rPr lang="en-US" sz="1800" dirty="0" smtClean="0">
-                <a:latin typeface="Segoe UI" panose="020B0502040204020203" pitchFamily="34" charset="0"/>
-                <a:cs typeface="Segoe UI" panose="020B0502040204020203" pitchFamily="34" charset="0"/>
-              </a:rPr>
-              <a:t>development</a:t>
-            </a:r>
-          </a:p>
-          <a:p>
-            <a:pPr>
-              <a:lnSpc>
-                <a:spcPct val="150000"/>
-              </a:lnSpc>
-              <a:spcBef>
-                <a:spcPts val="0"/>
-              </a:spcBef>
-              <a:spcAft>
-                <a:spcPts val="0"/>
-              </a:spcAft>
-              <a:defRPr/>
-            </a:pPr>
-            <a:r>
-              <a:rPr lang="en-US" sz="1800" dirty="0" smtClean="0">
-                <a:latin typeface="Segoe UI" panose="020B0502040204020203" pitchFamily="34" charset="0"/>
-                <a:cs typeface="Segoe UI" panose="020B0502040204020203" pitchFamily="34" charset="0"/>
-              </a:rPr>
-              <a:t>Stimulate </a:t>
-            </a:r>
-            <a:r>
-              <a:rPr lang="en-US" sz="1800" dirty="0">
-                <a:latin typeface="Segoe UI" panose="020B0502040204020203" pitchFamily="34" charset="0"/>
-                <a:cs typeface="Segoe UI" panose="020B0502040204020203" pitchFamily="34" charset="0"/>
-              </a:rPr>
-              <a:t>the open source ecosystem of .NET web development tools</a:t>
-            </a:r>
-          </a:p>
-        </p:txBody>
-      </p:sp>
-      <p:sp>
-        <p:nvSpPr>
-          <p:cNvPr id="8" name="Title 7"/>
-          <p:cNvSpPr>
-            <a:spLocks noGrp="1"/>
-          </p:cNvSpPr>
-          <p:nvPr>
-            <p:ph type="title"/>
-          </p:nvPr>
-        </p:nvSpPr>
-        <p:spPr/>
-        <p:txBody>
-          <a:bodyPr/>
-          <a:lstStyle/>
-          <a:p>
-            <a:r>
-              <a:rPr lang="en-US" dirty="0">
-                <a:latin typeface="Segoe UI Light" panose="020B0502040204020203" pitchFamily="34" charset="0"/>
-                <a:cs typeface="Segoe UI Light" panose="020B0502040204020203" pitchFamily="34" charset="0"/>
-              </a:rPr>
-              <a:t>Appendix</a:t>
-            </a:r>
-          </a:p>
-        </p:txBody>
-      </p:sp>
-      <p:sp>
-        <p:nvSpPr>
-          <p:cNvPr id="6" name="Rectangle 5"/>
-          <p:cNvSpPr/>
-          <p:nvPr/>
-        </p:nvSpPr>
-        <p:spPr>
-          <a:xfrm>
-            <a:off x="2584950" y="3487755"/>
-            <a:ext cx="7309282" cy="2949331"/>
-          </a:xfrm>
-          <a:prstGeom prst="rect">
-            <a:avLst/>
-          </a:prstGeom>
-          <a:noFill/>
-          <a:ln>
-            <a:solidFill>
-              <a:srgbClr val="DD462F"/>
-            </a:solidFill>
-          </a:ln>
-        </p:spPr>
-        <p:style>
-          <a:lnRef idx="2">
-            <a:schemeClr val="accent1">
-              <a:shade val="50000"/>
-            </a:schemeClr>
-          </a:lnRef>
-          <a:fillRef idx="1">
-            <a:schemeClr val="accent1"/>
-          </a:fillRef>
-          <a:effectRef idx="0">
-            <a:schemeClr val="accent1"/>
-          </a:effectRef>
-          <a:fontRef idx="minor">
-            <a:schemeClr val="lt1"/>
-          </a:fontRef>
-        </p:style>
-        <p:txBody>
-          <a:bodyPr rtlCol="0" anchor="t"/>
-          <a:lstStyle/>
-          <a:p>
-            <a:r>
-              <a:rPr lang="en-US" b="1" dirty="0" smtClean="0">
-                <a:solidFill>
-                  <a:srgbClr val="DD462F"/>
-                </a:solidFill>
-              </a:rPr>
-              <a:t>Host</a:t>
-            </a:r>
-            <a:r>
-              <a:rPr lang="en-US" dirty="0" smtClean="0">
-                <a:solidFill>
-                  <a:srgbClr val="DD462F"/>
-                </a:solidFill>
-              </a:rPr>
-              <a:t> </a:t>
-            </a:r>
-            <a:r>
-              <a:rPr lang="en-US" sz="1400" dirty="0" smtClean="0">
-                <a:solidFill>
-                  <a:srgbClr val="DD462F"/>
-                </a:solidFill>
-              </a:rPr>
-              <a:t>(</a:t>
-            </a:r>
-            <a:r>
-              <a:rPr lang="en-US" sz="1400" dirty="0">
-                <a:solidFill>
-                  <a:srgbClr val="DD462F"/>
-                </a:solidFill>
-                <a:latin typeface="Segoe UI" panose="020B0502040204020203" pitchFamily="34" charset="0"/>
-                <a:cs typeface="Segoe UI" panose="020B0502040204020203" pitchFamily="34" charset="0"/>
-              </a:rPr>
-              <a:t>OWIN Host, IIS, Custom Console App</a:t>
-            </a:r>
-            <a:r>
-              <a:rPr lang="en-US" sz="1400" dirty="0" smtClean="0">
-                <a:solidFill>
-                  <a:srgbClr val="DD462F"/>
-                </a:solidFill>
-              </a:rPr>
-              <a:t>)</a:t>
-            </a:r>
-            <a:endParaRPr lang="en-US" sz="1400" dirty="0">
-              <a:solidFill>
-                <a:srgbClr val="DD462F"/>
-              </a:solidFill>
-            </a:endParaRPr>
-          </a:p>
-        </p:txBody>
-      </p:sp>
-      <p:sp>
-        <p:nvSpPr>
-          <p:cNvPr id="7" name="Rectangle 6"/>
-          <p:cNvSpPr/>
-          <p:nvPr/>
-        </p:nvSpPr>
-        <p:spPr>
-          <a:xfrm>
-            <a:off x="2904989" y="4445391"/>
-            <a:ext cx="1707719" cy="1676401"/>
-          </a:xfrm>
-          <a:prstGeom prst="rect">
-            <a:avLst/>
-          </a:prstGeom>
-          <a:solidFill>
-            <a:srgbClr val="DD462F"/>
-          </a:solidFill>
-          <a:ln>
-            <a:solidFill>
-              <a:srgbClr val="DD462F"/>
-            </a:solidFill>
-          </a:ln>
-        </p:spPr>
-        <p:style>
-          <a:lnRef idx="2">
-            <a:schemeClr val="accent1">
-              <a:shade val="50000"/>
-            </a:schemeClr>
-          </a:lnRef>
-          <a:fillRef idx="1">
-            <a:schemeClr val="accent1"/>
-          </a:fillRef>
-          <a:effectRef idx="0">
-            <a:schemeClr val="accent1"/>
-          </a:effectRef>
-          <a:fontRef idx="minor">
-            <a:schemeClr val="lt1"/>
-          </a:fontRef>
-        </p:style>
-        <p:txBody>
-          <a:bodyPr rtlCol="0" anchor="ctr"/>
-          <a:lstStyle/>
-          <a:p>
-            <a:pPr algn="ctr"/>
-            <a:r>
-              <a:rPr lang="en-US" b="1" dirty="0" smtClean="0">
-                <a:solidFill>
-                  <a:schemeClr val="bg1"/>
-                </a:solidFill>
-              </a:rPr>
-              <a:t>Server</a:t>
-            </a:r>
-          </a:p>
-          <a:p>
-            <a:pPr algn="ctr"/>
-            <a:r>
-              <a:rPr lang="en-US" sz="1400" dirty="0" smtClean="0">
-                <a:solidFill>
-                  <a:schemeClr val="bg1"/>
-                </a:solidFill>
-              </a:rPr>
-              <a:t>(Http Listener)</a:t>
-            </a:r>
-            <a:endParaRPr lang="en-US" sz="1400" dirty="0">
-              <a:solidFill>
-                <a:schemeClr val="bg1"/>
-              </a:solidFill>
-            </a:endParaRPr>
-          </a:p>
-        </p:txBody>
-      </p:sp>
-      <p:sp>
-        <p:nvSpPr>
-          <p:cNvPr id="3" name="Right Arrow 2"/>
-          <p:cNvSpPr/>
-          <p:nvPr/>
-        </p:nvSpPr>
-        <p:spPr>
-          <a:xfrm>
-            <a:off x="2203950" y="4988952"/>
-            <a:ext cx="624840" cy="215900"/>
-          </a:xfrm>
-          <a:prstGeom prst="rightArrow">
-            <a:avLst/>
-          </a:prstGeom>
-          <a:solidFill>
-            <a:srgbClr val="DD462F"/>
-          </a:solidFill>
-          <a:ln>
-            <a:noFill/>
-          </a:ln>
-        </p:spPr>
-        <p:style>
-          <a:lnRef idx="2">
-            <a:schemeClr val="accent1">
-              <a:shade val="50000"/>
-            </a:schemeClr>
-          </a:lnRef>
-          <a:fillRef idx="1">
-            <a:schemeClr val="accent1"/>
-          </a:fillRef>
-          <a:effectRef idx="0">
-            <a:schemeClr val="accent1"/>
-          </a:effectRef>
-          <a:fontRef idx="minor">
-            <a:schemeClr val="lt1"/>
-          </a:fontRef>
-        </p:style>
-        <p:txBody>
-          <a:bodyPr rtlCol="0" anchor="ctr"/>
-          <a:lstStyle/>
-          <a:p>
-            <a:pPr algn="ctr"/>
-            <a:endParaRPr lang="en-US"/>
-          </a:p>
-        </p:txBody>
-      </p:sp>
-      <p:sp>
-        <p:nvSpPr>
-          <p:cNvPr id="9" name="Right Arrow 8"/>
-          <p:cNvSpPr/>
-          <p:nvPr/>
-        </p:nvSpPr>
-        <p:spPr>
-          <a:xfrm rot="10800000">
-            <a:off x="2196330" y="5411573"/>
-            <a:ext cx="624840" cy="215900"/>
-          </a:xfrm>
-          <a:prstGeom prst="rightArrow">
-            <a:avLst/>
-          </a:prstGeom>
-          <a:solidFill>
-            <a:srgbClr val="DD462F"/>
-          </a:solidFill>
-          <a:ln>
-            <a:noFill/>
-          </a:ln>
-        </p:spPr>
-        <p:style>
-          <a:lnRef idx="2">
-            <a:schemeClr val="accent1">
-              <a:shade val="50000"/>
-            </a:schemeClr>
-          </a:lnRef>
-          <a:fillRef idx="1">
-            <a:schemeClr val="accent1"/>
-          </a:fillRef>
-          <a:effectRef idx="0">
-            <a:schemeClr val="accent1"/>
-          </a:effectRef>
-          <a:fontRef idx="minor">
-            <a:schemeClr val="lt1"/>
-          </a:fontRef>
-        </p:style>
-        <p:txBody>
-          <a:bodyPr rtlCol="0" anchor="ctr"/>
-          <a:lstStyle/>
-          <a:p>
-            <a:pPr algn="ctr"/>
-            <a:endParaRPr lang="en-US"/>
-          </a:p>
-        </p:txBody>
-      </p:sp>
-      <p:sp>
-        <p:nvSpPr>
-          <p:cNvPr id="5" name="Up-Down Arrow 4"/>
-          <p:cNvSpPr/>
-          <p:nvPr/>
-        </p:nvSpPr>
-        <p:spPr>
-          <a:xfrm rot="16200000">
-            <a:off x="5994422" y="3777384"/>
-            <a:ext cx="551543" cy="2877670"/>
-          </a:xfrm>
-          <a:prstGeom prst="upDownArrow">
-            <a:avLst/>
-          </a:prstGeom>
-          <a:solidFill>
-            <a:srgbClr val="DD462F"/>
-          </a:solidFill>
-          <a:ln>
-            <a:noFill/>
-          </a:ln>
-        </p:spPr>
-        <p:style>
-          <a:lnRef idx="2">
-            <a:schemeClr val="accent1">
-              <a:shade val="50000"/>
-            </a:schemeClr>
-          </a:lnRef>
-          <a:fillRef idx="1">
-            <a:schemeClr val="accent1"/>
-          </a:fillRef>
-          <a:effectRef idx="0">
-            <a:schemeClr val="accent1"/>
-          </a:effectRef>
-          <a:fontRef idx="minor">
-            <a:schemeClr val="lt1"/>
-          </a:fontRef>
-        </p:style>
-        <p:txBody>
-          <a:bodyPr rtlCol="0" anchor="ctr"/>
-          <a:lstStyle/>
-          <a:p>
-            <a:pPr algn="ctr"/>
-            <a:endParaRPr lang="en-US"/>
-          </a:p>
-        </p:txBody>
-      </p:sp>
-      <p:sp>
-        <p:nvSpPr>
-          <p:cNvPr id="4" name="Flowchart: Direct Access Storage 3"/>
-          <p:cNvSpPr/>
-          <p:nvPr/>
-        </p:nvSpPr>
-        <p:spPr>
-          <a:xfrm>
-            <a:off x="5545431" y="4744357"/>
-            <a:ext cx="531813" cy="914400"/>
-          </a:xfrm>
-          <a:prstGeom prst="flowChartMagneticDrum">
-            <a:avLst/>
-          </a:prstGeom>
-          <a:solidFill>
-            <a:srgbClr val="FFC000"/>
-          </a:solidFill>
-          <a:ln>
-            <a:solidFill>
-              <a:srgbClr val="D24726"/>
-            </a:solidFill>
-          </a:ln>
-        </p:spPr>
-        <p:style>
-          <a:lnRef idx="2">
-            <a:schemeClr val="accent1">
-              <a:shade val="50000"/>
-            </a:schemeClr>
-          </a:lnRef>
-          <a:fillRef idx="1">
-            <a:schemeClr val="accent1"/>
-          </a:fillRef>
-          <a:effectRef idx="0">
-            <a:schemeClr val="accent1"/>
-          </a:effectRef>
-          <a:fontRef idx="minor">
-            <a:schemeClr val="lt1"/>
-          </a:fontRef>
-        </p:style>
-        <p:txBody>
-          <a:bodyPr rtlCol="0" anchor="ctr"/>
-          <a:lstStyle/>
-          <a:p>
-            <a:pPr algn="ctr"/>
-            <a:endParaRPr lang="en-US"/>
-          </a:p>
-        </p:txBody>
-      </p:sp>
-      <p:sp>
-        <p:nvSpPr>
-          <p:cNvPr id="12" name="Flowchart: Direct Access Storage 11"/>
-          <p:cNvSpPr/>
-          <p:nvPr/>
-        </p:nvSpPr>
-        <p:spPr>
-          <a:xfrm>
-            <a:off x="6006523" y="4744357"/>
-            <a:ext cx="531813" cy="914400"/>
-          </a:xfrm>
-          <a:prstGeom prst="flowChartMagneticDrum">
-            <a:avLst/>
-          </a:prstGeom>
-          <a:solidFill>
-            <a:srgbClr val="FFC000"/>
-          </a:solidFill>
-          <a:ln>
-            <a:solidFill>
-              <a:srgbClr val="D24726"/>
-            </a:solidFill>
-          </a:ln>
-        </p:spPr>
-        <p:style>
-          <a:lnRef idx="2">
-            <a:schemeClr val="accent1">
-              <a:shade val="50000"/>
-            </a:schemeClr>
-          </a:lnRef>
-          <a:fillRef idx="1">
-            <a:schemeClr val="accent1"/>
-          </a:fillRef>
-          <a:effectRef idx="0">
-            <a:schemeClr val="accent1"/>
-          </a:effectRef>
-          <a:fontRef idx="minor">
-            <a:schemeClr val="lt1"/>
-          </a:fontRef>
-        </p:style>
-        <p:txBody>
-          <a:bodyPr rtlCol="0" anchor="ctr"/>
-          <a:lstStyle/>
-          <a:p>
-            <a:pPr algn="ctr"/>
-            <a:endParaRPr lang="en-US"/>
-          </a:p>
-        </p:txBody>
-      </p:sp>
-      <p:sp>
-        <p:nvSpPr>
-          <p:cNvPr id="13" name="Flowchart: Direct Access Storage 12"/>
-          <p:cNvSpPr/>
-          <p:nvPr/>
-        </p:nvSpPr>
-        <p:spPr>
-          <a:xfrm>
-            <a:off x="6460897" y="4744357"/>
-            <a:ext cx="531813" cy="914400"/>
-          </a:xfrm>
-          <a:prstGeom prst="flowChartMagneticDrum">
-            <a:avLst/>
-          </a:prstGeom>
-          <a:solidFill>
-            <a:srgbClr val="FFC000"/>
-          </a:solidFill>
-          <a:ln>
-            <a:solidFill>
-              <a:srgbClr val="D24726"/>
-            </a:solidFill>
-          </a:ln>
-        </p:spPr>
-        <p:style>
-          <a:lnRef idx="2">
-            <a:schemeClr val="accent1">
-              <a:shade val="50000"/>
-            </a:schemeClr>
-          </a:lnRef>
-          <a:fillRef idx="1">
-            <a:schemeClr val="accent1"/>
-          </a:fillRef>
-          <a:effectRef idx="0">
-            <a:schemeClr val="accent1"/>
-          </a:effectRef>
-          <a:fontRef idx="minor">
-            <a:schemeClr val="lt1"/>
-          </a:fontRef>
-        </p:style>
-        <p:txBody>
-          <a:bodyPr rtlCol="0" anchor="ctr"/>
-          <a:lstStyle/>
-          <a:p>
-            <a:pPr algn="ctr"/>
-            <a:endParaRPr lang="en-US"/>
-          </a:p>
-        </p:txBody>
-      </p:sp>
-      <p:sp>
-        <p:nvSpPr>
-          <p:cNvPr id="14" name="Rectangle 13"/>
-          <p:cNvSpPr/>
-          <p:nvPr/>
-        </p:nvSpPr>
-        <p:spPr>
-          <a:xfrm>
-            <a:off x="7910661" y="4445390"/>
-            <a:ext cx="1707719" cy="1098787"/>
-          </a:xfrm>
-          <a:prstGeom prst="rect">
-            <a:avLst/>
-          </a:prstGeom>
-          <a:solidFill>
-            <a:srgbClr val="00B0F0"/>
-          </a:solidFill>
-          <a:ln>
-            <a:noFill/>
-          </a:ln>
-        </p:spPr>
-        <p:style>
-          <a:lnRef idx="2">
-            <a:schemeClr val="accent1">
-              <a:shade val="50000"/>
-            </a:schemeClr>
-          </a:lnRef>
-          <a:fillRef idx="1">
-            <a:schemeClr val="accent1"/>
-          </a:fillRef>
-          <a:effectRef idx="0">
-            <a:schemeClr val="accent1"/>
-          </a:effectRef>
-          <a:fontRef idx="minor">
-            <a:schemeClr val="lt1"/>
-          </a:fontRef>
-        </p:style>
-        <p:txBody>
-          <a:bodyPr rtlCol="0" anchor="ctr"/>
-          <a:lstStyle/>
-          <a:p>
-            <a:pPr algn="ctr"/>
-            <a:r>
-              <a:rPr lang="en-US" b="1" dirty="0" smtClean="0">
-                <a:solidFill>
-                  <a:schemeClr val="bg1"/>
-                </a:solidFill>
-              </a:rPr>
-              <a:t>Application</a:t>
-            </a:r>
-            <a:endParaRPr lang="en-US" b="1" dirty="0">
-              <a:solidFill>
-                <a:schemeClr val="bg1"/>
-              </a:solidFill>
-            </a:endParaRPr>
-          </a:p>
-        </p:txBody>
-      </p:sp>
-      <p:sp>
-        <p:nvSpPr>
-          <p:cNvPr id="15" name="Rectangle 14"/>
-          <p:cNvSpPr/>
-          <p:nvPr/>
-        </p:nvSpPr>
-        <p:spPr>
-          <a:xfrm>
-            <a:off x="7910660" y="5544178"/>
-            <a:ext cx="1707719" cy="577614"/>
-          </a:xfrm>
-          <a:prstGeom prst="rect">
-            <a:avLst/>
-          </a:prstGeom>
-          <a:solidFill>
-            <a:srgbClr val="0070C0"/>
-          </a:solidFill>
-          <a:ln>
-            <a:noFill/>
-          </a:ln>
-        </p:spPr>
-        <p:style>
-          <a:lnRef idx="2">
-            <a:schemeClr val="accent1">
-              <a:shade val="50000"/>
-            </a:schemeClr>
-          </a:lnRef>
-          <a:fillRef idx="1">
-            <a:schemeClr val="accent1"/>
-          </a:fillRef>
-          <a:effectRef idx="0">
-            <a:schemeClr val="accent1"/>
-          </a:effectRef>
-          <a:fontRef idx="minor">
-            <a:schemeClr val="lt1"/>
-          </a:fontRef>
-        </p:style>
-        <p:txBody>
-          <a:bodyPr rtlCol="0" anchor="ctr"/>
-          <a:lstStyle/>
-          <a:p>
-            <a:pPr algn="ctr"/>
-            <a:r>
-              <a:rPr lang="en-US" b="1" dirty="0" smtClean="0">
-                <a:solidFill>
-                  <a:schemeClr val="bg1"/>
-                </a:solidFill>
-              </a:rPr>
-              <a:t>Framework</a:t>
-            </a:r>
-          </a:p>
-          <a:p>
-            <a:pPr algn="ctr"/>
-            <a:r>
-              <a:rPr lang="en-US" sz="1400" dirty="0">
-                <a:solidFill>
-                  <a:schemeClr val="bg1"/>
-                </a:solidFill>
-              </a:rPr>
-              <a:t>(WebAPI)</a:t>
-            </a:r>
-          </a:p>
-        </p:txBody>
-      </p:sp>
-      <p:sp>
-        <p:nvSpPr>
-          <p:cNvPr id="16" name="Title 7"/>
-          <p:cNvSpPr txBox="1">
-            <a:spLocks/>
-          </p:cNvSpPr>
-          <p:nvPr/>
-        </p:nvSpPr>
-        <p:spPr>
-          <a:xfrm>
-            <a:off x="4831358" y="3904949"/>
-            <a:ext cx="2877671" cy="672641"/>
-          </a:xfrm>
-          <a:prstGeom prst="rect">
-            <a:avLst/>
-          </a:prstGeom>
-        </p:spPr>
-        <p:txBody>
-          <a:bodyPr vert="horz" lIns="91440" tIns="45720" rIns="91440" bIns="45720" rtlCol="0" anchor="b" anchorCtr="0">
-            <a:normAutofit fontScale="92500"/>
-          </a:bodyPr>
-          <a:lstStyle>
-            <a:lvl1pPr algn="l" defTabSz="914400" rtl="0" eaLnBrk="1" latinLnBrk="0" hangingPunct="1">
-              <a:spcBef>
-                <a:spcPct val="0"/>
-              </a:spcBef>
-              <a:buNone/>
-              <a:defRPr sz="2800" kern="1200">
-                <a:solidFill>
-                  <a:schemeClr val="bg2">
-                    <a:lumMod val="25000"/>
-                  </a:schemeClr>
-                </a:solidFill>
-                <a:latin typeface="+mj-lt"/>
-                <a:ea typeface="+mj-ea"/>
-                <a:cs typeface="+mj-cs"/>
-              </a:defRPr>
-            </a:lvl1pPr>
-          </a:lstStyle>
-          <a:p>
-            <a:pPr algn="ctr"/>
-            <a:r>
-              <a:rPr lang="en-US" sz="1900" b="1" dirty="0" smtClean="0">
-                <a:solidFill>
-                  <a:srgbClr val="D24726"/>
-                </a:solidFill>
-                <a:latin typeface="Segoe UI Light" panose="020B0502040204020203" pitchFamily="34" charset="0"/>
-                <a:cs typeface="Segoe UI Light" panose="020B0502040204020203" pitchFamily="34" charset="0"/>
-              </a:rPr>
-              <a:t>Middleware</a:t>
-            </a:r>
-          </a:p>
-          <a:p>
-            <a:pPr algn="ctr"/>
-            <a:r>
-              <a:rPr lang="en-US" sz="1500" dirty="0">
-                <a:solidFill>
-                  <a:srgbClr val="DD462F"/>
-                </a:solidFill>
-                <a:latin typeface="Segoe UI" panose="020B0502040204020203" pitchFamily="34" charset="0"/>
-                <a:ea typeface="+mn-ea"/>
-                <a:cs typeface="Segoe UI" panose="020B0502040204020203" pitchFamily="34" charset="0"/>
-              </a:rPr>
-              <a:t>(Authentication, WebAPI, </a:t>
-            </a:r>
-            <a:r>
-              <a:rPr lang="en-US" sz="1500" dirty="0" smtClean="0">
-                <a:solidFill>
-                  <a:srgbClr val="DD462F"/>
-                </a:solidFill>
-                <a:latin typeface="Segoe UI" panose="020B0502040204020203" pitchFamily="34" charset="0"/>
-                <a:ea typeface="+mn-ea"/>
-                <a:cs typeface="Segoe UI" panose="020B0502040204020203" pitchFamily="34" charset="0"/>
-              </a:rPr>
-              <a:t>SignalR</a:t>
-            </a:r>
-            <a:r>
-              <a:rPr lang="en-US" sz="1500" dirty="0" smtClean="0">
-                <a:solidFill>
-                  <a:srgbClr val="DD462F"/>
-                </a:solidFill>
-                <a:latin typeface="Segoe UI" panose="020B0502040204020203" pitchFamily="34" charset="0"/>
-                <a:cs typeface="Segoe UI" panose="020B0502040204020203" pitchFamily="34" charset="0"/>
-              </a:rPr>
-              <a:t>)</a:t>
-            </a:r>
-            <a:endParaRPr lang="en-US" sz="1500" b="1" dirty="0" smtClean="0">
-              <a:solidFill>
-                <a:srgbClr val="DD462F"/>
-              </a:solidFill>
-              <a:latin typeface="Segoe UI Light" panose="020B0502040204020203" pitchFamily="34" charset="0"/>
-              <a:cs typeface="Segoe UI Light" panose="020B0502040204020203" pitchFamily="34" charset="0"/>
-            </a:endParaRPr>
-          </a:p>
-        </p:txBody>
-      </p:sp>
-      <p:sp>
-        <p:nvSpPr>
-          <p:cNvPr id="17" name="Action Button: Return 16">
-            <a:hlinkClick r:id="rId2" action="ppaction://hlinksldjump" highlightClick="1"/>
-          </p:cNvPr>
-          <p:cNvSpPr/>
-          <p:nvPr/>
-        </p:nvSpPr>
-        <p:spPr>
-          <a:xfrm rot="16200000">
-            <a:off x="11340873" y="5998028"/>
-            <a:ext cx="540202" cy="540202"/>
-          </a:xfrm>
-          <a:prstGeom prst="actionButtonReturn">
-            <a:avLst/>
-          </a:prstGeom>
-          <a:noFill/>
-          <a:ln w="19050">
-            <a:solidFill>
-              <a:srgbClr val="DD462F"/>
-            </a:solidFill>
-          </a:ln>
-        </p:spPr>
-        <p:style>
-          <a:lnRef idx="2">
-            <a:schemeClr val="accent1">
-              <a:shade val="50000"/>
-            </a:schemeClr>
-          </a:lnRef>
-          <a:fillRef idx="1">
-            <a:schemeClr val="accent1"/>
-          </a:fillRef>
-          <a:effectRef idx="0">
-            <a:schemeClr val="accent1"/>
-          </a:effectRef>
-          <a:fontRef idx="minor">
-            <a:schemeClr val="lt1"/>
-          </a:fontRef>
-        </p:style>
-        <p:txBody>
-          <a:bodyPr rtlCol="0" anchor="ctr"/>
-          <a:lstStyle/>
-          <a:p>
-            <a:pPr algn="ctr"/>
-            <a:endParaRPr lang="en-US"/>
-          </a:p>
-        </p:txBody>
-      </p:sp>
-    </p:spTree>
-    <p:extLst>
-      <p:ext uri="{BB962C8B-B14F-4D97-AF65-F5344CB8AC3E}">
-        <p14:creationId xmlns:p14="http://schemas.microsoft.com/office/powerpoint/2010/main" val="3821126093"/>
       </p:ext>
     </p:extLst>
   </p:cSld>
@@ -21734,6 +21811,1119 @@
         <p:spPr>
           <a:xfrm>
             <a:off x="541610" y="1296100"/>
+            <a:ext cx="11066190" cy="2024888"/>
+          </a:xfrm>
+          <a:prstGeom prst="rect">
+            <a:avLst/>
+          </a:prstGeom>
+        </p:spPr>
+        <p:txBody>
+          <a:bodyPr vert="horz" lIns="91440" tIns="45720" rIns="91440" bIns="45720" rtlCol="0">
+            <a:noAutofit/>
+          </a:bodyPr>
+          <a:lstStyle>
+            <a:lvl1pPr marL="228600" indent="-228600" algn="l" defTabSz="914400" rtl="0" eaLnBrk="1" latinLnBrk="0" hangingPunct="1">
+              <a:lnSpc>
+                <a:spcPts val="1800"/>
+              </a:lnSpc>
+              <a:spcBef>
+                <a:spcPts val="1000"/>
+              </a:spcBef>
+              <a:spcAft>
+                <a:spcPts val="1000"/>
+              </a:spcAft>
+              <a:buFont typeface="Arial" panose="020B0604020202020204" pitchFamily="34" charset="0"/>
+              <a:buChar char="•"/>
+              <a:defRPr lang="en-US" sz="1200" kern="1200" smtClean="0">
+                <a:solidFill>
+                  <a:schemeClr val="tx1">
+                    <a:lumMod val="75000"/>
+                    <a:lumOff val="25000"/>
+                  </a:schemeClr>
+                </a:solidFill>
+                <a:latin typeface="+mn-lt"/>
+                <a:ea typeface="+mn-ea"/>
+                <a:cs typeface="+mn-cs"/>
+              </a:defRPr>
+            </a:lvl1pPr>
+            <a:lvl2pPr marL="685800" indent="-228600" algn="l" defTabSz="914400" rtl="0" eaLnBrk="1" latinLnBrk="0" hangingPunct="1">
+              <a:lnSpc>
+                <a:spcPts val="1800"/>
+              </a:lnSpc>
+              <a:spcBef>
+                <a:spcPts val="1000"/>
+              </a:spcBef>
+              <a:spcAft>
+                <a:spcPts val="1000"/>
+              </a:spcAft>
+              <a:buFont typeface="Arial" panose="020B0604020202020204" pitchFamily="34" charset="0"/>
+              <a:buChar char="•"/>
+              <a:defRPr lang="en-US" sz="1200" kern="1200" smtClean="0">
+                <a:solidFill>
+                  <a:schemeClr val="tx1">
+                    <a:lumMod val="75000"/>
+                    <a:lumOff val="25000"/>
+                  </a:schemeClr>
+                </a:solidFill>
+                <a:latin typeface="+mn-lt"/>
+                <a:ea typeface="+mn-ea"/>
+                <a:cs typeface="+mn-cs"/>
+              </a:defRPr>
+            </a:lvl2pPr>
+            <a:lvl3pPr marL="1143000" indent="-228600" algn="l" defTabSz="914400" rtl="0" eaLnBrk="1" latinLnBrk="0" hangingPunct="1">
+              <a:lnSpc>
+                <a:spcPts val="1800"/>
+              </a:lnSpc>
+              <a:spcBef>
+                <a:spcPts val="1000"/>
+              </a:spcBef>
+              <a:spcAft>
+                <a:spcPts val="1000"/>
+              </a:spcAft>
+              <a:buFont typeface="Arial" panose="020B0604020202020204" pitchFamily="34" charset="0"/>
+              <a:buChar char="•"/>
+              <a:defRPr lang="en-US" sz="1200" kern="1200" smtClean="0">
+                <a:solidFill>
+                  <a:schemeClr val="tx1">
+                    <a:lumMod val="75000"/>
+                    <a:lumOff val="25000"/>
+                  </a:schemeClr>
+                </a:solidFill>
+                <a:latin typeface="+mn-lt"/>
+                <a:ea typeface="+mn-ea"/>
+                <a:cs typeface="+mn-cs"/>
+              </a:defRPr>
+            </a:lvl3pPr>
+            <a:lvl4pPr marL="1600200" indent="-228600" algn="l" defTabSz="914400" rtl="0" eaLnBrk="1" latinLnBrk="0" hangingPunct="1">
+              <a:lnSpc>
+                <a:spcPts val="1800"/>
+              </a:lnSpc>
+              <a:spcBef>
+                <a:spcPts val="1000"/>
+              </a:spcBef>
+              <a:spcAft>
+                <a:spcPts val="1000"/>
+              </a:spcAft>
+              <a:buFont typeface="Arial" panose="020B0604020202020204" pitchFamily="34" charset="0"/>
+              <a:buChar char="•"/>
+              <a:defRPr lang="en-US" sz="1200" kern="1200" smtClean="0">
+                <a:solidFill>
+                  <a:schemeClr val="tx1">
+                    <a:lumMod val="75000"/>
+                    <a:lumOff val="25000"/>
+                  </a:schemeClr>
+                </a:solidFill>
+                <a:latin typeface="+mn-lt"/>
+                <a:ea typeface="+mn-ea"/>
+                <a:cs typeface="+mn-cs"/>
+              </a:defRPr>
+            </a:lvl4pPr>
+            <a:lvl5pPr marL="2057400" indent="-228600" algn="l" defTabSz="914400" rtl="0" eaLnBrk="1" latinLnBrk="0" hangingPunct="1">
+              <a:lnSpc>
+                <a:spcPts val="1800"/>
+              </a:lnSpc>
+              <a:spcBef>
+                <a:spcPts val="1000"/>
+              </a:spcBef>
+              <a:spcAft>
+                <a:spcPts val="1000"/>
+              </a:spcAft>
+              <a:buFont typeface="Arial" panose="020B0604020202020204" pitchFamily="34" charset="0"/>
+              <a:buChar char="•"/>
+              <a:defRPr lang="en-US" sz="1200" kern="1200">
+                <a:solidFill>
+                  <a:schemeClr val="tx1">
+                    <a:lumMod val="75000"/>
+                    <a:lumOff val="25000"/>
+                  </a:schemeClr>
+                </a:solidFill>
+                <a:latin typeface="+mn-lt"/>
+                <a:ea typeface="+mn-ea"/>
+                <a:cs typeface="+mn-cs"/>
+              </a:defRPr>
+            </a:lvl5pPr>
+            <a:lvl6pPr marL="2514600" indent="-228600" algn="l" defTabSz="914400" rtl="0" eaLnBrk="1" latinLnBrk="0" hangingPunct="1">
+              <a:lnSpc>
+                <a:spcPct val="90000"/>
+              </a:lnSpc>
+              <a:spcBef>
+                <a:spcPct val="30000"/>
+              </a:spcBef>
+              <a:buFont typeface="Arial" panose="020B0604020202020204" pitchFamily="34" charset="0"/>
+              <a:buChar char="•"/>
+              <a:defRPr sz="1800" kern="1200">
+                <a:solidFill>
+                  <a:schemeClr val="tx1"/>
+                </a:solidFill>
+                <a:latin typeface="+mn-lt"/>
+                <a:ea typeface="+mn-ea"/>
+                <a:cs typeface="+mn-cs"/>
+              </a:defRPr>
+            </a:lvl6pPr>
+            <a:lvl7pPr marL="2971800" indent="-228600" algn="l" defTabSz="914400" rtl="0" eaLnBrk="1" latinLnBrk="0" hangingPunct="1">
+              <a:lnSpc>
+                <a:spcPct val="90000"/>
+              </a:lnSpc>
+              <a:spcBef>
+                <a:spcPct val="30000"/>
+              </a:spcBef>
+              <a:buFont typeface="Arial" panose="020B0604020202020204" pitchFamily="34" charset="0"/>
+              <a:buChar char="•"/>
+              <a:defRPr sz="1800" kern="1200">
+                <a:solidFill>
+                  <a:schemeClr val="tx1"/>
+                </a:solidFill>
+                <a:latin typeface="+mn-lt"/>
+                <a:ea typeface="+mn-ea"/>
+                <a:cs typeface="+mn-cs"/>
+              </a:defRPr>
+            </a:lvl7pPr>
+            <a:lvl8pPr marL="3429000" indent="-228600" algn="l" defTabSz="914400" rtl="0" eaLnBrk="1" latinLnBrk="0" hangingPunct="1">
+              <a:lnSpc>
+                <a:spcPct val="90000"/>
+              </a:lnSpc>
+              <a:spcBef>
+                <a:spcPct val="30000"/>
+              </a:spcBef>
+              <a:buFont typeface="Arial" panose="020B0604020202020204" pitchFamily="34" charset="0"/>
+              <a:buChar char="•"/>
+              <a:defRPr sz="1800" kern="1200">
+                <a:solidFill>
+                  <a:schemeClr val="tx1"/>
+                </a:solidFill>
+                <a:latin typeface="+mn-lt"/>
+                <a:ea typeface="+mn-ea"/>
+                <a:cs typeface="+mn-cs"/>
+              </a:defRPr>
+            </a:lvl8pPr>
+            <a:lvl9pPr marL="3886200" indent="-228600" algn="l" defTabSz="914400" rtl="0" eaLnBrk="1" latinLnBrk="0" hangingPunct="1">
+              <a:lnSpc>
+                <a:spcPct val="90000"/>
+              </a:lnSpc>
+              <a:spcBef>
+                <a:spcPct val="30000"/>
+              </a:spcBef>
+              <a:buFont typeface="Arial" panose="020B0604020202020204" pitchFamily="34" charset="0"/>
+              <a:buChar char="•"/>
+              <a:defRPr sz="1800" kern="1200">
+                <a:solidFill>
+                  <a:schemeClr val="tx1"/>
+                </a:solidFill>
+                <a:latin typeface="+mn-lt"/>
+                <a:ea typeface="+mn-ea"/>
+                <a:cs typeface="+mn-cs"/>
+              </a:defRPr>
+            </a:lvl9pPr>
+          </a:lstStyle>
+          <a:p>
+            <a:pPr marL="0" lvl="0" indent="0">
+              <a:lnSpc>
+                <a:spcPct val="150000"/>
+              </a:lnSpc>
+              <a:spcBef>
+                <a:spcPts val="0"/>
+              </a:spcBef>
+              <a:spcAft>
+                <a:spcPts val="0"/>
+              </a:spcAft>
+              <a:buNone/>
+              <a:defRPr/>
+            </a:pPr>
+            <a:r>
+              <a:rPr lang="en-US" sz="2400" dirty="0" smtClean="0">
+                <a:solidFill>
+                  <a:srgbClr val="D24726"/>
+                </a:solidFill>
+                <a:latin typeface="Segoe UI" panose="020B0502040204020203" pitchFamily="34" charset="0"/>
+                <a:cs typeface="Segoe UI" panose="020B0502040204020203" pitchFamily="34" charset="0"/>
+              </a:rPr>
+              <a:t>Open Web Interface for .NET</a:t>
+            </a:r>
+            <a:endParaRPr lang="en-US" sz="2400" dirty="0">
+              <a:solidFill>
+                <a:srgbClr val="D24726"/>
+              </a:solidFill>
+              <a:latin typeface="Segoe UI" panose="020B0502040204020203" pitchFamily="34" charset="0"/>
+              <a:cs typeface="Segoe UI" panose="020B0502040204020203" pitchFamily="34" charset="0"/>
+            </a:endParaRPr>
+          </a:p>
+          <a:p>
+            <a:pPr>
+              <a:lnSpc>
+                <a:spcPct val="150000"/>
+              </a:lnSpc>
+              <a:spcBef>
+                <a:spcPts val="0"/>
+              </a:spcBef>
+              <a:spcAft>
+                <a:spcPts val="0"/>
+              </a:spcAft>
+              <a:defRPr/>
+            </a:pPr>
+            <a:r>
+              <a:rPr lang="en-US" sz="1800" dirty="0" smtClean="0">
+                <a:latin typeface="Segoe UI" panose="020B0502040204020203" pitchFamily="34" charset="0"/>
+                <a:cs typeface="Segoe UI" panose="020B0502040204020203" pitchFamily="34" charset="0"/>
+              </a:rPr>
+              <a:t>OWIN is a specification defines how we can separate the Host from the Application.</a:t>
+            </a:r>
+          </a:p>
+          <a:p>
+            <a:pPr>
+              <a:lnSpc>
+                <a:spcPct val="150000"/>
+              </a:lnSpc>
+              <a:spcBef>
+                <a:spcPts val="0"/>
+              </a:spcBef>
+              <a:spcAft>
+                <a:spcPts val="0"/>
+              </a:spcAft>
+              <a:defRPr/>
+            </a:pPr>
+            <a:r>
+              <a:rPr lang="en-US" sz="1800" dirty="0" smtClean="0">
+                <a:latin typeface="Segoe UI" panose="020B0502040204020203" pitchFamily="34" charset="0"/>
+                <a:cs typeface="Segoe UI" panose="020B0502040204020203" pitchFamily="34" charset="0"/>
+              </a:rPr>
+              <a:t>Encourage </a:t>
+            </a:r>
+            <a:r>
+              <a:rPr lang="en-US" sz="1800" dirty="0">
+                <a:latin typeface="Segoe UI" panose="020B0502040204020203" pitchFamily="34" charset="0"/>
+                <a:cs typeface="Segoe UI" panose="020B0502040204020203" pitchFamily="34" charset="0"/>
+              </a:rPr>
+              <a:t>the development of simple modules for .NET web </a:t>
+            </a:r>
+            <a:r>
+              <a:rPr lang="en-US" sz="1800" dirty="0" smtClean="0">
+                <a:latin typeface="Segoe UI" panose="020B0502040204020203" pitchFamily="34" charset="0"/>
+                <a:cs typeface="Segoe UI" panose="020B0502040204020203" pitchFamily="34" charset="0"/>
+              </a:rPr>
+              <a:t>development</a:t>
+            </a:r>
+          </a:p>
+          <a:p>
+            <a:pPr>
+              <a:lnSpc>
+                <a:spcPct val="150000"/>
+              </a:lnSpc>
+              <a:spcBef>
+                <a:spcPts val="0"/>
+              </a:spcBef>
+              <a:spcAft>
+                <a:spcPts val="0"/>
+              </a:spcAft>
+              <a:defRPr/>
+            </a:pPr>
+            <a:r>
+              <a:rPr lang="en-US" sz="1800" dirty="0" smtClean="0">
+                <a:latin typeface="Segoe UI" panose="020B0502040204020203" pitchFamily="34" charset="0"/>
+                <a:cs typeface="Segoe UI" panose="020B0502040204020203" pitchFamily="34" charset="0"/>
+              </a:rPr>
+              <a:t>Stimulate </a:t>
+            </a:r>
+            <a:r>
+              <a:rPr lang="en-US" sz="1800" dirty="0">
+                <a:latin typeface="Segoe UI" panose="020B0502040204020203" pitchFamily="34" charset="0"/>
+                <a:cs typeface="Segoe UI" panose="020B0502040204020203" pitchFamily="34" charset="0"/>
+              </a:rPr>
+              <a:t>the open source ecosystem of .NET web development tools</a:t>
+            </a:r>
+          </a:p>
+        </p:txBody>
+      </p:sp>
+      <p:sp>
+        <p:nvSpPr>
+          <p:cNvPr id="8" name="Title 7"/>
+          <p:cNvSpPr>
+            <a:spLocks noGrp="1"/>
+          </p:cNvSpPr>
+          <p:nvPr>
+            <p:ph type="title"/>
+          </p:nvPr>
+        </p:nvSpPr>
+        <p:spPr/>
+        <p:txBody>
+          <a:bodyPr/>
+          <a:lstStyle/>
+          <a:p>
+            <a:r>
+              <a:rPr lang="en-US" dirty="0">
+                <a:latin typeface="Segoe UI Light" panose="020B0502040204020203" pitchFamily="34" charset="0"/>
+                <a:cs typeface="Segoe UI Light" panose="020B0502040204020203" pitchFamily="34" charset="0"/>
+              </a:rPr>
+              <a:t>Appendix</a:t>
+            </a:r>
+          </a:p>
+        </p:txBody>
+      </p:sp>
+      <p:sp>
+        <p:nvSpPr>
+          <p:cNvPr id="6" name="Rectangle 5"/>
+          <p:cNvSpPr/>
+          <p:nvPr/>
+        </p:nvSpPr>
+        <p:spPr>
+          <a:xfrm>
+            <a:off x="2584950" y="3487755"/>
+            <a:ext cx="7309282" cy="2949331"/>
+          </a:xfrm>
+          <a:prstGeom prst="rect">
+            <a:avLst/>
+          </a:prstGeom>
+          <a:noFill/>
+          <a:ln>
+            <a:solidFill>
+              <a:srgbClr val="DD462F"/>
+            </a:solidFill>
+          </a:ln>
+        </p:spPr>
+        <p:style>
+          <a:lnRef idx="2">
+            <a:schemeClr val="accent1">
+              <a:shade val="50000"/>
+            </a:schemeClr>
+          </a:lnRef>
+          <a:fillRef idx="1">
+            <a:schemeClr val="accent1"/>
+          </a:fillRef>
+          <a:effectRef idx="0">
+            <a:schemeClr val="accent1"/>
+          </a:effectRef>
+          <a:fontRef idx="minor">
+            <a:schemeClr val="lt1"/>
+          </a:fontRef>
+        </p:style>
+        <p:txBody>
+          <a:bodyPr rtlCol="0" anchor="t"/>
+          <a:lstStyle/>
+          <a:p>
+            <a:r>
+              <a:rPr lang="en-US" b="1" dirty="0" smtClean="0">
+                <a:solidFill>
+                  <a:srgbClr val="DD462F"/>
+                </a:solidFill>
+              </a:rPr>
+              <a:t>Host</a:t>
+            </a:r>
+            <a:r>
+              <a:rPr lang="en-US" dirty="0" smtClean="0">
+                <a:solidFill>
+                  <a:srgbClr val="DD462F"/>
+                </a:solidFill>
+              </a:rPr>
+              <a:t> </a:t>
+            </a:r>
+            <a:r>
+              <a:rPr lang="en-US" sz="1400" dirty="0" smtClean="0">
+                <a:solidFill>
+                  <a:srgbClr val="DD462F"/>
+                </a:solidFill>
+              </a:rPr>
+              <a:t>(</a:t>
+            </a:r>
+            <a:r>
+              <a:rPr lang="en-US" sz="1400" dirty="0">
+                <a:solidFill>
+                  <a:srgbClr val="DD462F"/>
+                </a:solidFill>
+                <a:latin typeface="Segoe UI" panose="020B0502040204020203" pitchFamily="34" charset="0"/>
+                <a:cs typeface="Segoe UI" panose="020B0502040204020203" pitchFamily="34" charset="0"/>
+              </a:rPr>
+              <a:t>OWIN Host, IIS, Custom Console App</a:t>
+            </a:r>
+            <a:r>
+              <a:rPr lang="en-US" sz="1400" dirty="0" smtClean="0">
+                <a:solidFill>
+                  <a:srgbClr val="DD462F"/>
+                </a:solidFill>
+              </a:rPr>
+              <a:t>)</a:t>
+            </a:r>
+            <a:endParaRPr lang="en-US" sz="1400" dirty="0">
+              <a:solidFill>
+                <a:srgbClr val="DD462F"/>
+              </a:solidFill>
+            </a:endParaRPr>
+          </a:p>
+        </p:txBody>
+      </p:sp>
+      <p:sp>
+        <p:nvSpPr>
+          <p:cNvPr id="7" name="Rectangle 6"/>
+          <p:cNvSpPr/>
+          <p:nvPr/>
+        </p:nvSpPr>
+        <p:spPr>
+          <a:xfrm>
+            <a:off x="2904989" y="4445391"/>
+            <a:ext cx="1707719" cy="1676401"/>
+          </a:xfrm>
+          <a:prstGeom prst="rect">
+            <a:avLst/>
+          </a:prstGeom>
+          <a:solidFill>
+            <a:srgbClr val="DD462F"/>
+          </a:solidFill>
+          <a:ln>
+            <a:solidFill>
+              <a:srgbClr val="DD462F"/>
+            </a:solidFill>
+          </a:ln>
+        </p:spPr>
+        <p:style>
+          <a:lnRef idx="2">
+            <a:schemeClr val="accent1">
+              <a:shade val="50000"/>
+            </a:schemeClr>
+          </a:lnRef>
+          <a:fillRef idx="1">
+            <a:schemeClr val="accent1"/>
+          </a:fillRef>
+          <a:effectRef idx="0">
+            <a:schemeClr val="accent1"/>
+          </a:effectRef>
+          <a:fontRef idx="minor">
+            <a:schemeClr val="lt1"/>
+          </a:fontRef>
+        </p:style>
+        <p:txBody>
+          <a:bodyPr rtlCol="0" anchor="ctr"/>
+          <a:lstStyle/>
+          <a:p>
+            <a:pPr algn="ctr"/>
+            <a:r>
+              <a:rPr lang="en-US" b="1" dirty="0" smtClean="0">
+                <a:solidFill>
+                  <a:schemeClr val="bg1"/>
+                </a:solidFill>
+              </a:rPr>
+              <a:t>Server</a:t>
+            </a:r>
+          </a:p>
+          <a:p>
+            <a:pPr algn="ctr"/>
+            <a:r>
+              <a:rPr lang="en-US" sz="1400" dirty="0" smtClean="0">
+                <a:solidFill>
+                  <a:schemeClr val="bg1"/>
+                </a:solidFill>
+              </a:rPr>
+              <a:t>(Http Listener)</a:t>
+            </a:r>
+            <a:endParaRPr lang="en-US" sz="1400" dirty="0">
+              <a:solidFill>
+                <a:schemeClr val="bg1"/>
+              </a:solidFill>
+            </a:endParaRPr>
+          </a:p>
+        </p:txBody>
+      </p:sp>
+      <p:sp>
+        <p:nvSpPr>
+          <p:cNvPr id="3" name="Right Arrow 2"/>
+          <p:cNvSpPr/>
+          <p:nvPr/>
+        </p:nvSpPr>
+        <p:spPr>
+          <a:xfrm>
+            <a:off x="2203950" y="4988952"/>
+            <a:ext cx="624840" cy="215900"/>
+          </a:xfrm>
+          <a:prstGeom prst="rightArrow">
+            <a:avLst/>
+          </a:prstGeom>
+          <a:solidFill>
+            <a:srgbClr val="DD462F"/>
+          </a:solidFill>
+          <a:ln>
+            <a:noFill/>
+          </a:ln>
+        </p:spPr>
+        <p:style>
+          <a:lnRef idx="2">
+            <a:schemeClr val="accent1">
+              <a:shade val="50000"/>
+            </a:schemeClr>
+          </a:lnRef>
+          <a:fillRef idx="1">
+            <a:schemeClr val="accent1"/>
+          </a:fillRef>
+          <a:effectRef idx="0">
+            <a:schemeClr val="accent1"/>
+          </a:effectRef>
+          <a:fontRef idx="minor">
+            <a:schemeClr val="lt1"/>
+          </a:fontRef>
+        </p:style>
+        <p:txBody>
+          <a:bodyPr rtlCol="0" anchor="ctr"/>
+          <a:lstStyle/>
+          <a:p>
+            <a:pPr algn="ctr"/>
+            <a:endParaRPr lang="en-US"/>
+          </a:p>
+        </p:txBody>
+      </p:sp>
+      <p:sp>
+        <p:nvSpPr>
+          <p:cNvPr id="9" name="Right Arrow 8"/>
+          <p:cNvSpPr/>
+          <p:nvPr/>
+        </p:nvSpPr>
+        <p:spPr>
+          <a:xfrm rot="10800000">
+            <a:off x="2196330" y="5411573"/>
+            <a:ext cx="624840" cy="215900"/>
+          </a:xfrm>
+          <a:prstGeom prst="rightArrow">
+            <a:avLst/>
+          </a:prstGeom>
+          <a:solidFill>
+            <a:srgbClr val="DD462F"/>
+          </a:solidFill>
+          <a:ln>
+            <a:noFill/>
+          </a:ln>
+        </p:spPr>
+        <p:style>
+          <a:lnRef idx="2">
+            <a:schemeClr val="accent1">
+              <a:shade val="50000"/>
+            </a:schemeClr>
+          </a:lnRef>
+          <a:fillRef idx="1">
+            <a:schemeClr val="accent1"/>
+          </a:fillRef>
+          <a:effectRef idx="0">
+            <a:schemeClr val="accent1"/>
+          </a:effectRef>
+          <a:fontRef idx="minor">
+            <a:schemeClr val="lt1"/>
+          </a:fontRef>
+        </p:style>
+        <p:txBody>
+          <a:bodyPr rtlCol="0" anchor="ctr"/>
+          <a:lstStyle/>
+          <a:p>
+            <a:pPr algn="ctr"/>
+            <a:endParaRPr lang="en-US"/>
+          </a:p>
+        </p:txBody>
+      </p:sp>
+      <p:sp>
+        <p:nvSpPr>
+          <p:cNvPr id="5" name="Up-Down Arrow 4"/>
+          <p:cNvSpPr/>
+          <p:nvPr/>
+        </p:nvSpPr>
+        <p:spPr>
+          <a:xfrm rot="16200000">
+            <a:off x="5994422" y="3777384"/>
+            <a:ext cx="551543" cy="2877670"/>
+          </a:xfrm>
+          <a:prstGeom prst="upDownArrow">
+            <a:avLst/>
+          </a:prstGeom>
+          <a:solidFill>
+            <a:srgbClr val="DD462F"/>
+          </a:solidFill>
+          <a:ln>
+            <a:noFill/>
+          </a:ln>
+        </p:spPr>
+        <p:style>
+          <a:lnRef idx="2">
+            <a:schemeClr val="accent1">
+              <a:shade val="50000"/>
+            </a:schemeClr>
+          </a:lnRef>
+          <a:fillRef idx="1">
+            <a:schemeClr val="accent1"/>
+          </a:fillRef>
+          <a:effectRef idx="0">
+            <a:schemeClr val="accent1"/>
+          </a:effectRef>
+          <a:fontRef idx="minor">
+            <a:schemeClr val="lt1"/>
+          </a:fontRef>
+        </p:style>
+        <p:txBody>
+          <a:bodyPr rtlCol="0" anchor="ctr"/>
+          <a:lstStyle/>
+          <a:p>
+            <a:pPr algn="ctr"/>
+            <a:endParaRPr lang="en-US"/>
+          </a:p>
+        </p:txBody>
+      </p:sp>
+      <p:sp>
+        <p:nvSpPr>
+          <p:cNvPr id="4" name="Flowchart: Direct Access Storage 3"/>
+          <p:cNvSpPr/>
+          <p:nvPr/>
+        </p:nvSpPr>
+        <p:spPr>
+          <a:xfrm>
+            <a:off x="5545431" y="4744357"/>
+            <a:ext cx="531813" cy="914400"/>
+          </a:xfrm>
+          <a:prstGeom prst="flowChartMagneticDrum">
+            <a:avLst/>
+          </a:prstGeom>
+          <a:solidFill>
+            <a:srgbClr val="FFC000"/>
+          </a:solidFill>
+          <a:ln>
+            <a:solidFill>
+              <a:srgbClr val="D24726"/>
+            </a:solidFill>
+          </a:ln>
+        </p:spPr>
+        <p:style>
+          <a:lnRef idx="2">
+            <a:schemeClr val="accent1">
+              <a:shade val="50000"/>
+            </a:schemeClr>
+          </a:lnRef>
+          <a:fillRef idx="1">
+            <a:schemeClr val="accent1"/>
+          </a:fillRef>
+          <a:effectRef idx="0">
+            <a:schemeClr val="accent1"/>
+          </a:effectRef>
+          <a:fontRef idx="minor">
+            <a:schemeClr val="lt1"/>
+          </a:fontRef>
+        </p:style>
+        <p:txBody>
+          <a:bodyPr rtlCol="0" anchor="ctr"/>
+          <a:lstStyle/>
+          <a:p>
+            <a:pPr algn="ctr"/>
+            <a:endParaRPr lang="en-US"/>
+          </a:p>
+        </p:txBody>
+      </p:sp>
+      <p:sp>
+        <p:nvSpPr>
+          <p:cNvPr id="12" name="Flowchart: Direct Access Storage 11"/>
+          <p:cNvSpPr/>
+          <p:nvPr/>
+        </p:nvSpPr>
+        <p:spPr>
+          <a:xfrm>
+            <a:off x="6006523" y="4744357"/>
+            <a:ext cx="531813" cy="914400"/>
+          </a:xfrm>
+          <a:prstGeom prst="flowChartMagneticDrum">
+            <a:avLst/>
+          </a:prstGeom>
+          <a:solidFill>
+            <a:srgbClr val="FFC000"/>
+          </a:solidFill>
+          <a:ln>
+            <a:solidFill>
+              <a:srgbClr val="D24726"/>
+            </a:solidFill>
+          </a:ln>
+        </p:spPr>
+        <p:style>
+          <a:lnRef idx="2">
+            <a:schemeClr val="accent1">
+              <a:shade val="50000"/>
+            </a:schemeClr>
+          </a:lnRef>
+          <a:fillRef idx="1">
+            <a:schemeClr val="accent1"/>
+          </a:fillRef>
+          <a:effectRef idx="0">
+            <a:schemeClr val="accent1"/>
+          </a:effectRef>
+          <a:fontRef idx="minor">
+            <a:schemeClr val="lt1"/>
+          </a:fontRef>
+        </p:style>
+        <p:txBody>
+          <a:bodyPr rtlCol="0" anchor="ctr"/>
+          <a:lstStyle/>
+          <a:p>
+            <a:pPr algn="ctr"/>
+            <a:endParaRPr lang="en-US"/>
+          </a:p>
+        </p:txBody>
+      </p:sp>
+      <p:sp>
+        <p:nvSpPr>
+          <p:cNvPr id="13" name="Flowchart: Direct Access Storage 12"/>
+          <p:cNvSpPr/>
+          <p:nvPr/>
+        </p:nvSpPr>
+        <p:spPr>
+          <a:xfrm>
+            <a:off x="6460897" y="4744357"/>
+            <a:ext cx="531813" cy="914400"/>
+          </a:xfrm>
+          <a:prstGeom prst="flowChartMagneticDrum">
+            <a:avLst/>
+          </a:prstGeom>
+          <a:solidFill>
+            <a:srgbClr val="FFC000"/>
+          </a:solidFill>
+          <a:ln>
+            <a:solidFill>
+              <a:srgbClr val="D24726"/>
+            </a:solidFill>
+          </a:ln>
+        </p:spPr>
+        <p:style>
+          <a:lnRef idx="2">
+            <a:schemeClr val="accent1">
+              <a:shade val="50000"/>
+            </a:schemeClr>
+          </a:lnRef>
+          <a:fillRef idx="1">
+            <a:schemeClr val="accent1"/>
+          </a:fillRef>
+          <a:effectRef idx="0">
+            <a:schemeClr val="accent1"/>
+          </a:effectRef>
+          <a:fontRef idx="minor">
+            <a:schemeClr val="lt1"/>
+          </a:fontRef>
+        </p:style>
+        <p:txBody>
+          <a:bodyPr rtlCol="0" anchor="ctr"/>
+          <a:lstStyle/>
+          <a:p>
+            <a:pPr algn="ctr"/>
+            <a:endParaRPr lang="en-US"/>
+          </a:p>
+        </p:txBody>
+      </p:sp>
+      <p:sp>
+        <p:nvSpPr>
+          <p:cNvPr id="14" name="Rectangle 13"/>
+          <p:cNvSpPr/>
+          <p:nvPr/>
+        </p:nvSpPr>
+        <p:spPr>
+          <a:xfrm>
+            <a:off x="7910661" y="4445390"/>
+            <a:ext cx="1707719" cy="1098787"/>
+          </a:xfrm>
+          <a:prstGeom prst="rect">
+            <a:avLst/>
+          </a:prstGeom>
+          <a:solidFill>
+            <a:srgbClr val="00B0F0"/>
+          </a:solidFill>
+          <a:ln>
+            <a:noFill/>
+          </a:ln>
+        </p:spPr>
+        <p:style>
+          <a:lnRef idx="2">
+            <a:schemeClr val="accent1">
+              <a:shade val="50000"/>
+            </a:schemeClr>
+          </a:lnRef>
+          <a:fillRef idx="1">
+            <a:schemeClr val="accent1"/>
+          </a:fillRef>
+          <a:effectRef idx="0">
+            <a:schemeClr val="accent1"/>
+          </a:effectRef>
+          <a:fontRef idx="minor">
+            <a:schemeClr val="lt1"/>
+          </a:fontRef>
+        </p:style>
+        <p:txBody>
+          <a:bodyPr rtlCol="0" anchor="ctr"/>
+          <a:lstStyle/>
+          <a:p>
+            <a:pPr algn="ctr"/>
+            <a:r>
+              <a:rPr lang="en-US" b="1" dirty="0" smtClean="0">
+                <a:solidFill>
+                  <a:schemeClr val="bg1"/>
+                </a:solidFill>
+              </a:rPr>
+              <a:t>Application</a:t>
+            </a:r>
+            <a:endParaRPr lang="en-US" b="1" dirty="0">
+              <a:solidFill>
+                <a:schemeClr val="bg1"/>
+              </a:solidFill>
+            </a:endParaRPr>
+          </a:p>
+        </p:txBody>
+      </p:sp>
+      <p:sp>
+        <p:nvSpPr>
+          <p:cNvPr id="15" name="Rectangle 14"/>
+          <p:cNvSpPr/>
+          <p:nvPr/>
+        </p:nvSpPr>
+        <p:spPr>
+          <a:xfrm>
+            <a:off x="7910660" y="5544178"/>
+            <a:ext cx="1707719" cy="577614"/>
+          </a:xfrm>
+          <a:prstGeom prst="rect">
+            <a:avLst/>
+          </a:prstGeom>
+          <a:solidFill>
+            <a:srgbClr val="0070C0"/>
+          </a:solidFill>
+          <a:ln>
+            <a:noFill/>
+          </a:ln>
+        </p:spPr>
+        <p:style>
+          <a:lnRef idx="2">
+            <a:schemeClr val="accent1">
+              <a:shade val="50000"/>
+            </a:schemeClr>
+          </a:lnRef>
+          <a:fillRef idx="1">
+            <a:schemeClr val="accent1"/>
+          </a:fillRef>
+          <a:effectRef idx="0">
+            <a:schemeClr val="accent1"/>
+          </a:effectRef>
+          <a:fontRef idx="minor">
+            <a:schemeClr val="lt1"/>
+          </a:fontRef>
+        </p:style>
+        <p:txBody>
+          <a:bodyPr rtlCol="0" anchor="ctr"/>
+          <a:lstStyle/>
+          <a:p>
+            <a:pPr algn="ctr"/>
+            <a:r>
+              <a:rPr lang="en-US" b="1" dirty="0" smtClean="0">
+                <a:solidFill>
+                  <a:schemeClr val="bg1"/>
+                </a:solidFill>
+              </a:rPr>
+              <a:t>Framework</a:t>
+            </a:r>
+          </a:p>
+          <a:p>
+            <a:pPr algn="ctr"/>
+            <a:r>
+              <a:rPr lang="en-US" sz="1400" dirty="0">
+                <a:solidFill>
+                  <a:schemeClr val="bg1"/>
+                </a:solidFill>
+              </a:rPr>
+              <a:t>(WebAPI)</a:t>
+            </a:r>
+          </a:p>
+        </p:txBody>
+      </p:sp>
+      <p:sp>
+        <p:nvSpPr>
+          <p:cNvPr id="16" name="Title 7"/>
+          <p:cNvSpPr txBox="1">
+            <a:spLocks/>
+          </p:cNvSpPr>
+          <p:nvPr/>
+        </p:nvSpPr>
+        <p:spPr>
+          <a:xfrm>
+            <a:off x="4831358" y="3904949"/>
+            <a:ext cx="2877671" cy="672641"/>
+          </a:xfrm>
+          <a:prstGeom prst="rect">
+            <a:avLst/>
+          </a:prstGeom>
+        </p:spPr>
+        <p:txBody>
+          <a:bodyPr vert="horz" lIns="91440" tIns="45720" rIns="91440" bIns="45720" rtlCol="0" anchor="b" anchorCtr="0">
+            <a:normAutofit fontScale="92500"/>
+          </a:bodyPr>
+          <a:lstStyle>
+            <a:lvl1pPr algn="l" defTabSz="914400" rtl="0" eaLnBrk="1" latinLnBrk="0" hangingPunct="1">
+              <a:spcBef>
+                <a:spcPct val="0"/>
+              </a:spcBef>
+              <a:buNone/>
+              <a:defRPr sz="2800" kern="1200">
+                <a:solidFill>
+                  <a:schemeClr val="bg2">
+                    <a:lumMod val="25000"/>
+                  </a:schemeClr>
+                </a:solidFill>
+                <a:latin typeface="+mj-lt"/>
+                <a:ea typeface="+mj-ea"/>
+                <a:cs typeface="+mj-cs"/>
+              </a:defRPr>
+            </a:lvl1pPr>
+          </a:lstStyle>
+          <a:p>
+            <a:pPr algn="ctr"/>
+            <a:r>
+              <a:rPr lang="en-US" sz="1900" b="1" dirty="0" smtClean="0">
+                <a:solidFill>
+                  <a:srgbClr val="D24726"/>
+                </a:solidFill>
+                <a:latin typeface="Segoe UI Light" panose="020B0502040204020203" pitchFamily="34" charset="0"/>
+                <a:cs typeface="Segoe UI Light" panose="020B0502040204020203" pitchFamily="34" charset="0"/>
+              </a:rPr>
+              <a:t>Middleware</a:t>
+            </a:r>
+          </a:p>
+          <a:p>
+            <a:pPr algn="ctr"/>
+            <a:r>
+              <a:rPr lang="en-US" sz="1500" dirty="0">
+                <a:solidFill>
+                  <a:srgbClr val="DD462F"/>
+                </a:solidFill>
+                <a:latin typeface="Segoe UI" panose="020B0502040204020203" pitchFamily="34" charset="0"/>
+                <a:ea typeface="+mn-ea"/>
+                <a:cs typeface="Segoe UI" panose="020B0502040204020203" pitchFamily="34" charset="0"/>
+              </a:rPr>
+              <a:t>(Authentication, WebAPI, </a:t>
+            </a:r>
+            <a:r>
+              <a:rPr lang="en-US" sz="1500" dirty="0" smtClean="0">
+                <a:solidFill>
+                  <a:srgbClr val="DD462F"/>
+                </a:solidFill>
+                <a:latin typeface="Segoe UI" panose="020B0502040204020203" pitchFamily="34" charset="0"/>
+                <a:ea typeface="+mn-ea"/>
+                <a:cs typeface="Segoe UI" panose="020B0502040204020203" pitchFamily="34" charset="0"/>
+              </a:rPr>
+              <a:t>SignalR</a:t>
+            </a:r>
+            <a:r>
+              <a:rPr lang="en-US" sz="1500" dirty="0" smtClean="0">
+                <a:solidFill>
+                  <a:srgbClr val="DD462F"/>
+                </a:solidFill>
+                <a:latin typeface="Segoe UI" panose="020B0502040204020203" pitchFamily="34" charset="0"/>
+                <a:cs typeface="Segoe UI" panose="020B0502040204020203" pitchFamily="34" charset="0"/>
+              </a:rPr>
+              <a:t>)</a:t>
+            </a:r>
+            <a:endParaRPr lang="en-US" sz="1500" b="1" dirty="0" smtClean="0">
+              <a:solidFill>
+                <a:srgbClr val="DD462F"/>
+              </a:solidFill>
+              <a:latin typeface="Segoe UI Light" panose="020B0502040204020203" pitchFamily="34" charset="0"/>
+              <a:cs typeface="Segoe UI Light" panose="020B0502040204020203" pitchFamily="34" charset="0"/>
+            </a:endParaRPr>
+          </a:p>
+        </p:txBody>
+      </p:sp>
+      <p:sp>
+        <p:nvSpPr>
+          <p:cNvPr id="17" name="Action Button: Return 16">
+            <a:hlinkClick r:id="rId2" action="ppaction://hlinksldjump" highlightClick="1"/>
+          </p:cNvPr>
+          <p:cNvSpPr/>
+          <p:nvPr/>
+        </p:nvSpPr>
+        <p:spPr>
+          <a:xfrm rot="16200000">
+            <a:off x="11340873" y="5998028"/>
+            <a:ext cx="540202" cy="540202"/>
+          </a:xfrm>
+          <a:prstGeom prst="actionButtonReturn">
+            <a:avLst/>
+          </a:prstGeom>
+          <a:noFill/>
+          <a:ln w="19050">
+            <a:solidFill>
+              <a:srgbClr val="DD462F"/>
+            </a:solidFill>
+          </a:ln>
+        </p:spPr>
+        <p:style>
+          <a:lnRef idx="2">
+            <a:schemeClr val="accent1">
+              <a:shade val="50000"/>
+            </a:schemeClr>
+          </a:lnRef>
+          <a:fillRef idx="1">
+            <a:schemeClr val="accent1"/>
+          </a:fillRef>
+          <a:effectRef idx="0">
+            <a:schemeClr val="accent1"/>
+          </a:effectRef>
+          <a:fontRef idx="minor">
+            <a:schemeClr val="lt1"/>
+          </a:fontRef>
+        </p:style>
+        <p:txBody>
+          <a:bodyPr rtlCol="0" anchor="ctr"/>
+          <a:lstStyle/>
+          <a:p>
+            <a:pPr algn="ctr"/>
+            <a:endParaRPr lang="en-US"/>
+          </a:p>
+        </p:txBody>
+      </p:sp>
+    </p:spTree>
+    <p:extLst>
+      <p:ext uri="{BB962C8B-B14F-4D97-AF65-F5344CB8AC3E}">
+        <p14:creationId xmlns:p14="http://schemas.microsoft.com/office/powerpoint/2010/main" val="3821126093"/>
+      </p:ext>
+    </p:extLst>
+  </p:cSld>
+  <p:clrMapOvr>
+    <a:masterClrMapping/>
+  </p:clrMapOvr>
+  <mc:AlternateContent xmlns:mc="http://schemas.openxmlformats.org/markup-compatibility/2006" xmlns:p14="http://schemas.microsoft.com/office/powerpoint/2010/main">
+    <mc:Choice Requires="p14">
+      <p:transition p14:dur="10"/>
+    </mc:Choice>
+    <mc:Fallback xmlns="">
+      <p:transition/>
+    </mc:Fallback>
+  </mc:AlternateContent>
+  <p:timing>
+    <p:tnLst>
+      <p:par>
+        <p:cTn id="1" dur="indefinite" restart="never" nodeType="tmRoot"/>
+      </p:par>
+    </p:tnLst>
+  </p:timing>
+</p:sld>
+</file>
+
+<file path=ppt/slides/slide31.xml><?xml version="1.0" encoding="utf-8"?>
+<p:sld xmlns:a="http://schemas.openxmlformats.org/drawingml/2006/main" xmlns:r="http://schemas.openxmlformats.org/officeDocument/2006/relationships" xmlns:p="http://schemas.openxmlformats.org/presentationml/2006/main">
+  <p:cSld>
+    <p:spTree>
+      <p:nvGrpSpPr>
+        <p:cNvPr id="1" name=""/>
+        <p:cNvGrpSpPr/>
+        <p:nvPr/>
+      </p:nvGrpSpPr>
+      <p:grpSpPr>
+        <a:xfrm>
+          <a:off x="0" y="0"/>
+          <a:ext cx="0" cy="0"/>
+          <a:chOff x="0" y="0"/>
+          <a:chExt cx="0" cy="0"/>
+        </a:xfrm>
+      </p:grpSpPr>
+      <p:sp>
+        <p:nvSpPr>
+          <p:cNvPr id="38" name="Content Placeholder 17"/>
+          <p:cNvSpPr txBox="1">
+            <a:spLocks/>
+          </p:cNvSpPr>
+          <p:nvPr/>
+        </p:nvSpPr>
+        <p:spPr>
+          <a:xfrm>
+            <a:off x="541610" y="1296100"/>
             <a:ext cx="10875690" cy="5320600"/>
           </a:xfrm>
           <a:prstGeom prst="rect">
@@ -22269,7 +23459,7 @@
 </p:sld>
 </file>
 
-<file path=ppt/slides/slide31.xml><?xml version="1.0" encoding="utf-8"?>
+<file path=ppt/slides/slide32.xml><?xml version="1.0" encoding="utf-8"?>
 <p:sld xmlns:a="http://schemas.openxmlformats.org/drawingml/2006/main" xmlns:r="http://schemas.openxmlformats.org/officeDocument/2006/relationships" xmlns:p="http://schemas.openxmlformats.org/presentationml/2006/main">
   <p:cSld>
     <p:spTree>
@@ -24044,121 +25234,136 @@
           </a:extLst>
         </p:spPr>
       </p:pic>
-      <p:sp>
-        <p:nvSpPr>
-          <p:cNvPr id="9" name="Title 7"/>
-          <p:cNvSpPr txBox="1">
-            <a:spLocks/>
-          </p:cNvSpPr>
+      <p:grpSp>
+        <p:nvGrpSpPr>
+          <p:cNvPr id="3" name="Group 2"/>
+          <p:cNvGrpSpPr/>
           <p:nvPr/>
-        </p:nvSpPr>
-        <p:spPr>
+        </p:nvGrpSpPr>
+        <p:grpSpPr>
           <a:xfrm>
-            <a:off x="8131629" y="4171672"/>
-            <a:ext cx="2841171" cy="672472"/>
+            <a:off x="7998977" y="3500845"/>
+            <a:ext cx="2973823" cy="1343299"/>
+            <a:chOff x="7998977" y="3500845"/>
+            <a:chExt cx="2973823" cy="1343299"/>
           </a:xfrm>
-          <a:prstGeom prst="rect">
-            <a:avLst/>
-          </a:prstGeom>
-        </p:spPr>
-        <p:txBody>
-          <a:bodyPr vert="horz" lIns="91440" tIns="45720" rIns="91440" bIns="45720" rtlCol="0" anchor="t" anchorCtr="0">
-            <a:normAutofit lnSpcReduction="10000"/>
-          </a:bodyPr>
-          <a:lstStyle>
-            <a:lvl1pPr algn="l" defTabSz="914400" rtl="0" eaLnBrk="1" latinLnBrk="0" hangingPunct="1">
-              <a:spcBef>
-                <a:spcPct val="0"/>
-              </a:spcBef>
-              <a:buNone/>
-              <a:defRPr sz="2800" kern="1200">
-                <a:solidFill>
-                  <a:schemeClr val="bg2">
-                    <a:lumMod val="25000"/>
-                  </a:schemeClr>
-                </a:solidFill>
-                <a:latin typeface="+mj-lt"/>
-                <a:ea typeface="+mj-ea"/>
-                <a:cs typeface="+mj-cs"/>
-              </a:defRPr>
-            </a:lvl1pPr>
-          </a:lstStyle>
-          <a:p>
-            <a:pPr algn="ctr"/>
-            <a:r>
-              <a:rPr lang="en-US" sz="2000" b="1" dirty="0" smtClean="0">
+        </p:grpSpPr>
+        <p:sp>
+          <p:nvSpPr>
+            <p:cNvPr id="9" name="Title 7"/>
+            <p:cNvSpPr txBox="1">
+              <a:spLocks/>
+            </p:cNvSpPr>
+            <p:nvPr/>
+          </p:nvSpPr>
+          <p:spPr>
+            <a:xfrm>
+              <a:off x="8131629" y="4171672"/>
+              <a:ext cx="2841171" cy="672472"/>
+            </a:xfrm>
+            <a:prstGeom prst="rect">
+              <a:avLst/>
+            </a:prstGeom>
+          </p:spPr>
+          <p:txBody>
+            <a:bodyPr vert="horz" lIns="91440" tIns="45720" rIns="91440" bIns="45720" rtlCol="0" anchor="t" anchorCtr="0">
+              <a:normAutofit lnSpcReduction="10000"/>
+            </a:bodyPr>
+            <a:lstStyle>
+              <a:lvl1pPr algn="l" defTabSz="914400" rtl="0" eaLnBrk="1" latinLnBrk="0" hangingPunct="1">
+                <a:spcBef>
+                  <a:spcPct val="0"/>
+                </a:spcBef>
+                <a:buNone/>
+                <a:defRPr sz="2800" kern="1200">
+                  <a:solidFill>
+                    <a:schemeClr val="bg2">
+                      <a:lumMod val="25000"/>
+                    </a:schemeClr>
+                  </a:solidFill>
+                  <a:latin typeface="+mj-lt"/>
+                  <a:ea typeface="+mj-ea"/>
+                  <a:cs typeface="+mj-cs"/>
+                </a:defRPr>
+              </a:lvl1pPr>
+            </a:lstStyle>
+            <a:p>
+              <a:pPr algn="ctr"/>
+              <a:r>
+                <a:rPr lang="en-US" sz="2000" b="1" dirty="0" smtClean="0">
+                  <a:solidFill>
+                    <a:srgbClr val="0070C0"/>
+                  </a:solidFill>
+                  <a:latin typeface="Segoe UI Light" panose="020B0502040204020203" pitchFamily="34" charset="0"/>
+                  <a:cs typeface="Segoe UI Light" panose="020B0502040204020203" pitchFamily="34" charset="0"/>
+                </a:rPr>
+                <a:t>Reliable/Concurrent</a:t>
+              </a:r>
+            </a:p>
+            <a:p>
+              <a:pPr algn="ctr"/>
+              <a:r>
+                <a:rPr lang="en-US" sz="2000" b="1" dirty="0" smtClean="0">
+                  <a:solidFill>
+                    <a:srgbClr val="0070C0"/>
+                  </a:solidFill>
+                  <a:latin typeface="Segoe UI Light" panose="020B0502040204020203" pitchFamily="34" charset="0"/>
+                  <a:cs typeface="Segoe UI Light" panose="020B0502040204020203" pitchFamily="34" charset="0"/>
+                </a:rPr>
+                <a:t>Collections</a:t>
+              </a:r>
+              <a:endParaRPr lang="en-US" sz="2000" b="1" dirty="0">
                 <a:solidFill>
                   <a:srgbClr val="0070C0"/>
                 </a:solidFill>
                 <a:latin typeface="Segoe UI Light" panose="020B0502040204020203" pitchFamily="34" charset="0"/>
                 <a:cs typeface="Segoe UI Light" panose="020B0502040204020203" pitchFamily="34" charset="0"/>
-              </a:rPr>
-              <a:t>Reliable/Concurrent</a:t>
-            </a:r>
-          </a:p>
-          <a:p>
-            <a:pPr algn="ctr"/>
-            <a:r>
-              <a:rPr lang="en-US" sz="2000" b="1" dirty="0" smtClean="0">
-                <a:solidFill>
-                  <a:srgbClr val="0070C0"/>
-                </a:solidFill>
-                <a:latin typeface="Segoe UI Light" panose="020B0502040204020203" pitchFamily="34" charset="0"/>
-                <a:cs typeface="Segoe UI Light" panose="020B0502040204020203" pitchFamily="34" charset="0"/>
-              </a:rPr>
-              <a:t>Collections</a:t>
-            </a:r>
-            <a:endParaRPr lang="en-US" sz="2000" b="1" dirty="0">
-              <a:solidFill>
-                <a:srgbClr val="0070C0"/>
-              </a:solidFill>
-              <a:latin typeface="Segoe UI Light" panose="020B0502040204020203" pitchFamily="34" charset="0"/>
-              <a:cs typeface="Segoe UI Light" panose="020B0502040204020203" pitchFamily="34" charset="0"/>
-            </a:endParaRPr>
-          </a:p>
-        </p:txBody>
-      </p:sp>
-      <p:pic>
-        <p:nvPicPr>
-          <p:cNvPr id="2" name="Picture 2" descr="Image result for azure"/>
-          <p:cNvPicPr>
-            <a:picLocks noChangeAspect="1" noChangeArrowheads="1"/>
-          </p:cNvPicPr>
-          <p:nvPr/>
-        </p:nvPicPr>
-        <p:blipFill>
-          <a:blip r:embed="rId5" cstate="print">
+              </a:endParaRPr>
+            </a:p>
+          </p:txBody>
+        </p:sp>
+        <p:pic>
+          <p:nvPicPr>
+            <p:cNvPr id="2" name="Picture 2" descr="Image result for azure"/>
+            <p:cNvPicPr>
+              <a:picLocks noChangeAspect="1" noChangeArrowheads="1"/>
+            </p:cNvPicPr>
+            <p:nvPr/>
+          </p:nvPicPr>
+          <p:blipFill>
+            <a:blip r:embed="rId5" cstate="print">
+              <a:extLst>
+                <a:ext uri="{28A0092B-C50C-407E-A947-70E740481C1C}">
+                  <a14:useLocalDpi xmlns:a14="http://schemas.microsoft.com/office/drawing/2010/main" val="0"/>
+                </a:ext>
+              </a:extLst>
+            </a:blip>
+            <a:srcRect/>
+            <a:stretch>
+              <a:fillRect/>
+            </a:stretch>
+          </p:blipFill>
+          <p:spPr bwMode="auto">
+            <a:xfrm>
+              <a:off x="7998977" y="3500845"/>
+              <a:ext cx="2973823" cy="856200"/>
+            </a:xfrm>
+            <a:prstGeom prst="rect">
+              <a:avLst/>
+            </a:prstGeom>
+            <a:noFill/>
             <a:extLst>
-              <a:ext uri="{28A0092B-C50C-407E-A947-70E740481C1C}">
-                <a14:useLocalDpi xmlns:a14="http://schemas.microsoft.com/office/drawing/2010/main" val="0"/>
+              <a:ext uri="{909E8E84-426E-40DD-AFC4-6F175D3DCCD1}">
+                <a14:hiddenFill xmlns:a14="http://schemas.microsoft.com/office/drawing/2010/main">
+                  <a:solidFill>
+                    <a:srgbClr val="FFFFFF"/>
+                  </a:solidFill>
+                </a14:hiddenFill>
               </a:ext>
             </a:extLst>
-          </a:blip>
-          <a:srcRect/>
-          <a:stretch>
-            <a:fillRect/>
-          </a:stretch>
-        </p:blipFill>
-        <p:spPr bwMode="auto">
-          <a:xfrm>
-            <a:off x="7998977" y="3500845"/>
-            <a:ext cx="2973823" cy="856200"/>
-          </a:xfrm>
-          <a:prstGeom prst="rect">
-            <a:avLst/>
-          </a:prstGeom>
-          <a:noFill/>
-          <a:extLst>
-            <a:ext uri="{909E8E84-426E-40DD-AFC4-6F175D3DCCD1}">
-              <a14:hiddenFill xmlns:a14="http://schemas.microsoft.com/office/drawing/2010/main">
-                <a:solidFill>
-                  <a:srgbClr val="FFFFFF"/>
-                </a:solidFill>
-              </a14:hiddenFill>
-            </a:ext>
-          </a:extLst>
-        </p:spPr>
-      </p:pic>
+          </p:spPr>
+        </p:pic>
+      </p:grpSp>
     </p:spTree>
     <p:extLst>
       <p:ext uri="{BB962C8B-B14F-4D97-AF65-F5344CB8AC3E}">
@@ -24180,9 +25385,312 @@
   <p:timing>
     <p:tnLst>
       <p:par>
-        <p:cTn id="1" dur="indefinite" restart="never" nodeType="tmRoot"/>
+        <p:cTn id="1" dur="indefinite" restart="never" nodeType="tmRoot">
+          <p:childTnLst>
+            <p:seq concurrent="1" nextAc="seek">
+              <p:cTn id="2" dur="indefinite" nodeType="mainSeq">
+                <p:childTnLst>
+                  <p:par>
+                    <p:cTn id="3" fill="hold">
+                      <p:stCondLst>
+                        <p:cond delay="indefinite"/>
+                      </p:stCondLst>
+                      <p:childTnLst>
+                        <p:par>
+                          <p:cTn id="4" fill="hold">
+                            <p:stCondLst>
+                              <p:cond delay="0"/>
+                            </p:stCondLst>
+                            <p:childTnLst>
+                              <p:par>
+                                <p:cTn id="5" presetID="1" presetClass="entr" presetSubtype="0" fill="hold" grpId="0" nodeType="clickEffect">
+                                  <p:stCondLst>
+                                    <p:cond delay="0"/>
+                                  </p:stCondLst>
+                                  <p:childTnLst>
+                                    <p:set>
+                                      <p:cBhvr>
+                                        <p:cTn id="6" dur="1" fill="hold">
+                                          <p:stCondLst>
+                                            <p:cond delay="0"/>
+                                          </p:stCondLst>
+                                        </p:cTn>
+                                        <p:tgtEl>
+                                          <p:spTgt spid="38">
+                                            <p:txEl>
+                                              <p:pRg st="0" end="0"/>
+                                            </p:txEl>
+                                          </p:spTgt>
+                                        </p:tgtEl>
+                                        <p:attrNameLst>
+                                          <p:attrName>style.visibility</p:attrName>
+                                        </p:attrNameLst>
+                                      </p:cBhvr>
+                                      <p:to>
+                                        <p:strVal val="visible"/>
+                                      </p:to>
+                                    </p:set>
+                                  </p:childTnLst>
+                                </p:cTn>
+                              </p:par>
+                            </p:childTnLst>
+                          </p:cTn>
+                        </p:par>
+                      </p:childTnLst>
+                    </p:cTn>
+                  </p:par>
+                  <p:par>
+                    <p:cTn id="7" fill="hold">
+                      <p:stCondLst>
+                        <p:cond delay="indefinite"/>
+                      </p:stCondLst>
+                      <p:childTnLst>
+                        <p:par>
+                          <p:cTn id="8" fill="hold">
+                            <p:stCondLst>
+                              <p:cond delay="0"/>
+                            </p:stCondLst>
+                            <p:childTnLst>
+                              <p:par>
+                                <p:cTn id="9" presetID="1" presetClass="entr" presetSubtype="0" fill="hold" grpId="0" nodeType="clickEffect">
+                                  <p:stCondLst>
+                                    <p:cond delay="0"/>
+                                  </p:stCondLst>
+                                  <p:childTnLst>
+                                    <p:set>
+                                      <p:cBhvr>
+                                        <p:cTn id="10" dur="1" fill="hold">
+                                          <p:stCondLst>
+                                            <p:cond delay="0"/>
+                                          </p:stCondLst>
+                                        </p:cTn>
+                                        <p:tgtEl>
+                                          <p:spTgt spid="38">
+                                            <p:txEl>
+                                              <p:pRg st="1" end="1"/>
+                                            </p:txEl>
+                                          </p:spTgt>
+                                        </p:tgtEl>
+                                        <p:attrNameLst>
+                                          <p:attrName>style.visibility</p:attrName>
+                                        </p:attrNameLst>
+                                      </p:cBhvr>
+                                      <p:to>
+                                        <p:strVal val="visible"/>
+                                      </p:to>
+                                    </p:set>
+                                  </p:childTnLst>
+                                </p:cTn>
+                              </p:par>
+                            </p:childTnLst>
+                          </p:cTn>
+                        </p:par>
+                      </p:childTnLst>
+                    </p:cTn>
+                  </p:par>
+                  <p:par>
+                    <p:cTn id="11" fill="hold">
+                      <p:stCondLst>
+                        <p:cond delay="indefinite"/>
+                      </p:stCondLst>
+                      <p:childTnLst>
+                        <p:par>
+                          <p:cTn id="12" fill="hold">
+                            <p:stCondLst>
+                              <p:cond delay="0"/>
+                            </p:stCondLst>
+                            <p:childTnLst>
+                              <p:par>
+                                <p:cTn id="13" presetID="1" presetClass="entr" presetSubtype="0" fill="hold" grpId="0" nodeType="clickEffect">
+                                  <p:stCondLst>
+                                    <p:cond delay="0"/>
+                                  </p:stCondLst>
+                                  <p:childTnLst>
+                                    <p:set>
+                                      <p:cBhvr>
+                                        <p:cTn id="14" dur="1" fill="hold">
+                                          <p:stCondLst>
+                                            <p:cond delay="0"/>
+                                          </p:stCondLst>
+                                        </p:cTn>
+                                        <p:tgtEl>
+                                          <p:spTgt spid="38">
+                                            <p:txEl>
+                                              <p:pRg st="2" end="2"/>
+                                            </p:txEl>
+                                          </p:spTgt>
+                                        </p:tgtEl>
+                                        <p:attrNameLst>
+                                          <p:attrName>style.visibility</p:attrName>
+                                        </p:attrNameLst>
+                                      </p:cBhvr>
+                                      <p:to>
+                                        <p:strVal val="visible"/>
+                                      </p:to>
+                                    </p:set>
+                                  </p:childTnLst>
+                                </p:cTn>
+                              </p:par>
+                            </p:childTnLst>
+                          </p:cTn>
+                        </p:par>
+                      </p:childTnLst>
+                    </p:cTn>
+                  </p:par>
+                  <p:par>
+                    <p:cTn id="15" fill="hold">
+                      <p:stCondLst>
+                        <p:cond delay="indefinite"/>
+                      </p:stCondLst>
+                      <p:childTnLst>
+                        <p:par>
+                          <p:cTn id="16" fill="hold">
+                            <p:stCondLst>
+                              <p:cond delay="0"/>
+                            </p:stCondLst>
+                            <p:childTnLst>
+                              <p:par>
+                                <p:cTn id="17" presetID="1" presetClass="entr" presetSubtype="0" fill="hold" grpId="0" nodeType="clickEffect">
+                                  <p:stCondLst>
+                                    <p:cond delay="0"/>
+                                  </p:stCondLst>
+                                  <p:childTnLst>
+                                    <p:set>
+                                      <p:cBhvr>
+                                        <p:cTn id="18" dur="1" fill="hold">
+                                          <p:stCondLst>
+                                            <p:cond delay="0"/>
+                                          </p:stCondLst>
+                                        </p:cTn>
+                                        <p:tgtEl>
+                                          <p:spTgt spid="38">
+                                            <p:txEl>
+                                              <p:pRg st="3" end="3"/>
+                                            </p:txEl>
+                                          </p:spTgt>
+                                        </p:tgtEl>
+                                        <p:attrNameLst>
+                                          <p:attrName>style.visibility</p:attrName>
+                                        </p:attrNameLst>
+                                      </p:cBhvr>
+                                      <p:to>
+                                        <p:strVal val="visible"/>
+                                      </p:to>
+                                    </p:set>
+                                  </p:childTnLst>
+                                </p:cTn>
+                              </p:par>
+                              <p:par>
+                                <p:cTn id="19" presetID="1" presetClass="entr" presetSubtype="0" fill="hold" nodeType="withEffect">
+                                  <p:stCondLst>
+                                    <p:cond delay="0"/>
+                                  </p:stCondLst>
+                                  <p:childTnLst>
+                                    <p:set>
+                                      <p:cBhvr>
+                                        <p:cTn id="20" dur="1" fill="hold">
+                                          <p:stCondLst>
+                                            <p:cond delay="0"/>
+                                          </p:stCondLst>
+                                        </p:cTn>
+                                        <p:tgtEl>
+                                          <p:spTgt spid="3"/>
+                                        </p:tgtEl>
+                                        <p:attrNameLst>
+                                          <p:attrName>style.visibility</p:attrName>
+                                        </p:attrNameLst>
+                                      </p:cBhvr>
+                                      <p:to>
+                                        <p:strVal val="visible"/>
+                                      </p:to>
+                                    </p:set>
+                                  </p:childTnLst>
+                                </p:cTn>
+                              </p:par>
+                              <p:par>
+                                <p:cTn id="21" presetID="1" presetClass="entr" presetSubtype="0" fill="hold" nodeType="withEffect">
+                                  <p:stCondLst>
+                                    <p:cond delay="0"/>
+                                  </p:stCondLst>
+                                  <p:childTnLst>
+                                    <p:set>
+                                      <p:cBhvr>
+                                        <p:cTn id="22" dur="1" fill="hold">
+                                          <p:stCondLst>
+                                            <p:cond delay="0"/>
+                                          </p:stCondLst>
+                                        </p:cTn>
+                                        <p:tgtEl>
+                                          <p:spTgt spid="1032"/>
+                                        </p:tgtEl>
+                                        <p:attrNameLst>
+                                          <p:attrName>style.visibility</p:attrName>
+                                        </p:attrNameLst>
+                                      </p:cBhvr>
+                                      <p:to>
+                                        <p:strVal val="visible"/>
+                                      </p:to>
+                                    </p:set>
+                                  </p:childTnLst>
+                                </p:cTn>
+                              </p:par>
+                              <p:par>
+                                <p:cTn id="23" presetID="1" presetClass="entr" presetSubtype="0" fill="hold" nodeType="withEffect">
+                                  <p:stCondLst>
+                                    <p:cond delay="0"/>
+                                  </p:stCondLst>
+                                  <p:childTnLst>
+                                    <p:set>
+                                      <p:cBhvr>
+                                        <p:cTn id="24" dur="1" fill="hold">
+                                          <p:stCondLst>
+                                            <p:cond delay="0"/>
+                                          </p:stCondLst>
+                                        </p:cTn>
+                                        <p:tgtEl>
+                                          <p:spTgt spid="1026"/>
+                                        </p:tgtEl>
+                                        <p:attrNameLst>
+                                          <p:attrName>style.visibility</p:attrName>
+                                        </p:attrNameLst>
+                                      </p:cBhvr>
+                                      <p:to>
+                                        <p:strVal val="visible"/>
+                                      </p:to>
+                                    </p:set>
+                                  </p:childTnLst>
+                                </p:cTn>
+                              </p:par>
+                            </p:childTnLst>
+                          </p:cTn>
+                        </p:par>
+                      </p:childTnLst>
+                    </p:cTn>
+                  </p:par>
+                </p:childTnLst>
+              </p:cTn>
+              <p:prevCondLst>
+                <p:cond evt="onPrev" delay="0">
+                  <p:tgtEl>
+                    <p:sldTgt/>
+                  </p:tgtEl>
+                </p:cond>
+              </p:prevCondLst>
+              <p:nextCondLst>
+                <p:cond evt="onNext" delay="0">
+                  <p:tgtEl>
+                    <p:sldTgt/>
+                  </p:tgtEl>
+                </p:cond>
+              </p:nextCondLst>
+            </p:seq>
+          </p:childTnLst>
+        </p:cTn>
       </p:par>
     </p:tnLst>
+    <p:bldLst>
+      <p:bldP spid="38" grpId="0" uiExpand="1" build="allAtOnce"/>
+    </p:bldLst>
   </p:timing>
 </p:sld>
 </file>
@@ -25487,8 +26995,9 @@
             <a:pPr algn="ctr"/>
             <a:r>
               <a:rPr lang="en-US" dirty="0" smtClean="0"/>
-              <a:t>NodeJs</a:t>
-            </a:r>
+              <a:t>Node.js</a:t>
+            </a:r>
+            <a:endParaRPr lang="en-US" dirty="0" smtClean="0"/>
           </a:p>
           <a:p>
             <a:pPr algn="ctr"/>
@@ -25903,7 +27412,21 @@
                 <a:latin typeface="Segoe UI" panose="020B0502040204020203" pitchFamily="34" charset="0"/>
                 <a:cs typeface="Segoe UI" panose="020B0502040204020203" pitchFamily="34" charset="0"/>
               </a:rPr>
-              <a:t>(.NET, Java, Node etc</a:t>
+              <a:t>(.NET, Java, </a:t>
+            </a:r>
+            <a:r>
+              <a:rPr lang="en-US" sz="1800" dirty="0" smtClean="0">
+                <a:latin typeface="Segoe UI" panose="020B0502040204020203" pitchFamily="34" charset="0"/>
+                <a:cs typeface="Segoe UI" panose="020B0502040204020203" pitchFamily="34" charset="0"/>
+              </a:rPr>
+              <a:t>Node.js </a:t>
+            </a:r>
+            <a:r>
+              <a:rPr lang="en-US" sz="1800" dirty="0">
+                <a:latin typeface="Segoe UI" panose="020B0502040204020203" pitchFamily="34" charset="0"/>
+                <a:cs typeface="Segoe UI" panose="020B0502040204020203" pitchFamily="34" charset="0"/>
+              </a:rPr>
+              <a:t>etc</a:t>
             </a:r>
             <a:r>
               <a:rPr lang="en-US" sz="1800" dirty="0" smtClean="0">
@@ -26681,6 +28204,82 @@
 </file>
 
 <file path=ppt/slides/slide8.xml><?xml version="1.0" encoding="utf-8"?>
+<p:sld xmlns:a="http://schemas.openxmlformats.org/drawingml/2006/main" xmlns:r="http://schemas.openxmlformats.org/officeDocument/2006/relationships" xmlns:p="http://schemas.openxmlformats.org/presentationml/2006/main">
+  <p:cSld>
+    <p:spTree>
+      <p:nvGrpSpPr>
+        <p:cNvPr id="1" name=""/>
+        <p:cNvGrpSpPr/>
+        <p:nvPr/>
+      </p:nvGrpSpPr>
+      <p:grpSpPr>
+        <a:xfrm>
+          <a:off x="0" y="0"/>
+          <a:ext cx="0" cy="0"/>
+          <a:chOff x="0" y="0"/>
+          <a:chExt cx="0" cy="0"/>
+        </a:xfrm>
+      </p:grpSpPr>
+      <p:sp>
+        <p:nvSpPr>
+          <p:cNvPr id="2" name="Title 1"/>
+          <p:cNvSpPr>
+            <a:spLocks noGrp="1"/>
+          </p:cNvSpPr>
+          <p:nvPr>
+            <p:ph type="ctrTitle"/>
+          </p:nvPr>
+        </p:nvSpPr>
+        <p:spPr>
+          <a:xfrm>
+            <a:off x="838200" y="1164323"/>
+            <a:ext cx="10515600" cy="4609459"/>
+          </a:xfrm>
+        </p:spPr>
+        <p:txBody>
+          <a:bodyPr>
+            <a:normAutofit/>
+          </a:bodyPr>
+          <a:lstStyle/>
+          <a:p>
+            <a:pPr algn="ctr"/>
+            <a:r>
+              <a:rPr lang="en-US" sz="4800" dirty="0" smtClean="0">
+                <a:solidFill>
+                  <a:schemeClr val="bg1"/>
+                </a:solidFill>
+              </a:rPr>
+              <a:t>Microservices Design Patterns</a:t>
+            </a:r>
+            <a:endParaRPr lang="en-US" sz="4800" dirty="0">
+              <a:solidFill>
+                <a:schemeClr val="bg1"/>
+              </a:solidFill>
+            </a:endParaRPr>
+          </a:p>
+        </p:txBody>
+      </p:sp>
+    </p:spTree>
+    <p:extLst>
+      <p:ext uri="{BB962C8B-B14F-4D97-AF65-F5344CB8AC3E}">
+        <p14:creationId xmlns:p14="http://schemas.microsoft.com/office/powerpoint/2010/main" val="914259170"/>
+      </p:ext>
+    </p:extLst>
+  </p:cSld>
+  <p:clrMapOvr>
+    <a:masterClrMapping/>
+  </p:clrMapOvr>
+  <p:timing>
+    <p:tnLst>
+      <p:par>
+        <p:cTn id="1" dur="indefinite" restart="never" nodeType="tmRoot"/>
+      </p:par>
+    </p:tnLst>
+  </p:timing>
+</p:sld>
+</file>
+
+<file path=ppt/slides/slide9.xml><?xml version="1.0" encoding="utf-8"?>
 <p:sld xmlns:a="http://schemas.openxmlformats.org/drawingml/2006/main" xmlns:r="http://schemas.openxmlformats.org/officeDocument/2006/relationships" xmlns:p="http://schemas.openxmlformats.org/presentationml/2006/main">
   <p:cSld>
     <p:spTree>
@@ -28375,1038 +29974,6 @@
       <p:bldP spid="36" grpId="0"/>
       <p:bldP spid="37" grpId="0"/>
     </p:bldLst>
-  </p:timing>
-</p:sld>
-</file>
-
-<file path=ppt/slides/slide9.xml><?xml version="1.0" encoding="utf-8"?>
-<p:sld xmlns:a="http://schemas.openxmlformats.org/drawingml/2006/main" xmlns:r="http://schemas.openxmlformats.org/officeDocument/2006/relationships" xmlns:p="http://schemas.openxmlformats.org/presentationml/2006/main">
-  <p:cSld>
-    <p:spTree>
-      <p:nvGrpSpPr>
-        <p:cNvPr id="1" name=""/>
-        <p:cNvGrpSpPr/>
-        <p:nvPr/>
-      </p:nvGrpSpPr>
-      <p:grpSpPr>
-        <a:xfrm>
-          <a:off x="0" y="0"/>
-          <a:ext cx="0" cy="0"/>
-          <a:chOff x="0" y="0"/>
-          <a:chExt cx="0" cy="0"/>
-        </a:xfrm>
-      </p:grpSpPr>
-      <p:sp>
-        <p:nvSpPr>
-          <p:cNvPr id="8" name="Title 7"/>
-          <p:cNvSpPr>
-            <a:spLocks noGrp="1"/>
-          </p:cNvSpPr>
-          <p:nvPr>
-            <p:ph type="title"/>
-          </p:nvPr>
-        </p:nvSpPr>
-        <p:spPr/>
-        <p:txBody>
-          <a:bodyPr/>
-          <a:lstStyle/>
-          <a:p>
-            <a:r>
-              <a:rPr lang="en-US" dirty="0" smtClean="0">
-                <a:latin typeface="Segoe UI Light" panose="020B0502040204020203" pitchFamily="34" charset="0"/>
-                <a:cs typeface="Segoe UI Light" panose="020B0502040204020203" pitchFamily="34" charset="0"/>
-              </a:rPr>
-              <a:t>Common Microservices Design Patterns</a:t>
-            </a:r>
-            <a:endParaRPr lang="en-US" dirty="0">
-              <a:latin typeface="Segoe UI Light" panose="020B0502040204020203" pitchFamily="34" charset="0"/>
-              <a:cs typeface="Segoe UI Light" panose="020B0502040204020203" pitchFamily="34" charset="0"/>
-            </a:endParaRPr>
-          </a:p>
-        </p:txBody>
-      </p:sp>
-      <p:sp>
-        <p:nvSpPr>
-          <p:cNvPr id="7" name="Content Placeholder 17"/>
-          <p:cNvSpPr txBox="1">
-            <a:spLocks/>
-          </p:cNvSpPr>
-          <p:nvPr/>
-        </p:nvSpPr>
-        <p:spPr>
-          <a:xfrm>
-            <a:off x="541610" y="1296100"/>
-            <a:ext cx="10062890" cy="1942400"/>
-          </a:xfrm>
-          <a:prstGeom prst="rect">
-            <a:avLst/>
-          </a:prstGeom>
-        </p:spPr>
-        <p:txBody>
-          <a:bodyPr vert="horz" lIns="91440" tIns="45720" rIns="91440" bIns="45720" rtlCol="0">
-            <a:normAutofit/>
-          </a:bodyPr>
-          <a:lstStyle>
-            <a:lvl1pPr marL="228600" indent="-228600" algn="l" defTabSz="914400" rtl="0" eaLnBrk="1" latinLnBrk="0" hangingPunct="1">
-              <a:lnSpc>
-                <a:spcPts val="1800"/>
-              </a:lnSpc>
-              <a:spcBef>
-                <a:spcPts val="1000"/>
-              </a:spcBef>
-              <a:spcAft>
-                <a:spcPts val="1000"/>
-              </a:spcAft>
-              <a:buFont typeface="Arial" panose="020B0604020202020204" pitchFamily="34" charset="0"/>
-              <a:buChar char="•"/>
-              <a:defRPr lang="en-US" sz="1200" kern="1200" smtClean="0">
-                <a:solidFill>
-                  <a:schemeClr val="tx1">
-                    <a:lumMod val="75000"/>
-                    <a:lumOff val="25000"/>
-                  </a:schemeClr>
-                </a:solidFill>
-                <a:latin typeface="+mn-lt"/>
-                <a:ea typeface="+mn-ea"/>
-                <a:cs typeface="+mn-cs"/>
-              </a:defRPr>
-            </a:lvl1pPr>
-            <a:lvl2pPr marL="685800" indent="-228600" algn="l" defTabSz="914400" rtl="0" eaLnBrk="1" latinLnBrk="0" hangingPunct="1">
-              <a:lnSpc>
-                <a:spcPts val="1800"/>
-              </a:lnSpc>
-              <a:spcBef>
-                <a:spcPts val="1000"/>
-              </a:spcBef>
-              <a:spcAft>
-                <a:spcPts val="1000"/>
-              </a:spcAft>
-              <a:buFont typeface="Arial" panose="020B0604020202020204" pitchFamily="34" charset="0"/>
-              <a:buChar char="•"/>
-              <a:defRPr lang="en-US" sz="1200" kern="1200" smtClean="0">
-                <a:solidFill>
-                  <a:schemeClr val="tx1">
-                    <a:lumMod val="75000"/>
-                    <a:lumOff val="25000"/>
-                  </a:schemeClr>
-                </a:solidFill>
-                <a:latin typeface="+mn-lt"/>
-                <a:ea typeface="+mn-ea"/>
-                <a:cs typeface="+mn-cs"/>
-              </a:defRPr>
-            </a:lvl2pPr>
-            <a:lvl3pPr marL="1143000" indent="-228600" algn="l" defTabSz="914400" rtl="0" eaLnBrk="1" latinLnBrk="0" hangingPunct="1">
-              <a:lnSpc>
-                <a:spcPts val="1800"/>
-              </a:lnSpc>
-              <a:spcBef>
-                <a:spcPts val="1000"/>
-              </a:spcBef>
-              <a:spcAft>
-                <a:spcPts val="1000"/>
-              </a:spcAft>
-              <a:buFont typeface="Arial" panose="020B0604020202020204" pitchFamily="34" charset="0"/>
-              <a:buChar char="•"/>
-              <a:defRPr lang="en-US" sz="1200" kern="1200" smtClean="0">
-                <a:solidFill>
-                  <a:schemeClr val="tx1">
-                    <a:lumMod val="75000"/>
-                    <a:lumOff val="25000"/>
-                  </a:schemeClr>
-                </a:solidFill>
-                <a:latin typeface="+mn-lt"/>
-                <a:ea typeface="+mn-ea"/>
-                <a:cs typeface="+mn-cs"/>
-              </a:defRPr>
-            </a:lvl3pPr>
-            <a:lvl4pPr marL="1600200" indent="-228600" algn="l" defTabSz="914400" rtl="0" eaLnBrk="1" latinLnBrk="0" hangingPunct="1">
-              <a:lnSpc>
-                <a:spcPts val="1800"/>
-              </a:lnSpc>
-              <a:spcBef>
-                <a:spcPts val="1000"/>
-              </a:spcBef>
-              <a:spcAft>
-                <a:spcPts val="1000"/>
-              </a:spcAft>
-              <a:buFont typeface="Arial" panose="020B0604020202020204" pitchFamily="34" charset="0"/>
-              <a:buChar char="•"/>
-              <a:defRPr lang="en-US" sz="1200" kern="1200" smtClean="0">
-                <a:solidFill>
-                  <a:schemeClr val="tx1">
-                    <a:lumMod val="75000"/>
-                    <a:lumOff val="25000"/>
-                  </a:schemeClr>
-                </a:solidFill>
-                <a:latin typeface="+mn-lt"/>
-                <a:ea typeface="+mn-ea"/>
-                <a:cs typeface="+mn-cs"/>
-              </a:defRPr>
-            </a:lvl4pPr>
-            <a:lvl5pPr marL="2057400" indent="-228600" algn="l" defTabSz="914400" rtl="0" eaLnBrk="1" latinLnBrk="0" hangingPunct="1">
-              <a:lnSpc>
-                <a:spcPts val="1800"/>
-              </a:lnSpc>
-              <a:spcBef>
-                <a:spcPts val="1000"/>
-              </a:spcBef>
-              <a:spcAft>
-                <a:spcPts val="1000"/>
-              </a:spcAft>
-              <a:buFont typeface="Arial" panose="020B0604020202020204" pitchFamily="34" charset="0"/>
-              <a:buChar char="•"/>
-              <a:defRPr lang="en-US" sz="1200" kern="1200">
-                <a:solidFill>
-                  <a:schemeClr val="tx1">
-                    <a:lumMod val="75000"/>
-                    <a:lumOff val="25000"/>
-                  </a:schemeClr>
-                </a:solidFill>
-                <a:latin typeface="+mn-lt"/>
-                <a:ea typeface="+mn-ea"/>
-                <a:cs typeface="+mn-cs"/>
-              </a:defRPr>
-            </a:lvl5pPr>
-            <a:lvl6pPr marL="2514600" indent="-228600" algn="l" defTabSz="914400" rtl="0" eaLnBrk="1" latinLnBrk="0" hangingPunct="1">
-              <a:lnSpc>
-                <a:spcPct val="90000"/>
-              </a:lnSpc>
-              <a:spcBef>
-                <a:spcPct val="30000"/>
-              </a:spcBef>
-              <a:buFont typeface="Arial" panose="020B0604020202020204" pitchFamily="34" charset="0"/>
-              <a:buChar char="•"/>
-              <a:defRPr sz="1800" kern="1200">
-                <a:solidFill>
-                  <a:schemeClr val="tx1"/>
-                </a:solidFill>
-                <a:latin typeface="+mn-lt"/>
-                <a:ea typeface="+mn-ea"/>
-                <a:cs typeface="+mn-cs"/>
-              </a:defRPr>
-            </a:lvl6pPr>
-            <a:lvl7pPr marL="2971800" indent="-228600" algn="l" defTabSz="914400" rtl="0" eaLnBrk="1" latinLnBrk="0" hangingPunct="1">
-              <a:lnSpc>
-                <a:spcPct val="90000"/>
-              </a:lnSpc>
-              <a:spcBef>
-                <a:spcPct val="30000"/>
-              </a:spcBef>
-              <a:buFont typeface="Arial" panose="020B0604020202020204" pitchFamily="34" charset="0"/>
-              <a:buChar char="•"/>
-              <a:defRPr sz="1800" kern="1200">
-                <a:solidFill>
-                  <a:schemeClr val="tx1"/>
-                </a:solidFill>
-                <a:latin typeface="+mn-lt"/>
-                <a:ea typeface="+mn-ea"/>
-                <a:cs typeface="+mn-cs"/>
-              </a:defRPr>
-            </a:lvl7pPr>
-            <a:lvl8pPr marL="3429000" indent="-228600" algn="l" defTabSz="914400" rtl="0" eaLnBrk="1" latinLnBrk="0" hangingPunct="1">
-              <a:lnSpc>
-                <a:spcPct val="90000"/>
-              </a:lnSpc>
-              <a:spcBef>
-                <a:spcPct val="30000"/>
-              </a:spcBef>
-              <a:buFont typeface="Arial" panose="020B0604020202020204" pitchFamily="34" charset="0"/>
-              <a:buChar char="•"/>
-              <a:defRPr sz="1800" kern="1200">
-                <a:solidFill>
-                  <a:schemeClr val="tx1"/>
-                </a:solidFill>
-                <a:latin typeface="+mn-lt"/>
-                <a:ea typeface="+mn-ea"/>
-                <a:cs typeface="+mn-cs"/>
-              </a:defRPr>
-            </a:lvl8pPr>
-            <a:lvl9pPr marL="3886200" indent="-228600" algn="l" defTabSz="914400" rtl="0" eaLnBrk="1" latinLnBrk="0" hangingPunct="1">
-              <a:lnSpc>
-                <a:spcPct val="90000"/>
-              </a:lnSpc>
-              <a:spcBef>
-                <a:spcPct val="30000"/>
-              </a:spcBef>
-              <a:buFont typeface="Arial" panose="020B0604020202020204" pitchFamily="34" charset="0"/>
-              <a:buChar char="•"/>
-              <a:defRPr sz="1800" kern="1200">
-                <a:solidFill>
-                  <a:schemeClr val="tx1"/>
-                </a:solidFill>
-                <a:latin typeface="+mn-lt"/>
-                <a:ea typeface="+mn-ea"/>
-                <a:cs typeface="+mn-cs"/>
-              </a:defRPr>
-            </a:lvl9pPr>
-          </a:lstStyle>
-          <a:p>
-            <a:pPr marL="0" lvl="0" indent="0">
-              <a:lnSpc>
-                <a:spcPct val="150000"/>
-              </a:lnSpc>
-              <a:spcBef>
-                <a:spcPts val="0"/>
-              </a:spcBef>
-              <a:spcAft>
-                <a:spcPts val="0"/>
-              </a:spcAft>
-              <a:buNone/>
-              <a:defRPr/>
-            </a:pPr>
-            <a:r>
-              <a:rPr lang="en-US" sz="2400" dirty="0" err="1">
-                <a:solidFill>
-                  <a:srgbClr val="D24726"/>
-                </a:solidFill>
-                <a:latin typeface="Segoe UI" panose="020B0502040204020203" pitchFamily="34" charset="0"/>
-                <a:cs typeface="Segoe UI" panose="020B0502040204020203" pitchFamily="34" charset="0"/>
-              </a:rPr>
-              <a:t>Api</a:t>
-            </a:r>
-            <a:r>
-              <a:rPr lang="en-US" sz="2400" dirty="0">
-                <a:solidFill>
-                  <a:srgbClr val="D24726"/>
-                </a:solidFill>
-                <a:latin typeface="Segoe UI" panose="020B0502040204020203" pitchFamily="34" charset="0"/>
-                <a:cs typeface="Segoe UI" panose="020B0502040204020203" pitchFamily="34" charset="0"/>
-              </a:rPr>
-              <a:t> Gateway Pattern</a:t>
-            </a:r>
-          </a:p>
-          <a:p>
-            <a:pPr marL="0" indent="0">
-              <a:lnSpc>
-                <a:spcPct val="150000"/>
-              </a:lnSpc>
-              <a:spcBef>
-                <a:spcPts val="0"/>
-              </a:spcBef>
-              <a:spcAft>
-                <a:spcPts val="0"/>
-              </a:spcAft>
-              <a:buNone/>
-              <a:defRPr/>
-            </a:pPr>
-            <a:r>
-              <a:rPr lang="en-US" sz="1800" dirty="0">
-                <a:latin typeface="Segoe UI" panose="020B0502040204020203" pitchFamily="34" charset="0"/>
-                <a:cs typeface="Segoe UI" panose="020B0502040204020203" pitchFamily="34" charset="0"/>
-              </a:rPr>
-              <a:t>The API Gateway pattern defines how clients access the services in a microservices </a:t>
-            </a:r>
-            <a:r>
-              <a:rPr lang="en-US" sz="1800" dirty="0" smtClean="0">
-                <a:latin typeface="Segoe UI" panose="020B0502040204020203" pitchFamily="34" charset="0"/>
-                <a:cs typeface="Segoe UI" panose="020B0502040204020203" pitchFamily="34" charset="0"/>
-              </a:rPr>
-              <a:t>architecture. The </a:t>
-            </a:r>
-            <a:r>
-              <a:rPr lang="en-US" sz="1800" dirty="0" err="1" smtClean="0">
-                <a:latin typeface="Segoe UI" panose="020B0502040204020203" pitchFamily="34" charset="0"/>
-                <a:cs typeface="Segoe UI" panose="020B0502040204020203" pitchFamily="34" charset="0"/>
-              </a:rPr>
-              <a:t>Api</a:t>
-            </a:r>
-            <a:r>
-              <a:rPr lang="en-US" sz="1800" dirty="0" smtClean="0">
-                <a:latin typeface="Segoe UI" panose="020B0502040204020203" pitchFamily="34" charset="0"/>
-                <a:cs typeface="Segoe UI" panose="020B0502040204020203" pitchFamily="34" charset="0"/>
-              </a:rPr>
-              <a:t>-Gateway defines a single </a:t>
-            </a:r>
-            <a:r>
-              <a:rPr lang="en-US" sz="1800" dirty="0">
-                <a:latin typeface="Segoe UI" panose="020B0502040204020203" pitchFamily="34" charset="0"/>
-                <a:cs typeface="Segoe UI" panose="020B0502040204020203" pitchFamily="34" charset="0"/>
-              </a:rPr>
-              <a:t>entry point for all clients.</a:t>
-            </a:r>
-          </a:p>
-        </p:txBody>
-      </p:sp>
-      <p:sp>
-        <p:nvSpPr>
-          <p:cNvPr id="9" name="Rectangle 8"/>
-          <p:cNvSpPr/>
-          <p:nvPr/>
-        </p:nvSpPr>
-        <p:spPr>
-          <a:xfrm rot="16200000">
-            <a:off x="4166514" y="4244163"/>
-            <a:ext cx="2743199" cy="623744"/>
-          </a:xfrm>
-          <a:prstGeom prst="rect">
-            <a:avLst/>
-          </a:prstGeom>
-          <a:ln w="28575"/>
-        </p:spPr>
-        <p:style>
-          <a:lnRef idx="2">
-            <a:schemeClr val="accent2"/>
-          </a:lnRef>
-          <a:fillRef idx="1">
-            <a:schemeClr val="lt1"/>
-          </a:fillRef>
-          <a:effectRef idx="0">
-            <a:schemeClr val="accent2"/>
-          </a:effectRef>
-          <a:fontRef idx="minor">
-            <a:schemeClr val="dk1"/>
-          </a:fontRef>
-        </p:style>
-        <p:txBody>
-          <a:bodyPr rtlCol="0" anchor="ctr"/>
-          <a:lstStyle/>
-          <a:p>
-            <a:pPr algn="ctr"/>
-            <a:r>
-              <a:rPr lang="en-US" dirty="0" smtClean="0">
-                <a:solidFill>
-                  <a:srgbClr val="DD462F"/>
-                </a:solidFill>
-              </a:rPr>
-              <a:t>API-Gateway</a:t>
-            </a:r>
-            <a:endParaRPr lang="en-US" b="1" dirty="0">
-              <a:solidFill>
-                <a:srgbClr val="DD462F"/>
-              </a:solidFill>
-            </a:endParaRPr>
-          </a:p>
-        </p:txBody>
-      </p:sp>
-      <p:sp>
-        <p:nvSpPr>
-          <p:cNvPr id="10" name="Rectangle 9"/>
-          <p:cNvSpPr/>
-          <p:nvPr/>
-        </p:nvSpPr>
-        <p:spPr>
-          <a:xfrm>
-            <a:off x="6620473" y="3184434"/>
-            <a:ext cx="1752600" cy="789563"/>
-          </a:xfrm>
-          <a:prstGeom prst="rect">
-            <a:avLst/>
-          </a:prstGeom>
-          <a:solidFill>
-            <a:srgbClr val="92D050"/>
-          </a:solidFill>
-          <a:ln>
-            <a:noFill/>
-          </a:ln>
-        </p:spPr>
-        <p:style>
-          <a:lnRef idx="2">
-            <a:schemeClr val="accent2">
-              <a:shade val="50000"/>
-            </a:schemeClr>
-          </a:lnRef>
-          <a:fillRef idx="1">
-            <a:schemeClr val="accent2"/>
-          </a:fillRef>
-          <a:effectRef idx="0">
-            <a:schemeClr val="accent2"/>
-          </a:effectRef>
-          <a:fontRef idx="minor">
-            <a:schemeClr val="lt1"/>
-          </a:fontRef>
-        </p:style>
-        <p:txBody>
-          <a:bodyPr rtlCol="0" anchor="ctr"/>
-          <a:lstStyle/>
-          <a:p>
-            <a:pPr algn="ctr"/>
-            <a:r>
-              <a:rPr lang="en-US" dirty="0" smtClean="0"/>
-              <a:t>.NET</a:t>
-            </a:r>
-          </a:p>
-          <a:p>
-            <a:pPr algn="ctr"/>
-            <a:r>
-              <a:rPr lang="en-US" dirty="0" smtClean="0"/>
-              <a:t>Microservice</a:t>
-            </a:r>
-            <a:endParaRPr lang="en-US" b="1" dirty="0"/>
-          </a:p>
-        </p:txBody>
-      </p:sp>
-      <p:sp>
-        <p:nvSpPr>
-          <p:cNvPr id="11" name="Rectangle 10"/>
-          <p:cNvSpPr/>
-          <p:nvPr/>
-        </p:nvSpPr>
-        <p:spPr>
-          <a:xfrm>
-            <a:off x="6630924" y="4141307"/>
-            <a:ext cx="1752600" cy="789563"/>
-          </a:xfrm>
-          <a:prstGeom prst="rect">
-            <a:avLst/>
-          </a:prstGeom>
-          <a:solidFill>
-            <a:srgbClr val="0070C0"/>
-          </a:solidFill>
-          <a:ln>
-            <a:noFill/>
-          </a:ln>
-        </p:spPr>
-        <p:style>
-          <a:lnRef idx="2">
-            <a:schemeClr val="accent2">
-              <a:shade val="50000"/>
-            </a:schemeClr>
-          </a:lnRef>
-          <a:fillRef idx="1">
-            <a:schemeClr val="accent2"/>
-          </a:fillRef>
-          <a:effectRef idx="0">
-            <a:schemeClr val="accent2"/>
-          </a:effectRef>
-          <a:fontRef idx="minor">
-            <a:schemeClr val="lt1"/>
-          </a:fontRef>
-        </p:style>
-        <p:txBody>
-          <a:bodyPr rtlCol="0" anchor="ctr"/>
-          <a:lstStyle/>
-          <a:p>
-            <a:pPr algn="ctr"/>
-            <a:r>
-              <a:rPr lang="en-US" dirty="0" smtClean="0"/>
-              <a:t>NodeJs</a:t>
-            </a:r>
-          </a:p>
-          <a:p>
-            <a:pPr algn="ctr"/>
-            <a:r>
-              <a:rPr lang="en-US" dirty="0" smtClean="0"/>
-              <a:t>Microservice</a:t>
-            </a:r>
-            <a:endParaRPr lang="en-US" b="1" dirty="0"/>
-          </a:p>
-        </p:txBody>
-      </p:sp>
-      <p:sp>
-        <p:nvSpPr>
-          <p:cNvPr id="12" name="Rectangle 11"/>
-          <p:cNvSpPr/>
-          <p:nvPr/>
-        </p:nvSpPr>
-        <p:spPr>
-          <a:xfrm>
-            <a:off x="6630924" y="5126834"/>
-            <a:ext cx="1752600" cy="800800"/>
-          </a:xfrm>
-          <a:prstGeom prst="rect">
-            <a:avLst/>
-          </a:prstGeom>
-          <a:solidFill>
-            <a:srgbClr val="00B0F0"/>
-          </a:solidFill>
-          <a:ln>
-            <a:noFill/>
-          </a:ln>
-        </p:spPr>
-        <p:style>
-          <a:lnRef idx="2">
-            <a:schemeClr val="accent2">
-              <a:shade val="50000"/>
-            </a:schemeClr>
-          </a:lnRef>
-          <a:fillRef idx="1">
-            <a:schemeClr val="accent2"/>
-          </a:fillRef>
-          <a:effectRef idx="0">
-            <a:schemeClr val="accent2"/>
-          </a:effectRef>
-          <a:fontRef idx="minor">
-            <a:schemeClr val="lt1"/>
-          </a:fontRef>
-        </p:style>
-        <p:txBody>
-          <a:bodyPr rtlCol="0" anchor="ctr"/>
-          <a:lstStyle/>
-          <a:p>
-            <a:pPr algn="ctr"/>
-            <a:r>
-              <a:rPr lang="en-US" dirty="0" smtClean="0"/>
-              <a:t>Java</a:t>
-            </a:r>
-          </a:p>
-          <a:p>
-            <a:pPr algn="ctr"/>
-            <a:r>
-              <a:rPr lang="en-US" dirty="0" smtClean="0"/>
-              <a:t>Microservice</a:t>
-            </a:r>
-            <a:endParaRPr lang="en-US" b="1" dirty="0"/>
-          </a:p>
-        </p:txBody>
-      </p:sp>
-      <p:sp>
-        <p:nvSpPr>
-          <p:cNvPr id="2" name="Left-Right Arrow 1"/>
-          <p:cNvSpPr/>
-          <p:nvPr/>
-        </p:nvSpPr>
-        <p:spPr>
-          <a:xfrm>
-            <a:off x="5992849" y="3474712"/>
-            <a:ext cx="524484" cy="209005"/>
-          </a:xfrm>
-          <a:prstGeom prst="leftRightArrow">
-            <a:avLst/>
-          </a:prstGeom>
-          <a:solidFill>
-            <a:srgbClr val="DD462F"/>
-          </a:solidFill>
-          <a:ln>
-            <a:noFill/>
-          </a:ln>
-        </p:spPr>
-        <p:style>
-          <a:lnRef idx="2">
-            <a:schemeClr val="accent1">
-              <a:shade val="50000"/>
-            </a:schemeClr>
-          </a:lnRef>
-          <a:fillRef idx="1">
-            <a:schemeClr val="accent1"/>
-          </a:fillRef>
-          <a:effectRef idx="0">
-            <a:schemeClr val="accent1"/>
-          </a:effectRef>
-          <a:fontRef idx="minor">
-            <a:schemeClr val="lt1"/>
-          </a:fontRef>
-        </p:style>
-        <p:txBody>
-          <a:bodyPr rtlCol="0" anchor="ctr"/>
-          <a:lstStyle/>
-          <a:p>
-            <a:pPr algn="ctr"/>
-            <a:endParaRPr lang="en-US"/>
-          </a:p>
-        </p:txBody>
-      </p:sp>
-      <p:sp>
-        <p:nvSpPr>
-          <p:cNvPr id="13" name="Left-Right Arrow 12"/>
-          <p:cNvSpPr/>
-          <p:nvPr/>
-        </p:nvSpPr>
-        <p:spPr>
-          <a:xfrm>
-            <a:off x="5985166" y="4445349"/>
-            <a:ext cx="524484" cy="209005"/>
-          </a:xfrm>
-          <a:prstGeom prst="leftRightArrow">
-            <a:avLst/>
-          </a:prstGeom>
-          <a:solidFill>
-            <a:srgbClr val="DD462F"/>
-          </a:solidFill>
-          <a:ln>
-            <a:noFill/>
-          </a:ln>
-        </p:spPr>
-        <p:style>
-          <a:lnRef idx="2">
-            <a:schemeClr val="accent1">
-              <a:shade val="50000"/>
-            </a:schemeClr>
-          </a:lnRef>
-          <a:fillRef idx="1">
-            <a:schemeClr val="accent1"/>
-          </a:fillRef>
-          <a:effectRef idx="0">
-            <a:schemeClr val="accent1"/>
-          </a:effectRef>
-          <a:fontRef idx="minor">
-            <a:schemeClr val="lt1"/>
-          </a:fontRef>
-        </p:style>
-        <p:txBody>
-          <a:bodyPr rtlCol="0" anchor="ctr"/>
-          <a:lstStyle/>
-          <a:p>
-            <a:pPr algn="ctr"/>
-            <a:endParaRPr lang="en-US"/>
-          </a:p>
-        </p:txBody>
-      </p:sp>
-      <p:sp>
-        <p:nvSpPr>
-          <p:cNvPr id="14" name="Left-Right Arrow 13"/>
-          <p:cNvSpPr/>
-          <p:nvPr/>
-        </p:nvSpPr>
-        <p:spPr>
-          <a:xfrm>
-            <a:off x="6007048" y="5415986"/>
-            <a:ext cx="524484" cy="209005"/>
-          </a:xfrm>
-          <a:prstGeom prst="leftRightArrow">
-            <a:avLst/>
-          </a:prstGeom>
-          <a:solidFill>
-            <a:srgbClr val="DD462F"/>
-          </a:solidFill>
-          <a:ln>
-            <a:noFill/>
-          </a:ln>
-        </p:spPr>
-        <p:style>
-          <a:lnRef idx="2">
-            <a:schemeClr val="accent1">
-              <a:shade val="50000"/>
-            </a:schemeClr>
-          </a:lnRef>
-          <a:fillRef idx="1">
-            <a:schemeClr val="accent1"/>
-          </a:fillRef>
-          <a:effectRef idx="0">
-            <a:schemeClr val="accent1"/>
-          </a:effectRef>
-          <a:fontRef idx="minor">
-            <a:schemeClr val="lt1"/>
-          </a:fontRef>
-        </p:style>
-        <p:txBody>
-          <a:bodyPr rtlCol="0" anchor="ctr"/>
-          <a:lstStyle/>
-          <a:p>
-            <a:pPr algn="ctr"/>
-            <a:endParaRPr lang="en-US"/>
-          </a:p>
-        </p:txBody>
-      </p:sp>
-      <p:pic>
-        <p:nvPicPr>
-          <p:cNvPr id="4098" name="Picture 2" descr="Related image"/>
-          <p:cNvPicPr>
-            <a:picLocks noChangeAspect="1" noChangeArrowheads="1"/>
-          </p:cNvPicPr>
-          <p:nvPr/>
-        </p:nvPicPr>
-        <p:blipFill>
-          <a:blip r:embed="rId2">
-            <a:extLst>
-              <a:ext uri="{28A0092B-C50C-407E-A947-70E740481C1C}">
-                <a14:useLocalDpi xmlns:a14="http://schemas.microsoft.com/office/drawing/2010/main" val="0"/>
-              </a:ext>
-            </a:extLst>
-          </a:blip>
-          <a:srcRect/>
-          <a:stretch>
-            <a:fillRect/>
-          </a:stretch>
-        </p:blipFill>
-        <p:spPr bwMode="auto">
-          <a:xfrm>
-            <a:off x="3380666" y="3233094"/>
-            <a:ext cx="945400" cy="945401"/>
-          </a:xfrm>
-          <a:prstGeom prst="rect">
-            <a:avLst/>
-          </a:prstGeom>
-          <a:noFill/>
-          <a:extLst>
-            <a:ext uri="{909E8E84-426E-40DD-AFC4-6F175D3DCCD1}">
-              <a14:hiddenFill xmlns:a14="http://schemas.microsoft.com/office/drawing/2010/main">
-                <a:solidFill>
-                  <a:srgbClr val="FFFFFF"/>
-                </a:solidFill>
-              </a14:hiddenFill>
-            </a:ext>
-          </a:extLst>
-        </p:spPr>
-      </p:pic>
-      <p:pic>
-        <p:nvPicPr>
-          <p:cNvPr id="16" name="Picture 2" descr="Related image"/>
-          <p:cNvPicPr>
-            <a:picLocks noChangeAspect="1" noChangeArrowheads="1"/>
-          </p:cNvPicPr>
-          <p:nvPr/>
-        </p:nvPicPr>
-        <p:blipFill>
-          <a:blip r:embed="rId2">
-            <a:extLst>
-              <a:ext uri="{28A0092B-C50C-407E-A947-70E740481C1C}">
-                <a14:useLocalDpi xmlns:a14="http://schemas.microsoft.com/office/drawing/2010/main" val="0"/>
-              </a:ext>
-            </a:extLst>
-          </a:blip>
-          <a:srcRect/>
-          <a:stretch>
-            <a:fillRect/>
-          </a:stretch>
-        </p:blipFill>
-        <p:spPr bwMode="auto">
-          <a:xfrm>
-            <a:off x="3416016" y="4800270"/>
-            <a:ext cx="945400" cy="945401"/>
-          </a:xfrm>
-          <a:prstGeom prst="rect">
-            <a:avLst/>
-          </a:prstGeom>
-          <a:noFill/>
-          <a:extLst>
-            <a:ext uri="{909E8E84-426E-40DD-AFC4-6F175D3DCCD1}">
-              <a14:hiddenFill xmlns:a14="http://schemas.microsoft.com/office/drawing/2010/main">
-                <a:solidFill>
-                  <a:srgbClr val="FFFFFF"/>
-                </a:solidFill>
-              </a14:hiddenFill>
-            </a:ext>
-          </a:extLst>
-        </p:spPr>
-      </p:pic>
-      <p:sp>
-        <p:nvSpPr>
-          <p:cNvPr id="17" name="Left-Right Arrow 16"/>
-          <p:cNvSpPr/>
-          <p:nvPr/>
-        </p:nvSpPr>
-        <p:spPr>
-          <a:xfrm>
-            <a:off x="4490400" y="3690364"/>
-            <a:ext cx="524484" cy="209005"/>
-          </a:xfrm>
-          <a:prstGeom prst="leftRightArrow">
-            <a:avLst/>
-          </a:prstGeom>
-          <a:solidFill>
-            <a:srgbClr val="DD462F"/>
-          </a:solidFill>
-          <a:ln>
-            <a:noFill/>
-          </a:ln>
-        </p:spPr>
-        <p:style>
-          <a:lnRef idx="2">
-            <a:schemeClr val="accent1">
-              <a:shade val="50000"/>
-            </a:schemeClr>
-          </a:lnRef>
-          <a:fillRef idx="1">
-            <a:schemeClr val="accent1"/>
-          </a:fillRef>
-          <a:effectRef idx="0">
-            <a:schemeClr val="accent1"/>
-          </a:effectRef>
-          <a:fontRef idx="minor">
-            <a:schemeClr val="lt1"/>
-          </a:fontRef>
-        </p:style>
-        <p:txBody>
-          <a:bodyPr rtlCol="0" anchor="ctr"/>
-          <a:lstStyle/>
-          <a:p>
-            <a:pPr algn="ctr"/>
-            <a:endParaRPr lang="en-US"/>
-          </a:p>
-        </p:txBody>
-      </p:sp>
-      <p:sp>
-        <p:nvSpPr>
-          <p:cNvPr id="18" name="Left-Right Arrow 17"/>
-          <p:cNvSpPr/>
-          <p:nvPr/>
-        </p:nvSpPr>
-        <p:spPr>
-          <a:xfrm>
-            <a:off x="4490400" y="5272750"/>
-            <a:ext cx="524484" cy="209005"/>
-          </a:xfrm>
-          <a:prstGeom prst="leftRightArrow">
-            <a:avLst/>
-          </a:prstGeom>
-          <a:solidFill>
-            <a:srgbClr val="DD462F"/>
-          </a:solidFill>
-          <a:ln>
-            <a:noFill/>
-          </a:ln>
-        </p:spPr>
-        <p:style>
-          <a:lnRef idx="2">
-            <a:schemeClr val="accent1">
-              <a:shade val="50000"/>
-            </a:schemeClr>
-          </a:lnRef>
-          <a:fillRef idx="1">
-            <a:schemeClr val="accent1"/>
-          </a:fillRef>
-          <a:effectRef idx="0">
-            <a:schemeClr val="accent1"/>
-          </a:effectRef>
-          <a:fontRef idx="minor">
-            <a:schemeClr val="lt1"/>
-          </a:fontRef>
-        </p:style>
-        <p:txBody>
-          <a:bodyPr rtlCol="0" anchor="ctr"/>
-          <a:lstStyle/>
-          <a:p>
-            <a:pPr algn="ctr"/>
-            <a:endParaRPr lang="en-US"/>
-          </a:p>
-        </p:txBody>
-      </p:sp>
-      <p:sp>
-        <p:nvSpPr>
-          <p:cNvPr id="19" name="Title 7"/>
-          <p:cNvSpPr txBox="1">
-            <a:spLocks/>
-          </p:cNvSpPr>
-          <p:nvPr/>
-        </p:nvSpPr>
-        <p:spPr>
-          <a:xfrm>
-            <a:off x="3473308" y="4112935"/>
-            <a:ext cx="913983" cy="368853"/>
-          </a:xfrm>
-          <a:prstGeom prst="rect">
-            <a:avLst/>
-          </a:prstGeom>
-        </p:spPr>
-        <p:txBody>
-          <a:bodyPr vert="horz" lIns="91440" tIns="45720" rIns="91440" bIns="45720" rtlCol="0" anchor="b" anchorCtr="0">
-            <a:normAutofit/>
-          </a:bodyPr>
-          <a:lstStyle>
-            <a:lvl1pPr algn="l" defTabSz="914400" rtl="0" eaLnBrk="1" latinLnBrk="0" hangingPunct="1">
-              <a:spcBef>
-                <a:spcPct val="0"/>
-              </a:spcBef>
-              <a:buNone/>
-              <a:defRPr sz="2800" kern="1200">
-                <a:solidFill>
-                  <a:schemeClr val="bg2">
-                    <a:lumMod val="25000"/>
-                  </a:schemeClr>
-                </a:solidFill>
-                <a:latin typeface="+mj-lt"/>
-                <a:ea typeface="+mj-ea"/>
-                <a:cs typeface="+mj-cs"/>
-              </a:defRPr>
-            </a:lvl1pPr>
-          </a:lstStyle>
-          <a:p>
-            <a:pPr algn="ctr"/>
-            <a:r>
-              <a:rPr lang="en-US" sz="1600" dirty="0" smtClean="0">
-                <a:solidFill>
-                  <a:srgbClr val="D24726"/>
-                </a:solidFill>
-                <a:latin typeface="Segoe UI Light" panose="020B0502040204020203" pitchFamily="34" charset="0"/>
-                <a:cs typeface="Segoe UI Light" panose="020B0502040204020203" pitchFamily="34" charset="0"/>
-              </a:rPr>
-              <a:t>Client</a:t>
-            </a:r>
-            <a:endParaRPr lang="en-US" sz="1600" dirty="0">
-              <a:solidFill>
-                <a:srgbClr val="D24726"/>
-              </a:solidFill>
-              <a:latin typeface="Segoe UI Light" panose="020B0502040204020203" pitchFamily="34" charset="0"/>
-              <a:cs typeface="Segoe UI Light" panose="020B0502040204020203" pitchFamily="34" charset="0"/>
-            </a:endParaRPr>
-          </a:p>
-        </p:txBody>
-      </p:sp>
-      <p:sp>
-        <p:nvSpPr>
-          <p:cNvPr id="20" name="Title 7"/>
-          <p:cNvSpPr txBox="1">
-            <a:spLocks/>
-          </p:cNvSpPr>
-          <p:nvPr/>
-        </p:nvSpPr>
-        <p:spPr>
-          <a:xfrm>
-            <a:off x="3444241" y="5669471"/>
-            <a:ext cx="913983" cy="368853"/>
-          </a:xfrm>
-          <a:prstGeom prst="rect">
-            <a:avLst/>
-          </a:prstGeom>
-        </p:spPr>
-        <p:txBody>
-          <a:bodyPr vert="horz" lIns="91440" tIns="45720" rIns="91440" bIns="45720" rtlCol="0" anchor="b" anchorCtr="0">
-            <a:normAutofit/>
-          </a:bodyPr>
-          <a:lstStyle>
-            <a:lvl1pPr algn="l" defTabSz="914400" rtl="0" eaLnBrk="1" latinLnBrk="0" hangingPunct="1">
-              <a:spcBef>
-                <a:spcPct val="0"/>
-              </a:spcBef>
-              <a:buNone/>
-              <a:defRPr sz="2800" kern="1200">
-                <a:solidFill>
-                  <a:schemeClr val="bg2">
-                    <a:lumMod val="25000"/>
-                  </a:schemeClr>
-                </a:solidFill>
-                <a:latin typeface="+mj-lt"/>
-                <a:ea typeface="+mj-ea"/>
-                <a:cs typeface="+mj-cs"/>
-              </a:defRPr>
-            </a:lvl1pPr>
-          </a:lstStyle>
-          <a:p>
-            <a:pPr algn="ctr"/>
-            <a:r>
-              <a:rPr lang="en-US" sz="1600" dirty="0" smtClean="0">
-                <a:solidFill>
-                  <a:srgbClr val="D24726"/>
-                </a:solidFill>
-                <a:latin typeface="Segoe UI Light" panose="020B0502040204020203" pitchFamily="34" charset="0"/>
-                <a:cs typeface="Segoe UI Light" panose="020B0502040204020203" pitchFamily="34" charset="0"/>
-              </a:rPr>
-              <a:t>Client</a:t>
-            </a:r>
-            <a:endParaRPr lang="en-US" sz="1600" dirty="0">
-              <a:solidFill>
-                <a:srgbClr val="D24726"/>
-              </a:solidFill>
-              <a:latin typeface="Segoe UI Light" panose="020B0502040204020203" pitchFamily="34" charset="0"/>
-              <a:cs typeface="Segoe UI Light" panose="020B0502040204020203" pitchFamily="34" charset="0"/>
-            </a:endParaRPr>
-          </a:p>
-        </p:txBody>
-      </p:sp>
-    </p:spTree>
-    <p:extLst>
-      <p:ext uri="{BB962C8B-B14F-4D97-AF65-F5344CB8AC3E}">
-        <p14:creationId xmlns:p14="http://schemas.microsoft.com/office/powerpoint/2010/main" val="756726748"/>
-      </p:ext>
-    </p:extLst>
-  </p:cSld>
-  <p:clrMapOvr>
-    <a:masterClrMapping/>
-  </p:clrMapOvr>
-  <mc:AlternateContent xmlns:mc="http://schemas.openxmlformats.org/markup-compatibility/2006" xmlns:p14="http://schemas.microsoft.com/office/powerpoint/2010/main">
-    <mc:Choice Requires="p14">
-      <p:transition p14:dur="10"/>
-    </mc:Choice>
-    <mc:Fallback xmlns="">
-      <p:transition/>
-    </mc:Fallback>
-  </mc:AlternateContent>
-  <p:timing>
-    <p:tnLst>
-      <p:par>
-        <p:cTn id="1" dur="indefinite" restart="never" nodeType="tmRoot"/>
-      </p:par>
-    </p:tnLst>
   </p:timing>
 </p:sld>
 </file>

--- a/Documents/MicroServices.pptx
+++ b/Documents/MicroServices.pptx
@@ -2509,6 +2509,13 @@
         </dgm:presLayoutVars>
       </dgm:prSet>
       <dgm:spPr/>
+      <dgm:t>
+        <a:bodyPr/>
+        <a:lstStyle/>
+        <a:p>
+          <a:endParaRPr lang="en-US"/>
+        </a:p>
+      </dgm:t>
     </dgm:pt>
     <dgm:pt modelId="{DB5BCEB9-0713-465D-BAE4-41008A09F44D}" type="pres">
       <dgm:prSet presAssocID="{090127E8-955E-471A-A258-95701D50766C}" presName="centerShape" presStyleLbl="node0" presStyleIdx="0" presStyleCnt="1"/>
@@ -2524,6 +2531,13 @@
     <dgm:pt modelId="{74468A4D-70A3-4880-8935-DDF3701E1C20}" type="pres">
       <dgm:prSet presAssocID="{27A00039-2F73-4EB5-B5A1-1AA4F5600187}" presName="parTrans" presStyleLbl="bgSibTrans2D1" presStyleIdx="0" presStyleCnt="3"/>
       <dgm:spPr/>
+      <dgm:t>
+        <a:bodyPr/>
+        <a:lstStyle/>
+        <a:p>
+          <a:endParaRPr lang="en-US"/>
+        </a:p>
+      </dgm:t>
     </dgm:pt>
     <dgm:pt modelId="{A91EC127-07CB-47FA-8B45-C656741EF170}" type="pres">
       <dgm:prSet presAssocID="{A00E1A84-5431-4F7D-B333-3E608203CCEB}" presName="node" presStyleLbl="node1" presStyleIdx="0" presStyleCnt="3">
@@ -2543,6 +2557,13 @@
     <dgm:pt modelId="{96B9E08B-0BF3-4FBC-87CD-104C4419927A}" type="pres">
       <dgm:prSet presAssocID="{87127DD0-CA2D-4357-9EB7-DC97D540531A}" presName="parTrans" presStyleLbl="bgSibTrans2D1" presStyleIdx="1" presStyleCnt="3"/>
       <dgm:spPr/>
+      <dgm:t>
+        <a:bodyPr/>
+        <a:lstStyle/>
+        <a:p>
+          <a:endParaRPr lang="en-US"/>
+        </a:p>
+      </dgm:t>
     </dgm:pt>
     <dgm:pt modelId="{BBDE044E-1FE9-413D-B3EF-4E1EF2039827}" type="pres">
       <dgm:prSet presAssocID="{DAA127AD-6334-4F9F-8C76-41BBE18FEE3E}" presName="node" presStyleLbl="node1" presStyleIdx="1" presStyleCnt="3">
@@ -2551,10 +2572,24 @@
         </dgm:presLayoutVars>
       </dgm:prSet>
       <dgm:spPr/>
+      <dgm:t>
+        <a:bodyPr/>
+        <a:lstStyle/>
+        <a:p>
+          <a:endParaRPr lang="en-US"/>
+        </a:p>
+      </dgm:t>
     </dgm:pt>
     <dgm:pt modelId="{295CEE7A-D8F7-4B65-9C84-E38052FE6573}" type="pres">
       <dgm:prSet presAssocID="{A5B5769C-7EE9-4C21-B4FF-57F20CDD5297}" presName="parTrans" presStyleLbl="bgSibTrans2D1" presStyleIdx="2" presStyleCnt="3"/>
       <dgm:spPr/>
+      <dgm:t>
+        <a:bodyPr/>
+        <a:lstStyle/>
+        <a:p>
+          <a:endParaRPr lang="en-US"/>
+        </a:p>
+      </dgm:t>
     </dgm:pt>
     <dgm:pt modelId="{E2B774FB-C9C7-4233-A2B1-0D676A448C3A}" type="pres">
       <dgm:prSet presAssocID="{C8742B49-6B0F-45DB-A39C-997EE34F08DF}" presName="node" presStyleLbl="node1" presStyleIdx="2" presStyleCnt="3">
@@ -2573,17 +2608,17 @@
     </dgm:pt>
   </dgm:ptLst>
   <dgm:cxnLst>
+    <dgm:cxn modelId="{5BCD4FF1-51E8-4F9D-B6DD-E0E69C63320A}" type="presOf" srcId="{27A00039-2F73-4EB5-B5A1-1AA4F5600187}" destId="{74468A4D-70A3-4880-8935-DDF3701E1C20}" srcOrd="0" destOrd="0" presId="urn:microsoft.com/office/officeart/2005/8/layout/radial4"/>
+    <dgm:cxn modelId="{5BFCA1AC-15FD-4BF7-AE9C-D4A8359E7A3E}" srcId="{090127E8-955E-471A-A258-95701D50766C}" destId="{DAA127AD-6334-4F9F-8C76-41BBE18FEE3E}" srcOrd="1" destOrd="0" parTransId="{87127DD0-CA2D-4357-9EB7-DC97D540531A}" sibTransId="{B1D3B33E-ED99-449C-B8B3-4091022FAB28}"/>
     <dgm:cxn modelId="{EBFEA0C3-4F48-40D0-B228-2E5ECA336BAE}" type="presOf" srcId="{87127DD0-CA2D-4357-9EB7-DC97D540531A}" destId="{96B9E08B-0BF3-4FBC-87CD-104C4419927A}" srcOrd="0" destOrd="0" presId="urn:microsoft.com/office/officeart/2005/8/layout/radial4"/>
-    <dgm:cxn modelId="{5BFCA1AC-15FD-4BF7-AE9C-D4A8359E7A3E}" srcId="{090127E8-955E-471A-A258-95701D50766C}" destId="{DAA127AD-6334-4F9F-8C76-41BBE18FEE3E}" srcOrd="1" destOrd="0" parTransId="{87127DD0-CA2D-4357-9EB7-DC97D540531A}" sibTransId="{B1D3B33E-ED99-449C-B8B3-4091022FAB28}"/>
-    <dgm:cxn modelId="{5BCD4FF1-51E8-4F9D-B6DD-E0E69C63320A}" type="presOf" srcId="{27A00039-2F73-4EB5-B5A1-1AA4F5600187}" destId="{74468A4D-70A3-4880-8935-DDF3701E1C20}" srcOrd="0" destOrd="0" presId="urn:microsoft.com/office/officeart/2005/8/layout/radial4"/>
+    <dgm:cxn modelId="{6750853E-C6D2-44FC-AE9E-66186F938E46}" type="presOf" srcId="{A5B5769C-7EE9-4C21-B4FF-57F20CDD5297}" destId="{295CEE7A-D8F7-4B65-9C84-E38052FE6573}" srcOrd="0" destOrd="0" presId="urn:microsoft.com/office/officeart/2005/8/layout/radial4"/>
+    <dgm:cxn modelId="{4E60D839-C879-478D-B15C-F2456146CADB}" type="presOf" srcId="{56321145-D7D1-4988-95F4-885D3D8EEFD4}" destId="{5945153C-DD77-4AD7-A043-9686F6657225}" srcOrd="0" destOrd="0" presId="urn:microsoft.com/office/officeart/2005/8/layout/radial4"/>
+    <dgm:cxn modelId="{819ACF2A-CAEA-4154-ABF9-C8628431C627}" srcId="{090127E8-955E-471A-A258-95701D50766C}" destId="{A00E1A84-5431-4F7D-B333-3E608203CCEB}" srcOrd="0" destOrd="0" parTransId="{27A00039-2F73-4EB5-B5A1-1AA4F5600187}" sibTransId="{98AA3FB9-20EE-41ED-874A-EB217816A5BF}"/>
+    <dgm:cxn modelId="{A1D6E37F-846D-437D-B8D6-704EE1B929C3}" srcId="{090127E8-955E-471A-A258-95701D50766C}" destId="{C8742B49-6B0F-45DB-A39C-997EE34F08DF}" srcOrd="2" destOrd="0" parTransId="{A5B5769C-7EE9-4C21-B4FF-57F20CDD5297}" sibTransId="{BE1F3EC7-3D88-4992-9BC2-5C17DF761629}"/>
     <dgm:cxn modelId="{BC02F83F-839A-4C75-BD1F-58A6903A2859}" type="presOf" srcId="{A00E1A84-5431-4F7D-B333-3E608203CCEB}" destId="{A91EC127-07CB-47FA-8B45-C656741EF170}" srcOrd="0" destOrd="0" presId="urn:microsoft.com/office/officeart/2005/8/layout/radial4"/>
+    <dgm:cxn modelId="{8D99D7C3-AE1D-41DE-B455-AF3F38E3664E}" type="presOf" srcId="{090127E8-955E-471A-A258-95701D50766C}" destId="{DB5BCEB9-0713-465D-BAE4-41008A09F44D}" srcOrd="0" destOrd="0" presId="urn:microsoft.com/office/officeart/2005/8/layout/radial4"/>
     <dgm:cxn modelId="{441174F2-9B0D-4B3F-9B3C-F2B1AC99027F}" srcId="{56321145-D7D1-4988-95F4-885D3D8EEFD4}" destId="{090127E8-955E-471A-A258-95701D50766C}" srcOrd="0" destOrd="0" parTransId="{6683A49F-425D-4FA5-A474-EDB3C2A950BB}" sibTransId="{EC55A123-65DA-47AE-8555-EF29FF9F4AC9}"/>
     <dgm:cxn modelId="{A17AE6F2-035C-4B9B-85EF-FDD8EB321C81}" type="presOf" srcId="{DAA127AD-6334-4F9F-8C76-41BBE18FEE3E}" destId="{BBDE044E-1FE9-413D-B3EF-4E1EF2039827}" srcOrd="0" destOrd="0" presId="urn:microsoft.com/office/officeart/2005/8/layout/radial4"/>
-    <dgm:cxn modelId="{A1D6E37F-846D-437D-B8D6-704EE1B929C3}" srcId="{090127E8-955E-471A-A258-95701D50766C}" destId="{C8742B49-6B0F-45DB-A39C-997EE34F08DF}" srcOrd="2" destOrd="0" parTransId="{A5B5769C-7EE9-4C21-B4FF-57F20CDD5297}" sibTransId="{BE1F3EC7-3D88-4992-9BC2-5C17DF761629}"/>
-    <dgm:cxn modelId="{8D99D7C3-AE1D-41DE-B455-AF3F38E3664E}" type="presOf" srcId="{090127E8-955E-471A-A258-95701D50766C}" destId="{DB5BCEB9-0713-465D-BAE4-41008A09F44D}" srcOrd="0" destOrd="0" presId="urn:microsoft.com/office/officeart/2005/8/layout/radial4"/>
-    <dgm:cxn modelId="{6750853E-C6D2-44FC-AE9E-66186F938E46}" type="presOf" srcId="{A5B5769C-7EE9-4C21-B4FF-57F20CDD5297}" destId="{295CEE7A-D8F7-4B65-9C84-E38052FE6573}" srcOrd="0" destOrd="0" presId="urn:microsoft.com/office/officeart/2005/8/layout/radial4"/>
-    <dgm:cxn modelId="{819ACF2A-CAEA-4154-ABF9-C8628431C627}" srcId="{090127E8-955E-471A-A258-95701D50766C}" destId="{A00E1A84-5431-4F7D-B333-3E608203CCEB}" srcOrd="0" destOrd="0" parTransId="{27A00039-2F73-4EB5-B5A1-1AA4F5600187}" sibTransId="{98AA3FB9-20EE-41ED-874A-EB217816A5BF}"/>
-    <dgm:cxn modelId="{4E60D839-C879-478D-B15C-F2456146CADB}" type="presOf" srcId="{56321145-D7D1-4988-95F4-885D3D8EEFD4}" destId="{5945153C-DD77-4AD7-A043-9686F6657225}" srcOrd="0" destOrd="0" presId="urn:microsoft.com/office/officeart/2005/8/layout/radial4"/>
     <dgm:cxn modelId="{D30D5C02-1325-4345-ABC2-385F3859E812}" type="presOf" srcId="{C8742B49-6B0F-45DB-A39C-997EE34F08DF}" destId="{E2B774FB-C9C7-4233-A2B1-0D676A448C3A}" srcOrd="0" destOrd="0" presId="urn:microsoft.com/office/officeart/2005/8/layout/radial4"/>
     <dgm:cxn modelId="{C1280553-E656-480E-BDDC-18DDE4D44EEC}" type="presParOf" srcId="{5945153C-DD77-4AD7-A043-9686F6657225}" destId="{DB5BCEB9-0713-465D-BAE4-41008A09F44D}" srcOrd="0" destOrd="0" presId="urn:microsoft.com/office/officeart/2005/8/layout/radial4"/>
     <dgm:cxn modelId="{653DEB5F-A4F9-4F2D-AABE-8BEE904D1B10}" type="presParOf" srcId="{5945153C-DD77-4AD7-A043-9686F6657225}" destId="{74468A4D-70A3-4880-8935-DDF3701E1C20}" srcOrd="1" destOrd="0" presId="urn:microsoft.com/office/officeart/2005/8/layout/radial4"/>
@@ -6370,7 +6405,7 @@
           <a:p>
             <a:fld id="{80680FBE-A8DF-4758-9AC4-3A9E1039168F}" type="datetimeFigureOut">
               <a:rPr lang="en-US" smtClean="0"/>
-              <a:t>11/30/2016</a:t>
+              <a:t>12/1/2016</a:t>
             </a:fld>
             <a:endParaRPr lang="en-US"/>
           </a:p>
@@ -6535,7 +6570,7 @@
           <a:p>
             <a:fld id="{EC13577B-6902-467D-A26C-08A0DD5E4E03}" type="datetimeFigureOut">
               <a:rPr lang="en-US" smtClean="0"/>
-              <a:t>11/30/2016</a:t>
+              <a:t>12/1/2016</a:t>
             </a:fld>
             <a:endParaRPr lang="en-US"/>
           </a:p>
@@ -8657,11 +8692,7 @@
             </a:pPr>
             <a:r>
               <a:rPr lang="en-US" baseline="0" dirty="0" smtClean="0"/>
-              <a:t>Pick your technology for </a:t>
-            </a:r>
-            <a:r>
-              <a:rPr lang="en-US" baseline="0" dirty="0" smtClean="0"/>
-              <a:t>communications</a:t>
+              <a:t>Pick your technology for communications</a:t>
             </a:r>
           </a:p>
           <a:p>
@@ -9661,11 +9692,7 @@
             </a:r>
             <a:r>
               <a:rPr lang="en-US" baseline="0" dirty="0" smtClean="0"/>
-              <a:t>deployable </a:t>
-            </a:r>
-            <a:r>
-              <a:rPr lang="en-US" baseline="0" dirty="0" smtClean="0"/>
-              <a:t>and manageable, Small or fine grained and autonomous (self managed).</a:t>
+              <a:t>deployable and manageable, Small or fine grained and autonomous (self managed).</a:t>
             </a:r>
           </a:p>
           <a:p>
@@ -10100,9 +10127,104 @@
             </a:pPr>
             <a:r>
               <a:rPr lang="en-US" baseline="0" dirty="0" smtClean="0"/>
-              <a:t>Martin Flower states that Microservices are a subset of SOA</a:t>
-            </a:r>
-            <a:endParaRPr lang="en-US" dirty="0"/>
+              <a:t>Martin Flower states that Microservices are a subset of </a:t>
+            </a:r>
+            <a:r>
+              <a:rPr lang="en-US" baseline="0" dirty="0" smtClean="0"/>
+              <a:t>SOA</a:t>
+            </a:r>
+          </a:p>
+          <a:p>
+            <a:pPr marL="171450" indent="-171450">
+              <a:buFont typeface="Arial" panose="020B0604020202020204" pitchFamily="34" charset="0"/>
+              <a:buChar char="•"/>
+            </a:pPr>
+            <a:endParaRPr lang="en-US" baseline="0" dirty="0" smtClean="0"/>
+          </a:p>
+          <a:p>
+            <a:pPr marL="171450" indent="-171450">
+              <a:buFont typeface="Arial" panose="020B0604020202020204" pitchFamily="34" charset="0"/>
+              <a:buChar char="•"/>
+            </a:pPr>
+            <a:r>
+              <a:rPr lang="en-US" baseline="0" dirty="0" smtClean="0"/>
+              <a:t>Clear differentiates </a:t>
+            </a:r>
+          </a:p>
+          <a:p>
+            <a:pPr marL="628650" marR="0" lvl="1" indent="-171450" algn="l" defTabSz="914400" rtl="0" eaLnBrk="1" fontAlgn="auto" latinLnBrk="0" hangingPunct="1">
+              <a:lnSpc>
+                <a:spcPct val="100000"/>
+              </a:lnSpc>
+              <a:spcBef>
+                <a:spcPts val="0"/>
+              </a:spcBef>
+              <a:spcAft>
+                <a:spcPts val="0"/>
+              </a:spcAft>
+              <a:buClrTx/>
+              <a:buSzTx/>
+              <a:buFont typeface="Arial" panose="020B0604020202020204" pitchFamily="34" charset="0"/>
+              <a:buChar char="•"/>
+              <a:tabLst/>
+              <a:defRPr/>
+            </a:pPr>
+            <a:r>
+              <a:rPr lang="en-US" baseline="0" dirty="0" smtClean="0"/>
+              <a:t>Service modeling happens around business capabilities</a:t>
+            </a:r>
+          </a:p>
+          <a:p>
+            <a:pPr marL="628650" lvl="1" indent="-171450">
+              <a:buFont typeface="Arial" panose="020B0604020202020204" pitchFamily="34" charset="0"/>
+              <a:buChar char="•"/>
+            </a:pPr>
+            <a:r>
+              <a:rPr lang="en-US" baseline="0" dirty="0" smtClean="0"/>
+              <a:t>Bounded context</a:t>
+            </a:r>
+          </a:p>
+          <a:p>
+            <a:pPr marL="628650" lvl="1" indent="-171450">
+              <a:buFont typeface="Arial" panose="020B0604020202020204" pitchFamily="34" charset="0"/>
+              <a:buChar char="•"/>
+            </a:pPr>
+            <a:r>
+              <a:rPr lang="en-US" dirty="0" smtClean="0"/>
+              <a:t>Services are</a:t>
+            </a:r>
+            <a:r>
+              <a:rPr lang="en-US" baseline="0" dirty="0" smtClean="0"/>
+              <a:t> </a:t>
+            </a:r>
+            <a:r>
+              <a:rPr lang="en-US" dirty="0" smtClean="0"/>
+              <a:t>autonomous</a:t>
+            </a:r>
+          </a:p>
+          <a:p>
+            <a:pPr marL="628650" lvl="1" indent="-171450">
+              <a:buFont typeface="Arial" panose="020B0604020202020204" pitchFamily="34" charset="0"/>
+              <a:buChar char="•"/>
+            </a:pPr>
+            <a:r>
+              <a:rPr lang="en-US" dirty="0" smtClean="0"/>
+              <a:t>Communicate with lightweight mechanisms</a:t>
+            </a:r>
+          </a:p>
+          <a:p>
+            <a:pPr marL="628650" lvl="1" indent="-171450">
+              <a:buFont typeface="Arial" panose="020B0604020202020204" pitchFamily="34" charset="0"/>
+              <a:buChar char="•"/>
+            </a:pPr>
+            <a:r>
+              <a:rPr lang="en-US" dirty="0" smtClean="0"/>
+              <a:t>Automated</a:t>
+            </a:r>
+            <a:r>
+              <a:rPr lang="en-US" baseline="0" dirty="0" smtClean="0"/>
+              <a:t> deployment</a:t>
+            </a:r>
           </a:p>
         </p:txBody>
       </p:sp>
@@ -10241,7 +10363,6 @@
               <a:rPr lang="en-US" baseline="0" dirty="0" smtClean="0"/>
               <a:t>With Domain driven design concepts we need to find the right balance, when defining the size and scope of the service.</a:t>
             </a:r>
-            <a:endParaRPr lang="en-US" baseline="0" dirty="0" smtClean="0"/>
           </a:p>
         </p:txBody>
       </p:sp>
@@ -10460,6 +10581,24 @@
             <a:r>
               <a:rPr lang="en-US" dirty="0" smtClean="0"/>
               <a:t>Talk a </a:t>
+            </a:r>
+            <a:endParaRPr lang="en-US" dirty="0" smtClean="0"/>
+          </a:p>
+          <a:p>
+            <a:pPr marL="171450" indent="-171450">
+              <a:buFont typeface="Arial" panose="020B0604020202020204" pitchFamily="34" charset="0"/>
+              <a:buChar char="•"/>
+            </a:pPr>
+            <a:endParaRPr lang="en-US" dirty="0" smtClean="0"/>
+          </a:p>
+          <a:p>
+            <a:pPr marL="171450" indent="-171450">
+              <a:buFont typeface="Arial" panose="020B0604020202020204" pitchFamily="34" charset="0"/>
+              <a:buChar char="•"/>
+            </a:pPr>
+            <a:r>
+              <a:rPr lang="en-US" dirty="0" smtClean="0"/>
+              <a:t>Big design</a:t>
             </a:r>
             <a:endParaRPr lang="en-US" dirty="0"/>
           </a:p>
@@ -10674,7 +10813,7 @@
           <a:p>
             <a:fld id="{8BEEBAAA-29B5-4AF5-BC5F-7E580C29002D}" type="datetimeFigureOut">
               <a:rPr lang="en-US" smtClean="0"/>
-              <a:t>11/30/2016</a:t>
+              <a:t>12/1/2016</a:t>
             </a:fld>
             <a:endParaRPr lang="en-US"/>
           </a:p>
@@ -11456,7 +11595,7 @@
           <a:p>
             <a:fld id="{8BEEBAAA-29B5-4AF5-BC5F-7E580C29002D}" type="datetimeFigureOut">
               <a:rPr lang="en-US" smtClean="0"/>
-              <a:t>11/30/2016</a:t>
+              <a:t>12/1/2016</a:t>
             </a:fld>
             <a:endParaRPr lang="en-US"/>
           </a:p>
@@ -11968,7 +12107,7 @@
           <a:p>
             <a:fld id="{8BEEBAAA-29B5-4AF5-BC5F-7E580C29002D}" type="datetimeFigureOut">
               <a:rPr lang="en-US" smtClean="0"/>
-              <a:t>11/30/2016</a:t>
+              <a:t>12/1/2016</a:t>
             </a:fld>
             <a:endParaRPr lang="en-US"/>
           </a:p>
@@ -21021,7 +21160,7 @@
         </p:blipFill>
         <p:spPr>
           <a:xfrm>
-            <a:off x="8739397" y="3757900"/>
+            <a:off x="4972087" y="4251385"/>
             <a:ext cx="2124600" cy="1109644"/>
           </a:xfrm>
           <a:prstGeom prst="rect">
@@ -21052,7 +21191,7 @@
         </p:blipFill>
         <p:spPr bwMode="auto">
           <a:xfrm>
-            <a:off x="4768960" y="5677713"/>
+            <a:off x="8436562" y="4445331"/>
             <a:ext cx="2849747" cy="760297"/>
           </a:xfrm>
           <a:prstGeom prst="rect">
@@ -21072,7 +21211,7 @@
       </p:pic>
       <p:pic>
         <p:nvPicPr>
-          <p:cNvPr id="1030" name="Picture 6" descr="Related image"/>
+          <p:cNvPr id="1032" name="Picture 8" descr="Image result for lagom"/>
           <p:cNvPicPr>
             <a:picLocks noChangeAspect="1" noChangeArrowheads="1"/>
           </p:cNvPicPr>
@@ -21093,48 +21232,7 @@
         </p:blipFill>
         <p:spPr bwMode="auto">
           <a:xfrm>
-            <a:off x="1139541" y="3757900"/>
-            <a:ext cx="2281926" cy="1464387"/>
-          </a:xfrm>
-          <a:prstGeom prst="rect">
-            <a:avLst/>
-          </a:prstGeom>
-          <a:noFill/>
-          <a:extLst>
-            <a:ext uri="{909E8E84-426E-40DD-AFC4-6F175D3DCCD1}">
-              <a14:hiddenFill xmlns:a14="http://schemas.microsoft.com/office/drawing/2010/main">
-                <a:solidFill>
-                  <a:srgbClr val="FFFFFF"/>
-                </a:solidFill>
-              </a14:hiddenFill>
-            </a:ext>
-          </a:extLst>
-        </p:spPr>
-      </p:pic>
-      <p:pic>
-        <p:nvPicPr>
-          <p:cNvPr id="1032" name="Picture 8" descr="Image result for lagom"/>
-          <p:cNvPicPr>
-            <a:picLocks noChangeAspect="1" noChangeArrowheads="1"/>
-          </p:cNvPicPr>
-          <p:nvPr/>
-        </p:nvPicPr>
-        <p:blipFill>
-          <a:blip r:embed="rId6">
-            <a:extLst>
-              <a:ext uri="{28A0092B-C50C-407E-A947-70E740481C1C}">
-                <a14:useLocalDpi xmlns:a14="http://schemas.microsoft.com/office/drawing/2010/main" val="0"/>
-              </a:ext>
-            </a:extLst>
-          </a:blip>
-          <a:srcRect/>
-          <a:stretch>
-            <a:fillRect/>
-          </a:stretch>
-        </p:blipFill>
-        <p:spPr bwMode="auto">
-          <a:xfrm>
-            <a:off x="4607474" y="3913301"/>
+            <a:off x="784822" y="4406786"/>
             <a:ext cx="3128799" cy="798842"/>
           </a:xfrm>
           <a:prstGeom prst="rect">
@@ -21160,7 +21258,7 @@
         </p:nvGrpSpPr>
         <p:grpSpPr>
           <a:xfrm>
-            <a:off x="8346186" y="1848473"/>
+            <a:off x="8346186" y="2341958"/>
             <a:ext cx="2940123" cy="1160677"/>
             <a:chOff x="521208" y="4006941"/>
             <a:chExt cx="2940123" cy="1160677"/>
@@ -21209,7 +21307,7 @@
             <p:nvPr/>
           </p:nvPicPr>
           <p:blipFill>
-            <a:blip r:embed="rId7">
+            <a:blip r:embed="rId6">
               <a:extLst>
                 <a:ext uri="{28A0092B-C50C-407E-A947-70E740481C1C}">
                   <a14:useLocalDpi xmlns:a14="http://schemas.microsoft.com/office/drawing/2010/main" val="0"/>
@@ -21250,7 +21348,7 @@
         </p:nvGrpSpPr>
         <p:grpSpPr>
           <a:xfrm>
-            <a:off x="784822" y="1675930"/>
+            <a:off x="784822" y="2169415"/>
             <a:ext cx="2840173" cy="1513880"/>
             <a:chOff x="7698378" y="3682002"/>
             <a:chExt cx="2840173" cy="1513880"/>
@@ -21322,7 +21420,7 @@
             <p:nvPr/>
           </p:nvPicPr>
           <p:blipFill>
-            <a:blip r:embed="rId8" cstate="print">
+            <a:blip r:embed="rId7" cstate="print">
               <a:extLst>
                 <a:ext uri="{28A0092B-C50C-407E-A947-70E740481C1C}">
                   <a14:useLocalDpi xmlns:a14="http://schemas.microsoft.com/office/drawing/2010/main" val="0"/>
@@ -21353,7 +21451,7 @@
           <p:nvPr/>
         </p:nvPicPr>
         <p:blipFill>
-          <a:blip r:embed="rId9">
+          <a:blip r:embed="rId8">
             <a:extLst>
               <a:ext uri="{28A0092B-C50C-407E-A947-70E740481C1C}">
                 <a14:useLocalDpi xmlns:a14="http://schemas.microsoft.com/office/drawing/2010/main" val="0"/>
@@ -21367,7 +21465,7 @@
         </p:blipFill>
         <p:spPr bwMode="auto">
           <a:xfrm>
-            <a:off x="4470381" y="1831803"/>
+            <a:off x="4530005" y="2231720"/>
             <a:ext cx="3265892" cy="1399668"/>
           </a:xfrm>
           <a:prstGeom prst="rect">
@@ -21926,16 +22024,6 @@
               </a:rPr>
               <a:t>Monoliths. SOA and  Microservices</a:t>
             </a:r>
-            <a:endParaRPr lang="en-US" sz="1600" dirty="0" smtClean="0">
-              <a:solidFill>
-                <a:prstClr val="black">
-                  <a:lumMod val="75000"/>
-                  <a:lumOff val="25000"/>
-                </a:prstClr>
-              </a:solidFill>
-              <a:latin typeface="Segoe UI Light" panose="020B0502040204020203" pitchFamily="34" charset="0"/>
-              <a:cs typeface="Segoe UI Light" panose="020B0502040204020203" pitchFamily="34" charset="0"/>
-            </a:endParaRPr>
           </a:p>
           <a:p>
             <a:pPr>
@@ -21960,20 +22048,7 @@
                 <a:latin typeface="Segoe UI Light" panose="020B0502040204020203" pitchFamily="34" charset="0"/>
                 <a:cs typeface="Segoe UI Light" panose="020B0502040204020203" pitchFamily="34" charset="0"/>
               </a:rPr>
-              <a:t>Common </a:t>
-            </a:r>
-            <a:r>
-              <a:rPr lang="en-US" sz="1600" dirty="0" smtClean="0">
-                <a:solidFill>
-                  <a:prstClr val="black">
-                    <a:lumMod val="75000"/>
-                    <a:lumOff val="25000"/>
-                  </a:prstClr>
-                </a:solidFill>
-                <a:latin typeface="Segoe UI Light" panose="020B0502040204020203" pitchFamily="34" charset="0"/>
-                <a:cs typeface="Segoe UI Light" panose="020B0502040204020203" pitchFamily="34" charset="0"/>
-              </a:rPr>
-              <a:t>Microservice design patterns</a:t>
+              <a:t>Common Microservice design patterns</a:t>
             </a:r>
             <a:endParaRPr lang="en-US" sz="1600" dirty="0">
               <a:solidFill>
@@ -22101,20 +22176,7 @@
                 <a:latin typeface="Segoe UI Light" panose="020B0502040204020203" pitchFamily="34" charset="0"/>
                 <a:cs typeface="Segoe UI Light" panose="020B0502040204020203" pitchFamily="34" charset="0"/>
               </a:rPr>
-              <a:t>Deployment internals - Clusters </a:t>
-            </a:r>
-            <a:r>
-              <a:rPr lang="en-US" sz="1600" dirty="0" smtClean="0">
-                <a:solidFill>
-                  <a:prstClr val="black">
-                    <a:lumMod val="75000"/>
-                    <a:lumOff val="25000"/>
-                  </a:prstClr>
-                </a:solidFill>
-                <a:latin typeface="Segoe UI Light" panose="020B0502040204020203" pitchFamily="34" charset="0"/>
-                <a:cs typeface="Segoe UI Light" panose="020B0502040204020203" pitchFamily="34" charset="0"/>
-              </a:rPr>
-              <a:t>and Nodes</a:t>
+              <a:t>Deployment internals - Clusters and Nodes</a:t>
             </a:r>
           </a:p>
           <a:p>
@@ -29016,14 +29078,7 @@
                 <a:latin typeface="Segoe UI" panose="020B0502040204020203" pitchFamily="34" charset="0"/>
                 <a:cs typeface="Segoe UI" panose="020B0502040204020203" pitchFamily="34" charset="0"/>
               </a:rPr>
-              <a:t> </a:t>
-            </a:r>
-            <a:r>
-              <a:rPr lang="en-US" sz="1800" dirty="0" smtClean="0">
-                <a:latin typeface="Segoe UI" panose="020B0502040204020203" pitchFamily="34" charset="0"/>
-                <a:cs typeface="Segoe UI" panose="020B0502040204020203" pitchFamily="34" charset="0"/>
-              </a:rPr>
-              <a:t>services.</a:t>
+              <a:t> services.</a:t>
             </a:r>
           </a:p>
           <a:p>
@@ -29067,10 +29122,6 @@
               </a:rPr>
               <a:t>and has a bounded context.</a:t>
             </a:r>
-            <a:endParaRPr lang="en-US" sz="1800" dirty="0" smtClean="0">
-              <a:latin typeface="Segoe UI" panose="020B0502040204020203" pitchFamily="34" charset="0"/>
-              <a:cs typeface="Segoe UI" panose="020B0502040204020203" pitchFamily="34" charset="0"/>
-            </a:endParaRPr>
           </a:p>
           <a:p>
             <a:pPr>
@@ -32863,11 +32914,11 @@
   <p:clrMapOvr>
     <a:masterClrMapping/>
   </p:clrMapOvr>
-  <mc:AlternateContent xmlns:mc="http://schemas.openxmlformats.org/markup-compatibility/2006">
-    <mc:Choice xmlns:p14="http://schemas.microsoft.com/office/powerpoint/2010/main" Requires="p14">
+  <mc:AlternateContent xmlns:mc="http://schemas.openxmlformats.org/markup-compatibility/2006" xmlns:p14="http://schemas.microsoft.com/office/powerpoint/2010/main">
+    <mc:Choice Requires="p14">
       <p:transition p14:dur="10"/>
     </mc:Choice>
-    <mc:Fallback>
+    <mc:Fallback xmlns="">
       <p:transition/>
     </mc:Fallback>
   </mc:AlternateContent>
@@ -34142,7 +34193,6 @@
               <a:rPr lang="en-US" sz="1600" dirty="0" smtClean="0"/>
               <a:t>(.NET)</a:t>
             </a:r>
-            <a:endParaRPr lang="en-US" sz="1600" dirty="0" smtClean="0"/>
           </a:p>
         </p:txBody>
       </p:sp>
@@ -34465,15 +34515,7 @@
                   <a:schemeClr val="bg1"/>
                 </a:solidFill>
               </a:rPr>
-              <a:t>Isn't </a:t>
-            </a:r>
-            <a:r>
-              <a:rPr lang="en-US" sz="4800" dirty="0" smtClean="0">
-                <a:solidFill>
-                  <a:schemeClr val="bg1"/>
-                </a:solidFill>
-              </a:rPr>
-              <a:t>SOA the same?</a:t>
+              <a:t>Isn't SOA the same?</a:t>
             </a:r>
             <a:endParaRPr lang="en-US" sz="4800" dirty="0">
               <a:solidFill>
@@ -35963,27 +36005,27 @@
               <a:defRPr/>
             </a:pPr>
             <a:r>
-              <a:rPr lang="en-US" sz="1700" dirty="0" smtClean="0">
+              <a:rPr lang="en-US" sz="1800" dirty="0" smtClean="0">
                 <a:latin typeface="Segoe UI" panose="020B0502040204020203" pitchFamily="34" charset="0"/>
                 <a:cs typeface="Segoe UI" panose="020B0502040204020203" pitchFamily="34" charset="0"/>
               </a:rPr>
               <a:t>Technology diversity </a:t>
             </a:r>
             <a:r>
-              <a:rPr lang="en-US" sz="1700" dirty="0">
+              <a:rPr lang="en-US" sz="1800" dirty="0">
                 <a:latin typeface="Segoe UI" panose="020B0502040204020203" pitchFamily="34" charset="0"/>
                 <a:cs typeface="Segoe UI" panose="020B0502040204020203" pitchFamily="34" charset="0"/>
               </a:rPr>
               <a:t>(.NET, Java, Node etc</a:t>
             </a:r>
             <a:r>
-              <a:rPr lang="en-US" sz="1700" dirty="0" smtClean="0">
+              <a:rPr lang="en-US" sz="1800" dirty="0" smtClean="0">
                 <a:latin typeface="Segoe UI" panose="020B0502040204020203" pitchFamily="34" charset="0"/>
                 <a:cs typeface="Segoe UI" panose="020B0502040204020203" pitchFamily="34" charset="0"/>
               </a:rPr>
               <a:t>…) </a:t>
             </a:r>
-            <a:endParaRPr lang="en-US" sz="1700" dirty="0">
+            <a:endParaRPr lang="en-US" sz="1800" dirty="0">
               <a:latin typeface="Segoe UI" panose="020B0502040204020203" pitchFamily="34" charset="0"/>
               <a:cs typeface="Segoe UI" panose="020B0502040204020203" pitchFamily="34" charset="0"/>
             </a:endParaRPr>
@@ -36002,20 +36044,13 @@
               <a:defRPr/>
             </a:pPr>
             <a:r>
-              <a:rPr lang="en-US" sz="1700" dirty="0" smtClean="0">
+              <a:rPr lang="en-US" sz="1800" dirty="0" smtClean="0">
                 <a:latin typeface="Segoe UI" panose="020B0502040204020203" pitchFamily="34" charset="0"/>
                 <a:cs typeface="Segoe UI" panose="020B0502040204020203" pitchFamily="34" charset="0"/>
               </a:rPr>
-              <a:t>Resilience &amp; </a:t>
-            </a:r>
-            <a:r>
-              <a:rPr lang="en-US" sz="1700" dirty="0" smtClean="0">
-                <a:latin typeface="Segoe UI" panose="020B0502040204020203" pitchFamily="34" charset="0"/>
-                <a:cs typeface="Segoe UI" panose="020B0502040204020203" pitchFamily="34" charset="0"/>
-              </a:rPr>
-              <a:t>Autonomous services (Self managed services)</a:t>
-            </a:r>
-            <a:endParaRPr lang="en-US" sz="1700" dirty="0" smtClean="0">
+              <a:t>Resilience </a:t>
+            </a:r>
+            <a:endParaRPr lang="en-US" sz="1800" dirty="0">
               <a:latin typeface="Segoe UI" panose="020B0502040204020203" pitchFamily="34" charset="0"/>
               <a:cs typeface="Segoe UI" panose="020B0502040204020203" pitchFamily="34" charset="0"/>
             </a:endParaRPr>
@@ -36034,30 +36069,12 @@
               <a:defRPr/>
             </a:pPr>
             <a:r>
-              <a:rPr lang="en-US" sz="1700" dirty="0" smtClean="0">
+              <a:rPr lang="en-US" sz="1800" dirty="0" smtClean="0">
                 <a:latin typeface="Segoe UI" panose="020B0502040204020203" pitchFamily="34" charset="0"/>
                 <a:cs typeface="Segoe UI" panose="020B0502040204020203" pitchFamily="34" charset="0"/>
               </a:rPr>
-              <a:t>High </a:t>
-            </a:r>
-            <a:r>
-              <a:rPr lang="en-US" sz="1700" dirty="0" smtClean="0">
-                <a:latin typeface="Segoe UI" panose="020B0502040204020203" pitchFamily="34" charset="0"/>
-                <a:cs typeface="Segoe UI" panose="020B0502040204020203" pitchFamily="34" charset="0"/>
-              </a:rPr>
-              <a:t>reliability and </a:t>
-            </a:r>
-            <a:r>
-              <a:rPr lang="en-US" sz="1700" dirty="0" smtClean="0">
-                <a:latin typeface="Segoe UI" panose="020B0502040204020203" pitchFamily="34" charset="0"/>
-                <a:cs typeface="Segoe UI" panose="020B0502040204020203" pitchFamily="34" charset="0"/>
-              </a:rPr>
-              <a:t>availability</a:t>
-            </a:r>
-            <a:endParaRPr lang="en-US" sz="1700" dirty="0" smtClean="0">
-              <a:latin typeface="Segoe UI" panose="020B0502040204020203" pitchFamily="34" charset="0"/>
-              <a:cs typeface="Segoe UI" panose="020B0502040204020203" pitchFamily="34" charset="0"/>
-            </a:endParaRPr>
+              <a:t>Autonomous services</a:t>
+            </a:r>
           </a:p>
           <a:p>
             <a:pPr lvl="1">
@@ -36073,16 +36090,19 @@
               <a:defRPr/>
             </a:pPr>
             <a:r>
-              <a:rPr lang="en-US" sz="1700" dirty="0" smtClean="0">
+              <a:rPr lang="en-US" sz="1800" dirty="0" smtClean="0">
                 <a:latin typeface="Segoe UI" panose="020B0502040204020203" pitchFamily="34" charset="0"/>
                 <a:cs typeface="Segoe UI" panose="020B0502040204020203" pitchFamily="34" charset="0"/>
               </a:rPr>
-              <a:t>Individually scalable services</a:t>
-            </a:r>
-            <a:endParaRPr lang="en-US" sz="1700" dirty="0">
-              <a:latin typeface="Segoe UI" panose="020B0502040204020203" pitchFamily="34" charset="0"/>
-              <a:cs typeface="Segoe UI" panose="020B0502040204020203" pitchFamily="34" charset="0"/>
-            </a:endParaRPr>
+              <a:t>High </a:t>
+            </a:r>
+            <a:r>
+              <a:rPr lang="en-US" sz="1800" dirty="0" smtClean="0">
+                <a:latin typeface="Segoe UI" panose="020B0502040204020203" pitchFamily="34" charset="0"/>
+                <a:cs typeface="Segoe UI" panose="020B0502040204020203" pitchFamily="34" charset="0"/>
+              </a:rPr>
+              <a:t>reliability and availability</a:t>
+            </a:r>
           </a:p>
           <a:p>
             <a:pPr lvl="1">
@@ -36098,28 +36118,46 @@
               <a:defRPr/>
             </a:pPr>
             <a:r>
-              <a:rPr lang="en-US" sz="1700" dirty="0" smtClean="0">
+              <a:rPr lang="en-US" sz="1800" dirty="0" smtClean="0">
                 <a:latin typeface="Segoe UI" panose="020B0502040204020203" pitchFamily="34" charset="0"/>
                 <a:cs typeface="Segoe UI" panose="020B0502040204020203" pitchFamily="34" charset="0"/>
               </a:rPr>
-              <a:t>Expecting </a:t>
-            </a:r>
-            <a:r>
-              <a:rPr lang="en-US" sz="1700" dirty="0" smtClean="0">
+              <a:t>Individually scalable services</a:t>
+            </a:r>
+            <a:endParaRPr lang="en-US" sz="1800" dirty="0">
+              <a:latin typeface="Segoe UI" panose="020B0502040204020203" pitchFamily="34" charset="0"/>
+              <a:cs typeface="Segoe UI" panose="020B0502040204020203" pitchFamily="34" charset="0"/>
+            </a:endParaRPr>
+          </a:p>
+          <a:p>
+            <a:pPr lvl="1">
+              <a:lnSpc>
+                <a:spcPct val="150000"/>
+              </a:lnSpc>
+              <a:spcBef>
+                <a:spcPts val="0"/>
+              </a:spcBef>
+              <a:spcAft>
+                <a:spcPts val="0"/>
+              </a:spcAft>
+              <a:defRPr/>
+            </a:pPr>
+            <a:r>
+              <a:rPr lang="en-US" sz="1800" dirty="0" smtClean="0">
                 <a:latin typeface="Segoe UI" panose="020B0502040204020203" pitchFamily="34" charset="0"/>
                 <a:cs typeface="Segoe UI" panose="020B0502040204020203" pitchFamily="34" charset="0"/>
               </a:rPr>
-              <a:t>ease </a:t>
-            </a:r>
-            <a:r>
-              <a:rPr lang="en-US" sz="1700" dirty="0">
+              <a:t>Expecting ease </a:t>
+            </a:r>
+            <a:r>
+              <a:rPr lang="en-US" sz="1800" dirty="0">
                 <a:latin typeface="Segoe UI" panose="020B0502040204020203" pitchFamily="34" charset="0"/>
                 <a:cs typeface="Segoe UI" panose="020B0502040204020203" pitchFamily="34" charset="0"/>
               </a:rPr>
               <a:t>of </a:t>
             </a:r>
             <a:r>
-              <a:rPr lang="en-US" sz="1700" dirty="0" smtClean="0">
+              <a:rPr lang="en-US" sz="1800" dirty="0" smtClean="0">
                 <a:latin typeface="Segoe UI" panose="020B0502040204020203" pitchFamily="34" charset="0"/>
                 <a:cs typeface="Segoe UI" panose="020B0502040204020203" pitchFamily="34" charset="0"/>
               </a:rPr>
@@ -36142,7 +36180,7 @@
               <a:defRPr/>
             </a:pPr>
             <a:r>
-              <a:rPr lang="en-US" sz="1700" dirty="0" smtClean="0">
+              <a:rPr lang="en-US" sz="1800" dirty="0" smtClean="0">
                 <a:latin typeface="Segoe UI" panose="020B0502040204020203" pitchFamily="34" charset="0"/>
                 <a:cs typeface="Segoe UI" panose="020B0502040204020203" pitchFamily="34" charset="0"/>
               </a:rPr>
@@ -36165,20 +36203,20 @@
               <a:defRPr/>
             </a:pPr>
             <a:r>
-              <a:rPr lang="en-US" sz="1700" dirty="0">
+              <a:rPr lang="en-US" sz="1800" dirty="0">
                 <a:latin typeface="Segoe UI" panose="020B0502040204020203" pitchFamily="34" charset="0"/>
                 <a:cs typeface="Segoe UI" panose="020B0502040204020203" pitchFamily="34" charset="0"/>
               </a:rPr>
               <a:t>Service upgrade with ensure zero down time (Rolling </a:t>
             </a:r>
             <a:r>
-              <a:rPr lang="en-US" sz="1700" dirty="0" smtClean="0">
+              <a:rPr lang="en-US" sz="1800" dirty="0" smtClean="0">
                 <a:latin typeface="Segoe UI" panose="020B0502040204020203" pitchFamily="34" charset="0"/>
                 <a:cs typeface="Segoe UI" panose="020B0502040204020203" pitchFamily="34" charset="0"/>
               </a:rPr>
               <a:t>updates, Blue/Green deployment)</a:t>
             </a:r>
-            <a:endParaRPr lang="en-US" sz="1700" dirty="0">
+            <a:endParaRPr lang="en-US" sz="1800" dirty="0">
               <a:latin typeface="Segoe UI" panose="020B0502040204020203" pitchFamily="34" charset="0"/>
               <a:cs typeface="Segoe UI" panose="020B0502040204020203" pitchFamily="34" charset="0"/>
             </a:endParaRPr>
@@ -36197,32 +36235,25 @@
               <a:defRPr/>
             </a:pPr>
             <a:r>
-              <a:rPr lang="en-US" sz="1700" dirty="0" smtClean="0">
+              <a:rPr lang="en-US" sz="1800" dirty="0" smtClean="0">
                 <a:latin typeface="Segoe UI" panose="020B0502040204020203" pitchFamily="34" charset="0"/>
                 <a:cs typeface="Segoe UI" panose="020B0502040204020203" pitchFamily="34" charset="0"/>
               </a:rPr>
               <a:t>If you </a:t>
             </a:r>
             <a:r>
-              <a:rPr lang="en-US" sz="1700" dirty="0">
+              <a:rPr lang="en-US" sz="1800" dirty="0">
                 <a:latin typeface="Segoe UI" panose="020B0502040204020203" pitchFamily="34" charset="0"/>
                 <a:cs typeface="Segoe UI" panose="020B0502040204020203" pitchFamily="34" charset="0"/>
               </a:rPr>
               <a:t>n</a:t>
             </a:r>
             <a:r>
-              <a:rPr lang="en-US" sz="1700" dirty="0" smtClean="0">
+              <a:rPr lang="en-US" sz="1800" dirty="0" smtClean="0">
                 <a:latin typeface="Segoe UI" panose="020B0502040204020203" pitchFamily="34" charset="0"/>
                 <a:cs typeface="Segoe UI" panose="020B0502040204020203" pitchFamily="34" charset="0"/>
               </a:rPr>
-              <a:t>eed organizational </a:t>
-            </a:r>
-            <a:r>
-              <a:rPr lang="en-US" sz="1700" dirty="0" smtClean="0">
-                <a:latin typeface="Segoe UI" panose="020B0502040204020203" pitchFamily="34" charset="0"/>
-                <a:cs typeface="Segoe UI" panose="020B0502040204020203" pitchFamily="34" charset="0"/>
-              </a:rPr>
-              <a:t>alignment</a:t>
+              <a:t>eed organizational alignment</a:t>
             </a:r>
           </a:p>
           <a:p>
@@ -36241,13 +36272,13 @@
               <a:defRPr/>
             </a:pPr>
             <a:r>
-              <a:rPr lang="en-US" sz="1700" dirty="0" smtClean="0">
+              <a:rPr lang="en-US" sz="1800" dirty="0" smtClean="0">
                 <a:latin typeface="Segoe UI" panose="020B0502040204020203" pitchFamily="34" charset="0"/>
                 <a:cs typeface="Segoe UI" panose="020B0502040204020203" pitchFamily="34" charset="0"/>
               </a:rPr>
               <a:t>Full stack development team for each department </a:t>
             </a:r>
-            <a:endParaRPr lang="en-US" sz="1700" dirty="0">
+            <a:endParaRPr lang="en-US" sz="1800" dirty="0">
               <a:latin typeface="Segoe UI" panose="020B0502040204020203" pitchFamily="34" charset="0"/>
               <a:cs typeface="Segoe UI" panose="020B0502040204020203" pitchFamily="34" charset="0"/>
             </a:endParaRPr>
@@ -36266,18 +36297,11 @@
               <a:defRPr/>
             </a:pPr>
             <a:r>
-              <a:rPr lang="en-US" sz="1700" dirty="0" smtClean="0">
+              <a:rPr lang="en-US" sz="1800" dirty="0" smtClean="0">
                 <a:latin typeface="Segoe UI" panose="020B0502040204020203" pitchFamily="34" charset="0"/>
                 <a:cs typeface="Segoe UI" panose="020B0502040204020203" pitchFamily="34" charset="0"/>
               </a:rPr>
-              <a:t>Increase </a:t>
-            </a:r>
-            <a:r>
-              <a:rPr lang="en-US" sz="1700" dirty="0" smtClean="0">
-                <a:latin typeface="Segoe UI" panose="020B0502040204020203" pitchFamily="34" charset="0"/>
-                <a:cs typeface="Segoe UI" panose="020B0502040204020203" pitchFamily="34" charset="0"/>
-              </a:rPr>
-              <a:t>developer productivity </a:t>
+              <a:t>Increase developer productivity </a:t>
             </a:r>
           </a:p>
           <a:p>
@@ -36296,13 +36320,13 @@
               <a:defRPr/>
             </a:pPr>
             <a:r>
-              <a:rPr lang="en-US" sz="1700" dirty="0" smtClean="0">
+              <a:rPr lang="en-US" sz="1800" dirty="0" smtClean="0">
                 <a:latin typeface="Segoe UI" panose="020B0502040204020203" pitchFamily="34" charset="0"/>
                 <a:cs typeface="Segoe UI" panose="020B0502040204020203" pitchFamily="34" charset="0"/>
               </a:rPr>
               <a:t>Faster trouble shooting using service monitoring</a:t>
             </a:r>
-            <a:endParaRPr lang="en-US" sz="1700" dirty="0">
+            <a:endParaRPr lang="en-US" sz="1800" dirty="0">
               <a:latin typeface="Segoe UI" panose="020B0502040204020203" pitchFamily="34" charset="0"/>
               <a:cs typeface="Segoe UI" panose="020B0502040204020203" pitchFamily="34" charset="0"/>
             </a:endParaRPr>
@@ -36323,7 +36347,7 @@
               <a:defRPr/>
             </a:pPr>
             <a:r>
-              <a:rPr lang="en-US" sz="1700" dirty="0" smtClean="0">
+              <a:rPr lang="en-US" sz="1800" dirty="0" smtClean="0">
                 <a:latin typeface="Segoe UI" panose="020B0502040204020203" pitchFamily="34" charset="0"/>
                 <a:cs typeface="Segoe UI" panose="020B0502040204020203" pitchFamily="34" charset="0"/>
               </a:rPr>
@@ -36640,15 +36664,33 @@
                                   </p:childTnLst>
                                 </p:cTn>
                               </p:par>
+                            </p:childTnLst>
+                          </p:cTn>
+                        </p:par>
+                      </p:childTnLst>
+                    </p:cTn>
+                  </p:par>
+                  <p:par>
+                    <p:cTn id="23" fill="hold">
+                      <p:stCondLst>
+                        <p:cond delay="indefinite"/>
+                      </p:stCondLst>
+                      <p:childTnLst>
+                        <p:par>
+                          <p:cTn id="24" fill="hold">
+                            <p:stCondLst>
+                              <p:cond delay="0"/>
+                            </p:stCondLst>
+                            <p:childTnLst>
                               <p:par>
-                                <p:cTn id="23" presetID="1" presetClass="entr" presetSubtype="0" fill="hold" grpId="0" nodeType="withEffect">
+                                <p:cTn id="25" presetID="1" presetClass="entr" presetSubtype="0" fill="hold" grpId="0" nodeType="clickEffect">
                                   <p:stCondLst>
                                     <p:cond delay="0"/>
                                   </p:stCondLst>
                                   <p:childTnLst>
                                     <p:set>
                                       <p:cBhvr>
-                                        <p:cTn id="24" dur="1" fill="hold">
+                                        <p:cTn id="26" dur="1" fill="hold">
                                           <p:stCondLst>
                                             <p:cond delay="0"/>
                                           </p:stCondLst>
@@ -36671,26 +36713,8 @@
                                   </p:childTnLst>
                                 </p:cTn>
                               </p:par>
-                            </p:childTnLst>
-                          </p:cTn>
-                        </p:par>
-                      </p:childTnLst>
-                    </p:cTn>
-                  </p:par>
-                  <p:par>
-                    <p:cTn id="25" fill="hold">
-                      <p:stCondLst>
-                        <p:cond delay="indefinite"/>
-                      </p:stCondLst>
-                      <p:childTnLst>
-                        <p:par>
-                          <p:cTn id="26" fill="hold">
-                            <p:stCondLst>
-                              <p:cond delay="0"/>
-                            </p:stCondLst>
-                            <p:childTnLst>
                               <p:par>
-                                <p:cTn id="27" presetID="1" presetClass="entr" presetSubtype="0" fill="hold" grpId="0" nodeType="clickEffect">
+                                <p:cTn id="27" presetID="1" presetClass="entr" presetSubtype="0" fill="hold" grpId="0" nodeType="withEffect">
                                   <p:stCondLst>
                                     <p:cond delay="0"/>
                                   </p:stCondLst>
@@ -36769,15 +36793,33 @@
                                   </p:childTnLst>
                                 </p:cTn>
                               </p:par>
+                            </p:childTnLst>
+                          </p:cTn>
+                        </p:par>
+                      </p:childTnLst>
+                    </p:cTn>
+                  </p:par>
+                  <p:par>
+                    <p:cTn id="33" fill="hold">
+                      <p:stCondLst>
+                        <p:cond delay="indefinite"/>
+                      </p:stCondLst>
+                      <p:childTnLst>
+                        <p:par>
+                          <p:cTn id="34" fill="hold">
+                            <p:stCondLst>
+                              <p:cond delay="0"/>
+                            </p:stCondLst>
+                            <p:childTnLst>
                               <p:par>
-                                <p:cTn id="33" presetID="1" presetClass="entr" presetSubtype="0" fill="hold" grpId="0" nodeType="withEffect">
+                                <p:cTn id="35" presetID="1" presetClass="entr" presetSubtype="0" fill="hold" grpId="0" nodeType="clickEffect">
                                   <p:stCondLst>
                                     <p:cond delay="0"/>
                                   </p:stCondLst>
                                   <p:childTnLst>
                                     <p:set>
                                       <p:cBhvr>
-                                        <p:cTn id="34" dur="1" fill="hold">
+                                        <p:cTn id="36" dur="1" fill="hold">
                                           <p:stCondLst>
                                             <p:cond delay="0"/>
                                           </p:stCondLst>
@@ -36800,26 +36842,8 @@
                                   </p:childTnLst>
                                 </p:cTn>
                               </p:par>
-                            </p:childTnLst>
-                          </p:cTn>
-                        </p:par>
-                      </p:childTnLst>
-                    </p:cTn>
-                  </p:par>
-                  <p:par>
-                    <p:cTn id="35" fill="hold">
-                      <p:stCondLst>
-                        <p:cond delay="indefinite"/>
-                      </p:stCondLst>
-                      <p:childTnLst>
-                        <p:par>
-                          <p:cTn id="36" fill="hold">
-                            <p:stCondLst>
-                              <p:cond delay="0"/>
-                            </p:stCondLst>
-                            <p:childTnLst>
                               <p:par>
-                                <p:cTn id="37" presetID="1" presetClass="entr" presetSubtype="0" fill="hold" grpId="0" nodeType="clickEffect">
+                                <p:cTn id="37" presetID="1" presetClass="entr" presetSubtype="0" fill="hold" grpId="0" nodeType="withEffect">
                                   <p:stCondLst>
                                     <p:cond delay="0"/>
                                   </p:stCondLst>
@@ -36953,6 +36977,55 @@
                       </p:childTnLst>
                     </p:cTn>
                   </p:par>
+                  <p:par>
+                    <p:cTn id="47" fill="hold">
+                      <p:stCondLst>
+                        <p:cond delay="indefinite"/>
+                      </p:stCondLst>
+                      <p:childTnLst>
+                        <p:par>
+                          <p:cTn id="48" fill="hold">
+                            <p:stCondLst>
+                              <p:cond delay="0"/>
+                            </p:stCondLst>
+                            <p:childTnLst>
+                              <p:par>
+                                <p:cTn id="49" presetID="1" presetClass="entr" presetSubtype="0" fill="hold" grpId="0" nodeType="clickEffect">
+                                  <p:stCondLst>
+                                    <p:cond delay="0"/>
+                                  </p:stCondLst>
+                                  <p:childTnLst>
+                                    <p:set>
+                                      <p:cBhvr>
+                                        <p:cTn id="50" dur="1" fill="hold">
+                                          <p:stCondLst>
+                                            <p:cond delay="0"/>
+                                          </p:stCondLst>
+                                        </p:cTn>
+                                        <p:tgtEl>
+                                          <p:spTgt spid="38">
+                                            <p:txEl>
+                                              <p:pRg st="12" end="12"/>
+                                            </p:txEl>
+                                          </p:spTgt>
+                                        </p:tgtEl>
+                                        <p:attrNameLst>
+                                          <p:attrName>style.visibility</p:attrName>
+                                        </p:attrNameLst>
+                                      </p:cBhvr>
+                                      <p:to>
+                                        <p:strVal val="visible"/>
+                                      </p:to>
+                                    </p:set>
+                                  </p:childTnLst>
+                                </p:cTn>
+                              </p:par>
+                            </p:childTnLst>
+                          </p:cTn>
+                        </p:par>
+                      </p:childTnLst>
+                    </p:cTn>
+                  </p:par>
                 </p:childTnLst>
               </p:cTn>
               <p:prevCondLst>
@@ -37231,14 +37304,7 @@
                 <a:latin typeface="Segoe UI" panose="020B0502040204020203" pitchFamily="34" charset="0"/>
                 <a:cs typeface="Segoe UI" panose="020B0502040204020203" pitchFamily="34" charset="0"/>
               </a:rPr>
-              <a:t>If the solution is </a:t>
-            </a:r>
-            <a:r>
-              <a:rPr lang="en-US" sz="1800" dirty="0" smtClean="0">
-                <a:latin typeface="Segoe UI" panose="020B0502040204020203" pitchFamily="34" charset="0"/>
-                <a:cs typeface="Segoe UI" panose="020B0502040204020203" pitchFamily="34" charset="0"/>
-              </a:rPr>
-              <a:t>simple</a:t>
+              <a:t>If the solution is simple</a:t>
             </a:r>
           </a:p>
           <a:p>
@@ -37261,10 +37327,6 @@
               </a:rPr>
               <a:t>When you don’t have full stack developers</a:t>
             </a:r>
-            <a:endParaRPr lang="en-US" sz="1800" dirty="0" smtClean="0">
-              <a:latin typeface="Segoe UI" panose="020B0502040204020203" pitchFamily="34" charset="0"/>
-              <a:cs typeface="Segoe UI" panose="020B0502040204020203" pitchFamily="34" charset="0"/>
-            </a:endParaRPr>
           </a:p>
           <a:p>
             <a:pPr lvl="1">
@@ -37301,10 +37363,6 @@
               </a:rPr>
               <a:t>expertise</a:t>
             </a:r>
-            <a:endParaRPr lang="en-US" sz="1800" dirty="0" smtClean="0">
-              <a:latin typeface="Segoe UI" panose="020B0502040204020203" pitchFamily="34" charset="0"/>
-              <a:cs typeface="Segoe UI" panose="020B0502040204020203" pitchFamily="34" charset="0"/>
-            </a:endParaRPr>
           </a:p>
           <a:p>
             <a:pPr lvl="1">
@@ -37324,19 +37382,8 @@
                 <a:latin typeface="Segoe UI" panose="020B0502040204020203" pitchFamily="34" charset="0"/>
                 <a:cs typeface="Segoe UI" panose="020B0502040204020203" pitchFamily="34" charset="0"/>
               </a:rPr>
-              <a:t>When performance is more important than reliability and </a:t>
-            </a:r>
-            <a:r>
-              <a:rPr lang="en-US" sz="1800" dirty="0" smtClean="0">
-                <a:latin typeface="Segoe UI" panose="020B0502040204020203" pitchFamily="34" charset="0"/>
-                <a:cs typeface="Segoe UI" panose="020B0502040204020203" pitchFamily="34" charset="0"/>
-              </a:rPr>
-              <a:t>availability</a:t>
-            </a:r>
-            <a:endParaRPr lang="en-US" sz="1800" dirty="0" smtClean="0">
-              <a:latin typeface="Segoe UI" panose="020B0502040204020203" pitchFamily="34" charset="0"/>
-              <a:cs typeface="Segoe UI" panose="020B0502040204020203" pitchFamily="34" charset="0"/>
-            </a:endParaRPr>
+              <a:t>When performance is more important than reliability and availability</a:t>
+            </a:r>
           </a:p>
           <a:p>
             <a:pPr lvl="1">
@@ -37377,8 +37424,26 @@
                 <a:latin typeface="Segoe UI" panose="020B0502040204020203" pitchFamily="34" charset="0"/>
                 <a:cs typeface="Segoe UI" panose="020B0502040204020203" pitchFamily="34" charset="0"/>
               </a:rPr>
-              <a:t>If you need to deliver a complete solution fast</a:t>
-            </a:r>
+              <a:t>If </a:t>
+            </a:r>
+            <a:r>
+              <a:rPr lang="en-US" sz="1800" dirty="0" smtClean="0">
+                <a:latin typeface="Segoe UI" panose="020B0502040204020203" pitchFamily="34" charset="0"/>
+                <a:cs typeface="Segoe UI" panose="020B0502040204020203" pitchFamily="34" charset="0"/>
+              </a:rPr>
+              <a:t>your delivery is more important than spending </a:t>
+            </a:r>
+            <a:r>
+              <a:rPr lang="en-US" sz="1800" dirty="0" smtClean="0">
+                <a:latin typeface="Segoe UI" panose="020B0502040204020203" pitchFamily="34" charset="0"/>
+                <a:cs typeface="Segoe UI" panose="020B0502040204020203" pitchFamily="34" charset="0"/>
+              </a:rPr>
+              <a:t>time on design</a:t>
+            </a:r>
+            <a:endParaRPr lang="en-US" sz="1800" dirty="0" smtClean="0">
+              <a:latin typeface="Segoe UI" panose="020B0502040204020203" pitchFamily="34" charset="0"/>
+              <a:cs typeface="Segoe UI" panose="020B0502040204020203" pitchFamily="34" charset="0"/>
+            </a:endParaRPr>
           </a:p>
           <a:p>
             <a:pPr lvl="1">
@@ -37398,19 +37463,8 @@
                 <a:latin typeface="Segoe UI" panose="020B0502040204020203" pitchFamily="34" charset="0"/>
                 <a:cs typeface="Segoe UI" panose="020B0502040204020203" pitchFamily="34" charset="0"/>
               </a:rPr>
-              <a:t>Testing services is a </a:t>
-            </a:r>
-            <a:r>
-              <a:rPr lang="en-US" sz="1800" dirty="0" smtClean="0">
-                <a:latin typeface="Segoe UI" panose="020B0502040204020203" pitchFamily="34" charset="0"/>
-                <a:cs typeface="Segoe UI" panose="020B0502040204020203" pitchFamily="34" charset="0"/>
-              </a:rPr>
-              <a:t>relatively cumbersome</a:t>
-            </a:r>
-            <a:endParaRPr lang="en-US" sz="1800" dirty="0" smtClean="0">
-              <a:latin typeface="Segoe UI" panose="020B0502040204020203" pitchFamily="34" charset="0"/>
-              <a:cs typeface="Segoe UI" panose="020B0502040204020203" pitchFamily="34" charset="0"/>
-            </a:endParaRPr>
+              <a:t>Testing services is a relatively cumbersome</a:t>
+            </a:r>
           </a:p>
           <a:p>
             <a:pPr lvl="2">
@@ -37625,15 +37679,33 @@
                                   </p:childTnLst>
                                 </p:cTn>
                               </p:par>
+                            </p:childTnLst>
+                          </p:cTn>
+                        </p:par>
+                      </p:childTnLst>
+                    </p:cTn>
+                  </p:par>
+                  <p:par>
+                    <p:cTn id="7" fill="hold">
+                      <p:stCondLst>
+                        <p:cond delay="indefinite"/>
+                      </p:stCondLst>
+                      <p:childTnLst>
+                        <p:par>
+                          <p:cTn id="8" fill="hold">
+                            <p:stCondLst>
+                              <p:cond delay="0"/>
+                            </p:stCondLst>
+                            <p:childTnLst>
                               <p:par>
-                                <p:cTn id="7" presetID="1" presetClass="entr" presetSubtype="0" fill="hold" grpId="0" nodeType="withEffect">
+                                <p:cTn id="9" presetID="1" presetClass="entr" presetSubtype="0" fill="hold" grpId="0" nodeType="clickEffect">
                                   <p:stCondLst>
                                     <p:cond delay="0"/>
                                   </p:stCondLst>
                                   <p:childTnLst>
                                     <p:set>
                                       <p:cBhvr>
-                                        <p:cTn id="8" dur="1" fill="hold">
+                                        <p:cTn id="10" dur="1" fill="hold">
                                           <p:stCondLst>
                                             <p:cond delay="0"/>
                                           </p:stCondLst>
@@ -37663,26 +37735,26 @@
                     </p:cTn>
                   </p:par>
                   <p:par>
-                    <p:cTn id="9" fill="hold">
+                    <p:cTn id="11" fill="hold">
                       <p:stCondLst>
                         <p:cond delay="indefinite"/>
                       </p:stCondLst>
                       <p:childTnLst>
                         <p:par>
-                          <p:cTn id="10" fill="hold">
+                          <p:cTn id="12" fill="hold">
                             <p:stCondLst>
                               <p:cond delay="0"/>
                             </p:stCondLst>
                             <p:childTnLst>
                               <p:par>
-                                <p:cTn id="11" presetID="1" presetClass="entr" presetSubtype="0" fill="hold" grpId="0" nodeType="clickEffect">
+                                <p:cTn id="13" presetID="1" presetClass="entr" presetSubtype="0" fill="hold" grpId="0" nodeType="clickEffect">
                                   <p:stCondLst>
                                     <p:cond delay="0"/>
                                   </p:stCondLst>
                                   <p:childTnLst>
                                     <p:set>
                                       <p:cBhvr>
-                                        <p:cTn id="12" dur="1" fill="hold">
+                                        <p:cTn id="14" dur="1" fill="hold">
                                           <p:stCondLst>
                                             <p:cond delay="0"/>
                                           </p:stCondLst>
@@ -37712,26 +37784,26 @@
                     </p:cTn>
                   </p:par>
                   <p:par>
-                    <p:cTn id="13" fill="hold">
+                    <p:cTn id="15" fill="hold">
                       <p:stCondLst>
                         <p:cond delay="indefinite"/>
                       </p:stCondLst>
                       <p:childTnLst>
                         <p:par>
-                          <p:cTn id="14" fill="hold">
+                          <p:cTn id="16" fill="hold">
                             <p:stCondLst>
                               <p:cond delay="0"/>
                             </p:stCondLst>
                             <p:childTnLst>
                               <p:par>
-                                <p:cTn id="15" presetID="1" presetClass="entr" presetSubtype="0" fill="hold" grpId="0" nodeType="clickEffect">
+                                <p:cTn id="17" presetID="1" presetClass="entr" presetSubtype="0" fill="hold" grpId="0" nodeType="clickEffect">
                                   <p:stCondLst>
                                     <p:cond delay="0"/>
                                   </p:stCondLst>
                                   <p:childTnLst>
                                     <p:set>
                                       <p:cBhvr>
-                                        <p:cTn id="16" dur="1" fill="hold">
+                                        <p:cTn id="18" dur="1" fill="hold">
                                           <p:stCondLst>
                                             <p:cond delay="0"/>
                                           </p:stCondLst>
@@ -37761,26 +37833,26 @@
                     </p:cTn>
                   </p:par>
                   <p:par>
-                    <p:cTn id="17" fill="hold">
+                    <p:cTn id="19" fill="hold">
                       <p:stCondLst>
                         <p:cond delay="indefinite"/>
                       </p:stCondLst>
                       <p:childTnLst>
                         <p:par>
-                          <p:cTn id="18" fill="hold">
+                          <p:cTn id="20" fill="hold">
                             <p:stCondLst>
                               <p:cond delay="0"/>
                             </p:stCondLst>
                             <p:childTnLst>
                               <p:par>
-                                <p:cTn id="19" presetID="1" presetClass="entr" presetSubtype="0" fill="hold" grpId="0" nodeType="clickEffect">
+                                <p:cTn id="21" presetID="1" presetClass="entr" presetSubtype="0" fill="hold" grpId="0" nodeType="clickEffect">
                                   <p:stCondLst>
                                     <p:cond delay="0"/>
                                   </p:stCondLst>
                                   <p:childTnLst>
                                     <p:set>
                                       <p:cBhvr>
-                                        <p:cTn id="20" dur="1" fill="hold">
+                                        <p:cTn id="22" dur="1" fill="hold">
                                           <p:stCondLst>
                                             <p:cond delay="0"/>
                                           </p:stCondLst>
@@ -37810,26 +37882,26 @@
                     </p:cTn>
                   </p:par>
                   <p:par>
-                    <p:cTn id="21" fill="hold">
+                    <p:cTn id="23" fill="hold">
                       <p:stCondLst>
                         <p:cond delay="indefinite"/>
                       </p:stCondLst>
                       <p:childTnLst>
                         <p:par>
-                          <p:cTn id="22" fill="hold">
+                          <p:cTn id="24" fill="hold">
                             <p:stCondLst>
                               <p:cond delay="0"/>
                             </p:stCondLst>
                             <p:childTnLst>
                               <p:par>
-                                <p:cTn id="23" presetID="1" presetClass="entr" presetSubtype="0" fill="hold" grpId="0" nodeType="clickEffect">
+                                <p:cTn id="25" presetID="1" presetClass="entr" presetSubtype="0" fill="hold" grpId="0" nodeType="clickEffect">
                                   <p:stCondLst>
                                     <p:cond delay="0"/>
                                   </p:stCondLst>
                                   <p:childTnLst>
                                     <p:set>
                                       <p:cBhvr>
-                                        <p:cTn id="24" dur="1" fill="hold">
+                                        <p:cTn id="26" dur="1" fill="hold">
                                           <p:stCondLst>
                                             <p:cond delay="0"/>
                                           </p:stCondLst>
@@ -37859,26 +37931,26 @@
                     </p:cTn>
                   </p:par>
                   <p:par>
-                    <p:cTn id="25" fill="hold">
+                    <p:cTn id="27" fill="hold">
                       <p:stCondLst>
                         <p:cond delay="indefinite"/>
                       </p:stCondLst>
                       <p:childTnLst>
                         <p:par>
-                          <p:cTn id="26" fill="hold">
+                          <p:cTn id="28" fill="hold">
                             <p:stCondLst>
                               <p:cond delay="0"/>
                             </p:stCondLst>
                             <p:childTnLst>
                               <p:par>
-                                <p:cTn id="27" presetID="1" presetClass="entr" presetSubtype="0" fill="hold" grpId="0" nodeType="clickEffect">
+                                <p:cTn id="29" presetID="1" presetClass="entr" presetSubtype="0" fill="hold" grpId="0" nodeType="clickEffect">
                                   <p:stCondLst>
                                     <p:cond delay="0"/>
                                   </p:stCondLst>
                                   <p:childTnLst>
                                     <p:set>
                                       <p:cBhvr>
-                                        <p:cTn id="28" dur="1" fill="hold">
+                                        <p:cTn id="30" dur="1" fill="hold">
                                           <p:stCondLst>
                                             <p:cond delay="0"/>
                                           </p:stCondLst>
@@ -37902,14 +37974,14 @@
                                 </p:cTn>
                               </p:par>
                               <p:par>
-                                <p:cTn id="29" presetID="1" presetClass="entr" presetSubtype="0" fill="hold" grpId="0" nodeType="withEffect">
+                                <p:cTn id="31" presetID="1" presetClass="entr" presetSubtype="0" fill="hold" grpId="0" nodeType="withEffect">
                                   <p:stCondLst>
                                     <p:cond delay="0"/>
                                   </p:stCondLst>
                                   <p:childTnLst>
                                     <p:set>
                                       <p:cBhvr>
-                                        <p:cTn id="30" dur="1" fill="hold">
+                                        <p:cTn id="32" dur="1" fill="hold">
                                           <p:stCondLst>
                                             <p:cond delay="0"/>
                                           </p:stCondLst>
@@ -37933,14 +38005,14 @@
                                 </p:cTn>
                               </p:par>
                               <p:par>
-                                <p:cTn id="31" presetID="1" presetClass="entr" presetSubtype="0" fill="hold" grpId="0" nodeType="withEffect">
+                                <p:cTn id="33" presetID="1" presetClass="entr" presetSubtype="0" fill="hold" grpId="0" nodeType="withEffect">
                                   <p:stCondLst>
                                     <p:cond delay="0"/>
                                   </p:stCondLst>
                                   <p:childTnLst>
                                     <p:set>
                                       <p:cBhvr>
-                                        <p:cTn id="32" dur="1" fill="hold">
+                                        <p:cTn id="34" dur="1" fill="hold">
                                           <p:stCondLst>
                                             <p:cond delay="0"/>
                                           </p:stCondLst>

--- a/Documents/MicroServices.pptx
+++ b/Documents/MicroServices.pptx
@@ -6943,8 +6943,8 @@
               <a:t>. </a:t>
             </a:r>
             <a:r>
-              <a:rPr lang="en-US" b="1" baseline="0" dirty="0" smtClean="0"/>
-              <a:t>So here we are…</a:t>
+              <a:rPr lang="en-US" baseline="0" dirty="0" smtClean="0"/>
+              <a:t>We are not experts in microservices but a set of techies who love to learn new technologies.</a:t>
             </a:r>
           </a:p>
           <a:p>
@@ -6954,10 +6954,32 @@
             </a:pPr>
             <a:r>
               <a:rPr lang="en-US" baseline="0" dirty="0" smtClean="0"/>
-              <a:t>This K-talk is about Microservice since we love Microsoft, we will be talking a bit about Azure Service Fabric</a:t>
-            </a:r>
-          </a:p>
-          <a:p>
+              <a:t>This </a:t>
+            </a:r>
+            <a:r>
+              <a:rPr lang="en-US" baseline="0" dirty="0" smtClean="0"/>
+              <a:t>K-talk is about </a:t>
+            </a:r>
+            <a:r>
+              <a:rPr lang="en-US" baseline="0" dirty="0" smtClean="0"/>
+              <a:t>Microservice, </a:t>
+            </a:r>
+            <a:r>
+              <a:rPr lang="en-US" baseline="0" dirty="0" smtClean="0"/>
+              <a:t>we will be </a:t>
+            </a:r>
+            <a:r>
+              <a:rPr lang="en-US" baseline="0" dirty="0" smtClean="0"/>
+              <a:t>touching base with </a:t>
+            </a:r>
+            <a:r>
+              <a:rPr lang="en-US" baseline="0" dirty="0" smtClean="0"/>
+              <a:t>Azure Service </a:t>
+            </a:r>
+            <a:r>
+              <a:rPr lang="en-US" baseline="0" dirty="0" smtClean="0"/>
+              <a:t>Fabric. </a:t>
+            </a:r>
             <a:endParaRPr lang="en-US" dirty="0"/>
           </a:p>
         </p:txBody>
@@ -7048,11 +7070,11 @@
             </a:pPr>
             <a:r>
               <a:rPr lang="en-US" dirty="0" smtClean="0"/>
-              <a:t>This</a:t>
+              <a:t>What is the problem</a:t>
             </a:r>
             <a:r>
               <a:rPr lang="en-US" baseline="0" dirty="0" smtClean="0"/>
-              <a:t> pattern is used for fault handling in microservices.</a:t>
+              <a:t> that this pattern handles?</a:t>
             </a:r>
           </a:p>
           <a:p>
@@ -7062,7 +7084,21 @@
             </a:pPr>
             <a:r>
               <a:rPr lang="en-US" baseline="0" dirty="0" smtClean="0"/>
-              <a:t>It’s a simple state machine.</a:t>
+              <a:t>This patterns ensures that, If a service fails, we should not be ideally keep hitting that service for a response. We should give it time to self heal. </a:t>
+            </a:r>
+          </a:p>
+          <a:p>
+            <a:pPr marL="171450" indent="-171450">
+              <a:buFont typeface="Arial" panose="020B0604020202020204" pitchFamily="34" charset="0"/>
+              <a:buChar char="•"/>
+            </a:pPr>
+            <a:r>
+              <a:rPr lang="en-US" baseline="0" dirty="0" smtClean="0"/>
+              <a:t>It’s </a:t>
+            </a:r>
+            <a:r>
+              <a:rPr lang="en-US" baseline="0" dirty="0" smtClean="0"/>
+              <a:t>a simple state machine.</a:t>
             </a:r>
           </a:p>
           <a:p>
@@ -7158,29 +7194,94 @@
           <a:bodyPr/>
           <a:lstStyle/>
           <a:p>
-            <a:pPr marL="171450" indent="-171450">
+            <a:pPr marL="171450" marR="0" indent="-171450" algn="l" defTabSz="914400" rtl="0" eaLnBrk="1" fontAlgn="auto" latinLnBrk="0" hangingPunct="1">
+              <a:lnSpc>
+                <a:spcPct val="100000"/>
+              </a:lnSpc>
+              <a:spcBef>
+                <a:spcPts val="0"/>
+              </a:spcBef>
+              <a:spcAft>
+                <a:spcPts val="0"/>
+              </a:spcAft>
+              <a:buClrTx/>
+              <a:buSzTx/>
               <a:buFont typeface="Arial" panose="020B0604020202020204" pitchFamily="34" charset="0"/>
               <a:buChar char="•"/>
+              <a:tabLst/>
+              <a:defRPr/>
             </a:pPr>
             <a:r>
               <a:rPr lang="en-US" dirty="0" smtClean="0"/>
-              <a:t>Defines</a:t>
+              <a:t>What is the problem</a:t>
             </a:r>
             <a:r>
               <a:rPr lang="en-US" baseline="0" dirty="0" smtClean="0"/>
-              <a:t> how your microservices will be access by clients</a:t>
-            </a:r>
-          </a:p>
-          <a:p>
-            <a:pPr marL="171450" indent="-171450">
+              <a:t> that this pattern handles?</a:t>
+            </a:r>
+          </a:p>
+          <a:p>
+            <a:pPr marL="171450" marR="0" indent="-171450" algn="l" defTabSz="914400" rtl="0" eaLnBrk="1" fontAlgn="auto" latinLnBrk="0" hangingPunct="1">
+              <a:lnSpc>
+                <a:spcPct val="100000"/>
+              </a:lnSpc>
+              <a:spcBef>
+                <a:spcPts val="0"/>
+              </a:spcBef>
+              <a:spcAft>
+                <a:spcPts val="0"/>
+              </a:spcAft>
+              <a:buClrTx/>
+              <a:buSzTx/>
               <a:buFont typeface="Arial" panose="020B0604020202020204" pitchFamily="34" charset="0"/>
               <a:buChar char="•"/>
+              <a:tabLst/>
+              <a:defRPr/>
             </a:pPr>
             <a:r>
               <a:rPr lang="en-US" baseline="0" dirty="0" smtClean="0"/>
-              <a:t>Exposes a single entry-point to multiple services</a:t>
-            </a:r>
-            <a:endParaRPr lang="en-US" dirty="0"/>
+              <a:t>In a </a:t>
+            </a:r>
+            <a:r>
+              <a:rPr lang="en-US" baseline="0" dirty="0" err="1" smtClean="0"/>
+              <a:t>microservice</a:t>
+            </a:r>
+            <a:r>
+              <a:rPr lang="en-US" baseline="0" dirty="0" smtClean="0"/>
+              <a:t> environment we are talking about a lot of services. We can’t let clients try to connect to all the services individually. We then use the change of implementing security and </a:t>
+            </a:r>
+            <a:r>
+              <a:rPr lang="en-US" baseline="0" dirty="0" err="1" smtClean="0"/>
+              <a:t>loadbalancing</a:t>
+            </a:r>
+            <a:r>
+              <a:rPr lang="en-US" baseline="0" dirty="0" smtClean="0"/>
+              <a:t>.</a:t>
+            </a:r>
+          </a:p>
+          <a:p>
+            <a:pPr marL="171450" marR="0" indent="-171450" algn="l" defTabSz="914400" rtl="0" eaLnBrk="1" fontAlgn="auto" latinLnBrk="0" hangingPunct="1">
+              <a:lnSpc>
+                <a:spcPct val="100000"/>
+              </a:lnSpc>
+              <a:spcBef>
+                <a:spcPts val="0"/>
+              </a:spcBef>
+              <a:spcAft>
+                <a:spcPts val="0"/>
+              </a:spcAft>
+              <a:buClrTx/>
+              <a:buSzTx/>
+              <a:buFont typeface="Arial" panose="020B0604020202020204" pitchFamily="34" charset="0"/>
+              <a:buChar char="•"/>
+              <a:tabLst/>
+              <a:defRPr/>
+            </a:pPr>
+            <a:r>
+              <a:rPr lang="en-US" baseline="0" dirty="0" smtClean="0"/>
+              <a:t>So we define a single entry point to our services.</a:t>
+            </a:r>
+            <a:endParaRPr lang="en-US" dirty="0" smtClean="0"/>
           </a:p>
         </p:txBody>
       </p:sp>
@@ -7264,13 +7365,76 @@
           <a:bodyPr/>
           <a:lstStyle/>
           <a:p>
+            <a:pPr marL="171450" marR="0" indent="-171450" algn="l" defTabSz="914400" rtl="0" eaLnBrk="1" fontAlgn="auto" latinLnBrk="0" hangingPunct="1">
+              <a:lnSpc>
+                <a:spcPct val="100000"/>
+              </a:lnSpc>
+              <a:spcBef>
+                <a:spcPts val="0"/>
+              </a:spcBef>
+              <a:spcAft>
+                <a:spcPts val="0"/>
+              </a:spcAft>
+              <a:buClrTx/>
+              <a:buSzTx/>
+              <a:buFont typeface="Arial" panose="020B0604020202020204" pitchFamily="34" charset="0"/>
+              <a:buChar char="•"/>
+              <a:tabLst/>
+              <a:defRPr/>
+            </a:pPr>
+            <a:r>
+              <a:rPr lang="en-US" dirty="0" smtClean="0"/>
+              <a:t>What is the problem</a:t>
+            </a:r>
+            <a:r>
+              <a:rPr lang="en-US" baseline="0" dirty="0" smtClean="0"/>
+              <a:t> that this pattern handles?</a:t>
+            </a:r>
+          </a:p>
+          <a:p>
+            <a:pPr marL="171450" marR="0" indent="-171450" algn="l" defTabSz="914400" rtl="0" eaLnBrk="1" fontAlgn="auto" latinLnBrk="0" hangingPunct="1">
+              <a:lnSpc>
+                <a:spcPct val="100000"/>
+              </a:lnSpc>
+              <a:spcBef>
+                <a:spcPts val="0"/>
+              </a:spcBef>
+              <a:spcAft>
+                <a:spcPts val="0"/>
+              </a:spcAft>
+              <a:buClrTx/>
+              <a:buSzTx/>
+              <a:buFont typeface="Arial" panose="020B0604020202020204" pitchFamily="34" charset="0"/>
+              <a:buChar char="•"/>
+              <a:tabLst/>
+              <a:defRPr/>
+            </a:pPr>
+            <a:r>
+              <a:rPr lang="en-US" baseline="0" dirty="0" smtClean="0"/>
+              <a:t>If we really see it, having one database would mean that it becomes a single point of failure. If the central DB goes down all the services goes down with it.</a:t>
+            </a:r>
+            <a:endParaRPr lang="en-US" dirty="0" smtClean="0"/>
+          </a:p>
+          <a:p>
             <a:pPr marL="171450" indent="-171450">
               <a:buFont typeface="Arial" panose="020B0604020202020204" pitchFamily="34" charset="0"/>
               <a:buChar char="•"/>
             </a:pPr>
             <a:r>
               <a:rPr lang="en-US" dirty="0" smtClean="0"/>
-              <a:t>As I illustrated before we can have DB’s for each service.</a:t>
+              <a:t>By having a </a:t>
+            </a:r>
+            <a:r>
+              <a:rPr lang="en-US" dirty="0" err="1" smtClean="0"/>
+              <a:t>a</a:t>
+            </a:r>
+            <a:r>
+              <a:rPr lang="en-US" dirty="0" smtClean="0"/>
+              <a:t> single DB per service we are ensuring that the whole application will not fail at</a:t>
+            </a:r>
+            <a:r>
+              <a:rPr lang="en-US" baseline="0" dirty="0" smtClean="0"/>
+              <a:t> the same time.</a:t>
             </a:r>
             <a:endParaRPr lang="en-US" dirty="0"/>
           </a:p>
@@ -7356,21 +7520,193 @@
           <a:bodyPr/>
           <a:lstStyle/>
           <a:p>
+            <a:pPr marL="0" marR="0" indent="0" algn="l" defTabSz="914400" rtl="0" eaLnBrk="1" fontAlgn="auto" latinLnBrk="0" hangingPunct="1">
+              <a:lnSpc>
+                <a:spcPct val="100000"/>
+              </a:lnSpc>
+              <a:spcBef>
+                <a:spcPts val="0"/>
+              </a:spcBef>
+              <a:spcAft>
+                <a:spcPts val="0"/>
+              </a:spcAft>
+              <a:buClrTx/>
+              <a:buSzTx/>
+              <a:buFontTx/>
+              <a:buNone/>
+              <a:tabLst/>
+              <a:defRPr/>
+            </a:pPr>
+            <a:r>
+              <a:rPr lang="en-US" sz="1200" b="1" dirty="0" smtClean="0">
+                <a:solidFill>
+                  <a:srgbClr val="D24726"/>
+                </a:solidFill>
+                <a:latin typeface="Segoe UI Light" panose="020B0502040204020203" pitchFamily="34" charset="0"/>
+                <a:cs typeface="Segoe UI Light" panose="020B0502040204020203" pitchFamily="34" charset="0"/>
+              </a:rPr>
+              <a:t>Single Service Per Node</a:t>
+            </a:r>
+            <a:endParaRPr lang="en-US" sz="1200" b="1" i="0" kern="1200" dirty="0" smtClean="0">
+              <a:solidFill>
+                <a:schemeClr val="tx1"/>
+              </a:solidFill>
+              <a:effectLst/>
+              <a:latin typeface="+mn-lt"/>
+              <a:ea typeface="+mn-ea"/>
+              <a:cs typeface="+mn-cs"/>
+            </a:endParaRPr>
+          </a:p>
+          <a:p>
             <a:pPr marL="171450" indent="-171450">
               <a:buFont typeface="Arial" panose="020B0604020202020204" pitchFamily="34" charset="0"/>
               <a:buChar char="•"/>
             </a:pPr>
             <a:r>
-              <a:rPr lang="en-US" dirty="0" smtClean="0"/>
-              <a:t>Defines how the</a:t>
-            </a:r>
-            <a:r>
-              <a:rPr lang="en-US" baseline="0" dirty="0" smtClean="0"/>
-              <a:t> services are deployed. </a:t>
-            </a:r>
-          </a:p>
-          <a:p>
-            <a:pPr marL="171450" marR="0" indent="-171450" algn="l" defTabSz="914400" rtl="0" eaLnBrk="1" fontAlgn="auto" latinLnBrk="0" hangingPunct="1">
+              <a:rPr lang="en-US" sz="1200" b="0" i="0" kern="1200" dirty="0" smtClean="0">
+                <a:solidFill>
+                  <a:schemeClr val="tx1"/>
+                </a:solidFill>
+                <a:effectLst/>
+                <a:latin typeface="+mn-lt"/>
+                <a:ea typeface="+mn-ea"/>
+                <a:cs typeface="+mn-cs"/>
+              </a:rPr>
+              <a:t>Services instances are isolated from one another</a:t>
+            </a:r>
+          </a:p>
+          <a:p>
+            <a:pPr marL="171450" indent="-171450">
+              <a:buFont typeface="Arial" panose="020B0604020202020204" pitchFamily="34" charset="0"/>
+              <a:buChar char="•"/>
+            </a:pPr>
+            <a:r>
+              <a:rPr lang="en-US" sz="1200" b="0" i="0" kern="1200" dirty="0" smtClean="0">
+                <a:solidFill>
+                  <a:schemeClr val="tx1"/>
+                </a:solidFill>
+                <a:effectLst/>
+                <a:latin typeface="+mn-lt"/>
+                <a:ea typeface="+mn-ea"/>
+                <a:cs typeface="+mn-cs"/>
+              </a:rPr>
+              <a:t>There is no possibility of conflicting resource requirements or dependency versions</a:t>
+            </a:r>
+          </a:p>
+          <a:p>
+            <a:pPr marL="171450" indent="-171450">
+              <a:buFont typeface="Arial" panose="020B0604020202020204" pitchFamily="34" charset="0"/>
+              <a:buChar char="•"/>
+            </a:pPr>
+            <a:r>
+              <a:rPr lang="en-US" sz="1200" b="0" i="0" kern="1200" dirty="0" smtClean="0">
+                <a:solidFill>
+                  <a:schemeClr val="tx1"/>
+                </a:solidFill>
+                <a:effectLst/>
+                <a:latin typeface="+mn-lt"/>
+                <a:ea typeface="+mn-ea"/>
+                <a:cs typeface="+mn-cs"/>
+              </a:rPr>
+              <a:t>A service instance can only consume at most the resources of a single host</a:t>
+            </a:r>
+          </a:p>
+          <a:p>
+            <a:pPr marL="171450" indent="-171450">
+              <a:buFont typeface="Arial" panose="020B0604020202020204" pitchFamily="34" charset="0"/>
+              <a:buChar char="•"/>
+            </a:pPr>
+            <a:r>
+              <a:rPr lang="en-US" sz="1200" b="0" i="0" kern="1200" dirty="0" smtClean="0">
+                <a:solidFill>
+                  <a:schemeClr val="tx1"/>
+                </a:solidFill>
+                <a:effectLst/>
+                <a:latin typeface="+mn-lt"/>
+                <a:ea typeface="+mn-ea"/>
+                <a:cs typeface="+mn-cs"/>
+              </a:rPr>
+              <a:t>Its straightforward to monitor, manage, and redeploy each service instance</a:t>
+            </a:r>
+          </a:p>
+          <a:p>
+            <a:pPr marL="0" indent="0">
+              <a:buFont typeface="Arial" panose="020B0604020202020204" pitchFamily="34" charset="0"/>
+              <a:buNone/>
+            </a:pPr>
+            <a:r>
+              <a:rPr lang="en-US" sz="1200" b="1" i="0" kern="1200" dirty="0" smtClean="0">
+                <a:solidFill>
+                  <a:schemeClr val="tx1"/>
+                </a:solidFill>
+                <a:effectLst/>
+                <a:latin typeface="+mn-lt"/>
+                <a:ea typeface="+mn-ea"/>
+                <a:cs typeface="+mn-cs"/>
+              </a:rPr>
+              <a:t>The drawbacks of this approach include:</a:t>
+            </a:r>
+          </a:p>
+          <a:p>
+            <a:pPr marL="171450" indent="-171450">
+              <a:buFont typeface="Arial" panose="020B0604020202020204" pitchFamily="34" charset="0"/>
+              <a:buChar char="•"/>
+            </a:pPr>
+            <a:r>
+              <a:rPr lang="en-US" sz="1200" b="0" i="0" kern="1200" dirty="0" smtClean="0">
+                <a:solidFill>
+                  <a:schemeClr val="tx1"/>
+                </a:solidFill>
+                <a:effectLst/>
+                <a:latin typeface="+mn-lt"/>
+                <a:ea typeface="+mn-ea"/>
+                <a:cs typeface="+mn-cs"/>
+              </a:rPr>
+              <a:t>Potentially less efficient resource utilization compared to </a:t>
+            </a:r>
+            <a:r>
+              <a:rPr lang="en-US" sz="1200" b="0" i="0" u="none" strike="noStrike" kern="1200" dirty="0" smtClean="0">
+                <a:solidFill>
+                  <a:schemeClr val="tx1"/>
+                </a:solidFill>
+                <a:effectLst/>
+                <a:latin typeface="+mn-lt"/>
+                <a:ea typeface="+mn-ea"/>
+                <a:cs typeface="+mn-cs"/>
+                <a:hlinkClick r:id="rId3"/>
+              </a:rPr>
+              <a:t>Multiple Services per Host</a:t>
+            </a:r>
+            <a:r>
+              <a:rPr lang="en-US" sz="1200" b="0" i="0" kern="1200" dirty="0" smtClean="0">
+                <a:solidFill>
+                  <a:schemeClr val="tx1"/>
+                </a:solidFill>
+                <a:effectLst/>
+                <a:latin typeface="+mn-lt"/>
+                <a:ea typeface="+mn-ea"/>
+                <a:cs typeface="+mn-cs"/>
+              </a:rPr>
+              <a:t> because there are more hosts</a:t>
+            </a:r>
+          </a:p>
+          <a:p>
+            <a:pPr marL="171450" indent="-171450">
+              <a:buFont typeface="Arial" panose="020B0604020202020204" pitchFamily="34" charset="0"/>
+              <a:buChar char="•"/>
+            </a:pPr>
+            <a:endParaRPr lang="en-US" sz="1200" b="0" i="0" kern="1200" dirty="0" smtClean="0">
+              <a:solidFill>
+                <a:schemeClr val="tx1"/>
+              </a:solidFill>
+              <a:effectLst/>
+              <a:latin typeface="+mn-lt"/>
+              <a:ea typeface="+mn-ea"/>
+              <a:cs typeface="+mn-cs"/>
+            </a:endParaRPr>
+          </a:p>
+          <a:p>
+            <a:pPr marL="0" marR="0" indent="0" algn="l" defTabSz="914400" rtl="0" eaLnBrk="1" fontAlgn="auto" latinLnBrk="0" hangingPunct="1">
               <a:lnSpc>
                 <a:spcPct val="100000"/>
               </a:lnSpc>
@@ -7383,23 +7719,171 @@
               <a:buClrTx/>
               <a:buSzTx/>
               <a:buFont typeface="Arial" panose="020B0604020202020204" pitchFamily="34" charset="0"/>
-              <a:buChar char="•"/>
+              <a:buNone/>
               <a:tabLst/>
               <a:defRPr/>
             </a:pPr>
             <a:r>
-              <a:rPr lang="en-US" sz="1200" dirty="0" smtClean="0">
+              <a:rPr lang="en-US" sz="1200" b="1" dirty="0" smtClean="0">
                 <a:solidFill>
                   <a:srgbClr val="D24726"/>
                 </a:solidFill>
                 <a:latin typeface="Segoe UI Light" panose="020B0502040204020203" pitchFamily="34" charset="0"/>
                 <a:cs typeface="Segoe UI Light" panose="020B0502040204020203" pitchFamily="34" charset="0"/>
               </a:rPr>
-              <a:t>Single Service Per Node</a:t>
-            </a:r>
-          </a:p>
-          <a:p>
-            <a:pPr marL="171450" marR="0" indent="-171450" algn="l" defTabSz="914400" rtl="0" eaLnBrk="1" fontAlgn="auto" latinLnBrk="0" hangingPunct="1">
+              <a:t>Multiple Service Per Node</a:t>
+            </a:r>
+          </a:p>
+          <a:p>
+            <a:pPr marL="171450" indent="-171450">
+              <a:buFont typeface="Arial" panose="020B0604020202020204" pitchFamily="34" charset="0"/>
+              <a:buChar char="•"/>
+            </a:pPr>
+            <a:r>
+              <a:rPr lang="en-US" sz="1200" b="0" i="0" kern="1200" dirty="0" smtClean="0">
+                <a:solidFill>
+                  <a:schemeClr val="tx1"/>
+                </a:solidFill>
+                <a:effectLst/>
+                <a:latin typeface="+mn-lt"/>
+                <a:ea typeface="+mn-ea"/>
+                <a:cs typeface="+mn-cs"/>
+              </a:rPr>
+              <a:t>The benefits of this pattern include:</a:t>
+            </a:r>
+          </a:p>
+          <a:p>
+            <a:pPr marL="171450" indent="-171450">
+              <a:buFont typeface="Arial" panose="020B0604020202020204" pitchFamily="34" charset="0"/>
+              <a:buChar char="•"/>
+            </a:pPr>
+            <a:r>
+              <a:rPr lang="en-US" sz="1200" b="0" i="0" kern="1200" dirty="0" smtClean="0">
+                <a:solidFill>
+                  <a:schemeClr val="tx1"/>
+                </a:solidFill>
+                <a:effectLst/>
+                <a:latin typeface="+mn-lt"/>
+                <a:ea typeface="+mn-ea"/>
+                <a:cs typeface="+mn-cs"/>
+              </a:rPr>
+              <a:t>More efficient resource utilization than the </a:t>
+            </a:r>
+            <a:r>
+              <a:rPr lang="en-US" sz="1200" b="0" i="0" u="none" strike="noStrike" kern="1200" dirty="0" smtClean="0">
+                <a:solidFill>
+                  <a:schemeClr val="tx1"/>
+                </a:solidFill>
+                <a:effectLst/>
+                <a:latin typeface="+mn-lt"/>
+                <a:ea typeface="+mn-ea"/>
+                <a:cs typeface="+mn-cs"/>
+                <a:hlinkClick r:id="rId4"/>
+              </a:rPr>
+              <a:t>Service Instance per host pattern</a:t>
+            </a:r>
+            <a:endParaRPr lang="en-US" sz="1200" b="0" i="0" kern="1200" dirty="0" smtClean="0">
+              <a:solidFill>
+                <a:schemeClr val="tx1"/>
+              </a:solidFill>
+              <a:effectLst/>
+              <a:latin typeface="+mn-lt"/>
+              <a:ea typeface="+mn-ea"/>
+              <a:cs typeface="+mn-cs"/>
+            </a:endParaRPr>
+          </a:p>
+          <a:p>
+            <a:pPr marL="0" indent="0">
+              <a:buFont typeface="Arial" panose="020B0604020202020204" pitchFamily="34" charset="0"/>
+              <a:buNone/>
+            </a:pPr>
+            <a:r>
+              <a:rPr lang="en-US" sz="1200" b="1" i="0" kern="1200" dirty="0" smtClean="0">
+                <a:solidFill>
+                  <a:schemeClr val="tx1"/>
+                </a:solidFill>
+                <a:effectLst/>
+                <a:latin typeface="+mn-lt"/>
+                <a:ea typeface="+mn-ea"/>
+                <a:cs typeface="+mn-cs"/>
+              </a:rPr>
+              <a:t>The drawbacks of this approach include:</a:t>
+            </a:r>
+          </a:p>
+          <a:p>
+            <a:pPr marL="171450" indent="-171450">
+              <a:buFont typeface="Arial" panose="020B0604020202020204" pitchFamily="34" charset="0"/>
+              <a:buChar char="•"/>
+            </a:pPr>
+            <a:r>
+              <a:rPr lang="en-US" sz="1200" b="0" i="0" kern="1200" dirty="0" smtClean="0">
+                <a:solidFill>
+                  <a:schemeClr val="tx1"/>
+                </a:solidFill>
+                <a:effectLst/>
+                <a:latin typeface="+mn-lt"/>
+                <a:ea typeface="+mn-ea"/>
+                <a:cs typeface="+mn-cs"/>
+              </a:rPr>
+              <a:t>Risk of conflicting resource requirements</a:t>
+            </a:r>
+          </a:p>
+          <a:p>
+            <a:pPr marL="171450" indent="-171450">
+              <a:buFont typeface="Arial" panose="020B0604020202020204" pitchFamily="34" charset="0"/>
+              <a:buChar char="•"/>
+            </a:pPr>
+            <a:r>
+              <a:rPr lang="en-US" sz="1200" b="0" i="0" kern="1200" dirty="0" smtClean="0">
+                <a:solidFill>
+                  <a:schemeClr val="tx1"/>
+                </a:solidFill>
+                <a:effectLst/>
+                <a:latin typeface="+mn-lt"/>
+                <a:ea typeface="+mn-ea"/>
+                <a:cs typeface="+mn-cs"/>
+              </a:rPr>
+              <a:t>Risk of conflicting dependency versions</a:t>
+            </a:r>
+          </a:p>
+          <a:p>
+            <a:pPr marL="171450" indent="-171450">
+              <a:buFont typeface="Arial" panose="020B0604020202020204" pitchFamily="34" charset="0"/>
+              <a:buChar char="•"/>
+            </a:pPr>
+            <a:r>
+              <a:rPr lang="en-US" sz="1200" b="0" i="0" kern="1200" dirty="0" smtClean="0">
+                <a:solidFill>
+                  <a:schemeClr val="tx1"/>
+                </a:solidFill>
+                <a:effectLst/>
+                <a:latin typeface="+mn-lt"/>
+                <a:ea typeface="+mn-ea"/>
+                <a:cs typeface="+mn-cs"/>
+              </a:rPr>
+              <a:t>Difficult to limit the resources consumed by a service instance</a:t>
+            </a:r>
+          </a:p>
+          <a:p>
+            <a:pPr marL="171450" indent="-171450">
+              <a:buFont typeface="Arial" panose="020B0604020202020204" pitchFamily="34" charset="0"/>
+              <a:buChar char="•"/>
+            </a:pPr>
+            <a:r>
+              <a:rPr lang="en-US" sz="1200" b="0" i="0" kern="1200" dirty="0" smtClean="0">
+                <a:solidFill>
+                  <a:schemeClr val="tx1"/>
+                </a:solidFill>
+                <a:effectLst/>
+                <a:latin typeface="+mn-lt"/>
+                <a:ea typeface="+mn-ea"/>
+                <a:cs typeface="+mn-cs"/>
+              </a:rPr>
+              <a:t>If multiple services instances are deployed in the same process then its difficult to monitor the resource consumption of each service instance. Its also impossible to isolate each instance</a:t>
+            </a:r>
+          </a:p>
+          <a:p>
+            <a:pPr marL="0" marR="0" indent="0" algn="l" defTabSz="914400" rtl="0" eaLnBrk="1" fontAlgn="auto" latinLnBrk="0" hangingPunct="1">
               <a:lnSpc>
                 <a:spcPct val="100000"/>
               </a:lnSpc>
@@ -7412,36 +7896,57 @@
               <a:buClrTx/>
               <a:buSzTx/>
               <a:buFont typeface="Arial" panose="020B0604020202020204" pitchFamily="34" charset="0"/>
-              <a:buChar char="•"/>
+              <a:buNone/>
               <a:tabLst/>
               <a:defRPr/>
             </a:pPr>
-            <a:r>
-              <a:rPr lang="en-US" sz="1200" dirty="0" smtClean="0">
-                <a:solidFill>
-                  <a:srgbClr val="D24726"/>
-                </a:solidFill>
-                <a:latin typeface="Segoe UI Light" panose="020B0502040204020203" pitchFamily="34" charset="0"/>
-                <a:cs typeface="Segoe UI Light" panose="020B0502040204020203" pitchFamily="34" charset="0"/>
-              </a:rPr>
-              <a:t>Multiple Service Per Node</a:t>
-            </a:r>
-            <a:r>
-              <a:rPr lang="en-US" sz="1200" baseline="0" dirty="0" smtClean="0">
-                <a:solidFill>
-                  <a:schemeClr val="tx1"/>
-                </a:solidFill>
-                <a:latin typeface="+mn-lt"/>
-                <a:cs typeface="+mn-cs"/>
-              </a:rPr>
-              <a:t> – Service separation is achieved via containers</a:t>
-            </a:r>
+            <a:endParaRPr lang="en-US" sz="1200" b="1" dirty="0" smtClean="0">
+              <a:solidFill>
+                <a:srgbClr val="D24726"/>
+              </a:solidFill>
+              <a:latin typeface="Segoe UI Light" panose="020B0502040204020203" pitchFamily="34" charset="0"/>
+              <a:cs typeface="Segoe UI Light" panose="020B0502040204020203" pitchFamily="34" charset="0"/>
+            </a:endParaRPr>
+          </a:p>
+          <a:p>
+            <a:pPr marL="0" marR="0" indent="0" algn="l" defTabSz="914400" rtl="0" eaLnBrk="1" fontAlgn="auto" latinLnBrk="0" hangingPunct="1">
+              <a:lnSpc>
+                <a:spcPct val="100000"/>
+              </a:lnSpc>
+              <a:spcBef>
+                <a:spcPts val="0"/>
+              </a:spcBef>
+              <a:spcAft>
+                <a:spcPts val="0"/>
+              </a:spcAft>
+              <a:buClrTx/>
+              <a:buSzTx/>
+              <a:buFont typeface="Arial" panose="020B0604020202020204" pitchFamily="34" charset="0"/>
+              <a:buNone/>
+              <a:tabLst/>
+              <a:defRPr/>
+            </a:pPr>
             <a:endParaRPr lang="en-US" sz="1200" dirty="0" smtClean="0">
               <a:solidFill>
                 <a:srgbClr val="D24726"/>
               </a:solidFill>
               <a:latin typeface="Segoe UI Light" panose="020B0502040204020203" pitchFamily="34" charset="0"/>
               <a:cs typeface="Segoe UI Light" panose="020B0502040204020203" pitchFamily="34" charset="0"/>
+            </a:endParaRPr>
+          </a:p>
+          <a:p>
+            <a:pPr marL="171450" indent="-171450">
+              <a:buFont typeface="Arial" panose="020B0604020202020204" pitchFamily="34" charset="0"/>
+              <a:buChar char="•"/>
+            </a:pPr>
+            <a:endParaRPr lang="en-US" sz="1200" b="0" i="0" kern="1200" dirty="0">
+              <a:solidFill>
+                <a:schemeClr val="tx1"/>
+              </a:solidFill>
+              <a:effectLst/>
+              <a:latin typeface="+mn-lt"/>
+              <a:ea typeface="+mn-ea"/>
+              <a:cs typeface="+mn-cs"/>
             </a:endParaRPr>
           </a:p>
         </p:txBody>
@@ -7526,13 +8031,68 @@
           <a:bodyPr/>
           <a:lstStyle/>
           <a:p>
+            <a:pPr marL="171450" marR="0" indent="-171450" algn="l" defTabSz="914400" rtl="0" eaLnBrk="1" fontAlgn="auto" latinLnBrk="0" hangingPunct="1">
+              <a:lnSpc>
+                <a:spcPct val="100000"/>
+              </a:lnSpc>
+              <a:spcBef>
+                <a:spcPts val="0"/>
+              </a:spcBef>
+              <a:spcAft>
+                <a:spcPts val="0"/>
+              </a:spcAft>
+              <a:buClrTx/>
+              <a:buSzTx/>
+              <a:buFont typeface="Arial" panose="020B0604020202020204" pitchFamily="34" charset="0"/>
+              <a:buChar char="•"/>
+              <a:tabLst/>
+              <a:defRPr/>
+            </a:pPr>
+            <a:r>
+              <a:rPr lang="en-US" dirty="0" smtClean="0"/>
+              <a:t>What is the problem</a:t>
+            </a:r>
+            <a:r>
+              <a:rPr lang="en-US" baseline="0" dirty="0" smtClean="0"/>
+              <a:t> that this pattern handles?</a:t>
+            </a:r>
+          </a:p>
+          <a:p>
+            <a:pPr marL="171450" marR="0" indent="-171450" algn="l" defTabSz="914400" rtl="0" eaLnBrk="1" fontAlgn="auto" latinLnBrk="0" hangingPunct="1">
+              <a:lnSpc>
+                <a:spcPct val="100000"/>
+              </a:lnSpc>
+              <a:spcBef>
+                <a:spcPts val="0"/>
+              </a:spcBef>
+              <a:spcAft>
+                <a:spcPts val="0"/>
+              </a:spcAft>
+              <a:buClrTx/>
+              <a:buSzTx/>
+              <a:buFont typeface="Arial" panose="020B0604020202020204" pitchFamily="34" charset="0"/>
+              <a:buChar char="•"/>
+              <a:tabLst/>
+              <a:defRPr/>
+            </a:pPr>
+            <a:endParaRPr lang="en-US" dirty="0" smtClean="0"/>
+          </a:p>
+          <a:p>
             <a:pPr marL="171450" indent="-171450">
               <a:buFont typeface="Arial" panose="020B0604020202020204" pitchFamily="34" charset="0"/>
               <a:buChar char="•"/>
             </a:pPr>
             <a:r>
-              <a:rPr lang="en-US" dirty="0" smtClean="0"/>
-              <a:t>Defines how your client locate your services.</a:t>
+              <a:rPr lang="en-US" baseline="0" dirty="0" smtClean="0"/>
+              <a:t>In a </a:t>
+            </a:r>
+            <a:r>
+              <a:rPr lang="en-US" baseline="0" dirty="0" err="1" smtClean="0"/>
+              <a:t>microservice</a:t>
+            </a:r>
+            <a:r>
+              <a:rPr lang="en-US" baseline="0" dirty="0" smtClean="0"/>
+              <a:t> environment we are talking about a lot of services. </a:t>
             </a:r>
           </a:p>
           <a:p>
@@ -7541,8 +8101,37 @@
               <a:buChar char="•"/>
             </a:pPr>
             <a:r>
+              <a:rPr lang="en-US" baseline="0" dirty="0" smtClean="0"/>
+              <a:t>A service will not be located on a fixed location. If a service failure occur another instance will be spinning up on a new </a:t>
+            </a:r>
+            <a:r>
+              <a:rPr lang="en-US" baseline="0" dirty="0" err="1" smtClean="0"/>
+              <a:t>ip</a:t>
+            </a:r>
+            <a:r>
+              <a:rPr lang="en-US" baseline="0" dirty="0" smtClean="0"/>
+              <a:t> address.</a:t>
+            </a:r>
+          </a:p>
+          <a:p>
+            <a:pPr marL="171450" indent="-171450">
+              <a:buFont typeface="Arial" panose="020B0604020202020204" pitchFamily="34" charset="0"/>
+              <a:buChar char="•"/>
+            </a:pPr>
+            <a:endParaRPr lang="en-US" dirty="0" smtClean="0"/>
+          </a:p>
+          <a:p>
+            <a:pPr marL="171450" indent="-171450">
+              <a:buFont typeface="Arial" panose="020B0604020202020204" pitchFamily="34" charset="0"/>
+              <a:buChar char="•"/>
+            </a:pPr>
+            <a:r>
               <a:rPr lang="en-US" dirty="0" smtClean="0"/>
-              <a:t>The service registry</a:t>
+              <a:t>The </a:t>
+            </a:r>
+            <a:r>
+              <a:rPr lang="en-US" dirty="0" smtClean="0"/>
+              <a:t>service registry</a:t>
             </a:r>
             <a:r>
               <a:rPr lang="en-US" baseline="0" dirty="0" smtClean="0"/>
@@ -7663,8 +8252,13 @@
             </a:pPr>
             <a:r>
               <a:rPr lang="en-US" dirty="0" smtClean="0"/>
-              <a:t>This is why we need to the server side discovery pattern</a:t>
-            </a:r>
+              <a:t>This pattern addresses the same problem but removes the dependency between</a:t>
+            </a:r>
+            <a:r>
+              <a:rPr lang="en-US" baseline="0" dirty="0" smtClean="0"/>
+              <a:t> the client and the service registry.</a:t>
+            </a:r>
+            <a:endParaRPr lang="en-US" dirty="0" smtClean="0"/>
           </a:p>
           <a:p>
             <a:pPr marL="171450" indent="-171450">
@@ -7673,19 +8267,23 @@
             </a:pPr>
             <a:r>
               <a:rPr lang="en-US" dirty="0" smtClean="0"/>
-              <a:t>The service</a:t>
+              <a:t>The </a:t>
+            </a:r>
+            <a:r>
+              <a:rPr lang="en-US" dirty="0" smtClean="0"/>
+              <a:t>service</a:t>
             </a:r>
             <a:r>
               <a:rPr lang="en-US" baseline="0" dirty="0" smtClean="0"/>
               <a:t> register communication is handed over to a router or load balancer. This router talks to the service </a:t>
             </a:r>
             <a:r>
-              <a:rPr lang="en-US" baseline="0" dirty="0" err="1" smtClean="0"/>
-              <a:t>registery</a:t>
-            </a:r>
-            <a:r>
               <a:rPr lang="en-US" baseline="0" dirty="0" smtClean="0"/>
-              <a:t> to locate the service.</a:t>
+              <a:t>register </a:t>
+            </a:r>
+            <a:r>
+              <a:rPr lang="en-US" baseline="0" dirty="0" smtClean="0"/>
+              <a:t>to locate the service.</a:t>
             </a:r>
           </a:p>
           <a:p>
@@ -7694,16 +8292,28 @@
               <a:buChar char="•"/>
             </a:pPr>
             <a:r>
+              <a:rPr lang="en-US" b="1" baseline="0" dirty="0" smtClean="0"/>
+              <a:t>AWS elastic </a:t>
+            </a:r>
+            <a:r>
+              <a:rPr lang="en-US" b="1" baseline="0" dirty="0" err="1" smtClean="0"/>
+              <a:t>loadbalancer</a:t>
+            </a:r>
+            <a:r>
+              <a:rPr lang="en-US" b="1" baseline="0" dirty="0" smtClean="0"/>
+              <a:t> </a:t>
+            </a:r>
+            <a:r>
               <a:rPr lang="en-US" baseline="0" dirty="0" smtClean="0"/>
-              <a:t>AWS elastic </a:t>
-            </a:r>
-            <a:r>
-              <a:rPr lang="en-US" baseline="0" dirty="0" err="1" smtClean="0"/>
-              <a:t>loadbalancer</a:t>
+              <a:t>or </a:t>
+            </a:r>
+            <a:r>
+              <a:rPr lang="en-US" b="1" baseline="0" dirty="0" smtClean="0"/>
+              <a:t>Azure load balancer </a:t>
             </a:r>
             <a:r>
               <a:rPr lang="en-US" baseline="0" dirty="0" smtClean="0"/>
-              <a:t> or Azure load balancer can be used as a router.</a:t>
+              <a:t>can be used as a router.</a:t>
             </a:r>
             <a:endParaRPr lang="en-US" dirty="0"/>
           </a:p>
@@ -8983,17 +9593,68 @@
           <a:bodyPr/>
           <a:lstStyle/>
           <a:p>
+            <a:pPr marL="0" indent="0">
+              <a:buFont typeface="Arial" panose="020B0604020202020204" pitchFamily="34" charset="0"/>
+              <a:buNone/>
+            </a:pPr>
+            <a:r>
+              <a:rPr lang="en-US" dirty="0" smtClean="0"/>
+              <a:t>Couple</a:t>
+            </a:r>
+            <a:r>
+              <a:rPr lang="en-US" baseline="0" dirty="0" smtClean="0"/>
+              <a:t> of month back we got a </a:t>
+            </a:r>
+            <a:r>
+              <a:rPr lang="en-US" baseline="0" dirty="0" err="1" smtClean="0"/>
+              <a:t>oppertinity</a:t>
+            </a:r>
+            <a:r>
+              <a:rPr lang="en-US" baseline="0" dirty="0" smtClean="0"/>
+              <a:t> do a presale for a aircraft </a:t>
+            </a:r>
+            <a:r>
+              <a:rPr lang="en-US" baseline="0" dirty="0" err="1" smtClean="0"/>
+              <a:t>maintence</a:t>
+            </a:r>
+            <a:r>
+              <a:rPr lang="en-US" baseline="0" dirty="0" smtClean="0"/>
+              <a:t> provider. The POC that we are presenting is a small subset of what we tried to propose.</a:t>
+            </a:r>
+          </a:p>
+          <a:p>
             <a:pPr marL="171450" indent="-171450">
-              <a:buFont typeface="Arial" panose="020B0604020202020204" pitchFamily="34" charset="0"/>
-              <a:buChar char="•"/>
+              <a:buFontTx/>
+              <a:buChar char="-"/>
             </a:pPr>
             <a:r>
-              <a:rPr lang="en-US" dirty="0" smtClean="0"/>
-              <a:t>Lets</a:t>
-            </a:r>
-            <a:r>
               <a:rPr lang="en-US" baseline="0" dirty="0" smtClean="0"/>
-              <a:t> take a look at the POC architecture a bit</a:t>
+              <a:t>The goals was to provide a SAS solution using azure service fabric.</a:t>
+            </a:r>
+          </a:p>
+          <a:p>
+            <a:pPr marL="171450" indent="-171450">
+              <a:buFontTx/>
+              <a:buChar char="-"/>
+            </a:pPr>
+            <a:endParaRPr lang="en-US" baseline="0" dirty="0" smtClean="0"/>
+          </a:p>
+          <a:p>
+            <a:pPr marL="0" indent="0">
+              <a:buFontTx/>
+              <a:buNone/>
+            </a:pPr>
+            <a:r>
+              <a:rPr lang="en-US" baseline="0" dirty="0" smtClean="0"/>
+              <a:t>The POC application consists of 4 microservices and </a:t>
+            </a:r>
+            <a:r>
+              <a:rPr lang="en-US" baseline="0" smtClean="0"/>
+              <a:t>1 web application</a:t>
+            </a:r>
+            <a:r>
+              <a:rPr lang="en-US" baseline="0" dirty="0" smtClean="0"/>
+              <a:t>.</a:t>
             </a:r>
             <a:endParaRPr lang="en-US" dirty="0"/>
           </a:p>
@@ -10099,7 +10760,23 @@
             </a:r>
             <a:r>
               <a:rPr lang="en-US" baseline="0" dirty="0" smtClean="0"/>
-              <a:t> is a quite a debate between the SOA community and microservices community about this.</a:t>
+              <a:t> is a quite a debate between the SOA community and microservices community about </a:t>
+            </a:r>
+            <a:r>
+              <a:rPr lang="en-US" baseline="0" dirty="0" smtClean="0"/>
+              <a:t>this. SOA </a:t>
+            </a:r>
+            <a:r>
+              <a:rPr lang="en-US" baseline="0" dirty="0" smtClean="0"/>
+              <a:t>community claims that they have been following the </a:t>
+            </a:r>
+            <a:r>
+              <a:rPr lang="en-US" baseline="0" dirty="0" err="1" smtClean="0"/>
+              <a:t>microservice</a:t>
+            </a:r>
+            <a:r>
+              <a:rPr lang="en-US" baseline="0" dirty="0" smtClean="0"/>
+              <a:t> pattern for more than a decade, and that they don’t need a new name for it.</a:t>
             </a:r>
           </a:p>
           <a:p>
@@ -10109,25 +10786,15 @@
             </a:pPr>
             <a:r>
               <a:rPr lang="en-US" baseline="0" dirty="0" smtClean="0"/>
-              <a:t>SOA community claims that they have been following the </a:t>
-            </a:r>
-            <a:r>
-              <a:rPr lang="en-US" baseline="0" dirty="0" err="1" smtClean="0"/>
-              <a:t>microservice</a:t>
+              <a:t>Martin </a:t>
             </a:r>
             <a:r>
               <a:rPr lang="en-US" baseline="0" dirty="0" smtClean="0"/>
-              <a:t> pattern for more than a decade, and that they don’t need a new name for it.</a:t>
-            </a:r>
-          </a:p>
-          <a:p>
-            <a:pPr marL="171450" indent="-171450">
-              <a:buFont typeface="Arial" panose="020B0604020202020204" pitchFamily="34" charset="0"/>
-              <a:buChar char="•"/>
-            </a:pPr>
+              <a:t>Flower a famous microservices solution architect states </a:t>
+            </a:r>
             <a:r>
               <a:rPr lang="en-US" baseline="0" dirty="0" smtClean="0"/>
-              <a:t>Martin Flower states that Microservices are a subset of </a:t>
+              <a:t>that Microservices are a subset of </a:t>
             </a:r>
             <a:r>
               <a:rPr lang="en-US" baseline="0" dirty="0" smtClean="0"/>
@@ -10135,24 +10802,7 @@
             </a:r>
           </a:p>
           <a:p>
-            <a:pPr marL="171450" indent="-171450">
-              <a:buFont typeface="Arial" panose="020B0604020202020204" pitchFamily="34" charset="0"/>
-              <a:buChar char="•"/>
-            </a:pPr>
-            <a:endParaRPr lang="en-US" baseline="0" dirty="0" smtClean="0"/>
-          </a:p>
-          <a:p>
-            <a:pPr marL="171450" indent="-171450">
-              <a:buFont typeface="Arial" panose="020B0604020202020204" pitchFamily="34" charset="0"/>
-              <a:buChar char="•"/>
-            </a:pPr>
-            <a:r>
-              <a:rPr lang="en-US" baseline="0" dirty="0" smtClean="0"/>
-              <a:t>Clear differentiates </a:t>
-            </a:r>
-          </a:p>
-          <a:p>
-            <a:pPr marL="628650" marR="0" lvl="1" indent="-171450" algn="l" defTabSz="914400" rtl="0" eaLnBrk="1" fontAlgn="auto" latinLnBrk="0" hangingPunct="1">
+            <a:pPr marL="171450" marR="0" indent="-171450" algn="l" defTabSz="914400" rtl="0" eaLnBrk="1" fontAlgn="auto" latinLnBrk="0" hangingPunct="1">
               <a:lnSpc>
                 <a:spcPct val="100000"/>
               </a:lnSpc>
@@ -10171,7 +10821,44 @@
             </a:pPr>
             <a:r>
               <a:rPr lang="en-US" baseline="0" dirty="0" smtClean="0"/>
-              <a:t>Service modeling happens around business capabilities</a:t>
+              <a:t>Some say microservices are a specialization of SOA</a:t>
+            </a:r>
+          </a:p>
+          <a:p>
+            <a:pPr marL="171450" indent="-171450">
+              <a:buFont typeface="Arial" panose="020B0604020202020204" pitchFamily="34" charset="0"/>
+              <a:buChar char="•"/>
+            </a:pPr>
+            <a:r>
+              <a:rPr lang="en-US" baseline="0" dirty="0" smtClean="0"/>
+              <a:t>Clear differentiates </a:t>
+            </a:r>
+          </a:p>
+          <a:p>
+            <a:pPr marL="628650" marR="0" lvl="1" indent="-171450" algn="l" defTabSz="914400" rtl="0" eaLnBrk="1" fontAlgn="auto" latinLnBrk="0" hangingPunct="1">
+              <a:lnSpc>
+                <a:spcPct val="100000"/>
+              </a:lnSpc>
+              <a:spcBef>
+                <a:spcPts val="0"/>
+              </a:spcBef>
+              <a:spcAft>
+                <a:spcPts val="0"/>
+              </a:spcAft>
+              <a:buClrTx/>
+              <a:buSzTx/>
+              <a:buFont typeface="Arial" panose="020B0604020202020204" pitchFamily="34" charset="0"/>
+              <a:buChar char="•"/>
+              <a:tabLst/>
+              <a:defRPr/>
+            </a:pPr>
+            <a:r>
+              <a:rPr lang="en-US" baseline="0" dirty="0" smtClean="0"/>
+              <a:t>Service </a:t>
+            </a:r>
+            <a:r>
+              <a:rPr lang="en-US" baseline="0" dirty="0" smtClean="0"/>
+              <a:t>modeling happens around business capabilities</a:t>
             </a:r>
           </a:p>
           <a:p>
@@ -10582,7 +11269,6 @@
               <a:rPr lang="en-US" dirty="0" smtClean="0"/>
               <a:t>Talk a </a:t>
             </a:r>
-            <a:endParaRPr lang="en-US" dirty="0" smtClean="0"/>
           </a:p>
           <a:p>
             <a:pPr marL="171450" indent="-171450">
@@ -15107,7 +15793,7 @@
         </p:nvSpPr>
         <p:spPr>
           <a:xfrm>
-            <a:off x="3473308" y="4112935"/>
+            <a:off x="3473308" y="5027333"/>
             <a:ext cx="913983" cy="368853"/>
           </a:xfrm>
           <a:prstGeom prst="rect">
@@ -25106,7 +25792,14 @@
                 <a:latin typeface="Segoe UI Light" panose="020B0502040204020203" pitchFamily="34" charset="0"/>
                 <a:cs typeface="Segoe UI Light" panose="020B0502040204020203" pitchFamily="34" charset="0"/>
               </a:rPr>
-              <a:t>Clusters and Nodes</a:t>
+              <a:t>Deployment - Clusters </a:t>
+            </a:r>
+            <a:r>
+              <a:rPr lang="en-US" dirty="0" smtClean="0">
+                <a:latin typeface="Segoe UI Light" panose="020B0502040204020203" pitchFamily="34" charset="0"/>
+                <a:cs typeface="Segoe UI Light" panose="020B0502040204020203" pitchFamily="34" charset="0"/>
+              </a:rPr>
+              <a:t>and Nodes</a:t>
             </a:r>
             <a:endParaRPr lang="en-US" dirty="0">
               <a:latin typeface="Segoe UI Light" panose="020B0502040204020203" pitchFamily="34" charset="0"/>
@@ -36094,14 +36787,7 @@
                 <a:latin typeface="Segoe UI" panose="020B0502040204020203" pitchFamily="34" charset="0"/>
                 <a:cs typeface="Segoe UI" panose="020B0502040204020203" pitchFamily="34" charset="0"/>
               </a:rPr>
-              <a:t>High </a:t>
-            </a:r>
-            <a:r>
-              <a:rPr lang="en-US" sz="1800" dirty="0" smtClean="0">
-                <a:latin typeface="Segoe UI" panose="020B0502040204020203" pitchFamily="34" charset="0"/>
-                <a:cs typeface="Segoe UI" panose="020B0502040204020203" pitchFamily="34" charset="0"/>
-              </a:rPr>
-              <a:t>reliability and availability</a:t>
+              <a:t>High reliability and availability</a:t>
             </a:r>
           </a:p>
           <a:p>
@@ -37431,14 +38117,7 @@
                 <a:latin typeface="Segoe UI" panose="020B0502040204020203" pitchFamily="34" charset="0"/>
                 <a:cs typeface="Segoe UI" panose="020B0502040204020203" pitchFamily="34" charset="0"/>
               </a:rPr>
-              <a:t>your delivery is more important than spending </a:t>
-            </a:r>
-            <a:r>
-              <a:rPr lang="en-US" sz="1800" dirty="0" smtClean="0">
-                <a:latin typeface="Segoe UI" panose="020B0502040204020203" pitchFamily="34" charset="0"/>
-                <a:cs typeface="Segoe UI" panose="020B0502040204020203" pitchFamily="34" charset="0"/>
-              </a:rPr>
-              <a:t>time on design</a:t>
+              <a:t>you don’t believe in concepts like “Big Design Up Front”</a:t>
             </a:r>
             <a:endParaRPr lang="en-US" sz="1800" dirty="0" smtClean="0">
               <a:latin typeface="Segoe UI" panose="020B0502040204020203" pitchFamily="34" charset="0"/>
@@ -37505,59 +38184,16 @@
                 <a:latin typeface="Segoe UI" panose="020B0502040204020203" pitchFamily="34" charset="0"/>
                 <a:cs typeface="Segoe UI" panose="020B0502040204020203" pitchFamily="34" charset="0"/>
               </a:rPr>
-              <a:t>Service integration testing is challenging</a:t>
-            </a:r>
-          </a:p>
-          <a:p>
-            <a:pPr lvl="1">
-              <a:lnSpc>
-                <a:spcPct val="150000"/>
-              </a:lnSpc>
-              <a:spcBef>
-                <a:spcPts val="0"/>
-              </a:spcBef>
-              <a:spcAft>
-                <a:spcPts val="0"/>
-              </a:spcAft>
-              <a:defRPr/>
-            </a:pPr>
+              <a:t>Service integration testing is </a:t>
+            </a:r>
+            <a:r>
+              <a:rPr lang="en-US" sz="1800" dirty="0" smtClean="0">
+                <a:latin typeface="Segoe UI" panose="020B0502040204020203" pitchFamily="34" charset="0"/>
+                <a:cs typeface="Segoe UI" panose="020B0502040204020203" pitchFamily="34" charset="0"/>
+              </a:rPr>
+              <a:t>challenging</a:t>
+            </a:r>
             <a:endParaRPr lang="en-US" sz="1800" dirty="0" smtClean="0">
-              <a:latin typeface="Segoe UI" panose="020B0502040204020203" pitchFamily="34" charset="0"/>
-              <a:cs typeface="Segoe UI" panose="020B0502040204020203" pitchFamily="34" charset="0"/>
-            </a:endParaRPr>
-          </a:p>
-          <a:p>
-            <a:pPr lvl="1">
-              <a:lnSpc>
-                <a:spcPct val="150000"/>
-              </a:lnSpc>
-              <a:spcBef>
-                <a:spcPts val="0"/>
-              </a:spcBef>
-              <a:spcAft>
-                <a:spcPts val="0"/>
-              </a:spcAft>
-              <a:defRPr/>
-            </a:pPr>
-            <a:endParaRPr lang="en-US" sz="1800" dirty="0" smtClean="0">
-              <a:latin typeface="Segoe UI" panose="020B0502040204020203" pitchFamily="34" charset="0"/>
-              <a:cs typeface="Segoe UI" panose="020B0502040204020203" pitchFamily="34" charset="0"/>
-            </a:endParaRPr>
-          </a:p>
-          <a:p>
-            <a:pPr lvl="1">
-              <a:lnSpc>
-                <a:spcPct val="150000"/>
-              </a:lnSpc>
-              <a:spcBef>
-                <a:spcPts val="0"/>
-              </a:spcBef>
-              <a:spcAft>
-                <a:spcPts val="0"/>
-              </a:spcAft>
-              <a:defRPr/>
-            </a:pPr>
-            <a:endParaRPr lang="en-US" sz="1800" dirty="0">
               <a:latin typeface="Segoe UI" panose="020B0502040204020203" pitchFamily="34" charset="0"/>
               <a:cs typeface="Segoe UI" panose="020B0502040204020203" pitchFamily="34" charset="0"/>
             </a:endParaRPr>

--- a/Documents/MicroServices.pptx
+++ b/Documents/MicroServices.pptx
@@ -5,10 +5,10 @@
     <p:sldMasterId id="2147483660" r:id="rId1"/>
   </p:sldMasterIdLst>
   <p:notesMasterIdLst>
-    <p:notesMasterId r:id="rId37"/>
+    <p:notesMasterId r:id="rId56"/>
   </p:notesMasterIdLst>
   <p:handoutMasterIdLst>
-    <p:handoutMasterId r:id="rId38"/>
+    <p:handoutMasterId r:id="rId57"/>
   </p:handoutMasterIdLst>
   <p:sldIdLst>
     <p:sldId id="256" r:id="rId2"/>
@@ -46,6 +46,25 @@
     <p:sldId id="289" r:id="rId34"/>
     <p:sldId id="323" r:id="rId35"/>
     <p:sldId id="295" r:id="rId36"/>
+    <p:sldId id="324" r:id="rId37"/>
+    <p:sldId id="325" r:id="rId38"/>
+    <p:sldId id="326" r:id="rId39"/>
+    <p:sldId id="327" r:id="rId40"/>
+    <p:sldId id="328" r:id="rId41"/>
+    <p:sldId id="329" r:id="rId42"/>
+    <p:sldId id="330" r:id="rId43"/>
+    <p:sldId id="331" r:id="rId44"/>
+    <p:sldId id="332" r:id="rId45"/>
+    <p:sldId id="333" r:id="rId46"/>
+    <p:sldId id="334" r:id="rId47"/>
+    <p:sldId id="335" r:id="rId48"/>
+    <p:sldId id="336" r:id="rId49"/>
+    <p:sldId id="337" r:id="rId50"/>
+    <p:sldId id="338" r:id="rId51"/>
+    <p:sldId id="339" r:id="rId52"/>
+    <p:sldId id="340" r:id="rId53"/>
+    <p:sldId id="341" r:id="rId54"/>
+    <p:sldId id="342" r:id="rId55"/>
   </p:sldIdLst>
   <p:sldSz cx="12192000" cy="6858000"/>
   <p:notesSz cx="6858000" cy="9144000"/>
@@ -188,6 +207,25 @@
             <p14:sldId id="289"/>
             <p14:sldId id="323"/>
             <p14:sldId id="295"/>
+            <p14:sldId id="324"/>
+            <p14:sldId id="325"/>
+            <p14:sldId id="326"/>
+            <p14:sldId id="327"/>
+            <p14:sldId id="328"/>
+            <p14:sldId id="329"/>
+            <p14:sldId id="330"/>
+            <p14:sldId id="331"/>
+            <p14:sldId id="332"/>
+            <p14:sldId id="333"/>
+            <p14:sldId id="334"/>
+            <p14:sldId id="335"/>
+            <p14:sldId id="336"/>
+            <p14:sldId id="337"/>
+            <p14:sldId id="338"/>
+            <p14:sldId id="339"/>
+            <p14:sldId id="340"/>
+            <p14:sldId id="341"/>
+            <p14:sldId id="342"/>
           </p14:sldIdLst>
         </p14:section>
         <p14:section name="Learn More" id="{2CC34DB2-6590-42C0-AD4B-A04C6060184E}">
@@ -2646,715 +2684,6 @@
       <dsp:cNvGrpSpPr/>
     </dsp:nvGrpSpPr>
     <dsp:grpSpPr/>
-    <dsp:sp modelId="{740C31AB-CD61-4091-A7F4-94801C935247}">
-      <dsp:nvSpPr>
-        <dsp:cNvPr id="0" name=""/>
-        <dsp:cNvSpPr/>
-      </dsp:nvSpPr>
-      <dsp:spPr>
-        <a:xfrm>
-          <a:off x="2121229" y="2112"/>
-          <a:ext cx="1189585" cy="773230"/>
-        </a:xfrm>
-        <a:prstGeom prst="roundRect">
-          <a:avLst/>
-        </a:prstGeom>
-        <a:solidFill>
-          <a:schemeClr val="lt1">
-            <a:hueOff val="0"/>
-            <a:satOff val="0"/>
-            <a:lumOff val="0"/>
-            <a:alphaOff val="0"/>
-          </a:schemeClr>
-        </a:solidFill>
-        <a:ln w="12700" cap="flat" cmpd="sng" algn="ctr">
-          <a:solidFill>
-            <a:schemeClr val="accent2">
-              <a:shade val="80000"/>
-              <a:hueOff val="0"/>
-              <a:satOff val="0"/>
-              <a:lumOff val="0"/>
-              <a:alphaOff val="0"/>
-            </a:schemeClr>
-          </a:solidFill>
-          <a:prstDash val="solid"/>
-          <a:miter lim="800000"/>
-        </a:ln>
-        <a:effectLst/>
-      </dsp:spPr>
-      <dsp:style>
-        <a:lnRef idx="2">
-          <a:scrgbClr r="0" g="0" b="0"/>
-        </a:lnRef>
-        <a:fillRef idx="1">
-          <a:scrgbClr r="0" g="0" b="0"/>
-        </a:fillRef>
-        <a:effectRef idx="0">
-          <a:scrgbClr r="0" g="0" b="0"/>
-        </a:effectRef>
-        <a:fontRef idx="minor">
-          <a:schemeClr val="lt1"/>
-        </a:fontRef>
-      </dsp:style>
-      <dsp:txBody>
-        <a:bodyPr spcFirstLastPara="0" vert="horz" wrap="square" lIns="83820" tIns="83820" rIns="83820" bIns="83820" numCol="1" spcCol="1270" anchor="ctr" anchorCtr="0">
-          <a:noAutofit/>
-        </a:bodyPr>
-        <a:lstStyle/>
-        <a:p>
-          <a:pPr lvl="0" algn="ctr" defTabSz="977900">
-            <a:lnSpc>
-              <a:spcPct val="90000"/>
-            </a:lnSpc>
-            <a:spcBef>
-              <a:spcPct val="0"/>
-            </a:spcBef>
-            <a:spcAft>
-              <a:spcPct val="35000"/>
-            </a:spcAft>
-          </a:pPr>
-          <a:r>
-            <a:rPr lang="en-US" sz="2200" kern="1200" dirty="0">
-              <a:solidFill>
-                <a:srgbClr val="D24726"/>
-              </a:solidFill>
-              <a:latin typeface="Segoe UI Light" panose="020B0502040204020203" pitchFamily="34" charset="0"/>
-              <a:ea typeface="+mj-ea"/>
-              <a:cs typeface="Segoe UI Light" panose="020B0502040204020203" pitchFamily="34" charset="0"/>
-            </a:rPr>
-            <a:t>Node1</a:t>
-          </a:r>
-        </a:p>
-      </dsp:txBody>
-      <dsp:txXfrm>
-        <a:off x="2158975" y="39858"/>
-        <a:ext cx="1114093" cy="697738"/>
-      </dsp:txXfrm>
-    </dsp:sp>
-    <dsp:sp modelId="{08DABA05-CEAC-485A-A851-23F8BDF2537F}">
-      <dsp:nvSpPr>
-        <dsp:cNvPr id="0" name=""/>
-        <dsp:cNvSpPr/>
-      </dsp:nvSpPr>
-      <dsp:spPr>
-        <a:xfrm>
-          <a:off x="1172135" y="388727"/>
-          <a:ext cx="3087772" cy="3087772"/>
-        </a:xfrm>
-        <a:custGeom>
-          <a:avLst/>
-          <a:gdLst/>
-          <a:ahLst/>
-          <a:cxnLst/>
-          <a:rect l="0" t="0" r="0" b="0"/>
-          <a:pathLst>
-            <a:path>
-              <a:moveTo>
-                <a:pt x="2146839" y="122607"/>
-              </a:moveTo>
-              <a:arcTo wR="1543886" hR="1543886" stAng="17579295" swAng="1959991"/>
-            </a:path>
-          </a:pathLst>
-        </a:custGeom>
-        <a:noFill/>
-        <a:ln w="6350" cap="flat" cmpd="sng" algn="ctr">
-          <a:solidFill>
-            <a:schemeClr val="accent2">
-              <a:hueOff val="0"/>
-              <a:satOff val="0"/>
-              <a:lumOff val="0"/>
-              <a:alphaOff val="0"/>
-            </a:schemeClr>
-          </a:solidFill>
-          <a:prstDash val="solid"/>
-          <a:miter lim="800000"/>
-        </a:ln>
-        <a:effectLst/>
-      </dsp:spPr>
-      <dsp:style>
-        <a:lnRef idx="1">
-          <a:scrgbClr r="0" g="0" b="0"/>
-        </a:lnRef>
-        <a:fillRef idx="0">
-          <a:scrgbClr r="0" g="0" b="0"/>
-        </a:fillRef>
-        <a:effectRef idx="0">
-          <a:scrgbClr r="0" g="0" b="0"/>
-        </a:effectRef>
-        <a:fontRef idx="minor"/>
-      </dsp:style>
-    </dsp:sp>
-    <dsp:sp modelId="{7A95ADEE-1A3D-44F5-9024-A7ABA55FFBC3}">
-      <dsp:nvSpPr>
-        <dsp:cNvPr id="0" name=""/>
-        <dsp:cNvSpPr/>
-      </dsp:nvSpPr>
-      <dsp:spPr>
-        <a:xfrm>
-          <a:off x="3589552" y="1068911"/>
-          <a:ext cx="1189585" cy="773230"/>
-        </a:xfrm>
-        <a:prstGeom prst="roundRect">
-          <a:avLst/>
-        </a:prstGeom>
-        <a:solidFill>
-          <a:schemeClr val="lt1">
-            <a:hueOff val="0"/>
-            <a:satOff val="0"/>
-            <a:lumOff val="0"/>
-            <a:alphaOff val="0"/>
-          </a:schemeClr>
-        </a:solidFill>
-        <a:ln w="12700" cap="flat" cmpd="sng" algn="ctr">
-          <a:solidFill>
-            <a:schemeClr val="accent2">
-              <a:shade val="80000"/>
-              <a:hueOff val="0"/>
-              <a:satOff val="0"/>
-              <a:lumOff val="0"/>
-              <a:alphaOff val="0"/>
-            </a:schemeClr>
-          </a:solidFill>
-          <a:prstDash val="solid"/>
-          <a:miter lim="800000"/>
-        </a:ln>
-        <a:effectLst/>
-      </dsp:spPr>
-      <dsp:style>
-        <a:lnRef idx="2">
-          <a:scrgbClr r="0" g="0" b="0"/>
-        </a:lnRef>
-        <a:fillRef idx="1">
-          <a:scrgbClr r="0" g="0" b="0"/>
-        </a:fillRef>
-        <a:effectRef idx="0">
-          <a:scrgbClr r="0" g="0" b="0"/>
-        </a:effectRef>
-        <a:fontRef idx="minor">
-          <a:schemeClr val="lt1"/>
-        </a:fontRef>
-      </dsp:style>
-      <dsp:txBody>
-        <a:bodyPr spcFirstLastPara="0" vert="horz" wrap="square" lIns="83820" tIns="83820" rIns="83820" bIns="83820" numCol="1" spcCol="1270" anchor="ctr" anchorCtr="0">
-          <a:noAutofit/>
-        </a:bodyPr>
-        <a:lstStyle/>
-        <a:p>
-          <a:pPr lvl="0" algn="ctr" defTabSz="977900">
-            <a:lnSpc>
-              <a:spcPct val="90000"/>
-            </a:lnSpc>
-            <a:spcBef>
-              <a:spcPct val="0"/>
-            </a:spcBef>
-            <a:spcAft>
-              <a:spcPct val="35000"/>
-            </a:spcAft>
-          </a:pPr>
-          <a:r>
-            <a:rPr lang="en-US" sz="2200" kern="1200" dirty="0">
-              <a:solidFill>
-                <a:srgbClr val="D24726"/>
-              </a:solidFill>
-              <a:latin typeface="Segoe UI Light" panose="020B0502040204020203" pitchFamily="34" charset="0"/>
-              <a:ea typeface="+mj-ea"/>
-              <a:cs typeface="Segoe UI Light" panose="020B0502040204020203" pitchFamily="34" charset="0"/>
-            </a:rPr>
-            <a:t>Node 2</a:t>
-          </a:r>
-        </a:p>
-      </dsp:txBody>
-      <dsp:txXfrm>
-        <a:off x="3627298" y="1106657"/>
-        <a:ext cx="1114093" cy="697738"/>
-      </dsp:txXfrm>
-    </dsp:sp>
-    <dsp:sp modelId="{99B7FB11-2FAC-43CD-B14D-4629F64D6038}">
-      <dsp:nvSpPr>
-        <dsp:cNvPr id="0" name=""/>
-        <dsp:cNvSpPr/>
-      </dsp:nvSpPr>
-      <dsp:spPr>
-        <a:xfrm>
-          <a:off x="1172135" y="388727"/>
-          <a:ext cx="3087772" cy="3087772"/>
-        </a:xfrm>
-        <a:custGeom>
-          <a:avLst/>
-          <a:gdLst/>
-          <a:ahLst/>
-          <a:cxnLst/>
-          <a:rect l="0" t="0" r="0" b="0"/>
-          <a:pathLst>
-            <a:path>
-              <a:moveTo>
-                <a:pt x="3085666" y="1463278"/>
-              </a:moveTo>
-              <a:arcTo wR="1543886" hR="1543886" stAng="21420430" swAng="2195114"/>
-            </a:path>
-          </a:pathLst>
-        </a:custGeom>
-        <a:noFill/>
-        <a:ln w="6350" cap="flat" cmpd="sng" algn="ctr">
-          <a:solidFill>
-            <a:schemeClr val="accent2">
-              <a:hueOff val="0"/>
-              <a:satOff val="0"/>
-              <a:lumOff val="0"/>
-              <a:alphaOff val="0"/>
-            </a:schemeClr>
-          </a:solidFill>
-          <a:prstDash val="solid"/>
-          <a:miter lim="800000"/>
-        </a:ln>
-        <a:effectLst/>
-      </dsp:spPr>
-      <dsp:style>
-        <a:lnRef idx="1">
-          <a:scrgbClr r="0" g="0" b="0"/>
-        </a:lnRef>
-        <a:fillRef idx="0">
-          <a:scrgbClr r="0" g="0" b="0"/>
-        </a:fillRef>
-        <a:effectRef idx="0">
-          <a:scrgbClr r="0" g="0" b="0"/>
-        </a:effectRef>
-        <a:fontRef idx="minor"/>
-      </dsp:style>
-    </dsp:sp>
-    <dsp:sp modelId="{314AD960-11B1-48FE-A6AB-562313CE59CB}">
-      <dsp:nvSpPr>
-        <dsp:cNvPr id="0" name=""/>
-        <dsp:cNvSpPr/>
-      </dsp:nvSpPr>
-      <dsp:spPr>
-        <a:xfrm>
-          <a:off x="3028702" y="2795028"/>
-          <a:ext cx="1189585" cy="773230"/>
-        </a:xfrm>
-        <a:prstGeom prst="roundRect">
-          <a:avLst/>
-        </a:prstGeom>
-        <a:solidFill>
-          <a:schemeClr val="lt1">
-            <a:hueOff val="0"/>
-            <a:satOff val="0"/>
-            <a:lumOff val="0"/>
-            <a:alphaOff val="0"/>
-          </a:schemeClr>
-        </a:solidFill>
-        <a:ln w="12700" cap="flat" cmpd="sng" algn="ctr">
-          <a:solidFill>
-            <a:schemeClr val="accent2">
-              <a:shade val="80000"/>
-              <a:hueOff val="0"/>
-              <a:satOff val="0"/>
-              <a:lumOff val="0"/>
-              <a:alphaOff val="0"/>
-            </a:schemeClr>
-          </a:solidFill>
-          <a:prstDash val="solid"/>
-          <a:miter lim="800000"/>
-        </a:ln>
-        <a:effectLst/>
-      </dsp:spPr>
-      <dsp:style>
-        <a:lnRef idx="2">
-          <a:scrgbClr r="0" g="0" b="0"/>
-        </a:lnRef>
-        <a:fillRef idx="1">
-          <a:scrgbClr r="0" g="0" b="0"/>
-        </a:fillRef>
-        <a:effectRef idx="0">
-          <a:scrgbClr r="0" g="0" b="0"/>
-        </a:effectRef>
-        <a:fontRef idx="minor">
-          <a:schemeClr val="lt1"/>
-        </a:fontRef>
-      </dsp:style>
-      <dsp:txBody>
-        <a:bodyPr spcFirstLastPara="0" vert="horz" wrap="square" lIns="83820" tIns="83820" rIns="83820" bIns="83820" numCol="1" spcCol="1270" anchor="ctr" anchorCtr="0">
-          <a:noAutofit/>
-        </a:bodyPr>
-        <a:lstStyle/>
-        <a:p>
-          <a:pPr lvl="0" algn="ctr" defTabSz="977900">
-            <a:lnSpc>
-              <a:spcPct val="90000"/>
-            </a:lnSpc>
-            <a:spcBef>
-              <a:spcPct val="0"/>
-            </a:spcBef>
-            <a:spcAft>
-              <a:spcPct val="35000"/>
-            </a:spcAft>
-          </a:pPr>
-          <a:r>
-            <a:rPr lang="en-US" sz="2200" kern="1200" dirty="0">
-              <a:solidFill>
-                <a:srgbClr val="D24726"/>
-              </a:solidFill>
-              <a:latin typeface="Segoe UI Light" panose="020B0502040204020203" pitchFamily="34" charset="0"/>
-              <a:ea typeface="+mj-ea"/>
-              <a:cs typeface="Segoe UI Light" panose="020B0502040204020203" pitchFamily="34" charset="0"/>
-            </a:rPr>
-            <a:t>Node 3</a:t>
-          </a:r>
-        </a:p>
-      </dsp:txBody>
-      <dsp:txXfrm>
-        <a:off x="3066448" y="2832774"/>
-        <a:ext cx="1114093" cy="697738"/>
-      </dsp:txXfrm>
-    </dsp:sp>
-    <dsp:sp modelId="{6EC830C9-72F5-44F0-A400-AFA36B6D2741}">
-      <dsp:nvSpPr>
-        <dsp:cNvPr id="0" name=""/>
-        <dsp:cNvSpPr/>
-      </dsp:nvSpPr>
-      <dsp:spPr>
-        <a:xfrm>
-          <a:off x="1172135" y="388727"/>
-          <a:ext cx="3087772" cy="3087772"/>
-        </a:xfrm>
-        <a:custGeom>
-          <a:avLst/>
-          <a:gdLst/>
-          <a:ahLst/>
-          <a:cxnLst/>
-          <a:rect l="0" t="0" r="0" b="0"/>
-          <a:pathLst>
-            <a:path>
-              <a:moveTo>
-                <a:pt x="1850440" y="3057031"/>
-              </a:moveTo>
-              <a:arcTo wR="1543886" hR="1543886" stAng="4712834" swAng="1374332"/>
-            </a:path>
-          </a:pathLst>
-        </a:custGeom>
-        <a:noFill/>
-        <a:ln w="6350" cap="flat" cmpd="sng" algn="ctr">
-          <a:solidFill>
-            <a:schemeClr val="accent2">
-              <a:hueOff val="0"/>
-              <a:satOff val="0"/>
-              <a:lumOff val="0"/>
-              <a:alphaOff val="0"/>
-            </a:schemeClr>
-          </a:solidFill>
-          <a:prstDash val="solid"/>
-          <a:miter lim="800000"/>
-        </a:ln>
-        <a:effectLst/>
-      </dsp:spPr>
-      <dsp:style>
-        <a:lnRef idx="1">
-          <a:scrgbClr r="0" g="0" b="0"/>
-        </a:lnRef>
-        <a:fillRef idx="0">
-          <a:scrgbClr r="0" g="0" b="0"/>
-        </a:fillRef>
-        <a:effectRef idx="0">
-          <a:scrgbClr r="0" g="0" b="0"/>
-        </a:effectRef>
-        <a:fontRef idx="minor"/>
-      </dsp:style>
-    </dsp:sp>
-    <dsp:sp modelId="{B945EB8D-AF78-4C31-B5AB-72C53D7CA97A}">
-      <dsp:nvSpPr>
-        <dsp:cNvPr id="0" name=""/>
-        <dsp:cNvSpPr/>
-      </dsp:nvSpPr>
-      <dsp:spPr>
-        <a:xfrm>
-          <a:off x="1213755" y="2795028"/>
-          <a:ext cx="1189585" cy="773230"/>
-        </a:xfrm>
-        <a:prstGeom prst="roundRect">
-          <a:avLst/>
-        </a:prstGeom>
-        <a:solidFill>
-          <a:schemeClr val="lt1">
-            <a:hueOff val="0"/>
-            <a:satOff val="0"/>
-            <a:lumOff val="0"/>
-            <a:alphaOff val="0"/>
-          </a:schemeClr>
-        </a:solidFill>
-        <a:ln w="12700" cap="flat" cmpd="sng" algn="ctr">
-          <a:solidFill>
-            <a:schemeClr val="accent2">
-              <a:shade val="80000"/>
-              <a:hueOff val="0"/>
-              <a:satOff val="0"/>
-              <a:lumOff val="0"/>
-              <a:alphaOff val="0"/>
-            </a:schemeClr>
-          </a:solidFill>
-          <a:prstDash val="solid"/>
-          <a:miter lim="800000"/>
-        </a:ln>
-        <a:effectLst/>
-      </dsp:spPr>
-      <dsp:style>
-        <a:lnRef idx="2">
-          <a:scrgbClr r="0" g="0" b="0"/>
-        </a:lnRef>
-        <a:fillRef idx="1">
-          <a:scrgbClr r="0" g="0" b="0"/>
-        </a:fillRef>
-        <a:effectRef idx="0">
-          <a:scrgbClr r="0" g="0" b="0"/>
-        </a:effectRef>
-        <a:fontRef idx="minor">
-          <a:schemeClr val="lt1"/>
-        </a:fontRef>
-      </dsp:style>
-      <dsp:txBody>
-        <a:bodyPr spcFirstLastPara="0" vert="horz" wrap="square" lIns="83820" tIns="83820" rIns="83820" bIns="83820" numCol="1" spcCol="1270" anchor="ctr" anchorCtr="0">
-          <a:noAutofit/>
-        </a:bodyPr>
-        <a:lstStyle/>
-        <a:p>
-          <a:pPr lvl="0" algn="ctr" defTabSz="977900">
-            <a:lnSpc>
-              <a:spcPct val="90000"/>
-            </a:lnSpc>
-            <a:spcBef>
-              <a:spcPct val="0"/>
-            </a:spcBef>
-            <a:spcAft>
-              <a:spcPct val="35000"/>
-            </a:spcAft>
-          </a:pPr>
-          <a:r>
-            <a:rPr lang="en-US" sz="2200" kern="1200" dirty="0">
-              <a:solidFill>
-                <a:srgbClr val="D24726"/>
-              </a:solidFill>
-              <a:latin typeface="Segoe UI Light" panose="020B0502040204020203" pitchFamily="34" charset="0"/>
-              <a:ea typeface="+mj-ea"/>
-              <a:cs typeface="Segoe UI Light" panose="020B0502040204020203" pitchFamily="34" charset="0"/>
-            </a:rPr>
-            <a:t>Node 4</a:t>
-          </a:r>
-        </a:p>
-      </dsp:txBody>
-      <dsp:txXfrm>
-        <a:off x="1251501" y="2832774"/>
-        <a:ext cx="1114093" cy="697738"/>
-      </dsp:txXfrm>
-    </dsp:sp>
-    <dsp:sp modelId="{6C263C1A-7610-4CC9-AEFA-71FBD03C0367}">
-      <dsp:nvSpPr>
-        <dsp:cNvPr id="0" name=""/>
-        <dsp:cNvSpPr/>
-      </dsp:nvSpPr>
-      <dsp:spPr>
-        <a:xfrm>
-          <a:off x="1172135" y="388727"/>
-          <a:ext cx="3087772" cy="3087772"/>
-        </a:xfrm>
-        <a:custGeom>
-          <a:avLst/>
-          <a:gdLst/>
-          <a:ahLst/>
-          <a:cxnLst/>
-          <a:rect l="0" t="0" r="0" b="0"/>
-          <a:pathLst>
-            <a:path>
-              <a:moveTo>
-                <a:pt x="257837" y="2398089"/>
-              </a:moveTo>
-              <a:arcTo wR="1543886" hR="1543886" stAng="8784456" swAng="2195114"/>
-            </a:path>
-          </a:pathLst>
-        </a:custGeom>
-        <a:noFill/>
-        <a:ln w="6350" cap="flat" cmpd="sng" algn="ctr">
-          <a:solidFill>
-            <a:schemeClr val="accent2">
-              <a:hueOff val="0"/>
-              <a:satOff val="0"/>
-              <a:lumOff val="0"/>
-              <a:alphaOff val="0"/>
-            </a:schemeClr>
-          </a:solidFill>
-          <a:prstDash val="solid"/>
-          <a:miter lim="800000"/>
-        </a:ln>
-        <a:effectLst/>
-      </dsp:spPr>
-      <dsp:style>
-        <a:lnRef idx="1">
-          <a:scrgbClr r="0" g="0" b="0"/>
-        </a:lnRef>
-        <a:fillRef idx="0">
-          <a:scrgbClr r="0" g="0" b="0"/>
-        </a:fillRef>
-        <a:effectRef idx="0">
-          <a:scrgbClr r="0" g="0" b="0"/>
-        </a:effectRef>
-        <a:fontRef idx="minor"/>
-      </dsp:style>
-    </dsp:sp>
-    <dsp:sp modelId="{A834C8E2-2D17-44CE-8777-F41D710F9561}">
-      <dsp:nvSpPr>
-        <dsp:cNvPr id="0" name=""/>
-        <dsp:cNvSpPr/>
-      </dsp:nvSpPr>
-      <dsp:spPr>
-        <a:xfrm>
-          <a:off x="652906" y="1068911"/>
-          <a:ext cx="1189585" cy="773230"/>
-        </a:xfrm>
-        <a:prstGeom prst="roundRect">
-          <a:avLst/>
-        </a:prstGeom>
-        <a:solidFill>
-          <a:schemeClr val="lt1">
-            <a:hueOff val="0"/>
-            <a:satOff val="0"/>
-            <a:lumOff val="0"/>
-            <a:alphaOff val="0"/>
-          </a:schemeClr>
-        </a:solidFill>
-        <a:ln w="12700" cap="flat" cmpd="sng" algn="ctr">
-          <a:solidFill>
-            <a:schemeClr val="accent2">
-              <a:shade val="80000"/>
-              <a:hueOff val="0"/>
-              <a:satOff val="0"/>
-              <a:lumOff val="0"/>
-              <a:alphaOff val="0"/>
-            </a:schemeClr>
-          </a:solidFill>
-          <a:prstDash val="solid"/>
-          <a:miter lim="800000"/>
-        </a:ln>
-        <a:effectLst/>
-      </dsp:spPr>
-      <dsp:style>
-        <a:lnRef idx="2">
-          <a:scrgbClr r="0" g="0" b="0"/>
-        </a:lnRef>
-        <a:fillRef idx="1">
-          <a:scrgbClr r="0" g="0" b="0"/>
-        </a:fillRef>
-        <a:effectRef idx="0">
-          <a:scrgbClr r="0" g="0" b="0"/>
-        </a:effectRef>
-        <a:fontRef idx="minor">
-          <a:schemeClr val="lt1"/>
-        </a:fontRef>
-      </dsp:style>
-      <dsp:txBody>
-        <a:bodyPr spcFirstLastPara="0" vert="horz" wrap="square" lIns="83820" tIns="83820" rIns="83820" bIns="83820" numCol="1" spcCol="1270" anchor="ctr" anchorCtr="0">
-          <a:noAutofit/>
-        </a:bodyPr>
-        <a:lstStyle/>
-        <a:p>
-          <a:pPr lvl="0" algn="ctr" defTabSz="977900">
-            <a:lnSpc>
-              <a:spcPct val="90000"/>
-            </a:lnSpc>
-            <a:spcBef>
-              <a:spcPct val="0"/>
-            </a:spcBef>
-            <a:spcAft>
-              <a:spcPct val="35000"/>
-            </a:spcAft>
-          </a:pPr>
-          <a:r>
-            <a:rPr lang="en-US" sz="2200" kern="1200" dirty="0">
-              <a:solidFill>
-                <a:srgbClr val="D24726"/>
-              </a:solidFill>
-              <a:latin typeface="Segoe UI Light" panose="020B0502040204020203" pitchFamily="34" charset="0"/>
-              <a:ea typeface="+mj-ea"/>
-              <a:cs typeface="Segoe UI Light" panose="020B0502040204020203" pitchFamily="34" charset="0"/>
-            </a:rPr>
-            <a:t>Node</a:t>
-          </a:r>
-          <a:r>
-            <a:rPr lang="en-US" sz="2200" kern="1200" dirty="0">
-              <a:solidFill>
-                <a:srgbClr val="D24726"/>
-              </a:solidFill>
-            </a:rPr>
-            <a:t> </a:t>
-          </a:r>
-          <a:r>
-            <a:rPr lang="en-US" sz="2200" kern="1200" dirty="0">
-              <a:solidFill>
-                <a:srgbClr val="D24726"/>
-              </a:solidFill>
-              <a:latin typeface="Segoe UI Light" panose="020B0502040204020203" pitchFamily="34" charset="0"/>
-              <a:ea typeface="+mj-ea"/>
-              <a:cs typeface="Segoe UI Light" panose="020B0502040204020203" pitchFamily="34" charset="0"/>
-            </a:rPr>
-            <a:t>5</a:t>
-          </a:r>
-        </a:p>
-      </dsp:txBody>
-      <dsp:txXfrm>
-        <a:off x="690652" y="1106657"/>
-        <a:ext cx="1114093" cy="697738"/>
-      </dsp:txXfrm>
-    </dsp:sp>
-    <dsp:sp modelId="{226AE663-04B8-4614-9ED7-20BDF7F4D263}">
-      <dsp:nvSpPr>
-        <dsp:cNvPr id="0" name=""/>
-        <dsp:cNvSpPr/>
-      </dsp:nvSpPr>
-      <dsp:spPr>
-        <a:xfrm>
-          <a:off x="1172135" y="388727"/>
-          <a:ext cx="3087772" cy="3087772"/>
-        </a:xfrm>
-        <a:custGeom>
-          <a:avLst/>
-          <a:gdLst/>
-          <a:ahLst/>
-          <a:cxnLst/>
-          <a:rect l="0" t="0" r="0" b="0"/>
-          <a:pathLst>
-            <a:path>
-              <a:moveTo>
-                <a:pt x="269171" y="672859"/>
-              </a:moveTo>
-              <a:arcTo wR="1543886" hR="1543886" stAng="12860714" swAng="1959991"/>
-            </a:path>
-          </a:pathLst>
-        </a:custGeom>
-        <a:noFill/>
-        <a:ln w="6350" cap="flat" cmpd="sng" algn="ctr">
-          <a:solidFill>
-            <a:schemeClr val="accent2">
-              <a:hueOff val="0"/>
-              <a:satOff val="0"/>
-              <a:lumOff val="0"/>
-              <a:alphaOff val="0"/>
-            </a:schemeClr>
-          </a:solidFill>
-          <a:prstDash val="solid"/>
-          <a:miter lim="800000"/>
-        </a:ln>
-        <a:effectLst/>
-      </dsp:spPr>
-      <dsp:style>
-        <a:lnRef idx="1">
-          <a:scrgbClr r="0" g="0" b="0"/>
-        </a:lnRef>
-        <a:fillRef idx="0">
-          <a:scrgbClr r="0" g="0" b="0"/>
-        </a:fillRef>
-        <a:effectRef idx="0">
-          <a:scrgbClr r="0" g="0" b="0"/>
-        </a:effectRef>
-        <a:fontRef idx="minor"/>
-      </dsp:style>
-    </dsp:sp>
   </dsp:spTree>
 </dsp:drawing>
 </file>
@@ -3367,421 +2696,6 @@
       <dsp:cNvGrpSpPr/>
     </dsp:nvGrpSpPr>
     <dsp:grpSpPr/>
-    <dsp:sp modelId="{DB5BCEB9-0713-465D-BAE4-41008A09F44D}">
-      <dsp:nvSpPr>
-        <dsp:cNvPr id="0" name=""/>
-        <dsp:cNvSpPr/>
-      </dsp:nvSpPr>
-      <dsp:spPr>
-        <a:xfrm>
-          <a:off x="1554729" y="1642795"/>
-          <a:ext cx="1287477" cy="1287477"/>
-        </a:xfrm>
-        <a:prstGeom prst="ellipse">
-          <a:avLst/>
-        </a:prstGeom>
-        <a:solidFill>
-          <a:srgbClr val="D24726"/>
-        </a:solidFill>
-        <a:ln w="12700" cap="flat" cmpd="sng" algn="ctr">
-          <a:solidFill>
-            <a:schemeClr val="lt1">
-              <a:hueOff val="0"/>
-              <a:satOff val="0"/>
-              <a:lumOff val="0"/>
-              <a:alphaOff val="0"/>
-            </a:schemeClr>
-          </a:solidFill>
-          <a:prstDash val="solid"/>
-          <a:miter lim="800000"/>
-        </a:ln>
-        <a:effectLst/>
-      </dsp:spPr>
-      <dsp:style>
-        <a:lnRef idx="2">
-          <a:scrgbClr r="0" g="0" b="0"/>
-        </a:lnRef>
-        <a:fillRef idx="1">
-          <a:scrgbClr r="0" g="0" b="0"/>
-        </a:fillRef>
-        <a:effectRef idx="0">
-          <a:scrgbClr r="0" g="0" b="0"/>
-        </a:effectRef>
-        <a:fontRef idx="minor">
-          <a:schemeClr val="lt1"/>
-        </a:fontRef>
-      </dsp:style>
-      <dsp:txBody>
-        <a:bodyPr spcFirstLastPara="0" vert="horz" wrap="square" lIns="12700" tIns="12700" rIns="12700" bIns="12700" numCol="1" spcCol="1270" anchor="ctr" anchorCtr="0">
-          <a:noAutofit/>
-        </a:bodyPr>
-        <a:lstStyle/>
-        <a:p>
-          <a:pPr lvl="0" algn="ctr" defTabSz="889000">
-            <a:lnSpc>
-              <a:spcPct val="90000"/>
-            </a:lnSpc>
-            <a:spcBef>
-              <a:spcPct val="0"/>
-            </a:spcBef>
-            <a:spcAft>
-              <a:spcPct val="35000"/>
-            </a:spcAft>
-          </a:pPr>
-          <a:r>
-            <a:rPr lang="en-US" sz="2000" kern="1200" dirty="0" smtClean="0"/>
-            <a:t>Domain</a:t>
-          </a:r>
-          <a:endParaRPr lang="en-US" sz="2000" kern="1200" dirty="0"/>
-        </a:p>
-      </dsp:txBody>
-      <dsp:txXfrm>
-        <a:off x="1743276" y="1831342"/>
-        <a:ext cx="910383" cy="910383"/>
-      </dsp:txXfrm>
-    </dsp:sp>
-    <dsp:sp modelId="{74468A4D-70A3-4880-8935-DDF3701E1C20}">
-      <dsp:nvSpPr>
-        <dsp:cNvPr id="0" name=""/>
-        <dsp:cNvSpPr/>
-      </dsp:nvSpPr>
-      <dsp:spPr>
-        <a:xfrm rot="12900000">
-          <a:off x="628561" y="1385122"/>
-          <a:ext cx="1089146" cy="366931"/>
-        </a:xfrm>
-        <a:prstGeom prst="leftArrow">
-          <a:avLst>
-            <a:gd name="adj1" fmla="val 60000"/>
-            <a:gd name="adj2" fmla="val 50000"/>
-          </a:avLst>
-        </a:prstGeom>
-        <a:solidFill>
-          <a:srgbClr val="F8CFB6"/>
-        </a:solidFill>
-        <a:ln>
-          <a:noFill/>
-        </a:ln>
-        <a:effectLst/>
-      </dsp:spPr>
-      <dsp:style>
-        <a:lnRef idx="0">
-          <a:scrgbClr r="0" g="0" b="0"/>
-        </a:lnRef>
-        <a:fillRef idx="1">
-          <a:scrgbClr r="0" g="0" b="0"/>
-        </a:fillRef>
-        <a:effectRef idx="0">
-          <a:scrgbClr r="0" g="0" b="0"/>
-        </a:effectRef>
-        <a:fontRef idx="minor">
-          <a:schemeClr val="lt1"/>
-        </a:fontRef>
-      </dsp:style>
-    </dsp:sp>
-    <dsp:sp modelId="{A91EC127-07CB-47FA-8B45-C656741EF170}">
-      <dsp:nvSpPr>
-        <dsp:cNvPr id="0" name=""/>
-        <dsp:cNvSpPr/>
-      </dsp:nvSpPr>
-      <dsp:spPr>
-        <a:xfrm>
-          <a:off x="115494" y="766991"/>
-          <a:ext cx="1223103" cy="978483"/>
-        </a:xfrm>
-        <a:prstGeom prst="roundRect">
-          <a:avLst>
-            <a:gd name="adj" fmla="val 10000"/>
-          </a:avLst>
-        </a:prstGeom>
-        <a:solidFill>
-          <a:srgbClr val="D24726"/>
-        </a:solidFill>
-        <a:ln w="12700" cap="flat" cmpd="sng" algn="ctr">
-          <a:solidFill>
-            <a:schemeClr val="lt1">
-              <a:hueOff val="0"/>
-              <a:satOff val="0"/>
-              <a:lumOff val="0"/>
-              <a:alphaOff val="0"/>
-            </a:schemeClr>
-          </a:solidFill>
-          <a:prstDash val="solid"/>
-          <a:miter lim="800000"/>
-        </a:ln>
-        <a:effectLst/>
-      </dsp:spPr>
-      <dsp:style>
-        <a:lnRef idx="2">
-          <a:scrgbClr r="0" g="0" b="0"/>
-        </a:lnRef>
-        <a:fillRef idx="1">
-          <a:scrgbClr r="0" g="0" b="0"/>
-        </a:fillRef>
-        <a:effectRef idx="0">
-          <a:scrgbClr r="0" g="0" b="0"/>
-        </a:effectRef>
-        <a:fontRef idx="minor">
-          <a:schemeClr val="lt1"/>
-        </a:fontRef>
-      </dsp:style>
-      <dsp:txBody>
-        <a:bodyPr spcFirstLastPara="0" vert="horz" wrap="square" lIns="26670" tIns="26670" rIns="26670" bIns="26670" numCol="1" spcCol="1270" anchor="ctr" anchorCtr="0">
-          <a:noAutofit/>
-        </a:bodyPr>
-        <a:lstStyle/>
-        <a:p>
-          <a:pPr lvl="0" algn="ctr" defTabSz="622300">
-            <a:lnSpc>
-              <a:spcPct val="90000"/>
-            </a:lnSpc>
-            <a:spcBef>
-              <a:spcPct val="0"/>
-            </a:spcBef>
-            <a:spcAft>
-              <a:spcPct val="35000"/>
-            </a:spcAft>
-          </a:pPr>
-          <a:r>
-            <a:rPr lang="en-US" sz="1400" kern="1200" dirty="0" smtClean="0"/>
-            <a:t>Bounded Context</a:t>
-          </a:r>
-          <a:endParaRPr lang="en-US" sz="1400" kern="1200" dirty="0"/>
-        </a:p>
-      </dsp:txBody>
-      <dsp:txXfrm>
-        <a:off x="144153" y="795650"/>
-        <a:ext cx="1165785" cy="921165"/>
-      </dsp:txXfrm>
-    </dsp:sp>
-    <dsp:sp modelId="{96B9E08B-0BF3-4FBC-87CD-104C4419927A}">
-      <dsp:nvSpPr>
-        <dsp:cNvPr id="0" name=""/>
-        <dsp:cNvSpPr/>
-      </dsp:nvSpPr>
-      <dsp:spPr>
-        <a:xfrm rot="16200000">
-          <a:off x="1653894" y="851367"/>
-          <a:ext cx="1089146" cy="366931"/>
-        </a:xfrm>
-        <a:prstGeom prst="leftArrow">
-          <a:avLst>
-            <a:gd name="adj1" fmla="val 60000"/>
-            <a:gd name="adj2" fmla="val 50000"/>
-          </a:avLst>
-        </a:prstGeom>
-        <a:solidFill>
-          <a:srgbClr val="F8CFB6"/>
-        </a:solidFill>
-        <a:ln>
-          <a:noFill/>
-        </a:ln>
-        <a:effectLst/>
-      </dsp:spPr>
-      <dsp:style>
-        <a:lnRef idx="0">
-          <a:scrgbClr r="0" g="0" b="0"/>
-        </a:lnRef>
-        <a:fillRef idx="1">
-          <a:scrgbClr r="0" g="0" b="0"/>
-        </a:fillRef>
-        <a:effectRef idx="0">
-          <a:scrgbClr r="0" g="0" b="0"/>
-        </a:effectRef>
-        <a:fontRef idx="minor">
-          <a:schemeClr val="lt1"/>
-        </a:fontRef>
-      </dsp:style>
-    </dsp:sp>
-    <dsp:sp modelId="{BBDE044E-1FE9-413D-B3EF-4E1EF2039827}">
-      <dsp:nvSpPr>
-        <dsp:cNvPr id="0" name=""/>
-        <dsp:cNvSpPr/>
-      </dsp:nvSpPr>
-      <dsp:spPr>
-        <a:xfrm>
-          <a:off x="1586916" y="1018"/>
-          <a:ext cx="1223103" cy="978483"/>
-        </a:xfrm>
-        <a:prstGeom prst="roundRect">
-          <a:avLst>
-            <a:gd name="adj" fmla="val 10000"/>
-          </a:avLst>
-        </a:prstGeom>
-        <a:solidFill>
-          <a:srgbClr val="D24726"/>
-        </a:solidFill>
-        <a:ln w="12700" cap="flat" cmpd="sng" algn="ctr">
-          <a:solidFill>
-            <a:schemeClr val="lt1">
-              <a:hueOff val="0"/>
-              <a:satOff val="0"/>
-              <a:lumOff val="0"/>
-              <a:alphaOff val="0"/>
-            </a:schemeClr>
-          </a:solidFill>
-          <a:prstDash val="solid"/>
-          <a:miter lim="800000"/>
-        </a:ln>
-        <a:effectLst/>
-      </dsp:spPr>
-      <dsp:style>
-        <a:lnRef idx="2">
-          <a:scrgbClr r="0" g="0" b="0"/>
-        </a:lnRef>
-        <a:fillRef idx="1">
-          <a:scrgbClr r="0" g="0" b="0"/>
-        </a:fillRef>
-        <a:effectRef idx="0">
-          <a:scrgbClr r="0" g="0" b="0"/>
-        </a:effectRef>
-        <a:fontRef idx="minor">
-          <a:schemeClr val="lt1"/>
-        </a:fontRef>
-      </dsp:style>
-      <dsp:txBody>
-        <a:bodyPr spcFirstLastPara="0" vert="horz" wrap="square" lIns="26670" tIns="26670" rIns="26670" bIns="26670" numCol="1" spcCol="1270" anchor="ctr" anchorCtr="0">
-          <a:noAutofit/>
-        </a:bodyPr>
-        <a:lstStyle/>
-        <a:p>
-          <a:pPr lvl="0" algn="ctr" defTabSz="622300">
-            <a:lnSpc>
-              <a:spcPct val="90000"/>
-            </a:lnSpc>
-            <a:spcBef>
-              <a:spcPct val="0"/>
-            </a:spcBef>
-            <a:spcAft>
-              <a:spcPct val="35000"/>
-            </a:spcAft>
-          </a:pPr>
-          <a:r>
-            <a:rPr lang="en-US" sz="1400" kern="1200" dirty="0" smtClean="0"/>
-            <a:t>Single Responsibility Principal</a:t>
-          </a:r>
-          <a:endParaRPr lang="en-US" sz="1400" kern="1200" dirty="0"/>
-        </a:p>
-      </dsp:txBody>
-      <dsp:txXfrm>
-        <a:off x="1615575" y="29677"/>
-        <a:ext cx="1165785" cy="921165"/>
-      </dsp:txXfrm>
-    </dsp:sp>
-    <dsp:sp modelId="{295CEE7A-D8F7-4B65-9C84-E38052FE6573}">
-      <dsp:nvSpPr>
-        <dsp:cNvPr id="0" name=""/>
-        <dsp:cNvSpPr/>
-      </dsp:nvSpPr>
-      <dsp:spPr>
-        <a:xfrm rot="19500000">
-          <a:off x="2679228" y="1385122"/>
-          <a:ext cx="1089146" cy="366931"/>
-        </a:xfrm>
-        <a:prstGeom prst="leftArrow">
-          <a:avLst>
-            <a:gd name="adj1" fmla="val 60000"/>
-            <a:gd name="adj2" fmla="val 50000"/>
-          </a:avLst>
-        </a:prstGeom>
-        <a:solidFill>
-          <a:srgbClr val="F8CFB6"/>
-        </a:solidFill>
-        <a:ln>
-          <a:noFill/>
-        </a:ln>
-        <a:effectLst/>
-      </dsp:spPr>
-      <dsp:style>
-        <a:lnRef idx="0">
-          <a:scrgbClr r="0" g="0" b="0"/>
-        </a:lnRef>
-        <a:fillRef idx="1">
-          <a:scrgbClr r="0" g="0" b="0"/>
-        </a:fillRef>
-        <a:effectRef idx="0">
-          <a:scrgbClr r="0" g="0" b="0"/>
-        </a:effectRef>
-        <a:fontRef idx="minor">
-          <a:schemeClr val="lt1"/>
-        </a:fontRef>
-      </dsp:style>
-    </dsp:sp>
-    <dsp:sp modelId="{E2B774FB-C9C7-4233-A2B1-0D676A448C3A}">
-      <dsp:nvSpPr>
-        <dsp:cNvPr id="0" name=""/>
-        <dsp:cNvSpPr/>
-      </dsp:nvSpPr>
-      <dsp:spPr>
-        <a:xfrm>
-          <a:off x="3058337" y="766991"/>
-          <a:ext cx="1223103" cy="978483"/>
-        </a:xfrm>
-        <a:prstGeom prst="roundRect">
-          <a:avLst>
-            <a:gd name="adj" fmla="val 10000"/>
-          </a:avLst>
-        </a:prstGeom>
-        <a:solidFill>
-          <a:srgbClr val="D24726"/>
-        </a:solidFill>
-        <a:ln w="12700" cap="flat" cmpd="sng" algn="ctr">
-          <a:solidFill>
-            <a:schemeClr val="lt1">
-              <a:hueOff val="0"/>
-              <a:satOff val="0"/>
-              <a:lumOff val="0"/>
-              <a:alphaOff val="0"/>
-            </a:schemeClr>
-          </a:solidFill>
-          <a:prstDash val="solid"/>
-          <a:miter lim="800000"/>
-        </a:ln>
-        <a:effectLst/>
-      </dsp:spPr>
-      <dsp:style>
-        <a:lnRef idx="2">
-          <a:scrgbClr r="0" g="0" b="0"/>
-        </a:lnRef>
-        <a:fillRef idx="1">
-          <a:scrgbClr r="0" g="0" b="0"/>
-        </a:fillRef>
-        <a:effectRef idx="0">
-          <a:scrgbClr r="0" g="0" b="0"/>
-        </a:effectRef>
-        <a:fontRef idx="minor">
-          <a:schemeClr val="lt1"/>
-        </a:fontRef>
-      </dsp:style>
-      <dsp:txBody>
-        <a:bodyPr spcFirstLastPara="0" vert="horz" wrap="square" lIns="26670" tIns="26670" rIns="26670" bIns="26670" numCol="1" spcCol="1270" anchor="ctr" anchorCtr="0">
-          <a:noAutofit/>
-        </a:bodyPr>
-        <a:lstStyle/>
-        <a:p>
-          <a:pPr lvl="0" algn="ctr" defTabSz="622300">
-            <a:lnSpc>
-              <a:spcPct val="90000"/>
-            </a:lnSpc>
-            <a:spcBef>
-              <a:spcPct val="0"/>
-            </a:spcBef>
-            <a:spcAft>
-              <a:spcPct val="35000"/>
-            </a:spcAft>
-          </a:pPr>
-          <a:r>
-            <a:rPr lang="en-US" sz="1400" kern="1200" dirty="0" smtClean="0"/>
-            <a:t>Ubiquitous Language</a:t>
-          </a:r>
-          <a:endParaRPr lang="en-US" sz="1400" kern="1200" dirty="0"/>
-        </a:p>
-      </dsp:txBody>
-      <dsp:txXfrm>
-        <a:off x="3086996" y="795650"/>
-        <a:ext cx="1165785" cy="921165"/>
-      </dsp:txXfrm>
-    </dsp:sp>
   </dsp:spTree>
 </dsp:drawing>
 </file>
@@ -6405,7 +5319,7 @@
           <a:p>
             <a:fld id="{80680FBE-A8DF-4758-9AC4-3A9E1039168F}" type="datetimeFigureOut">
               <a:rPr lang="en-US" smtClean="0"/>
-              <a:t>12/1/2016</a:t>
+              <a:t>12/2/2016</a:t>
             </a:fld>
             <a:endParaRPr lang="en-US"/>
           </a:p>
@@ -6570,7 +5484,7 @@
           <a:p>
             <a:fld id="{EC13577B-6902-467D-A26C-08A0DD5E4E03}" type="datetimeFigureOut">
               <a:rPr lang="en-US" smtClean="0"/>
-              <a:t>12/1/2016</a:t>
+              <a:t>12/2/2016</a:t>
             </a:fld>
             <a:endParaRPr lang="en-US"/>
           </a:p>
@@ -6940,11 +5854,7 @@
             </a:r>
             <a:r>
               <a:rPr lang="en-US" baseline="0" dirty="0" smtClean="0"/>
-              <a:t>. </a:t>
-            </a:r>
-            <a:r>
-              <a:rPr lang="en-US" baseline="0" dirty="0" smtClean="0"/>
-              <a:t>We are not experts in microservices but a set of techies who love to learn new technologies.</a:t>
+              <a:t>. We are not experts in microservices but a set of techies who love to learn new technologies.</a:t>
             </a:r>
           </a:p>
           <a:p>
@@ -6954,31 +5864,7 @@
             </a:pPr>
             <a:r>
               <a:rPr lang="en-US" baseline="0" dirty="0" smtClean="0"/>
-              <a:t>This </a:t>
-            </a:r>
-            <a:r>
-              <a:rPr lang="en-US" baseline="0" dirty="0" smtClean="0"/>
-              <a:t>K-talk is about </a:t>
-            </a:r>
-            <a:r>
-              <a:rPr lang="en-US" baseline="0" dirty="0" smtClean="0"/>
-              <a:t>Microservice, </a:t>
-            </a:r>
-            <a:r>
-              <a:rPr lang="en-US" baseline="0" dirty="0" smtClean="0"/>
-              <a:t>we will be </a:t>
-            </a:r>
-            <a:r>
-              <a:rPr lang="en-US" baseline="0" dirty="0" smtClean="0"/>
-              <a:t>touching base with </a:t>
-            </a:r>
-            <a:r>
-              <a:rPr lang="en-US" baseline="0" dirty="0" smtClean="0"/>
-              <a:t>Azure Service </a:t>
-            </a:r>
-            <a:r>
-              <a:rPr lang="en-US" baseline="0" dirty="0" smtClean="0"/>
-              <a:t>Fabric. </a:t>
+              <a:t>This K-talk is about Microservice, we will be touching base with Azure Service Fabric. </a:t>
             </a:r>
             <a:endParaRPr lang="en-US" dirty="0"/>
           </a:p>
@@ -7094,11 +5980,7 @@
             </a:pPr>
             <a:r>
               <a:rPr lang="en-US" baseline="0" dirty="0" smtClean="0"/>
-              <a:t>It’s </a:t>
-            </a:r>
-            <a:r>
-              <a:rPr lang="en-US" baseline="0" dirty="0" smtClean="0"/>
-              <a:t>a simple state machine.</a:t>
+              <a:t>It’s a simple state machine.</a:t>
             </a:r>
           </a:p>
           <a:p>
@@ -8127,11 +7009,7 @@
             </a:pPr>
             <a:r>
               <a:rPr lang="en-US" dirty="0" smtClean="0"/>
-              <a:t>The </a:t>
-            </a:r>
-            <a:r>
-              <a:rPr lang="en-US" dirty="0" smtClean="0"/>
-              <a:t>service registry</a:t>
+              <a:t>The service registry</a:t>
             </a:r>
             <a:r>
               <a:rPr lang="en-US" baseline="0" dirty="0" smtClean="0"/>
@@ -8267,23 +7145,11 @@
             </a:pPr>
             <a:r>
               <a:rPr lang="en-US" dirty="0" smtClean="0"/>
-              <a:t>The </a:t>
-            </a:r>
-            <a:r>
-              <a:rPr lang="en-US" dirty="0" smtClean="0"/>
-              <a:t>service</a:t>
+              <a:t>The service</a:t>
             </a:r>
             <a:r>
               <a:rPr lang="en-US" baseline="0" dirty="0" smtClean="0"/>
-              <a:t> register communication is handed over to a router or load balancer. This router talks to the service </a:t>
-            </a:r>
-            <a:r>
-              <a:rPr lang="en-US" baseline="0" dirty="0" smtClean="0"/>
-              <a:t>register </a:t>
-            </a:r>
-            <a:r>
-              <a:rPr lang="en-US" baseline="0" dirty="0" smtClean="0"/>
-              <a:t>to locate the service.</a:t>
+              <a:t> register communication is handed over to a router or load balancer. This router talks to the service register to locate the service.</a:t>
             </a:r>
           </a:p>
           <a:p>
@@ -10760,15 +9626,7 @@
             </a:r>
             <a:r>
               <a:rPr lang="en-US" baseline="0" dirty="0" smtClean="0"/>
-              <a:t> is a quite a debate between the SOA community and microservices community about </a:t>
-            </a:r>
-            <a:r>
-              <a:rPr lang="en-US" baseline="0" dirty="0" smtClean="0"/>
-              <a:t>this. SOA </a:t>
-            </a:r>
-            <a:r>
-              <a:rPr lang="en-US" baseline="0" dirty="0" smtClean="0"/>
-              <a:t>community claims that they have been following the </a:t>
+              <a:t> is a quite a debate between the SOA community and microservices community about this. SOA community claims that they have been following the </a:t>
             </a:r>
             <a:r>
               <a:rPr lang="en-US" baseline="0" dirty="0" err="1" smtClean="0"/>
@@ -10786,19 +9644,7 @@
             </a:pPr>
             <a:r>
               <a:rPr lang="en-US" baseline="0" dirty="0" smtClean="0"/>
-              <a:t>Martin </a:t>
-            </a:r>
-            <a:r>
-              <a:rPr lang="en-US" baseline="0" dirty="0" smtClean="0"/>
-              <a:t>Flower a famous microservices solution architect states </a:t>
-            </a:r>
-            <a:r>
-              <a:rPr lang="en-US" baseline="0" dirty="0" smtClean="0"/>
-              <a:t>that Microservices are a subset of </a:t>
-            </a:r>
-            <a:r>
-              <a:rPr lang="en-US" baseline="0" dirty="0" smtClean="0"/>
-              <a:t>SOA</a:t>
+              <a:t>Martin Flower a famous microservices solution architect states that Microservices are a subset of SOA</a:t>
             </a:r>
           </a:p>
           <a:p>
@@ -10854,11 +9700,7 @@
             </a:pPr>
             <a:r>
               <a:rPr lang="en-US" baseline="0" dirty="0" smtClean="0"/>
-              <a:t>Service </a:t>
-            </a:r>
-            <a:r>
-              <a:rPr lang="en-US" baseline="0" dirty="0" smtClean="0"/>
-              <a:t>modeling happens around business capabilities</a:t>
+              <a:t>Service modeling happens around business capabilities</a:t>
             </a:r>
           </a:p>
           <a:p>
@@ -11499,7 +10341,7 @@
           <a:p>
             <a:fld id="{8BEEBAAA-29B5-4AF5-BC5F-7E580C29002D}" type="datetimeFigureOut">
               <a:rPr lang="en-US" smtClean="0"/>
-              <a:t>12/1/2016</a:t>
+              <a:t>12/2/2016</a:t>
             </a:fld>
             <a:endParaRPr lang="en-US"/>
           </a:p>
@@ -12281,7 +11123,7 @@
           <a:p>
             <a:fld id="{8BEEBAAA-29B5-4AF5-BC5F-7E580C29002D}" type="datetimeFigureOut">
               <a:rPr lang="en-US" smtClean="0"/>
-              <a:t>12/1/2016</a:t>
+              <a:t>12/2/2016</a:t>
             </a:fld>
             <a:endParaRPr lang="en-US"/>
           </a:p>
@@ -12793,7 +11635,7 @@
           <a:p>
             <a:fld id="{8BEEBAAA-29B5-4AF5-BC5F-7E580C29002D}" type="datetimeFigureOut">
               <a:rPr lang="en-US" smtClean="0"/>
-              <a:t>12/1/2016</a:t>
+              <a:t>12/2/2016</a:t>
             </a:fld>
             <a:endParaRPr lang="en-US"/>
           </a:p>
@@ -13239,12 +12081,12 @@
         <p:spPr>
           <a:xfrm>
             <a:off x="855620" y="2933105"/>
-            <a:ext cx="9582736" cy="1137793"/>
+            <a:ext cx="10936330" cy="1137793"/>
           </a:xfrm>
         </p:spPr>
         <p:txBody>
           <a:bodyPr>
-            <a:normAutofit/>
+            <a:normAutofit fontScale="92500"/>
           </a:bodyPr>
           <a:lstStyle/>
           <a:p>
@@ -13252,13 +12094,36 @@
               <a:buNone/>
             </a:pPr>
             <a:r>
-              <a:rPr lang="en-US" sz="2400" dirty="0" smtClean="0">
+              <a:rPr lang="en-US" sz="3000" dirty="0" smtClean="0">
                 <a:solidFill>
                   <a:schemeClr val="bg1"/>
                 </a:solidFill>
                 <a:latin typeface="+mj-lt"/>
               </a:rPr>
-              <a:t>Resilient and Reliable Service Implementation Using Azure Service Fabric</a:t>
+              <a:t>Resilient and Reliable Service Implementation Using Azure Service </a:t>
+            </a:r>
+            <a:r>
+              <a:rPr lang="en-US" sz="3000" dirty="0" smtClean="0">
+                <a:solidFill>
+                  <a:schemeClr val="bg1"/>
+                </a:solidFill>
+                <a:latin typeface="+mj-lt"/>
+              </a:rPr>
+              <a:t>Fabric</a:t>
+            </a:r>
+          </a:p>
+          <a:p>
+            <a:pPr marL="0" indent="0">
+              <a:buNone/>
+            </a:pPr>
+            <a:r>
+              <a:rPr lang="en-US" sz="2400" dirty="0" smtClean="0">
+                <a:solidFill>
+                  <a:schemeClr val="bg1"/>
+                </a:solidFill>
+                <a:latin typeface="+mj-lt"/>
+              </a:rPr>
+              <a:t>By Brian Perera and the Micros Team</a:t>
             </a:r>
             <a:endParaRPr lang="en-US" sz="2400" dirty="0">
               <a:solidFill>
@@ -25792,14 +24657,7 @@
                 <a:latin typeface="Segoe UI Light" panose="020B0502040204020203" pitchFamily="34" charset="0"/>
                 <a:cs typeface="Segoe UI Light" panose="020B0502040204020203" pitchFamily="34" charset="0"/>
               </a:rPr>
-              <a:t>Deployment - Clusters </a:t>
-            </a:r>
-            <a:r>
-              <a:rPr lang="en-US" dirty="0" smtClean="0">
-                <a:latin typeface="Segoe UI Light" panose="020B0502040204020203" pitchFamily="34" charset="0"/>
-                <a:cs typeface="Segoe UI Light" panose="020B0502040204020203" pitchFamily="34" charset="0"/>
-              </a:rPr>
-              <a:t>and Nodes</a:t>
+              <a:t>Deployment - Clusters and Nodes</a:t>
             </a:r>
             <a:endParaRPr lang="en-US" dirty="0">
               <a:latin typeface="Segoe UI Light" panose="020B0502040204020203" pitchFamily="34" charset="0"/>
@@ -33701,6 +32559,274 @@
 </p:sld>
 </file>
 
+<file path=ppt/slides/slide36.xml><?xml version="1.0" encoding="utf-8"?>
+<p:sld xmlns:a="http://schemas.openxmlformats.org/drawingml/2006/main" xmlns:r="http://schemas.openxmlformats.org/officeDocument/2006/relationships" xmlns:p="http://schemas.openxmlformats.org/presentationml/2006/main">
+  <p:cSld>
+    <p:spTree>
+      <p:nvGrpSpPr>
+        <p:cNvPr id="1" name=""/>
+        <p:cNvGrpSpPr/>
+        <p:nvPr/>
+      </p:nvGrpSpPr>
+      <p:grpSpPr>
+        <a:xfrm>
+          <a:off x="0" y="0"/>
+          <a:ext cx="0" cy="0"/>
+          <a:chOff x="0" y="0"/>
+          <a:chExt cx="0" cy="0"/>
+        </a:xfrm>
+      </p:grpSpPr>
+      <p:pic>
+        <p:nvPicPr>
+          <p:cNvPr id="4" name="Picture 3"/>
+          <p:cNvPicPr>
+            <a:picLocks noChangeAspect="1"/>
+          </p:cNvPicPr>
+          <p:nvPr/>
+        </p:nvPicPr>
+        <p:blipFill>
+          <a:blip r:embed="rId2">
+            <a:extLst>
+              <a:ext uri="{28A0092B-C50C-407E-A947-70E740481C1C}">
+                <a14:useLocalDpi xmlns:a14="http://schemas.microsoft.com/office/drawing/2010/main" val="0"/>
+              </a:ext>
+            </a:extLst>
+          </a:blip>
+          <a:stretch>
+            <a:fillRect/>
+          </a:stretch>
+        </p:blipFill>
+        <p:spPr>
+          <a:xfrm>
+            <a:off x="0" y="622761"/>
+            <a:ext cx="12192000" cy="5612477"/>
+          </a:xfrm>
+          <a:prstGeom prst="rect">
+            <a:avLst/>
+          </a:prstGeom>
+        </p:spPr>
+      </p:pic>
+    </p:spTree>
+    <p:extLst>
+      <p:ext uri="{BB962C8B-B14F-4D97-AF65-F5344CB8AC3E}">
+        <p14:creationId xmlns:p14="http://schemas.microsoft.com/office/powerpoint/2010/main" val="877605111"/>
+      </p:ext>
+    </p:extLst>
+  </p:cSld>
+  <p:clrMapOvr>
+    <a:masterClrMapping/>
+  </p:clrMapOvr>
+  <p:timing>
+    <p:tnLst>
+      <p:par>
+        <p:cTn id="1" dur="indefinite" restart="never" nodeType="tmRoot"/>
+      </p:par>
+    </p:tnLst>
+  </p:timing>
+</p:sld>
+</file>
+
+<file path=ppt/slides/slide37.xml><?xml version="1.0" encoding="utf-8"?>
+<p:sld xmlns:a="http://schemas.openxmlformats.org/drawingml/2006/main" xmlns:r="http://schemas.openxmlformats.org/officeDocument/2006/relationships" xmlns:p="http://schemas.openxmlformats.org/presentationml/2006/main">
+  <p:cSld>
+    <p:spTree>
+      <p:nvGrpSpPr>
+        <p:cNvPr id="1" name=""/>
+        <p:cNvGrpSpPr/>
+        <p:nvPr/>
+      </p:nvGrpSpPr>
+      <p:grpSpPr>
+        <a:xfrm>
+          <a:off x="0" y="0"/>
+          <a:ext cx="0" cy="0"/>
+          <a:chOff x="0" y="0"/>
+          <a:chExt cx="0" cy="0"/>
+        </a:xfrm>
+      </p:grpSpPr>
+      <p:pic>
+        <p:nvPicPr>
+          <p:cNvPr id="5" name="Picture 4"/>
+          <p:cNvPicPr>
+            <a:picLocks noChangeAspect="1"/>
+          </p:cNvPicPr>
+          <p:nvPr/>
+        </p:nvPicPr>
+        <p:blipFill>
+          <a:blip r:embed="rId2">
+            <a:extLst>
+              <a:ext uri="{28A0092B-C50C-407E-A947-70E740481C1C}">
+                <a14:useLocalDpi xmlns:a14="http://schemas.microsoft.com/office/drawing/2010/main" val="0"/>
+              </a:ext>
+            </a:extLst>
+          </a:blip>
+          <a:stretch>
+            <a:fillRect/>
+          </a:stretch>
+        </p:blipFill>
+        <p:spPr>
+          <a:xfrm>
+            <a:off x="0" y="622761"/>
+            <a:ext cx="12192000" cy="5612477"/>
+          </a:xfrm>
+          <a:prstGeom prst="rect">
+            <a:avLst/>
+          </a:prstGeom>
+        </p:spPr>
+      </p:pic>
+    </p:spTree>
+    <p:extLst>
+      <p:ext uri="{BB962C8B-B14F-4D97-AF65-F5344CB8AC3E}">
+        <p14:creationId xmlns:p14="http://schemas.microsoft.com/office/powerpoint/2010/main" val="2982697097"/>
+      </p:ext>
+    </p:extLst>
+  </p:cSld>
+  <p:clrMapOvr>
+    <a:masterClrMapping/>
+  </p:clrMapOvr>
+  <p:timing>
+    <p:tnLst>
+      <p:par>
+        <p:cTn id="1" dur="indefinite" restart="never" nodeType="tmRoot"/>
+      </p:par>
+    </p:tnLst>
+  </p:timing>
+</p:sld>
+</file>
+
+<file path=ppt/slides/slide38.xml><?xml version="1.0" encoding="utf-8"?>
+<p:sld xmlns:a="http://schemas.openxmlformats.org/drawingml/2006/main" xmlns:r="http://schemas.openxmlformats.org/officeDocument/2006/relationships" xmlns:p="http://schemas.openxmlformats.org/presentationml/2006/main">
+  <p:cSld>
+    <p:spTree>
+      <p:nvGrpSpPr>
+        <p:cNvPr id="1" name=""/>
+        <p:cNvGrpSpPr/>
+        <p:nvPr/>
+      </p:nvGrpSpPr>
+      <p:grpSpPr>
+        <a:xfrm>
+          <a:off x="0" y="0"/>
+          <a:ext cx="0" cy="0"/>
+          <a:chOff x="0" y="0"/>
+          <a:chExt cx="0" cy="0"/>
+        </a:xfrm>
+      </p:grpSpPr>
+      <p:pic>
+        <p:nvPicPr>
+          <p:cNvPr id="2" name="Picture 1"/>
+          <p:cNvPicPr>
+            <a:picLocks noChangeAspect="1"/>
+          </p:cNvPicPr>
+          <p:nvPr/>
+        </p:nvPicPr>
+        <p:blipFill>
+          <a:blip r:embed="rId2">
+            <a:extLst>
+              <a:ext uri="{28A0092B-C50C-407E-A947-70E740481C1C}">
+                <a14:useLocalDpi xmlns:a14="http://schemas.microsoft.com/office/drawing/2010/main" val="0"/>
+              </a:ext>
+            </a:extLst>
+          </a:blip>
+          <a:stretch>
+            <a:fillRect/>
+          </a:stretch>
+        </p:blipFill>
+        <p:spPr>
+          <a:xfrm>
+            <a:off x="0" y="622761"/>
+            <a:ext cx="12192000" cy="5612477"/>
+          </a:xfrm>
+          <a:prstGeom prst="rect">
+            <a:avLst/>
+          </a:prstGeom>
+        </p:spPr>
+      </p:pic>
+    </p:spTree>
+    <p:extLst>
+      <p:ext uri="{BB962C8B-B14F-4D97-AF65-F5344CB8AC3E}">
+        <p14:creationId xmlns:p14="http://schemas.microsoft.com/office/powerpoint/2010/main" val="1758124592"/>
+      </p:ext>
+    </p:extLst>
+  </p:cSld>
+  <p:clrMapOvr>
+    <a:masterClrMapping/>
+  </p:clrMapOvr>
+  <p:timing>
+    <p:tnLst>
+      <p:par>
+        <p:cTn id="1" dur="indefinite" restart="never" nodeType="tmRoot"/>
+      </p:par>
+    </p:tnLst>
+  </p:timing>
+</p:sld>
+</file>
+
+<file path=ppt/slides/slide39.xml><?xml version="1.0" encoding="utf-8"?>
+<p:sld xmlns:a="http://schemas.openxmlformats.org/drawingml/2006/main" xmlns:r="http://schemas.openxmlformats.org/officeDocument/2006/relationships" xmlns:p="http://schemas.openxmlformats.org/presentationml/2006/main">
+  <p:cSld>
+    <p:spTree>
+      <p:nvGrpSpPr>
+        <p:cNvPr id="1" name=""/>
+        <p:cNvGrpSpPr/>
+        <p:nvPr/>
+      </p:nvGrpSpPr>
+      <p:grpSpPr>
+        <a:xfrm>
+          <a:off x="0" y="0"/>
+          <a:ext cx="0" cy="0"/>
+          <a:chOff x="0" y="0"/>
+          <a:chExt cx="0" cy="0"/>
+        </a:xfrm>
+      </p:grpSpPr>
+      <p:pic>
+        <p:nvPicPr>
+          <p:cNvPr id="3" name="Picture 2"/>
+          <p:cNvPicPr>
+            <a:picLocks noChangeAspect="1"/>
+          </p:cNvPicPr>
+          <p:nvPr/>
+        </p:nvPicPr>
+        <p:blipFill>
+          <a:blip r:embed="rId2">
+            <a:extLst>
+              <a:ext uri="{28A0092B-C50C-407E-A947-70E740481C1C}">
+                <a14:useLocalDpi xmlns:a14="http://schemas.microsoft.com/office/drawing/2010/main" val="0"/>
+              </a:ext>
+            </a:extLst>
+          </a:blip>
+          <a:stretch>
+            <a:fillRect/>
+          </a:stretch>
+        </p:blipFill>
+        <p:spPr>
+          <a:xfrm>
+            <a:off x="0" y="622761"/>
+            <a:ext cx="12192000" cy="5612477"/>
+          </a:xfrm>
+          <a:prstGeom prst="rect">
+            <a:avLst/>
+          </a:prstGeom>
+        </p:spPr>
+      </p:pic>
+    </p:spTree>
+    <p:extLst>
+      <p:ext uri="{BB962C8B-B14F-4D97-AF65-F5344CB8AC3E}">
+        <p14:creationId xmlns:p14="http://schemas.microsoft.com/office/powerpoint/2010/main" val="2165126420"/>
+      </p:ext>
+    </p:extLst>
+  </p:cSld>
+  <p:clrMapOvr>
+    <a:masterClrMapping/>
+  </p:clrMapOvr>
+  <p:timing>
+    <p:tnLst>
+      <p:par>
+        <p:cTn id="1" dur="indefinite" restart="never" nodeType="tmRoot"/>
+      </p:par>
+    </p:tnLst>
+  </p:timing>
+</p:sld>
+</file>
+
 <file path=ppt/slides/slide4.xml><?xml version="1.0" encoding="utf-8"?>
 <p:sld xmlns:a="http://schemas.openxmlformats.org/drawingml/2006/main" xmlns:r="http://schemas.openxmlformats.org/officeDocument/2006/relationships" xmlns:p="http://schemas.openxmlformats.org/presentationml/2006/main">
   <p:cSld>
@@ -35162,6 +34288,676 @@
 </p:sld>
 </file>
 
+<file path=ppt/slides/slide40.xml><?xml version="1.0" encoding="utf-8"?>
+<p:sld xmlns:a="http://schemas.openxmlformats.org/drawingml/2006/main" xmlns:r="http://schemas.openxmlformats.org/officeDocument/2006/relationships" xmlns:p="http://schemas.openxmlformats.org/presentationml/2006/main">
+  <p:cSld>
+    <p:spTree>
+      <p:nvGrpSpPr>
+        <p:cNvPr id="1" name=""/>
+        <p:cNvGrpSpPr/>
+        <p:nvPr/>
+      </p:nvGrpSpPr>
+      <p:grpSpPr>
+        <a:xfrm>
+          <a:off x="0" y="0"/>
+          <a:ext cx="0" cy="0"/>
+          <a:chOff x="0" y="0"/>
+          <a:chExt cx="0" cy="0"/>
+        </a:xfrm>
+      </p:grpSpPr>
+      <p:pic>
+        <p:nvPicPr>
+          <p:cNvPr id="2" name="Picture 1"/>
+          <p:cNvPicPr>
+            <a:picLocks noChangeAspect="1"/>
+          </p:cNvPicPr>
+          <p:nvPr/>
+        </p:nvPicPr>
+        <p:blipFill>
+          <a:blip r:embed="rId2">
+            <a:extLst>
+              <a:ext uri="{28A0092B-C50C-407E-A947-70E740481C1C}">
+                <a14:useLocalDpi xmlns:a14="http://schemas.microsoft.com/office/drawing/2010/main" val="0"/>
+              </a:ext>
+            </a:extLst>
+          </a:blip>
+          <a:stretch>
+            <a:fillRect/>
+          </a:stretch>
+        </p:blipFill>
+        <p:spPr>
+          <a:xfrm>
+            <a:off x="0" y="622761"/>
+            <a:ext cx="12192000" cy="5612477"/>
+          </a:xfrm>
+          <a:prstGeom prst="rect">
+            <a:avLst/>
+          </a:prstGeom>
+        </p:spPr>
+      </p:pic>
+    </p:spTree>
+    <p:extLst>
+      <p:ext uri="{BB962C8B-B14F-4D97-AF65-F5344CB8AC3E}">
+        <p14:creationId xmlns:p14="http://schemas.microsoft.com/office/powerpoint/2010/main" val="3098415914"/>
+      </p:ext>
+    </p:extLst>
+  </p:cSld>
+  <p:clrMapOvr>
+    <a:masterClrMapping/>
+  </p:clrMapOvr>
+  <p:timing>
+    <p:tnLst>
+      <p:par>
+        <p:cTn id="1" dur="indefinite" restart="never" nodeType="tmRoot"/>
+      </p:par>
+    </p:tnLst>
+  </p:timing>
+</p:sld>
+</file>
+
+<file path=ppt/slides/slide41.xml><?xml version="1.0" encoding="utf-8"?>
+<p:sld xmlns:a="http://schemas.openxmlformats.org/drawingml/2006/main" xmlns:r="http://schemas.openxmlformats.org/officeDocument/2006/relationships" xmlns:p="http://schemas.openxmlformats.org/presentationml/2006/main">
+  <p:cSld>
+    <p:spTree>
+      <p:nvGrpSpPr>
+        <p:cNvPr id="1" name=""/>
+        <p:cNvGrpSpPr/>
+        <p:nvPr/>
+      </p:nvGrpSpPr>
+      <p:grpSpPr>
+        <a:xfrm>
+          <a:off x="0" y="0"/>
+          <a:ext cx="0" cy="0"/>
+          <a:chOff x="0" y="0"/>
+          <a:chExt cx="0" cy="0"/>
+        </a:xfrm>
+      </p:grpSpPr>
+      <p:pic>
+        <p:nvPicPr>
+          <p:cNvPr id="3" name="Picture 2"/>
+          <p:cNvPicPr>
+            <a:picLocks noChangeAspect="1"/>
+          </p:cNvPicPr>
+          <p:nvPr/>
+        </p:nvPicPr>
+        <p:blipFill>
+          <a:blip r:embed="rId2">
+            <a:extLst>
+              <a:ext uri="{28A0092B-C50C-407E-A947-70E740481C1C}">
+                <a14:useLocalDpi xmlns:a14="http://schemas.microsoft.com/office/drawing/2010/main" val="0"/>
+              </a:ext>
+            </a:extLst>
+          </a:blip>
+          <a:stretch>
+            <a:fillRect/>
+          </a:stretch>
+        </p:blipFill>
+        <p:spPr>
+          <a:xfrm>
+            <a:off x="0" y="622761"/>
+            <a:ext cx="12192000" cy="5612477"/>
+          </a:xfrm>
+          <a:prstGeom prst="rect">
+            <a:avLst/>
+          </a:prstGeom>
+        </p:spPr>
+      </p:pic>
+    </p:spTree>
+    <p:extLst>
+      <p:ext uri="{BB962C8B-B14F-4D97-AF65-F5344CB8AC3E}">
+        <p14:creationId xmlns:p14="http://schemas.microsoft.com/office/powerpoint/2010/main" val="1041965423"/>
+      </p:ext>
+    </p:extLst>
+  </p:cSld>
+  <p:clrMapOvr>
+    <a:masterClrMapping/>
+  </p:clrMapOvr>
+  <p:timing>
+    <p:tnLst>
+      <p:par>
+        <p:cTn id="1" dur="indefinite" restart="never" nodeType="tmRoot"/>
+      </p:par>
+    </p:tnLst>
+  </p:timing>
+</p:sld>
+</file>
+
+<file path=ppt/slides/slide42.xml><?xml version="1.0" encoding="utf-8"?>
+<p:sld xmlns:a="http://schemas.openxmlformats.org/drawingml/2006/main" xmlns:r="http://schemas.openxmlformats.org/officeDocument/2006/relationships" xmlns:p="http://schemas.openxmlformats.org/presentationml/2006/main">
+  <p:cSld>
+    <p:spTree>
+      <p:nvGrpSpPr>
+        <p:cNvPr id="1" name=""/>
+        <p:cNvGrpSpPr/>
+        <p:nvPr/>
+      </p:nvGrpSpPr>
+      <p:grpSpPr>
+        <a:xfrm>
+          <a:off x="0" y="0"/>
+          <a:ext cx="0" cy="0"/>
+          <a:chOff x="0" y="0"/>
+          <a:chExt cx="0" cy="0"/>
+        </a:xfrm>
+      </p:grpSpPr>
+      <p:pic>
+        <p:nvPicPr>
+          <p:cNvPr id="2" name="Picture 1"/>
+          <p:cNvPicPr>
+            <a:picLocks noChangeAspect="1"/>
+          </p:cNvPicPr>
+          <p:nvPr/>
+        </p:nvPicPr>
+        <p:blipFill>
+          <a:blip r:embed="rId2">
+            <a:extLst>
+              <a:ext uri="{28A0092B-C50C-407E-A947-70E740481C1C}">
+                <a14:useLocalDpi xmlns:a14="http://schemas.microsoft.com/office/drawing/2010/main" val="0"/>
+              </a:ext>
+            </a:extLst>
+          </a:blip>
+          <a:stretch>
+            <a:fillRect/>
+          </a:stretch>
+        </p:blipFill>
+        <p:spPr>
+          <a:xfrm>
+            <a:off x="0" y="622761"/>
+            <a:ext cx="12192000" cy="5612477"/>
+          </a:xfrm>
+          <a:prstGeom prst="rect">
+            <a:avLst/>
+          </a:prstGeom>
+        </p:spPr>
+      </p:pic>
+    </p:spTree>
+    <p:extLst>
+      <p:ext uri="{BB962C8B-B14F-4D97-AF65-F5344CB8AC3E}">
+        <p14:creationId xmlns:p14="http://schemas.microsoft.com/office/powerpoint/2010/main" val="2892993819"/>
+      </p:ext>
+    </p:extLst>
+  </p:cSld>
+  <p:clrMapOvr>
+    <a:masterClrMapping/>
+  </p:clrMapOvr>
+  <p:timing>
+    <p:tnLst>
+      <p:par>
+        <p:cTn id="1" dur="indefinite" restart="never" nodeType="tmRoot"/>
+      </p:par>
+    </p:tnLst>
+  </p:timing>
+</p:sld>
+</file>
+
+<file path=ppt/slides/slide43.xml><?xml version="1.0" encoding="utf-8"?>
+<p:sld xmlns:a="http://schemas.openxmlformats.org/drawingml/2006/main" xmlns:r="http://schemas.openxmlformats.org/officeDocument/2006/relationships" xmlns:p="http://schemas.openxmlformats.org/presentationml/2006/main">
+  <p:cSld>
+    <p:spTree>
+      <p:nvGrpSpPr>
+        <p:cNvPr id="1" name=""/>
+        <p:cNvGrpSpPr/>
+        <p:nvPr/>
+      </p:nvGrpSpPr>
+      <p:grpSpPr>
+        <a:xfrm>
+          <a:off x="0" y="0"/>
+          <a:ext cx="0" cy="0"/>
+          <a:chOff x="0" y="0"/>
+          <a:chExt cx="0" cy="0"/>
+        </a:xfrm>
+      </p:grpSpPr>
+      <p:pic>
+        <p:nvPicPr>
+          <p:cNvPr id="3" name="Picture 2"/>
+          <p:cNvPicPr>
+            <a:picLocks noChangeAspect="1"/>
+          </p:cNvPicPr>
+          <p:nvPr/>
+        </p:nvPicPr>
+        <p:blipFill>
+          <a:blip r:embed="rId2">
+            <a:extLst>
+              <a:ext uri="{28A0092B-C50C-407E-A947-70E740481C1C}">
+                <a14:useLocalDpi xmlns:a14="http://schemas.microsoft.com/office/drawing/2010/main" val="0"/>
+              </a:ext>
+            </a:extLst>
+          </a:blip>
+          <a:stretch>
+            <a:fillRect/>
+          </a:stretch>
+        </p:blipFill>
+        <p:spPr>
+          <a:xfrm>
+            <a:off x="0" y="622761"/>
+            <a:ext cx="12192000" cy="5612477"/>
+          </a:xfrm>
+          <a:prstGeom prst="rect">
+            <a:avLst/>
+          </a:prstGeom>
+        </p:spPr>
+      </p:pic>
+    </p:spTree>
+    <p:extLst>
+      <p:ext uri="{BB962C8B-B14F-4D97-AF65-F5344CB8AC3E}">
+        <p14:creationId xmlns:p14="http://schemas.microsoft.com/office/powerpoint/2010/main" val="1164823500"/>
+      </p:ext>
+    </p:extLst>
+  </p:cSld>
+  <p:clrMapOvr>
+    <a:masterClrMapping/>
+  </p:clrMapOvr>
+  <p:timing>
+    <p:tnLst>
+      <p:par>
+        <p:cTn id="1" dur="indefinite" restart="never" nodeType="tmRoot"/>
+      </p:par>
+    </p:tnLst>
+  </p:timing>
+</p:sld>
+</file>
+
+<file path=ppt/slides/slide44.xml><?xml version="1.0" encoding="utf-8"?>
+<p:sld xmlns:a="http://schemas.openxmlformats.org/drawingml/2006/main" xmlns:r="http://schemas.openxmlformats.org/officeDocument/2006/relationships" xmlns:p="http://schemas.openxmlformats.org/presentationml/2006/main">
+  <p:cSld>
+    <p:spTree>
+      <p:nvGrpSpPr>
+        <p:cNvPr id="1" name=""/>
+        <p:cNvGrpSpPr/>
+        <p:nvPr/>
+      </p:nvGrpSpPr>
+      <p:grpSpPr>
+        <a:xfrm>
+          <a:off x="0" y="0"/>
+          <a:ext cx="0" cy="0"/>
+          <a:chOff x="0" y="0"/>
+          <a:chExt cx="0" cy="0"/>
+        </a:xfrm>
+      </p:grpSpPr>
+      <p:pic>
+        <p:nvPicPr>
+          <p:cNvPr id="2" name="Picture 1"/>
+          <p:cNvPicPr>
+            <a:picLocks noChangeAspect="1"/>
+          </p:cNvPicPr>
+          <p:nvPr/>
+        </p:nvPicPr>
+        <p:blipFill>
+          <a:blip r:embed="rId2">
+            <a:extLst>
+              <a:ext uri="{28A0092B-C50C-407E-A947-70E740481C1C}">
+                <a14:useLocalDpi xmlns:a14="http://schemas.microsoft.com/office/drawing/2010/main" val="0"/>
+              </a:ext>
+            </a:extLst>
+          </a:blip>
+          <a:stretch>
+            <a:fillRect/>
+          </a:stretch>
+        </p:blipFill>
+        <p:spPr>
+          <a:xfrm>
+            <a:off x="0" y="622761"/>
+            <a:ext cx="12192000" cy="5612477"/>
+          </a:xfrm>
+          <a:prstGeom prst="rect">
+            <a:avLst/>
+          </a:prstGeom>
+        </p:spPr>
+      </p:pic>
+    </p:spTree>
+    <p:extLst>
+      <p:ext uri="{BB962C8B-B14F-4D97-AF65-F5344CB8AC3E}">
+        <p14:creationId xmlns:p14="http://schemas.microsoft.com/office/powerpoint/2010/main" val="1212487426"/>
+      </p:ext>
+    </p:extLst>
+  </p:cSld>
+  <p:clrMapOvr>
+    <a:masterClrMapping/>
+  </p:clrMapOvr>
+  <p:timing>
+    <p:tnLst>
+      <p:par>
+        <p:cTn id="1" dur="indefinite" restart="never" nodeType="tmRoot"/>
+      </p:par>
+    </p:tnLst>
+  </p:timing>
+</p:sld>
+</file>
+
+<file path=ppt/slides/slide45.xml><?xml version="1.0" encoding="utf-8"?>
+<p:sld xmlns:a="http://schemas.openxmlformats.org/drawingml/2006/main" xmlns:r="http://schemas.openxmlformats.org/officeDocument/2006/relationships" xmlns:p="http://schemas.openxmlformats.org/presentationml/2006/main">
+  <p:cSld>
+    <p:spTree>
+      <p:nvGrpSpPr>
+        <p:cNvPr id="1" name=""/>
+        <p:cNvGrpSpPr/>
+        <p:nvPr/>
+      </p:nvGrpSpPr>
+      <p:grpSpPr>
+        <a:xfrm>
+          <a:off x="0" y="0"/>
+          <a:ext cx="0" cy="0"/>
+          <a:chOff x="0" y="0"/>
+          <a:chExt cx="0" cy="0"/>
+        </a:xfrm>
+      </p:grpSpPr>
+      <p:pic>
+        <p:nvPicPr>
+          <p:cNvPr id="3" name="Picture 2"/>
+          <p:cNvPicPr>
+            <a:picLocks noChangeAspect="1"/>
+          </p:cNvPicPr>
+          <p:nvPr/>
+        </p:nvPicPr>
+        <p:blipFill>
+          <a:blip r:embed="rId2">
+            <a:extLst>
+              <a:ext uri="{28A0092B-C50C-407E-A947-70E740481C1C}">
+                <a14:useLocalDpi xmlns:a14="http://schemas.microsoft.com/office/drawing/2010/main" val="0"/>
+              </a:ext>
+            </a:extLst>
+          </a:blip>
+          <a:stretch>
+            <a:fillRect/>
+          </a:stretch>
+        </p:blipFill>
+        <p:spPr>
+          <a:xfrm>
+            <a:off x="0" y="622761"/>
+            <a:ext cx="12192000" cy="5612477"/>
+          </a:xfrm>
+          <a:prstGeom prst="rect">
+            <a:avLst/>
+          </a:prstGeom>
+        </p:spPr>
+      </p:pic>
+    </p:spTree>
+    <p:extLst>
+      <p:ext uri="{BB962C8B-B14F-4D97-AF65-F5344CB8AC3E}">
+        <p14:creationId xmlns:p14="http://schemas.microsoft.com/office/powerpoint/2010/main" val="3744615653"/>
+      </p:ext>
+    </p:extLst>
+  </p:cSld>
+  <p:clrMapOvr>
+    <a:masterClrMapping/>
+  </p:clrMapOvr>
+  <p:timing>
+    <p:tnLst>
+      <p:par>
+        <p:cTn id="1" dur="indefinite" restart="never" nodeType="tmRoot"/>
+      </p:par>
+    </p:tnLst>
+  </p:timing>
+</p:sld>
+</file>
+
+<file path=ppt/slides/slide46.xml><?xml version="1.0" encoding="utf-8"?>
+<p:sld xmlns:a="http://schemas.openxmlformats.org/drawingml/2006/main" xmlns:r="http://schemas.openxmlformats.org/officeDocument/2006/relationships" xmlns:p="http://schemas.openxmlformats.org/presentationml/2006/main">
+  <p:cSld>
+    <p:spTree>
+      <p:nvGrpSpPr>
+        <p:cNvPr id="1" name=""/>
+        <p:cNvGrpSpPr/>
+        <p:nvPr/>
+      </p:nvGrpSpPr>
+      <p:grpSpPr>
+        <a:xfrm>
+          <a:off x="0" y="0"/>
+          <a:ext cx="0" cy="0"/>
+          <a:chOff x="0" y="0"/>
+          <a:chExt cx="0" cy="0"/>
+        </a:xfrm>
+      </p:grpSpPr>
+      <p:pic>
+        <p:nvPicPr>
+          <p:cNvPr id="2" name="Picture 1"/>
+          <p:cNvPicPr>
+            <a:picLocks noChangeAspect="1"/>
+          </p:cNvPicPr>
+          <p:nvPr/>
+        </p:nvPicPr>
+        <p:blipFill>
+          <a:blip r:embed="rId2">
+            <a:extLst>
+              <a:ext uri="{28A0092B-C50C-407E-A947-70E740481C1C}">
+                <a14:useLocalDpi xmlns:a14="http://schemas.microsoft.com/office/drawing/2010/main" val="0"/>
+              </a:ext>
+            </a:extLst>
+          </a:blip>
+          <a:stretch>
+            <a:fillRect/>
+          </a:stretch>
+        </p:blipFill>
+        <p:spPr>
+          <a:xfrm>
+            <a:off x="0" y="622761"/>
+            <a:ext cx="12192000" cy="5612477"/>
+          </a:xfrm>
+          <a:prstGeom prst="rect">
+            <a:avLst/>
+          </a:prstGeom>
+        </p:spPr>
+      </p:pic>
+    </p:spTree>
+    <p:extLst>
+      <p:ext uri="{BB962C8B-B14F-4D97-AF65-F5344CB8AC3E}">
+        <p14:creationId xmlns:p14="http://schemas.microsoft.com/office/powerpoint/2010/main" val="2843000738"/>
+      </p:ext>
+    </p:extLst>
+  </p:cSld>
+  <p:clrMapOvr>
+    <a:masterClrMapping/>
+  </p:clrMapOvr>
+  <p:timing>
+    <p:tnLst>
+      <p:par>
+        <p:cTn id="1" dur="indefinite" restart="never" nodeType="tmRoot"/>
+      </p:par>
+    </p:tnLst>
+  </p:timing>
+</p:sld>
+</file>
+
+<file path=ppt/slides/slide47.xml><?xml version="1.0" encoding="utf-8"?>
+<p:sld xmlns:a="http://schemas.openxmlformats.org/drawingml/2006/main" xmlns:r="http://schemas.openxmlformats.org/officeDocument/2006/relationships" xmlns:p="http://schemas.openxmlformats.org/presentationml/2006/main">
+  <p:cSld>
+    <p:spTree>
+      <p:nvGrpSpPr>
+        <p:cNvPr id="1" name=""/>
+        <p:cNvGrpSpPr/>
+        <p:nvPr/>
+      </p:nvGrpSpPr>
+      <p:grpSpPr>
+        <a:xfrm>
+          <a:off x="0" y="0"/>
+          <a:ext cx="0" cy="0"/>
+          <a:chOff x="0" y="0"/>
+          <a:chExt cx="0" cy="0"/>
+        </a:xfrm>
+      </p:grpSpPr>
+      <p:pic>
+        <p:nvPicPr>
+          <p:cNvPr id="3" name="Picture 2"/>
+          <p:cNvPicPr>
+            <a:picLocks noChangeAspect="1"/>
+          </p:cNvPicPr>
+          <p:nvPr/>
+        </p:nvPicPr>
+        <p:blipFill>
+          <a:blip r:embed="rId2">
+            <a:extLst>
+              <a:ext uri="{28A0092B-C50C-407E-A947-70E740481C1C}">
+                <a14:useLocalDpi xmlns:a14="http://schemas.microsoft.com/office/drawing/2010/main" val="0"/>
+              </a:ext>
+            </a:extLst>
+          </a:blip>
+          <a:stretch>
+            <a:fillRect/>
+          </a:stretch>
+        </p:blipFill>
+        <p:spPr>
+          <a:xfrm>
+            <a:off x="0" y="622761"/>
+            <a:ext cx="12192000" cy="5612477"/>
+          </a:xfrm>
+          <a:prstGeom prst="rect">
+            <a:avLst/>
+          </a:prstGeom>
+        </p:spPr>
+      </p:pic>
+    </p:spTree>
+    <p:extLst>
+      <p:ext uri="{BB962C8B-B14F-4D97-AF65-F5344CB8AC3E}">
+        <p14:creationId xmlns:p14="http://schemas.microsoft.com/office/powerpoint/2010/main" val="658221313"/>
+      </p:ext>
+    </p:extLst>
+  </p:cSld>
+  <p:clrMapOvr>
+    <a:masterClrMapping/>
+  </p:clrMapOvr>
+  <p:timing>
+    <p:tnLst>
+      <p:par>
+        <p:cTn id="1" dur="indefinite" restart="never" nodeType="tmRoot"/>
+      </p:par>
+    </p:tnLst>
+  </p:timing>
+</p:sld>
+</file>
+
+<file path=ppt/slides/slide48.xml><?xml version="1.0" encoding="utf-8"?>
+<p:sld xmlns:a="http://schemas.openxmlformats.org/drawingml/2006/main" xmlns:r="http://schemas.openxmlformats.org/officeDocument/2006/relationships" xmlns:p="http://schemas.openxmlformats.org/presentationml/2006/main">
+  <p:cSld>
+    <p:spTree>
+      <p:nvGrpSpPr>
+        <p:cNvPr id="1" name=""/>
+        <p:cNvGrpSpPr/>
+        <p:nvPr/>
+      </p:nvGrpSpPr>
+      <p:grpSpPr>
+        <a:xfrm>
+          <a:off x="0" y="0"/>
+          <a:ext cx="0" cy="0"/>
+          <a:chOff x="0" y="0"/>
+          <a:chExt cx="0" cy="0"/>
+        </a:xfrm>
+      </p:grpSpPr>
+      <p:pic>
+        <p:nvPicPr>
+          <p:cNvPr id="2" name="Picture 1"/>
+          <p:cNvPicPr>
+            <a:picLocks noChangeAspect="1"/>
+          </p:cNvPicPr>
+          <p:nvPr/>
+        </p:nvPicPr>
+        <p:blipFill>
+          <a:blip r:embed="rId2">
+            <a:extLst>
+              <a:ext uri="{28A0092B-C50C-407E-A947-70E740481C1C}">
+                <a14:useLocalDpi xmlns:a14="http://schemas.microsoft.com/office/drawing/2010/main" val="0"/>
+              </a:ext>
+            </a:extLst>
+          </a:blip>
+          <a:stretch>
+            <a:fillRect/>
+          </a:stretch>
+        </p:blipFill>
+        <p:spPr>
+          <a:xfrm>
+            <a:off x="0" y="179885"/>
+            <a:ext cx="12192000" cy="6498229"/>
+          </a:xfrm>
+          <a:prstGeom prst="rect">
+            <a:avLst/>
+          </a:prstGeom>
+        </p:spPr>
+      </p:pic>
+    </p:spTree>
+    <p:extLst>
+      <p:ext uri="{BB962C8B-B14F-4D97-AF65-F5344CB8AC3E}">
+        <p14:creationId xmlns:p14="http://schemas.microsoft.com/office/powerpoint/2010/main" val="501572545"/>
+      </p:ext>
+    </p:extLst>
+  </p:cSld>
+  <p:clrMapOvr>
+    <a:masterClrMapping/>
+  </p:clrMapOvr>
+  <p:timing>
+    <p:tnLst>
+      <p:par>
+        <p:cTn id="1" dur="indefinite" restart="never" nodeType="tmRoot"/>
+      </p:par>
+    </p:tnLst>
+  </p:timing>
+</p:sld>
+</file>
+
+<file path=ppt/slides/slide49.xml><?xml version="1.0" encoding="utf-8"?>
+<p:sld xmlns:a="http://schemas.openxmlformats.org/drawingml/2006/main" xmlns:r="http://schemas.openxmlformats.org/officeDocument/2006/relationships" xmlns:p="http://schemas.openxmlformats.org/presentationml/2006/main">
+  <p:cSld>
+    <p:spTree>
+      <p:nvGrpSpPr>
+        <p:cNvPr id="1" name=""/>
+        <p:cNvGrpSpPr/>
+        <p:nvPr/>
+      </p:nvGrpSpPr>
+      <p:grpSpPr>
+        <a:xfrm>
+          <a:off x="0" y="0"/>
+          <a:ext cx="0" cy="0"/>
+          <a:chOff x="0" y="0"/>
+          <a:chExt cx="0" cy="0"/>
+        </a:xfrm>
+      </p:grpSpPr>
+      <p:pic>
+        <p:nvPicPr>
+          <p:cNvPr id="3" name="Picture 2"/>
+          <p:cNvPicPr>
+            <a:picLocks noChangeAspect="1"/>
+          </p:cNvPicPr>
+          <p:nvPr/>
+        </p:nvPicPr>
+        <p:blipFill>
+          <a:blip r:embed="rId2">
+            <a:extLst>
+              <a:ext uri="{28A0092B-C50C-407E-A947-70E740481C1C}">
+                <a14:useLocalDpi xmlns:a14="http://schemas.microsoft.com/office/drawing/2010/main" val="0"/>
+              </a:ext>
+            </a:extLst>
+          </a:blip>
+          <a:stretch>
+            <a:fillRect/>
+          </a:stretch>
+        </p:blipFill>
+        <p:spPr>
+          <a:xfrm>
+            <a:off x="0" y="622761"/>
+            <a:ext cx="12192000" cy="5612477"/>
+          </a:xfrm>
+          <a:prstGeom prst="rect">
+            <a:avLst/>
+          </a:prstGeom>
+        </p:spPr>
+      </p:pic>
+    </p:spTree>
+    <p:extLst>
+      <p:ext uri="{BB962C8B-B14F-4D97-AF65-F5344CB8AC3E}">
+        <p14:creationId xmlns:p14="http://schemas.microsoft.com/office/powerpoint/2010/main" val="534516221"/>
+      </p:ext>
+    </p:extLst>
+  </p:cSld>
+  <p:clrMapOvr>
+    <a:masterClrMapping/>
+  </p:clrMapOvr>
+  <p:timing>
+    <p:tnLst>
+      <p:par>
+        <p:cTn id="1" dur="indefinite" restart="never" nodeType="tmRoot"/>
+      </p:par>
+    </p:tnLst>
+  </p:timing>
+</p:sld>
+</file>
+
 <file path=ppt/slides/slide5.xml><?xml version="1.0" encoding="utf-8"?>
 <p:sld xmlns:a="http://schemas.openxmlformats.org/drawingml/2006/main" xmlns:r="http://schemas.openxmlformats.org/officeDocument/2006/relationships" xmlns:p="http://schemas.openxmlformats.org/presentationml/2006/main">
   <p:cSld>
@@ -35191,8 +34987,8 @@
         </p:nvSpPr>
         <p:spPr>
           <a:xfrm>
-            <a:off x="838200" y="1164323"/>
-            <a:ext cx="10515600" cy="4609459"/>
+            <a:off x="838200" y="1164324"/>
+            <a:ext cx="10515600" cy="889560"/>
           </a:xfrm>
         </p:spPr>
         <p:txBody>
@@ -35226,7 +35022,7 @@
         </p:nvGrpSpPr>
         <p:grpSpPr>
           <a:xfrm>
-            <a:off x="3951849" y="2053883"/>
+            <a:off x="1037199" y="2053883"/>
             <a:ext cx="4288301" cy="4051496"/>
             <a:chOff x="3951849" y="2321169"/>
             <a:chExt cx="4288301" cy="3784210"/>
@@ -35343,6 +35139,395 @@
           </p:txBody>
         </p:sp>
       </p:grpSp>
+      <p:sp>
+        <p:nvSpPr>
+          <p:cNvPr id="6" name="Content Placeholder 17"/>
+          <p:cNvSpPr txBox="1">
+            <a:spLocks/>
+          </p:cNvSpPr>
+          <p:nvPr/>
+        </p:nvSpPr>
+        <p:spPr>
+          <a:xfrm>
+            <a:off x="5695949" y="2122733"/>
+            <a:ext cx="5829301" cy="3633496"/>
+          </a:xfrm>
+          <a:prstGeom prst="rect">
+            <a:avLst/>
+          </a:prstGeom>
+        </p:spPr>
+        <p:txBody>
+          <a:bodyPr vert="horz" lIns="91440" tIns="45720" rIns="91440" bIns="45720" rtlCol="0">
+            <a:noAutofit/>
+          </a:bodyPr>
+          <a:lstStyle>
+            <a:lvl1pPr marL="228600" indent="-228600" algn="l" defTabSz="914400" rtl="0" eaLnBrk="1" latinLnBrk="0" hangingPunct="1">
+              <a:lnSpc>
+                <a:spcPts val="1800"/>
+              </a:lnSpc>
+              <a:spcBef>
+                <a:spcPts val="1000"/>
+              </a:spcBef>
+              <a:spcAft>
+                <a:spcPts val="1000"/>
+              </a:spcAft>
+              <a:buFont typeface="Arial" panose="020B0604020202020204" pitchFamily="34" charset="0"/>
+              <a:buChar char="•"/>
+              <a:defRPr lang="en-US" sz="1200" kern="1200" smtClean="0">
+                <a:solidFill>
+                  <a:schemeClr val="tx1">
+                    <a:lumMod val="75000"/>
+                    <a:lumOff val="25000"/>
+                  </a:schemeClr>
+                </a:solidFill>
+                <a:latin typeface="+mn-lt"/>
+                <a:ea typeface="+mn-ea"/>
+                <a:cs typeface="+mn-cs"/>
+              </a:defRPr>
+            </a:lvl1pPr>
+            <a:lvl2pPr marL="685800" indent="-228600" algn="l" defTabSz="914400" rtl="0" eaLnBrk="1" latinLnBrk="0" hangingPunct="1">
+              <a:lnSpc>
+                <a:spcPts val="1800"/>
+              </a:lnSpc>
+              <a:spcBef>
+                <a:spcPts val="1000"/>
+              </a:spcBef>
+              <a:spcAft>
+                <a:spcPts val="1000"/>
+              </a:spcAft>
+              <a:buFont typeface="Arial" panose="020B0604020202020204" pitchFamily="34" charset="0"/>
+              <a:buChar char="•"/>
+              <a:defRPr lang="en-US" sz="1200" kern="1200" smtClean="0">
+                <a:solidFill>
+                  <a:schemeClr val="tx1">
+                    <a:lumMod val="75000"/>
+                    <a:lumOff val="25000"/>
+                  </a:schemeClr>
+                </a:solidFill>
+                <a:latin typeface="+mn-lt"/>
+                <a:ea typeface="+mn-ea"/>
+                <a:cs typeface="+mn-cs"/>
+              </a:defRPr>
+            </a:lvl2pPr>
+            <a:lvl3pPr marL="1143000" indent="-228600" algn="l" defTabSz="914400" rtl="0" eaLnBrk="1" latinLnBrk="0" hangingPunct="1">
+              <a:lnSpc>
+                <a:spcPts val="1800"/>
+              </a:lnSpc>
+              <a:spcBef>
+                <a:spcPts val="1000"/>
+              </a:spcBef>
+              <a:spcAft>
+                <a:spcPts val="1000"/>
+              </a:spcAft>
+              <a:buFont typeface="Arial" panose="020B0604020202020204" pitchFamily="34" charset="0"/>
+              <a:buChar char="•"/>
+              <a:defRPr lang="en-US" sz="1200" kern="1200" smtClean="0">
+                <a:solidFill>
+                  <a:schemeClr val="tx1">
+                    <a:lumMod val="75000"/>
+                    <a:lumOff val="25000"/>
+                  </a:schemeClr>
+                </a:solidFill>
+                <a:latin typeface="+mn-lt"/>
+                <a:ea typeface="+mn-ea"/>
+                <a:cs typeface="+mn-cs"/>
+              </a:defRPr>
+            </a:lvl3pPr>
+            <a:lvl4pPr marL="1600200" indent="-228600" algn="l" defTabSz="914400" rtl="0" eaLnBrk="1" latinLnBrk="0" hangingPunct="1">
+              <a:lnSpc>
+                <a:spcPts val="1800"/>
+              </a:lnSpc>
+              <a:spcBef>
+                <a:spcPts val="1000"/>
+              </a:spcBef>
+              <a:spcAft>
+                <a:spcPts val="1000"/>
+              </a:spcAft>
+              <a:buFont typeface="Arial" panose="020B0604020202020204" pitchFamily="34" charset="0"/>
+              <a:buChar char="•"/>
+              <a:defRPr lang="en-US" sz="1200" kern="1200" smtClean="0">
+                <a:solidFill>
+                  <a:schemeClr val="tx1">
+                    <a:lumMod val="75000"/>
+                    <a:lumOff val="25000"/>
+                  </a:schemeClr>
+                </a:solidFill>
+                <a:latin typeface="+mn-lt"/>
+                <a:ea typeface="+mn-ea"/>
+                <a:cs typeface="+mn-cs"/>
+              </a:defRPr>
+            </a:lvl4pPr>
+            <a:lvl5pPr marL="2057400" indent="-228600" algn="l" defTabSz="914400" rtl="0" eaLnBrk="1" latinLnBrk="0" hangingPunct="1">
+              <a:lnSpc>
+                <a:spcPts val="1800"/>
+              </a:lnSpc>
+              <a:spcBef>
+                <a:spcPts val="1000"/>
+              </a:spcBef>
+              <a:spcAft>
+                <a:spcPts val="1000"/>
+              </a:spcAft>
+              <a:buFont typeface="Arial" panose="020B0604020202020204" pitchFamily="34" charset="0"/>
+              <a:buChar char="•"/>
+              <a:defRPr lang="en-US" sz="1200" kern="1200">
+                <a:solidFill>
+                  <a:schemeClr val="tx1">
+                    <a:lumMod val="75000"/>
+                    <a:lumOff val="25000"/>
+                  </a:schemeClr>
+                </a:solidFill>
+                <a:latin typeface="+mn-lt"/>
+                <a:ea typeface="+mn-ea"/>
+                <a:cs typeface="+mn-cs"/>
+              </a:defRPr>
+            </a:lvl5pPr>
+            <a:lvl6pPr marL="2514600" indent="-228600" algn="l" defTabSz="914400" rtl="0" eaLnBrk="1" latinLnBrk="0" hangingPunct="1">
+              <a:lnSpc>
+                <a:spcPct val="90000"/>
+              </a:lnSpc>
+              <a:spcBef>
+                <a:spcPct val="30000"/>
+              </a:spcBef>
+              <a:buFont typeface="Arial" panose="020B0604020202020204" pitchFamily="34" charset="0"/>
+              <a:buChar char="•"/>
+              <a:defRPr sz="1800" kern="1200">
+                <a:solidFill>
+                  <a:schemeClr val="tx1"/>
+                </a:solidFill>
+                <a:latin typeface="+mn-lt"/>
+                <a:ea typeface="+mn-ea"/>
+                <a:cs typeface="+mn-cs"/>
+              </a:defRPr>
+            </a:lvl6pPr>
+            <a:lvl7pPr marL="2971800" indent="-228600" algn="l" defTabSz="914400" rtl="0" eaLnBrk="1" latinLnBrk="0" hangingPunct="1">
+              <a:lnSpc>
+                <a:spcPct val="90000"/>
+              </a:lnSpc>
+              <a:spcBef>
+                <a:spcPct val="30000"/>
+              </a:spcBef>
+              <a:buFont typeface="Arial" panose="020B0604020202020204" pitchFamily="34" charset="0"/>
+              <a:buChar char="•"/>
+              <a:defRPr sz="1800" kern="1200">
+                <a:solidFill>
+                  <a:schemeClr val="tx1"/>
+                </a:solidFill>
+                <a:latin typeface="+mn-lt"/>
+                <a:ea typeface="+mn-ea"/>
+                <a:cs typeface="+mn-cs"/>
+              </a:defRPr>
+            </a:lvl7pPr>
+            <a:lvl8pPr marL="3429000" indent="-228600" algn="l" defTabSz="914400" rtl="0" eaLnBrk="1" latinLnBrk="0" hangingPunct="1">
+              <a:lnSpc>
+                <a:spcPct val="90000"/>
+              </a:lnSpc>
+              <a:spcBef>
+                <a:spcPct val="30000"/>
+              </a:spcBef>
+              <a:buFont typeface="Arial" panose="020B0604020202020204" pitchFamily="34" charset="0"/>
+              <a:buChar char="•"/>
+              <a:defRPr sz="1800" kern="1200">
+                <a:solidFill>
+                  <a:schemeClr val="tx1"/>
+                </a:solidFill>
+                <a:latin typeface="+mn-lt"/>
+                <a:ea typeface="+mn-ea"/>
+                <a:cs typeface="+mn-cs"/>
+              </a:defRPr>
+            </a:lvl8pPr>
+            <a:lvl9pPr marL="3886200" indent="-228600" algn="l" defTabSz="914400" rtl="0" eaLnBrk="1" latinLnBrk="0" hangingPunct="1">
+              <a:lnSpc>
+                <a:spcPct val="90000"/>
+              </a:lnSpc>
+              <a:spcBef>
+                <a:spcPct val="30000"/>
+              </a:spcBef>
+              <a:buFont typeface="Arial" panose="020B0604020202020204" pitchFamily="34" charset="0"/>
+              <a:buChar char="•"/>
+              <a:defRPr sz="1800" kern="1200">
+                <a:solidFill>
+                  <a:schemeClr val="tx1"/>
+                </a:solidFill>
+                <a:latin typeface="+mn-lt"/>
+                <a:ea typeface="+mn-ea"/>
+                <a:cs typeface="+mn-cs"/>
+              </a:defRPr>
+            </a:lvl9pPr>
+          </a:lstStyle>
+          <a:p>
+            <a:pPr marL="0" indent="0">
+              <a:lnSpc>
+                <a:spcPct val="150000"/>
+              </a:lnSpc>
+              <a:spcBef>
+                <a:spcPts val="0"/>
+              </a:spcBef>
+              <a:spcAft>
+                <a:spcPts val="0"/>
+              </a:spcAft>
+              <a:buNone/>
+              <a:defRPr/>
+            </a:pPr>
+            <a:r>
+              <a:rPr lang="en-US" sz="2800" dirty="0" smtClean="0">
+                <a:solidFill>
+                  <a:schemeClr val="bg1"/>
+                </a:solidFill>
+                <a:latin typeface="Segoe UI" panose="020B0502040204020203" pitchFamily="34" charset="0"/>
+                <a:cs typeface="Segoe UI" panose="020B0502040204020203" pitchFamily="34" charset="0"/>
+              </a:rPr>
+              <a:t>Differentiators </a:t>
+            </a:r>
+          </a:p>
+          <a:p>
+            <a:pPr>
+              <a:lnSpc>
+                <a:spcPct val="150000"/>
+              </a:lnSpc>
+              <a:spcBef>
+                <a:spcPts val="0"/>
+              </a:spcBef>
+              <a:spcAft>
+                <a:spcPts val="0"/>
+              </a:spcAft>
+              <a:defRPr/>
+            </a:pPr>
+            <a:r>
+              <a:rPr lang="en-US" sz="2000" dirty="0" smtClean="0">
+                <a:solidFill>
+                  <a:schemeClr val="bg1"/>
+                </a:solidFill>
+                <a:latin typeface="Segoe UI" panose="020B0502040204020203" pitchFamily="34" charset="0"/>
+                <a:cs typeface="Segoe UI" panose="020B0502040204020203" pitchFamily="34" charset="0"/>
+              </a:rPr>
+              <a:t>Application Modeling happens around business capabilities</a:t>
+            </a:r>
+          </a:p>
+          <a:p>
+            <a:pPr>
+              <a:lnSpc>
+                <a:spcPct val="150000"/>
+              </a:lnSpc>
+              <a:spcBef>
+                <a:spcPts val="0"/>
+              </a:spcBef>
+              <a:spcAft>
+                <a:spcPts val="0"/>
+              </a:spcAft>
+              <a:defRPr/>
+            </a:pPr>
+            <a:r>
+              <a:rPr lang="en-US" sz="2000" dirty="0" smtClean="0">
+                <a:solidFill>
+                  <a:schemeClr val="bg1"/>
+                </a:solidFill>
+                <a:latin typeface="Segoe UI" panose="020B0502040204020203" pitchFamily="34" charset="0"/>
+                <a:cs typeface="Segoe UI" panose="020B0502040204020203" pitchFamily="34" charset="0"/>
+              </a:rPr>
+              <a:t>Scope and size defined using </a:t>
+            </a:r>
+            <a:r>
+              <a:rPr lang="en-US" sz="2000" dirty="0">
+                <a:solidFill>
+                  <a:schemeClr val="bg1"/>
+                </a:solidFill>
+                <a:latin typeface="Segoe UI" panose="020B0502040204020203" pitchFamily="34" charset="0"/>
+                <a:cs typeface="Segoe UI" panose="020B0502040204020203" pitchFamily="34" charset="0"/>
+              </a:rPr>
+              <a:t>Bounded </a:t>
+            </a:r>
+            <a:r>
+              <a:rPr lang="en-US" sz="2000" dirty="0" smtClean="0">
+                <a:solidFill>
+                  <a:schemeClr val="bg1"/>
+                </a:solidFill>
+                <a:latin typeface="Segoe UI" panose="020B0502040204020203" pitchFamily="34" charset="0"/>
+                <a:cs typeface="Segoe UI" panose="020B0502040204020203" pitchFamily="34" charset="0"/>
+              </a:rPr>
+              <a:t>context</a:t>
+            </a:r>
+          </a:p>
+          <a:p>
+            <a:pPr>
+              <a:lnSpc>
+                <a:spcPct val="150000"/>
+              </a:lnSpc>
+              <a:spcBef>
+                <a:spcPts val="0"/>
+              </a:spcBef>
+              <a:spcAft>
+                <a:spcPts val="0"/>
+              </a:spcAft>
+              <a:defRPr/>
+            </a:pPr>
+            <a:r>
+              <a:rPr lang="en-US" sz="2000" dirty="0" smtClean="0">
+                <a:solidFill>
+                  <a:schemeClr val="bg1"/>
+                </a:solidFill>
+                <a:latin typeface="Segoe UI" panose="020B0502040204020203" pitchFamily="34" charset="0"/>
+                <a:cs typeface="Segoe UI" panose="020B0502040204020203" pitchFamily="34" charset="0"/>
+              </a:rPr>
+              <a:t>Autonomous Services</a:t>
+            </a:r>
+          </a:p>
+          <a:p>
+            <a:pPr>
+              <a:lnSpc>
+                <a:spcPct val="150000"/>
+              </a:lnSpc>
+              <a:spcBef>
+                <a:spcPts val="0"/>
+              </a:spcBef>
+              <a:spcAft>
+                <a:spcPts val="0"/>
+              </a:spcAft>
+              <a:defRPr/>
+            </a:pPr>
+            <a:r>
+              <a:rPr lang="en-US" sz="2000" dirty="0" smtClean="0">
+                <a:solidFill>
+                  <a:schemeClr val="bg1"/>
+                </a:solidFill>
+                <a:latin typeface="Segoe UI" panose="020B0502040204020203" pitchFamily="34" charset="0"/>
+                <a:cs typeface="Segoe UI" panose="020B0502040204020203" pitchFamily="34" charset="0"/>
+              </a:rPr>
+              <a:t>Lightweight communication</a:t>
+            </a:r>
+          </a:p>
+          <a:p>
+            <a:pPr>
+              <a:lnSpc>
+                <a:spcPct val="150000"/>
+              </a:lnSpc>
+              <a:spcBef>
+                <a:spcPts val="0"/>
+              </a:spcBef>
+              <a:spcAft>
+                <a:spcPts val="0"/>
+              </a:spcAft>
+              <a:defRPr/>
+            </a:pPr>
+            <a:r>
+              <a:rPr lang="en-US" sz="2000" dirty="0" smtClean="0">
+                <a:solidFill>
+                  <a:schemeClr val="bg1"/>
+                </a:solidFill>
+                <a:latin typeface="Segoe UI" panose="020B0502040204020203" pitchFamily="34" charset="0"/>
+                <a:cs typeface="Segoe UI" panose="020B0502040204020203" pitchFamily="34" charset="0"/>
+              </a:rPr>
+              <a:t>Automated deployments</a:t>
+            </a:r>
+            <a:endParaRPr lang="en-US" sz="2000" dirty="0">
+              <a:solidFill>
+                <a:schemeClr val="bg1"/>
+              </a:solidFill>
+              <a:latin typeface="Segoe UI" panose="020B0502040204020203" pitchFamily="34" charset="0"/>
+              <a:cs typeface="Segoe UI" panose="020B0502040204020203" pitchFamily="34" charset="0"/>
+            </a:endParaRPr>
+          </a:p>
+        </p:txBody>
+      </p:sp>
     </p:spTree>
     <p:extLst>
       <p:ext uri="{BB962C8B-B14F-4D97-AF65-F5344CB8AC3E}">
@@ -35406,6 +35591,94 @@
                       </p:childTnLst>
                     </p:cTn>
                   </p:par>
+                  <p:par>
+                    <p:cTn id="7" fill="hold">
+                      <p:stCondLst>
+                        <p:cond delay="indefinite"/>
+                      </p:stCondLst>
+                      <p:childTnLst>
+                        <p:par>
+                          <p:cTn id="8" fill="hold">
+                            <p:stCondLst>
+                              <p:cond delay="0"/>
+                            </p:stCondLst>
+                            <p:childTnLst>
+                              <p:par>
+                                <p:cTn id="9" presetID="10" presetClass="entr" presetSubtype="0" fill="hold" grpId="0" nodeType="clickEffect">
+                                  <p:stCondLst>
+                                    <p:cond delay="0"/>
+                                  </p:stCondLst>
+                                  <p:childTnLst>
+                                    <p:set>
+                                      <p:cBhvr>
+                                        <p:cTn id="10" dur="1" fill="hold">
+                                          <p:stCondLst>
+                                            <p:cond delay="0"/>
+                                          </p:stCondLst>
+                                        </p:cTn>
+                                        <p:tgtEl>
+                                          <p:spTgt spid="6"/>
+                                        </p:tgtEl>
+                                        <p:attrNameLst>
+                                          <p:attrName>style.visibility</p:attrName>
+                                        </p:attrNameLst>
+                                      </p:cBhvr>
+                                      <p:to>
+                                        <p:strVal val="visible"/>
+                                      </p:to>
+                                    </p:set>
+                                    <p:animEffect transition="in" filter="fade">
+                                      <p:cBhvr>
+                                        <p:cTn id="11" dur="500"/>
+                                        <p:tgtEl>
+                                          <p:spTgt spid="6"/>
+                                        </p:tgtEl>
+                                      </p:cBhvr>
+                                    </p:animEffect>
+                                  </p:childTnLst>
+                                </p:cTn>
+                              </p:par>
+                              <p:par>
+                                <p:cTn id="12" presetID="10" presetClass="exit" presetSubtype="0" fill="hold" grpId="0" nodeType="withEffect">
+                                  <p:stCondLst>
+                                    <p:cond delay="0"/>
+                                  </p:stCondLst>
+                                  <p:childTnLst>
+                                    <p:animEffect transition="out" filter="fade">
+                                      <p:cBhvr>
+                                        <p:cTn id="13" dur="500"/>
+                                        <p:tgtEl>
+                                          <p:spTgt spid="2"/>
+                                        </p:tgtEl>
+                                      </p:cBhvr>
+                                    </p:animEffect>
+                                    <p:set>
+                                      <p:cBhvr>
+                                        <p:cTn id="14" dur="1" fill="hold">
+                                          <p:stCondLst>
+                                            <p:cond delay="499"/>
+                                          </p:stCondLst>
+                                        </p:cTn>
+                                        <p:tgtEl>
+                                          <p:spTgt spid="2"/>
+                                        </p:tgtEl>
+                                        <p:attrNameLst>
+                                          <p:attrName>style.visibility</p:attrName>
+                                        </p:attrNameLst>
+                                      </p:cBhvr>
+                                      <p:to>
+                                        <p:strVal val="hidden"/>
+                                      </p:to>
+                                    </p:set>
+                                  </p:childTnLst>
+                                </p:cTn>
+                              </p:par>
+                            </p:childTnLst>
+                          </p:cTn>
+                        </p:par>
+                      </p:childTnLst>
+                    </p:cTn>
+                  </p:par>
                 </p:childTnLst>
               </p:cTn>
               <p:prevCondLst>
@@ -35425,6 +35698,345 @@
             </p:seq>
           </p:childTnLst>
         </p:cTn>
+      </p:par>
+    </p:tnLst>
+    <p:bldLst>
+      <p:bldP spid="2" grpId="0"/>
+      <p:bldP spid="6" grpId="0"/>
+    </p:bldLst>
+  </p:timing>
+</p:sld>
+</file>
+
+<file path=ppt/slides/slide50.xml><?xml version="1.0" encoding="utf-8"?>
+<p:sld xmlns:a="http://schemas.openxmlformats.org/drawingml/2006/main" xmlns:r="http://schemas.openxmlformats.org/officeDocument/2006/relationships" xmlns:p="http://schemas.openxmlformats.org/presentationml/2006/main">
+  <p:cSld>
+    <p:spTree>
+      <p:nvGrpSpPr>
+        <p:cNvPr id="1" name=""/>
+        <p:cNvGrpSpPr/>
+        <p:nvPr/>
+      </p:nvGrpSpPr>
+      <p:grpSpPr>
+        <a:xfrm>
+          <a:off x="0" y="0"/>
+          <a:ext cx="0" cy="0"/>
+          <a:chOff x="0" y="0"/>
+          <a:chExt cx="0" cy="0"/>
+        </a:xfrm>
+      </p:grpSpPr>
+      <p:pic>
+        <p:nvPicPr>
+          <p:cNvPr id="2" name="Picture 1"/>
+          <p:cNvPicPr>
+            <a:picLocks noChangeAspect="1"/>
+          </p:cNvPicPr>
+          <p:nvPr/>
+        </p:nvPicPr>
+        <p:blipFill>
+          <a:blip r:embed="rId2">
+            <a:extLst>
+              <a:ext uri="{28A0092B-C50C-407E-A947-70E740481C1C}">
+                <a14:useLocalDpi xmlns:a14="http://schemas.microsoft.com/office/drawing/2010/main" val="0"/>
+              </a:ext>
+            </a:extLst>
+          </a:blip>
+          <a:stretch>
+            <a:fillRect/>
+          </a:stretch>
+        </p:blipFill>
+        <p:spPr>
+          <a:xfrm>
+            <a:off x="0" y="622761"/>
+            <a:ext cx="12192000" cy="5612477"/>
+          </a:xfrm>
+          <a:prstGeom prst="rect">
+            <a:avLst/>
+          </a:prstGeom>
+        </p:spPr>
+      </p:pic>
+    </p:spTree>
+    <p:extLst>
+      <p:ext uri="{BB962C8B-B14F-4D97-AF65-F5344CB8AC3E}">
+        <p14:creationId xmlns:p14="http://schemas.microsoft.com/office/powerpoint/2010/main" val="2426935568"/>
+      </p:ext>
+    </p:extLst>
+  </p:cSld>
+  <p:clrMapOvr>
+    <a:masterClrMapping/>
+  </p:clrMapOvr>
+  <p:timing>
+    <p:tnLst>
+      <p:par>
+        <p:cTn id="1" dur="indefinite" restart="never" nodeType="tmRoot"/>
+      </p:par>
+    </p:tnLst>
+  </p:timing>
+</p:sld>
+</file>
+
+<file path=ppt/slides/slide51.xml><?xml version="1.0" encoding="utf-8"?>
+<p:sld xmlns:a="http://schemas.openxmlformats.org/drawingml/2006/main" xmlns:r="http://schemas.openxmlformats.org/officeDocument/2006/relationships" xmlns:p="http://schemas.openxmlformats.org/presentationml/2006/main">
+  <p:cSld>
+    <p:spTree>
+      <p:nvGrpSpPr>
+        <p:cNvPr id="1" name=""/>
+        <p:cNvGrpSpPr/>
+        <p:nvPr/>
+      </p:nvGrpSpPr>
+      <p:grpSpPr>
+        <a:xfrm>
+          <a:off x="0" y="0"/>
+          <a:ext cx="0" cy="0"/>
+          <a:chOff x="0" y="0"/>
+          <a:chExt cx="0" cy="0"/>
+        </a:xfrm>
+      </p:grpSpPr>
+      <p:pic>
+        <p:nvPicPr>
+          <p:cNvPr id="3" name="Picture 2"/>
+          <p:cNvPicPr>
+            <a:picLocks noChangeAspect="1"/>
+          </p:cNvPicPr>
+          <p:nvPr/>
+        </p:nvPicPr>
+        <p:blipFill>
+          <a:blip r:embed="rId2">
+            <a:extLst>
+              <a:ext uri="{28A0092B-C50C-407E-A947-70E740481C1C}">
+                <a14:useLocalDpi xmlns:a14="http://schemas.microsoft.com/office/drawing/2010/main" val="0"/>
+              </a:ext>
+            </a:extLst>
+          </a:blip>
+          <a:stretch>
+            <a:fillRect/>
+          </a:stretch>
+        </p:blipFill>
+        <p:spPr>
+          <a:xfrm>
+            <a:off x="0" y="622761"/>
+            <a:ext cx="12192000" cy="5612477"/>
+          </a:xfrm>
+          <a:prstGeom prst="rect">
+            <a:avLst/>
+          </a:prstGeom>
+        </p:spPr>
+      </p:pic>
+    </p:spTree>
+    <p:extLst>
+      <p:ext uri="{BB962C8B-B14F-4D97-AF65-F5344CB8AC3E}">
+        <p14:creationId xmlns:p14="http://schemas.microsoft.com/office/powerpoint/2010/main" val="1197628705"/>
+      </p:ext>
+    </p:extLst>
+  </p:cSld>
+  <p:clrMapOvr>
+    <a:masterClrMapping/>
+  </p:clrMapOvr>
+  <p:timing>
+    <p:tnLst>
+      <p:par>
+        <p:cTn id="1" dur="indefinite" restart="never" nodeType="tmRoot"/>
+      </p:par>
+    </p:tnLst>
+  </p:timing>
+</p:sld>
+</file>
+
+<file path=ppt/slides/slide52.xml><?xml version="1.0" encoding="utf-8"?>
+<p:sld xmlns:a="http://schemas.openxmlformats.org/drawingml/2006/main" xmlns:r="http://schemas.openxmlformats.org/officeDocument/2006/relationships" xmlns:p="http://schemas.openxmlformats.org/presentationml/2006/main">
+  <p:cSld>
+    <p:spTree>
+      <p:nvGrpSpPr>
+        <p:cNvPr id="1" name=""/>
+        <p:cNvGrpSpPr/>
+        <p:nvPr/>
+      </p:nvGrpSpPr>
+      <p:grpSpPr>
+        <a:xfrm>
+          <a:off x="0" y="0"/>
+          <a:ext cx="0" cy="0"/>
+          <a:chOff x="0" y="0"/>
+          <a:chExt cx="0" cy="0"/>
+        </a:xfrm>
+      </p:grpSpPr>
+      <p:pic>
+        <p:nvPicPr>
+          <p:cNvPr id="2" name="Picture 1"/>
+          <p:cNvPicPr>
+            <a:picLocks noChangeAspect="1"/>
+          </p:cNvPicPr>
+          <p:nvPr/>
+        </p:nvPicPr>
+        <p:blipFill>
+          <a:blip r:embed="rId2">
+            <a:extLst>
+              <a:ext uri="{28A0092B-C50C-407E-A947-70E740481C1C}">
+                <a14:useLocalDpi xmlns:a14="http://schemas.microsoft.com/office/drawing/2010/main" val="0"/>
+              </a:ext>
+            </a:extLst>
+          </a:blip>
+          <a:stretch>
+            <a:fillRect/>
+          </a:stretch>
+        </p:blipFill>
+        <p:spPr>
+          <a:xfrm>
+            <a:off x="0" y="622761"/>
+            <a:ext cx="12192000" cy="5612477"/>
+          </a:xfrm>
+          <a:prstGeom prst="rect">
+            <a:avLst/>
+          </a:prstGeom>
+        </p:spPr>
+      </p:pic>
+    </p:spTree>
+    <p:extLst>
+      <p:ext uri="{BB962C8B-B14F-4D97-AF65-F5344CB8AC3E}">
+        <p14:creationId xmlns:p14="http://schemas.microsoft.com/office/powerpoint/2010/main" val="2052468487"/>
+      </p:ext>
+    </p:extLst>
+  </p:cSld>
+  <p:clrMapOvr>
+    <a:masterClrMapping/>
+  </p:clrMapOvr>
+  <p:timing>
+    <p:tnLst>
+      <p:par>
+        <p:cTn id="1" dur="indefinite" restart="never" nodeType="tmRoot"/>
+      </p:par>
+    </p:tnLst>
+  </p:timing>
+</p:sld>
+</file>
+
+<file path=ppt/slides/slide53.xml><?xml version="1.0" encoding="utf-8"?>
+<p:sld xmlns:a="http://schemas.openxmlformats.org/drawingml/2006/main" xmlns:r="http://schemas.openxmlformats.org/officeDocument/2006/relationships" xmlns:p="http://schemas.openxmlformats.org/presentationml/2006/main">
+  <p:cSld>
+    <p:spTree>
+      <p:nvGrpSpPr>
+        <p:cNvPr id="1" name=""/>
+        <p:cNvGrpSpPr/>
+        <p:nvPr/>
+      </p:nvGrpSpPr>
+      <p:grpSpPr>
+        <a:xfrm>
+          <a:off x="0" y="0"/>
+          <a:ext cx="0" cy="0"/>
+          <a:chOff x="0" y="0"/>
+          <a:chExt cx="0" cy="0"/>
+        </a:xfrm>
+      </p:grpSpPr>
+      <p:pic>
+        <p:nvPicPr>
+          <p:cNvPr id="3" name="Picture 2"/>
+          <p:cNvPicPr>
+            <a:picLocks noChangeAspect="1"/>
+          </p:cNvPicPr>
+          <p:nvPr/>
+        </p:nvPicPr>
+        <p:blipFill>
+          <a:blip r:embed="rId2">
+            <a:extLst>
+              <a:ext uri="{28A0092B-C50C-407E-A947-70E740481C1C}">
+                <a14:useLocalDpi xmlns:a14="http://schemas.microsoft.com/office/drawing/2010/main" val="0"/>
+              </a:ext>
+            </a:extLst>
+          </a:blip>
+          <a:stretch>
+            <a:fillRect/>
+          </a:stretch>
+        </p:blipFill>
+        <p:spPr>
+          <a:xfrm>
+            <a:off x="0" y="622761"/>
+            <a:ext cx="12192000" cy="5612477"/>
+          </a:xfrm>
+          <a:prstGeom prst="rect">
+            <a:avLst/>
+          </a:prstGeom>
+        </p:spPr>
+      </p:pic>
+    </p:spTree>
+    <p:extLst>
+      <p:ext uri="{BB962C8B-B14F-4D97-AF65-F5344CB8AC3E}">
+        <p14:creationId xmlns:p14="http://schemas.microsoft.com/office/powerpoint/2010/main" val="3258608044"/>
+      </p:ext>
+    </p:extLst>
+  </p:cSld>
+  <p:clrMapOvr>
+    <a:masterClrMapping/>
+  </p:clrMapOvr>
+  <p:timing>
+    <p:tnLst>
+      <p:par>
+        <p:cTn id="1" dur="indefinite" restart="never" nodeType="tmRoot"/>
+      </p:par>
+    </p:tnLst>
+  </p:timing>
+</p:sld>
+</file>
+
+<file path=ppt/slides/slide54.xml><?xml version="1.0" encoding="utf-8"?>
+<p:sld xmlns:a="http://schemas.openxmlformats.org/drawingml/2006/main" xmlns:r="http://schemas.openxmlformats.org/officeDocument/2006/relationships" xmlns:p="http://schemas.openxmlformats.org/presentationml/2006/main">
+  <p:cSld>
+    <p:spTree>
+      <p:nvGrpSpPr>
+        <p:cNvPr id="1" name=""/>
+        <p:cNvGrpSpPr/>
+        <p:nvPr/>
+      </p:nvGrpSpPr>
+      <p:grpSpPr>
+        <a:xfrm>
+          <a:off x="0" y="0"/>
+          <a:ext cx="0" cy="0"/>
+          <a:chOff x="0" y="0"/>
+          <a:chExt cx="0" cy="0"/>
+        </a:xfrm>
+      </p:grpSpPr>
+      <p:pic>
+        <p:nvPicPr>
+          <p:cNvPr id="2" name="Picture 1"/>
+          <p:cNvPicPr>
+            <a:picLocks noChangeAspect="1"/>
+          </p:cNvPicPr>
+          <p:nvPr/>
+        </p:nvPicPr>
+        <p:blipFill>
+          <a:blip r:embed="rId2">
+            <a:extLst>
+              <a:ext uri="{28A0092B-C50C-407E-A947-70E740481C1C}">
+                <a14:useLocalDpi xmlns:a14="http://schemas.microsoft.com/office/drawing/2010/main" val="0"/>
+              </a:ext>
+            </a:extLst>
+          </a:blip>
+          <a:stretch>
+            <a:fillRect/>
+          </a:stretch>
+        </p:blipFill>
+        <p:spPr>
+          <a:xfrm>
+            <a:off x="0" y="622761"/>
+            <a:ext cx="12192000" cy="5612477"/>
+          </a:xfrm>
+          <a:prstGeom prst="rect">
+            <a:avLst/>
+          </a:prstGeom>
+        </p:spPr>
+      </p:pic>
+    </p:spTree>
+    <p:extLst>
+      <p:ext uri="{BB962C8B-B14F-4D97-AF65-F5344CB8AC3E}">
+        <p14:creationId xmlns:p14="http://schemas.microsoft.com/office/powerpoint/2010/main" val="3519799397"/>
+      </p:ext>
+    </p:extLst>
+  </p:cSld>
+  <p:clrMapOvr>
+    <a:masterClrMapping/>
+  </p:clrMapOvr>
+  <p:timing>
+    <p:tnLst>
+      <p:par>
+        <p:cTn id="1" dur="indefinite" restart="never" nodeType="tmRoot"/>
       </p:par>
     </p:tnLst>
   </p:timing>
@@ -38110,19 +38722,8 @@
                 <a:latin typeface="Segoe UI" panose="020B0502040204020203" pitchFamily="34" charset="0"/>
                 <a:cs typeface="Segoe UI" panose="020B0502040204020203" pitchFamily="34" charset="0"/>
               </a:rPr>
-              <a:t>If </a:t>
-            </a:r>
-            <a:r>
-              <a:rPr lang="en-US" sz="1800" dirty="0" smtClean="0">
-                <a:latin typeface="Segoe UI" panose="020B0502040204020203" pitchFamily="34" charset="0"/>
-                <a:cs typeface="Segoe UI" panose="020B0502040204020203" pitchFamily="34" charset="0"/>
-              </a:rPr>
-              <a:t>you don’t believe in concepts like “Big Design Up Front”</a:t>
-            </a:r>
-            <a:endParaRPr lang="en-US" sz="1800" dirty="0" smtClean="0">
-              <a:latin typeface="Segoe UI" panose="020B0502040204020203" pitchFamily="34" charset="0"/>
-              <a:cs typeface="Segoe UI" panose="020B0502040204020203" pitchFamily="34" charset="0"/>
-            </a:endParaRPr>
+              <a:t>If you don’t believe in concepts like “Big Design Up Front”</a:t>
+            </a:r>
           </a:p>
           <a:p>
             <a:pPr lvl="1">
@@ -38184,19 +38785,8 @@
                 <a:latin typeface="Segoe UI" panose="020B0502040204020203" pitchFamily="34" charset="0"/>
                 <a:cs typeface="Segoe UI" panose="020B0502040204020203" pitchFamily="34" charset="0"/>
               </a:rPr>
-              <a:t>Service integration testing is </a:t>
-            </a:r>
-            <a:r>
-              <a:rPr lang="en-US" sz="1800" dirty="0" smtClean="0">
-                <a:latin typeface="Segoe UI" panose="020B0502040204020203" pitchFamily="34" charset="0"/>
-                <a:cs typeface="Segoe UI" panose="020B0502040204020203" pitchFamily="34" charset="0"/>
-              </a:rPr>
-              <a:t>challenging</a:t>
-            </a:r>
-            <a:endParaRPr lang="en-US" sz="1800" dirty="0" smtClean="0">
-              <a:latin typeface="Segoe UI" panose="020B0502040204020203" pitchFamily="34" charset="0"/>
-              <a:cs typeface="Segoe UI" panose="020B0502040204020203" pitchFamily="34" charset="0"/>
-            </a:endParaRPr>
+              <a:t>Service integration testing is challenging</a:t>
+            </a:r>
           </a:p>
         </p:txBody>
       </p:sp>

--- a/Documents/MicroServices.pptx
+++ b/Documents/MicroServices.pptx
@@ -2684,6 +2684,715 @@
       <dsp:cNvGrpSpPr/>
     </dsp:nvGrpSpPr>
     <dsp:grpSpPr/>
+    <dsp:sp modelId="{740C31AB-CD61-4091-A7F4-94801C935247}">
+      <dsp:nvSpPr>
+        <dsp:cNvPr id="0" name=""/>
+        <dsp:cNvSpPr/>
+      </dsp:nvSpPr>
+      <dsp:spPr>
+        <a:xfrm>
+          <a:off x="2121229" y="2112"/>
+          <a:ext cx="1189585" cy="773230"/>
+        </a:xfrm>
+        <a:prstGeom prst="roundRect">
+          <a:avLst/>
+        </a:prstGeom>
+        <a:solidFill>
+          <a:schemeClr val="lt1">
+            <a:hueOff val="0"/>
+            <a:satOff val="0"/>
+            <a:lumOff val="0"/>
+            <a:alphaOff val="0"/>
+          </a:schemeClr>
+        </a:solidFill>
+        <a:ln w="12700" cap="flat" cmpd="sng" algn="ctr">
+          <a:solidFill>
+            <a:schemeClr val="accent2">
+              <a:shade val="80000"/>
+              <a:hueOff val="0"/>
+              <a:satOff val="0"/>
+              <a:lumOff val="0"/>
+              <a:alphaOff val="0"/>
+            </a:schemeClr>
+          </a:solidFill>
+          <a:prstDash val="solid"/>
+          <a:miter lim="800000"/>
+        </a:ln>
+        <a:effectLst/>
+      </dsp:spPr>
+      <dsp:style>
+        <a:lnRef idx="2">
+          <a:scrgbClr r="0" g="0" b="0"/>
+        </a:lnRef>
+        <a:fillRef idx="1">
+          <a:scrgbClr r="0" g="0" b="0"/>
+        </a:fillRef>
+        <a:effectRef idx="0">
+          <a:scrgbClr r="0" g="0" b="0"/>
+        </a:effectRef>
+        <a:fontRef idx="minor">
+          <a:schemeClr val="lt1"/>
+        </a:fontRef>
+      </dsp:style>
+      <dsp:txBody>
+        <a:bodyPr spcFirstLastPara="0" vert="horz" wrap="square" lIns="83820" tIns="83820" rIns="83820" bIns="83820" numCol="1" spcCol="1270" anchor="ctr" anchorCtr="0">
+          <a:noAutofit/>
+        </a:bodyPr>
+        <a:lstStyle/>
+        <a:p>
+          <a:pPr lvl="0" algn="ctr" defTabSz="977900">
+            <a:lnSpc>
+              <a:spcPct val="90000"/>
+            </a:lnSpc>
+            <a:spcBef>
+              <a:spcPct val="0"/>
+            </a:spcBef>
+            <a:spcAft>
+              <a:spcPct val="35000"/>
+            </a:spcAft>
+          </a:pPr>
+          <a:r>
+            <a:rPr lang="en-US" sz="2200" kern="1200" dirty="0">
+              <a:solidFill>
+                <a:srgbClr val="D24726"/>
+              </a:solidFill>
+              <a:latin typeface="Segoe UI Light" panose="020B0502040204020203" pitchFamily="34" charset="0"/>
+              <a:ea typeface="+mj-ea"/>
+              <a:cs typeface="Segoe UI Light" panose="020B0502040204020203" pitchFamily="34" charset="0"/>
+            </a:rPr>
+            <a:t>Node1</a:t>
+          </a:r>
+        </a:p>
+      </dsp:txBody>
+      <dsp:txXfrm>
+        <a:off x="2158975" y="39858"/>
+        <a:ext cx="1114093" cy="697738"/>
+      </dsp:txXfrm>
+    </dsp:sp>
+    <dsp:sp modelId="{08DABA05-CEAC-485A-A851-23F8BDF2537F}">
+      <dsp:nvSpPr>
+        <dsp:cNvPr id="0" name=""/>
+        <dsp:cNvSpPr/>
+      </dsp:nvSpPr>
+      <dsp:spPr>
+        <a:xfrm>
+          <a:off x="1172135" y="388727"/>
+          <a:ext cx="3087772" cy="3087772"/>
+        </a:xfrm>
+        <a:custGeom>
+          <a:avLst/>
+          <a:gdLst/>
+          <a:ahLst/>
+          <a:cxnLst/>
+          <a:rect l="0" t="0" r="0" b="0"/>
+          <a:pathLst>
+            <a:path>
+              <a:moveTo>
+                <a:pt x="2146839" y="122607"/>
+              </a:moveTo>
+              <a:arcTo wR="1543886" hR="1543886" stAng="17579295" swAng="1959991"/>
+            </a:path>
+          </a:pathLst>
+        </a:custGeom>
+        <a:noFill/>
+        <a:ln w="6350" cap="flat" cmpd="sng" algn="ctr">
+          <a:solidFill>
+            <a:schemeClr val="accent2">
+              <a:hueOff val="0"/>
+              <a:satOff val="0"/>
+              <a:lumOff val="0"/>
+              <a:alphaOff val="0"/>
+            </a:schemeClr>
+          </a:solidFill>
+          <a:prstDash val="solid"/>
+          <a:miter lim="800000"/>
+        </a:ln>
+        <a:effectLst/>
+      </dsp:spPr>
+      <dsp:style>
+        <a:lnRef idx="1">
+          <a:scrgbClr r="0" g="0" b="0"/>
+        </a:lnRef>
+        <a:fillRef idx="0">
+          <a:scrgbClr r="0" g="0" b="0"/>
+        </a:fillRef>
+        <a:effectRef idx="0">
+          <a:scrgbClr r="0" g="0" b="0"/>
+        </a:effectRef>
+        <a:fontRef idx="minor"/>
+      </dsp:style>
+    </dsp:sp>
+    <dsp:sp modelId="{7A95ADEE-1A3D-44F5-9024-A7ABA55FFBC3}">
+      <dsp:nvSpPr>
+        <dsp:cNvPr id="0" name=""/>
+        <dsp:cNvSpPr/>
+      </dsp:nvSpPr>
+      <dsp:spPr>
+        <a:xfrm>
+          <a:off x="3589552" y="1068911"/>
+          <a:ext cx="1189585" cy="773230"/>
+        </a:xfrm>
+        <a:prstGeom prst="roundRect">
+          <a:avLst/>
+        </a:prstGeom>
+        <a:solidFill>
+          <a:schemeClr val="lt1">
+            <a:hueOff val="0"/>
+            <a:satOff val="0"/>
+            <a:lumOff val="0"/>
+            <a:alphaOff val="0"/>
+          </a:schemeClr>
+        </a:solidFill>
+        <a:ln w="12700" cap="flat" cmpd="sng" algn="ctr">
+          <a:solidFill>
+            <a:schemeClr val="accent2">
+              <a:shade val="80000"/>
+              <a:hueOff val="0"/>
+              <a:satOff val="0"/>
+              <a:lumOff val="0"/>
+              <a:alphaOff val="0"/>
+            </a:schemeClr>
+          </a:solidFill>
+          <a:prstDash val="solid"/>
+          <a:miter lim="800000"/>
+        </a:ln>
+        <a:effectLst/>
+      </dsp:spPr>
+      <dsp:style>
+        <a:lnRef idx="2">
+          <a:scrgbClr r="0" g="0" b="0"/>
+        </a:lnRef>
+        <a:fillRef idx="1">
+          <a:scrgbClr r="0" g="0" b="0"/>
+        </a:fillRef>
+        <a:effectRef idx="0">
+          <a:scrgbClr r="0" g="0" b="0"/>
+        </a:effectRef>
+        <a:fontRef idx="minor">
+          <a:schemeClr val="lt1"/>
+        </a:fontRef>
+      </dsp:style>
+      <dsp:txBody>
+        <a:bodyPr spcFirstLastPara="0" vert="horz" wrap="square" lIns="83820" tIns="83820" rIns="83820" bIns="83820" numCol="1" spcCol="1270" anchor="ctr" anchorCtr="0">
+          <a:noAutofit/>
+        </a:bodyPr>
+        <a:lstStyle/>
+        <a:p>
+          <a:pPr lvl="0" algn="ctr" defTabSz="977900">
+            <a:lnSpc>
+              <a:spcPct val="90000"/>
+            </a:lnSpc>
+            <a:spcBef>
+              <a:spcPct val="0"/>
+            </a:spcBef>
+            <a:spcAft>
+              <a:spcPct val="35000"/>
+            </a:spcAft>
+          </a:pPr>
+          <a:r>
+            <a:rPr lang="en-US" sz="2200" kern="1200" dirty="0">
+              <a:solidFill>
+                <a:srgbClr val="D24726"/>
+              </a:solidFill>
+              <a:latin typeface="Segoe UI Light" panose="020B0502040204020203" pitchFamily="34" charset="0"/>
+              <a:ea typeface="+mj-ea"/>
+              <a:cs typeface="Segoe UI Light" panose="020B0502040204020203" pitchFamily="34" charset="0"/>
+            </a:rPr>
+            <a:t>Node 2</a:t>
+          </a:r>
+        </a:p>
+      </dsp:txBody>
+      <dsp:txXfrm>
+        <a:off x="3627298" y="1106657"/>
+        <a:ext cx="1114093" cy="697738"/>
+      </dsp:txXfrm>
+    </dsp:sp>
+    <dsp:sp modelId="{99B7FB11-2FAC-43CD-B14D-4629F64D6038}">
+      <dsp:nvSpPr>
+        <dsp:cNvPr id="0" name=""/>
+        <dsp:cNvSpPr/>
+      </dsp:nvSpPr>
+      <dsp:spPr>
+        <a:xfrm>
+          <a:off x="1172135" y="388727"/>
+          <a:ext cx="3087772" cy="3087772"/>
+        </a:xfrm>
+        <a:custGeom>
+          <a:avLst/>
+          <a:gdLst/>
+          <a:ahLst/>
+          <a:cxnLst/>
+          <a:rect l="0" t="0" r="0" b="0"/>
+          <a:pathLst>
+            <a:path>
+              <a:moveTo>
+                <a:pt x="3085666" y="1463278"/>
+              </a:moveTo>
+              <a:arcTo wR="1543886" hR="1543886" stAng="21420430" swAng="2195114"/>
+            </a:path>
+          </a:pathLst>
+        </a:custGeom>
+        <a:noFill/>
+        <a:ln w="6350" cap="flat" cmpd="sng" algn="ctr">
+          <a:solidFill>
+            <a:schemeClr val="accent2">
+              <a:hueOff val="0"/>
+              <a:satOff val="0"/>
+              <a:lumOff val="0"/>
+              <a:alphaOff val="0"/>
+            </a:schemeClr>
+          </a:solidFill>
+          <a:prstDash val="solid"/>
+          <a:miter lim="800000"/>
+        </a:ln>
+        <a:effectLst/>
+      </dsp:spPr>
+      <dsp:style>
+        <a:lnRef idx="1">
+          <a:scrgbClr r="0" g="0" b="0"/>
+        </a:lnRef>
+        <a:fillRef idx="0">
+          <a:scrgbClr r="0" g="0" b="0"/>
+        </a:fillRef>
+        <a:effectRef idx="0">
+          <a:scrgbClr r="0" g="0" b="0"/>
+        </a:effectRef>
+        <a:fontRef idx="minor"/>
+      </dsp:style>
+    </dsp:sp>
+    <dsp:sp modelId="{314AD960-11B1-48FE-A6AB-562313CE59CB}">
+      <dsp:nvSpPr>
+        <dsp:cNvPr id="0" name=""/>
+        <dsp:cNvSpPr/>
+      </dsp:nvSpPr>
+      <dsp:spPr>
+        <a:xfrm>
+          <a:off x="3028702" y="2795028"/>
+          <a:ext cx="1189585" cy="773230"/>
+        </a:xfrm>
+        <a:prstGeom prst="roundRect">
+          <a:avLst/>
+        </a:prstGeom>
+        <a:solidFill>
+          <a:schemeClr val="lt1">
+            <a:hueOff val="0"/>
+            <a:satOff val="0"/>
+            <a:lumOff val="0"/>
+            <a:alphaOff val="0"/>
+          </a:schemeClr>
+        </a:solidFill>
+        <a:ln w="12700" cap="flat" cmpd="sng" algn="ctr">
+          <a:solidFill>
+            <a:schemeClr val="accent2">
+              <a:shade val="80000"/>
+              <a:hueOff val="0"/>
+              <a:satOff val="0"/>
+              <a:lumOff val="0"/>
+              <a:alphaOff val="0"/>
+            </a:schemeClr>
+          </a:solidFill>
+          <a:prstDash val="solid"/>
+          <a:miter lim="800000"/>
+        </a:ln>
+        <a:effectLst/>
+      </dsp:spPr>
+      <dsp:style>
+        <a:lnRef idx="2">
+          <a:scrgbClr r="0" g="0" b="0"/>
+        </a:lnRef>
+        <a:fillRef idx="1">
+          <a:scrgbClr r="0" g="0" b="0"/>
+        </a:fillRef>
+        <a:effectRef idx="0">
+          <a:scrgbClr r="0" g="0" b="0"/>
+        </a:effectRef>
+        <a:fontRef idx="minor">
+          <a:schemeClr val="lt1"/>
+        </a:fontRef>
+      </dsp:style>
+      <dsp:txBody>
+        <a:bodyPr spcFirstLastPara="0" vert="horz" wrap="square" lIns="83820" tIns="83820" rIns="83820" bIns="83820" numCol="1" spcCol="1270" anchor="ctr" anchorCtr="0">
+          <a:noAutofit/>
+        </a:bodyPr>
+        <a:lstStyle/>
+        <a:p>
+          <a:pPr lvl="0" algn="ctr" defTabSz="977900">
+            <a:lnSpc>
+              <a:spcPct val="90000"/>
+            </a:lnSpc>
+            <a:spcBef>
+              <a:spcPct val="0"/>
+            </a:spcBef>
+            <a:spcAft>
+              <a:spcPct val="35000"/>
+            </a:spcAft>
+          </a:pPr>
+          <a:r>
+            <a:rPr lang="en-US" sz="2200" kern="1200" dirty="0">
+              <a:solidFill>
+                <a:srgbClr val="D24726"/>
+              </a:solidFill>
+              <a:latin typeface="Segoe UI Light" panose="020B0502040204020203" pitchFamily="34" charset="0"/>
+              <a:ea typeface="+mj-ea"/>
+              <a:cs typeface="Segoe UI Light" panose="020B0502040204020203" pitchFamily="34" charset="0"/>
+            </a:rPr>
+            <a:t>Node 3</a:t>
+          </a:r>
+        </a:p>
+      </dsp:txBody>
+      <dsp:txXfrm>
+        <a:off x="3066448" y="2832774"/>
+        <a:ext cx="1114093" cy="697738"/>
+      </dsp:txXfrm>
+    </dsp:sp>
+    <dsp:sp modelId="{6EC830C9-72F5-44F0-A400-AFA36B6D2741}">
+      <dsp:nvSpPr>
+        <dsp:cNvPr id="0" name=""/>
+        <dsp:cNvSpPr/>
+      </dsp:nvSpPr>
+      <dsp:spPr>
+        <a:xfrm>
+          <a:off x="1172135" y="388727"/>
+          <a:ext cx="3087772" cy="3087772"/>
+        </a:xfrm>
+        <a:custGeom>
+          <a:avLst/>
+          <a:gdLst/>
+          <a:ahLst/>
+          <a:cxnLst/>
+          <a:rect l="0" t="0" r="0" b="0"/>
+          <a:pathLst>
+            <a:path>
+              <a:moveTo>
+                <a:pt x="1850440" y="3057031"/>
+              </a:moveTo>
+              <a:arcTo wR="1543886" hR="1543886" stAng="4712834" swAng="1374332"/>
+            </a:path>
+          </a:pathLst>
+        </a:custGeom>
+        <a:noFill/>
+        <a:ln w="6350" cap="flat" cmpd="sng" algn="ctr">
+          <a:solidFill>
+            <a:schemeClr val="accent2">
+              <a:hueOff val="0"/>
+              <a:satOff val="0"/>
+              <a:lumOff val="0"/>
+              <a:alphaOff val="0"/>
+            </a:schemeClr>
+          </a:solidFill>
+          <a:prstDash val="solid"/>
+          <a:miter lim="800000"/>
+        </a:ln>
+        <a:effectLst/>
+      </dsp:spPr>
+      <dsp:style>
+        <a:lnRef idx="1">
+          <a:scrgbClr r="0" g="0" b="0"/>
+        </a:lnRef>
+        <a:fillRef idx="0">
+          <a:scrgbClr r="0" g="0" b="0"/>
+        </a:fillRef>
+        <a:effectRef idx="0">
+          <a:scrgbClr r="0" g="0" b="0"/>
+        </a:effectRef>
+        <a:fontRef idx="minor"/>
+      </dsp:style>
+    </dsp:sp>
+    <dsp:sp modelId="{B945EB8D-AF78-4C31-B5AB-72C53D7CA97A}">
+      <dsp:nvSpPr>
+        <dsp:cNvPr id="0" name=""/>
+        <dsp:cNvSpPr/>
+      </dsp:nvSpPr>
+      <dsp:spPr>
+        <a:xfrm>
+          <a:off x="1213755" y="2795028"/>
+          <a:ext cx="1189585" cy="773230"/>
+        </a:xfrm>
+        <a:prstGeom prst="roundRect">
+          <a:avLst/>
+        </a:prstGeom>
+        <a:solidFill>
+          <a:schemeClr val="lt1">
+            <a:hueOff val="0"/>
+            <a:satOff val="0"/>
+            <a:lumOff val="0"/>
+            <a:alphaOff val="0"/>
+          </a:schemeClr>
+        </a:solidFill>
+        <a:ln w="12700" cap="flat" cmpd="sng" algn="ctr">
+          <a:solidFill>
+            <a:schemeClr val="accent2">
+              <a:shade val="80000"/>
+              <a:hueOff val="0"/>
+              <a:satOff val="0"/>
+              <a:lumOff val="0"/>
+              <a:alphaOff val="0"/>
+            </a:schemeClr>
+          </a:solidFill>
+          <a:prstDash val="solid"/>
+          <a:miter lim="800000"/>
+        </a:ln>
+        <a:effectLst/>
+      </dsp:spPr>
+      <dsp:style>
+        <a:lnRef idx="2">
+          <a:scrgbClr r="0" g="0" b="0"/>
+        </a:lnRef>
+        <a:fillRef idx="1">
+          <a:scrgbClr r="0" g="0" b="0"/>
+        </a:fillRef>
+        <a:effectRef idx="0">
+          <a:scrgbClr r="0" g="0" b="0"/>
+        </a:effectRef>
+        <a:fontRef idx="minor">
+          <a:schemeClr val="lt1"/>
+        </a:fontRef>
+      </dsp:style>
+      <dsp:txBody>
+        <a:bodyPr spcFirstLastPara="0" vert="horz" wrap="square" lIns="83820" tIns="83820" rIns="83820" bIns="83820" numCol="1" spcCol="1270" anchor="ctr" anchorCtr="0">
+          <a:noAutofit/>
+        </a:bodyPr>
+        <a:lstStyle/>
+        <a:p>
+          <a:pPr lvl="0" algn="ctr" defTabSz="977900">
+            <a:lnSpc>
+              <a:spcPct val="90000"/>
+            </a:lnSpc>
+            <a:spcBef>
+              <a:spcPct val="0"/>
+            </a:spcBef>
+            <a:spcAft>
+              <a:spcPct val="35000"/>
+            </a:spcAft>
+          </a:pPr>
+          <a:r>
+            <a:rPr lang="en-US" sz="2200" kern="1200" dirty="0">
+              <a:solidFill>
+                <a:srgbClr val="D24726"/>
+              </a:solidFill>
+              <a:latin typeface="Segoe UI Light" panose="020B0502040204020203" pitchFamily="34" charset="0"/>
+              <a:ea typeface="+mj-ea"/>
+              <a:cs typeface="Segoe UI Light" panose="020B0502040204020203" pitchFamily="34" charset="0"/>
+            </a:rPr>
+            <a:t>Node 4</a:t>
+          </a:r>
+        </a:p>
+      </dsp:txBody>
+      <dsp:txXfrm>
+        <a:off x="1251501" y="2832774"/>
+        <a:ext cx="1114093" cy="697738"/>
+      </dsp:txXfrm>
+    </dsp:sp>
+    <dsp:sp modelId="{6C263C1A-7610-4CC9-AEFA-71FBD03C0367}">
+      <dsp:nvSpPr>
+        <dsp:cNvPr id="0" name=""/>
+        <dsp:cNvSpPr/>
+      </dsp:nvSpPr>
+      <dsp:spPr>
+        <a:xfrm>
+          <a:off x="1172135" y="388727"/>
+          <a:ext cx="3087772" cy="3087772"/>
+        </a:xfrm>
+        <a:custGeom>
+          <a:avLst/>
+          <a:gdLst/>
+          <a:ahLst/>
+          <a:cxnLst/>
+          <a:rect l="0" t="0" r="0" b="0"/>
+          <a:pathLst>
+            <a:path>
+              <a:moveTo>
+                <a:pt x="257837" y="2398089"/>
+              </a:moveTo>
+              <a:arcTo wR="1543886" hR="1543886" stAng="8784456" swAng="2195114"/>
+            </a:path>
+          </a:pathLst>
+        </a:custGeom>
+        <a:noFill/>
+        <a:ln w="6350" cap="flat" cmpd="sng" algn="ctr">
+          <a:solidFill>
+            <a:schemeClr val="accent2">
+              <a:hueOff val="0"/>
+              <a:satOff val="0"/>
+              <a:lumOff val="0"/>
+              <a:alphaOff val="0"/>
+            </a:schemeClr>
+          </a:solidFill>
+          <a:prstDash val="solid"/>
+          <a:miter lim="800000"/>
+        </a:ln>
+        <a:effectLst/>
+      </dsp:spPr>
+      <dsp:style>
+        <a:lnRef idx="1">
+          <a:scrgbClr r="0" g="0" b="0"/>
+        </a:lnRef>
+        <a:fillRef idx="0">
+          <a:scrgbClr r="0" g="0" b="0"/>
+        </a:fillRef>
+        <a:effectRef idx="0">
+          <a:scrgbClr r="0" g="0" b="0"/>
+        </a:effectRef>
+        <a:fontRef idx="minor"/>
+      </dsp:style>
+    </dsp:sp>
+    <dsp:sp modelId="{A834C8E2-2D17-44CE-8777-F41D710F9561}">
+      <dsp:nvSpPr>
+        <dsp:cNvPr id="0" name=""/>
+        <dsp:cNvSpPr/>
+      </dsp:nvSpPr>
+      <dsp:spPr>
+        <a:xfrm>
+          <a:off x="652906" y="1068911"/>
+          <a:ext cx="1189585" cy="773230"/>
+        </a:xfrm>
+        <a:prstGeom prst="roundRect">
+          <a:avLst/>
+        </a:prstGeom>
+        <a:solidFill>
+          <a:schemeClr val="lt1">
+            <a:hueOff val="0"/>
+            <a:satOff val="0"/>
+            <a:lumOff val="0"/>
+            <a:alphaOff val="0"/>
+          </a:schemeClr>
+        </a:solidFill>
+        <a:ln w="12700" cap="flat" cmpd="sng" algn="ctr">
+          <a:solidFill>
+            <a:schemeClr val="accent2">
+              <a:shade val="80000"/>
+              <a:hueOff val="0"/>
+              <a:satOff val="0"/>
+              <a:lumOff val="0"/>
+              <a:alphaOff val="0"/>
+            </a:schemeClr>
+          </a:solidFill>
+          <a:prstDash val="solid"/>
+          <a:miter lim="800000"/>
+        </a:ln>
+        <a:effectLst/>
+      </dsp:spPr>
+      <dsp:style>
+        <a:lnRef idx="2">
+          <a:scrgbClr r="0" g="0" b="0"/>
+        </a:lnRef>
+        <a:fillRef idx="1">
+          <a:scrgbClr r="0" g="0" b="0"/>
+        </a:fillRef>
+        <a:effectRef idx="0">
+          <a:scrgbClr r="0" g="0" b="0"/>
+        </a:effectRef>
+        <a:fontRef idx="minor">
+          <a:schemeClr val="lt1"/>
+        </a:fontRef>
+      </dsp:style>
+      <dsp:txBody>
+        <a:bodyPr spcFirstLastPara="0" vert="horz" wrap="square" lIns="83820" tIns="83820" rIns="83820" bIns="83820" numCol="1" spcCol="1270" anchor="ctr" anchorCtr="0">
+          <a:noAutofit/>
+        </a:bodyPr>
+        <a:lstStyle/>
+        <a:p>
+          <a:pPr lvl="0" algn="ctr" defTabSz="977900">
+            <a:lnSpc>
+              <a:spcPct val="90000"/>
+            </a:lnSpc>
+            <a:spcBef>
+              <a:spcPct val="0"/>
+            </a:spcBef>
+            <a:spcAft>
+              <a:spcPct val="35000"/>
+            </a:spcAft>
+          </a:pPr>
+          <a:r>
+            <a:rPr lang="en-US" sz="2200" kern="1200" dirty="0">
+              <a:solidFill>
+                <a:srgbClr val="D24726"/>
+              </a:solidFill>
+              <a:latin typeface="Segoe UI Light" panose="020B0502040204020203" pitchFamily="34" charset="0"/>
+              <a:ea typeface="+mj-ea"/>
+              <a:cs typeface="Segoe UI Light" panose="020B0502040204020203" pitchFamily="34" charset="0"/>
+            </a:rPr>
+            <a:t>Node</a:t>
+          </a:r>
+          <a:r>
+            <a:rPr lang="en-US" sz="2200" kern="1200" dirty="0">
+              <a:solidFill>
+                <a:srgbClr val="D24726"/>
+              </a:solidFill>
+            </a:rPr>
+            <a:t> </a:t>
+          </a:r>
+          <a:r>
+            <a:rPr lang="en-US" sz="2200" kern="1200" dirty="0">
+              <a:solidFill>
+                <a:srgbClr val="D24726"/>
+              </a:solidFill>
+              <a:latin typeface="Segoe UI Light" panose="020B0502040204020203" pitchFamily="34" charset="0"/>
+              <a:ea typeface="+mj-ea"/>
+              <a:cs typeface="Segoe UI Light" panose="020B0502040204020203" pitchFamily="34" charset="0"/>
+            </a:rPr>
+            <a:t>5</a:t>
+          </a:r>
+        </a:p>
+      </dsp:txBody>
+      <dsp:txXfrm>
+        <a:off x="690652" y="1106657"/>
+        <a:ext cx="1114093" cy="697738"/>
+      </dsp:txXfrm>
+    </dsp:sp>
+    <dsp:sp modelId="{226AE663-04B8-4614-9ED7-20BDF7F4D263}">
+      <dsp:nvSpPr>
+        <dsp:cNvPr id="0" name=""/>
+        <dsp:cNvSpPr/>
+      </dsp:nvSpPr>
+      <dsp:spPr>
+        <a:xfrm>
+          <a:off x="1172135" y="388727"/>
+          <a:ext cx="3087772" cy="3087772"/>
+        </a:xfrm>
+        <a:custGeom>
+          <a:avLst/>
+          <a:gdLst/>
+          <a:ahLst/>
+          <a:cxnLst/>
+          <a:rect l="0" t="0" r="0" b="0"/>
+          <a:pathLst>
+            <a:path>
+              <a:moveTo>
+                <a:pt x="269171" y="672859"/>
+              </a:moveTo>
+              <a:arcTo wR="1543886" hR="1543886" stAng="12860714" swAng="1959991"/>
+            </a:path>
+          </a:pathLst>
+        </a:custGeom>
+        <a:noFill/>
+        <a:ln w="6350" cap="flat" cmpd="sng" algn="ctr">
+          <a:solidFill>
+            <a:schemeClr val="accent2">
+              <a:hueOff val="0"/>
+              <a:satOff val="0"/>
+              <a:lumOff val="0"/>
+              <a:alphaOff val="0"/>
+            </a:schemeClr>
+          </a:solidFill>
+          <a:prstDash val="solid"/>
+          <a:miter lim="800000"/>
+        </a:ln>
+        <a:effectLst/>
+      </dsp:spPr>
+      <dsp:style>
+        <a:lnRef idx="1">
+          <a:scrgbClr r="0" g="0" b="0"/>
+        </a:lnRef>
+        <a:fillRef idx="0">
+          <a:scrgbClr r="0" g="0" b="0"/>
+        </a:fillRef>
+        <a:effectRef idx="0">
+          <a:scrgbClr r="0" g="0" b="0"/>
+        </a:effectRef>
+        <a:fontRef idx="minor"/>
+      </dsp:style>
+    </dsp:sp>
   </dsp:spTree>
 </dsp:drawing>
 </file>
@@ -2696,6 +3405,421 @@
       <dsp:cNvGrpSpPr/>
     </dsp:nvGrpSpPr>
     <dsp:grpSpPr/>
+    <dsp:sp modelId="{DB5BCEB9-0713-465D-BAE4-41008A09F44D}">
+      <dsp:nvSpPr>
+        <dsp:cNvPr id="0" name=""/>
+        <dsp:cNvSpPr/>
+      </dsp:nvSpPr>
+      <dsp:spPr>
+        <a:xfrm>
+          <a:off x="1554729" y="1642795"/>
+          <a:ext cx="1287477" cy="1287477"/>
+        </a:xfrm>
+        <a:prstGeom prst="ellipse">
+          <a:avLst/>
+        </a:prstGeom>
+        <a:solidFill>
+          <a:srgbClr val="D24726"/>
+        </a:solidFill>
+        <a:ln w="12700" cap="flat" cmpd="sng" algn="ctr">
+          <a:solidFill>
+            <a:schemeClr val="lt1">
+              <a:hueOff val="0"/>
+              <a:satOff val="0"/>
+              <a:lumOff val="0"/>
+              <a:alphaOff val="0"/>
+            </a:schemeClr>
+          </a:solidFill>
+          <a:prstDash val="solid"/>
+          <a:miter lim="800000"/>
+        </a:ln>
+        <a:effectLst/>
+      </dsp:spPr>
+      <dsp:style>
+        <a:lnRef idx="2">
+          <a:scrgbClr r="0" g="0" b="0"/>
+        </a:lnRef>
+        <a:fillRef idx="1">
+          <a:scrgbClr r="0" g="0" b="0"/>
+        </a:fillRef>
+        <a:effectRef idx="0">
+          <a:scrgbClr r="0" g="0" b="0"/>
+        </a:effectRef>
+        <a:fontRef idx="minor">
+          <a:schemeClr val="lt1"/>
+        </a:fontRef>
+      </dsp:style>
+      <dsp:txBody>
+        <a:bodyPr spcFirstLastPara="0" vert="horz" wrap="square" lIns="12700" tIns="12700" rIns="12700" bIns="12700" numCol="1" spcCol="1270" anchor="ctr" anchorCtr="0">
+          <a:noAutofit/>
+        </a:bodyPr>
+        <a:lstStyle/>
+        <a:p>
+          <a:pPr lvl="0" algn="ctr" defTabSz="889000">
+            <a:lnSpc>
+              <a:spcPct val="90000"/>
+            </a:lnSpc>
+            <a:spcBef>
+              <a:spcPct val="0"/>
+            </a:spcBef>
+            <a:spcAft>
+              <a:spcPct val="35000"/>
+            </a:spcAft>
+          </a:pPr>
+          <a:r>
+            <a:rPr lang="en-US" sz="2000" kern="1200" dirty="0" smtClean="0"/>
+            <a:t>Domain</a:t>
+          </a:r>
+          <a:endParaRPr lang="en-US" sz="2000" kern="1200" dirty="0"/>
+        </a:p>
+      </dsp:txBody>
+      <dsp:txXfrm>
+        <a:off x="1743276" y="1831342"/>
+        <a:ext cx="910383" cy="910383"/>
+      </dsp:txXfrm>
+    </dsp:sp>
+    <dsp:sp modelId="{74468A4D-70A3-4880-8935-DDF3701E1C20}">
+      <dsp:nvSpPr>
+        <dsp:cNvPr id="0" name=""/>
+        <dsp:cNvSpPr/>
+      </dsp:nvSpPr>
+      <dsp:spPr>
+        <a:xfrm rot="12900000">
+          <a:off x="628561" y="1385122"/>
+          <a:ext cx="1089146" cy="366931"/>
+        </a:xfrm>
+        <a:prstGeom prst="leftArrow">
+          <a:avLst>
+            <a:gd name="adj1" fmla="val 60000"/>
+            <a:gd name="adj2" fmla="val 50000"/>
+          </a:avLst>
+        </a:prstGeom>
+        <a:solidFill>
+          <a:srgbClr val="F8CFB6"/>
+        </a:solidFill>
+        <a:ln>
+          <a:noFill/>
+        </a:ln>
+        <a:effectLst/>
+      </dsp:spPr>
+      <dsp:style>
+        <a:lnRef idx="0">
+          <a:scrgbClr r="0" g="0" b="0"/>
+        </a:lnRef>
+        <a:fillRef idx="1">
+          <a:scrgbClr r="0" g="0" b="0"/>
+        </a:fillRef>
+        <a:effectRef idx="0">
+          <a:scrgbClr r="0" g="0" b="0"/>
+        </a:effectRef>
+        <a:fontRef idx="minor">
+          <a:schemeClr val="lt1"/>
+        </a:fontRef>
+      </dsp:style>
+    </dsp:sp>
+    <dsp:sp modelId="{A91EC127-07CB-47FA-8B45-C656741EF170}">
+      <dsp:nvSpPr>
+        <dsp:cNvPr id="0" name=""/>
+        <dsp:cNvSpPr/>
+      </dsp:nvSpPr>
+      <dsp:spPr>
+        <a:xfrm>
+          <a:off x="115494" y="766991"/>
+          <a:ext cx="1223103" cy="978483"/>
+        </a:xfrm>
+        <a:prstGeom prst="roundRect">
+          <a:avLst>
+            <a:gd name="adj" fmla="val 10000"/>
+          </a:avLst>
+        </a:prstGeom>
+        <a:solidFill>
+          <a:srgbClr val="D24726"/>
+        </a:solidFill>
+        <a:ln w="12700" cap="flat" cmpd="sng" algn="ctr">
+          <a:solidFill>
+            <a:schemeClr val="lt1">
+              <a:hueOff val="0"/>
+              <a:satOff val="0"/>
+              <a:lumOff val="0"/>
+              <a:alphaOff val="0"/>
+            </a:schemeClr>
+          </a:solidFill>
+          <a:prstDash val="solid"/>
+          <a:miter lim="800000"/>
+        </a:ln>
+        <a:effectLst/>
+      </dsp:spPr>
+      <dsp:style>
+        <a:lnRef idx="2">
+          <a:scrgbClr r="0" g="0" b="0"/>
+        </a:lnRef>
+        <a:fillRef idx="1">
+          <a:scrgbClr r="0" g="0" b="0"/>
+        </a:fillRef>
+        <a:effectRef idx="0">
+          <a:scrgbClr r="0" g="0" b="0"/>
+        </a:effectRef>
+        <a:fontRef idx="minor">
+          <a:schemeClr val="lt1"/>
+        </a:fontRef>
+      </dsp:style>
+      <dsp:txBody>
+        <a:bodyPr spcFirstLastPara="0" vert="horz" wrap="square" lIns="26670" tIns="26670" rIns="26670" bIns="26670" numCol="1" spcCol="1270" anchor="ctr" anchorCtr="0">
+          <a:noAutofit/>
+        </a:bodyPr>
+        <a:lstStyle/>
+        <a:p>
+          <a:pPr lvl="0" algn="ctr" defTabSz="622300">
+            <a:lnSpc>
+              <a:spcPct val="90000"/>
+            </a:lnSpc>
+            <a:spcBef>
+              <a:spcPct val="0"/>
+            </a:spcBef>
+            <a:spcAft>
+              <a:spcPct val="35000"/>
+            </a:spcAft>
+          </a:pPr>
+          <a:r>
+            <a:rPr lang="en-US" sz="1400" kern="1200" dirty="0" smtClean="0"/>
+            <a:t>Bounded Context</a:t>
+          </a:r>
+          <a:endParaRPr lang="en-US" sz="1400" kern="1200" dirty="0"/>
+        </a:p>
+      </dsp:txBody>
+      <dsp:txXfrm>
+        <a:off x="144153" y="795650"/>
+        <a:ext cx="1165785" cy="921165"/>
+      </dsp:txXfrm>
+    </dsp:sp>
+    <dsp:sp modelId="{96B9E08B-0BF3-4FBC-87CD-104C4419927A}">
+      <dsp:nvSpPr>
+        <dsp:cNvPr id="0" name=""/>
+        <dsp:cNvSpPr/>
+      </dsp:nvSpPr>
+      <dsp:spPr>
+        <a:xfrm rot="16200000">
+          <a:off x="1653894" y="851367"/>
+          <a:ext cx="1089146" cy="366931"/>
+        </a:xfrm>
+        <a:prstGeom prst="leftArrow">
+          <a:avLst>
+            <a:gd name="adj1" fmla="val 60000"/>
+            <a:gd name="adj2" fmla="val 50000"/>
+          </a:avLst>
+        </a:prstGeom>
+        <a:solidFill>
+          <a:srgbClr val="F8CFB6"/>
+        </a:solidFill>
+        <a:ln>
+          <a:noFill/>
+        </a:ln>
+        <a:effectLst/>
+      </dsp:spPr>
+      <dsp:style>
+        <a:lnRef idx="0">
+          <a:scrgbClr r="0" g="0" b="0"/>
+        </a:lnRef>
+        <a:fillRef idx="1">
+          <a:scrgbClr r="0" g="0" b="0"/>
+        </a:fillRef>
+        <a:effectRef idx="0">
+          <a:scrgbClr r="0" g="0" b="0"/>
+        </a:effectRef>
+        <a:fontRef idx="minor">
+          <a:schemeClr val="lt1"/>
+        </a:fontRef>
+      </dsp:style>
+    </dsp:sp>
+    <dsp:sp modelId="{BBDE044E-1FE9-413D-B3EF-4E1EF2039827}">
+      <dsp:nvSpPr>
+        <dsp:cNvPr id="0" name=""/>
+        <dsp:cNvSpPr/>
+      </dsp:nvSpPr>
+      <dsp:spPr>
+        <a:xfrm>
+          <a:off x="1586916" y="1018"/>
+          <a:ext cx="1223103" cy="978483"/>
+        </a:xfrm>
+        <a:prstGeom prst="roundRect">
+          <a:avLst>
+            <a:gd name="adj" fmla="val 10000"/>
+          </a:avLst>
+        </a:prstGeom>
+        <a:solidFill>
+          <a:srgbClr val="D24726"/>
+        </a:solidFill>
+        <a:ln w="12700" cap="flat" cmpd="sng" algn="ctr">
+          <a:solidFill>
+            <a:schemeClr val="lt1">
+              <a:hueOff val="0"/>
+              <a:satOff val="0"/>
+              <a:lumOff val="0"/>
+              <a:alphaOff val="0"/>
+            </a:schemeClr>
+          </a:solidFill>
+          <a:prstDash val="solid"/>
+          <a:miter lim="800000"/>
+        </a:ln>
+        <a:effectLst/>
+      </dsp:spPr>
+      <dsp:style>
+        <a:lnRef idx="2">
+          <a:scrgbClr r="0" g="0" b="0"/>
+        </a:lnRef>
+        <a:fillRef idx="1">
+          <a:scrgbClr r="0" g="0" b="0"/>
+        </a:fillRef>
+        <a:effectRef idx="0">
+          <a:scrgbClr r="0" g="0" b="0"/>
+        </a:effectRef>
+        <a:fontRef idx="minor">
+          <a:schemeClr val="lt1"/>
+        </a:fontRef>
+      </dsp:style>
+      <dsp:txBody>
+        <a:bodyPr spcFirstLastPara="0" vert="horz" wrap="square" lIns="26670" tIns="26670" rIns="26670" bIns="26670" numCol="1" spcCol="1270" anchor="ctr" anchorCtr="0">
+          <a:noAutofit/>
+        </a:bodyPr>
+        <a:lstStyle/>
+        <a:p>
+          <a:pPr lvl="0" algn="ctr" defTabSz="622300">
+            <a:lnSpc>
+              <a:spcPct val="90000"/>
+            </a:lnSpc>
+            <a:spcBef>
+              <a:spcPct val="0"/>
+            </a:spcBef>
+            <a:spcAft>
+              <a:spcPct val="35000"/>
+            </a:spcAft>
+          </a:pPr>
+          <a:r>
+            <a:rPr lang="en-US" sz="1400" kern="1200" dirty="0" smtClean="0"/>
+            <a:t>Single Responsibility Principal</a:t>
+          </a:r>
+          <a:endParaRPr lang="en-US" sz="1400" kern="1200" dirty="0"/>
+        </a:p>
+      </dsp:txBody>
+      <dsp:txXfrm>
+        <a:off x="1615575" y="29677"/>
+        <a:ext cx="1165785" cy="921165"/>
+      </dsp:txXfrm>
+    </dsp:sp>
+    <dsp:sp modelId="{295CEE7A-D8F7-4B65-9C84-E38052FE6573}">
+      <dsp:nvSpPr>
+        <dsp:cNvPr id="0" name=""/>
+        <dsp:cNvSpPr/>
+      </dsp:nvSpPr>
+      <dsp:spPr>
+        <a:xfrm rot="19500000">
+          <a:off x="2679228" y="1385122"/>
+          <a:ext cx="1089146" cy="366931"/>
+        </a:xfrm>
+        <a:prstGeom prst="leftArrow">
+          <a:avLst>
+            <a:gd name="adj1" fmla="val 60000"/>
+            <a:gd name="adj2" fmla="val 50000"/>
+          </a:avLst>
+        </a:prstGeom>
+        <a:solidFill>
+          <a:srgbClr val="F8CFB6"/>
+        </a:solidFill>
+        <a:ln>
+          <a:noFill/>
+        </a:ln>
+        <a:effectLst/>
+      </dsp:spPr>
+      <dsp:style>
+        <a:lnRef idx="0">
+          <a:scrgbClr r="0" g="0" b="0"/>
+        </a:lnRef>
+        <a:fillRef idx="1">
+          <a:scrgbClr r="0" g="0" b="0"/>
+        </a:fillRef>
+        <a:effectRef idx="0">
+          <a:scrgbClr r="0" g="0" b="0"/>
+        </a:effectRef>
+        <a:fontRef idx="minor">
+          <a:schemeClr val="lt1"/>
+        </a:fontRef>
+      </dsp:style>
+    </dsp:sp>
+    <dsp:sp modelId="{E2B774FB-C9C7-4233-A2B1-0D676A448C3A}">
+      <dsp:nvSpPr>
+        <dsp:cNvPr id="0" name=""/>
+        <dsp:cNvSpPr/>
+      </dsp:nvSpPr>
+      <dsp:spPr>
+        <a:xfrm>
+          <a:off x="3058337" y="766991"/>
+          <a:ext cx="1223103" cy="978483"/>
+        </a:xfrm>
+        <a:prstGeom prst="roundRect">
+          <a:avLst>
+            <a:gd name="adj" fmla="val 10000"/>
+          </a:avLst>
+        </a:prstGeom>
+        <a:solidFill>
+          <a:srgbClr val="D24726"/>
+        </a:solidFill>
+        <a:ln w="12700" cap="flat" cmpd="sng" algn="ctr">
+          <a:solidFill>
+            <a:schemeClr val="lt1">
+              <a:hueOff val="0"/>
+              <a:satOff val="0"/>
+              <a:lumOff val="0"/>
+              <a:alphaOff val="0"/>
+            </a:schemeClr>
+          </a:solidFill>
+          <a:prstDash val="solid"/>
+          <a:miter lim="800000"/>
+        </a:ln>
+        <a:effectLst/>
+      </dsp:spPr>
+      <dsp:style>
+        <a:lnRef idx="2">
+          <a:scrgbClr r="0" g="0" b="0"/>
+        </a:lnRef>
+        <a:fillRef idx="1">
+          <a:scrgbClr r="0" g="0" b="0"/>
+        </a:fillRef>
+        <a:effectRef idx="0">
+          <a:scrgbClr r="0" g="0" b="0"/>
+        </a:effectRef>
+        <a:fontRef idx="minor">
+          <a:schemeClr val="lt1"/>
+        </a:fontRef>
+      </dsp:style>
+      <dsp:txBody>
+        <a:bodyPr spcFirstLastPara="0" vert="horz" wrap="square" lIns="26670" tIns="26670" rIns="26670" bIns="26670" numCol="1" spcCol="1270" anchor="ctr" anchorCtr="0">
+          <a:noAutofit/>
+        </a:bodyPr>
+        <a:lstStyle/>
+        <a:p>
+          <a:pPr lvl="0" algn="ctr" defTabSz="622300">
+            <a:lnSpc>
+              <a:spcPct val="90000"/>
+            </a:lnSpc>
+            <a:spcBef>
+              <a:spcPct val="0"/>
+            </a:spcBef>
+            <a:spcAft>
+              <a:spcPct val="35000"/>
+            </a:spcAft>
+          </a:pPr>
+          <a:r>
+            <a:rPr lang="en-US" sz="1400" kern="1200" dirty="0" smtClean="0"/>
+            <a:t>Ubiquitous Language</a:t>
+          </a:r>
+          <a:endParaRPr lang="en-US" sz="1400" kern="1200" dirty="0"/>
+        </a:p>
+      </dsp:txBody>
+      <dsp:txXfrm>
+        <a:off x="3086996" y="795650"/>
+        <a:ext cx="1165785" cy="921165"/>
+      </dsp:txXfrm>
+    </dsp:sp>
   </dsp:spTree>
 </dsp:drawing>
 </file>
@@ -12100,16 +13224,7 @@
                 </a:solidFill>
                 <a:latin typeface="+mj-lt"/>
               </a:rPr>
-              <a:t>Resilient and Reliable Service Implementation Using Azure Service </a:t>
-            </a:r>
-            <a:r>
-              <a:rPr lang="en-US" sz="3000" dirty="0" smtClean="0">
-                <a:solidFill>
-                  <a:schemeClr val="bg1"/>
-                </a:solidFill>
-                <a:latin typeface="+mj-lt"/>
-              </a:rPr>
-              <a:t>Fabric</a:t>
+              <a:t>Resilient and Reliable Service Implementation Using Azure Service Fabric</a:t>
             </a:r>
           </a:p>
           <a:p>
@@ -25461,7 +26576,7 @@
           <a:p>
             <a:pPr algn="ctr"/>
             <a:r>
-              <a:rPr lang="en-US" sz="1200" dirty="0"/>
+              <a:rPr lang="en-US" sz="1200" b="1" dirty="0"/>
               <a:t>SQL Server</a:t>
             </a:r>
           </a:p>
@@ -25811,9 +26926,9 @@
             <a:p>
               <a:pPr algn="ctr"/>
               <a:r>
-                <a:rPr lang="en-US" sz="1200" dirty="0" smtClean="0">
+                <a:rPr lang="en-US" sz="1200" b="1" dirty="0" smtClean="0">
                   <a:solidFill>
-                    <a:srgbClr val="404040"/>
+                    <a:schemeClr val="bg1"/>
                   </a:solidFill>
                 </a:rPr>
                 <a:t>Inventory Microservice</a:t>
@@ -25822,16 +26937,16 @@
             <a:p>
               <a:pPr algn="ctr"/>
               <a:r>
-                <a:rPr lang="en-US" sz="1200" dirty="0" smtClean="0">
+                <a:rPr lang="en-US" sz="1200" b="1" dirty="0" smtClean="0">
                   <a:solidFill>
-                    <a:srgbClr val="404040"/>
+                    <a:schemeClr val="bg1"/>
                   </a:solidFill>
                 </a:rPr>
                 <a:t>[Stateless REST API]</a:t>
               </a:r>
-              <a:endParaRPr lang="en-US" sz="1200" dirty="0">
-                <a:solidFill>
-                  <a:srgbClr val="404040"/>
+              <a:endParaRPr lang="en-US" sz="1200" b="1" dirty="0">
+                <a:solidFill>
+                  <a:schemeClr val="bg1"/>
                 </a:solidFill>
               </a:endParaRPr>
             </a:p>
@@ -25947,40 +27062,40 @@
             <a:p>
               <a:pPr algn="ctr"/>
               <a:r>
-                <a:rPr lang="en-US" sz="1100" dirty="0" smtClean="0">
+                <a:rPr lang="en-US" sz="1100" b="1" dirty="0" smtClean="0">
                   <a:solidFill>
-                    <a:srgbClr val="404040"/>
+                    <a:schemeClr val="bg1"/>
                   </a:solidFill>
                 </a:rPr>
                 <a:t>Component Microservice</a:t>
               </a:r>
-              <a:endParaRPr lang="en-US" sz="1050" dirty="0" smtClean="0">
-                <a:solidFill>
-                  <a:srgbClr val="404040"/>
+              <a:endParaRPr lang="en-US" sz="1050" b="1" dirty="0" smtClean="0">
+                <a:solidFill>
+                  <a:schemeClr val="bg1"/>
                 </a:solidFill>
               </a:endParaRPr>
             </a:p>
             <a:p>
               <a:pPr algn="ctr"/>
               <a:r>
-                <a:rPr lang="en-US" sz="1100" dirty="0">
+                <a:rPr lang="en-US" sz="1100" b="1" dirty="0">
                   <a:solidFill>
-                    <a:srgbClr val="404040"/>
+                    <a:schemeClr val="bg1"/>
                   </a:solidFill>
                 </a:rPr>
                 <a:t>[Stateless REST API</a:t>
               </a:r>
               <a:r>
-                <a:rPr lang="en-US" sz="1100" dirty="0" smtClean="0">
+                <a:rPr lang="en-US" sz="1100" b="1" dirty="0" smtClean="0">
                   <a:solidFill>
-                    <a:srgbClr val="404040"/>
+                    <a:schemeClr val="bg1"/>
                   </a:solidFill>
                 </a:rPr>
                 <a:t>]</a:t>
               </a:r>
-              <a:endParaRPr lang="en-US" sz="1100" dirty="0">
-                <a:solidFill>
-                  <a:srgbClr val="404040"/>
+              <a:endParaRPr lang="en-US" sz="1100" b="1" dirty="0">
+                <a:solidFill>
+                  <a:schemeClr val="bg1"/>
                 </a:solidFill>
               </a:endParaRPr>
             </a:p>
@@ -26090,9 +27205,9 @@
             <a:p>
               <a:pPr algn="ctr"/>
               <a:r>
-                <a:rPr lang="en-US" sz="1050" dirty="0" smtClean="0">
+                <a:rPr lang="en-US" sz="1050" b="1" dirty="0" smtClean="0">
                   <a:solidFill>
-                    <a:srgbClr val="404040"/>
+                    <a:schemeClr val="bg1"/>
                   </a:solidFill>
                 </a:rPr>
                 <a:t>Maintenance Microservice</a:t>
@@ -26101,24 +27216,24 @@
             <a:p>
               <a:pPr algn="ctr"/>
               <a:r>
-                <a:rPr lang="en-US" sz="1050" dirty="0">
+                <a:rPr lang="en-US" sz="1050" b="1" dirty="0">
                   <a:solidFill>
-                    <a:srgbClr val="404040"/>
+                    <a:schemeClr val="bg1"/>
                   </a:solidFill>
                 </a:rPr>
                 <a:t>[Stateless REST API</a:t>
               </a:r>
               <a:r>
-                <a:rPr lang="en-US" sz="1050" dirty="0" smtClean="0">
+                <a:rPr lang="en-US" sz="1050" b="1" dirty="0" smtClean="0">
                   <a:solidFill>
-                    <a:srgbClr val="404040"/>
+                    <a:schemeClr val="bg1"/>
                   </a:solidFill>
                 </a:rPr>
                 <a:t>]</a:t>
               </a:r>
-              <a:endParaRPr lang="en-US" sz="1050" dirty="0">
-                <a:solidFill>
-                  <a:srgbClr val="404040"/>
+              <a:endParaRPr lang="en-US" sz="1050" b="1" dirty="0">
+                <a:solidFill>
+                  <a:schemeClr val="bg1"/>
                 </a:solidFill>
               </a:endParaRPr>
             </a:p>
@@ -26292,17 +27407,17 @@
             <a:p>
               <a:pPr algn="ctr"/>
               <a:r>
-                <a:rPr lang="en-US" sz="1200" dirty="0">
+                <a:rPr lang="en-US" sz="1200" b="1" dirty="0">
                   <a:solidFill>
-                    <a:srgbClr val="404040"/>
+                    <a:schemeClr val="bg1"/>
                   </a:solidFill>
                 </a:rPr>
                 <a:t>Security </a:t>
               </a:r>
               <a:r>
-                <a:rPr lang="en-US" sz="1200" dirty="0" smtClean="0">
+                <a:rPr lang="en-US" sz="1200" b="1" dirty="0" smtClean="0">
                   <a:solidFill>
-                    <a:srgbClr val="404040"/>
+                    <a:schemeClr val="bg1"/>
                   </a:solidFill>
                 </a:rPr>
                 <a:t>Microservice</a:t>
@@ -26311,24 +27426,24 @@
             <a:p>
               <a:pPr algn="ctr"/>
               <a:r>
-                <a:rPr lang="en-US" sz="1200" dirty="0">
+                <a:rPr lang="en-US" sz="1200" b="1" dirty="0">
                   <a:solidFill>
-                    <a:srgbClr val="404040"/>
+                    <a:schemeClr val="bg1"/>
                   </a:solidFill>
                 </a:rPr>
                 <a:t>[Stateless REST API</a:t>
               </a:r>
               <a:r>
-                <a:rPr lang="en-US" sz="1200" dirty="0" smtClean="0">
+                <a:rPr lang="en-US" sz="1200" b="1" dirty="0" smtClean="0">
                   <a:solidFill>
-                    <a:srgbClr val="404040"/>
+                    <a:schemeClr val="bg1"/>
                   </a:solidFill>
                 </a:rPr>
                 <a:t>]</a:t>
               </a:r>
-              <a:endParaRPr lang="en-US" sz="1200" dirty="0">
-                <a:solidFill>
-                  <a:srgbClr val="404040"/>
+              <a:endParaRPr lang="en-US" sz="1200" b="1" dirty="0">
+                <a:solidFill>
+                  <a:schemeClr val="bg1"/>
                 </a:solidFill>
               </a:endParaRPr>
             </a:p>
@@ -26529,16 +27644,16 @@
           <a:p>
             <a:pPr algn="ctr"/>
             <a:r>
-              <a:rPr lang="en-US" sz="1200" dirty="0" smtClean="0">
-                <a:solidFill>
-                  <a:srgbClr val="404040"/>
+              <a:rPr lang="en-US" sz="1200" b="1" dirty="0" smtClean="0">
+                <a:solidFill>
+                  <a:schemeClr val="bg1"/>
                 </a:solidFill>
               </a:rPr>
               <a:t>Easy Maintain UI (MVC .NET Core)</a:t>
             </a:r>
-            <a:endParaRPr lang="en-US" sz="1200" dirty="0">
+            <a:endParaRPr lang="en-US" sz="1200" b="1" dirty="0">
               <a:solidFill>
-                <a:srgbClr val="404040"/>
+                <a:schemeClr val="bg1"/>
               </a:solidFill>
             </a:endParaRPr>
           </a:p>
